--- a/iDeliver presentation.pptx
+++ b/iDeliver presentation.pptx
@@ -2882,22 +2882,22 @@
     </dgm:pt>
   </dgm:ptLst>
   <dgm:cxnLst>
+    <dgm:cxn modelId="{8FC5C53C-E0D2-4D9E-921A-D5BAB0691AEA}" type="presOf" srcId="{F15AB5BC-20EB-4896-ACF0-5A5E624E7B6C}" destId="{2122FC3D-9D7C-4674-9A64-60A76FF473D7}" srcOrd="1" destOrd="0" presId="urn:microsoft.com/office/officeart/2005/8/layout/list1"/>
+    <dgm:cxn modelId="{F872DC09-BB93-40DD-AC2E-02BB8F8E24F7}" type="presOf" srcId="{50966B18-8F4F-4052-89F9-B48790BD2367}" destId="{F8B1D1CA-F8B8-4CF2-850D-8A08A6D43348}" srcOrd="0" destOrd="0" presId="urn:microsoft.com/office/officeart/2005/8/layout/list1"/>
+    <dgm:cxn modelId="{895819B1-9F28-4D90-ACDF-9FE810992A71}" srcId="{EDC7A38C-A6DB-4DC5-A689-39ECF460C6EE}" destId="{F3861C03-805D-46DF-A473-53653EFDEFAC}" srcOrd="0" destOrd="0" parTransId="{FDEF765C-797E-4575-A57A-62FC58C0DBBD}" sibTransId="{4B94263F-AE36-49BA-90BC-B9C0A3836F11}"/>
+    <dgm:cxn modelId="{491C81F4-6429-47C7-A66F-7BFF0E79B08D}" type="presOf" srcId="{4EF90078-E6E6-4945-AFF6-3CE122D73B62}" destId="{E2681A2F-F14D-4CA1-AED2-F51532E386C0}" srcOrd="1" destOrd="0" presId="urn:microsoft.com/office/officeart/2005/8/layout/list1"/>
+    <dgm:cxn modelId="{62A679E3-6E81-49B3-9E2D-5E7AB7AFAAB0}" srcId="{EDC7A38C-A6DB-4DC5-A689-39ECF460C6EE}" destId="{F15AB5BC-20EB-4896-ACF0-5A5E624E7B6C}" srcOrd="1" destOrd="0" parTransId="{D72D90E7-2791-440A-BD7C-BF567269DBF7}" sibTransId="{491206DF-53A9-45C6-A28A-60F01CAC4067}"/>
+    <dgm:cxn modelId="{75735154-E353-4CB6-A313-260C53D45645}" type="presOf" srcId="{50966B18-8F4F-4052-89F9-B48790BD2367}" destId="{7AA6AE93-8789-4D56-BCEC-D6B55D847325}" srcOrd="1" destOrd="0" presId="urn:microsoft.com/office/officeart/2005/8/layout/list1"/>
+    <dgm:cxn modelId="{E9E9A78E-3D06-4434-9596-2811CFE08B6F}" type="presOf" srcId="{4EF90078-E6E6-4945-AFF6-3CE122D73B62}" destId="{5C8FE5E1-884F-412E-A725-A291A47A8E59}" srcOrd="0" destOrd="0" presId="urn:microsoft.com/office/officeart/2005/8/layout/list1"/>
+    <dgm:cxn modelId="{B939CA61-FB1E-4148-98F6-EABDDE961BD5}" srcId="{EDC7A38C-A6DB-4DC5-A689-39ECF460C6EE}" destId="{50966B18-8F4F-4052-89F9-B48790BD2367}" srcOrd="2" destOrd="0" parTransId="{C781F25A-CB4B-44C1-A33E-F87A8D09F246}" sibTransId="{5D4359EE-B0D4-4E7C-8140-B2A89C1D7FF5}"/>
     <dgm:cxn modelId="{D511B19E-2229-41BF-A87F-557FEE21CBCC}" type="presOf" srcId="{EDC7A38C-A6DB-4DC5-A689-39ECF460C6EE}" destId="{12349A56-4627-47C6-95E1-59A3763AA6E1}" srcOrd="0" destOrd="0" presId="urn:microsoft.com/office/officeart/2005/8/layout/list1"/>
+    <dgm:cxn modelId="{B6DE7BDF-0007-4DDE-B412-4B6F0561ED64}" type="presOf" srcId="{2511DA9D-D953-4E88-85D7-486DCAA95676}" destId="{1B03F452-E806-41D8-9F69-D88626BB3B32}" srcOrd="0" destOrd="0" presId="urn:microsoft.com/office/officeart/2005/8/layout/list1"/>
     <dgm:cxn modelId="{E9ECDBE4-4B3F-4965-BC46-77193A10C313}" type="presOf" srcId="{F15AB5BC-20EB-4896-ACF0-5A5E624E7B6C}" destId="{ED16CCA2-3479-4C2F-9EE1-3E315BF03D68}" srcOrd="0" destOrd="0" presId="urn:microsoft.com/office/officeart/2005/8/layout/list1"/>
-    <dgm:cxn modelId="{EADFDE52-5B58-4A6D-AB10-BDF6EB79B1DE}" type="presOf" srcId="{F3861C03-805D-46DF-A473-53653EFDEFAC}" destId="{F5161C34-E6C6-424C-AFB0-D1DCB70063F9}" srcOrd="0" destOrd="0" presId="urn:microsoft.com/office/officeart/2005/8/layout/list1"/>
-    <dgm:cxn modelId="{B939CA61-FB1E-4148-98F6-EABDDE961BD5}" srcId="{EDC7A38C-A6DB-4DC5-A689-39ECF460C6EE}" destId="{50966B18-8F4F-4052-89F9-B48790BD2367}" srcOrd="2" destOrd="0" parTransId="{C781F25A-CB4B-44C1-A33E-F87A8D09F246}" sibTransId="{5D4359EE-B0D4-4E7C-8140-B2A89C1D7FF5}"/>
-    <dgm:cxn modelId="{895819B1-9F28-4D90-ACDF-9FE810992A71}" srcId="{EDC7A38C-A6DB-4DC5-A689-39ECF460C6EE}" destId="{F3861C03-805D-46DF-A473-53653EFDEFAC}" srcOrd="0" destOrd="0" parTransId="{FDEF765C-797E-4575-A57A-62FC58C0DBBD}" sibTransId="{4B94263F-AE36-49BA-90BC-B9C0A3836F11}"/>
-    <dgm:cxn modelId="{8FC5C53C-E0D2-4D9E-921A-D5BAB0691AEA}" type="presOf" srcId="{F15AB5BC-20EB-4896-ACF0-5A5E624E7B6C}" destId="{2122FC3D-9D7C-4674-9A64-60A76FF473D7}" srcOrd="1" destOrd="0" presId="urn:microsoft.com/office/officeart/2005/8/layout/list1"/>
-    <dgm:cxn modelId="{E9E9A78E-3D06-4434-9596-2811CFE08B6F}" type="presOf" srcId="{4EF90078-E6E6-4945-AFF6-3CE122D73B62}" destId="{5C8FE5E1-884F-412E-A725-A291A47A8E59}" srcOrd="0" destOrd="0" presId="urn:microsoft.com/office/officeart/2005/8/layout/list1"/>
-    <dgm:cxn modelId="{491C81F4-6429-47C7-A66F-7BFF0E79B08D}" type="presOf" srcId="{4EF90078-E6E6-4945-AFF6-3CE122D73B62}" destId="{E2681A2F-F14D-4CA1-AED2-F51532E386C0}" srcOrd="1" destOrd="0" presId="urn:microsoft.com/office/officeart/2005/8/layout/list1"/>
     <dgm:cxn modelId="{ACA434B3-DE1A-47D9-A07E-3EE677AE4A87}" type="presOf" srcId="{F3861C03-805D-46DF-A473-53653EFDEFAC}" destId="{4BCFC962-7C53-4C3E-A79A-F8EA1F40FB77}" srcOrd="1" destOrd="0" presId="urn:microsoft.com/office/officeart/2005/8/layout/list1"/>
-    <dgm:cxn modelId="{62A679E3-6E81-49B3-9E2D-5E7AB7AFAAB0}" srcId="{EDC7A38C-A6DB-4DC5-A689-39ECF460C6EE}" destId="{F15AB5BC-20EB-4896-ACF0-5A5E624E7B6C}" srcOrd="1" destOrd="0" parTransId="{D72D90E7-2791-440A-BD7C-BF567269DBF7}" sibTransId="{491206DF-53A9-45C6-A28A-60F01CAC4067}"/>
-    <dgm:cxn modelId="{C012B5AC-4085-426B-BA31-5E62062BF963}" srcId="{EDC7A38C-A6DB-4DC5-A689-39ECF460C6EE}" destId="{4EF90078-E6E6-4945-AFF6-3CE122D73B62}" srcOrd="3" destOrd="0" parTransId="{09C9B5E1-25C3-4E5E-AD04-49DF3B553086}" sibTransId="{AE2A650F-D5C1-43DF-9F83-849BA50274C2}"/>
-    <dgm:cxn modelId="{75735154-E353-4CB6-A313-260C53D45645}" type="presOf" srcId="{50966B18-8F4F-4052-89F9-B48790BD2367}" destId="{7AA6AE93-8789-4D56-BCEC-D6B55D847325}" srcOrd="1" destOrd="0" presId="urn:microsoft.com/office/officeart/2005/8/layout/list1"/>
-    <dgm:cxn modelId="{B6DE7BDF-0007-4DDE-B412-4B6F0561ED64}" type="presOf" srcId="{2511DA9D-D953-4E88-85D7-486DCAA95676}" destId="{1B03F452-E806-41D8-9F69-D88626BB3B32}" srcOrd="0" destOrd="0" presId="urn:microsoft.com/office/officeart/2005/8/layout/list1"/>
-    <dgm:cxn modelId="{F872DC09-BB93-40DD-AC2E-02BB8F8E24F7}" type="presOf" srcId="{50966B18-8F4F-4052-89F9-B48790BD2367}" destId="{F8B1D1CA-F8B8-4CF2-850D-8A08A6D43348}" srcOrd="0" destOrd="0" presId="urn:microsoft.com/office/officeart/2005/8/layout/list1"/>
     <dgm:cxn modelId="{6A8FF732-B4B4-4D17-AEEF-1FC21937469E}" type="presOf" srcId="{2511DA9D-D953-4E88-85D7-486DCAA95676}" destId="{A2F44CA5-7572-4B10-8094-A7E02486FABF}" srcOrd="1" destOrd="0" presId="urn:microsoft.com/office/officeart/2005/8/layout/list1"/>
     <dgm:cxn modelId="{443A4200-1FAC-4F0C-AB59-DBDB9E58150F}" srcId="{EDC7A38C-A6DB-4DC5-A689-39ECF460C6EE}" destId="{2511DA9D-D953-4E88-85D7-486DCAA95676}" srcOrd="4" destOrd="0" parTransId="{FFC15986-DDEE-40E7-86E3-050BDF619BE7}" sibTransId="{87DF7139-E210-4101-AEDE-4DE92254736F}"/>
+    <dgm:cxn modelId="{C012B5AC-4085-426B-BA31-5E62062BF963}" srcId="{EDC7A38C-A6DB-4DC5-A689-39ECF460C6EE}" destId="{4EF90078-E6E6-4945-AFF6-3CE122D73B62}" srcOrd="3" destOrd="0" parTransId="{09C9B5E1-25C3-4E5E-AD04-49DF3B553086}" sibTransId="{AE2A650F-D5C1-43DF-9F83-849BA50274C2}"/>
+    <dgm:cxn modelId="{EADFDE52-5B58-4A6D-AB10-BDF6EB79B1DE}" type="presOf" srcId="{F3861C03-805D-46DF-A473-53653EFDEFAC}" destId="{F5161C34-E6C6-424C-AFB0-D1DCB70063F9}" srcOrd="0" destOrd="0" presId="urn:microsoft.com/office/officeart/2005/8/layout/list1"/>
     <dgm:cxn modelId="{A5C55C8A-FE5F-4D8D-9361-332699CFA204}" type="presParOf" srcId="{12349A56-4627-47C6-95E1-59A3763AA6E1}" destId="{4C00E976-8666-4597-95C1-88AFE21BB0A3}" srcOrd="0" destOrd="0" presId="urn:microsoft.com/office/officeart/2005/8/layout/list1"/>
     <dgm:cxn modelId="{AF596160-38EF-493E-AD36-5132F7C884BA}" type="presParOf" srcId="{4C00E976-8666-4597-95C1-88AFE21BB0A3}" destId="{F5161C34-E6C6-424C-AFB0-D1DCB70063F9}" srcOrd="0" destOrd="0" presId="urn:microsoft.com/office/officeart/2005/8/layout/list1"/>
     <dgm:cxn modelId="{2EC1E1E5-E010-4D2F-8E22-1F399244BCDA}" type="presParOf" srcId="{4C00E976-8666-4597-95C1-88AFE21BB0A3}" destId="{4BCFC962-7C53-4C3E-A79A-F8EA1F40FB77}" srcOrd="1" destOrd="0" presId="urn:microsoft.com/office/officeart/2005/8/layout/list1"/>
@@ -3545,13 +3545,8 @@
           <a:pPr algn="l"/>
           <a:r>
             <a:rPr lang="en-US" dirty="0" smtClean="0"/>
-            <a:t>Less </a:t>
+            <a:t>Less training </a:t>
           </a:r>
-          <a:r>
-            <a:rPr lang="en-US" dirty="0" smtClean="0"/>
-            <a:t>training </a:t>
-          </a:r>
-          <a:endParaRPr lang="en-US" dirty="0" smtClean="0"/>
         </a:p>
         <a:p>
           <a:pPr algn="l"/>
@@ -5776,13 +5771,8 @@
           </a:pPr>
           <a:r>
             <a:rPr lang="en-US" sz="1700" kern="1200" dirty="0" smtClean="0"/>
-            <a:t>Less </a:t>
+            <a:t>Less training </a:t>
           </a:r>
-          <a:r>
-            <a:rPr lang="en-US" sz="1700" kern="1200" dirty="0" smtClean="0"/>
-            <a:t>training </a:t>
-          </a:r>
-          <a:endParaRPr lang="en-US" sz="1700" kern="1200" dirty="0" smtClean="0"/>
         </a:p>
         <a:p>
           <a:pPr lvl="0" algn="l" defTabSz="755650">
@@ -10887,7 +10877,7 @@
           <a:p>
             <a:fld id="{EEB917EA-0A47-475B-9CE2-61BBD17C3321}" type="datetimeFigureOut">
               <a:rPr lang="en-US" smtClean="0"/>
-              <a:t>4/28/2014</a:t>
+              <a:t>28/04/2014</a:t>
             </a:fld>
             <a:endParaRPr lang="en-US"/>
           </a:p>
@@ -13265,7 +13255,7 @@
           <a:graphicData uri="http://schemas.openxmlformats.org/presentationml/2006/ole">
             <mc:AlternateContent xmlns:mc="http://schemas.openxmlformats.org/markup-compatibility/2006">
               <mc:Choice xmlns:v="urn:schemas-microsoft-com:vml" Requires="v">
-                <p:oleObj spid="_x0000_s2417" name="Image" r:id="rId15" imgW="6311111" imgH="1155148" progId="">
+                <p:oleObj spid="_x0000_s2421" name="Image" r:id="rId15" imgW="6311111" imgH="1155148" progId="">
                   <p:embed/>
                 </p:oleObj>
               </mc:Choice>
@@ -16740,18 +16730,36 @@
           <a:lstStyle/>
           <a:p>
             <a:r>
-              <a:rPr lang="en-US" sz="3000" b="1" dirty="0" smtClean="0"/>
+              <a:rPr lang="en-US" b="1" dirty="0" smtClean="0">
+                <a:latin typeface="Segoe UI" pitchFamily="34" charset="0"/>
+                <a:cs typeface="Segoe UI" pitchFamily="34" charset="0"/>
+              </a:rPr>
               <a:t>Technology &amp; </a:t>
             </a:r>
             <a:r>
-              <a:rPr lang="en-US" sz="3000" b="1" dirty="0" err="1" smtClean="0"/>
-              <a:t>dev</a:t>
-            </a:r>
-            <a:r>
-              <a:rPr lang="en-US" sz="3000" b="1" dirty="0" smtClean="0"/>
-              <a:t> environment</a:t>
-            </a:r>
-            <a:endParaRPr lang="en-US" sz="3000" b="1" dirty="0"/>
+              <a:rPr lang="en-US" b="1" dirty="0" smtClean="0">
+                <a:latin typeface="Segoe UI" pitchFamily="34" charset="0"/>
+                <a:cs typeface="Segoe UI" pitchFamily="34" charset="0"/>
+              </a:rPr>
+              <a:t>development </a:t>
+            </a:r>
+            <a:br>
+              <a:rPr lang="en-US" b="1" dirty="0" smtClean="0">
+                <a:latin typeface="Segoe UI" pitchFamily="34" charset="0"/>
+                <a:cs typeface="Segoe UI" pitchFamily="34" charset="0"/>
+              </a:rPr>
+            </a:br>
+            <a:r>
+              <a:rPr lang="en-US" b="1" dirty="0" smtClean="0">
+                <a:latin typeface="Segoe UI" pitchFamily="34" charset="0"/>
+                <a:cs typeface="Segoe UI" pitchFamily="34" charset="0"/>
+              </a:rPr>
+              <a:t>environment</a:t>
+            </a:r>
+            <a:endParaRPr lang="en-US" b="1" dirty="0">
+              <a:latin typeface="Segoe UI" pitchFamily="34" charset="0"/>
+              <a:cs typeface="Segoe UI" pitchFamily="34" charset="0"/>
+            </a:endParaRPr>
           </a:p>
         </p:txBody>
       </p:sp>
@@ -16779,9 +16787,42 @@
         </p:blipFill>
         <p:spPr>
           <a:xfrm>
-            <a:off x="298652" y="1930229"/>
-            <a:ext cx="1967522" cy="1527969"/>
+            <a:off x="381000" y="1971895"/>
+            <a:ext cx="2011680" cy="1562262"/>
           </a:xfrm>
+          <a:prstGeom prst="rect">
+            <a:avLst/>
+          </a:prstGeom>
+          <a:solidFill>
+            <a:srgbClr val="FFFFFF">
+              <a:shade val="85000"/>
+            </a:srgbClr>
+          </a:solidFill>
+          <a:ln w="88900" cap="sq">
+            <a:solidFill>
+              <a:srgbClr val="FFFFFF"/>
+            </a:solidFill>
+            <a:miter lim="800000"/>
+          </a:ln>
+          <a:effectLst>
+            <a:outerShdw blurRad="55000" dist="18000" dir="5400000" algn="tl" rotWithShape="0">
+              <a:srgbClr val="000000">
+                <a:alpha val="40000"/>
+              </a:srgbClr>
+            </a:outerShdw>
+          </a:effectLst>
+          <a:scene3d>
+            <a:camera prst="orthographicFront"/>
+            <a:lightRig rig="twoPt" dir="t">
+              <a:rot lat="0" lon="0" rev="7200000"/>
+            </a:lightRig>
+          </a:scene3d>
+          <a:sp3d>
+            <a:bevelT w="25400" h="19050"/>
+            <a:contourClr>
+              <a:srgbClr val="FFFFFF"/>
+            </a:contourClr>
+          </a:sp3d>
         </p:spPr>
       </p:pic>
       <p:pic>
@@ -16806,12 +16847,42 @@
         </p:blipFill>
         <p:spPr>
           <a:xfrm>
-            <a:off x="2676685" y="1600200"/>
-            <a:ext cx="1883229" cy="1883229"/>
+            <a:off x="2556758" y="1524000"/>
+            <a:ext cx="2011680" cy="2011680"/>
           </a:xfrm>
           <a:prstGeom prst="rect">
             <a:avLst/>
           </a:prstGeom>
+          <a:solidFill>
+            <a:srgbClr val="FFFFFF">
+              <a:shade val="85000"/>
+            </a:srgbClr>
+          </a:solidFill>
+          <a:ln w="88900" cap="sq">
+            <a:solidFill>
+              <a:srgbClr val="FFFFFF"/>
+            </a:solidFill>
+            <a:miter lim="800000"/>
+          </a:ln>
+          <a:effectLst>
+            <a:outerShdw blurRad="55000" dist="18000" dir="5400000" algn="tl" rotWithShape="0">
+              <a:srgbClr val="000000">
+                <a:alpha val="40000"/>
+              </a:srgbClr>
+            </a:outerShdw>
+          </a:effectLst>
+          <a:scene3d>
+            <a:camera prst="orthographicFront"/>
+            <a:lightRig rig="twoPt" dir="t">
+              <a:rot lat="0" lon="0" rev="7200000"/>
+            </a:lightRig>
+          </a:scene3d>
+          <a:sp3d>
+            <a:bevelT w="25400" h="19050"/>
+            <a:contourClr>
+              <a:srgbClr val="FFFFFF"/>
+            </a:contourClr>
+          </a:sp3d>
         </p:spPr>
       </p:pic>
       <p:pic>
@@ -16836,24 +16907,54 @@
         </p:blipFill>
         <p:spPr>
           <a:xfrm>
-            <a:off x="6934200" y="1619003"/>
-            <a:ext cx="2072453" cy="1883229"/>
+            <a:off x="4724400" y="1707675"/>
+            <a:ext cx="2011680" cy="1828005"/>
           </a:xfrm>
           <a:prstGeom prst="rect">
             <a:avLst/>
           </a:prstGeom>
+          <a:solidFill>
+            <a:srgbClr val="FFFFFF">
+              <a:shade val="85000"/>
+            </a:srgbClr>
+          </a:solidFill>
+          <a:ln w="88900" cap="sq">
+            <a:solidFill>
+              <a:srgbClr val="FFFFFF"/>
+            </a:solidFill>
+            <a:miter lim="800000"/>
+          </a:ln>
+          <a:effectLst>
+            <a:outerShdw blurRad="55000" dist="18000" dir="5400000" algn="tl" rotWithShape="0">
+              <a:srgbClr val="000000">
+                <a:alpha val="40000"/>
+              </a:srgbClr>
+            </a:outerShdw>
+          </a:effectLst>
+          <a:scene3d>
+            <a:camera prst="orthographicFront"/>
+            <a:lightRig rig="twoPt" dir="t">
+              <a:rot lat="0" lon="0" rev="7200000"/>
+            </a:lightRig>
+          </a:scene3d>
+          <a:sp3d>
+            <a:bevelT w="25400" h="19050"/>
+            <a:contourClr>
+              <a:srgbClr val="FFFFFF"/>
+            </a:contourClr>
+          </a:sp3d>
         </p:spPr>
       </p:pic>
       <p:pic>
         <p:nvPicPr>
-          <p:cNvPr id="17" name="Picture 16"/>
+          <p:cNvPr id="18" name="Picture 17"/>
           <p:cNvPicPr>
             <a:picLocks noChangeAspect="1"/>
           </p:cNvPicPr>
           <p:nvPr/>
         </p:nvPicPr>
         <p:blipFill>
-          <a:blip r:embed="rId5">
+          <a:blip r:embed="rId5" cstate="print">
             <a:extLst>
               <a:ext uri="{28A0092B-C50C-407E-A947-70E740481C1C}">
                 <a14:useLocalDpi xmlns:a14="http://schemas.microsoft.com/office/drawing/2010/main" val="0"/>
@@ -16866,24 +16967,54 @@
         </p:blipFill>
         <p:spPr>
           <a:xfrm>
-            <a:off x="4724400" y="1752600"/>
-            <a:ext cx="1883229" cy="1883229"/>
+            <a:off x="3329841" y="4099953"/>
+            <a:ext cx="2560320" cy="1601216"/>
           </a:xfrm>
           <a:prstGeom prst="rect">
             <a:avLst/>
           </a:prstGeom>
+          <a:solidFill>
+            <a:srgbClr val="FFFFFF">
+              <a:shade val="85000"/>
+            </a:srgbClr>
+          </a:solidFill>
+          <a:ln w="88900" cap="sq">
+            <a:solidFill>
+              <a:srgbClr val="FFFFFF"/>
+            </a:solidFill>
+            <a:miter lim="800000"/>
+          </a:ln>
+          <a:effectLst>
+            <a:outerShdw blurRad="55000" dist="18000" dir="5400000" algn="tl" rotWithShape="0">
+              <a:srgbClr val="000000">
+                <a:alpha val="40000"/>
+              </a:srgbClr>
+            </a:outerShdw>
+          </a:effectLst>
+          <a:scene3d>
+            <a:camera prst="orthographicFront"/>
+            <a:lightRig rig="twoPt" dir="t">
+              <a:rot lat="0" lon="0" rev="7200000"/>
+            </a:lightRig>
+          </a:scene3d>
+          <a:sp3d>
+            <a:bevelT w="25400" h="19050"/>
+            <a:contourClr>
+              <a:srgbClr val="FFFFFF"/>
+            </a:contourClr>
+          </a:sp3d>
         </p:spPr>
       </p:pic>
       <p:pic>
         <p:nvPicPr>
-          <p:cNvPr id="18" name="Picture 17"/>
+          <p:cNvPr id="3" name="Picture 2"/>
           <p:cNvPicPr>
             <a:picLocks noChangeAspect="1"/>
           </p:cNvPicPr>
           <p:nvPr/>
         </p:nvPicPr>
         <p:blipFill>
-          <a:blip r:embed="rId6">
+          <a:blip r:embed="rId6" cstate="print">
             <a:extLst>
               <a:ext uri="{28A0092B-C50C-407E-A947-70E740481C1C}">
                 <a14:useLocalDpi xmlns:a14="http://schemas.microsoft.com/office/drawing/2010/main" val="0"/>
@@ -16896,24 +17027,54 @@
         </p:blipFill>
         <p:spPr>
           <a:xfrm>
-            <a:off x="4893988" y="3810000"/>
-            <a:ext cx="4040423" cy="2526868"/>
+            <a:off x="6903720" y="2136521"/>
+            <a:ext cx="2011680" cy="1399159"/>
           </a:xfrm>
           <a:prstGeom prst="rect">
             <a:avLst/>
           </a:prstGeom>
+          <a:solidFill>
+            <a:srgbClr val="FFFFFF">
+              <a:shade val="85000"/>
+            </a:srgbClr>
+          </a:solidFill>
+          <a:ln w="88900" cap="sq">
+            <a:solidFill>
+              <a:srgbClr val="FFFFFF"/>
+            </a:solidFill>
+            <a:miter lim="800000"/>
+          </a:ln>
+          <a:effectLst>
+            <a:outerShdw blurRad="55000" dist="18000" dir="5400000" algn="tl" rotWithShape="0">
+              <a:srgbClr val="000000">
+                <a:alpha val="40000"/>
+              </a:srgbClr>
+            </a:outerShdw>
+          </a:effectLst>
+          <a:scene3d>
+            <a:camera prst="orthographicFront"/>
+            <a:lightRig rig="twoPt" dir="t">
+              <a:rot lat="0" lon="0" rev="7200000"/>
+            </a:lightRig>
+          </a:scene3d>
+          <a:sp3d>
+            <a:bevelT w="25400" h="19050"/>
+            <a:contourClr>
+              <a:srgbClr val="FFFFFF"/>
+            </a:contourClr>
+          </a:sp3d>
         </p:spPr>
       </p:pic>
       <p:pic>
         <p:nvPicPr>
-          <p:cNvPr id="19" name="Picture 18"/>
+          <p:cNvPr id="4" name="Picture 3"/>
           <p:cNvPicPr>
             <a:picLocks noChangeAspect="1"/>
           </p:cNvPicPr>
           <p:nvPr/>
         </p:nvPicPr>
         <p:blipFill>
-          <a:blip r:embed="rId7" cstate="print">
+          <a:blip r:embed="rId7">
             <a:extLst>
               <a:ext uri="{28A0092B-C50C-407E-A947-70E740481C1C}">
                 <a14:useLocalDpi xmlns:a14="http://schemas.microsoft.com/office/drawing/2010/main" val="0"/>
@@ -16926,12 +17087,102 @@
         </p:blipFill>
         <p:spPr>
           <a:xfrm>
-            <a:off x="265005" y="4572000"/>
-            <a:ext cx="4267200" cy="1195036"/>
+            <a:off x="381000" y="4099953"/>
+            <a:ext cx="2560320" cy="1356970"/>
           </a:xfrm>
           <a:prstGeom prst="rect">
             <a:avLst/>
           </a:prstGeom>
+          <a:solidFill>
+            <a:srgbClr val="FFFFFF">
+              <a:shade val="85000"/>
+            </a:srgbClr>
+          </a:solidFill>
+          <a:ln w="88900" cap="sq">
+            <a:solidFill>
+              <a:srgbClr val="FFFFFF"/>
+            </a:solidFill>
+            <a:miter lim="800000"/>
+          </a:ln>
+          <a:effectLst>
+            <a:outerShdw blurRad="55000" dist="18000" dir="5400000" algn="tl" rotWithShape="0">
+              <a:srgbClr val="000000">
+                <a:alpha val="40000"/>
+              </a:srgbClr>
+            </a:outerShdw>
+          </a:effectLst>
+          <a:scene3d>
+            <a:camera prst="orthographicFront"/>
+            <a:lightRig rig="twoPt" dir="t">
+              <a:rot lat="0" lon="0" rev="7200000"/>
+            </a:lightRig>
+          </a:scene3d>
+          <a:sp3d>
+            <a:bevelT w="25400" h="19050"/>
+            <a:contourClr>
+              <a:srgbClr val="FFFFFF"/>
+            </a:contourClr>
+          </a:sp3d>
+        </p:spPr>
+      </p:pic>
+      <p:pic>
+        <p:nvPicPr>
+          <p:cNvPr id="5" name="Picture 4"/>
+          <p:cNvPicPr>
+            <a:picLocks noChangeAspect="1"/>
+          </p:cNvPicPr>
+          <p:nvPr/>
+        </p:nvPicPr>
+        <p:blipFill>
+          <a:blip r:embed="rId8" cstate="print">
+            <a:extLst>
+              <a:ext uri="{28A0092B-C50C-407E-A947-70E740481C1C}">
+                <a14:useLocalDpi xmlns:a14="http://schemas.microsoft.com/office/drawing/2010/main" val="0"/>
+              </a:ext>
+            </a:extLst>
+          </a:blip>
+          <a:stretch>
+            <a:fillRect/>
+          </a:stretch>
+        </p:blipFill>
+        <p:spPr>
+          <a:xfrm>
+            <a:off x="6324600" y="4099953"/>
+            <a:ext cx="2560320" cy="1920240"/>
+          </a:xfrm>
+          <a:prstGeom prst="rect">
+            <a:avLst/>
+          </a:prstGeom>
+          <a:solidFill>
+            <a:srgbClr val="FFFFFF">
+              <a:shade val="85000"/>
+            </a:srgbClr>
+          </a:solidFill>
+          <a:ln w="88900" cap="sq">
+            <a:solidFill>
+              <a:srgbClr val="FFFFFF"/>
+            </a:solidFill>
+            <a:miter lim="800000"/>
+          </a:ln>
+          <a:effectLst>
+            <a:outerShdw blurRad="55000" dist="18000" dir="5400000" algn="tl" rotWithShape="0">
+              <a:srgbClr val="000000">
+                <a:alpha val="40000"/>
+              </a:srgbClr>
+            </a:outerShdw>
+          </a:effectLst>
+          <a:scene3d>
+            <a:camera prst="orthographicFront"/>
+            <a:lightRig rig="twoPt" dir="t">
+              <a:rot lat="0" lon="0" rev="7200000"/>
+            </a:lightRig>
+          </a:scene3d>
+          <a:sp3d>
+            <a:bevelT w="25400" h="19050"/>
+            <a:contourClr>
+              <a:srgbClr val="FFFFFF"/>
+            </a:contourClr>
+          </a:sp3d>
         </p:spPr>
       </p:pic>
     </p:spTree>
@@ -17045,47 +17296,6 @@
           <a:chExt cx="0" cy="0"/>
         </a:xfrm>
       </p:grpSpPr>
-      <p:pic>
-        <p:nvPicPr>
-          <p:cNvPr id="6147" name="Picture 3" descr="C:\Users\Le Phuc Lu\Desktop\google-maps-icon.jpg"/>
-          <p:cNvPicPr>
-            <a:picLocks noChangeAspect="1" noChangeArrowheads="1"/>
-          </p:cNvPicPr>
-          <p:nvPr/>
-        </p:nvPicPr>
-        <p:blipFill>
-          <a:blip r:embed="rId2">
-            <a:extLst>
-              <a:ext uri="{28A0092B-C50C-407E-A947-70E740481C1C}">
-                <a14:useLocalDpi xmlns:a14="http://schemas.microsoft.com/office/drawing/2010/main" val="0"/>
-              </a:ext>
-            </a:extLst>
-          </a:blip>
-          <a:srcRect/>
-          <a:stretch>
-            <a:fillRect/>
-          </a:stretch>
-        </p:blipFill>
-        <p:spPr bwMode="auto">
-          <a:xfrm>
-            <a:off x="7159370" y="2743200"/>
-            <a:ext cx="1984630" cy="1371600"/>
-          </a:xfrm>
-          <a:prstGeom prst="rect">
-            <a:avLst/>
-          </a:prstGeom>
-          <a:noFill/>
-          <a:extLst>
-            <a:ext uri="{909E8E84-426E-40DD-AFC4-6F175D3DCCD1}">
-              <a14:hiddenFill xmlns:a14="http://schemas.microsoft.com/office/drawing/2010/main">
-                <a:solidFill>
-                  <a:srgbClr val="FFFFFF"/>
-                </a:solidFill>
-              </a14:hiddenFill>
-            </a:ext>
-          </a:extLst>
-        </p:spPr>
-      </p:pic>
       <p:sp>
         <p:nvSpPr>
           <p:cNvPr id="2" name="Title 1"/>
@@ -17208,14 +17418,14 @@
         </p:nvSpPr>
         <p:spPr>
           <a:xfrm>
-            <a:off x="381000" y="4498727"/>
-            <a:ext cx="1703512" cy="1362758"/>
+            <a:off x="533400" y="4803631"/>
+            <a:ext cx="2011680" cy="1362758"/>
           </a:xfrm>
           <a:prstGeom prst="rect">
             <a:avLst/>
           </a:prstGeom>
           <a:blipFill>
-            <a:blip r:embed="rId3">
+            <a:blip r:embed="rId2">
               <a:extLst>
                 <a:ext uri="{28A0092B-C50C-407E-A947-70E740481C1C}">
                   <a14:useLocalDpi xmlns:a14="http://schemas.microsoft.com/office/drawing/2010/main" val="0"/>
@@ -17259,134 +17469,194 @@
           </a:fontRef>
         </p:style>
       </p:sp>
-      <p:sp>
-        <p:nvSpPr>
-          <p:cNvPr id="6" name="Rectangle 5"/>
-          <p:cNvSpPr/>
+      <p:pic>
+        <p:nvPicPr>
+          <p:cNvPr id="8" name="Picture 7"/>
+          <p:cNvPicPr>
+            <a:picLocks noChangeAspect="1"/>
+          </p:cNvPicPr>
           <p:nvPr/>
-        </p:nvSpPr>
+        </p:nvPicPr>
+        <p:blipFill>
+          <a:blip r:embed="rId3" cstate="print">
+            <a:extLst>
+              <a:ext uri="{28A0092B-C50C-407E-A947-70E740481C1C}">
+                <a14:useLocalDpi xmlns:a14="http://schemas.microsoft.com/office/drawing/2010/main" val="0"/>
+              </a:ext>
+            </a:extLst>
+          </a:blip>
+          <a:stretch>
+            <a:fillRect/>
+          </a:stretch>
+        </p:blipFill>
         <p:spPr>
           <a:xfrm>
-            <a:off x="4800600" y="4781476"/>
-            <a:ext cx="1703512" cy="1363706"/>
+            <a:off x="6934200" y="1828800"/>
+            <a:ext cx="2011680" cy="2011680"/>
           </a:xfrm>
           <a:prstGeom prst="rect">
             <a:avLst/>
           </a:prstGeom>
-          <a:blipFill>
-            <a:blip r:embed="rId4" cstate="print">
-              <a:extLst>
-                <a:ext uri="{28A0092B-C50C-407E-A947-70E740481C1C}">
-                  <a14:useLocalDpi xmlns:a14="http://schemas.microsoft.com/office/drawing/2010/main" val="0"/>
-                </a:ext>
-              </a:extLst>
-            </a:blip>
-            <a:srcRect/>
-            <a:stretch>
-              <a:fillRect l="-7000" r="-7000"/>
-            </a:stretch>
-          </a:blipFill>
+          <a:solidFill>
+            <a:srgbClr val="FFFFFF">
+              <a:shade val="85000"/>
+            </a:srgbClr>
+          </a:solidFill>
+          <a:ln w="88900" cap="sq">
+            <a:solidFill>
+              <a:srgbClr val="FFFFFF"/>
+            </a:solidFill>
+            <a:miter lim="800000"/>
+          </a:ln>
+          <a:effectLst>
+            <a:outerShdw blurRad="55000" dist="18000" dir="5400000" algn="tl" rotWithShape="0">
+              <a:srgbClr val="000000">
+                <a:alpha val="40000"/>
+              </a:srgbClr>
+            </a:outerShdw>
+          </a:effectLst>
+          <a:scene3d>
+            <a:camera prst="orthographicFront"/>
+            <a:lightRig rig="twoPt" dir="t">
+              <a:rot lat="0" lon="0" rev="7200000"/>
+            </a:lightRig>
+          </a:scene3d>
+          <a:sp3d>
+            <a:bevelT w="25400" h="19050"/>
+            <a:contourClr>
+              <a:srgbClr val="FFFFFF"/>
+            </a:contourClr>
+          </a:sp3d>
         </p:spPr>
-        <p:style>
-          <a:lnRef idx="3">
-            <a:schemeClr val="lt1">
-              <a:hueOff val="0"/>
-              <a:satOff val="0"/>
-              <a:lumOff val="0"/>
-              <a:alphaOff val="0"/>
-            </a:schemeClr>
-          </a:lnRef>
-          <a:fillRef idx="1">
-            <a:scrgbClr r="0" g="0" b="0"/>
-          </a:fillRef>
-          <a:effectRef idx="1">
-            <a:schemeClr val="accent1">
-              <a:tint val="50000"/>
-              <a:hueOff val="0"/>
-              <a:satOff val="0"/>
-              <a:lumOff val="0"/>
-              <a:alphaOff val="0"/>
-            </a:schemeClr>
-          </a:effectRef>
-          <a:fontRef idx="minor">
-            <a:schemeClr val="lt1">
-              <a:hueOff val="0"/>
-              <a:satOff val="0"/>
-              <a:lumOff val="0"/>
-              <a:alphaOff val="0"/>
-            </a:schemeClr>
-          </a:fontRef>
-        </p:style>
-      </p:sp>
-      <p:sp>
-        <p:nvSpPr>
-          <p:cNvPr id="7" name="Rectangle 6"/>
-          <p:cNvSpPr/>
+      </p:pic>
+      <p:pic>
+        <p:nvPicPr>
+          <p:cNvPr id="9" name="Picture 8"/>
+          <p:cNvPicPr>
+            <a:picLocks noChangeAspect="1"/>
+          </p:cNvPicPr>
           <p:nvPr/>
-        </p:nvSpPr>
+        </p:nvPicPr>
+        <p:blipFill rotWithShape="1">
+          <a:blip r:embed="rId4">
+            <a:extLst>
+              <a:ext uri="{28A0092B-C50C-407E-A947-70E740481C1C}">
+                <a14:useLocalDpi xmlns:a14="http://schemas.microsoft.com/office/drawing/2010/main" val="0"/>
+              </a:ext>
+            </a:extLst>
+          </a:blip>
+          <a:srcRect l="10330" t="10330" r="4931" b="4931"/>
+          <a:stretch/>
+        </p:blipFill>
         <p:spPr>
           <a:xfrm>
-            <a:off x="7188069" y="4392418"/>
-            <a:ext cx="1703512" cy="1362758"/>
+            <a:off x="7241197" y="4501611"/>
+            <a:ext cx="1704683" cy="1670589"/>
           </a:xfrm>
           <a:prstGeom prst="rect">
             <a:avLst/>
           </a:prstGeom>
-          <a:blipFill>
-            <a:blip r:embed="rId5">
-              <a:extLst>
-                <a:ext uri="{28A0092B-C50C-407E-A947-70E740481C1C}">
-                  <a14:useLocalDpi xmlns:a14="http://schemas.microsoft.com/office/drawing/2010/main" val="0"/>
-                </a:ext>
-              </a:extLst>
-            </a:blip>
-            <a:srcRect/>
-            <a:stretch>
-              <a:fillRect t="-12000" b="-12000"/>
-            </a:stretch>
-          </a:blipFill>
+          <a:solidFill>
+            <a:srgbClr val="FFFFFF">
+              <a:shade val="85000"/>
+            </a:srgbClr>
+          </a:solidFill>
+          <a:ln w="88900" cap="sq">
+            <a:solidFill>
+              <a:srgbClr val="FFFFFF"/>
+            </a:solidFill>
+            <a:miter lim="800000"/>
+          </a:ln>
+          <a:effectLst>
+            <a:outerShdw blurRad="55000" dist="18000" dir="5400000" algn="tl" rotWithShape="0">
+              <a:srgbClr val="000000">
+                <a:alpha val="40000"/>
+              </a:srgbClr>
+            </a:outerShdw>
+          </a:effectLst>
+          <a:scene3d>
+            <a:camera prst="orthographicFront"/>
+            <a:lightRig rig="twoPt" dir="t">
+              <a:rot lat="0" lon="0" rev="7200000"/>
+            </a:lightRig>
+          </a:scene3d>
+          <a:sp3d>
+            <a:bevelT w="25400" h="19050"/>
+            <a:contourClr>
+              <a:srgbClr val="FFFFFF"/>
+            </a:contourClr>
+          </a:sp3d>
         </p:spPr>
-        <p:style>
-          <a:lnRef idx="3">
-            <a:schemeClr val="lt1">
-              <a:hueOff val="0"/>
-              <a:satOff val="0"/>
-              <a:lumOff val="0"/>
-              <a:alphaOff val="0"/>
-            </a:schemeClr>
-          </a:lnRef>
-          <a:fillRef idx="1">
-            <a:scrgbClr r="0" g="0" b="0"/>
-          </a:fillRef>
-          <a:effectRef idx="1">
-            <a:schemeClr val="accent1">
-              <a:tint val="50000"/>
-              <a:hueOff val="0"/>
-              <a:satOff val="0"/>
-              <a:lumOff val="0"/>
-              <a:alphaOff val="0"/>
-            </a:schemeClr>
-          </a:effectRef>
-          <a:fontRef idx="minor">
-            <a:schemeClr val="lt1">
-              <a:hueOff val="0"/>
-              <a:satOff val="0"/>
-              <a:lumOff val="0"/>
-              <a:alphaOff val="0"/>
-            </a:schemeClr>
-          </a:fontRef>
-        </p:style>
-      </p:sp>
+      </p:pic>
       <p:pic>
         <p:nvPicPr>
-          <p:cNvPr id="6146" name="Picture 2" descr="C:\Users\Le Phuc Lu\Desktop\i_map.png"/>
+          <p:cNvPr id="10" name="Picture 9"/>
           <p:cNvPicPr>
-            <a:picLocks noChangeAspect="1" noChangeArrowheads="1"/>
+            <a:picLocks noChangeAspect="1"/>
           </p:cNvPicPr>
           <p:nvPr/>
         </p:nvPicPr>
-        <p:blipFill>
-          <a:blip r:embed="rId6">
+        <p:blipFill rotWithShape="1">
+          <a:blip r:embed="rId5">
+            <a:extLst>
+              <a:ext uri="{28A0092B-C50C-407E-A947-70E740481C1C}">
+                <a14:useLocalDpi xmlns:a14="http://schemas.microsoft.com/office/drawing/2010/main" val="0"/>
+              </a:ext>
+            </a:extLst>
+          </a:blip>
+          <a:srcRect r="50000"/>
+          <a:stretch/>
+        </p:blipFill>
+        <p:spPr>
+          <a:xfrm>
+            <a:off x="4998720" y="4495799"/>
+            <a:ext cx="2011680" cy="1628277"/>
+          </a:xfrm>
+          <a:prstGeom prst="rect">
+            <a:avLst/>
+          </a:prstGeom>
+          <a:solidFill>
+            <a:srgbClr val="FFFFFF">
+              <a:shade val="85000"/>
+            </a:srgbClr>
+          </a:solidFill>
+          <a:ln w="88900" cap="sq">
+            <a:solidFill>
+              <a:srgbClr val="FFFFFF"/>
+            </a:solidFill>
+            <a:miter lim="800000"/>
+          </a:ln>
+          <a:effectLst>
+            <a:outerShdw blurRad="55000" dist="18000" dir="5400000" algn="tl" rotWithShape="0">
+              <a:srgbClr val="000000">
+                <a:alpha val="40000"/>
+              </a:srgbClr>
+            </a:outerShdw>
+          </a:effectLst>
+          <a:scene3d>
+            <a:camera prst="orthographicFront"/>
+            <a:lightRig rig="twoPt" dir="t">
+              <a:rot lat="0" lon="0" rev="7200000"/>
+            </a:lightRig>
+          </a:scene3d>
+          <a:sp3d>
+            <a:bevelT w="25400" h="19050"/>
+            <a:contourClr>
+              <a:srgbClr val="FFFFFF"/>
+            </a:contourClr>
+          </a:sp3d>
+        </p:spPr>
+      </p:pic>
+      <p:pic>
+        <p:nvPicPr>
+          <p:cNvPr id="11" name="Picture 10"/>
+          <p:cNvPicPr>
+            <a:picLocks noChangeAspect="1"/>
+          </p:cNvPicPr>
+          <p:nvPr/>
+        </p:nvPicPr>
+        <p:blipFill rotWithShape="1">
+          <a:blip r:embed="rId6" cstate="print">
             <a:extLst>
               <a:ext uri="{28A0092B-C50C-407E-A947-70E740481C1C}">
                 <a14:useLocalDpi xmlns:a14="http://schemas.microsoft.com/office/drawing/2010/main" val="0"/>
@@ -17394,28 +17664,46 @@
             </a:extLst>
           </a:blip>
           <a:srcRect/>
-          <a:stretch>
-            <a:fillRect/>
-          </a:stretch>
+          <a:stretch/>
         </p:blipFill>
-        <p:spPr bwMode="auto">
+        <p:spPr>
           <a:xfrm>
-            <a:off x="2209800" y="4379026"/>
-            <a:ext cx="1766156" cy="1766156"/>
+            <a:off x="2744152" y="4746380"/>
+            <a:ext cx="2011680" cy="1420009"/>
           </a:xfrm>
           <a:prstGeom prst="rect">
             <a:avLst/>
           </a:prstGeom>
-          <a:noFill/>
-          <a:extLst>
-            <a:ext uri="{909E8E84-426E-40DD-AFC4-6F175D3DCCD1}">
-              <a14:hiddenFill xmlns:a14="http://schemas.microsoft.com/office/drawing/2010/main">
-                <a:solidFill>
-                  <a:srgbClr val="FFFFFF"/>
-                </a:solidFill>
-              </a14:hiddenFill>
-            </a:ext>
-          </a:extLst>
+          <a:solidFill>
+            <a:srgbClr val="FFFFFF">
+              <a:shade val="85000"/>
+            </a:srgbClr>
+          </a:solidFill>
+          <a:ln w="88900" cap="sq">
+            <a:solidFill>
+              <a:srgbClr val="FFFFFF"/>
+            </a:solidFill>
+            <a:miter lim="800000"/>
+          </a:ln>
+          <a:effectLst>
+            <a:outerShdw blurRad="55000" dist="18000" dir="5400000" algn="tl" rotWithShape="0">
+              <a:srgbClr val="000000">
+                <a:alpha val="40000"/>
+              </a:srgbClr>
+            </a:outerShdw>
+          </a:effectLst>
+          <a:scene3d>
+            <a:camera prst="orthographicFront"/>
+            <a:lightRig rig="twoPt" dir="t">
+              <a:rot lat="0" lon="0" rev="7200000"/>
+            </a:lightRig>
+          </a:scene3d>
+          <a:sp3d>
+            <a:bevelT w="25400" h="19050"/>
+            <a:contourClr>
+              <a:srgbClr val="FFFFFF"/>
+            </a:contourClr>
+          </a:sp3d>
         </p:spPr>
       </p:pic>
     </p:spTree>
@@ -26631,7 +26919,7 @@
           <a:graphicData uri="http://schemas.openxmlformats.org/presentationml/2006/ole">
             <mc:AlternateContent xmlns:mc="http://schemas.openxmlformats.org/markup-compatibility/2006">
               <mc:Choice xmlns:v="urn:schemas-microsoft-com:vml" Requires="v">
-                <p:oleObj spid="_x0000_s4189" name="Equation" r:id="rId3" imgW="1104421" imgH="355446" progId="Equation.DSMT4">
+                <p:oleObj spid="_x0000_s4193" name="Equation" r:id="rId3" imgW="1104421" imgH="355446" progId="Equation.DSMT4">
                   <p:embed/>
                 </p:oleObj>
               </mc:Choice>

--- a/iDeliver presentation.pptx
+++ b/iDeliver presentation.pptx
@@ -1,12 +1,15 @@
 
 <file path=ppt/presentation.xml><?xml version="1.0" encoding="utf-8"?>
-<p:presentation xmlns:a="http://schemas.openxmlformats.org/drawingml/2006/main" xmlns:r="http://schemas.openxmlformats.org/officeDocument/2006/relationships" xmlns:p="http://schemas.openxmlformats.org/presentationml/2006/main" saveSubsetFonts="1">
+<p:presentation xmlns:a="http://schemas.openxmlformats.org/drawingml/2006/main" xmlns:r="http://schemas.openxmlformats.org/officeDocument/2006/relationships" xmlns:p="http://schemas.openxmlformats.org/presentationml/2006/main" showSpecialPlsOnTitleSld="0" saveSubsetFonts="1">
   <p:sldMasterIdLst>
     <p:sldMasterId id="2147483660" r:id="rId1"/>
   </p:sldMasterIdLst>
   <p:notesMasterIdLst>
     <p:notesMasterId r:id="rId22"/>
   </p:notesMasterIdLst>
+  <p:handoutMasterIdLst>
+    <p:handoutMasterId r:id="rId23"/>
+  </p:handoutMasterIdLst>
   <p:sldIdLst>
     <p:sldId id="283" r:id="rId2"/>
     <p:sldId id="271" r:id="rId3"/>
@@ -23,9 +26,9 @@
     <p:sldId id="265" r:id="rId14"/>
     <p:sldId id="266" r:id="rId15"/>
     <p:sldId id="276" r:id="rId16"/>
-    <p:sldId id="277" r:id="rId17"/>
-    <p:sldId id="278" r:id="rId18"/>
-    <p:sldId id="279" r:id="rId19"/>
+    <p:sldId id="278" r:id="rId17"/>
+    <p:sldId id="279" r:id="rId18"/>
+    <p:sldId id="277" r:id="rId19"/>
     <p:sldId id="280" r:id="rId20"/>
     <p:sldId id="281" r:id="rId21"/>
   </p:sldIdLst>
@@ -2882,22 +2885,22 @@
     </dgm:pt>
   </dgm:ptLst>
   <dgm:cxnLst>
+    <dgm:cxn modelId="{D511B19E-2229-41BF-A87F-557FEE21CBCC}" type="presOf" srcId="{EDC7A38C-A6DB-4DC5-A689-39ECF460C6EE}" destId="{12349A56-4627-47C6-95E1-59A3763AA6E1}" srcOrd="0" destOrd="0" presId="urn:microsoft.com/office/officeart/2005/8/layout/list1"/>
+    <dgm:cxn modelId="{E9ECDBE4-4B3F-4965-BC46-77193A10C313}" type="presOf" srcId="{F15AB5BC-20EB-4896-ACF0-5A5E624E7B6C}" destId="{ED16CCA2-3479-4C2F-9EE1-3E315BF03D68}" srcOrd="0" destOrd="0" presId="urn:microsoft.com/office/officeart/2005/8/layout/list1"/>
+    <dgm:cxn modelId="{EADFDE52-5B58-4A6D-AB10-BDF6EB79B1DE}" type="presOf" srcId="{F3861C03-805D-46DF-A473-53653EFDEFAC}" destId="{F5161C34-E6C6-424C-AFB0-D1DCB70063F9}" srcOrd="0" destOrd="0" presId="urn:microsoft.com/office/officeart/2005/8/layout/list1"/>
+    <dgm:cxn modelId="{B939CA61-FB1E-4148-98F6-EABDDE961BD5}" srcId="{EDC7A38C-A6DB-4DC5-A689-39ECF460C6EE}" destId="{50966B18-8F4F-4052-89F9-B48790BD2367}" srcOrd="2" destOrd="0" parTransId="{C781F25A-CB4B-44C1-A33E-F87A8D09F246}" sibTransId="{5D4359EE-B0D4-4E7C-8140-B2A89C1D7FF5}"/>
+    <dgm:cxn modelId="{895819B1-9F28-4D90-ACDF-9FE810992A71}" srcId="{EDC7A38C-A6DB-4DC5-A689-39ECF460C6EE}" destId="{F3861C03-805D-46DF-A473-53653EFDEFAC}" srcOrd="0" destOrd="0" parTransId="{FDEF765C-797E-4575-A57A-62FC58C0DBBD}" sibTransId="{4B94263F-AE36-49BA-90BC-B9C0A3836F11}"/>
     <dgm:cxn modelId="{8FC5C53C-E0D2-4D9E-921A-D5BAB0691AEA}" type="presOf" srcId="{F15AB5BC-20EB-4896-ACF0-5A5E624E7B6C}" destId="{2122FC3D-9D7C-4674-9A64-60A76FF473D7}" srcOrd="1" destOrd="0" presId="urn:microsoft.com/office/officeart/2005/8/layout/list1"/>
+    <dgm:cxn modelId="{E9E9A78E-3D06-4434-9596-2811CFE08B6F}" type="presOf" srcId="{4EF90078-E6E6-4945-AFF6-3CE122D73B62}" destId="{5C8FE5E1-884F-412E-A725-A291A47A8E59}" srcOrd="0" destOrd="0" presId="urn:microsoft.com/office/officeart/2005/8/layout/list1"/>
+    <dgm:cxn modelId="{491C81F4-6429-47C7-A66F-7BFF0E79B08D}" type="presOf" srcId="{4EF90078-E6E6-4945-AFF6-3CE122D73B62}" destId="{E2681A2F-F14D-4CA1-AED2-F51532E386C0}" srcOrd="1" destOrd="0" presId="urn:microsoft.com/office/officeart/2005/8/layout/list1"/>
+    <dgm:cxn modelId="{ACA434B3-DE1A-47D9-A07E-3EE677AE4A87}" type="presOf" srcId="{F3861C03-805D-46DF-A473-53653EFDEFAC}" destId="{4BCFC962-7C53-4C3E-A79A-F8EA1F40FB77}" srcOrd="1" destOrd="0" presId="urn:microsoft.com/office/officeart/2005/8/layout/list1"/>
+    <dgm:cxn modelId="{62A679E3-6E81-49B3-9E2D-5E7AB7AFAAB0}" srcId="{EDC7A38C-A6DB-4DC5-A689-39ECF460C6EE}" destId="{F15AB5BC-20EB-4896-ACF0-5A5E624E7B6C}" srcOrd="1" destOrd="0" parTransId="{D72D90E7-2791-440A-BD7C-BF567269DBF7}" sibTransId="{491206DF-53A9-45C6-A28A-60F01CAC4067}"/>
+    <dgm:cxn modelId="{C012B5AC-4085-426B-BA31-5E62062BF963}" srcId="{EDC7A38C-A6DB-4DC5-A689-39ECF460C6EE}" destId="{4EF90078-E6E6-4945-AFF6-3CE122D73B62}" srcOrd="3" destOrd="0" parTransId="{09C9B5E1-25C3-4E5E-AD04-49DF3B553086}" sibTransId="{AE2A650F-D5C1-43DF-9F83-849BA50274C2}"/>
+    <dgm:cxn modelId="{75735154-E353-4CB6-A313-260C53D45645}" type="presOf" srcId="{50966B18-8F4F-4052-89F9-B48790BD2367}" destId="{7AA6AE93-8789-4D56-BCEC-D6B55D847325}" srcOrd="1" destOrd="0" presId="urn:microsoft.com/office/officeart/2005/8/layout/list1"/>
+    <dgm:cxn modelId="{B6DE7BDF-0007-4DDE-B412-4B6F0561ED64}" type="presOf" srcId="{2511DA9D-D953-4E88-85D7-486DCAA95676}" destId="{1B03F452-E806-41D8-9F69-D88626BB3B32}" srcOrd="0" destOrd="0" presId="urn:microsoft.com/office/officeart/2005/8/layout/list1"/>
     <dgm:cxn modelId="{F872DC09-BB93-40DD-AC2E-02BB8F8E24F7}" type="presOf" srcId="{50966B18-8F4F-4052-89F9-B48790BD2367}" destId="{F8B1D1CA-F8B8-4CF2-850D-8A08A6D43348}" srcOrd="0" destOrd="0" presId="urn:microsoft.com/office/officeart/2005/8/layout/list1"/>
-    <dgm:cxn modelId="{895819B1-9F28-4D90-ACDF-9FE810992A71}" srcId="{EDC7A38C-A6DB-4DC5-A689-39ECF460C6EE}" destId="{F3861C03-805D-46DF-A473-53653EFDEFAC}" srcOrd="0" destOrd="0" parTransId="{FDEF765C-797E-4575-A57A-62FC58C0DBBD}" sibTransId="{4B94263F-AE36-49BA-90BC-B9C0A3836F11}"/>
-    <dgm:cxn modelId="{491C81F4-6429-47C7-A66F-7BFF0E79B08D}" type="presOf" srcId="{4EF90078-E6E6-4945-AFF6-3CE122D73B62}" destId="{E2681A2F-F14D-4CA1-AED2-F51532E386C0}" srcOrd="1" destOrd="0" presId="urn:microsoft.com/office/officeart/2005/8/layout/list1"/>
-    <dgm:cxn modelId="{62A679E3-6E81-49B3-9E2D-5E7AB7AFAAB0}" srcId="{EDC7A38C-A6DB-4DC5-A689-39ECF460C6EE}" destId="{F15AB5BC-20EB-4896-ACF0-5A5E624E7B6C}" srcOrd="1" destOrd="0" parTransId="{D72D90E7-2791-440A-BD7C-BF567269DBF7}" sibTransId="{491206DF-53A9-45C6-A28A-60F01CAC4067}"/>
-    <dgm:cxn modelId="{75735154-E353-4CB6-A313-260C53D45645}" type="presOf" srcId="{50966B18-8F4F-4052-89F9-B48790BD2367}" destId="{7AA6AE93-8789-4D56-BCEC-D6B55D847325}" srcOrd="1" destOrd="0" presId="urn:microsoft.com/office/officeart/2005/8/layout/list1"/>
-    <dgm:cxn modelId="{E9E9A78E-3D06-4434-9596-2811CFE08B6F}" type="presOf" srcId="{4EF90078-E6E6-4945-AFF6-3CE122D73B62}" destId="{5C8FE5E1-884F-412E-A725-A291A47A8E59}" srcOrd="0" destOrd="0" presId="urn:microsoft.com/office/officeart/2005/8/layout/list1"/>
-    <dgm:cxn modelId="{B939CA61-FB1E-4148-98F6-EABDDE961BD5}" srcId="{EDC7A38C-A6DB-4DC5-A689-39ECF460C6EE}" destId="{50966B18-8F4F-4052-89F9-B48790BD2367}" srcOrd="2" destOrd="0" parTransId="{C781F25A-CB4B-44C1-A33E-F87A8D09F246}" sibTransId="{5D4359EE-B0D4-4E7C-8140-B2A89C1D7FF5}"/>
-    <dgm:cxn modelId="{D511B19E-2229-41BF-A87F-557FEE21CBCC}" type="presOf" srcId="{EDC7A38C-A6DB-4DC5-A689-39ECF460C6EE}" destId="{12349A56-4627-47C6-95E1-59A3763AA6E1}" srcOrd="0" destOrd="0" presId="urn:microsoft.com/office/officeart/2005/8/layout/list1"/>
-    <dgm:cxn modelId="{B6DE7BDF-0007-4DDE-B412-4B6F0561ED64}" type="presOf" srcId="{2511DA9D-D953-4E88-85D7-486DCAA95676}" destId="{1B03F452-E806-41D8-9F69-D88626BB3B32}" srcOrd="0" destOrd="0" presId="urn:microsoft.com/office/officeart/2005/8/layout/list1"/>
-    <dgm:cxn modelId="{E9ECDBE4-4B3F-4965-BC46-77193A10C313}" type="presOf" srcId="{F15AB5BC-20EB-4896-ACF0-5A5E624E7B6C}" destId="{ED16CCA2-3479-4C2F-9EE1-3E315BF03D68}" srcOrd="0" destOrd="0" presId="urn:microsoft.com/office/officeart/2005/8/layout/list1"/>
-    <dgm:cxn modelId="{ACA434B3-DE1A-47D9-A07E-3EE677AE4A87}" type="presOf" srcId="{F3861C03-805D-46DF-A473-53653EFDEFAC}" destId="{4BCFC962-7C53-4C3E-A79A-F8EA1F40FB77}" srcOrd="1" destOrd="0" presId="urn:microsoft.com/office/officeart/2005/8/layout/list1"/>
     <dgm:cxn modelId="{6A8FF732-B4B4-4D17-AEEF-1FC21937469E}" type="presOf" srcId="{2511DA9D-D953-4E88-85D7-486DCAA95676}" destId="{A2F44CA5-7572-4B10-8094-A7E02486FABF}" srcOrd="1" destOrd="0" presId="urn:microsoft.com/office/officeart/2005/8/layout/list1"/>
     <dgm:cxn modelId="{443A4200-1FAC-4F0C-AB59-DBDB9E58150F}" srcId="{EDC7A38C-A6DB-4DC5-A689-39ECF460C6EE}" destId="{2511DA9D-D953-4E88-85D7-486DCAA95676}" srcOrd="4" destOrd="0" parTransId="{FFC15986-DDEE-40E7-86E3-050BDF619BE7}" sibTransId="{87DF7139-E210-4101-AEDE-4DE92254736F}"/>
-    <dgm:cxn modelId="{C012B5AC-4085-426B-BA31-5E62062BF963}" srcId="{EDC7A38C-A6DB-4DC5-A689-39ECF460C6EE}" destId="{4EF90078-E6E6-4945-AFF6-3CE122D73B62}" srcOrd="3" destOrd="0" parTransId="{09C9B5E1-25C3-4E5E-AD04-49DF3B553086}" sibTransId="{AE2A650F-D5C1-43DF-9F83-849BA50274C2}"/>
-    <dgm:cxn modelId="{EADFDE52-5B58-4A6D-AB10-BDF6EB79B1DE}" type="presOf" srcId="{F3861C03-805D-46DF-A473-53653EFDEFAC}" destId="{F5161C34-E6C6-424C-AFB0-D1DCB70063F9}" srcOrd="0" destOrd="0" presId="urn:microsoft.com/office/officeart/2005/8/layout/list1"/>
     <dgm:cxn modelId="{A5C55C8A-FE5F-4D8D-9361-332699CFA204}" type="presParOf" srcId="{12349A56-4627-47C6-95E1-59A3763AA6E1}" destId="{4C00E976-8666-4597-95C1-88AFE21BB0A3}" srcOrd="0" destOrd="0" presId="urn:microsoft.com/office/officeart/2005/8/layout/list1"/>
     <dgm:cxn modelId="{AF596160-38EF-493E-AD36-5132F7C884BA}" type="presParOf" srcId="{4C00E976-8666-4597-95C1-88AFE21BB0A3}" destId="{F5161C34-E6C6-424C-AFB0-D1DCB70063F9}" srcOrd="0" destOrd="0" presId="urn:microsoft.com/office/officeart/2005/8/layout/list1"/>
     <dgm:cxn modelId="{2EC1E1E5-E010-4D2F-8E22-1F399244BCDA}" type="presParOf" srcId="{4C00E976-8666-4597-95C1-88AFE21BB0A3}" destId="{4BCFC962-7C53-4C3E-A79A-F8EA1F40FB77}" srcOrd="1" destOrd="0" presId="urn:microsoft.com/office/officeart/2005/8/layout/list1"/>
@@ -3042,7 +3045,7 @@
         <a:p>
           <a:r>
             <a:rPr lang="en-US" sz="2400" dirty="0" smtClean="0"/>
-            <a:t>Demonstration</a:t>
+            <a:t>Feature and constraint of new system</a:t>
           </a:r>
           <a:endParaRPr lang="en-US" sz="2400" dirty="0"/>
         </a:p>
@@ -3079,9 +3082,8 @@
         <a:p>
           <a:r>
             <a:rPr lang="en-US" sz="2400" dirty="0" smtClean="0"/>
-            <a:t>Advantages &amp; disadvantages of solution</a:t>
+            <a:t>Demonstration</a:t>
           </a:r>
-          <a:endParaRPr lang="en-US" sz="2400" dirty="0"/>
         </a:p>
       </dgm:t>
     </dgm:pt>
@@ -3152,7 +3154,7 @@
         <a:lstStyle/>
         <a:p>
           <a:r>
-            <a:rPr lang="en-US" sz="2400" dirty="0" smtClean="0"/>
+            <a:rPr lang="en-US" sz="2400" smtClean="0"/>
             <a:t>Technology &amp; development environment</a:t>
           </a:r>
           <a:endParaRPr lang="en-US" sz="2400" dirty="0"/>
@@ -3891,7 +3893,7 @@
   <dgm:whole/>
   <dgm:extLst>
     <a:ext uri="http://schemas.microsoft.com/office/drawing/2008/diagram">
-      <dsp:dataModelExt xmlns:dsp="http://schemas.microsoft.com/office/drawing/2008/diagram" relId="rId6" minVer="http://schemas.openxmlformats.org/drawingml/2006/diagram"/>
+      <dsp:dataModelExt xmlns:dsp="http://schemas.microsoft.com/office/drawing/2008/diagram" relId="rId7" minVer="http://schemas.openxmlformats.org/drawingml/2006/diagram"/>
     </a:ext>
   </dgm:extLst>
 </dgm:dataModel>
@@ -4987,7 +4989,7 @@
             </a:spcAft>
           </a:pPr>
           <a:r>
-            <a:rPr lang="en-US" sz="2400" kern="1200" dirty="0" smtClean="0"/>
+            <a:rPr lang="en-US" sz="2400" kern="1200" smtClean="0"/>
             <a:t>Technology &amp; development environment</a:t>
           </a:r>
           <a:endParaRPr lang="en-US" sz="2400" kern="1200" dirty="0"/>
@@ -5236,7 +5238,7 @@
           </a:pPr>
           <a:r>
             <a:rPr lang="en-US" sz="2400" kern="1200" dirty="0" smtClean="0"/>
-            <a:t>Demonstration</a:t>
+            <a:t>Feature and constraint of new system</a:t>
           </a:r>
           <a:endParaRPr lang="en-US" sz="2400" kern="1200" dirty="0"/>
         </a:p>
@@ -5360,9 +5362,8 @@
           </a:pPr>
           <a:r>
             <a:rPr lang="en-US" sz="2400" kern="1200" dirty="0" smtClean="0"/>
-            <a:t>Advantages &amp; disadvantages of solution</a:t>
+            <a:t>Demonstration</a:t>
           </a:r>
-          <a:endParaRPr lang="en-US" sz="2400" kern="1200" dirty="0"/>
         </a:p>
       </dsp:txBody>
       <dsp:txXfrm>
@@ -10795,6 +10796,172 @@
 </dgm:styleDef>
 </file>
 
+<file path=ppt/handoutMasters/handoutMaster1.xml><?xml version="1.0" encoding="utf-8"?>
+<p:handoutMaster xmlns:a="http://schemas.openxmlformats.org/drawingml/2006/main" xmlns:r="http://schemas.openxmlformats.org/officeDocument/2006/relationships" xmlns:p="http://schemas.openxmlformats.org/presentationml/2006/main">
+  <p:cSld>
+    <p:bg>
+      <p:bgRef idx="1001">
+        <a:schemeClr val="bg1"/>
+      </p:bgRef>
+    </p:bg>
+    <p:spTree>
+      <p:nvGrpSpPr>
+        <p:cNvPr id="1" name=""/>
+        <p:cNvGrpSpPr/>
+        <p:nvPr/>
+      </p:nvGrpSpPr>
+      <p:grpSpPr>
+        <a:xfrm>
+          <a:off x="0" y="0"/>
+          <a:ext cx="0" cy="0"/>
+          <a:chOff x="0" y="0"/>
+          <a:chExt cx="0" cy="0"/>
+        </a:xfrm>
+      </p:grpSpPr>
+      <p:sp>
+        <p:nvSpPr>
+          <p:cNvPr id="2" name="Header Placeholder 1"/>
+          <p:cNvSpPr>
+            <a:spLocks noGrp="1"/>
+          </p:cNvSpPr>
+          <p:nvPr>
+            <p:ph type="hdr" sz="quarter"/>
+          </p:nvPr>
+        </p:nvSpPr>
+        <p:spPr>
+          <a:xfrm>
+            <a:off x="0" y="0"/>
+            <a:ext cx="2971800" cy="457200"/>
+          </a:xfrm>
+          <a:prstGeom prst="rect">
+            <a:avLst/>
+          </a:prstGeom>
+        </p:spPr>
+        <p:txBody>
+          <a:bodyPr vert="horz" lIns="91440" tIns="45720" rIns="91440" bIns="45720" rtlCol="0"/>
+          <a:lstStyle>
+            <a:lvl1pPr algn="l">
+              <a:defRPr sz="1200"/>
+            </a:lvl1pPr>
+          </a:lstStyle>
+          <a:p>
+            <a:endParaRPr lang="en-US"/>
+          </a:p>
+        </p:txBody>
+      </p:sp>
+      <p:sp>
+        <p:nvSpPr>
+          <p:cNvPr id="3" name="Date Placeholder 2"/>
+          <p:cNvSpPr>
+            <a:spLocks noGrp="1"/>
+          </p:cNvSpPr>
+          <p:nvPr>
+            <p:ph type="dt" sz="quarter" idx="1"/>
+          </p:nvPr>
+        </p:nvSpPr>
+        <p:spPr>
+          <a:xfrm>
+            <a:off x="3884613" y="0"/>
+            <a:ext cx="2971800" cy="457200"/>
+          </a:xfrm>
+          <a:prstGeom prst="rect">
+            <a:avLst/>
+          </a:prstGeom>
+        </p:spPr>
+        <p:txBody>
+          <a:bodyPr vert="horz" lIns="91440" tIns="45720" rIns="91440" bIns="45720" rtlCol="0"/>
+          <a:lstStyle>
+            <a:lvl1pPr algn="r">
+              <a:defRPr sz="1200"/>
+            </a:lvl1pPr>
+          </a:lstStyle>
+          <a:p>
+            <a:fld id="{8CF011AB-31B9-4FEE-9201-64BC297EEACF}" type="datetimeFigureOut">
+              <a:rPr lang="en-US" smtClean="0"/>
+              <a:t>4/29/2014</a:t>
+            </a:fld>
+            <a:endParaRPr lang="en-US"/>
+          </a:p>
+        </p:txBody>
+      </p:sp>
+      <p:sp>
+        <p:nvSpPr>
+          <p:cNvPr id="4" name="Footer Placeholder 3"/>
+          <p:cNvSpPr>
+            <a:spLocks noGrp="1"/>
+          </p:cNvSpPr>
+          <p:nvPr>
+            <p:ph type="ftr" sz="quarter" idx="2"/>
+          </p:nvPr>
+        </p:nvSpPr>
+        <p:spPr>
+          <a:xfrm>
+            <a:off x="0" y="8685213"/>
+            <a:ext cx="2971800" cy="457200"/>
+          </a:xfrm>
+          <a:prstGeom prst="rect">
+            <a:avLst/>
+          </a:prstGeom>
+        </p:spPr>
+        <p:txBody>
+          <a:bodyPr vert="horz" lIns="91440" tIns="45720" rIns="91440" bIns="45720" rtlCol="0" anchor="b"/>
+          <a:lstStyle>
+            <a:lvl1pPr algn="l">
+              <a:defRPr sz="1200"/>
+            </a:lvl1pPr>
+          </a:lstStyle>
+          <a:p>
+            <a:endParaRPr lang="en-US"/>
+          </a:p>
+        </p:txBody>
+      </p:sp>
+      <p:sp>
+        <p:nvSpPr>
+          <p:cNvPr id="5" name="Slide Number Placeholder 4"/>
+          <p:cNvSpPr>
+            <a:spLocks noGrp="1"/>
+          </p:cNvSpPr>
+          <p:nvPr>
+            <p:ph type="sldNum" sz="quarter" idx="3"/>
+          </p:nvPr>
+        </p:nvSpPr>
+        <p:spPr>
+          <a:xfrm>
+            <a:off x="3884613" y="8685213"/>
+            <a:ext cx="2971800" cy="457200"/>
+          </a:xfrm>
+          <a:prstGeom prst="rect">
+            <a:avLst/>
+          </a:prstGeom>
+        </p:spPr>
+        <p:txBody>
+          <a:bodyPr vert="horz" lIns="91440" tIns="45720" rIns="91440" bIns="45720" rtlCol="0" anchor="b"/>
+          <a:lstStyle>
+            <a:lvl1pPr algn="r">
+              <a:defRPr sz="1200"/>
+            </a:lvl1pPr>
+          </a:lstStyle>
+          <a:p>
+            <a:fld id="{329EF5CB-842B-4A4B-8DBC-B8C7D461ED2A}" type="slidenum">
+              <a:rPr lang="en-US" smtClean="0"/>
+              <a:t>‹#›</a:t>
+            </a:fld>
+            <a:endParaRPr lang="en-US"/>
+          </a:p>
+        </p:txBody>
+      </p:sp>
+    </p:spTree>
+    <p:extLst>
+      <p:ext uri="{BB962C8B-B14F-4D97-AF65-F5344CB8AC3E}">
+        <p14:creationId xmlns:p14="http://schemas.microsoft.com/office/powerpoint/2010/main" val="3054485791"/>
+      </p:ext>
+    </p:extLst>
+  </p:cSld>
+  <p:clrMap bg1="lt1" tx1="dk1" bg2="lt2" tx2="dk2" accent1="accent1" accent2="accent2" accent3="accent3" accent4="accent4" accent5="accent5" accent6="accent6" hlink="hlink" folHlink="folHlink"/>
+  <p:hf hdr="0" ftr="0" dt="0"/>
+</p:handoutMaster>
+</file>
+
 <file path=ppt/notesMasters/notesMaster1.xml><?xml version="1.0" encoding="utf-8"?>
 <p:notesMaster xmlns:a="http://schemas.openxmlformats.org/drawingml/2006/main" xmlns:r="http://schemas.openxmlformats.org/officeDocument/2006/relationships" xmlns:p="http://schemas.openxmlformats.org/presentationml/2006/main">
   <p:cSld>
@@ -10877,7 +11044,7 @@
           <a:p>
             <a:fld id="{EEB917EA-0A47-475B-9CE2-61BBD17C3321}" type="datetimeFigureOut">
               <a:rPr lang="en-US" smtClean="0"/>
-              <a:t>28/04/2014</a:t>
+              <a:t>4/29/2014</a:t>
             </a:fld>
             <a:endParaRPr lang="en-US"/>
           </a:p>
@@ -11052,6 +11219,7 @@
     </p:extLst>
   </p:cSld>
   <p:clrMap bg1="lt1" tx1="dk1" bg2="lt2" tx2="dk2" accent1="accent1" accent2="accent2" accent3="accent3" accent4="accent4" accent5="accent5" accent6="accent6" hlink="hlink" folHlink="folHlink"/>
+  <p:hf hdr="0" ftr="0" dt="0"/>
   <p:notesStyle>
     <a:lvl1pPr marL="0" algn="l" defTabSz="914400" rtl="0" eaLnBrk="1" latinLnBrk="0" hangingPunct="1">
       <a:defRPr sz="1200" kern="1200">
@@ -11191,6 +11359,90 @@
           <a:bodyPr/>
           <a:lstStyle/>
           <a:p>
+            <a:endParaRPr lang="en-US"/>
+          </a:p>
+        </p:txBody>
+      </p:sp>
+      <p:sp>
+        <p:nvSpPr>
+          <p:cNvPr id="4" name="Slide Number Placeholder 3"/>
+          <p:cNvSpPr>
+            <a:spLocks noGrp="1"/>
+          </p:cNvSpPr>
+          <p:nvPr>
+            <p:ph type="sldNum" sz="quarter" idx="10"/>
+          </p:nvPr>
+        </p:nvSpPr>
+        <p:spPr/>
+        <p:txBody>
+          <a:bodyPr/>
+          <a:lstStyle/>
+          <a:p>
+            <a:fld id="{18B43C7D-E9E7-4C11-AA4E-2BC52818EA04}" type="slidenum">
+              <a:rPr lang="en-US" smtClean="0"/>
+              <a:t>4</a:t>
+            </a:fld>
+            <a:endParaRPr lang="en-US"/>
+          </a:p>
+        </p:txBody>
+      </p:sp>
+    </p:spTree>
+    <p:extLst>
+      <p:ext uri="{BB962C8B-B14F-4D97-AF65-F5344CB8AC3E}">
+        <p14:creationId xmlns:p14="http://schemas.microsoft.com/office/powerpoint/2010/main" val="614925332"/>
+      </p:ext>
+    </p:extLst>
+  </p:cSld>
+  <p:clrMapOvr>
+    <a:masterClrMapping/>
+  </p:clrMapOvr>
+</p:notes>
+</file>
+
+<file path=ppt/notesSlides/notesSlide2.xml><?xml version="1.0" encoding="utf-8"?>
+<p:notes xmlns:a="http://schemas.openxmlformats.org/drawingml/2006/main" xmlns:r="http://schemas.openxmlformats.org/officeDocument/2006/relationships" xmlns:p="http://schemas.openxmlformats.org/presentationml/2006/main">
+  <p:cSld>
+    <p:spTree>
+      <p:nvGrpSpPr>
+        <p:cNvPr id="1" name=""/>
+        <p:cNvGrpSpPr/>
+        <p:nvPr/>
+      </p:nvGrpSpPr>
+      <p:grpSpPr>
+        <a:xfrm>
+          <a:off x="0" y="0"/>
+          <a:ext cx="0" cy="0"/>
+          <a:chOff x="0" y="0"/>
+          <a:chExt cx="0" cy="0"/>
+        </a:xfrm>
+      </p:grpSpPr>
+      <p:sp>
+        <p:nvSpPr>
+          <p:cNvPr id="2" name="Slide Image Placeholder 1"/>
+          <p:cNvSpPr>
+            <a:spLocks noGrp="1" noRot="1" noChangeAspect="1"/>
+          </p:cNvSpPr>
+          <p:nvPr>
+            <p:ph type="sldImg"/>
+          </p:nvPr>
+        </p:nvSpPr>
+        <p:spPr/>
+      </p:sp>
+      <p:sp>
+        <p:nvSpPr>
+          <p:cNvPr id="3" name="Notes Placeholder 2"/>
+          <p:cNvSpPr>
+            <a:spLocks noGrp="1"/>
+          </p:cNvSpPr>
+          <p:nvPr>
+            <p:ph type="body" idx="1"/>
+          </p:nvPr>
+        </p:nvSpPr>
+        <p:spPr/>
+        <p:txBody>
+          <a:bodyPr/>
+          <a:lstStyle/>
+          <a:p>
             <a:endParaRPr lang="en-US" dirty="0"/>
           </a:p>
         </p:txBody>
@@ -11222,6 +11474,90 @@
     <p:extLst>
       <p:ext uri="{BB962C8B-B14F-4D97-AF65-F5344CB8AC3E}">
         <p14:creationId xmlns:p14="http://schemas.microsoft.com/office/powerpoint/2010/main" val="2247567113"/>
+      </p:ext>
+    </p:extLst>
+  </p:cSld>
+  <p:clrMapOvr>
+    <a:masterClrMapping/>
+  </p:clrMapOvr>
+</p:notes>
+</file>
+
+<file path=ppt/notesSlides/notesSlide3.xml><?xml version="1.0" encoding="utf-8"?>
+<p:notes xmlns:a="http://schemas.openxmlformats.org/drawingml/2006/main" xmlns:r="http://schemas.openxmlformats.org/officeDocument/2006/relationships" xmlns:p="http://schemas.openxmlformats.org/presentationml/2006/main">
+  <p:cSld>
+    <p:spTree>
+      <p:nvGrpSpPr>
+        <p:cNvPr id="1" name=""/>
+        <p:cNvGrpSpPr/>
+        <p:nvPr/>
+      </p:nvGrpSpPr>
+      <p:grpSpPr>
+        <a:xfrm>
+          <a:off x="0" y="0"/>
+          <a:ext cx="0" cy="0"/>
+          <a:chOff x="0" y="0"/>
+          <a:chExt cx="0" cy="0"/>
+        </a:xfrm>
+      </p:grpSpPr>
+      <p:sp>
+        <p:nvSpPr>
+          <p:cNvPr id="2" name="Slide Image Placeholder 1"/>
+          <p:cNvSpPr>
+            <a:spLocks noGrp="1" noRot="1" noChangeAspect="1"/>
+          </p:cNvSpPr>
+          <p:nvPr>
+            <p:ph type="sldImg"/>
+          </p:nvPr>
+        </p:nvSpPr>
+        <p:spPr/>
+      </p:sp>
+      <p:sp>
+        <p:nvSpPr>
+          <p:cNvPr id="3" name="Notes Placeholder 2"/>
+          <p:cNvSpPr>
+            <a:spLocks noGrp="1"/>
+          </p:cNvSpPr>
+          <p:nvPr>
+            <p:ph type="body" idx="1"/>
+          </p:nvPr>
+        </p:nvSpPr>
+        <p:spPr/>
+        <p:txBody>
+          <a:bodyPr/>
+          <a:lstStyle/>
+          <a:p>
+            <a:endParaRPr lang="en-US"/>
+          </a:p>
+        </p:txBody>
+      </p:sp>
+      <p:sp>
+        <p:nvSpPr>
+          <p:cNvPr id="4" name="Slide Number Placeholder 3"/>
+          <p:cNvSpPr>
+            <a:spLocks noGrp="1"/>
+          </p:cNvSpPr>
+          <p:nvPr>
+            <p:ph type="sldNum" sz="quarter" idx="10"/>
+          </p:nvPr>
+        </p:nvSpPr>
+        <p:spPr/>
+        <p:txBody>
+          <a:bodyPr/>
+          <a:lstStyle/>
+          <a:p>
+            <a:fld id="{18B43C7D-E9E7-4C11-AA4E-2BC52818EA04}" type="slidenum">
+              <a:rPr lang="en-US" smtClean="0"/>
+              <a:t>8</a:t>
+            </a:fld>
+            <a:endParaRPr lang="en-US"/>
+          </a:p>
+        </p:txBody>
+      </p:sp>
+    </p:spTree>
+    <p:extLst>
+      <p:ext uri="{BB962C8B-B14F-4D97-AF65-F5344CB8AC3E}">
+        <p14:creationId xmlns:p14="http://schemas.microsoft.com/office/powerpoint/2010/main" val="2854844365"/>
       </p:ext>
     </p:extLst>
   </p:cSld>
@@ -13255,7 +13591,7 @@
           <a:graphicData uri="http://schemas.openxmlformats.org/presentationml/2006/ole">
             <mc:AlternateContent xmlns:mc="http://schemas.openxmlformats.org/markup-compatibility/2006">
               <mc:Choice xmlns:v="urn:schemas-microsoft-com:vml" Requires="v">
-                <p:oleObj spid="_x0000_s2421" name="Image" r:id="rId15" imgW="6311111" imgH="1155148" progId="">
+                <p:oleObj spid="_x0000_s2473" name="Image" r:id="rId15" imgW="6311111" imgH="1155148" progId="">
                   <p:embed/>
                 </p:oleObj>
               </mc:Choice>
@@ -13712,6 +14048,7 @@
     <p:sldLayoutId id="2147483671" r:id="rId11"/>
     <p:sldLayoutId id="2147483672" r:id="rId12"/>
   </p:sldLayoutIdLst>
+  <p:hf hdr="0"/>
   <p:txStyles>
     <p:titleStyle>
       <a:lvl1pPr algn="ctr" rtl="0" eaLnBrk="1" fontAlgn="base" hangingPunct="1">
@@ -14235,7 +14572,7 @@
         </p:nvSpPr>
         <p:spPr>
           <a:xfrm>
-            <a:off x="460663" y="2514600"/>
+            <a:off x="540327" y="2514600"/>
             <a:ext cx="8222673" cy="2299854"/>
           </a:xfrm>
           <a:ln>
@@ -14443,7 +14780,7 @@
         </p:nvSpPr>
         <p:spPr bwMode="black">
           <a:xfrm>
-            <a:off x="614051" y="1139537"/>
+            <a:off x="533400" y="1139537"/>
             <a:ext cx="8222673" cy="1070263"/>
           </a:xfrm>
           <a:prstGeom prst="rect">
@@ -14613,6 +14950,48 @@
           </a:p>
         </p:txBody>
       </p:sp>
+      <p:sp>
+        <p:nvSpPr>
+          <p:cNvPr id="4" name="Oval 3"/>
+          <p:cNvSpPr/>
+          <p:nvPr/>
+        </p:nvSpPr>
+        <p:spPr>
+          <a:xfrm>
+            <a:off x="8077200" y="6324600"/>
+            <a:ext cx="990600" cy="457200"/>
+          </a:xfrm>
+          <a:prstGeom prst="ellipse">
+            <a:avLst/>
+          </a:prstGeom>
+        </p:spPr>
+        <p:style>
+          <a:lnRef idx="0">
+            <a:schemeClr val="accent1"/>
+          </a:lnRef>
+          <a:fillRef idx="3">
+            <a:schemeClr val="accent1"/>
+          </a:fillRef>
+          <a:effectRef idx="3">
+            <a:schemeClr val="accent1"/>
+          </a:effectRef>
+          <a:fontRef idx="minor">
+            <a:schemeClr val="lt1"/>
+          </a:fontRef>
+        </p:style>
+        <p:txBody>
+          <a:bodyPr rtlCol="0" anchor="ctr"/>
+          <a:lstStyle/>
+          <a:p>
+            <a:pPr algn="ctr"/>
+            <a:r>
+              <a:rPr lang="en-US" sz="2000" b="1" dirty="0" smtClean="0"/>
+              <a:t>1</a:t>
+            </a:r>
+            <a:endParaRPr lang="en-US" sz="2000" b="1" dirty="0"/>
+          </a:p>
+        </p:txBody>
+      </p:sp>
     </p:spTree>
     <p:extLst>
       <p:ext uri="{BB962C8B-B14F-4D97-AF65-F5344CB8AC3E}">
@@ -14703,7 +15082,23 @@
             </a:r>
             <a:r>
               <a:rPr lang="en-US" sz="2700" b="0" dirty="0" smtClean="0"/>
-              <a:t>: request can be delivered on </a:t>
+              <a:t>: </a:t>
+            </a:r>
+            <a:r>
+              <a:rPr lang="en-US" sz="2700" b="0" dirty="0" smtClean="0"/>
+              <a:t>check </a:t>
+            </a:r>
+            <a:r>
+              <a:rPr lang="en-US" sz="2700" b="0" dirty="0" smtClean="0"/>
+              <a:t>if </a:t>
+            </a:r>
+            <a:r>
+              <a:rPr lang="en-US" sz="2700" b="0" dirty="0" smtClean="0"/>
+              <a:t>request </a:t>
+            </a:r>
+            <a:r>
+              <a:rPr lang="en-US" sz="2700" b="0" dirty="0" smtClean="0"/>
+              <a:t>can be delivered on </a:t>
             </a:r>
             <a:r>
               <a:rPr lang="en-US" sz="2700" dirty="0" smtClean="0"/>
@@ -14711,7 +15106,11 @@
             </a:r>
             <a:r>
               <a:rPr lang="en-US" sz="2700" b="0" dirty="0" smtClean="0"/>
-              <a:t>start at A and end at B.</a:t>
+              <a:t>starts </a:t>
+            </a:r>
+            <a:r>
+              <a:rPr lang="en-US" sz="2700" b="0" dirty="0" smtClean="0"/>
+              <a:t>at A and end at B.</a:t>
             </a:r>
           </a:p>
           <a:p>
@@ -14725,7 +15124,15 @@
             </a:r>
             <a:r>
               <a:rPr lang="en-US" sz="2700" b="0" dirty="0" smtClean="0"/>
-              <a:t>: request can be delivered by </a:t>
+              <a:t>: </a:t>
+            </a:r>
+            <a:r>
+              <a:rPr lang="en-US" sz="2700" b="0" dirty="0"/>
+              <a:t>check if request </a:t>
+            </a:r>
+            <a:r>
+              <a:rPr lang="en-US" sz="2700" b="0" dirty="0" smtClean="0"/>
+              <a:t>can be delivered by </a:t>
             </a:r>
             <a:r>
               <a:rPr lang="en-US" sz="2700" dirty="0" smtClean="0"/>
@@ -14733,7 +15140,15 @@
             </a:r>
             <a:r>
               <a:rPr lang="en-US" sz="2700" b="0" dirty="0" smtClean="0"/>
-              <a:t>must be start and end at specific station of the found way.</a:t>
+              <a:t>that</a:t>
+            </a:r>
+            <a:r>
+              <a:rPr lang="en-US" sz="2700" b="0" dirty="0" smtClean="0"/>
+              <a:t> starts/ends at stations </a:t>
+            </a:r>
+            <a:r>
+              <a:rPr lang="en-US" sz="2700" b="0" dirty="0" smtClean="0"/>
+              <a:t>of the found way.</a:t>
             </a:r>
           </a:p>
           <a:p>
@@ -14747,7 +15162,11 @@
             </a:r>
             <a:r>
               <a:rPr lang="en-US" sz="2700" b="0" dirty="0" smtClean="0"/>
-              <a:t>: request </a:t>
+              <a:t>: </a:t>
+            </a:r>
+            <a:r>
+              <a:rPr lang="en-US" sz="2700" b="0" dirty="0"/>
+              <a:t>check if request </a:t>
             </a:r>
             <a:r>
               <a:rPr lang="en-US" sz="2700" b="0" dirty="0"/>
@@ -14755,37 +15174,153 @@
             </a:r>
             <a:r>
               <a:rPr lang="en-US" sz="2700" dirty="0" smtClean="0"/>
-              <a:t>multiple trip</a:t>
+              <a:t>multiple </a:t>
+            </a:r>
+            <a:r>
+              <a:rPr lang="en-US" sz="2700" dirty="0" smtClean="0"/>
+              <a:t>trips</a:t>
             </a:r>
             <a:r>
               <a:rPr lang="en-US" sz="2700" b="0" dirty="0" smtClean="0"/>
-              <a:t> </a:t>
-            </a:r>
-            <a:r>
-              <a:rPr lang="en-US" sz="2700" b="0" u="sng" dirty="0" smtClean="0"/>
-              <a:t>not necessary</a:t>
-            </a:r>
-            <a:r>
-              <a:rPr lang="en-US" sz="2700" b="0" dirty="0" smtClean="0"/>
-              <a:t> start </a:t>
-            </a:r>
-            <a:r>
-              <a:rPr lang="en-US" sz="2700" b="0" dirty="0"/>
-              <a:t>and end at </a:t>
-            </a:r>
-            <a:r>
-              <a:rPr lang="en-US" sz="2700" b="0" dirty="0" smtClean="0"/>
-              <a:t>station and request may be </a:t>
+              <a:t> and its may be </a:t>
             </a:r>
             <a:r>
               <a:rPr lang="en-US" sz="2700" dirty="0" smtClean="0"/>
-              <a:t>transfer at middle of way</a:t>
+              <a:t>transferred </a:t>
+            </a:r>
+            <a:r>
+              <a:rPr lang="en-US" sz="2700" dirty="0" smtClean="0"/>
+              <a:t>at middle of way</a:t>
             </a:r>
             <a:r>
               <a:rPr lang="en-US" sz="2700" b="0" dirty="0" smtClean="0"/>
               <a:t>.</a:t>
             </a:r>
             <a:endParaRPr lang="en-US" sz="2700" b="0" dirty="0"/>
+          </a:p>
+        </p:txBody>
+      </p:sp>
+      <p:pic>
+        <p:nvPicPr>
+          <p:cNvPr id="12290" name="Picture 2" descr="C:\Users\Le Phuc Lu\Desktop\Capture.PNG"/>
+          <p:cNvPicPr>
+            <a:picLocks noChangeAspect="1" noChangeArrowheads="1"/>
+          </p:cNvPicPr>
+          <p:nvPr/>
+        </p:nvPicPr>
+        <p:blipFill>
+          <a:blip r:embed="rId2">
+            <a:extLst>
+              <a:ext uri="{28A0092B-C50C-407E-A947-70E740481C1C}">
+                <a14:useLocalDpi xmlns:a14="http://schemas.microsoft.com/office/drawing/2010/main" val="0"/>
+              </a:ext>
+            </a:extLst>
+          </a:blip>
+          <a:srcRect/>
+          <a:stretch>
+            <a:fillRect/>
+          </a:stretch>
+        </p:blipFill>
+        <p:spPr bwMode="auto">
+          <a:xfrm>
+            <a:off x="7086600" y="6616906"/>
+            <a:ext cx="1676400" cy="238125"/>
+          </a:xfrm>
+          <a:prstGeom prst="rect">
+            <a:avLst/>
+          </a:prstGeom>
+          <a:noFill/>
+          <a:extLst>
+            <a:ext uri="{909E8E84-426E-40DD-AFC4-6F175D3DCCD1}">
+              <a14:hiddenFill xmlns:a14="http://schemas.microsoft.com/office/drawing/2010/main">
+                <a:solidFill>
+                  <a:srgbClr val="FFFFFF"/>
+                </a:solidFill>
+              </a14:hiddenFill>
+            </a:ext>
+          </a:extLst>
+        </p:spPr>
+      </p:pic>
+      <p:pic>
+        <p:nvPicPr>
+          <p:cNvPr id="5" name="Picture 3" descr="C:\Users\Le Phuc Lu\Desktop\1.PNG"/>
+          <p:cNvPicPr>
+            <a:picLocks noChangeAspect="1" noChangeArrowheads="1"/>
+          </p:cNvPicPr>
+          <p:nvPr/>
+        </p:nvPicPr>
+        <p:blipFill>
+          <a:blip r:embed="rId3">
+            <a:extLst>
+              <a:ext uri="{28A0092B-C50C-407E-A947-70E740481C1C}">
+                <a14:useLocalDpi xmlns:a14="http://schemas.microsoft.com/office/drawing/2010/main" val="0"/>
+              </a:ext>
+            </a:extLst>
+          </a:blip>
+          <a:srcRect/>
+          <a:stretch>
+            <a:fillRect/>
+          </a:stretch>
+        </p:blipFill>
+        <p:spPr bwMode="auto">
+          <a:xfrm>
+            <a:off x="6858000" y="0"/>
+            <a:ext cx="1828800" cy="217410"/>
+          </a:xfrm>
+          <a:prstGeom prst="rect">
+            <a:avLst/>
+          </a:prstGeom>
+          <a:noFill/>
+          <a:extLst>
+            <a:ext uri="{909E8E84-426E-40DD-AFC4-6F175D3DCCD1}">
+              <a14:hiddenFill xmlns:a14="http://schemas.microsoft.com/office/drawing/2010/main">
+                <a:solidFill>
+                  <a:srgbClr val="FFFFFF"/>
+                </a:solidFill>
+              </a14:hiddenFill>
+            </a:ext>
+          </a:extLst>
+        </p:spPr>
+      </p:pic>
+      <p:sp>
+        <p:nvSpPr>
+          <p:cNvPr id="6" name="Oval 5"/>
+          <p:cNvSpPr/>
+          <p:nvPr/>
+        </p:nvSpPr>
+        <p:spPr>
+          <a:xfrm>
+            <a:off x="8077200" y="6324600"/>
+            <a:ext cx="990600" cy="457200"/>
+          </a:xfrm>
+          <a:prstGeom prst="ellipse">
+            <a:avLst/>
+          </a:prstGeom>
+        </p:spPr>
+        <p:style>
+          <a:lnRef idx="0">
+            <a:schemeClr val="accent1"/>
+          </a:lnRef>
+          <a:fillRef idx="3">
+            <a:schemeClr val="accent1"/>
+          </a:fillRef>
+          <a:effectRef idx="3">
+            <a:schemeClr val="accent1"/>
+          </a:effectRef>
+          <a:fontRef idx="minor">
+            <a:schemeClr val="lt1"/>
+          </a:fontRef>
+        </p:style>
+        <p:txBody>
+          <a:bodyPr rtlCol="0" anchor="ctr"/>
+          <a:lstStyle/>
+          <a:p>
+            <a:pPr algn="ctr"/>
+            <a:r>
+              <a:rPr lang="en-US" sz="2000" b="1" dirty="0" smtClean="0"/>
+              <a:t>10</a:t>
+            </a:r>
+            <a:endParaRPr lang="en-US" sz="2000" b="1" dirty="0"/>
           </a:p>
         </p:txBody>
       </p:sp>
@@ -15588,6 +16123,130 @@
           <a:p>
             <a:pPr algn="ctr"/>
             <a:endParaRPr lang="en-US"/>
+          </a:p>
+        </p:txBody>
+      </p:sp>
+      <p:pic>
+        <p:nvPicPr>
+          <p:cNvPr id="13314" name="Picture 2" descr="C:\Users\Le Phuc Lu\Desktop\Capture.PNG"/>
+          <p:cNvPicPr>
+            <a:picLocks noChangeAspect="1" noChangeArrowheads="1"/>
+          </p:cNvPicPr>
+          <p:nvPr/>
+        </p:nvPicPr>
+        <p:blipFill>
+          <a:blip r:embed="rId2">
+            <a:extLst>
+              <a:ext uri="{28A0092B-C50C-407E-A947-70E740481C1C}">
+                <a14:useLocalDpi xmlns:a14="http://schemas.microsoft.com/office/drawing/2010/main" val="0"/>
+              </a:ext>
+            </a:extLst>
+          </a:blip>
+          <a:srcRect/>
+          <a:stretch>
+            <a:fillRect/>
+          </a:stretch>
+        </p:blipFill>
+        <p:spPr bwMode="auto">
+          <a:xfrm>
+            <a:off x="7010400" y="6619875"/>
+            <a:ext cx="1676400" cy="238125"/>
+          </a:xfrm>
+          <a:prstGeom prst="rect">
+            <a:avLst/>
+          </a:prstGeom>
+          <a:noFill/>
+          <a:extLst>
+            <a:ext uri="{909E8E84-426E-40DD-AFC4-6F175D3DCCD1}">
+              <a14:hiddenFill xmlns:a14="http://schemas.microsoft.com/office/drawing/2010/main">
+                <a:solidFill>
+                  <a:srgbClr val="FFFFFF"/>
+                </a:solidFill>
+              </a14:hiddenFill>
+            </a:ext>
+          </a:extLst>
+        </p:spPr>
+      </p:pic>
+      <p:pic>
+        <p:nvPicPr>
+          <p:cNvPr id="18" name="Picture 3" descr="C:\Users\Le Phuc Lu\Desktop\1.PNG"/>
+          <p:cNvPicPr>
+            <a:picLocks noChangeAspect="1" noChangeArrowheads="1"/>
+          </p:cNvPicPr>
+          <p:nvPr/>
+        </p:nvPicPr>
+        <p:blipFill>
+          <a:blip r:embed="rId3">
+            <a:extLst>
+              <a:ext uri="{28A0092B-C50C-407E-A947-70E740481C1C}">
+                <a14:useLocalDpi xmlns:a14="http://schemas.microsoft.com/office/drawing/2010/main" val="0"/>
+              </a:ext>
+            </a:extLst>
+          </a:blip>
+          <a:srcRect/>
+          <a:stretch>
+            <a:fillRect/>
+          </a:stretch>
+        </p:blipFill>
+        <p:spPr bwMode="auto">
+          <a:xfrm>
+            <a:off x="6858000" y="0"/>
+            <a:ext cx="1828800" cy="217410"/>
+          </a:xfrm>
+          <a:prstGeom prst="rect">
+            <a:avLst/>
+          </a:prstGeom>
+          <a:noFill/>
+          <a:extLst>
+            <a:ext uri="{909E8E84-426E-40DD-AFC4-6F175D3DCCD1}">
+              <a14:hiddenFill xmlns:a14="http://schemas.microsoft.com/office/drawing/2010/main">
+                <a:solidFill>
+                  <a:srgbClr val="FFFFFF"/>
+                </a:solidFill>
+              </a14:hiddenFill>
+            </a:ext>
+          </a:extLst>
+        </p:spPr>
+      </p:pic>
+      <p:sp>
+        <p:nvSpPr>
+          <p:cNvPr id="19" name="Oval 18"/>
+          <p:cNvSpPr/>
+          <p:nvPr/>
+        </p:nvSpPr>
+        <p:spPr>
+          <a:xfrm>
+            <a:off x="8077200" y="6324600"/>
+            <a:ext cx="990600" cy="457200"/>
+          </a:xfrm>
+          <a:prstGeom prst="ellipse">
+            <a:avLst/>
+          </a:prstGeom>
+        </p:spPr>
+        <p:style>
+          <a:lnRef idx="0">
+            <a:schemeClr val="accent1"/>
+          </a:lnRef>
+          <a:fillRef idx="3">
+            <a:schemeClr val="accent1"/>
+          </a:fillRef>
+          <a:effectRef idx="3">
+            <a:schemeClr val="accent1"/>
+          </a:effectRef>
+          <a:fontRef idx="minor">
+            <a:schemeClr val="lt1"/>
+          </a:fontRef>
+        </p:style>
+        <p:txBody>
+          <a:bodyPr rtlCol="0" anchor="ctr"/>
+          <a:lstStyle/>
+          <a:p>
+            <a:pPr algn="ctr"/>
+            <a:r>
+              <a:rPr lang="en-US" sz="2000" b="1" dirty="0" smtClean="0"/>
+              <a:t>11</a:t>
+            </a:r>
+            <a:endParaRPr lang="en-US" sz="2000" b="1" dirty="0"/>
           </a:p>
         </p:txBody>
       </p:sp>
@@ -16300,7 +16959,15 @@
             </a:pPr>
             <a:r>
               <a:rPr lang="en-US" sz="3000" b="0" dirty="0" smtClean="0"/>
-              <a:t>For each found solution, sort base on </a:t>
+              <a:t>For </a:t>
+            </a:r>
+            <a:r>
+              <a:rPr lang="en-US" sz="3000" b="0" dirty="0" smtClean="0"/>
+              <a:t>list of found solutions, sort them </a:t>
+            </a:r>
+            <a:r>
+              <a:rPr lang="en-US" sz="3000" b="0" dirty="0" smtClean="0"/>
+              <a:t>base on </a:t>
             </a:r>
             <a:r>
               <a:rPr lang="en-US" sz="3000" i="1" dirty="0" smtClean="0"/>
@@ -16364,6 +17031,130 @@
               <a:rPr lang="en-US" sz="3000" b="0" dirty="0" smtClean="0"/>
               <a:t>Then choose the first solution of list with best fit all constraints.</a:t>
             </a:r>
+          </a:p>
+        </p:txBody>
+      </p:sp>
+      <p:pic>
+        <p:nvPicPr>
+          <p:cNvPr id="14338" name="Picture 2" descr="C:\Users\Le Phuc Lu\Desktop\Capture.PNG"/>
+          <p:cNvPicPr>
+            <a:picLocks noChangeAspect="1" noChangeArrowheads="1"/>
+          </p:cNvPicPr>
+          <p:nvPr/>
+        </p:nvPicPr>
+        <p:blipFill>
+          <a:blip r:embed="rId2">
+            <a:extLst>
+              <a:ext uri="{28A0092B-C50C-407E-A947-70E740481C1C}">
+                <a14:useLocalDpi xmlns:a14="http://schemas.microsoft.com/office/drawing/2010/main" val="0"/>
+              </a:ext>
+            </a:extLst>
+          </a:blip>
+          <a:srcRect/>
+          <a:stretch>
+            <a:fillRect/>
+          </a:stretch>
+        </p:blipFill>
+        <p:spPr bwMode="auto">
+          <a:xfrm>
+            <a:off x="7010400" y="6619875"/>
+            <a:ext cx="1676400" cy="238125"/>
+          </a:xfrm>
+          <a:prstGeom prst="rect">
+            <a:avLst/>
+          </a:prstGeom>
+          <a:noFill/>
+          <a:extLst>
+            <a:ext uri="{909E8E84-426E-40DD-AFC4-6F175D3DCCD1}">
+              <a14:hiddenFill xmlns:a14="http://schemas.microsoft.com/office/drawing/2010/main">
+                <a:solidFill>
+                  <a:srgbClr val="FFFFFF"/>
+                </a:solidFill>
+              </a14:hiddenFill>
+            </a:ext>
+          </a:extLst>
+        </p:spPr>
+      </p:pic>
+      <p:pic>
+        <p:nvPicPr>
+          <p:cNvPr id="5" name="Picture 3" descr="C:\Users\Le Phuc Lu\Desktop\1.PNG"/>
+          <p:cNvPicPr>
+            <a:picLocks noChangeAspect="1" noChangeArrowheads="1"/>
+          </p:cNvPicPr>
+          <p:nvPr/>
+        </p:nvPicPr>
+        <p:blipFill>
+          <a:blip r:embed="rId3">
+            <a:extLst>
+              <a:ext uri="{28A0092B-C50C-407E-A947-70E740481C1C}">
+                <a14:useLocalDpi xmlns:a14="http://schemas.microsoft.com/office/drawing/2010/main" val="0"/>
+              </a:ext>
+            </a:extLst>
+          </a:blip>
+          <a:srcRect/>
+          <a:stretch>
+            <a:fillRect/>
+          </a:stretch>
+        </p:blipFill>
+        <p:spPr bwMode="auto">
+          <a:xfrm>
+            <a:off x="6858000" y="0"/>
+            <a:ext cx="1828800" cy="217410"/>
+          </a:xfrm>
+          <a:prstGeom prst="rect">
+            <a:avLst/>
+          </a:prstGeom>
+          <a:noFill/>
+          <a:extLst>
+            <a:ext uri="{909E8E84-426E-40DD-AFC4-6F175D3DCCD1}">
+              <a14:hiddenFill xmlns:a14="http://schemas.microsoft.com/office/drawing/2010/main">
+                <a:solidFill>
+                  <a:srgbClr val="FFFFFF"/>
+                </a:solidFill>
+              </a14:hiddenFill>
+            </a:ext>
+          </a:extLst>
+        </p:spPr>
+      </p:pic>
+      <p:sp>
+        <p:nvSpPr>
+          <p:cNvPr id="6" name="Oval 5"/>
+          <p:cNvSpPr/>
+          <p:nvPr/>
+        </p:nvSpPr>
+        <p:spPr>
+          <a:xfrm>
+            <a:off x="8077200" y="6324600"/>
+            <a:ext cx="990600" cy="457200"/>
+          </a:xfrm>
+          <a:prstGeom prst="ellipse">
+            <a:avLst/>
+          </a:prstGeom>
+        </p:spPr>
+        <p:style>
+          <a:lnRef idx="0">
+            <a:schemeClr val="accent1"/>
+          </a:lnRef>
+          <a:fillRef idx="3">
+            <a:schemeClr val="accent1"/>
+          </a:fillRef>
+          <a:effectRef idx="3">
+            <a:schemeClr val="accent1"/>
+          </a:effectRef>
+          <a:fontRef idx="minor">
+            <a:schemeClr val="lt1"/>
+          </a:fontRef>
+        </p:style>
+        <p:txBody>
+          <a:bodyPr rtlCol="0" anchor="ctr"/>
+          <a:lstStyle/>
+          <a:p>
+            <a:pPr algn="ctr"/>
+            <a:r>
+              <a:rPr lang="en-US" sz="2000" b="1" dirty="0" smtClean="0"/>
+              <a:t>12</a:t>
+            </a:r>
+            <a:endParaRPr lang="en-US" sz="2000" b="1" dirty="0"/>
           </a:p>
         </p:txBody>
       </p:sp>
@@ -16444,101 +17235,118 @@
           <a:p>
             <a:pPr algn="just"/>
             <a:r>
-              <a:rPr lang="en-US" sz="2700" b="0" dirty="0" smtClean="0"/>
+              <a:rPr lang="en-US" sz="2600" b="0" dirty="0" smtClean="0"/>
               <a:t>Use </a:t>
             </a:r>
             <a:r>
-              <a:rPr lang="en-US" sz="2700" i="1" dirty="0" smtClean="0"/>
+              <a:rPr lang="en-US" sz="2600" i="1" dirty="0" smtClean="0"/>
               <a:t>greedy thinking </a:t>
             </a:r>
             <a:r>
-              <a:rPr lang="en-US" sz="2700" b="0" dirty="0" smtClean="0"/>
-              <a:t>for almost steps of algorithm so fast to find out the solution and it will meet the </a:t>
-            </a:r>
-            <a:r>
-              <a:rPr lang="en-US" sz="2700" i="1" dirty="0" smtClean="0"/>
-              <a:t>local optimal </a:t>
-            </a:r>
-            <a:r>
-              <a:rPr lang="en-US" sz="2700" b="0" dirty="0" smtClean="0"/>
-              <a:t>of the given optimization problem.</a:t>
-            </a:r>
+              <a:rPr lang="en-US" sz="2600" b="0" dirty="0" smtClean="0"/>
+              <a:t>so </a:t>
+            </a:r>
+            <a:r>
+              <a:rPr lang="en-US" sz="2600" b="0" dirty="0" smtClean="0"/>
+              <a:t>fast to find out </a:t>
+            </a:r>
+            <a:r>
+              <a:rPr lang="en-US" sz="2600" i="1" dirty="0" smtClean="0"/>
+              <a:t>local </a:t>
+            </a:r>
+            <a:r>
+              <a:rPr lang="en-US" sz="2600" i="1" dirty="0" smtClean="0"/>
+              <a:t>optimal </a:t>
+            </a:r>
+            <a:r>
+              <a:rPr lang="en-US" sz="2600" b="0" dirty="0" smtClean="0"/>
+              <a:t>solution of given problem.</a:t>
+            </a:r>
+            <a:endParaRPr lang="en-US" sz="2600" b="0" dirty="0" smtClean="0"/>
           </a:p>
           <a:p>
             <a:r>
-              <a:rPr lang="en-US" sz="2700" b="0" dirty="0"/>
+              <a:rPr lang="en-US" sz="2600" b="0" dirty="0"/>
               <a:t> </a:t>
             </a:r>
             <a:r>
-              <a:rPr lang="en-US" sz="2700" b="0" dirty="0" smtClean="0"/>
+              <a:rPr lang="en-US" sz="2600" b="0" dirty="0" smtClean="0"/>
               <a:t>Some </a:t>
             </a:r>
             <a:r>
-              <a:rPr lang="en-US" sz="2700" i="1" dirty="0" smtClean="0"/>
+              <a:rPr lang="en-US" sz="2600" i="1" dirty="0" smtClean="0"/>
               <a:t>list data </a:t>
             </a:r>
             <a:r>
-              <a:rPr lang="en-US" sz="2700" b="0" dirty="0" smtClean="0"/>
-              <a:t>use for the first request is </a:t>
-            </a:r>
-            <a:r>
-              <a:rPr lang="en-US" sz="2700" i="1" dirty="0" smtClean="0"/>
+              <a:rPr lang="en-US" sz="2600" b="0" dirty="0" smtClean="0"/>
+              <a:t>use for the </a:t>
+            </a:r>
+            <a:r>
+              <a:rPr lang="en-US" sz="2600" b="0" dirty="0" smtClean="0"/>
+              <a:t>one request </a:t>
+            </a:r>
+            <a:r>
+              <a:rPr lang="en-US" sz="2600" b="0" dirty="0" smtClean="0"/>
+              <a:t>is </a:t>
+            </a:r>
+            <a:r>
+              <a:rPr lang="en-US" sz="2600" i="1" dirty="0" smtClean="0"/>
               <a:t>used for all next request</a:t>
             </a:r>
             <a:r>
-              <a:rPr lang="en-US" sz="2700" b="0" dirty="0" smtClean="0"/>
+              <a:rPr lang="en-US" sz="2600" b="0" dirty="0" smtClean="0"/>
               <a:t>.</a:t>
             </a:r>
           </a:p>
           <a:p>
             <a:r>
-              <a:rPr lang="en-US" sz="2700" b="0" dirty="0"/>
+              <a:rPr lang="en-US" sz="2600" b="0" dirty="0"/>
               <a:t> </a:t>
             </a:r>
             <a:r>
-              <a:rPr lang="en-US" sz="2700" b="0" dirty="0" smtClean="0"/>
+              <a:rPr lang="en-US" sz="2600" b="0" dirty="0" smtClean="0"/>
               <a:t>Estimate </a:t>
             </a:r>
             <a:r>
-              <a:rPr lang="en-US" sz="2700" i="1" dirty="0" smtClean="0"/>
+              <a:rPr lang="en-US" sz="2600" i="1" dirty="0" smtClean="0"/>
               <a:t>complexity of algorithm</a:t>
             </a:r>
             <a:r>
-              <a:rPr lang="en-US" sz="2700" b="0" i="1" dirty="0"/>
+              <a:rPr lang="en-US" sz="2600" b="0" i="1" dirty="0"/>
               <a:t>:</a:t>
             </a:r>
-            <a:endParaRPr lang="en-US" sz="2700" b="0" dirty="0" smtClean="0"/>
+            <a:endParaRPr lang="en-US" sz="2600" b="0" dirty="0" smtClean="0"/>
           </a:p>
           <a:p>
             <a:pPr marL="0" indent="0" algn="ctr">
               <a:buNone/>
             </a:pPr>
             <a:r>
-              <a:rPr lang="en-US" sz="2700" b="0" dirty="0" smtClean="0"/>
+              <a:rPr lang="en-US" sz="2600" b="0" dirty="0" smtClean="0"/>
               <a:t>O((</a:t>
             </a:r>
             <a:r>
-              <a:rPr lang="en-US" sz="2700" b="0" dirty="0" err="1" smtClean="0"/>
+              <a:rPr lang="en-US" sz="2600" b="0" dirty="0" err="1" smtClean="0"/>
               <a:t>k|V</a:t>
             </a:r>
             <a:r>
-              <a:rPr lang="en-US" sz="2700" b="0" dirty="0" smtClean="0"/>
+              <a:rPr lang="en-US" sz="2600" b="0" dirty="0" smtClean="0"/>
               <a:t>||E|</a:t>
             </a:r>
             <a:r>
-              <a:rPr lang="en-US" sz="2700" b="0" baseline="30000" dirty="0" smtClean="0"/>
+              <a:rPr lang="en-US" sz="2600" b="0" baseline="30000" dirty="0" smtClean="0"/>
               <a:t>2</a:t>
             </a:r>
             <a:r>
-              <a:rPr lang="en-US" sz="2700" b="0" dirty="0" smtClean="0"/>
+              <a:rPr lang="en-US" sz="2600" b="0" dirty="0" smtClean="0"/>
               <a:t> + |E|</a:t>
             </a:r>
             <a:r>
-              <a:rPr lang="en-US" sz="2700" b="0" baseline="30000" dirty="0" smtClean="0"/>
+              <a:rPr lang="en-US" sz="2600" b="0" baseline="30000" dirty="0" smtClean="0"/>
               <a:t>4</a:t>
             </a:r>
             <a:r>
-              <a:rPr lang="en-US" sz="2700" b="0" dirty="0" smtClean="0"/>
+              <a:rPr lang="en-US" sz="2600" b="0" dirty="0" smtClean="0"/>
               <a:t>) x |T| x |R| x |S| x |I|).</a:t>
             </a:r>
           </a:p>
@@ -16547,12 +17355,136 @@
               <a:buNone/>
             </a:pPr>
             <a:r>
-              <a:rPr lang="en-US" sz="2700" b="0" dirty="0" smtClean="0"/>
+              <a:rPr lang="en-US" sz="2600" b="0" dirty="0" smtClean="0"/>
               <a:t>with |T|, |R|, |S|, |I| are number of trips, routes, stages and requests.</a:t>
             </a:r>
           </a:p>
           <a:p>
-            <a:endParaRPr lang="en-US" sz="2700" b="0" dirty="0"/>
+            <a:endParaRPr lang="en-US" sz="2600" b="0" dirty="0"/>
+          </a:p>
+        </p:txBody>
+      </p:sp>
+      <p:pic>
+        <p:nvPicPr>
+          <p:cNvPr id="15362" name="Picture 2" descr="C:\Users\Le Phuc Lu\Desktop\Capture.PNG"/>
+          <p:cNvPicPr>
+            <a:picLocks noChangeAspect="1" noChangeArrowheads="1"/>
+          </p:cNvPicPr>
+          <p:nvPr/>
+        </p:nvPicPr>
+        <p:blipFill>
+          <a:blip r:embed="rId2">
+            <a:extLst>
+              <a:ext uri="{28A0092B-C50C-407E-A947-70E740481C1C}">
+                <a14:useLocalDpi xmlns:a14="http://schemas.microsoft.com/office/drawing/2010/main" val="0"/>
+              </a:ext>
+            </a:extLst>
+          </a:blip>
+          <a:srcRect/>
+          <a:stretch>
+            <a:fillRect/>
+          </a:stretch>
+        </p:blipFill>
+        <p:spPr bwMode="auto">
+          <a:xfrm>
+            <a:off x="7010400" y="6581280"/>
+            <a:ext cx="1676400" cy="238125"/>
+          </a:xfrm>
+          <a:prstGeom prst="rect">
+            <a:avLst/>
+          </a:prstGeom>
+          <a:noFill/>
+          <a:extLst>
+            <a:ext uri="{909E8E84-426E-40DD-AFC4-6F175D3DCCD1}">
+              <a14:hiddenFill xmlns:a14="http://schemas.microsoft.com/office/drawing/2010/main">
+                <a:solidFill>
+                  <a:srgbClr val="FFFFFF"/>
+                </a:solidFill>
+              </a14:hiddenFill>
+            </a:ext>
+          </a:extLst>
+        </p:spPr>
+      </p:pic>
+      <p:pic>
+        <p:nvPicPr>
+          <p:cNvPr id="5" name="Picture 3" descr="C:\Users\Le Phuc Lu\Desktop\1.PNG"/>
+          <p:cNvPicPr>
+            <a:picLocks noChangeAspect="1" noChangeArrowheads="1"/>
+          </p:cNvPicPr>
+          <p:nvPr/>
+        </p:nvPicPr>
+        <p:blipFill>
+          <a:blip r:embed="rId3">
+            <a:extLst>
+              <a:ext uri="{28A0092B-C50C-407E-A947-70E740481C1C}">
+                <a14:useLocalDpi xmlns:a14="http://schemas.microsoft.com/office/drawing/2010/main" val="0"/>
+              </a:ext>
+            </a:extLst>
+          </a:blip>
+          <a:srcRect/>
+          <a:stretch>
+            <a:fillRect/>
+          </a:stretch>
+        </p:blipFill>
+        <p:spPr bwMode="auto">
+          <a:xfrm>
+            <a:off x="6858000" y="0"/>
+            <a:ext cx="1828800" cy="217410"/>
+          </a:xfrm>
+          <a:prstGeom prst="rect">
+            <a:avLst/>
+          </a:prstGeom>
+          <a:noFill/>
+          <a:extLst>
+            <a:ext uri="{909E8E84-426E-40DD-AFC4-6F175D3DCCD1}">
+              <a14:hiddenFill xmlns:a14="http://schemas.microsoft.com/office/drawing/2010/main">
+                <a:solidFill>
+                  <a:srgbClr val="FFFFFF"/>
+                </a:solidFill>
+              </a14:hiddenFill>
+            </a:ext>
+          </a:extLst>
+        </p:spPr>
+      </p:pic>
+      <p:sp>
+        <p:nvSpPr>
+          <p:cNvPr id="6" name="Oval 5"/>
+          <p:cNvSpPr/>
+          <p:nvPr/>
+        </p:nvSpPr>
+        <p:spPr>
+          <a:xfrm>
+            <a:off x="8077200" y="6324600"/>
+            <a:ext cx="990600" cy="457200"/>
+          </a:xfrm>
+          <a:prstGeom prst="ellipse">
+            <a:avLst/>
+          </a:prstGeom>
+        </p:spPr>
+        <p:style>
+          <a:lnRef idx="0">
+            <a:schemeClr val="accent1"/>
+          </a:lnRef>
+          <a:fillRef idx="3">
+            <a:schemeClr val="accent1"/>
+          </a:fillRef>
+          <a:effectRef idx="3">
+            <a:schemeClr val="accent1"/>
+          </a:effectRef>
+          <a:fontRef idx="minor">
+            <a:schemeClr val="lt1"/>
+          </a:fontRef>
+        </p:style>
+        <p:txBody>
+          <a:bodyPr rtlCol="0" anchor="ctr"/>
+          <a:lstStyle/>
+          <a:p>
+            <a:pPr algn="ctr"/>
+            <a:r>
+              <a:rPr lang="en-US" sz="2000" b="1" dirty="0" smtClean="0"/>
+              <a:t>13</a:t>
+            </a:r>
+            <a:endParaRPr lang="en-US" sz="2000" b="1" dirty="0"/>
           </a:p>
         </p:txBody>
       </p:sp>
@@ -16667,6 +17599,130 @@
               <a:t>.</a:t>
             </a:r>
             <a:endParaRPr lang="en-US" sz="2700" b="0" dirty="0" smtClean="0"/>
+          </a:p>
+        </p:txBody>
+      </p:sp>
+      <p:pic>
+        <p:nvPicPr>
+          <p:cNvPr id="16386" name="Picture 2" descr="C:\Users\Le Phuc Lu\Desktop\Capture.PNG"/>
+          <p:cNvPicPr>
+            <a:picLocks noChangeAspect="1" noChangeArrowheads="1"/>
+          </p:cNvPicPr>
+          <p:nvPr/>
+        </p:nvPicPr>
+        <p:blipFill>
+          <a:blip r:embed="rId2">
+            <a:extLst>
+              <a:ext uri="{28A0092B-C50C-407E-A947-70E740481C1C}">
+                <a14:useLocalDpi xmlns:a14="http://schemas.microsoft.com/office/drawing/2010/main" val="0"/>
+              </a:ext>
+            </a:extLst>
+          </a:blip>
+          <a:srcRect/>
+          <a:stretch>
+            <a:fillRect/>
+          </a:stretch>
+        </p:blipFill>
+        <p:spPr bwMode="auto">
+          <a:xfrm>
+            <a:off x="7010400" y="6616906"/>
+            <a:ext cx="1676400" cy="238125"/>
+          </a:xfrm>
+          <a:prstGeom prst="rect">
+            <a:avLst/>
+          </a:prstGeom>
+          <a:noFill/>
+          <a:extLst>
+            <a:ext uri="{909E8E84-426E-40DD-AFC4-6F175D3DCCD1}">
+              <a14:hiddenFill xmlns:a14="http://schemas.microsoft.com/office/drawing/2010/main">
+                <a:solidFill>
+                  <a:srgbClr val="FFFFFF"/>
+                </a:solidFill>
+              </a14:hiddenFill>
+            </a:ext>
+          </a:extLst>
+        </p:spPr>
+      </p:pic>
+      <p:pic>
+        <p:nvPicPr>
+          <p:cNvPr id="5" name="Picture 3" descr="C:\Users\Le Phuc Lu\Desktop\1.PNG"/>
+          <p:cNvPicPr>
+            <a:picLocks noChangeAspect="1" noChangeArrowheads="1"/>
+          </p:cNvPicPr>
+          <p:nvPr/>
+        </p:nvPicPr>
+        <p:blipFill>
+          <a:blip r:embed="rId3">
+            <a:extLst>
+              <a:ext uri="{28A0092B-C50C-407E-A947-70E740481C1C}">
+                <a14:useLocalDpi xmlns:a14="http://schemas.microsoft.com/office/drawing/2010/main" val="0"/>
+              </a:ext>
+            </a:extLst>
+          </a:blip>
+          <a:srcRect/>
+          <a:stretch>
+            <a:fillRect/>
+          </a:stretch>
+        </p:blipFill>
+        <p:spPr bwMode="auto">
+          <a:xfrm>
+            <a:off x="6858000" y="0"/>
+            <a:ext cx="1828800" cy="217410"/>
+          </a:xfrm>
+          <a:prstGeom prst="rect">
+            <a:avLst/>
+          </a:prstGeom>
+          <a:noFill/>
+          <a:extLst>
+            <a:ext uri="{909E8E84-426E-40DD-AFC4-6F175D3DCCD1}">
+              <a14:hiddenFill xmlns:a14="http://schemas.microsoft.com/office/drawing/2010/main">
+                <a:solidFill>
+                  <a:srgbClr val="FFFFFF"/>
+                </a:solidFill>
+              </a14:hiddenFill>
+            </a:ext>
+          </a:extLst>
+        </p:spPr>
+      </p:pic>
+      <p:sp>
+        <p:nvSpPr>
+          <p:cNvPr id="6" name="Oval 5"/>
+          <p:cNvSpPr/>
+          <p:nvPr/>
+        </p:nvSpPr>
+        <p:spPr>
+          <a:xfrm>
+            <a:off x="8077200" y="6324600"/>
+            <a:ext cx="990600" cy="457200"/>
+          </a:xfrm>
+          <a:prstGeom prst="ellipse">
+            <a:avLst/>
+          </a:prstGeom>
+        </p:spPr>
+        <p:style>
+          <a:lnRef idx="0">
+            <a:schemeClr val="accent1"/>
+          </a:lnRef>
+          <a:fillRef idx="3">
+            <a:schemeClr val="accent1"/>
+          </a:fillRef>
+          <a:effectRef idx="3">
+            <a:schemeClr val="accent1"/>
+          </a:effectRef>
+          <a:fontRef idx="minor">
+            <a:schemeClr val="lt1"/>
+          </a:fontRef>
+        </p:style>
+        <p:txBody>
+          <a:bodyPr rtlCol="0" anchor="ctr"/>
+          <a:lstStyle/>
+          <a:p>
+            <a:pPr algn="ctr"/>
+            <a:r>
+              <a:rPr lang="en-US" sz="2000" b="1" dirty="0" smtClean="0"/>
+              <a:t>14</a:t>
+            </a:r>
+            <a:endParaRPr lang="en-US" sz="2000" b="1" dirty="0"/>
           </a:p>
         </p:txBody>
       </p:sp>
@@ -16734,14 +17790,7 @@
                 <a:latin typeface="Segoe UI" pitchFamily="34" charset="0"/>
                 <a:cs typeface="Segoe UI" pitchFamily="34" charset="0"/>
               </a:rPr>
-              <a:t>Technology &amp; </a:t>
-            </a:r>
-            <a:r>
-              <a:rPr lang="en-US" b="1" dirty="0" smtClean="0">
-                <a:latin typeface="Segoe UI" pitchFamily="34" charset="0"/>
-                <a:cs typeface="Segoe UI" pitchFamily="34" charset="0"/>
-              </a:rPr>
-              <a:t>development </a:t>
+              <a:t>Technology &amp; development </a:t>
             </a:r>
             <a:br>
               <a:rPr lang="en-US" b="1" dirty="0" smtClean="0">
@@ -17185,6 +18234,130 @@
           </a:sp3d>
         </p:spPr>
       </p:pic>
+      <p:pic>
+        <p:nvPicPr>
+          <p:cNvPr id="17410" name="Picture 2" descr="C:\Users\Le Phuc Lu\Desktop\Capture.PNG"/>
+          <p:cNvPicPr>
+            <a:picLocks noChangeAspect="1" noChangeArrowheads="1"/>
+          </p:cNvPicPr>
+          <p:nvPr/>
+        </p:nvPicPr>
+        <p:blipFill>
+          <a:blip r:embed="rId9">
+            <a:extLst>
+              <a:ext uri="{28A0092B-C50C-407E-A947-70E740481C1C}">
+                <a14:useLocalDpi xmlns:a14="http://schemas.microsoft.com/office/drawing/2010/main" val="0"/>
+              </a:ext>
+            </a:extLst>
+          </a:blip>
+          <a:srcRect/>
+          <a:stretch>
+            <a:fillRect/>
+          </a:stretch>
+        </p:blipFill>
+        <p:spPr bwMode="auto">
+          <a:xfrm>
+            <a:off x="7208520" y="6619875"/>
+            <a:ext cx="1676400" cy="238125"/>
+          </a:xfrm>
+          <a:prstGeom prst="rect">
+            <a:avLst/>
+          </a:prstGeom>
+          <a:noFill/>
+          <a:extLst>
+            <a:ext uri="{909E8E84-426E-40DD-AFC4-6F175D3DCCD1}">
+              <a14:hiddenFill xmlns:a14="http://schemas.microsoft.com/office/drawing/2010/main">
+                <a:solidFill>
+                  <a:srgbClr val="FFFFFF"/>
+                </a:solidFill>
+              </a14:hiddenFill>
+            </a:ext>
+          </a:extLst>
+        </p:spPr>
+      </p:pic>
+      <p:pic>
+        <p:nvPicPr>
+          <p:cNvPr id="11" name="Picture 3" descr="C:\Users\Le Phuc Lu\Desktop\1.PNG"/>
+          <p:cNvPicPr>
+            <a:picLocks noChangeAspect="1" noChangeArrowheads="1"/>
+          </p:cNvPicPr>
+          <p:nvPr/>
+        </p:nvPicPr>
+        <p:blipFill>
+          <a:blip r:embed="rId10">
+            <a:extLst>
+              <a:ext uri="{28A0092B-C50C-407E-A947-70E740481C1C}">
+                <a14:useLocalDpi xmlns:a14="http://schemas.microsoft.com/office/drawing/2010/main" val="0"/>
+              </a:ext>
+            </a:extLst>
+          </a:blip>
+          <a:srcRect/>
+          <a:stretch>
+            <a:fillRect/>
+          </a:stretch>
+        </p:blipFill>
+        <p:spPr bwMode="auto">
+          <a:xfrm>
+            <a:off x="6858000" y="0"/>
+            <a:ext cx="1828800" cy="217410"/>
+          </a:xfrm>
+          <a:prstGeom prst="rect">
+            <a:avLst/>
+          </a:prstGeom>
+          <a:noFill/>
+          <a:extLst>
+            <a:ext uri="{909E8E84-426E-40DD-AFC4-6F175D3DCCD1}">
+              <a14:hiddenFill xmlns:a14="http://schemas.microsoft.com/office/drawing/2010/main">
+                <a:solidFill>
+                  <a:srgbClr val="FFFFFF"/>
+                </a:solidFill>
+              </a14:hiddenFill>
+            </a:ext>
+          </a:extLst>
+        </p:spPr>
+      </p:pic>
+      <p:sp>
+        <p:nvSpPr>
+          <p:cNvPr id="12" name="Oval 11"/>
+          <p:cNvSpPr/>
+          <p:nvPr/>
+        </p:nvSpPr>
+        <p:spPr>
+          <a:xfrm>
+            <a:off x="8077200" y="6324600"/>
+            <a:ext cx="990600" cy="457200"/>
+          </a:xfrm>
+          <a:prstGeom prst="ellipse">
+            <a:avLst/>
+          </a:prstGeom>
+        </p:spPr>
+        <p:style>
+          <a:lnRef idx="0">
+            <a:schemeClr val="accent1"/>
+          </a:lnRef>
+          <a:fillRef idx="3">
+            <a:schemeClr val="accent1"/>
+          </a:fillRef>
+          <a:effectRef idx="3">
+            <a:schemeClr val="accent1"/>
+          </a:effectRef>
+          <a:fontRef idx="minor">
+            <a:schemeClr val="lt1"/>
+          </a:fontRef>
+        </p:style>
+        <p:txBody>
+          <a:bodyPr rtlCol="0" anchor="ctr"/>
+          <a:lstStyle/>
+          <a:p>
+            <a:pPr algn="ctr"/>
+            <a:r>
+              <a:rPr lang="en-US" sz="2000" b="1" dirty="0" smtClean="0"/>
+              <a:t>15</a:t>
+            </a:r>
+            <a:endParaRPr lang="en-US" sz="2000" b="1" dirty="0"/>
+          </a:p>
+        </p:txBody>
+      </p:sp>
     </p:spTree>
     <p:extLst>
       <p:ext uri="{BB962C8B-B14F-4D97-AF65-F5344CB8AC3E}">
@@ -17232,80 +18405,6 @@
             <p:ph type="title"/>
           </p:nvPr>
         </p:nvSpPr>
-        <p:spPr>
-          <a:xfrm>
-            <a:off x="457200" y="2895600"/>
-            <a:ext cx="8229600" cy="1143000"/>
-          </a:xfrm>
-        </p:spPr>
-        <p:txBody>
-          <a:bodyPr/>
-          <a:lstStyle/>
-          <a:p>
-            <a:pPr algn="ctr"/>
-            <a:r>
-              <a:rPr lang="en-US" sz="5000" b="1" dirty="0" smtClean="0">
-                <a:solidFill>
-                  <a:srgbClr val="00CC66"/>
-                </a:solidFill>
-              </a:rPr>
-              <a:t>DEMONSTRATION</a:t>
-            </a:r>
-            <a:endParaRPr lang="en-US" sz="5000" b="1" dirty="0">
-              <a:solidFill>
-                <a:srgbClr val="00CC66"/>
-              </a:solidFill>
-            </a:endParaRPr>
-          </a:p>
-        </p:txBody>
-      </p:sp>
-    </p:spTree>
-    <p:extLst>
-      <p:ext uri="{BB962C8B-B14F-4D97-AF65-F5344CB8AC3E}">
-        <p14:creationId xmlns:p14="http://schemas.microsoft.com/office/powerpoint/2010/main" val="1871964486"/>
-      </p:ext>
-    </p:extLst>
-  </p:cSld>
-  <p:clrMapOvr>
-    <a:masterClrMapping/>
-  </p:clrMapOvr>
-  <p:timing>
-    <p:tnLst>
-      <p:par>
-        <p:cTn id="1" dur="indefinite" restart="never" nodeType="tmRoot"/>
-      </p:par>
-    </p:tnLst>
-  </p:timing>
-</p:sld>
-</file>
-
-<file path=ppt/slides/slide17.xml><?xml version="1.0" encoding="utf-8"?>
-<p:sld xmlns:a="http://schemas.openxmlformats.org/drawingml/2006/main" xmlns:r="http://schemas.openxmlformats.org/officeDocument/2006/relationships" xmlns:p="http://schemas.openxmlformats.org/presentationml/2006/main">
-  <p:cSld>
-    <p:spTree>
-      <p:nvGrpSpPr>
-        <p:cNvPr id="1" name=""/>
-        <p:cNvGrpSpPr/>
-        <p:nvPr/>
-      </p:nvGrpSpPr>
-      <p:grpSpPr>
-        <a:xfrm>
-          <a:off x="0" y="0"/>
-          <a:ext cx="0" cy="0"/>
-          <a:chOff x="0" y="0"/>
-          <a:chExt cx="0" cy="0"/>
-        </a:xfrm>
-      </p:grpSpPr>
-      <p:sp>
-        <p:nvSpPr>
-          <p:cNvPr id="2" name="Title 1"/>
-          <p:cNvSpPr>
-            <a:spLocks noGrp="1"/>
-          </p:cNvSpPr>
-          <p:nvPr>
-            <p:ph type="title"/>
-          </p:nvPr>
-        </p:nvSpPr>
         <p:spPr/>
         <p:txBody>
           <a:bodyPr/>
@@ -17377,15 +18476,11 @@
             </a:pPr>
             <a:r>
               <a:rPr lang="en-US" b="0" dirty="0" smtClean="0"/>
-              <a:t>Rating </a:t>
-            </a:r>
-            <a:r>
-              <a:rPr lang="en-US" b="0" dirty="0"/>
-              <a:t>and </a:t>
+              <a:t>Easy </a:t>
             </a:r>
             <a:r>
               <a:rPr lang="en-US" b="0" dirty="0" smtClean="0"/>
-              <a:t>comment</a:t>
+              <a:t>to manage packages</a:t>
             </a:r>
           </a:p>
           <a:p>
@@ -17395,7 +18490,11 @@
             </a:pPr>
             <a:r>
               <a:rPr lang="en-US" b="0" dirty="0" smtClean="0"/>
-              <a:t>Easy to manage packages</a:t>
+              <a:t>Statistics on </a:t>
+            </a:r>
+            <a:r>
+              <a:rPr lang="en-US" b="0" dirty="0" smtClean="0"/>
+              <a:t>revenue</a:t>
             </a:r>
           </a:p>
           <a:p>
@@ -17404,9 +18503,14 @@
               <a:buChar char="o"/>
             </a:pPr>
             <a:r>
+              <a:rPr lang="en-US" b="0" dirty="0"/>
+              <a:t>Rating and </a:t>
+            </a:r>
+            <a:r>
               <a:rPr lang="en-US" b="0" dirty="0" smtClean="0"/>
-              <a:t>Statistics on revenue</a:t>
-            </a:r>
+              <a:t>comment</a:t>
+            </a:r>
+            <a:endParaRPr lang="en-US" b="0" dirty="0"/>
           </a:p>
         </p:txBody>
       </p:sp>
@@ -17491,7 +18595,7 @@
         </p:blipFill>
         <p:spPr>
           <a:xfrm>
-            <a:off x="6934200" y="1828800"/>
+            <a:off x="6940138" y="2209800"/>
             <a:ext cx="2011680" cy="2011680"/>
           </a:xfrm>
           <a:prstGeom prst="rect">
@@ -17706,6 +18810,130 @@
           </a:sp3d>
         </p:spPr>
       </p:pic>
+      <p:pic>
+        <p:nvPicPr>
+          <p:cNvPr id="19458" name="Picture 2" descr="C:\Users\Le Phuc Lu\Desktop\Capture.PNG"/>
+          <p:cNvPicPr>
+            <a:picLocks noChangeAspect="1" noChangeArrowheads="1"/>
+          </p:cNvPicPr>
+          <p:nvPr/>
+        </p:nvPicPr>
+        <p:blipFill>
+          <a:blip r:embed="rId7">
+            <a:extLst>
+              <a:ext uri="{28A0092B-C50C-407E-A947-70E740481C1C}">
+                <a14:useLocalDpi xmlns:a14="http://schemas.microsoft.com/office/drawing/2010/main" val="0"/>
+              </a:ext>
+            </a:extLst>
+          </a:blip>
+          <a:srcRect/>
+          <a:stretch>
+            <a:fillRect/>
+          </a:stretch>
+        </p:blipFill>
+        <p:spPr bwMode="auto">
+          <a:xfrm>
+            <a:off x="7101840" y="6619875"/>
+            <a:ext cx="1676400" cy="238125"/>
+          </a:xfrm>
+          <a:prstGeom prst="rect">
+            <a:avLst/>
+          </a:prstGeom>
+          <a:noFill/>
+          <a:extLst>
+            <a:ext uri="{909E8E84-426E-40DD-AFC4-6F175D3DCCD1}">
+              <a14:hiddenFill xmlns:a14="http://schemas.microsoft.com/office/drawing/2010/main">
+                <a:solidFill>
+                  <a:srgbClr val="FFFFFF"/>
+                </a:solidFill>
+              </a14:hiddenFill>
+            </a:ext>
+          </a:extLst>
+        </p:spPr>
+      </p:pic>
+      <p:pic>
+        <p:nvPicPr>
+          <p:cNvPr id="12" name="Picture 3" descr="C:\Users\Le Phuc Lu\Desktop\1.PNG"/>
+          <p:cNvPicPr>
+            <a:picLocks noChangeAspect="1" noChangeArrowheads="1"/>
+          </p:cNvPicPr>
+          <p:nvPr/>
+        </p:nvPicPr>
+        <p:blipFill>
+          <a:blip r:embed="rId8">
+            <a:extLst>
+              <a:ext uri="{28A0092B-C50C-407E-A947-70E740481C1C}">
+                <a14:useLocalDpi xmlns:a14="http://schemas.microsoft.com/office/drawing/2010/main" val="0"/>
+              </a:ext>
+            </a:extLst>
+          </a:blip>
+          <a:srcRect/>
+          <a:stretch>
+            <a:fillRect/>
+          </a:stretch>
+        </p:blipFill>
+        <p:spPr bwMode="auto">
+          <a:xfrm>
+            <a:off x="6858000" y="0"/>
+            <a:ext cx="1828800" cy="217410"/>
+          </a:xfrm>
+          <a:prstGeom prst="rect">
+            <a:avLst/>
+          </a:prstGeom>
+          <a:noFill/>
+          <a:extLst>
+            <a:ext uri="{909E8E84-426E-40DD-AFC4-6F175D3DCCD1}">
+              <a14:hiddenFill xmlns:a14="http://schemas.microsoft.com/office/drawing/2010/main">
+                <a:solidFill>
+                  <a:srgbClr val="FFFFFF"/>
+                </a:solidFill>
+              </a14:hiddenFill>
+            </a:ext>
+          </a:extLst>
+        </p:spPr>
+      </p:pic>
+      <p:sp>
+        <p:nvSpPr>
+          <p:cNvPr id="13" name="Oval 12"/>
+          <p:cNvSpPr/>
+          <p:nvPr/>
+        </p:nvSpPr>
+        <p:spPr>
+          <a:xfrm>
+            <a:off x="8077200" y="6324600"/>
+            <a:ext cx="990600" cy="457200"/>
+          </a:xfrm>
+          <a:prstGeom prst="ellipse">
+            <a:avLst/>
+          </a:prstGeom>
+        </p:spPr>
+        <p:style>
+          <a:lnRef idx="0">
+            <a:schemeClr val="accent1"/>
+          </a:lnRef>
+          <a:fillRef idx="3">
+            <a:schemeClr val="accent1"/>
+          </a:fillRef>
+          <a:effectRef idx="3">
+            <a:schemeClr val="accent1"/>
+          </a:effectRef>
+          <a:fontRef idx="minor">
+            <a:schemeClr val="lt1"/>
+          </a:fontRef>
+        </p:style>
+        <p:txBody>
+          <a:bodyPr rtlCol="0" anchor="ctr"/>
+          <a:lstStyle/>
+          <a:p>
+            <a:pPr algn="ctr"/>
+            <a:r>
+              <a:rPr lang="en-US" sz="2000" b="1" dirty="0" smtClean="0"/>
+              <a:t>16</a:t>
+            </a:r>
+            <a:endParaRPr lang="en-US" sz="2000" b="1" dirty="0"/>
+          </a:p>
+        </p:txBody>
+      </p:sp>
     </p:spTree>
     <p:extLst>
       <p:ext uri="{BB962C8B-B14F-4D97-AF65-F5344CB8AC3E}">
@@ -17726,7 +18954,7 @@
 </p:sld>
 </file>
 
-<file path=ppt/slides/slide18.xml><?xml version="1.0" encoding="utf-8"?>
+<file path=ppt/slides/slide17.xml><?xml version="1.0" encoding="utf-8"?>
 <p:sld xmlns:a="http://schemas.openxmlformats.org/drawingml/2006/main" xmlns:r="http://schemas.openxmlformats.org/officeDocument/2006/relationships" xmlns:p="http://schemas.openxmlformats.org/presentationml/2006/main">
   <p:cSld>
     <p:spTree>
@@ -17925,10 +19153,332 @@
           </a:prstGeom>
         </p:spPr>
       </p:pic>
+      <p:pic>
+        <p:nvPicPr>
+          <p:cNvPr id="20482" name="Picture 2" descr="C:\Users\Le Phuc Lu\Desktop\Capture.PNG"/>
+          <p:cNvPicPr>
+            <a:picLocks noChangeAspect="1" noChangeArrowheads="1"/>
+          </p:cNvPicPr>
+          <p:nvPr/>
+        </p:nvPicPr>
+        <p:blipFill>
+          <a:blip r:embed="rId4">
+            <a:extLst>
+              <a:ext uri="{28A0092B-C50C-407E-A947-70E740481C1C}">
+                <a14:useLocalDpi xmlns:a14="http://schemas.microsoft.com/office/drawing/2010/main" val="0"/>
+              </a:ext>
+            </a:extLst>
+          </a:blip>
+          <a:srcRect/>
+          <a:stretch>
+            <a:fillRect/>
+          </a:stretch>
+        </p:blipFill>
+        <p:spPr bwMode="auto">
+          <a:xfrm>
+            <a:off x="7090682" y="6596062"/>
+            <a:ext cx="1676400" cy="238125"/>
+          </a:xfrm>
+          <a:prstGeom prst="rect">
+            <a:avLst/>
+          </a:prstGeom>
+          <a:noFill/>
+          <a:extLst>
+            <a:ext uri="{909E8E84-426E-40DD-AFC4-6F175D3DCCD1}">
+              <a14:hiddenFill xmlns:a14="http://schemas.microsoft.com/office/drawing/2010/main">
+                <a:solidFill>
+                  <a:srgbClr val="FFFFFF"/>
+                </a:solidFill>
+              </a14:hiddenFill>
+            </a:ext>
+          </a:extLst>
+        </p:spPr>
+      </p:pic>
+      <p:pic>
+        <p:nvPicPr>
+          <p:cNvPr id="7" name="Picture 3" descr="C:\Users\Le Phuc Lu\Desktop\1.PNG"/>
+          <p:cNvPicPr>
+            <a:picLocks noChangeAspect="1" noChangeArrowheads="1"/>
+          </p:cNvPicPr>
+          <p:nvPr/>
+        </p:nvPicPr>
+        <p:blipFill>
+          <a:blip r:embed="rId5">
+            <a:extLst>
+              <a:ext uri="{28A0092B-C50C-407E-A947-70E740481C1C}">
+                <a14:useLocalDpi xmlns:a14="http://schemas.microsoft.com/office/drawing/2010/main" val="0"/>
+              </a:ext>
+            </a:extLst>
+          </a:blip>
+          <a:srcRect/>
+          <a:stretch>
+            <a:fillRect/>
+          </a:stretch>
+        </p:blipFill>
+        <p:spPr bwMode="auto">
+          <a:xfrm>
+            <a:off x="6858000" y="0"/>
+            <a:ext cx="1828800" cy="217410"/>
+          </a:xfrm>
+          <a:prstGeom prst="rect">
+            <a:avLst/>
+          </a:prstGeom>
+          <a:noFill/>
+          <a:extLst>
+            <a:ext uri="{909E8E84-426E-40DD-AFC4-6F175D3DCCD1}">
+              <a14:hiddenFill xmlns:a14="http://schemas.microsoft.com/office/drawing/2010/main">
+                <a:solidFill>
+                  <a:srgbClr val="FFFFFF"/>
+                </a:solidFill>
+              </a14:hiddenFill>
+            </a:ext>
+          </a:extLst>
+        </p:spPr>
+      </p:pic>
+      <p:sp>
+        <p:nvSpPr>
+          <p:cNvPr id="8" name="Oval 7"/>
+          <p:cNvSpPr/>
+          <p:nvPr/>
+        </p:nvSpPr>
+        <p:spPr>
+          <a:xfrm>
+            <a:off x="8077200" y="6324600"/>
+            <a:ext cx="990600" cy="457200"/>
+          </a:xfrm>
+          <a:prstGeom prst="ellipse">
+            <a:avLst/>
+          </a:prstGeom>
+        </p:spPr>
+        <p:style>
+          <a:lnRef idx="0">
+            <a:schemeClr val="accent1"/>
+          </a:lnRef>
+          <a:fillRef idx="3">
+            <a:schemeClr val="accent1"/>
+          </a:fillRef>
+          <a:effectRef idx="3">
+            <a:schemeClr val="accent1"/>
+          </a:effectRef>
+          <a:fontRef idx="minor">
+            <a:schemeClr val="lt1"/>
+          </a:fontRef>
+        </p:style>
+        <p:txBody>
+          <a:bodyPr rtlCol="0" anchor="ctr"/>
+          <a:lstStyle/>
+          <a:p>
+            <a:pPr algn="ctr"/>
+            <a:r>
+              <a:rPr lang="en-US" sz="2000" b="1" dirty="0" smtClean="0"/>
+              <a:t>17</a:t>
+            </a:r>
+            <a:endParaRPr lang="en-US" sz="2000" b="1" dirty="0"/>
+          </a:p>
+        </p:txBody>
+      </p:sp>
     </p:spTree>
     <p:extLst>
       <p:ext uri="{BB962C8B-B14F-4D97-AF65-F5344CB8AC3E}">
         <p14:creationId xmlns:p14="http://schemas.microsoft.com/office/powerpoint/2010/main" val="1002481008"/>
+      </p:ext>
+    </p:extLst>
+  </p:cSld>
+  <p:clrMapOvr>
+    <a:masterClrMapping/>
+  </p:clrMapOvr>
+  <p:timing>
+    <p:tnLst>
+      <p:par>
+        <p:cTn id="1" dur="indefinite" restart="never" nodeType="tmRoot"/>
+      </p:par>
+    </p:tnLst>
+  </p:timing>
+</p:sld>
+</file>
+
+<file path=ppt/slides/slide18.xml><?xml version="1.0" encoding="utf-8"?>
+<p:sld xmlns:a="http://schemas.openxmlformats.org/drawingml/2006/main" xmlns:r="http://schemas.openxmlformats.org/officeDocument/2006/relationships" xmlns:p="http://schemas.openxmlformats.org/presentationml/2006/main">
+  <p:cSld>
+    <p:spTree>
+      <p:nvGrpSpPr>
+        <p:cNvPr id="1" name=""/>
+        <p:cNvGrpSpPr/>
+        <p:nvPr/>
+      </p:nvGrpSpPr>
+      <p:grpSpPr>
+        <a:xfrm>
+          <a:off x="0" y="0"/>
+          <a:ext cx="0" cy="0"/>
+          <a:chOff x="0" y="0"/>
+          <a:chExt cx="0" cy="0"/>
+        </a:xfrm>
+      </p:grpSpPr>
+      <p:sp>
+        <p:nvSpPr>
+          <p:cNvPr id="2" name="Title 1"/>
+          <p:cNvSpPr>
+            <a:spLocks noGrp="1"/>
+          </p:cNvSpPr>
+          <p:nvPr>
+            <p:ph type="title"/>
+          </p:nvPr>
+        </p:nvSpPr>
+        <p:spPr>
+          <a:xfrm>
+            <a:off x="457200" y="2895600"/>
+            <a:ext cx="8229600" cy="1143000"/>
+          </a:xfrm>
+        </p:spPr>
+        <p:txBody>
+          <a:bodyPr/>
+          <a:lstStyle/>
+          <a:p>
+            <a:pPr algn="ctr"/>
+            <a:r>
+              <a:rPr lang="en-US" sz="5000" b="1" dirty="0" smtClean="0">
+                <a:solidFill>
+                  <a:srgbClr val="00CC66"/>
+                </a:solidFill>
+              </a:rPr>
+              <a:t>DEMONSTRATION</a:t>
+            </a:r>
+            <a:endParaRPr lang="en-US" sz="5000" b="1" dirty="0">
+              <a:solidFill>
+                <a:srgbClr val="00CC66"/>
+              </a:solidFill>
+            </a:endParaRPr>
+          </a:p>
+        </p:txBody>
+      </p:sp>
+      <p:pic>
+        <p:nvPicPr>
+          <p:cNvPr id="18434" name="Picture 2" descr="C:\Users\Le Phuc Lu\Desktop\Capture.PNG"/>
+          <p:cNvPicPr>
+            <a:picLocks noChangeAspect="1" noChangeArrowheads="1"/>
+          </p:cNvPicPr>
+          <p:nvPr/>
+        </p:nvPicPr>
+        <p:blipFill>
+          <a:blip r:embed="rId2">
+            <a:extLst>
+              <a:ext uri="{28A0092B-C50C-407E-A947-70E740481C1C}">
+                <a14:useLocalDpi xmlns:a14="http://schemas.microsoft.com/office/drawing/2010/main" val="0"/>
+              </a:ext>
+            </a:extLst>
+          </a:blip>
+          <a:srcRect/>
+          <a:stretch>
+            <a:fillRect/>
+          </a:stretch>
+        </p:blipFill>
+        <p:spPr bwMode="auto">
+          <a:xfrm>
+            <a:off x="7010400" y="6581280"/>
+            <a:ext cx="1676400" cy="238125"/>
+          </a:xfrm>
+          <a:prstGeom prst="rect">
+            <a:avLst/>
+          </a:prstGeom>
+          <a:noFill/>
+          <a:extLst>
+            <a:ext uri="{909E8E84-426E-40DD-AFC4-6F175D3DCCD1}">
+              <a14:hiddenFill xmlns:a14="http://schemas.microsoft.com/office/drawing/2010/main">
+                <a:solidFill>
+                  <a:srgbClr val="FFFFFF"/>
+                </a:solidFill>
+              </a14:hiddenFill>
+            </a:ext>
+          </a:extLst>
+        </p:spPr>
+      </p:pic>
+      <p:pic>
+        <p:nvPicPr>
+          <p:cNvPr id="4" name="Picture 3" descr="C:\Users\Le Phuc Lu\Desktop\1.PNG"/>
+          <p:cNvPicPr>
+            <a:picLocks noChangeAspect="1" noChangeArrowheads="1"/>
+          </p:cNvPicPr>
+          <p:nvPr/>
+        </p:nvPicPr>
+        <p:blipFill>
+          <a:blip r:embed="rId3">
+            <a:extLst>
+              <a:ext uri="{28A0092B-C50C-407E-A947-70E740481C1C}">
+                <a14:useLocalDpi xmlns:a14="http://schemas.microsoft.com/office/drawing/2010/main" val="0"/>
+              </a:ext>
+            </a:extLst>
+          </a:blip>
+          <a:srcRect/>
+          <a:stretch>
+            <a:fillRect/>
+          </a:stretch>
+        </p:blipFill>
+        <p:spPr bwMode="auto">
+          <a:xfrm>
+            <a:off x="6858000" y="0"/>
+            <a:ext cx="1828800" cy="217410"/>
+          </a:xfrm>
+          <a:prstGeom prst="rect">
+            <a:avLst/>
+          </a:prstGeom>
+          <a:noFill/>
+          <a:extLst>
+            <a:ext uri="{909E8E84-426E-40DD-AFC4-6F175D3DCCD1}">
+              <a14:hiddenFill xmlns:a14="http://schemas.microsoft.com/office/drawing/2010/main">
+                <a:solidFill>
+                  <a:srgbClr val="FFFFFF"/>
+                </a:solidFill>
+              </a14:hiddenFill>
+            </a:ext>
+          </a:extLst>
+        </p:spPr>
+      </p:pic>
+      <p:sp>
+        <p:nvSpPr>
+          <p:cNvPr id="5" name="Oval 4"/>
+          <p:cNvSpPr/>
+          <p:nvPr/>
+        </p:nvSpPr>
+        <p:spPr>
+          <a:xfrm>
+            <a:off x="8077200" y="6324600"/>
+            <a:ext cx="990600" cy="457200"/>
+          </a:xfrm>
+          <a:prstGeom prst="ellipse">
+            <a:avLst/>
+          </a:prstGeom>
+        </p:spPr>
+        <p:style>
+          <a:lnRef idx="0">
+            <a:schemeClr val="accent1"/>
+          </a:lnRef>
+          <a:fillRef idx="3">
+            <a:schemeClr val="accent1"/>
+          </a:fillRef>
+          <a:effectRef idx="3">
+            <a:schemeClr val="accent1"/>
+          </a:effectRef>
+          <a:fontRef idx="minor">
+            <a:schemeClr val="lt1"/>
+          </a:fontRef>
+        </p:style>
+        <p:txBody>
+          <a:bodyPr rtlCol="0" anchor="ctr"/>
+          <a:lstStyle/>
+          <a:p>
+            <a:pPr algn="ctr"/>
+            <a:r>
+              <a:rPr lang="en-US" sz="2000" b="1" dirty="0" smtClean="0"/>
+              <a:t>18</a:t>
+            </a:r>
+            <a:endParaRPr lang="en-US" sz="2000" b="1" dirty="0"/>
+          </a:p>
+        </p:txBody>
+      </p:sp>
+    </p:spTree>
+    <p:extLst>
+      <p:ext uri="{BB962C8B-B14F-4D97-AF65-F5344CB8AC3E}">
+        <p14:creationId xmlns:p14="http://schemas.microsoft.com/office/powerpoint/2010/main" val="1871964486"/>
       </p:ext>
     </p:extLst>
   </p:cSld>
@@ -18132,6 +19682,130 @@
           </a:prstGeom>
         </p:spPr>
       </p:pic>
+      <p:pic>
+        <p:nvPicPr>
+          <p:cNvPr id="21506" name="Picture 2" descr="C:\Users\Le Phuc Lu\Desktop\Capture.PNG"/>
+          <p:cNvPicPr>
+            <a:picLocks noChangeAspect="1" noChangeArrowheads="1"/>
+          </p:cNvPicPr>
+          <p:nvPr/>
+        </p:nvPicPr>
+        <p:blipFill>
+          <a:blip r:embed="rId5">
+            <a:extLst>
+              <a:ext uri="{28A0092B-C50C-407E-A947-70E740481C1C}">
+                <a14:useLocalDpi xmlns:a14="http://schemas.microsoft.com/office/drawing/2010/main" val="0"/>
+              </a:ext>
+            </a:extLst>
+          </a:blip>
+          <a:srcRect/>
+          <a:stretch>
+            <a:fillRect/>
+          </a:stretch>
+        </p:blipFill>
+        <p:spPr bwMode="auto">
+          <a:xfrm>
+            <a:off x="7010400" y="6619875"/>
+            <a:ext cx="1676400" cy="238125"/>
+          </a:xfrm>
+          <a:prstGeom prst="rect">
+            <a:avLst/>
+          </a:prstGeom>
+          <a:noFill/>
+          <a:extLst>
+            <a:ext uri="{909E8E84-426E-40DD-AFC4-6F175D3DCCD1}">
+              <a14:hiddenFill xmlns:a14="http://schemas.microsoft.com/office/drawing/2010/main">
+                <a:solidFill>
+                  <a:srgbClr val="FFFFFF"/>
+                </a:solidFill>
+              </a14:hiddenFill>
+            </a:ext>
+          </a:extLst>
+        </p:spPr>
+      </p:pic>
+      <p:pic>
+        <p:nvPicPr>
+          <p:cNvPr id="8" name="Picture 3" descr="C:\Users\Le Phuc Lu\Desktop\1.PNG"/>
+          <p:cNvPicPr>
+            <a:picLocks noChangeAspect="1" noChangeArrowheads="1"/>
+          </p:cNvPicPr>
+          <p:nvPr/>
+        </p:nvPicPr>
+        <p:blipFill>
+          <a:blip r:embed="rId6">
+            <a:extLst>
+              <a:ext uri="{28A0092B-C50C-407E-A947-70E740481C1C}">
+                <a14:useLocalDpi xmlns:a14="http://schemas.microsoft.com/office/drawing/2010/main" val="0"/>
+              </a:ext>
+            </a:extLst>
+          </a:blip>
+          <a:srcRect/>
+          <a:stretch>
+            <a:fillRect/>
+          </a:stretch>
+        </p:blipFill>
+        <p:spPr bwMode="auto">
+          <a:xfrm>
+            <a:off x="6858000" y="0"/>
+            <a:ext cx="1828800" cy="217410"/>
+          </a:xfrm>
+          <a:prstGeom prst="rect">
+            <a:avLst/>
+          </a:prstGeom>
+          <a:noFill/>
+          <a:extLst>
+            <a:ext uri="{909E8E84-426E-40DD-AFC4-6F175D3DCCD1}">
+              <a14:hiddenFill xmlns:a14="http://schemas.microsoft.com/office/drawing/2010/main">
+                <a:solidFill>
+                  <a:srgbClr val="FFFFFF"/>
+                </a:solidFill>
+              </a14:hiddenFill>
+            </a:ext>
+          </a:extLst>
+        </p:spPr>
+      </p:pic>
+      <p:sp>
+        <p:nvSpPr>
+          <p:cNvPr id="9" name="Oval 8"/>
+          <p:cNvSpPr/>
+          <p:nvPr/>
+        </p:nvSpPr>
+        <p:spPr>
+          <a:xfrm>
+            <a:off x="8077200" y="6324600"/>
+            <a:ext cx="990600" cy="457200"/>
+          </a:xfrm>
+          <a:prstGeom prst="ellipse">
+            <a:avLst/>
+          </a:prstGeom>
+        </p:spPr>
+        <p:style>
+          <a:lnRef idx="0">
+            <a:schemeClr val="accent1"/>
+          </a:lnRef>
+          <a:fillRef idx="3">
+            <a:schemeClr val="accent1"/>
+          </a:fillRef>
+          <a:effectRef idx="3">
+            <a:schemeClr val="accent1"/>
+          </a:effectRef>
+          <a:fontRef idx="minor">
+            <a:schemeClr val="lt1"/>
+          </a:fontRef>
+        </p:style>
+        <p:txBody>
+          <a:bodyPr rtlCol="0" anchor="ctr"/>
+          <a:lstStyle/>
+          <a:p>
+            <a:pPr algn="ctr"/>
+            <a:r>
+              <a:rPr lang="en-US" sz="2000" b="1" dirty="0" smtClean="0"/>
+              <a:t>19</a:t>
+            </a:r>
+            <a:endParaRPr lang="en-US" sz="2000" b="1" dirty="0"/>
+          </a:p>
+        </p:txBody>
+      </p:sp>
     </p:spTree>
     <p:extLst>
       <p:ext uri="{BB962C8B-B14F-4D97-AF65-F5344CB8AC3E}">
@@ -18217,6 +19891,130 @@
           </a:graphicData>
         </a:graphic>
       </p:graphicFrame>
+      <p:pic>
+        <p:nvPicPr>
+          <p:cNvPr id="5122" name="Picture 2" descr="C:\Users\Le Phuc Lu\Desktop\Capture.PNG"/>
+          <p:cNvPicPr>
+            <a:picLocks noChangeAspect="1" noChangeArrowheads="1"/>
+          </p:cNvPicPr>
+          <p:nvPr/>
+        </p:nvPicPr>
+        <p:blipFill>
+          <a:blip r:embed="rId7">
+            <a:extLst>
+              <a:ext uri="{28A0092B-C50C-407E-A947-70E740481C1C}">
+                <a14:useLocalDpi xmlns:a14="http://schemas.microsoft.com/office/drawing/2010/main" val="0"/>
+              </a:ext>
+            </a:extLst>
+          </a:blip>
+          <a:srcRect/>
+          <a:stretch>
+            <a:fillRect/>
+          </a:stretch>
+        </p:blipFill>
+        <p:spPr bwMode="auto">
+          <a:xfrm>
+            <a:off x="7010400" y="6569405"/>
+            <a:ext cx="1676400" cy="238125"/>
+          </a:xfrm>
+          <a:prstGeom prst="rect">
+            <a:avLst/>
+          </a:prstGeom>
+          <a:noFill/>
+          <a:extLst>
+            <a:ext uri="{909E8E84-426E-40DD-AFC4-6F175D3DCCD1}">
+              <a14:hiddenFill xmlns:a14="http://schemas.microsoft.com/office/drawing/2010/main">
+                <a:solidFill>
+                  <a:srgbClr val="FFFFFF"/>
+                </a:solidFill>
+              </a14:hiddenFill>
+            </a:ext>
+          </a:extLst>
+        </p:spPr>
+      </p:pic>
+      <p:pic>
+        <p:nvPicPr>
+          <p:cNvPr id="5123" name="Picture 3" descr="C:\Users\Le Phuc Lu\Desktop\1.PNG"/>
+          <p:cNvPicPr>
+            <a:picLocks noChangeAspect="1" noChangeArrowheads="1"/>
+          </p:cNvPicPr>
+          <p:nvPr/>
+        </p:nvPicPr>
+        <p:blipFill>
+          <a:blip r:embed="rId8">
+            <a:extLst>
+              <a:ext uri="{28A0092B-C50C-407E-A947-70E740481C1C}">
+                <a14:useLocalDpi xmlns:a14="http://schemas.microsoft.com/office/drawing/2010/main" val="0"/>
+              </a:ext>
+            </a:extLst>
+          </a:blip>
+          <a:srcRect/>
+          <a:stretch>
+            <a:fillRect/>
+          </a:stretch>
+        </p:blipFill>
+        <p:spPr bwMode="auto">
+          <a:xfrm>
+            <a:off x="6858000" y="0"/>
+            <a:ext cx="1828800" cy="217410"/>
+          </a:xfrm>
+          <a:prstGeom prst="rect">
+            <a:avLst/>
+          </a:prstGeom>
+          <a:noFill/>
+          <a:extLst>
+            <a:ext uri="{909E8E84-426E-40DD-AFC4-6F175D3DCCD1}">
+              <a14:hiddenFill xmlns:a14="http://schemas.microsoft.com/office/drawing/2010/main">
+                <a:solidFill>
+                  <a:srgbClr val="FFFFFF"/>
+                </a:solidFill>
+              </a14:hiddenFill>
+            </a:ext>
+          </a:extLst>
+        </p:spPr>
+      </p:pic>
+      <p:sp>
+        <p:nvSpPr>
+          <p:cNvPr id="8" name="Oval 7"/>
+          <p:cNvSpPr/>
+          <p:nvPr/>
+        </p:nvSpPr>
+        <p:spPr>
+          <a:xfrm>
+            <a:off x="8077200" y="6331527"/>
+            <a:ext cx="990600" cy="457200"/>
+          </a:xfrm>
+          <a:prstGeom prst="ellipse">
+            <a:avLst/>
+          </a:prstGeom>
+        </p:spPr>
+        <p:style>
+          <a:lnRef idx="0">
+            <a:schemeClr val="accent1"/>
+          </a:lnRef>
+          <a:fillRef idx="3">
+            <a:schemeClr val="accent1"/>
+          </a:fillRef>
+          <a:effectRef idx="3">
+            <a:schemeClr val="accent1"/>
+          </a:effectRef>
+          <a:fontRef idx="minor">
+            <a:schemeClr val="lt1"/>
+          </a:fontRef>
+        </p:style>
+        <p:txBody>
+          <a:bodyPr rtlCol="0" anchor="ctr"/>
+          <a:lstStyle/>
+          <a:p>
+            <a:pPr algn="ctr"/>
+            <a:r>
+              <a:rPr lang="en-US" sz="2000" b="1" dirty="0" smtClean="0"/>
+              <a:t>2</a:t>
+            </a:r>
+            <a:endParaRPr lang="en-US" sz="2000" b="1" dirty="0"/>
+          </a:p>
+        </p:txBody>
+      </p:sp>
     </p:spTree>
     <p:extLst>
       <p:ext uri="{BB962C8B-B14F-4D97-AF65-F5344CB8AC3E}">
@@ -18323,6 +20121,130 @@
           </a:p>
         </p:txBody>
       </p:sp>
+      <p:pic>
+        <p:nvPicPr>
+          <p:cNvPr id="22530" name="Picture 2" descr="C:\Users\Le Phuc Lu\Desktop\Capture.PNG"/>
+          <p:cNvPicPr>
+            <a:picLocks noChangeAspect="1" noChangeArrowheads="1"/>
+          </p:cNvPicPr>
+          <p:nvPr/>
+        </p:nvPicPr>
+        <p:blipFill>
+          <a:blip r:embed="rId2">
+            <a:extLst>
+              <a:ext uri="{28A0092B-C50C-407E-A947-70E740481C1C}">
+                <a14:useLocalDpi xmlns:a14="http://schemas.microsoft.com/office/drawing/2010/main" val="0"/>
+              </a:ext>
+            </a:extLst>
+          </a:blip>
+          <a:srcRect/>
+          <a:stretch>
+            <a:fillRect/>
+          </a:stretch>
+        </p:blipFill>
+        <p:spPr bwMode="auto">
+          <a:xfrm>
+            <a:off x="7010400" y="6605031"/>
+            <a:ext cx="1676400" cy="238125"/>
+          </a:xfrm>
+          <a:prstGeom prst="rect">
+            <a:avLst/>
+          </a:prstGeom>
+          <a:noFill/>
+          <a:extLst>
+            <a:ext uri="{909E8E84-426E-40DD-AFC4-6F175D3DCCD1}">
+              <a14:hiddenFill xmlns:a14="http://schemas.microsoft.com/office/drawing/2010/main">
+                <a:solidFill>
+                  <a:srgbClr val="FFFFFF"/>
+                </a:solidFill>
+              </a14:hiddenFill>
+            </a:ext>
+          </a:extLst>
+        </p:spPr>
+      </p:pic>
+      <p:pic>
+        <p:nvPicPr>
+          <p:cNvPr id="4" name="Picture 3" descr="C:\Users\Le Phuc Lu\Desktop\1.PNG"/>
+          <p:cNvPicPr>
+            <a:picLocks noChangeAspect="1" noChangeArrowheads="1"/>
+          </p:cNvPicPr>
+          <p:nvPr/>
+        </p:nvPicPr>
+        <p:blipFill>
+          <a:blip r:embed="rId3">
+            <a:extLst>
+              <a:ext uri="{28A0092B-C50C-407E-A947-70E740481C1C}">
+                <a14:useLocalDpi xmlns:a14="http://schemas.microsoft.com/office/drawing/2010/main" val="0"/>
+              </a:ext>
+            </a:extLst>
+          </a:blip>
+          <a:srcRect/>
+          <a:stretch>
+            <a:fillRect/>
+          </a:stretch>
+        </p:blipFill>
+        <p:spPr bwMode="auto">
+          <a:xfrm>
+            <a:off x="6858000" y="0"/>
+            <a:ext cx="1828800" cy="217410"/>
+          </a:xfrm>
+          <a:prstGeom prst="rect">
+            <a:avLst/>
+          </a:prstGeom>
+          <a:noFill/>
+          <a:extLst>
+            <a:ext uri="{909E8E84-426E-40DD-AFC4-6F175D3DCCD1}">
+              <a14:hiddenFill xmlns:a14="http://schemas.microsoft.com/office/drawing/2010/main">
+                <a:solidFill>
+                  <a:srgbClr val="FFFFFF"/>
+                </a:solidFill>
+              </a14:hiddenFill>
+            </a:ext>
+          </a:extLst>
+        </p:spPr>
+      </p:pic>
+      <p:sp>
+        <p:nvSpPr>
+          <p:cNvPr id="5" name="Oval 4"/>
+          <p:cNvSpPr/>
+          <p:nvPr/>
+        </p:nvSpPr>
+        <p:spPr>
+          <a:xfrm>
+            <a:off x="8077200" y="6324600"/>
+            <a:ext cx="990600" cy="457200"/>
+          </a:xfrm>
+          <a:prstGeom prst="ellipse">
+            <a:avLst/>
+          </a:prstGeom>
+        </p:spPr>
+        <p:style>
+          <a:lnRef idx="0">
+            <a:schemeClr val="accent1"/>
+          </a:lnRef>
+          <a:fillRef idx="3">
+            <a:schemeClr val="accent1"/>
+          </a:fillRef>
+          <a:effectRef idx="3">
+            <a:schemeClr val="accent1"/>
+          </a:effectRef>
+          <a:fontRef idx="minor">
+            <a:schemeClr val="lt1"/>
+          </a:fontRef>
+        </p:style>
+        <p:txBody>
+          <a:bodyPr rtlCol="0" anchor="ctr"/>
+          <a:lstStyle/>
+          <a:p>
+            <a:pPr algn="ctr"/>
+            <a:r>
+              <a:rPr lang="en-US" sz="2000" b="1" dirty="0" smtClean="0"/>
+              <a:t>20</a:t>
+            </a:r>
+            <a:endParaRPr lang="en-US" sz="2000" b="1" dirty="0"/>
+          </a:p>
+        </p:txBody>
+      </p:sp>
     </p:spTree>
     <p:extLst>
       <p:ext uri="{BB962C8B-B14F-4D97-AF65-F5344CB8AC3E}">
@@ -18393,7 +20315,7 @@
             <p:ph idx="1"/>
             <p:extLst>
               <p:ext uri="{D42A27DB-BD31-4B8C-83A1-F6EECF244321}">
-                <p14:modId xmlns:p14="http://schemas.microsoft.com/office/powerpoint/2010/main" val="3957844995"/>
+                <p14:modId xmlns:p14="http://schemas.microsoft.com/office/powerpoint/2010/main" val="3281184058"/>
               </p:ext>
             </p:extLst>
           </p:nvPr>
@@ -18408,6 +20330,130 @@
           </a:graphicData>
         </a:graphic>
       </p:graphicFrame>
+      <p:pic>
+        <p:nvPicPr>
+          <p:cNvPr id="6146" name="Picture 2" descr="C:\Users\Le Phuc Lu\Desktop\Capture.PNG"/>
+          <p:cNvPicPr>
+            <a:picLocks noChangeAspect="1" noChangeArrowheads="1"/>
+          </p:cNvPicPr>
+          <p:nvPr/>
+        </p:nvPicPr>
+        <p:blipFill>
+          <a:blip r:embed="rId7">
+            <a:extLst>
+              <a:ext uri="{28A0092B-C50C-407E-A947-70E740481C1C}">
+                <a14:useLocalDpi xmlns:a14="http://schemas.microsoft.com/office/drawing/2010/main" val="0"/>
+              </a:ext>
+            </a:extLst>
+          </a:blip>
+          <a:srcRect/>
+          <a:stretch>
+            <a:fillRect/>
+          </a:stretch>
+        </p:blipFill>
+        <p:spPr bwMode="auto">
+          <a:xfrm>
+            <a:off x="7010400" y="6619875"/>
+            <a:ext cx="1676400" cy="238125"/>
+          </a:xfrm>
+          <a:prstGeom prst="rect">
+            <a:avLst/>
+          </a:prstGeom>
+          <a:noFill/>
+          <a:extLst>
+            <a:ext uri="{909E8E84-426E-40DD-AFC4-6F175D3DCCD1}">
+              <a14:hiddenFill xmlns:a14="http://schemas.microsoft.com/office/drawing/2010/main">
+                <a:solidFill>
+                  <a:srgbClr val="FFFFFF"/>
+                </a:solidFill>
+              </a14:hiddenFill>
+            </a:ext>
+          </a:extLst>
+        </p:spPr>
+      </p:pic>
+      <p:pic>
+        <p:nvPicPr>
+          <p:cNvPr id="5" name="Picture 3" descr="C:\Users\Le Phuc Lu\Desktop\1.PNG"/>
+          <p:cNvPicPr>
+            <a:picLocks noChangeAspect="1" noChangeArrowheads="1"/>
+          </p:cNvPicPr>
+          <p:nvPr/>
+        </p:nvPicPr>
+        <p:blipFill>
+          <a:blip r:embed="rId8">
+            <a:extLst>
+              <a:ext uri="{28A0092B-C50C-407E-A947-70E740481C1C}">
+                <a14:useLocalDpi xmlns:a14="http://schemas.microsoft.com/office/drawing/2010/main" val="0"/>
+              </a:ext>
+            </a:extLst>
+          </a:blip>
+          <a:srcRect/>
+          <a:stretch>
+            <a:fillRect/>
+          </a:stretch>
+        </p:blipFill>
+        <p:spPr bwMode="auto">
+          <a:xfrm>
+            <a:off x="6858000" y="0"/>
+            <a:ext cx="1828800" cy="217410"/>
+          </a:xfrm>
+          <a:prstGeom prst="rect">
+            <a:avLst/>
+          </a:prstGeom>
+          <a:noFill/>
+          <a:extLst>
+            <a:ext uri="{909E8E84-426E-40DD-AFC4-6F175D3DCCD1}">
+              <a14:hiddenFill xmlns:a14="http://schemas.microsoft.com/office/drawing/2010/main">
+                <a:solidFill>
+                  <a:srgbClr val="FFFFFF"/>
+                </a:solidFill>
+              </a14:hiddenFill>
+            </a:ext>
+          </a:extLst>
+        </p:spPr>
+      </p:pic>
+      <p:sp>
+        <p:nvSpPr>
+          <p:cNvPr id="7" name="Oval 6"/>
+          <p:cNvSpPr/>
+          <p:nvPr/>
+        </p:nvSpPr>
+        <p:spPr>
+          <a:xfrm>
+            <a:off x="8077200" y="6324600"/>
+            <a:ext cx="990600" cy="457200"/>
+          </a:xfrm>
+          <a:prstGeom prst="ellipse">
+            <a:avLst/>
+          </a:prstGeom>
+        </p:spPr>
+        <p:style>
+          <a:lnRef idx="0">
+            <a:schemeClr val="accent1"/>
+          </a:lnRef>
+          <a:fillRef idx="3">
+            <a:schemeClr val="accent1"/>
+          </a:fillRef>
+          <a:effectRef idx="3">
+            <a:schemeClr val="accent1"/>
+          </a:effectRef>
+          <a:fontRef idx="minor">
+            <a:schemeClr val="lt1"/>
+          </a:fontRef>
+        </p:style>
+        <p:txBody>
+          <a:bodyPr rtlCol="0" anchor="ctr"/>
+          <a:lstStyle/>
+          <a:p>
+            <a:pPr algn="ctr"/>
+            <a:r>
+              <a:rPr lang="en-US" sz="2000" b="1" dirty="0"/>
+              <a:t>3</a:t>
+            </a:r>
+            <a:endParaRPr lang="en-US" sz="2000" b="1" dirty="0"/>
+          </a:p>
+        </p:txBody>
+      </p:sp>
     </p:spTree>
     <p:extLst>
       <p:ext uri="{BB962C8B-B14F-4D97-AF65-F5344CB8AC3E}">
@@ -18578,7 +20624,7 @@
         </p:xfrm>
         <a:graphic>
           <a:graphicData uri="http://schemas.openxmlformats.org/drawingml/2006/diagram">
-            <dgm:relIds xmlns:dgm="http://schemas.openxmlformats.org/drawingml/2006/diagram" xmlns:r="http://schemas.openxmlformats.org/officeDocument/2006/relationships" r:dm="rId2" r:lo="rId3" r:qs="rId4" r:cs="rId5"/>
+            <dgm:relIds xmlns:dgm="http://schemas.openxmlformats.org/drawingml/2006/diagram" xmlns:r="http://schemas.openxmlformats.org/officeDocument/2006/relationships" r:dm="rId3" r:lo="rId4" r:qs="rId5" r:cs="rId6"/>
           </a:graphicData>
         </a:graphic>
       </p:graphicFrame>
@@ -18591,7 +20637,7 @@
           <p:nvPr/>
         </p:nvPicPr>
         <p:blipFill>
-          <a:blip r:embed="rId7" cstate="print">
+          <a:blip r:embed="rId8" cstate="print">
             <a:extLst>
               <a:ext uri="{28A0092B-C50C-407E-A947-70E740481C1C}">
                 <a14:useLocalDpi xmlns:a14="http://schemas.microsoft.com/office/drawing/2010/main" val="0"/>
@@ -18665,7 +20711,7 @@
           <p:nvPr/>
         </p:nvPicPr>
         <p:blipFill>
-          <a:blip r:embed="rId8">
+          <a:blip r:embed="rId9">
             <a:extLst>
               <a:ext uri="{28A0092B-C50C-407E-A947-70E740481C1C}">
                 <a14:useLocalDpi xmlns:a14="http://schemas.microsoft.com/office/drawing/2010/main" val="0"/>
@@ -18712,6 +20758,130 @@
               <a:rPr lang="en-US" dirty="0" smtClean="0"/>
               <a:t>Ineffective manual work</a:t>
             </a:r>
+          </a:p>
+        </p:txBody>
+      </p:sp>
+      <p:pic>
+        <p:nvPicPr>
+          <p:cNvPr id="7170" name="Picture 2" descr="C:\Users\Le Phuc Lu\Desktop\Capture.PNG"/>
+          <p:cNvPicPr>
+            <a:picLocks noChangeAspect="1" noChangeArrowheads="1"/>
+          </p:cNvPicPr>
+          <p:nvPr/>
+        </p:nvPicPr>
+        <p:blipFill>
+          <a:blip r:embed="rId10">
+            <a:extLst>
+              <a:ext uri="{28A0092B-C50C-407E-A947-70E740481C1C}">
+                <a14:useLocalDpi xmlns:a14="http://schemas.microsoft.com/office/drawing/2010/main" val="0"/>
+              </a:ext>
+            </a:extLst>
+          </a:blip>
+          <a:srcRect/>
+          <a:stretch>
+            <a:fillRect/>
+          </a:stretch>
+        </p:blipFill>
+        <p:spPr bwMode="auto">
+          <a:xfrm>
+            <a:off x="7010400" y="6619875"/>
+            <a:ext cx="1676400" cy="238125"/>
+          </a:xfrm>
+          <a:prstGeom prst="rect">
+            <a:avLst/>
+          </a:prstGeom>
+          <a:noFill/>
+          <a:extLst>
+            <a:ext uri="{909E8E84-426E-40DD-AFC4-6F175D3DCCD1}">
+              <a14:hiddenFill xmlns:a14="http://schemas.microsoft.com/office/drawing/2010/main">
+                <a:solidFill>
+                  <a:srgbClr val="FFFFFF"/>
+                </a:solidFill>
+              </a14:hiddenFill>
+            </a:ext>
+          </a:extLst>
+        </p:spPr>
+      </p:pic>
+      <p:pic>
+        <p:nvPicPr>
+          <p:cNvPr id="11" name="Picture 3" descr="C:\Users\Le Phuc Lu\Desktop\1.PNG"/>
+          <p:cNvPicPr>
+            <a:picLocks noChangeAspect="1" noChangeArrowheads="1"/>
+          </p:cNvPicPr>
+          <p:nvPr/>
+        </p:nvPicPr>
+        <p:blipFill>
+          <a:blip r:embed="rId11">
+            <a:extLst>
+              <a:ext uri="{28A0092B-C50C-407E-A947-70E740481C1C}">
+                <a14:useLocalDpi xmlns:a14="http://schemas.microsoft.com/office/drawing/2010/main" val="0"/>
+              </a:ext>
+            </a:extLst>
+          </a:blip>
+          <a:srcRect/>
+          <a:stretch>
+            <a:fillRect/>
+          </a:stretch>
+        </p:blipFill>
+        <p:spPr bwMode="auto">
+          <a:xfrm>
+            <a:off x="6858000" y="0"/>
+            <a:ext cx="1828800" cy="217410"/>
+          </a:xfrm>
+          <a:prstGeom prst="rect">
+            <a:avLst/>
+          </a:prstGeom>
+          <a:noFill/>
+          <a:extLst>
+            <a:ext uri="{909E8E84-426E-40DD-AFC4-6F175D3DCCD1}">
+              <a14:hiddenFill xmlns:a14="http://schemas.microsoft.com/office/drawing/2010/main">
+                <a:solidFill>
+                  <a:srgbClr val="FFFFFF"/>
+                </a:solidFill>
+              </a14:hiddenFill>
+            </a:ext>
+          </a:extLst>
+        </p:spPr>
+      </p:pic>
+      <p:sp>
+        <p:nvSpPr>
+          <p:cNvPr id="12" name="Oval 11"/>
+          <p:cNvSpPr/>
+          <p:nvPr/>
+        </p:nvSpPr>
+        <p:spPr>
+          <a:xfrm>
+            <a:off x="8077200" y="6324600"/>
+            <a:ext cx="990600" cy="457200"/>
+          </a:xfrm>
+          <a:prstGeom prst="ellipse">
+            <a:avLst/>
+          </a:prstGeom>
+        </p:spPr>
+        <p:style>
+          <a:lnRef idx="0">
+            <a:schemeClr val="accent1"/>
+          </a:lnRef>
+          <a:fillRef idx="3">
+            <a:schemeClr val="accent1"/>
+          </a:fillRef>
+          <a:effectRef idx="3">
+            <a:schemeClr val="accent1"/>
+          </a:effectRef>
+          <a:fontRef idx="minor">
+            <a:schemeClr val="lt1"/>
+          </a:fontRef>
+        </p:style>
+        <p:txBody>
+          <a:bodyPr rtlCol="0" anchor="ctr"/>
+          <a:lstStyle/>
+          <a:p>
+            <a:pPr algn="ctr"/>
+            <a:r>
+              <a:rPr lang="en-US" sz="2000" b="1" dirty="0" smtClean="0"/>
+              <a:t>4</a:t>
+            </a:r>
+            <a:endParaRPr lang="en-US" sz="2000" b="1" dirty="0"/>
           </a:p>
         </p:txBody>
       </p:sp>
@@ -19618,6 +21788,129 @@
           </a:extLst>
         </p:spPr>
       </p:pic>
+      <p:pic>
+        <p:nvPicPr>
+          <p:cNvPr id="8194" name="Picture 2" descr="C:\Users\Le Phuc Lu\Desktop\Capture.PNG"/>
+          <p:cNvPicPr>
+            <a:picLocks noChangeAspect="1" noChangeArrowheads="1"/>
+          </p:cNvPicPr>
+          <p:nvPr/>
+        </p:nvPicPr>
+        <p:blipFill>
+          <a:blip r:embed="rId6">
+            <a:extLst>
+              <a:ext uri="{28A0092B-C50C-407E-A947-70E740481C1C}">
+                <a14:useLocalDpi xmlns:a14="http://schemas.microsoft.com/office/drawing/2010/main" val="0"/>
+              </a:ext>
+            </a:extLst>
+          </a:blip>
+          <a:srcRect/>
+          <a:stretch>
+            <a:fillRect/>
+          </a:stretch>
+        </p:blipFill>
+        <p:spPr bwMode="auto">
+          <a:xfrm>
+            <a:off x="7162800" y="6619875"/>
+            <a:ext cx="1676400" cy="238125"/>
+          </a:xfrm>
+          <a:prstGeom prst="rect">
+            <a:avLst/>
+          </a:prstGeom>
+          <a:noFill/>
+          <a:extLst>
+            <a:ext uri="{909E8E84-426E-40DD-AFC4-6F175D3DCCD1}">
+              <a14:hiddenFill xmlns:a14="http://schemas.microsoft.com/office/drawing/2010/main">
+                <a:solidFill>
+                  <a:srgbClr val="FFFFFF"/>
+                </a:solidFill>
+              </a14:hiddenFill>
+            </a:ext>
+          </a:extLst>
+        </p:spPr>
+      </p:pic>
+      <p:pic>
+        <p:nvPicPr>
+          <p:cNvPr id="13" name="Picture 3" descr="C:\Users\Le Phuc Lu\Desktop\1.PNG"/>
+          <p:cNvPicPr>
+            <a:picLocks noChangeAspect="1" noChangeArrowheads="1"/>
+          </p:cNvPicPr>
+          <p:nvPr/>
+        </p:nvPicPr>
+        <p:blipFill>
+          <a:blip r:embed="rId7">
+            <a:extLst>
+              <a:ext uri="{28A0092B-C50C-407E-A947-70E740481C1C}">
+                <a14:useLocalDpi xmlns:a14="http://schemas.microsoft.com/office/drawing/2010/main" val="0"/>
+              </a:ext>
+            </a:extLst>
+          </a:blip>
+          <a:srcRect/>
+          <a:stretch>
+            <a:fillRect/>
+          </a:stretch>
+        </p:blipFill>
+        <p:spPr bwMode="auto">
+          <a:xfrm>
+            <a:off x="6934200" y="0"/>
+            <a:ext cx="1828800" cy="217410"/>
+          </a:xfrm>
+          <a:prstGeom prst="rect">
+            <a:avLst/>
+          </a:prstGeom>
+          <a:noFill/>
+          <a:extLst>
+            <a:ext uri="{909E8E84-426E-40DD-AFC4-6F175D3DCCD1}">
+              <a14:hiddenFill xmlns:a14="http://schemas.microsoft.com/office/drawing/2010/main">
+                <a:solidFill>
+                  <a:srgbClr val="FFFFFF"/>
+                </a:solidFill>
+              </a14:hiddenFill>
+            </a:ext>
+          </a:extLst>
+        </p:spPr>
+      </p:pic>
+      <p:sp>
+        <p:nvSpPr>
+          <p:cNvPr id="14" name="Oval 13"/>
+          <p:cNvSpPr/>
+          <p:nvPr/>
+        </p:nvSpPr>
+        <p:spPr>
+          <a:xfrm>
+            <a:off x="8077200" y="6324600"/>
+            <a:ext cx="990600" cy="457200"/>
+          </a:xfrm>
+          <a:prstGeom prst="ellipse">
+            <a:avLst/>
+          </a:prstGeom>
+        </p:spPr>
+        <p:style>
+          <a:lnRef idx="0">
+            <a:schemeClr val="accent1"/>
+          </a:lnRef>
+          <a:fillRef idx="3">
+            <a:schemeClr val="accent1"/>
+          </a:fillRef>
+          <a:effectRef idx="3">
+            <a:schemeClr val="accent1"/>
+          </a:effectRef>
+          <a:fontRef idx="minor">
+            <a:schemeClr val="lt1"/>
+          </a:fontRef>
+        </p:style>
+        <p:txBody>
+          <a:bodyPr rtlCol="0" anchor="ctr"/>
+          <a:lstStyle/>
+          <a:p>
+            <a:pPr algn="ctr"/>
+            <a:r>
+              <a:rPr lang="en-US" sz="2000" b="1" dirty="0"/>
+              <a:t>5</a:t>
+            </a:r>
+          </a:p>
+        </p:txBody>
+      </p:sp>
     </p:spTree>
     <p:extLst>
       <p:ext uri="{BB962C8B-B14F-4D97-AF65-F5344CB8AC3E}">
@@ -20490,7 +22783,7 @@
         </p:blipFill>
         <p:spPr bwMode="auto">
           <a:xfrm>
-            <a:off x="7696200" y="5004059"/>
+            <a:off x="7751250" y="4701037"/>
             <a:ext cx="1524000" cy="1524000"/>
           </a:xfrm>
           <a:prstGeom prst="rect">
@@ -20648,7 +22941,15 @@
                   <a:srgbClr val="0070C0"/>
                 </a:solidFill>
               </a:rPr>
-              <a:t> information</a:t>
+              <a:t> </a:t>
+            </a:r>
+            <a:r>
+              <a:rPr lang="en-US" sz="1600" dirty="0" smtClean="0">
+                <a:solidFill>
+                  <a:srgbClr val="0070C0"/>
+                </a:solidFill>
+              </a:rPr>
+              <a:t>information, request</a:t>
             </a:r>
             <a:endParaRPr lang="en-US" sz="1600" dirty="0">
               <a:solidFill>
@@ -21390,6 +23691,130 @@
           </a:extLst>
         </p:spPr>
       </p:pic>
+      <p:pic>
+        <p:nvPicPr>
+          <p:cNvPr id="9218" name="Picture 2" descr="C:\Users\Le Phuc Lu\Desktop\Capture.PNG"/>
+          <p:cNvPicPr>
+            <a:picLocks noChangeAspect="1" noChangeArrowheads="1"/>
+          </p:cNvPicPr>
+          <p:nvPr/>
+        </p:nvPicPr>
+        <p:blipFill>
+          <a:blip r:embed="rId8">
+            <a:extLst>
+              <a:ext uri="{28A0092B-C50C-407E-A947-70E740481C1C}">
+                <a14:useLocalDpi xmlns:a14="http://schemas.microsoft.com/office/drawing/2010/main" val="0"/>
+              </a:ext>
+            </a:extLst>
+          </a:blip>
+          <a:srcRect/>
+          <a:stretch>
+            <a:fillRect/>
+          </a:stretch>
+        </p:blipFill>
+        <p:spPr bwMode="auto">
+          <a:xfrm>
+            <a:off x="7032523" y="6619875"/>
+            <a:ext cx="1676400" cy="238125"/>
+          </a:xfrm>
+          <a:prstGeom prst="rect">
+            <a:avLst/>
+          </a:prstGeom>
+          <a:noFill/>
+          <a:extLst>
+            <a:ext uri="{909E8E84-426E-40DD-AFC4-6F175D3DCCD1}">
+              <a14:hiddenFill xmlns:a14="http://schemas.microsoft.com/office/drawing/2010/main">
+                <a:solidFill>
+                  <a:srgbClr val="FFFFFF"/>
+                </a:solidFill>
+              </a14:hiddenFill>
+            </a:ext>
+          </a:extLst>
+        </p:spPr>
+      </p:pic>
+      <p:pic>
+        <p:nvPicPr>
+          <p:cNvPr id="25" name="Picture 3" descr="C:\Users\Le Phuc Lu\Desktop\1.PNG"/>
+          <p:cNvPicPr>
+            <a:picLocks noChangeAspect="1" noChangeArrowheads="1"/>
+          </p:cNvPicPr>
+          <p:nvPr/>
+        </p:nvPicPr>
+        <p:blipFill>
+          <a:blip r:embed="rId9">
+            <a:extLst>
+              <a:ext uri="{28A0092B-C50C-407E-A947-70E740481C1C}">
+                <a14:useLocalDpi xmlns:a14="http://schemas.microsoft.com/office/drawing/2010/main" val="0"/>
+              </a:ext>
+            </a:extLst>
+          </a:blip>
+          <a:srcRect/>
+          <a:stretch>
+            <a:fillRect/>
+          </a:stretch>
+        </p:blipFill>
+        <p:spPr bwMode="auto">
+          <a:xfrm>
+            <a:off x="6858000" y="0"/>
+            <a:ext cx="1828800" cy="217410"/>
+          </a:xfrm>
+          <a:prstGeom prst="rect">
+            <a:avLst/>
+          </a:prstGeom>
+          <a:noFill/>
+          <a:extLst>
+            <a:ext uri="{909E8E84-426E-40DD-AFC4-6F175D3DCCD1}">
+              <a14:hiddenFill xmlns:a14="http://schemas.microsoft.com/office/drawing/2010/main">
+                <a:solidFill>
+                  <a:srgbClr val="FFFFFF"/>
+                </a:solidFill>
+              </a14:hiddenFill>
+            </a:ext>
+          </a:extLst>
+        </p:spPr>
+      </p:pic>
+      <p:sp>
+        <p:nvSpPr>
+          <p:cNvPr id="27" name="Oval 26"/>
+          <p:cNvSpPr/>
+          <p:nvPr/>
+        </p:nvSpPr>
+        <p:spPr>
+          <a:xfrm>
+            <a:off x="8077200" y="6324600"/>
+            <a:ext cx="990600" cy="457200"/>
+          </a:xfrm>
+          <a:prstGeom prst="ellipse">
+            <a:avLst/>
+          </a:prstGeom>
+        </p:spPr>
+        <p:style>
+          <a:lnRef idx="0">
+            <a:schemeClr val="accent1"/>
+          </a:lnRef>
+          <a:fillRef idx="3">
+            <a:schemeClr val="accent1"/>
+          </a:fillRef>
+          <a:effectRef idx="3">
+            <a:schemeClr val="accent1"/>
+          </a:effectRef>
+          <a:fontRef idx="minor">
+            <a:schemeClr val="lt1"/>
+          </a:fontRef>
+        </p:style>
+        <p:txBody>
+          <a:bodyPr rtlCol="0" anchor="ctr"/>
+          <a:lstStyle/>
+          <a:p>
+            <a:pPr algn="ctr"/>
+            <a:r>
+              <a:rPr lang="en-US" sz="2000" b="1" dirty="0" smtClean="0"/>
+              <a:t>6</a:t>
+            </a:r>
+            <a:endParaRPr lang="en-US" sz="2000" b="1" dirty="0"/>
+          </a:p>
+        </p:txBody>
+      </p:sp>
     </p:spTree>
     <p:extLst>
       <p:ext uri="{BB962C8B-B14F-4D97-AF65-F5344CB8AC3E}">
@@ -21421,7 +23846,7 @@
                             </p:stCondLst>
                             <p:childTnLst>
                               <p:par>
-                                <p:cTn id="5" presetID="10" presetClass="entr" presetSubtype="0" fill="hold" nodeType="clickEffect">
+                                <p:cTn id="5" presetID="16" presetClass="entr" presetSubtype="21" fill="hold" nodeType="clickEffect">
                                   <p:stCondLst>
                                     <p:cond delay="0"/>
                                   </p:stCondLst>
@@ -21429,6 +23854,41 @@
                                     <p:set>
                                       <p:cBhvr>
                                         <p:cTn id="6" dur="1" fill="hold">
+                                          <p:stCondLst>
+                                            <p:cond delay="0"/>
+                                          </p:stCondLst>
+                                        </p:cTn>
+                                        <p:tgtEl>
+                                          <p:spTgt spid="3076"/>
+                                        </p:tgtEl>
+                                        <p:attrNameLst>
+                                          <p:attrName>style.visibility</p:attrName>
+                                        </p:attrNameLst>
+                                      </p:cBhvr>
+                                      <p:to>
+                                        <p:strVal val="visible"/>
+                                      </p:to>
+                                    </p:set>
+                                    <p:animEffect transition="in" filter="barn(inVertical)">
+                                      <p:cBhvr>
+                                        <p:cTn id="7" dur="500"/>
+                                        <p:tgtEl>
+                                          <p:spTgt spid="3076"/>
+                                        </p:tgtEl>
+                                      </p:cBhvr>
+                                    </p:animEffect>
+                                  </p:childTnLst>
+                                </p:cTn>
+                              </p:par>
+                              <p:par>
+                                <p:cTn id="8" presetID="16" presetClass="entr" presetSubtype="21" fill="hold" nodeType="withEffect">
+                                  <p:stCondLst>
+                                    <p:cond delay="0"/>
+                                  </p:stCondLst>
+                                  <p:childTnLst>
+                                    <p:set>
+                                      <p:cBhvr>
+                                        <p:cTn id="9" dur="1" fill="hold">
                                           <p:stCondLst>
                                             <p:cond delay="0"/>
                                           </p:stCondLst>
@@ -21444,46 +23904,11 @@
                                         <p:strVal val="visible"/>
                                       </p:to>
                                     </p:set>
-                                    <p:animEffect transition="in" filter="fade">
-                                      <p:cBhvr>
-                                        <p:cTn id="7" dur="500"/>
-                                        <p:tgtEl>
-                                          <p:spTgt spid="3075"/>
-                                        </p:tgtEl>
-                                      </p:cBhvr>
-                                    </p:animEffect>
-                                  </p:childTnLst>
-                                </p:cTn>
-                              </p:par>
-                              <p:par>
-                                <p:cTn id="8" presetID="10" presetClass="entr" presetSubtype="0" fill="hold" nodeType="withEffect">
-                                  <p:stCondLst>
-                                    <p:cond delay="0"/>
-                                  </p:stCondLst>
-                                  <p:childTnLst>
-                                    <p:set>
-                                      <p:cBhvr>
-                                        <p:cTn id="9" dur="1" fill="hold">
-                                          <p:stCondLst>
-                                            <p:cond delay="0"/>
-                                          </p:stCondLst>
-                                        </p:cTn>
-                                        <p:tgtEl>
-                                          <p:spTgt spid="3076"/>
-                                        </p:tgtEl>
-                                        <p:attrNameLst>
-                                          <p:attrName>style.visibility</p:attrName>
-                                        </p:attrNameLst>
-                                      </p:cBhvr>
-                                      <p:to>
-                                        <p:strVal val="visible"/>
-                                      </p:to>
-                                    </p:set>
-                                    <p:animEffect transition="in" filter="fade">
+                                    <p:animEffect transition="in" filter="barn(inVertical)">
                                       <p:cBhvr>
                                         <p:cTn id="10" dur="500"/>
                                         <p:tgtEl>
-                                          <p:spTgt spid="3076"/>
+                                          <p:spTgt spid="3075"/>
                                         </p:tgtEl>
                                       </p:cBhvr>
                                     </p:animEffect>
@@ -21522,7 +23947,7 @@
                                           </p:stCondLst>
                                         </p:cTn>
                                         <p:tgtEl>
-                                          <p:spTgt spid="69"/>
+                                          <p:spTgt spid="23"/>
                                         </p:tgtEl>
                                         <p:attrNameLst>
                                           <p:attrName>style.visibility</p:attrName>
@@ -21536,7 +23961,7 @@
                                       <p:cBhvr>
                                         <p:cTn id="15" dur="500"/>
                                         <p:tgtEl>
-                                          <p:spTgt spid="69"/>
+                                          <p:spTgt spid="23"/>
                                         </p:tgtEl>
                                       </p:cBhvr>
                                     </p:animEffect>
@@ -21557,7 +23982,7 @@
                                           </p:stCondLst>
                                         </p:cTn>
                                         <p:tgtEl>
-                                          <p:spTgt spid="63"/>
+                                          <p:spTgt spid="26"/>
                                         </p:tgtEl>
                                         <p:attrNameLst>
                                           <p:attrName>style.visibility</p:attrName>
@@ -21571,7 +23996,77 @@
                                       <p:cBhvr>
                                         <p:cTn id="18" dur="500"/>
                                         <p:tgtEl>
+                                          <p:spTgt spid="26"/>
+                                        </p:tgtEl>
+                                      </p:cBhvr>
+                                    </p:animEffect>
+                                  </p:childTnLst>
+                                </p:cTn>
+                              </p:par>
+                              <p:par>
+                                <p:cTn id="19" presetID="22" presetClass="entr" presetSubtype="4" fill="hold" nodeType="withEffect">
+                                  <p:stCondLst>
+                                    <p:cond delay="0"/>
+                                  </p:stCondLst>
+                                  <p:childTnLst>
+                                    <p:set>
+                                      <p:cBhvr>
+                                        <p:cTn id="20" dur="1" fill="hold">
+                                          <p:stCondLst>
+                                            <p:cond delay="0"/>
+                                          </p:stCondLst>
+                                        </p:cTn>
+                                        <p:tgtEl>
                                           <p:spTgt spid="63"/>
+                                        </p:tgtEl>
+                                        <p:attrNameLst>
+                                          <p:attrName>style.visibility</p:attrName>
+                                        </p:attrNameLst>
+                                      </p:cBhvr>
+                                      <p:to>
+                                        <p:strVal val="visible"/>
+                                      </p:to>
+                                    </p:set>
+                                    <p:animEffect transition="in" filter="wipe(down)">
+                                      <p:cBhvr>
+                                        <p:cTn id="21" dur="500"/>
+                                        <p:tgtEl>
+                                          <p:spTgt spid="63"/>
+                                        </p:tgtEl>
+                                      </p:cBhvr>
+                                    </p:animEffect>
+                                  </p:childTnLst>
+                                </p:cTn>
+                              </p:par>
+                              <p:par>
+                                <p:cTn id="22" presetID="22" presetClass="entr" presetSubtype="4" fill="hold" grpId="0" nodeType="withEffect">
+                                  <p:stCondLst>
+                                    <p:cond delay="0"/>
+                                  </p:stCondLst>
+                                  <p:childTnLst>
+                                    <p:set>
+                                      <p:cBhvr>
+                                        <p:cTn id="23" dur="1" fill="hold">
+                                          <p:stCondLst>
+                                            <p:cond delay="0"/>
+                                          </p:stCondLst>
+                                        </p:cTn>
+                                        <p:tgtEl>
+                                          <p:spTgt spid="69"/>
+                                        </p:tgtEl>
+                                        <p:attrNameLst>
+                                          <p:attrName>style.visibility</p:attrName>
+                                        </p:attrNameLst>
+                                      </p:cBhvr>
+                                      <p:to>
+                                        <p:strVal val="visible"/>
+                                      </p:to>
+                                    </p:set>
+                                    <p:animEffect transition="in" filter="wipe(down)">
+                                      <p:cBhvr>
+                                        <p:cTn id="24" dur="500"/>
+                                        <p:tgtEl>
+                                          <p:spTgt spid="69"/>
                                         </p:tgtEl>
                                       </p:cBhvr>
                                     </p:animEffect>
@@ -21585,114 +24080,26 @@
                     </p:cTn>
                   </p:par>
                   <p:par>
-                    <p:cTn id="19" fill="hold">
+                    <p:cTn id="25" fill="hold">
                       <p:stCondLst>
                         <p:cond delay="indefinite"/>
                       </p:stCondLst>
                       <p:childTnLst>
                         <p:par>
-                          <p:cTn id="20" fill="hold">
+                          <p:cTn id="26" fill="hold">
                             <p:stCondLst>
                               <p:cond delay="0"/>
                             </p:stCondLst>
                             <p:childTnLst>
                               <p:par>
-                                <p:cTn id="21" presetID="22" presetClass="entr" presetSubtype="4" fill="hold" nodeType="clickEffect">
+                                <p:cTn id="27" presetID="16" presetClass="entr" presetSubtype="21" fill="hold" nodeType="clickEffect">
                                   <p:stCondLst>
                                     <p:cond delay="0"/>
                                   </p:stCondLst>
                                   <p:childTnLst>
                                     <p:set>
                                       <p:cBhvr>
-                                        <p:cTn id="22" dur="1" fill="hold">
-                                          <p:stCondLst>
-                                            <p:cond delay="0"/>
-                                          </p:stCondLst>
-                                        </p:cTn>
-                                        <p:tgtEl>
-                                          <p:spTgt spid="26"/>
-                                        </p:tgtEl>
-                                        <p:attrNameLst>
-                                          <p:attrName>style.visibility</p:attrName>
-                                        </p:attrNameLst>
-                                      </p:cBhvr>
-                                      <p:to>
-                                        <p:strVal val="visible"/>
-                                      </p:to>
-                                    </p:set>
-                                    <p:animEffect transition="in" filter="wipe(down)">
-                                      <p:cBhvr>
-                                        <p:cTn id="23" dur="500"/>
-                                        <p:tgtEl>
-                                          <p:spTgt spid="26"/>
-                                        </p:tgtEl>
-                                      </p:cBhvr>
-                                    </p:animEffect>
-                                  </p:childTnLst>
-                                </p:cTn>
-                              </p:par>
-                              <p:par>
-                                <p:cTn id="24" presetID="22" presetClass="entr" presetSubtype="4" fill="hold" grpId="0" nodeType="withEffect">
-                                  <p:stCondLst>
-                                    <p:cond delay="0"/>
-                                  </p:stCondLst>
-                                  <p:childTnLst>
-                                    <p:set>
-                                      <p:cBhvr>
-                                        <p:cTn id="25" dur="1" fill="hold">
-                                          <p:stCondLst>
-                                            <p:cond delay="0"/>
-                                          </p:stCondLst>
-                                        </p:cTn>
-                                        <p:tgtEl>
-                                          <p:spTgt spid="23"/>
-                                        </p:tgtEl>
-                                        <p:attrNameLst>
-                                          <p:attrName>style.visibility</p:attrName>
-                                        </p:attrNameLst>
-                                      </p:cBhvr>
-                                      <p:to>
-                                        <p:strVal val="visible"/>
-                                      </p:to>
-                                    </p:set>
-                                    <p:animEffect transition="in" filter="wipe(down)">
-                                      <p:cBhvr>
-                                        <p:cTn id="26" dur="500"/>
-                                        <p:tgtEl>
-                                          <p:spTgt spid="23"/>
-                                        </p:tgtEl>
-                                      </p:cBhvr>
-                                    </p:animEffect>
-                                  </p:childTnLst>
-                                </p:cTn>
-                              </p:par>
-                            </p:childTnLst>
-                          </p:cTn>
-                        </p:par>
-                      </p:childTnLst>
-                    </p:cTn>
-                  </p:par>
-                  <p:par>
-                    <p:cTn id="27" fill="hold">
-                      <p:stCondLst>
-                        <p:cond delay="indefinite"/>
-                      </p:stCondLst>
-                      <p:childTnLst>
-                        <p:par>
-                          <p:cTn id="28" fill="hold">
-                            <p:stCondLst>
-                              <p:cond delay="0"/>
-                            </p:stCondLst>
-                            <p:childTnLst>
-                              <p:par>
-                                <p:cTn id="29" presetID="22" presetClass="entr" presetSubtype="4" fill="hold" nodeType="clickEffect">
-                                  <p:stCondLst>
-                                    <p:cond delay="0"/>
-                                  </p:stCondLst>
-                                  <p:childTnLst>
-                                    <p:set>
-                                      <p:cBhvr>
-                                        <p:cTn id="30" dur="1" fill="hold">
+                                        <p:cTn id="28" dur="1" fill="hold">
                                           <p:stCondLst>
                                             <p:cond delay="0"/>
                                           </p:stCondLst>
@@ -21708,9 +24115,9 @@
                                         <p:strVal val="visible"/>
                                       </p:to>
                                     </p:set>
-                                    <p:animEffect transition="in" filter="wipe(down)">
+                                    <p:animEffect transition="in" filter="barn(inVertical)">
                                       <p:cBhvr>
-                                        <p:cTn id="31" dur="500"/>
+                                        <p:cTn id="29" dur="500"/>
                                         <p:tgtEl>
                                           <p:spTgt spid="43"/>
                                         </p:tgtEl>
@@ -21720,14 +24127,49 @@
                                 </p:cTn>
                               </p:par>
                               <p:par>
-                                <p:cTn id="32" presetID="22" presetClass="entr" presetSubtype="4" fill="hold" nodeType="withEffect">
+                                <p:cTn id="30" presetID="16" presetClass="entr" presetSubtype="21" fill="hold" grpId="0" nodeType="withEffect">
                                   <p:stCondLst>
                                     <p:cond delay="0"/>
                                   </p:stCondLst>
                                   <p:childTnLst>
                                     <p:set>
                                       <p:cBhvr>
-                                        <p:cTn id="33" dur="1" fill="hold">
+                                        <p:cTn id="31" dur="1" fill="hold">
+                                          <p:stCondLst>
+                                            <p:cond delay="0"/>
+                                          </p:stCondLst>
+                                        </p:cTn>
+                                        <p:tgtEl>
+                                          <p:spTgt spid="36"/>
+                                        </p:tgtEl>
+                                        <p:attrNameLst>
+                                          <p:attrName>style.visibility</p:attrName>
+                                        </p:attrNameLst>
+                                      </p:cBhvr>
+                                      <p:to>
+                                        <p:strVal val="visible"/>
+                                      </p:to>
+                                    </p:set>
+                                    <p:animEffect transition="in" filter="barn(inVertical)">
+                                      <p:cBhvr>
+                                        <p:cTn id="32" dur="500"/>
+                                        <p:tgtEl>
+                                          <p:spTgt spid="36"/>
+                                        </p:tgtEl>
+                                      </p:cBhvr>
+                                    </p:animEffect>
+                                  </p:childTnLst>
+                                </p:cTn>
+                              </p:par>
+                              <p:par>
+                                <p:cTn id="33" presetID="16" presetClass="entr" presetSubtype="21" fill="hold" nodeType="withEffect">
+                                  <p:stCondLst>
+                                    <p:cond delay="0"/>
+                                  </p:stCondLst>
+                                  <p:childTnLst>
+                                    <p:set>
+                                      <p:cBhvr>
+                                        <p:cTn id="34" dur="1" fill="hold">
                                           <p:stCondLst>
                                             <p:cond delay="0"/>
                                           </p:stCondLst>
@@ -21743,9 +24185,9 @@
                                         <p:strVal val="visible"/>
                                       </p:to>
                                     </p:set>
-                                    <p:animEffect transition="in" filter="wipe(down)">
+                                    <p:animEffect transition="in" filter="barn(inVertical)">
                                       <p:cBhvr>
-                                        <p:cTn id="34" dur="500"/>
+                                        <p:cTn id="35" dur="500"/>
                                         <p:tgtEl>
                                           <p:spTgt spid="5122"/>
                                         </p:tgtEl>
@@ -21755,14 +24197,14 @@
                                 </p:cTn>
                               </p:par>
                               <p:par>
-                                <p:cTn id="35" presetID="22" presetClass="entr" presetSubtype="4" fill="hold" nodeType="withEffect">
+                                <p:cTn id="36" presetID="16" presetClass="entr" presetSubtype="21" fill="hold" nodeType="withEffect">
                                   <p:stCondLst>
                                     <p:cond delay="0"/>
                                   </p:stCondLst>
                                   <p:childTnLst>
                                     <p:set>
                                       <p:cBhvr>
-                                        <p:cTn id="36" dur="1" fill="hold">
+                                        <p:cTn id="37" dur="1" fill="hold">
                                           <p:stCondLst>
                                             <p:cond delay="0"/>
                                           </p:stCondLst>
@@ -21778,9 +24220,9 @@
                                         <p:strVal val="visible"/>
                                       </p:to>
                                     </p:set>
-                                    <p:animEffect transition="in" filter="wipe(down)">
+                                    <p:animEffect transition="in" filter="barn(inVertical)">
                                       <p:cBhvr>
-                                        <p:cTn id="37" dur="500"/>
+                                        <p:cTn id="38" dur="500"/>
                                         <p:tgtEl>
                                           <p:spTgt spid="54"/>
                                         </p:tgtEl>
@@ -21790,14 +24232,14 @@
                                 </p:cTn>
                               </p:par>
                               <p:par>
-                                <p:cTn id="38" presetID="22" presetClass="entr" presetSubtype="4" fill="hold" grpId="0" nodeType="withEffect">
+                                <p:cTn id="39" presetID="16" presetClass="entr" presetSubtype="21" fill="hold" grpId="0" nodeType="withEffect">
                                   <p:stCondLst>
                                     <p:cond delay="0"/>
                                   </p:stCondLst>
                                   <p:childTnLst>
                                     <p:set>
                                       <p:cBhvr>
-                                        <p:cTn id="39" dur="1" fill="hold">
+                                        <p:cTn id="40" dur="1" fill="hold">
                                           <p:stCondLst>
                                             <p:cond delay="0"/>
                                           </p:stCondLst>
@@ -21813,9 +24255,9 @@
                                         <p:strVal val="visible"/>
                                       </p:to>
                                     </p:set>
-                                    <p:animEffect transition="in" filter="wipe(down)">
+                                    <p:animEffect transition="in" filter="barn(inVertical)">
                                       <p:cBhvr>
-                                        <p:cTn id="40" dur="500"/>
+                                        <p:cTn id="41" dur="500"/>
                                         <p:tgtEl>
                                           <p:spTgt spid="62"/>
                                         </p:tgtEl>
@@ -21831,96 +24273,26 @@
                     </p:cTn>
                   </p:par>
                   <p:par>
-                    <p:cTn id="41" fill="hold">
+                    <p:cTn id="42" fill="hold">
                       <p:stCondLst>
                         <p:cond delay="indefinite"/>
                       </p:stCondLst>
                       <p:childTnLst>
                         <p:par>
-                          <p:cTn id="42" fill="hold">
+                          <p:cTn id="43" fill="hold">
                             <p:stCondLst>
                               <p:cond delay="0"/>
                             </p:stCondLst>
                             <p:childTnLst>
                               <p:par>
-                                <p:cTn id="43" presetID="22" presetClass="entr" presetSubtype="4" fill="hold" nodeType="clickEffect">
+                                <p:cTn id="44" presetID="16" presetClass="entr" presetSubtype="21" fill="hold" nodeType="clickEffect">
                                   <p:stCondLst>
                                     <p:cond delay="0"/>
                                   </p:stCondLst>
                                   <p:childTnLst>
                                     <p:set>
                                       <p:cBhvr>
-                                        <p:cTn id="44" dur="1" fill="hold">
-                                          <p:stCondLst>
-                                            <p:cond delay="0"/>
-                                          </p:stCondLst>
-                                        </p:cTn>
-                                        <p:tgtEl>
-                                          <p:spTgt spid="31"/>
-                                        </p:tgtEl>
-                                        <p:attrNameLst>
-                                          <p:attrName>style.visibility</p:attrName>
-                                        </p:attrNameLst>
-                                      </p:cBhvr>
-                                      <p:to>
-                                        <p:strVal val="visible"/>
-                                      </p:to>
-                                    </p:set>
-                                    <p:animEffect transition="in" filter="wipe(down)">
-                                      <p:cBhvr>
-                                        <p:cTn id="45" dur="500"/>
-                                        <p:tgtEl>
-                                          <p:spTgt spid="31"/>
-                                        </p:tgtEl>
-                                      </p:cBhvr>
-                                    </p:animEffect>
-                                  </p:childTnLst>
-                                </p:cTn>
-                              </p:par>
-                              <p:par>
-                                <p:cTn id="46" presetID="22" presetClass="entr" presetSubtype="4" fill="hold" nodeType="withEffect">
-                                  <p:stCondLst>
-                                    <p:cond delay="0"/>
-                                  </p:stCondLst>
-                                  <p:childTnLst>
-                                    <p:set>
-                                      <p:cBhvr>
-                                        <p:cTn id="47" dur="1" fill="hold">
-                                          <p:stCondLst>
-                                            <p:cond delay="0"/>
-                                          </p:stCondLst>
-                                        </p:cTn>
-                                        <p:tgtEl>
-                                          <p:spTgt spid="48"/>
-                                        </p:tgtEl>
-                                        <p:attrNameLst>
-                                          <p:attrName>style.visibility</p:attrName>
-                                        </p:attrNameLst>
-                                      </p:cBhvr>
-                                      <p:to>
-                                        <p:strVal val="visible"/>
-                                      </p:to>
-                                    </p:set>
-                                    <p:animEffect transition="in" filter="wipe(down)">
-                                      <p:cBhvr>
-                                        <p:cTn id="48" dur="500"/>
-                                        <p:tgtEl>
-                                          <p:spTgt spid="48"/>
-                                        </p:tgtEl>
-                                      </p:cBhvr>
-                                    </p:animEffect>
-                                  </p:childTnLst>
-                                </p:cTn>
-                              </p:par>
-                              <p:par>
-                                <p:cTn id="49" presetID="22" presetClass="entr" presetSubtype="4" fill="hold" nodeType="withEffect">
-                                  <p:stCondLst>
-                                    <p:cond delay="0"/>
-                                  </p:stCondLst>
-                                  <p:childTnLst>
-                                    <p:set>
-                                      <p:cBhvr>
-                                        <p:cTn id="50" dur="1" fill="hold">
+                                        <p:cTn id="45" dur="1" fill="hold">
                                           <p:stCondLst>
                                             <p:cond delay="0"/>
                                           </p:stCondLst>
@@ -21936,11 +24308,64 @@
                                         <p:strVal val="visible"/>
                                       </p:to>
                                     </p:set>
+                                    <p:animEffect transition="in" filter="barn(inVertical)">
+                                      <p:cBhvr>
+                                        <p:cTn id="46" dur="500"/>
+                                        <p:tgtEl>
+                                          <p:spTgt spid="3078"/>
+                                        </p:tgtEl>
+                                      </p:cBhvr>
+                                    </p:animEffect>
+                                  </p:childTnLst>
+                                </p:cTn>
+                              </p:par>
+                            </p:childTnLst>
+                          </p:cTn>
+                        </p:par>
+                      </p:childTnLst>
+                    </p:cTn>
+                  </p:par>
+                  <p:par>
+                    <p:cTn id="47" fill="hold">
+                      <p:stCondLst>
+                        <p:cond delay="indefinite"/>
+                      </p:stCondLst>
+                      <p:childTnLst>
+                        <p:par>
+                          <p:cTn id="48" fill="hold">
+                            <p:stCondLst>
+                              <p:cond delay="0"/>
+                            </p:stCondLst>
+                            <p:childTnLst>
+                              <p:par>
+                                <p:cTn id="49" presetID="22" presetClass="entr" presetSubtype="4" fill="hold" nodeType="clickEffect">
+                                  <p:stCondLst>
+                                    <p:cond delay="0"/>
+                                  </p:stCondLst>
+                                  <p:childTnLst>
+                                    <p:set>
+                                      <p:cBhvr>
+                                        <p:cTn id="50" dur="1" fill="hold">
+                                          <p:stCondLst>
+                                            <p:cond delay="0"/>
+                                          </p:stCondLst>
+                                        </p:cTn>
+                                        <p:tgtEl>
+                                          <p:spTgt spid="12"/>
+                                        </p:tgtEl>
+                                        <p:attrNameLst>
+                                          <p:attrName>style.visibility</p:attrName>
+                                        </p:attrNameLst>
+                                      </p:cBhvr>
+                                      <p:to>
+                                        <p:strVal val="visible"/>
+                                      </p:to>
+                                    </p:set>
                                     <p:animEffect transition="in" filter="wipe(down)">
                                       <p:cBhvr>
                                         <p:cTn id="51" dur="500"/>
                                         <p:tgtEl>
-                                          <p:spTgt spid="3078"/>
+                                          <p:spTgt spid="12"/>
                                         </p:tgtEl>
                                       </p:cBhvr>
                                     </p:animEffect>
@@ -21961,7 +24386,7 @@
                                           </p:stCondLst>
                                         </p:cTn>
                                         <p:tgtEl>
-                                          <p:spTgt spid="3077"/>
+                                          <p:spTgt spid="31"/>
                                         </p:tgtEl>
                                         <p:attrNameLst>
                                           <p:attrName>style.visibility</p:attrName>
@@ -21975,93 +24400,22 @@
                                       <p:cBhvr>
                                         <p:cTn id="54" dur="500"/>
                                         <p:tgtEl>
-                                          <p:spTgt spid="3077"/>
+                                          <p:spTgt spid="31"/>
                                         </p:tgtEl>
                                       </p:cBhvr>
                                     </p:animEffect>
                                   </p:childTnLst>
                                 </p:cTn>
                               </p:par>
-                            </p:childTnLst>
-                          </p:cTn>
-                        </p:par>
-                      </p:childTnLst>
-                    </p:cTn>
-                  </p:par>
-                  <p:par>
-                    <p:cTn id="55" fill="hold">
-                      <p:stCondLst>
-                        <p:cond delay="indefinite"/>
-                      </p:stCondLst>
-                      <p:childTnLst>
-                        <p:par>
-                          <p:cTn id="56" fill="hold">
-                            <p:stCondLst>
-                              <p:cond delay="0"/>
-                            </p:stCondLst>
-                            <p:childTnLst>
                               <p:par>
-                                <p:cTn id="57" presetID="22" presetClass="entr" presetSubtype="4" fill="hold" grpId="0" nodeType="clickEffect">
+                                <p:cTn id="55" presetID="22" presetClass="entr" presetSubtype="4" fill="hold" grpId="0" nodeType="withEffect">
                                   <p:stCondLst>
                                     <p:cond delay="0"/>
                                   </p:stCondLst>
                                   <p:childTnLst>
                                     <p:set>
                                       <p:cBhvr>
-                                        <p:cTn id="58" dur="1" fill="hold">
-                                          <p:stCondLst>
-                                            <p:cond delay="0"/>
-                                          </p:stCondLst>
-                                        </p:cTn>
-                                        <p:tgtEl>
-                                          <p:spTgt spid="36"/>
-                                        </p:tgtEl>
-                                        <p:attrNameLst>
-                                          <p:attrName>style.visibility</p:attrName>
-                                        </p:attrNameLst>
-                                      </p:cBhvr>
-                                      <p:to>
-                                        <p:strVal val="visible"/>
-                                      </p:to>
-                                    </p:set>
-                                    <p:animEffect transition="in" filter="wipe(down)">
-                                      <p:cBhvr>
-                                        <p:cTn id="59" dur="500"/>
-                                        <p:tgtEl>
-                                          <p:spTgt spid="36"/>
-                                        </p:tgtEl>
-                                      </p:cBhvr>
-                                    </p:animEffect>
-                                  </p:childTnLst>
-                                </p:cTn>
-                              </p:par>
-                            </p:childTnLst>
-                          </p:cTn>
-                        </p:par>
-                      </p:childTnLst>
-                    </p:cTn>
-                  </p:par>
-                  <p:par>
-                    <p:cTn id="60" fill="hold">
-                      <p:stCondLst>
-                        <p:cond delay="indefinite"/>
-                      </p:stCondLst>
-                      <p:childTnLst>
-                        <p:par>
-                          <p:cTn id="61" fill="hold">
-                            <p:stCondLst>
-                              <p:cond delay="0"/>
-                            </p:stCondLst>
-                            <p:childTnLst>
-                              <p:par>
-                                <p:cTn id="62" presetID="22" presetClass="entr" presetSubtype="4" fill="hold" grpId="0" nodeType="clickEffect">
-                                  <p:stCondLst>
-                                    <p:cond delay="0"/>
-                                  </p:stCondLst>
-                                  <p:childTnLst>
-                                    <p:set>
-                                      <p:cBhvr>
-                                        <p:cTn id="63" dur="1" fill="hold">
+                                        <p:cTn id="56" dur="1" fill="hold">
                                           <p:stCondLst>
                                             <p:cond delay="0"/>
                                           </p:stCondLst>
@@ -22079,7 +24433,7 @@
                                     </p:set>
                                     <p:animEffect transition="in" filter="wipe(down)">
                                       <p:cBhvr>
-                                        <p:cTn id="64" dur="500"/>
+                                        <p:cTn id="57" dur="500"/>
                                         <p:tgtEl>
                                           <p:spTgt spid="14"/>
                                         </p:tgtEl>
@@ -22089,20 +24443,24 @@
                                 </p:cTn>
                               </p:par>
                               <p:par>
-                                <p:cTn id="65" presetID="22" presetClass="entr" presetSubtype="4" fill="hold" nodeType="withEffect">
+                                <p:cTn id="58" presetID="22" presetClass="entr" presetSubtype="4" fill="hold" grpId="0" nodeType="withEffect">
                                   <p:stCondLst>
                                     <p:cond delay="0"/>
                                   </p:stCondLst>
                                   <p:childTnLst>
                                     <p:set>
                                       <p:cBhvr>
-                                        <p:cTn id="66" dur="1" fill="hold">
+                                        <p:cTn id="59" dur="1" fill="hold">
                                           <p:stCondLst>
                                             <p:cond delay="0"/>
                                           </p:stCondLst>
                                         </p:cTn>
                                         <p:tgtEl>
-                                          <p:spTgt spid="12"/>
+                                          <p:spTgt spid="57">
+                                            <p:txEl>
+                                              <p:pRg st="0" end="0"/>
+                                            </p:txEl>
+                                          </p:spTgt>
                                         </p:tgtEl>
                                         <p:attrNameLst>
                                           <p:attrName>style.visibility</p:attrName>
@@ -22114,24 +24472,145 @@
                                     </p:set>
                                     <p:animEffect transition="in" filter="wipe(down)">
                                       <p:cBhvr>
-                                        <p:cTn id="67" dur="500"/>
+                                        <p:cTn id="60" dur="500"/>
                                         <p:tgtEl>
-                                          <p:spTgt spid="12"/>
+                                          <p:spTgt spid="57">
+                                            <p:txEl>
+                                              <p:pRg st="0" end="0"/>
+                                            </p:txEl>
+                                          </p:spTgt>
                                         </p:tgtEl>
                                       </p:cBhvr>
                                     </p:animEffect>
                                   </p:childTnLst>
                                 </p:cTn>
                               </p:par>
+                            </p:childTnLst>
+                          </p:cTn>
+                        </p:par>
+                      </p:childTnLst>
+                    </p:cTn>
+                  </p:par>
+                  <p:par>
+                    <p:cTn id="61" fill="hold">
+                      <p:stCondLst>
+                        <p:cond delay="indefinite"/>
+                      </p:stCondLst>
+                      <p:childTnLst>
+                        <p:par>
+                          <p:cTn id="62" fill="hold">
+                            <p:stCondLst>
+                              <p:cond delay="0"/>
+                            </p:stCondLst>
+                            <p:childTnLst>
                               <p:par>
-                                <p:cTn id="68" presetID="22" presetClass="entr" presetSubtype="4" fill="hold" nodeType="withEffect">
+                                <p:cTn id="63" presetID="42" presetClass="entr" presetSubtype="0" fill="hold" nodeType="clickEffect">
                                   <p:stCondLst>
                                     <p:cond delay="0"/>
                                   </p:stCondLst>
                                   <p:childTnLst>
                                     <p:set>
                                       <p:cBhvr>
-                                        <p:cTn id="69" dur="1" fill="hold">
+                                        <p:cTn id="64" dur="1" fill="hold">
+                                          <p:stCondLst>
+                                            <p:cond delay="0"/>
+                                          </p:stCondLst>
+                                        </p:cTn>
+                                        <p:tgtEl>
+                                          <p:spTgt spid="3077"/>
+                                        </p:tgtEl>
+                                        <p:attrNameLst>
+                                          <p:attrName>style.visibility</p:attrName>
+                                        </p:attrNameLst>
+                                      </p:cBhvr>
+                                      <p:to>
+                                        <p:strVal val="visible"/>
+                                      </p:to>
+                                    </p:set>
+                                    <p:animEffect transition="in" filter="fade">
+                                      <p:cBhvr>
+                                        <p:cTn id="65" dur="1000"/>
+                                        <p:tgtEl>
+                                          <p:spTgt spid="3077"/>
+                                        </p:tgtEl>
+                                      </p:cBhvr>
+                                    </p:animEffect>
+                                    <p:anim calcmode="lin" valueType="num">
+                                      <p:cBhvr>
+                                        <p:cTn id="66" dur="1000" fill="hold"/>
+                                        <p:tgtEl>
+                                          <p:spTgt spid="3077"/>
+                                        </p:tgtEl>
+                                        <p:attrNameLst>
+                                          <p:attrName>ppt_x</p:attrName>
+                                        </p:attrNameLst>
+                                      </p:cBhvr>
+                                      <p:tavLst>
+                                        <p:tav tm="0">
+                                          <p:val>
+                                            <p:strVal val="#ppt_x"/>
+                                          </p:val>
+                                        </p:tav>
+                                        <p:tav tm="100000">
+                                          <p:val>
+                                            <p:strVal val="#ppt_x"/>
+                                          </p:val>
+                                        </p:tav>
+                                      </p:tavLst>
+                                    </p:anim>
+                                    <p:anim calcmode="lin" valueType="num">
+                                      <p:cBhvr>
+                                        <p:cTn id="67" dur="1000" fill="hold"/>
+                                        <p:tgtEl>
+                                          <p:spTgt spid="3077"/>
+                                        </p:tgtEl>
+                                        <p:attrNameLst>
+                                          <p:attrName>ppt_y</p:attrName>
+                                        </p:attrNameLst>
+                                      </p:cBhvr>
+                                      <p:tavLst>
+                                        <p:tav tm="0">
+                                          <p:val>
+                                            <p:strVal val="#ppt_y+.1"/>
+                                          </p:val>
+                                        </p:tav>
+                                        <p:tav tm="100000">
+                                          <p:val>
+                                            <p:strVal val="#ppt_y"/>
+                                          </p:val>
+                                        </p:tav>
+                                      </p:tavLst>
+                                    </p:anim>
+                                  </p:childTnLst>
+                                </p:cTn>
+                              </p:par>
+                            </p:childTnLst>
+                          </p:cTn>
+                        </p:par>
+                      </p:childTnLst>
+                    </p:cTn>
+                  </p:par>
+                  <p:par>
+                    <p:cTn id="68" fill="hold">
+                      <p:stCondLst>
+                        <p:cond delay="indefinite"/>
+                      </p:stCondLst>
+                      <p:childTnLst>
+                        <p:par>
+                          <p:cTn id="69" fill="hold">
+                            <p:stCondLst>
+                              <p:cond delay="0"/>
+                            </p:stCondLst>
+                            <p:childTnLst>
+                              <p:par>
+                                <p:cTn id="70" presetID="22" presetClass="entr" presetSubtype="4" fill="hold" nodeType="clickEffect">
+                                  <p:stCondLst>
+                                    <p:cond delay="0"/>
+                                  </p:stCondLst>
+                                  <p:childTnLst>
+                                    <p:set>
+                                      <p:cBhvr>
+                                        <p:cTn id="71" dur="1" fill="hold">
                                           <p:stCondLst>
                                             <p:cond delay="0"/>
                                           </p:stCondLst>
@@ -22149,7 +24628,7 @@
                                     </p:set>
                                     <p:animEffect transition="in" filter="wipe(down)">
                                       <p:cBhvr>
-                                        <p:cTn id="70" dur="500"/>
+                                        <p:cTn id="72" dur="500"/>
                                         <p:tgtEl>
                                           <p:spTgt spid="38"/>
                                         </p:tgtEl>
@@ -22159,14 +24638,14 @@
                                 </p:cTn>
                               </p:par>
                               <p:par>
-                                <p:cTn id="71" presetID="22" presetClass="entr" presetSubtype="4" fill="hold" grpId="0" nodeType="withEffect">
+                                <p:cTn id="73" presetID="22" presetClass="entr" presetSubtype="4" fill="hold" grpId="0" nodeType="withEffect">
                                   <p:stCondLst>
                                     <p:cond delay="0"/>
                                   </p:stCondLst>
                                   <p:childTnLst>
                                     <p:set>
                                       <p:cBhvr>
-                                        <p:cTn id="72" dur="1" fill="hold">
+                                        <p:cTn id="74" dur="1" fill="hold">
                                           <p:stCondLst>
                                             <p:cond delay="0"/>
                                           </p:stCondLst>
@@ -22184,9 +24663,44 @@
                                     </p:set>
                                     <p:animEffect transition="in" filter="wipe(down)">
                                       <p:cBhvr>
-                                        <p:cTn id="73" dur="500"/>
+                                        <p:cTn id="75" dur="500"/>
                                         <p:tgtEl>
                                           <p:spTgt spid="39"/>
+                                        </p:tgtEl>
+                                      </p:cBhvr>
+                                    </p:animEffect>
+                                  </p:childTnLst>
+                                </p:cTn>
+                              </p:par>
+                              <p:par>
+                                <p:cTn id="76" presetID="22" presetClass="entr" presetSubtype="4" fill="hold" nodeType="withEffect">
+                                  <p:stCondLst>
+                                    <p:cond delay="0"/>
+                                  </p:stCondLst>
+                                  <p:childTnLst>
+                                    <p:set>
+                                      <p:cBhvr>
+                                        <p:cTn id="77" dur="1" fill="hold">
+                                          <p:stCondLst>
+                                            <p:cond delay="0"/>
+                                          </p:stCondLst>
+                                        </p:cTn>
+                                        <p:tgtEl>
+                                          <p:spTgt spid="48"/>
+                                        </p:tgtEl>
+                                        <p:attrNameLst>
+                                          <p:attrName>style.visibility</p:attrName>
+                                        </p:attrNameLst>
+                                      </p:cBhvr>
+                                      <p:to>
+                                        <p:strVal val="visible"/>
+                                      </p:to>
+                                    </p:set>
+                                    <p:animEffect transition="in" filter="wipe(down)">
+                                      <p:cBhvr>
+                                        <p:cTn id="78" dur="500"/>
+                                        <p:tgtEl>
+                                          <p:spTgt spid="48"/>
                                         </p:tgtEl>
                                       </p:cBhvr>
                                     </p:animEffect>
@@ -22225,6 +24739,7 @@
       <p:bldP spid="23" grpId="0"/>
       <p:bldP spid="36" grpId="0"/>
       <p:bldP spid="39" grpId="0"/>
+      <p:bldP spid="57" grpId="0" build="p"/>
       <p:bldP spid="62" grpId="0"/>
       <p:bldP spid="69" grpId="0"/>
     </p:bldLst>
@@ -23281,6 +25796,129 @@
               <a:t>TRIPS</a:t>
             </a:r>
             <a:endParaRPr lang="en-US" sz="2400" b="1" dirty="0"/>
+          </a:p>
+        </p:txBody>
+      </p:sp>
+      <p:pic>
+        <p:nvPicPr>
+          <p:cNvPr id="10242" name="Picture 2" descr="C:\Users\Le Phuc Lu\Desktop\Capture.PNG"/>
+          <p:cNvPicPr>
+            <a:picLocks noChangeAspect="1" noChangeArrowheads="1"/>
+          </p:cNvPicPr>
+          <p:nvPr/>
+        </p:nvPicPr>
+        <p:blipFill>
+          <a:blip r:embed="rId4">
+            <a:extLst>
+              <a:ext uri="{28A0092B-C50C-407E-A947-70E740481C1C}">
+                <a14:useLocalDpi xmlns:a14="http://schemas.microsoft.com/office/drawing/2010/main" val="0"/>
+              </a:ext>
+            </a:extLst>
+          </a:blip>
+          <a:srcRect/>
+          <a:stretch>
+            <a:fillRect/>
+          </a:stretch>
+        </p:blipFill>
+        <p:spPr bwMode="auto">
+          <a:xfrm>
+            <a:off x="7076704" y="6619875"/>
+            <a:ext cx="1676400" cy="238125"/>
+          </a:xfrm>
+          <a:prstGeom prst="rect">
+            <a:avLst/>
+          </a:prstGeom>
+          <a:noFill/>
+          <a:extLst>
+            <a:ext uri="{909E8E84-426E-40DD-AFC4-6F175D3DCCD1}">
+              <a14:hiddenFill xmlns:a14="http://schemas.microsoft.com/office/drawing/2010/main">
+                <a:solidFill>
+                  <a:srgbClr val="FFFFFF"/>
+                </a:solidFill>
+              </a14:hiddenFill>
+            </a:ext>
+          </a:extLst>
+        </p:spPr>
+      </p:pic>
+      <p:pic>
+        <p:nvPicPr>
+          <p:cNvPr id="25" name="Picture 3" descr="C:\Users\Le Phuc Lu\Desktop\1.PNG"/>
+          <p:cNvPicPr>
+            <a:picLocks noChangeAspect="1" noChangeArrowheads="1"/>
+          </p:cNvPicPr>
+          <p:nvPr/>
+        </p:nvPicPr>
+        <p:blipFill>
+          <a:blip r:embed="rId5">
+            <a:extLst>
+              <a:ext uri="{28A0092B-C50C-407E-A947-70E740481C1C}">
+                <a14:useLocalDpi xmlns:a14="http://schemas.microsoft.com/office/drawing/2010/main" val="0"/>
+              </a:ext>
+            </a:extLst>
+          </a:blip>
+          <a:srcRect/>
+          <a:stretch>
+            <a:fillRect/>
+          </a:stretch>
+        </p:blipFill>
+        <p:spPr bwMode="auto">
+          <a:xfrm>
+            <a:off x="6858000" y="0"/>
+            <a:ext cx="1828800" cy="217410"/>
+          </a:xfrm>
+          <a:prstGeom prst="rect">
+            <a:avLst/>
+          </a:prstGeom>
+          <a:noFill/>
+          <a:extLst>
+            <a:ext uri="{909E8E84-426E-40DD-AFC4-6F175D3DCCD1}">
+              <a14:hiddenFill xmlns:a14="http://schemas.microsoft.com/office/drawing/2010/main">
+                <a:solidFill>
+                  <a:srgbClr val="FFFFFF"/>
+                </a:solidFill>
+              </a14:hiddenFill>
+            </a:ext>
+          </a:extLst>
+        </p:spPr>
+      </p:pic>
+      <p:sp>
+        <p:nvSpPr>
+          <p:cNvPr id="27" name="Oval 26"/>
+          <p:cNvSpPr/>
+          <p:nvPr/>
+        </p:nvSpPr>
+        <p:spPr>
+          <a:xfrm>
+            <a:off x="8077200" y="6324600"/>
+            <a:ext cx="990600" cy="457200"/>
+          </a:xfrm>
+          <a:prstGeom prst="ellipse">
+            <a:avLst/>
+          </a:prstGeom>
+        </p:spPr>
+        <p:style>
+          <a:lnRef idx="0">
+            <a:schemeClr val="accent1"/>
+          </a:lnRef>
+          <a:fillRef idx="3">
+            <a:schemeClr val="accent1"/>
+          </a:fillRef>
+          <a:effectRef idx="3">
+            <a:schemeClr val="accent1"/>
+          </a:effectRef>
+          <a:fontRef idx="minor">
+            <a:schemeClr val="lt1"/>
+          </a:fontRef>
+        </p:style>
+        <p:txBody>
+          <a:bodyPr rtlCol="0" anchor="ctr"/>
+          <a:lstStyle/>
+          <a:p>
+            <a:pPr algn="ctr"/>
+            <a:r>
+              <a:rPr lang="en-US" sz="2000" b="1" dirty="0"/>
+              <a:t>7</a:t>
+            </a:r>
           </a:p>
         </p:txBody>
       </p:sp>
@@ -26512,6 +29150,130 @@
           </a:p>
         </p:txBody>
       </p:sp>
+      <p:pic>
+        <p:nvPicPr>
+          <p:cNvPr id="11266" name="Picture 2" descr="C:\Users\Le Phuc Lu\Desktop\Capture.PNG"/>
+          <p:cNvPicPr>
+            <a:picLocks noChangeAspect="1" noChangeArrowheads="1"/>
+          </p:cNvPicPr>
+          <p:nvPr/>
+        </p:nvPicPr>
+        <p:blipFill>
+          <a:blip r:embed="rId3">
+            <a:extLst>
+              <a:ext uri="{28A0092B-C50C-407E-A947-70E740481C1C}">
+                <a14:useLocalDpi xmlns:a14="http://schemas.microsoft.com/office/drawing/2010/main" val="0"/>
+              </a:ext>
+            </a:extLst>
+          </a:blip>
+          <a:srcRect/>
+          <a:stretch>
+            <a:fillRect/>
+          </a:stretch>
+        </p:blipFill>
+        <p:spPr bwMode="auto">
+          <a:xfrm>
+            <a:off x="7017327" y="6619875"/>
+            <a:ext cx="1676400" cy="238125"/>
+          </a:xfrm>
+          <a:prstGeom prst="rect">
+            <a:avLst/>
+          </a:prstGeom>
+          <a:noFill/>
+          <a:extLst>
+            <a:ext uri="{909E8E84-426E-40DD-AFC4-6F175D3DCCD1}">
+              <a14:hiddenFill xmlns:a14="http://schemas.microsoft.com/office/drawing/2010/main">
+                <a:solidFill>
+                  <a:srgbClr val="FFFFFF"/>
+                </a:solidFill>
+              </a14:hiddenFill>
+            </a:ext>
+          </a:extLst>
+        </p:spPr>
+      </p:pic>
+      <p:pic>
+        <p:nvPicPr>
+          <p:cNvPr id="6" name="Picture 3" descr="C:\Users\Le Phuc Lu\Desktop\1.PNG"/>
+          <p:cNvPicPr>
+            <a:picLocks noChangeAspect="1" noChangeArrowheads="1"/>
+          </p:cNvPicPr>
+          <p:nvPr/>
+        </p:nvPicPr>
+        <p:blipFill>
+          <a:blip r:embed="rId4">
+            <a:extLst>
+              <a:ext uri="{28A0092B-C50C-407E-A947-70E740481C1C}">
+                <a14:useLocalDpi xmlns:a14="http://schemas.microsoft.com/office/drawing/2010/main" val="0"/>
+              </a:ext>
+            </a:extLst>
+          </a:blip>
+          <a:srcRect/>
+          <a:stretch>
+            <a:fillRect/>
+          </a:stretch>
+        </p:blipFill>
+        <p:spPr bwMode="auto">
+          <a:xfrm>
+            <a:off x="6858000" y="0"/>
+            <a:ext cx="1828800" cy="217410"/>
+          </a:xfrm>
+          <a:prstGeom prst="rect">
+            <a:avLst/>
+          </a:prstGeom>
+          <a:noFill/>
+          <a:extLst>
+            <a:ext uri="{909E8E84-426E-40DD-AFC4-6F175D3DCCD1}">
+              <a14:hiddenFill xmlns:a14="http://schemas.microsoft.com/office/drawing/2010/main">
+                <a:solidFill>
+                  <a:srgbClr val="FFFFFF"/>
+                </a:solidFill>
+              </a14:hiddenFill>
+            </a:ext>
+          </a:extLst>
+        </p:spPr>
+      </p:pic>
+      <p:sp>
+        <p:nvSpPr>
+          <p:cNvPr id="7" name="Oval 6"/>
+          <p:cNvSpPr/>
+          <p:nvPr/>
+        </p:nvSpPr>
+        <p:spPr>
+          <a:xfrm>
+            <a:off x="8077200" y="6324600"/>
+            <a:ext cx="990600" cy="457200"/>
+          </a:xfrm>
+          <a:prstGeom prst="ellipse">
+            <a:avLst/>
+          </a:prstGeom>
+        </p:spPr>
+        <p:style>
+          <a:lnRef idx="0">
+            <a:schemeClr val="accent1"/>
+          </a:lnRef>
+          <a:fillRef idx="3">
+            <a:schemeClr val="accent1"/>
+          </a:fillRef>
+          <a:effectRef idx="3">
+            <a:schemeClr val="accent1"/>
+          </a:effectRef>
+          <a:fontRef idx="minor">
+            <a:schemeClr val="lt1"/>
+          </a:fontRef>
+        </p:style>
+        <p:txBody>
+          <a:bodyPr rtlCol="0" anchor="ctr"/>
+          <a:lstStyle/>
+          <a:p>
+            <a:pPr algn="ctr"/>
+            <a:r>
+              <a:rPr lang="en-US" sz="2000" b="1" dirty="0" smtClean="0"/>
+              <a:t>8</a:t>
+            </a:r>
+            <a:endParaRPr lang="en-US" sz="2000" b="1" dirty="0"/>
+          </a:p>
+        </p:txBody>
+      </p:sp>
     </p:spTree>
     <p:extLst>
       <p:ext uri="{BB962C8B-B14F-4D97-AF65-F5344CB8AC3E}">
@@ -26662,19 +29424,11 @@
             </a:r>
             <a:r>
               <a:rPr lang="en-US" sz="2600" i="1" dirty="0" smtClean="0"/>
-              <a:t>check the </a:t>
-            </a:r>
-            <a:r>
-              <a:rPr lang="en-US" sz="2600" i="1" smtClean="0"/>
-              <a:t>direction </a:t>
-            </a:r>
-            <a:r>
-              <a:rPr lang="en-US" sz="2600" b="0" smtClean="0"/>
-              <a:t>is not </a:t>
+              <a:t>check the direction </a:t>
             </a:r>
             <a:r>
               <a:rPr lang="en-US" sz="2600" b="0" dirty="0" smtClean="0"/>
-              <a:t>backward base on the </a:t>
+              <a:t>is not backward base on the </a:t>
             </a:r>
             <a:r>
               <a:rPr lang="en-US" sz="2600" i="1" dirty="0" smtClean="0"/>
@@ -26690,7 +29444,11 @@
             </a:r>
             <a:r>
               <a:rPr lang="en-US" sz="2600" b="0" dirty="0" smtClean="0"/>
-              <a:t> of stations.</a:t>
+              <a:t> of stations</a:t>
+            </a:r>
+            <a:r>
+              <a:rPr lang="en-US" sz="2600" b="0" dirty="0" smtClean="0"/>
+              <a:t>. Condition: </a:t>
             </a:r>
             <a:endParaRPr lang="en-US" sz="2600" b="0" dirty="0"/>
           </a:p>
@@ -26906,20 +29664,20 @@
           <p:nvPr>
             <p:extLst>
               <p:ext uri="{D42A27DB-BD31-4B8C-83A1-F6EECF244321}">
-                <p14:modId xmlns:p14="http://schemas.microsoft.com/office/powerpoint/2010/main" val="3608369487"/>
+                <p14:modId xmlns:p14="http://schemas.microsoft.com/office/powerpoint/2010/main" val="1224526688"/>
               </p:ext>
             </p:extLst>
           </p:nvPr>
         </p:nvGraphicFramePr>
         <p:xfrm>
-          <a:off x="3429000" y="3886200"/>
-          <a:ext cx="2150075" cy="685800"/>
+          <a:off x="2971800" y="4267200"/>
+          <a:ext cx="2320636" cy="740203"/>
         </p:xfrm>
         <a:graphic>
           <a:graphicData uri="http://schemas.openxmlformats.org/presentationml/2006/ole">
             <mc:AlternateContent xmlns:mc="http://schemas.openxmlformats.org/markup-compatibility/2006">
               <mc:Choice xmlns:v="urn:schemas-microsoft-com:vml" Requires="v">
-                <p:oleObj spid="_x0000_s4193" name="Equation" r:id="rId3" imgW="1104421" imgH="355446" progId="Equation.DSMT4">
+                <p:oleObj spid="_x0000_s4246" name="Equation" r:id="rId3" imgW="1104421" imgH="355446" progId="Equation.DSMT4">
                   <p:embed/>
                 </p:oleObj>
               </mc:Choice>
@@ -26949,8 +29707,8 @@
                     </p:blipFill>
                     <p:spPr bwMode="auto">
                       <a:xfrm>
-                        <a:off x="3429000" y="3886200"/>
-                        <a:ext cx="2150075" cy="685800"/>
+                        <a:off x="2971800" y="4267200"/>
+                        <a:ext cx="2320636" cy="740203"/>
                       </a:xfrm>
                       <a:prstGeom prst="rect">
                         <a:avLst/>
@@ -26964,6 +29722,130 @@
           </a:graphicData>
         </a:graphic>
       </p:graphicFrame>
+      <p:pic>
+        <p:nvPicPr>
+          <p:cNvPr id="4201" name="Picture 105" descr="C:\Users\Le Phuc Lu\Desktop\Capture.PNG"/>
+          <p:cNvPicPr>
+            <a:picLocks noChangeAspect="1" noChangeArrowheads="1"/>
+          </p:cNvPicPr>
+          <p:nvPr/>
+        </p:nvPicPr>
+        <p:blipFill>
+          <a:blip r:embed="rId5">
+            <a:extLst>
+              <a:ext uri="{28A0092B-C50C-407E-A947-70E740481C1C}">
+                <a14:useLocalDpi xmlns:a14="http://schemas.microsoft.com/office/drawing/2010/main" val="0"/>
+              </a:ext>
+            </a:extLst>
+          </a:blip>
+          <a:srcRect/>
+          <a:stretch>
+            <a:fillRect/>
+          </a:stretch>
+        </p:blipFill>
+        <p:spPr bwMode="auto">
+          <a:xfrm>
+            <a:off x="7010400" y="6569405"/>
+            <a:ext cx="1676400" cy="238125"/>
+          </a:xfrm>
+          <a:prstGeom prst="rect">
+            <a:avLst/>
+          </a:prstGeom>
+          <a:noFill/>
+          <a:extLst>
+            <a:ext uri="{909E8E84-426E-40DD-AFC4-6F175D3DCCD1}">
+              <a14:hiddenFill xmlns:a14="http://schemas.microsoft.com/office/drawing/2010/main">
+                <a:solidFill>
+                  <a:srgbClr val="FFFFFF"/>
+                </a:solidFill>
+              </a14:hiddenFill>
+            </a:ext>
+          </a:extLst>
+        </p:spPr>
+      </p:pic>
+      <p:pic>
+        <p:nvPicPr>
+          <p:cNvPr id="11" name="Picture 3" descr="C:\Users\Le Phuc Lu\Desktop\1.PNG"/>
+          <p:cNvPicPr>
+            <a:picLocks noChangeAspect="1" noChangeArrowheads="1"/>
+          </p:cNvPicPr>
+          <p:nvPr/>
+        </p:nvPicPr>
+        <p:blipFill>
+          <a:blip r:embed="rId6">
+            <a:extLst>
+              <a:ext uri="{28A0092B-C50C-407E-A947-70E740481C1C}">
+                <a14:useLocalDpi xmlns:a14="http://schemas.microsoft.com/office/drawing/2010/main" val="0"/>
+              </a:ext>
+            </a:extLst>
+          </a:blip>
+          <a:srcRect/>
+          <a:stretch>
+            <a:fillRect/>
+          </a:stretch>
+        </p:blipFill>
+        <p:spPr bwMode="auto">
+          <a:xfrm>
+            <a:off x="6858000" y="0"/>
+            <a:ext cx="1828800" cy="217410"/>
+          </a:xfrm>
+          <a:prstGeom prst="rect">
+            <a:avLst/>
+          </a:prstGeom>
+          <a:noFill/>
+          <a:extLst>
+            <a:ext uri="{909E8E84-426E-40DD-AFC4-6F175D3DCCD1}">
+              <a14:hiddenFill xmlns:a14="http://schemas.microsoft.com/office/drawing/2010/main">
+                <a:solidFill>
+                  <a:srgbClr val="FFFFFF"/>
+                </a:solidFill>
+              </a14:hiddenFill>
+            </a:ext>
+          </a:extLst>
+        </p:spPr>
+      </p:pic>
+      <p:sp>
+        <p:nvSpPr>
+          <p:cNvPr id="12" name="Oval 11"/>
+          <p:cNvSpPr/>
+          <p:nvPr/>
+        </p:nvSpPr>
+        <p:spPr>
+          <a:xfrm>
+            <a:off x="8077200" y="6324600"/>
+            <a:ext cx="990600" cy="457200"/>
+          </a:xfrm>
+          <a:prstGeom prst="ellipse">
+            <a:avLst/>
+          </a:prstGeom>
+        </p:spPr>
+        <p:style>
+          <a:lnRef idx="0">
+            <a:schemeClr val="accent1"/>
+          </a:lnRef>
+          <a:fillRef idx="3">
+            <a:schemeClr val="accent1"/>
+          </a:fillRef>
+          <a:effectRef idx="3">
+            <a:schemeClr val="accent1"/>
+          </a:effectRef>
+          <a:fontRef idx="minor">
+            <a:schemeClr val="lt1"/>
+          </a:fontRef>
+        </p:style>
+        <p:txBody>
+          <a:bodyPr rtlCol="0" anchor="ctr"/>
+          <a:lstStyle/>
+          <a:p>
+            <a:pPr algn="ctr"/>
+            <a:r>
+              <a:rPr lang="en-US" sz="2000" b="1" dirty="0"/>
+              <a:t>9</a:t>
+            </a:r>
+            <a:endParaRPr lang="en-US" sz="2000" b="1" dirty="0"/>
+          </a:p>
+        </p:txBody>
+      </p:sp>
     </p:spTree>
     <p:extLst>
       <p:ext uri="{BB962C8B-B14F-4D97-AF65-F5344CB8AC3E}">
@@ -27717,4 +30599,289 @@
   <a:objectDefaults/>
   <a:extraClrSchemeLst/>
 </a:theme>
+</file>
+
+<file path=ppt/theme/theme3.xml><?xml version="1.0" encoding="utf-8"?>
+<a:theme xmlns:a="http://schemas.openxmlformats.org/drawingml/2006/main" name="Office Theme">
+  <a:themeElements>
+    <a:clrScheme name="Office">
+      <a:dk1>
+        <a:sysClr val="windowText" lastClr="000000"/>
+      </a:dk1>
+      <a:lt1>
+        <a:sysClr val="window" lastClr="FFFFFF"/>
+      </a:lt1>
+      <a:dk2>
+        <a:srgbClr val="1F497D"/>
+      </a:dk2>
+      <a:lt2>
+        <a:srgbClr val="EEECE1"/>
+      </a:lt2>
+      <a:accent1>
+        <a:srgbClr val="4F81BD"/>
+      </a:accent1>
+      <a:accent2>
+        <a:srgbClr val="C0504D"/>
+      </a:accent2>
+      <a:accent3>
+        <a:srgbClr val="9BBB59"/>
+      </a:accent3>
+      <a:accent4>
+        <a:srgbClr val="8064A2"/>
+      </a:accent4>
+      <a:accent5>
+        <a:srgbClr val="4BACC6"/>
+      </a:accent5>
+      <a:accent6>
+        <a:srgbClr val="F79646"/>
+      </a:accent6>
+      <a:hlink>
+        <a:srgbClr val="0000FF"/>
+      </a:hlink>
+      <a:folHlink>
+        <a:srgbClr val="800080"/>
+      </a:folHlink>
+    </a:clrScheme>
+    <a:fontScheme name="Office">
+      <a:majorFont>
+        <a:latin typeface="Calibri"/>
+        <a:ea typeface=""/>
+        <a:cs typeface=""/>
+        <a:font script="Jpan" typeface="ＭＳ Ｐゴシック"/>
+        <a:font script="Hang" typeface="맑은 고딕"/>
+        <a:font script="Hans" typeface="宋体"/>
+        <a:font script="Hant" typeface="新細明體"/>
+        <a:font script="Arab" typeface="Times New Roman"/>
+        <a:font script="Hebr" typeface="Times New Roman"/>
+        <a:font script="Thai" typeface="Angsana New"/>
+        <a:font script="Ethi" typeface="Nyala"/>
+        <a:font script="Beng" typeface="Vrinda"/>
+        <a:font script="Gujr" typeface="Shruti"/>
+        <a:font script="Khmr" typeface="MoolBoran"/>
+        <a:font script="Knda" typeface="Tunga"/>
+        <a:font script="Guru" typeface="Raavi"/>
+        <a:font script="Cans" typeface="Euphemia"/>
+        <a:font script="Cher" typeface="Plantagenet Cherokee"/>
+        <a:font script="Yiii" typeface="Microsoft Yi Baiti"/>
+        <a:font script="Tibt" typeface="Microsoft Himalaya"/>
+        <a:font script="Thaa" typeface="MV Boli"/>
+        <a:font script="Deva" typeface="Mangal"/>
+        <a:font script="Telu" typeface="Gautami"/>
+        <a:font script="Taml" typeface="Latha"/>
+        <a:font script="Syrc" typeface="Estrangelo Edessa"/>
+        <a:font script="Orya" typeface="Kalinga"/>
+        <a:font script="Mlym" typeface="Kartika"/>
+        <a:font script="Laoo" typeface="DokChampa"/>
+        <a:font script="Sinh" typeface="Iskoola Pota"/>
+        <a:font script="Mong" typeface="Mongolian Baiti"/>
+        <a:font script="Viet" typeface="Times New Roman"/>
+        <a:font script="Uigh" typeface="Microsoft Uighur"/>
+        <a:font script="Geor" typeface="Sylfaen"/>
+      </a:majorFont>
+      <a:minorFont>
+        <a:latin typeface="Calibri"/>
+        <a:ea typeface=""/>
+        <a:cs typeface=""/>
+        <a:font script="Jpan" typeface="ＭＳ Ｐゴシック"/>
+        <a:font script="Hang" typeface="맑은 고딕"/>
+        <a:font script="Hans" typeface="宋体"/>
+        <a:font script="Hant" typeface="新細明體"/>
+        <a:font script="Arab" typeface="Arial"/>
+        <a:font script="Hebr" typeface="Arial"/>
+        <a:font script="Thai" typeface="Cordia New"/>
+        <a:font script="Ethi" typeface="Nyala"/>
+        <a:font script="Beng" typeface="Vrinda"/>
+        <a:font script="Gujr" typeface="Shruti"/>
+        <a:font script="Khmr" typeface="DaunPenh"/>
+        <a:font script="Knda" typeface="Tunga"/>
+        <a:font script="Guru" typeface="Raavi"/>
+        <a:font script="Cans" typeface="Euphemia"/>
+        <a:font script="Cher" typeface="Plantagenet Cherokee"/>
+        <a:font script="Yiii" typeface="Microsoft Yi Baiti"/>
+        <a:font script="Tibt" typeface="Microsoft Himalaya"/>
+        <a:font script="Thaa" typeface="MV Boli"/>
+        <a:font script="Deva" typeface="Mangal"/>
+        <a:font script="Telu" typeface="Gautami"/>
+        <a:font script="Taml" typeface="Latha"/>
+        <a:font script="Syrc" typeface="Estrangelo Edessa"/>
+        <a:font script="Orya" typeface="Kalinga"/>
+        <a:font script="Mlym" typeface="Kartika"/>
+        <a:font script="Laoo" typeface="DokChampa"/>
+        <a:font script="Sinh" typeface="Iskoola Pota"/>
+        <a:font script="Mong" typeface="Mongolian Baiti"/>
+        <a:font script="Viet" typeface="Arial"/>
+        <a:font script="Uigh" typeface="Microsoft Uighur"/>
+        <a:font script="Geor" typeface="Sylfaen"/>
+      </a:minorFont>
+    </a:fontScheme>
+    <a:fmtScheme name="Office">
+      <a:fillStyleLst>
+        <a:solidFill>
+          <a:schemeClr val="phClr"/>
+        </a:solidFill>
+        <a:gradFill rotWithShape="1">
+          <a:gsLst>
+            <a:gs pos="0">
+              <a:schemeClr val="phClr">
+                <a:tint val="50000"/>
+                <a:satMod val="300000"/>
+              </a:schemeClr>
+            </a:gs>
+            <a:gs pos="35000">
+              <a:schemeClr val="phClr">
+                <a:tint val="37000"/>
+                <a:satMod val="300000"/>
+              </a:schemeClr>
+            </a:gs>
+            <a:gs pos="100000">
+              <a:schemeClr val="phClr">
+                <a:tint val="15000"/>
+                <a:satMod val="350000"/>
+              </a:schemeClr>
+            </a:gs>
+          </a:gsLst>
+          <a:lin ang="16200000" scaled="1"/>
+        </a:gradFill>
+        <a:gradFill rotWithShape="1">
+          <a:gsLst>
+            <a:gs pos="0">
+              <a:schemeClr val="phClr">
+                <a:shade val="51000"/>
+                <a:satMod val="130000"/>
+              </a:schemeClr>
+            </a:gs>
+            <a:gs pos="80000">
+              <a:schemeClr val="phClr">
+                <a:shade val="93000"/>
+                <a:satMod val="130000"/>
+              </a:schemeClr>
+            </a:gs>
+            <a:gs pos="100000">
+              <a:schemeClr val="phClr">
+                <a:shade val="94000"/>
+                <a:satMod val="135000"/>
+              </a:schemeClr>
+            </a:gs>
+          </a:gsLst>
+          <a:lin ang="16200000" scaled="0"/>
+        </a:gradFill>
+      </a:fillStyleLst>
+      <a:lnStyleLst>
+        <a:ln w="9525" cap="flat" cmpd="sng" algn="ctr">
+          <a:solidFill>
+            <a:schemeClr val="phClr">
+              <a:shade val="95000"/>
+              <a:satMod val="105000"/>
+            </a:schemeClr>
+          </a:solidFill>
+          <a:prstDash val="solid"/>
+        </a:ln>
+        <a:ln w="25400" cap="flat" cmpd="sng" algn="ctr">
+          <a:solidFill>
+            <a:schemeClr val="phClr"/>
+          </a:solidFill>
+          <a:prstDash val="solid"/>
+        </a:ln>
+        <a:ln w="38100" cap="flat" cmpd="sng" algn="ctr">
+          <a:solidFill>
+            <a:schemeClr val="phClr"/>
+          </a:solidFill>
+          <a:prstDash val="solid"/>
+        </a:ln>
+      </a:lnStyleLst>
+      <a:effectStyleLst>
+        <a:effectStyle>
+          <a:effectLst>
+            <a:outerShdw blurRad="40000" dist="20000" dir="5400000" rotWithShape="0">
+              <a:srgbClr val="000000">
+                <a:alpha val="38000"/>
+              </a:srgbClr>
+            </a:outerShdw>
+          </a:effectLst>
+        </a:effectStyle>
+        <a:effectStyle>
+          <a:effectLst>
+            <a:outerShdw blurRad="40000" dist="23000" dir="5400000" rotWithShape="0">
+              <a:srgbClr val="000000">
+                <a:alpha val="35000"/>
+              </a:srgbClr>
+            </a:outerShdw>
+          </a:effectLst>
+        </a:effectStyle>
+        <a:effectStyle>
+          <a:effectLst>
+            <a:outerShdw blurRad="40000" dist="23000" dir="5400000" rotWithShape="0">
+              <a:srgbClr val="000000">
+                <a:alpha val="35000"/>
+              </a:srgbClr>
+            </a:outerShdw>
+          </a:effectLst>
+          <a:scene3d>
+            <a:camera prst="orthographicFront">
+              <a:rot lat="0" lon="0" rev="0"/>
+            </a:camera>
+            <a:lightRig rig="threePt" dir="t">
+              <a:rot lat="0" lon="0" rev="1200000"/>
+            </a:lightRig>
+          </a:scene3d>
+          <a:sp3d>
+            <a:bevelT w="63500" h="25400"/>
+          </a:sp3d>
+        </a:effectStyle>
+      </a:effectStyleLst>
+      <a:bgFillStyleLst>
+        <a:solidFill>
+          <a:schemeClr val="phClr"/>
+        </a:solidFill>
+        <a:gradFill rotWithShape="1">
+          <a:gsLst>
+            <a:gs pos="0">
+              <a:schemeClr val="phClr">
+                <a:tint val="40000"/>
+                <a:satMod val="350000"/>
+              </a:schemeClr>
+            </a:gs>
+            <a:gs pos="40000">
+              <a:schemeClr val="phClr">
+                <a:tint val="45000"/>
+                <a:shade val="99000"/>
+                <a:satMod val="350000"/>
+              </a:schemeClr>
+            </a:gs>
+            <a:gs pos="100000">
+              <a:schemeClr val="phClr">
+                <a:shade val="20000"/>
+                <a:satMod val="255000"/>
+              </a:schemeClr>
+            </a:gs>
+          </a:gsLst>
+          <a:path path="circle">
+            <a:fillToRect l="50000" t="-80000" r="50000" b="180000"/>
+          </a:path>
+        </a:gradFill>
+        <a:gradFill rotWithShape="1">
+          <a:gsLst>
+            <a:gs pos="0">
+              <a:schemeClr val="phClr">
+                <a:tint val="80000"/>
+                <a:satMod val="300000"/>
+              </a:schemeClr>
+            </a:gs>
+            <a:gs pos="100000">
+              <a:schemeClr val="phClr">
+                <a:shade val="30000"/>
+                <a:satMod val="200000"/>
+              </a:schemeClr>
+            </a:gs>
+          </a:gsLst>
+          <a:path path="circle">
+            <a:fillToRect l="50000" t="50000" r="50000" b="50000"/>
+          </a:path>
+        </a:gradFill>
+      </a:bgFillStyleLst>
+    </a:fmtScheme>
+  </a:themeElements>
+  <a:objectDefaults/>
+  <a:extraClrSchemeLst/>
+</a:theme>
 </file>
--- a/iDeliver presentation.pptx
+++ b/iDeliver presentation.pptx
@@ -2885,22 +2885,22 @@
     </dgm:pt>
   </dgm:ptLst>
   <dgm:cxnLst>
+    <dgm:cxn modelId="{8FC5C53C-E0D2-4D9E-921A-D5BAB0691AEA}" type="presOf" srcId="{F15AB5BC-20EB-4896-ACF0-5A5E624E7B6C}" destId="{2122FC3D-9D7C-4674-9A64-60A76FF473D7}" srcOrd="1" destOrd="0" presId="urn:microsoft.com/office/officeart/2005/8/layout/list1"/>
+    <dgm:cxn modelId="{F872DC09-BB93-40DD-AC2E-02BB8F8E24F7}" type="presOf" srcId="{50966B18-8F4F-4052-89F9-B48790BD2367}" destId="{F8B1D1CA-F8B8-4CF2-850D-8A08A6D43348}" srcOrd="0" destOrd="0" presId="urn:microsoft.com/office/officeart/2005/8/layout/list1"/>
+    <dgm:cxn modelId="{895819B1-9F28-4D90-ACDF-9FE810992A71}" srcId="{EDC7A38C-A6DB-4DC5-A689-39ECF460C6EE}" destId="{F3861C03-805D-46DF-A473-53653EFDEFAC}" srcOrd="0" destOrd="0" parTransId="{FDEF765C-797E-4575-A57A-62FC58C0DBBD}" sibTransId="{4B94263F-AE36-49BA-90BC-B9C0A3836F11}"/>
+    <dgm:cxn modelId="{491C81F4-6429-47C7-A66F-7BFF0E79B08D}" type="presOf" srcId="{4EF90078-E6E6-4945-AFF6-3CE122D73B62}" destId="{E2681A2F-F14D-4CA1-AED2-F51532E386C0}" srcOrd="1" destOrd="0" presId="urn:microsoft.com/office/officeart/2005/8/layout/list1"/>
+    <dgm:cxn modelId="{62A679E3-6E81-49B3-9E2D-5E7AB7AFAAB0}" srcId="{EDC7A38C-A6DB-4DC5-A689-39ECF460C6EE}" destId="{F15AB5BC-20EB-4896-ACF0-5A5E624E7B6C}" srcOrd="1" destOrd="0" parTransId="{D72D90E7-2791-440A-BD7C-BF567269DBF7}" sibTransId="{491206DF-53A9-45C6-A28A-60F01CAC4067}"/>
+    <dgm:cxn modelId="{75735154-E353-4CB6-A313-260C53D45645}" type="presOf" srcId="{50966B18-8F4F-4052-89F9-B48790BD2367}" destId="{7AA6AE93-8789-4D56-BCEC-D6B55D847325}" srcOrd="1" destOrd="0" presId="urn:microsoft.com/office/officeart/2005/8/layout/list1"/>
+    <dgm:cxn modelId="{E9E9A78E-3D06-4434-9596-2811CFE08B6F}" type="presOf" srcId="{4EF90078-E6E6-4945-AFF6-3CE122D73B62}" destId="{5C8FE5E1-884F-412E-A725-A291A47A8E59}" srcOrd="0" destOrd="0" presId="urn:microsoft.com/office/officeart/2005/8/layout/list1"/>
+    <dgm:cxn modelId="{B939CA61-FB1E-4148-98F6-EABDDE961BD5}" srcId="{EDC7A38C-A6DB-4DC5-A689-39ECF460C6EE}" destId="{50966B18-8F4F-4052-89F9-B48790BD2367}" srcOrd="2" destOrd="0" parTransId="{C781F25A-CB4B-44C1-A33E-F87A8D09F246}" sibTransId="{5D4359EE-B0D4-4E7C-8140-B2A89C1D7FF5}"/>
     <dgm:cxn modelId="{D511B19E-2229-41BF-A87F-557FEE21CBCC}" type="presOf" srcId="{EDC7A38C-A6DB-4DC5-A689-39ECF460C6EE}" destId="{12349A56-4627-47C6-95E1-59A3763AA6E1}" srcOrd="0" destOrd="0" presId="urn:microsoft.com/office/officeart/2005/8/layout/list1"/>
+    <dgm:cxn modelId="{B6DE7BDF-0007-4DDE-B412-4B6F0561ED64}" type="presOf" srcId="{2511DA9D-D953-4E88-85D7-486DCAA95676}" destId="{1B03F452-E806-41D8-9F69-D88626BB3B32}" srcOrd="0" destOrd="0" presId="urn:microsoft.com/office/officeart/2005/8/layout/list1"/>
     <dgm:cxn modelId="{E9ECDBE4-4B3F-4965-BC46-77193A10C313}" type="presOf" srcId="{F15AB5BC-20EB-4896-ACF0-5A5E624E7B6C}" destId="{ED16CCA2-3479-4C2F-9EE1-3E315BF03D68}" srcOrd="0" destOrd="0" presId="urn:microsoft.com/office/officeart/2005/8/layout/list1"/>
-    <dgm:cxn modelId="{EADFDE52-5B58-4A6D-AB10-BDF6EB79B1DE}" type="presOf" srcId="{F3861C03-805D-46DF-A473-53653EFDEFAC}" destId="{F5161C34-E6C6-424C-AFB0-D1DCB70063F9}" srcOrd="0" destOrd="0" presId="urn:microsoft.com/office/officeart/2005/8/layout/list1"/>
-    <dgm:cxn modelId="{B939CA61-FB1E-4148-98F6-EABDDE961BD5}" srcId="{EDC7A38C-A6DB-4DC5-A689-39ECF460C6EE}" destId="{50966B18-8F4F-4052-89F9-B48790BD2367}" srcOrd="2" destOrd="0" parTransId="{C781F25A-CB4B-44C1-A33E-F87A8D09F246}" sibTransId="{5D4359EE-B0D4-4E7C-8140-B2A89C1D7FF5}"/>
-    <dgm:cxn modelId="{895819B1-9F28-4D90-ACDF-9FE810992A71}" srcId="{EDC7A38C-A6DB-4DC5-A689-39ECF460C6EE}" destId="{F3861C03-805D-46DF-A473-53653EFDEFAC}" srcOrd="0" destOrd="0" parTransId="{FDEF765C-797E-4575-A57A-62FC58C0DBBD}" sibTransId="{4B94263F-AE36-49BA-90BC-B9C0A3836F11}"/>
-    <dgm:cxn modelId="{8FC5C53C-E0D2-4D9E-921A-D5BAB0691AEA}" type="presOf" srcId="{F15AB5BC-20EB-4896-ACF0-5A5E624E7B6C}" destId="{2122FC3D-9D7C-4674-9A64-60A76FF473D7}" srcOrd="1" destOrd="0" presId="urn:microsoft.com/office/officeart/2005/8/layout/list1"/>
-    <dgm:cxn modelId="{E9E9A78E-3D06-4434-9596-2811CFE08B6F}" type="presOf" srcId="{4EF90078-E6E6-4945-AFF6-3CE122D73B62}" destId="{5C8FE5E1-884F-412E-A725-A291A47A8E59}" srcOrd="0" destOrd="0" presId="urn:microsoft.com/office/officeart/2005/8/layout/list1"/>
-    <dgm:cxn modelId="{491C81F4-6429-47C7-A66F-7BFF0E79B08D}" type="presOf" srcId="{4EF90078-E6E6-4945-AFF6-3CE122D73B62}" destId="{E2681A2F-F14D-4CA1-AED2-F51532E386C0}" srcOrd="1" destOrd="0" presId="urn:microsoft.com/office/officeart/2005/8/layout/list1"/>
     <dgm:cxn modelId="{ACA434B3-DE1A-47D9-A07E-3EE677AE4A87}" type="presOf" srcId="{F3861C03-805D-46DF-A473-53653EFDEFAC}" destId="{4BCFC962-7C53-4C3E-A79A-F8EA1F40FB77}" srcOrd="1" destOrd="0" presId="urn:microsoft.com/office/officeart/2005/8/layout/list1"/>
-    <dgm:cxn modelId="{62A679E3-6E81-49B3-9E2D-5E7AB7AFAAB0}" srcId="{EDC7A38C-A6DB-4DC5-A689-39ECF460C6EE}" destId="{F15AB5BC-20EB-4896-ACF0-5A5E624E7B6C}" srcOrd="1" destOrd="0" parTransId="{D72D90E7-2791-440A-BD7C-BF567269DBF7}" sibTransId="{491206DF-53A9-45C6-A28A-60F01CAC4067}"/>
-    <dgm:cxn modelId="{C012B5AC-4085-426B-BA31-5E62062BF963}" srcId="{EDC7A38C-A6DB-4DC5-A689-39ECF460C6EE}" destId="{4EF90078-E6E6-4945-AFF6-3CE122D73B62}" srcOrd="3" destOrd="0" parTransId="{09C9B5E1-25C3-4E5E-AD04-49DF3B553086}" sibTransId="{AE2A650F-D5C1-43DF-9F83-849BA50274C2}"/>
-    <dgm:cxn modelId="{75735154-E353-4CB6-A313-260C53D45645}" type="presOf" srcId="{50966B18-8F4F-4052-89F9-B48790BD2367}" destId="{7AA6AE93-8789-4D56-BCEC-D6B55D847325}" srcOrd="1" destOrd="0" presId="urn:microsoft.com/office/officeart/2005/8/layout/list1"/>
-    <dgm:cxn modelId="{B6DE7BDF-0007-4DDE-B412-4B6F0561ED64}" type="presOf" srcId="{2511DA9D-D953-4E88-85D7-486DCAA95676}" destId="{1B03F452-E806-41D8-9F69-D88626BB3B32}" srcOrd="0" destOrd="0" presId="urn:microsoft.com/office/officeart/2005/8/layout/list1"/>
-    <dgm:cxn modelId="{F872DC09-BB93-40DD-AC2E-02BB8F8E24F7}" type="presOf" srcId="{50966B18-8F4F-4052-89F9-B48790BD2367}" destId="{F8B1D1CA-F8B8-4CF2-850D-8A08A6D43348}" srcOrd="0" destOrd="0" presId="urn:microsoft.com/office/officeart/2005/8/layout/list1"/>
     <dgm:cxn modelId="{6A8FF732-B4B4-4D17-AEEF-1FC21937469E}" type="presOf" srcId="{2511DA9D-D953-4E88-85D7-486DCAA95676}" destId="{A2F44CA5-7572-4B10-8094-A7E02486FABF}" srcOrd="1" destOrd="0" presId="urn:microsoft.com/office/officeart/2005/8/layout/list1"/>
     <dgm:cxn modelId="{443A4200-1FAC-4F0C-AB59-DBDB9E58150F}" srcId="{EDC7A38C-A6DB-4DC5-A689-39ECF460C6EE}" destId="{2511DA9D-D953-4E88-85D7-486DCAA95676}" srcOrd="4" destOrd="0" parTransId="{FFC15986-DDEE-40E7-86E3-050BDF619BE7}" sibTransId="{87DF7139-E210-4101-AEDE-4DE92254736F}"/>
+    <dgm:cxn modelId="{C012B5AC-4085-426B-BA31-5E62062BF963}" srcId="{EDC7A38C-A6DB-4DC5-A689-39ECF460C6EE}" destId="{4EF90078-E6E6-4945-AFF6-3CE122D73B62}" srcOrd="3" destOrd="0" parTransId="{09C9B5E1-25C3-4E5E-AD04-49DF3B553086}" sibTransId="{AE2A650F-D5C1-43DF-9F83-849BA50274C2}"/>
+    <dgm:cxn modelId="{EADFDE52-5B58-4A6D-AB10-BDF6EB79B1DE}" type="presOf" srcId="{F3861C03-805D-46DF-A473-53653EFDEFAC}" destId="{F5161C34-E6C6-424C-AFB0-D1DCB70063F9}" srcOrd="0" destOrd="0" presId="urn:microsoft.com/office/officeart/2005/8/layout/list1"/>
     <dgm:cxn modelId="{A5C55C8A-FE5F-4D8D-9361-332699CFA204}" type="presParOf" srcId="{12349A56-4627-47C6-95E1-59A3763AA6E1}" destId="{4C00E976-8666-4597-95C1-88AFE21BB0A3}" srcOrd="0" destOrd="0" presId="urn:microsoft.com/office/officeart/2005/8/layout/list1"/>
     <dgm:cxn modelId="{AF596160-38EF-493E-AD36-5132F7C884BA}" type="presParOf" srcId="{4C00E976-8666-4597-95C1-88AFE21BB0A3}" destId="{F5161C34-E6C6-424C-AFB0-D1DCB70063F9}" srcOrd="0" destOrd="0" presId="urn:microsoft.com/office/officeart/2005/8/layout/list1"/>
     <dgm:cxn modelId="{2EC1E1E5-E010-4D2F-8E22-1F399244BCDA}" type="presParOf" srcId="{4C00E976-8666-4597-95C1-88AFE21BB0A3}" destId="{4BCFC962-7C53-4C3E-A79A-F8EA1F40FB77}" srcOrd="1" destOrd="0" presId="urn:microsoft.com/office/officeart/2005/8/layout/list1"/>
@@ -10878,7 +10878,7 @@
           <a:p>
             <a:fld id="{8CF011AB-31B9-4FEE-9201-64BC297EEACF}" type="datetimeFigureOut">
               <a:rPr lang="en-US" smtClean="0"/>
-              <a:t>4/29/2014</a:t>
+              <a:t>5/3/2014</a:t>
             </a:fld>
             <a:endParaRPr lang="en-US"/>
           </a:p>
@@ -11044,7 +11044,7 @@
           <a:p>
             <a:fld id="{EEB917EA-0A47-475B-9CE2-61BBD17C3321}" type="datetimeFigureOut">
               <a:rPr lang="en-US" smtClean="0"/>
-              <a:t>4/29/2014</a:t>
+              <a:t>5/3/2014</a:t>
             </a:fld>
             <a:endParaRPr lang="en-US"/>
           </a:p>
@@ -13591,7 +13591,7 @@
           <a:graphicData uri="http://schemas.openxmlformats.org/presentationml/2006/ole">
             <mc:AlternateContent xmlns:mc="http://schemas.openxmlformats.org/markup-compatibility/2006">
               <mc:Choice xmlns:v="urn:schemas-microsoft-com:vml" Requires="v">
-                <p:oleObj spid="_x0000_s2473" name="Image" r:id="rId15" imgW="6311111" imgH="1155148" progId="">
+                <p:oleObj spid="_x0000_s2475" name="Image" r:id="rId15" imgW="6311111" imgH="1155148" progId="">
                   <p:embed/>
                 </p:oleObj>
               </mc:Choice>
@@ -15082,23 +15082,7 @@
             </a:r>
             <a:r>
               <a:rPr lang="en-US" sz="2700" b="0" dirty="0" smtClean="0"/>
-              <a:t>: </a:t>
-            </a:r>
-            <a:r>
-              <a:rPr lang="en-US" sz="2700" b="0" dirty="0" smtClean="0"/>
-              <a:t>check </a:t>
-            </a:r>
-            <a:r>
-              <a:rPr lang="en-US" sz="2700" b="0" dirty="0" smtClean="0"/>
-              <a:t>if </a:t>
-            </a:r>
-            <a:r>
-              <a:rPr lang="en-US" sz="2700" b="0" dirty="0" smtClean="0"/>
-              <a:t>request </a:t>
-            </a:r>
-            <a:r>
-              <a:rPr lang="en-US" sz="2700" b="0" dirty="0" smtClean="0"/>
-              <a:t>can be delivered on </a:t>
+              <a:t>: check if request can be delivered on </a:t>
             </a:r>
             <a:r>
               <a:rPr lang="en-US" sz="2700" dirty="0" smtClean="0"/>
@@ -15106,11 +15090,7 @@
             </a:r>
             <a:r>
               <a:rPr lang="en-US" sz="2700" b="0" dirty="0" smtClean="0"/>
-              <a:t>starts </a:t>
-            </a:r>
-            <a:r>
-              <a:rPr lang="en-US" sz="2700" b="0" dirty="0" smtClean="0"/>
-              <a:t>at A and end at B.</a:t>
+              <a:t>starts at A and end at B.</a:t>
             </a:r>
           </a:p>
           <a:p>
@@ -15140,15 +15120,7 @@
             </a:r>
             <a:r>
               <a:rPr lang="en-US" sz="2700" b="0" dirty="0" smtClean="0"/>
-              <a:t>that</a:t>
-            </a:r>
-            <a:r>
-              <a:rPr lang="en-US" sz="2700" b="0" dirty="0" smtClean="0"/>
-              <a:t> starts/ends at stations </a:t>
-            </a:r>
-            <a:r>
-              <a:rPr lang="en-US" sz="2700" b="0" dirty="0" smtClean="0"/>
-              <a:t>of the found way.</a:t>
+              <a:t>that starts/ends at stations of the found way.</a:t>
             </a:r>
           </a:p>
           <a:p>
@@ -15166,19 +15138,11 @@
             </a:r>
             <a:r>
               <a:rPr lang="en-US" sz="2700" b="0" dirty="0"/>
-              <a:t>check if request </a:t>
-            </a:r>
-            <a:r>
-              <a:rPr lang="en-US" sz="2700" b="0" dirty="0"/>
-              <a:t>can be delivered by </a:t>
+              <a:t>check if request can be delivered by </a:t>
             </a:r>
             <a:r>
               <a:rPr lang="en-US" sz="2700" dirty="0" smtClean="0"/>
-              <a:t>multiple </a:t>
-            </a:r>
-            <a:r>
-              <a:rPr lang="en-US" sz="2700" dirty="0" smtClean="0"/>
-              <a:t>trips</a:t>
+              <a:t>multiple trips</a:t>
             </a:r>
             <a:r>
               <a:rPr lang="en-US" sz="2700" b="0" dirty="0" smtClean="0"/>
@@ -15186,11 +15150,7 @@
             </a:r>
             <a:r>
               <a:rPr lang="en-US" sz="2700" dirty="0" smtClean="0"/>
-              <a:t>transferred </a:t>
-            </a:r>
-            <a:r>
-              <a:rPr lang="en-US" sz="2700" dirty="0" smtClean="0"/>
-              <a:t>at middle of way</a:t>
+              <a:t>transferred at middle of way</a:t>
             </a:r>
             <a:r>
               <a:rPr lang="en-US" sz="2700" b="0" dirty="0" smtClean="0"/>
@@ -16959,15 +16919,7 @@
             </a:pPr>
             <a:r>
               <a:rPr lang="en-US" sz="3000" b="0" dirty="0" smtClean="0"/>
-              <a:t>For </a:t>
-            </a:r>
-            <a:r>
-              <a:rPr lang="en-US" sz="3000" b="0" dirty="0" smtClean="0"/>
-              <a:t>list of found solutions, sort them </a:t>
-            </a:r>
-            <a:r>
-              <a:rPr lang="en-US" sz="3000" b="0" dirty="0" smtClean="0"/>
-              <a:t>base on </a:t>
+              <a:t>For list of found solutions, sort them base on </a:t>
             </a:r>
             <a:r>
               <a:rPr lang="en-US" sz="3000" i="1" dirty="0" smtClean="0"/>
@@ -17244,25 +17196,16 @@
             </a:r>
             <a:r>
               <a:rPr lang="en-US" sz="2600" b="0" dirty="0" smtClean="0"/>
-              <a:t>so </a:t>
-            </a:r>
-            <a:r>
-              <a:rPr lang="en-US" sz="2600" b="0" dirty="0" smtClean="0"/>
-              <a:t>fast to find out </a:t>
+              <a:t>so fast to find out </a:t>
             </a:r>
             <a:r>
               <a:rPr lang="en-US" sz="2600" i="1" dirty="0" smtClean="0"/>
-              <a:t>local </a:t>
-            </a:r>
-            <a:r>
-              <a:rPr lang="en-US" sz="2600" i="1" dirty="0" smtClean="0"/>
-              <a:t>optimal </a:t>
+              <a:t>local optimal </a:t>
             </a:r>
             <a:r>
               <a:rPr lang="en-US" sz="2600" b="0" dirty="0" smtClean="0"/>
               <a:t>solution of given problem.</a:t>
             </a:r>
-            <a:endParaRPr lang="en-US" sz="2600" b="0" dirty="0" smtClean="0"/>
           </a:p>
           <a:p>
             <a:r>
@@ -17279,15 +17222,7 @@
             </a:r>
             <a:r>
               <a:rPr lang="en-US" sz="2600" b="0" dirty="0" smtClean="0"/>
-              <a:t>use for the </a:t>
-            </a:r>
-            <a:r>
-              <a:rPr lang="en-US" sz="2600" b="0" dirty="0" smtClean="0"/>
-              <a:t>one request </a:t>
-            </a:r>
-            <a:r>
-              <a:rPr lang="en-US" sz="2600" b="0" dirty="0" smtClean="0"/>
-              <a:t>is </a:t>
+              <a:t>use for the one request is </a:t>
             </a:r>
             <a:r>
               <a:rPr lang="en-US" sz="2600" i="1" dirty="0" smtClean="0"/>
@@ -18476,11 +18411,7 @@
             </a:pPr>
             <a:r>
               <a:rPr lang="en-US" b="0" dirty="0" smtClean="0"/>
-              <a:t>Easy </a:t>
-            </a:r>
-            <a:r>
-              <a:rPr lang="en-US" b="0" dirty="0" smtClean="0"/>
-              <a:t>to manage packages</a:t>
+              <a:t>Easy to manage packages</a:t>
             </a:r>
           </a:p>
           <a:p>
@@ -18490,11 +18421,7 @@
             </a:pPr>
             <a:r>
               <a:rPr lang="en-US" b="0" dirty="0" smtClean="0"/>
-              <a:t>Statistics on </a:t>
-            </a:r>
-            <a:r>
-              <a:rPr lang="en-US" b="0" dirty="0" smtClean="0"/>
-              <a:t>revenue</a:t>
+              <a:t>Statistics on revenue</a:t>
             </a:r>
           </a:p>
           <a:p>
@@ -20450,7 +20377,6 @@
               <a:rPr lang="en-US" sz="2000" b="1" dirty="0"/>
               <a:t>3</a:t>
             </a:r>
-            <a:endParaRPr lang="en-US" sz="2000" b="1" dirty="0"/>
           </a:p>
         </p:txBody>
       </p:sp>
@@ -22941,15 +22867,7 @@
                   <a:srgbClr val="0070C0"/>
                 </a:solidFill>
               </a:rPr>
-              <a:t> </a:t>
-            </a:r>
-            <a:r>
-              <a:rPr lang="en-US" sz="1600" dirty="0" smtClean="0">
-                <a:solidFill>
-                  <a:srgbClr val="0070C0"/>
-                </a:solidFill>
-              </a:rPr>
-              <a:t>information, request</a:t>
+              <a:t> information, request</a:t>
             </a:r>
             <a:endParaRPr lang="en-US" sz="1600" dirty="0">
               <a:solidFill>
@@ -23846,7 +23764,7 @@
                             </p:stCondLst>
                             <p:childTnLst>
                               <p:par>
-                                <p:cTn id="5" presetID="16" presetClass="entr" presetSubtype="21" fill="hold" nodeType="clickEffect">
+                                <p:cTn id="5" presetID="42" presetClass="entr" presetSubtype="0" fill="hold" nodeType="clickEffect">
                                   <p:stCondLst>
                                     <p:cond delay="0"/>
                                   </p:stCondLst>
@@ -23854,664 +23772,6 @@
                                     <p:set>
                                       <p:cBhvr>
                                         <p:cTn id="6" dur="1" fill="hold">
-                                          <p:stCondLst>
-                                            <p:cond delay="0"/>
-                                          </p:stCondLst>
-                                        </p:cTn>
-                                        <p:tgtEl>
-                                          <p:spTgt spid="3076"/>
-                                        </p:tgtEl>
-                                        <p:attrNameLst>
-                                          <p:attrName>style.visibility</p:attrName>
-                                        </p:attrNameLst>
-                                      </p:cBhvr>
-                                      <p:to>
-                                        <p:strVal val="visible"/>
-                                      </p:to>
-                                    </p:set>
-                                    <p:animEffect transition="in" filter="barn(inVertical)">
-                                      <p:cBhvr>
-                                        <p:cTn id="7" dur="500"/>
-                                        <p:tgtEl>
-                                          <p:spTgt spid="3076"/>
-                                        </p:tgtEl>
-                                      </p:cBhvr>
-                                    </p:animEffect>
-                                  </p:childTnLst>
-                                </p:cTn>
-                              </p:par>
-                              <p:par>
-                                <p:cTn id="8" presetID="16" presetClass="entr" presetSubtype="21" fill="hold" nodeType="withEffect">
-                                  <p:stCondLst>
-                                    <p:cond delay="0"/>
-                                  </p:stCondLst>
-                                  <p:childTnLst>
-                                    <p:set>
-                                      <p:cBhvr>
-                                        <p:cTn id="9" dur="1" fill="hold">
-                                          <p:stCondLst>
-                                            <p:cond delay="0"/>
-                                          </p:stCondLst>
-                                        </p:cTn>
-                                        <p:tgtEl>
-                                          <p:spTgt spid="3075"/>
-                                        </p:tgtEl>
-                                        <p:attrNameLst>
-                                          <p:attrName>style.visibility</p:attrName>
-                                        </p:attrNameLst>
-                                      </p:cBhvr>
-                                      <p:to>
-                                        <p:strVal val="visible"/>
-                                      </p:to>
-                                    </p:set>
-                                    <p:animEffect transition="in" filter="barn(inVertical)">
-                                      <p:cBhvr>
-                                        <p:cTn id="10" dur="500"/>
-                                        <p:tgtEl>
-                                          <p:spTgt spid="3075"/>
-                                        </p:tgtEl>
-                                      </p:cBhvr>
-                                    </p:animEffect>
-                                  </p:childTnLst>
-                                </p:cTn>
-                              </p:par>
-                            </p:childTnLst>
-                          </p:cTn>
-                        </p:par>
-                      </p:childTnLst>
-                    </p:cTn>
-                  </p:par>
-                  <p:par>
-                    <p:cTn id="11" fill="hold">
-                      <p:stCondLst>
-                        <p:cond delay="indefinite"/>
-                      </p:stCondLst>
-                      <p:childTnLst>
-                        <p:par>
-                          <p:cTn id="12" fill="hold">
-                            <p:stCondLst>
-                              <p:cond delay="0"/>
-                            </p:stCondLst>
-                            <p:childTnLst>
-                              <p:par>
-                                <p:cTn id="13" presetID="22" presetClass="entr" presetSubtype="4" fill="hold" grpId="0" nodeType="clickEffect">
-                                  <p:stCondLst>
-                                    <p:cond delay="0"/>
-                                  </p:stCondLst>
-                                  <p:childTnLst>
-                                    <p:set>
-                                      <p:cBhvr>
-                                        <p:cTn id="14" dur="1" fill="hold">
-                                          <p:stCondLst>
-                                            <p:cond delay="0"/>
-                                          </p:stCondLst>
-                                        </p:cTn>
-                                        <p:tgtEl>
-                                          <p:spTgt spid="23"/>
-                                        </p:tgtEl>
-                                        <p:attrNameLst>
-                                          <p:attrName>style.visibility</p:attrName>
-                                        </p:attrNameLst>
-                                      </p:cBhvr>
-                                      <p:to>
-                                        <p:strVal val="visible"/>
-                                      </p:to>
-                                    </p:set>
-                                    <p:animEffect transition="in" filter="wipe(down)">
-                                      <p:cBhvr>
-                                        <p:cTn id="15" dur="500"/>
-                                        <p:tgtEl>
-                                          <p:spTgt spid="23"/>
-                                        </p:tgtEl>
-                                      </p:cBhvr>
-                                    </p:animEffect>
-                                  </p:childTnLst>
-                                </p:cTn>
-                              </p:par>
-                              <p:par>
-                                <p:cTn id="16" presetID="22" presetClass="entr" presetSubtype="4" fill="hold" nodeType="withEffect">
-                                  <p:stCondLst>
-                                    <p:cond delay="0"/>
-                                  </p:stCondLst>
-                                  <p:childTnLst>
-                                    <p:set>
-                                      <p:cBhvr>
-                                        <p:cTn id="17" dur="1" fill="hold">
-                                          <p:stCondLst>
-                                            <p:cond delay="0"/>
-                                          </p:stCondLst>
-                                        </p:cTn>
-                                        <p:tgtEl>
-                                          <p:spTgt spid="26"/>
-                                        </p:tgtEl>
-                                        <p:attrNameLst>
-                                          <p:attrName>style.visibility</p:attrName>
-                                        </p:attrNameLst>
-                                      </p:cBhvr>
-                                      <p:to>
-                                        <p:strVal val="visible"/>
-                                      </p:to>
-                                    </p:set>
-                                    <p:animEffect transition="in" filter="wipe(down)">
-                                      <p:cBhvr>
-                                        <p:cTn id="18" dur="500"/>
-                                        <p:tgtEl>
-                                          <p:spTgt spid="26"/>
-                                        </p:tgtEl>
-                                      </p:cBhvr>
-                                    </p:animEffect>
-                                  </p:childTnLst>
-                                </p:cTn>
-                              </p:par>
-                              <p:par>
-                                <p:cTn id="19" presetID="22" presetClass="entr" presetSubtype="4" fill="hold" nodeType="withEffect">
-                                  <p:stCondLst>
-                                    <p:cond delay="0"/>
-                                  </p:stCondLst>
-                                  <p:childTnLst>
-                                    <p:set>
-                                      <p:cBhvr>
-                                        <p:cTn id="20" dur="1" fill="hold">
-                                          <p:stCondLst>
-                                            <p:cond delay="0"/>
-                                          </p:stCondLst>
-                                        </p:cTn>
-                                        <p:tgtEl>
-                                          <p:spTgt spid="63"/>
-                                        </p:tgtEl>
-                                        <p:attrNameLst>
-                                          <p:attrName>style.visibility</p:attrName>
-                                        </p:attrNameLst>
-                                      </p:cBhvr>
-                                      <p:to>
-                                        <p:strVal val="visible"/>
-                                      </p:to>
-                                    </p:set>
-                                    <p:animEffect transition="in" filter="wipe(down)">
-                                      <p:cBhvr>
-                                        <p:cTn id="21" dur="500"/>
-                                        <p:tgtEl>
-                                          <p:spTgt spid="63"/>
-                                        </p:tgtEl>
-                                      </p:cBhvr>
-                                    </p:animEffect>
-                                  </p:childTnLst>
-                                </p:cTn>
-                              </p:par>
-                              <p:par>
-                                <p:cTn id="22" presetID="22" presetClass="entr" presetSubtype="4" fill="hold" grpId="0" nodeType="withEffect">
-                                  <p:stCondLst>
-                                    <p:cond delay="0"/>
-                                  </p:stCondLst>
-                                  <p:childTnLst>
-                                    <p:set>
-                                      <p:cBhvr>
-                                        <p:cTn id="23" dur="1" fill="hold">
-                                          <p:stCondLst>
-                                            <p:cond delay="0"/>
-                                          </p:stCondLst>
-                                        </p:cTn>
-                                        <p:tgtEl>
-                                          <p:spTgt spid="69"/>
-                                        </p:tgtEl>
-                                        <p:attrNameLst>
-                                          <p:attrName>style.visibility</p:attrName>
-                                        </p:attrNameLst>
-                                      </p:cBhvr>
-                                      <p:to>
-                                        <p:strVal val="visible"/>
-                                      </p:to>
-                                    </p:set>
-                                    <p:animEffect transition="in" filter="wipe(down)">
-                                      <p:cBhvr>
-                                        <p:cTn id="24" dur="500"/>
-                                        <p:tgtEl>
-                                          <p:spTgt spid="69"/>
-                                        </p:tgtEl>
-                                      </p:cBhvr>
-                                    </p:animEffect>
-                                  </p:childTnLst>
-                                </p:cTn>
-                              </p:par>
-                            </p:childTnLst>
-                          </p:cTn>
-                        </p:par>
-                      </p:childTnLst>
-                    </p:cTn>
-                  </p:par>
-                  <p:par>
-                    <p:cTn id="25" fill="hold">
-                      <p:stCondLst>
-                        <p:cond delay="indefinite"/>
-                      </p:stCondLst>
-                      <p:childTnLst>
-                        <p:par>
-                          <p:cTn id="26" fill="hold">
-                            <p:stCondLst>
-                              <p:cond delay="0"/>
-                            </p:stCondLst>
-                            <p:childTnLst>
-                              <p:par>
-                                <p:cTn id="27" presetID="16" presetClass="entr" presetSubtype="21" fill="hold" nodeType="clickEffect">
-                                  <p:stCondLst>
-                                    <p:cond delay="0"/>
-                                  </p:stCondLst>
-                                  <p:childTnLst>
-                                    <p:set>
-                                      <p:cBhvr>
-                                        <p:cTn id="28" dur="1" fill="hold">
-                                          <p:stCondLst>
-                                            <p:cond delay="0"/>
-                                          </p:stCondLst>
-                                        </p:cTn>
-                                        <p:tgtEl>
-                                          <p:spTgt spid="43"/>
-                                        </p:tgtEl>
-                                        <p:attrNameLst>
-                                          <p:attrName>style.visibility</p:attrName>
-                                        </p:attrNameLst>
-                                      </p:cBhvr>
-                                      <p:to>
-                                        <p:strVal val="visible"/>
-                                      </p:to>
-                                    </p:set>
-                                    <p:animEffect transition="in" filter="barn(inVertical)">
-                                      <p:cBhvr>
-                                        <p:cTn id="29" dur="500"/>
-                                        <p:tgtEl>
-                                          <p:spTgt spid="43"/>
-                                        </p:tgtEl>
-                                      </p:cBhvr>
-                                    </p:animEffect>
-                                  </p:childTnLst>
-                                </p:cTn>
-                              </p:par>
-                              <p:par>
-                                <p:cTn id="30" presetID="16" presetClass="entr" presetSubtype="21" fill="hold" grpId="0" nodeType="withEffect">
-                                  <p:stCondLst>
-                                    <p:cond delay="0"/>
-                                  </p:stCondLst>
-                                  <p:childTnLst>
-                                    <p:set>
-                                      <p:cBhvr>
-                                        <p:cTn id="31" dur="1" fill="hold">
-                                          <p:stCondLst>
-                                            <p:cond delay="0"/>
-                                          </p:stCondLst>
-                                        </p:cTn>
-                                        <p:tgtEl>
-                                          <p:spTgt spid="36"/>
-                                        </p:tgtEl>
-                                        <p:attrNameLst>
-                                          <p:attrName>style.visibility</p:attrName>
-                                        </p:attrNameLst>
-                                      </p:cBhvr>
-                                      <p:to>
-                                        <p:strVal val="visible"/>
-                                      </p:to>
-                                    </p:set>
-                                    <p:animEffect transition="in" filter="barn(inVertical)">
-                                      <p:cBhvr>
-                                        <p:cTn id="32" dur="500"/>
-                                        <p:tgtEl>
-                                          <p:spTgt spid="36"/>
-                                        </p:tgtEl>
-                                      </p:cBhvr>
-                                    </p:animEffect>
-                                  </p:childTnLst>
-                                </p:cTn>
-                              </p:par>
-                              <p:par>
-                                <p:cTn id="33" presetID="16" presetClass="entr" presetSubtype="21" fill="hold" nodeType="withEffect">
-                                  <p:stCondLst>
-                                    <p:cond delay="0"/>
-                                  </p:stCondLst>
-                                  <p:childTnLst>
-                                    <p:set>
-                                      <p:cBhvr>
-                                        <p:cTn id="34" dur="1" fill="hold">
-                                          <p:stCondLst>
-                                            <p:cond delay="0"/>
-                                          </p:stCondLst>
-                                        </p:cTn>
-                                        <p:tgtEl>
-                                          <p:spTgt spid="5122"/>
-                                        </p:tgtEl>
-                                        <p:attrNameLst>
-                                          <p:attrName>style.visibility</p:attrName>
-                                        </p:attrNameLst>
-                                      </p:cBhvr>
-                                      <p:to>
-                                        <p:strVal val="visible"/>
-                                      </p:to>
-                                    </p:set>
-                                    <p:animEffect transition="in" filter="barn(inVertical)">
-                                      <p:cBhvr>
-                                        <p:cTn id="35" dur="500"/>
-                                        <p:tgtEl>
-                                          <p:spTgt spid="5122"/>
-                                        </p:tgtEl>
-                                      </p:cBhvr>
-                                    </p:animEffect>
-                                  </p:childTnLst>
-                                </p:cTn>
-                              </p:par>
-                              <p:par>
-                                <p:cTn id="36" presetID="16" presetClass="entr" presetSubtype="21" fill="hold" nodeType="withEffect">
-                                  <p:stCondLst>
-                                    <p:cond delay="0"/>
-                                  </p:stCondLst>
-                                  <p:childTnLst>
-                                    <p:set>
-                                      <p:cBhvr>
-                                        <p:cTn id="37" dur="1" fill="hold">
-                                          <p:stCondLst>
-                                            <p:cond delay="0"/>
-                                          </p:stCondLst>
-                                        </p:cTn>
-                                        <p:tgtEl>
-                                          <p:spTgt spid="54"/>
-                                        </p:tgtEl>
-                                        <p:attrNameLst>
-                                          <p:attrName>style.visibility</p:attrName>
-                                        </p:attrNameLst>
-                                      </p:cBhvr>
-                                      <p:to>
-                                        <p:strVal val="visible"/>
-                                      </p:to>
-                                    </p:set>
-                                    <p:animEffect transition="in" filter="barn(inVertical)">
-                                      <p:cBhvr>
-                                        <p:cTn id="38" dur="500"/>
-                                        <p:tgtEl>
-                                          <p:spTgt spid="54"/>
-                                        </p:tgtEl>
-                                      </p:cBhvr>
-                                    </p:animEffect>
-                                  </p:childTnLst>
-                                </p:cTn>
-                              </p:par>
-                              <p:par>
-                                <p:cTn id="39" presetID="16" presetClass="entr" presetSubtype="21" fill="hold" grpId="0" nodeType="withEffect">
-                                  <p:stCondLst>
-                                    <p:cond delay="0"/>
-                                  </p:stCondLst>
-                                  <p:childTnLst>
-                                    <p:set>
-                                      <p:cBhvr>
-                                        <p:cTn id="40" dur="1" fill="hold">
-                                          <p:stCondLst>
-                                            <p:cond delay="0"/>
-                                          </p:stCondLst>
-                                        </p:cTn>
-                                        <p:tgtEl>
-                                          <p:spTgt spid="62"/>
-                                        </p:tgtEl>
-                                        <p:attrNameLst>
-                                          <p:attrName>style.visibility</p:attrName>
-                                        </p:attrNameLst>
-                                      </p:cBhvr>
-                                      <p:to>
-                                        <p:strVal val="visible"/>
-                                      </p:to>
-                                    </p:set>
-                                    <p:animEffect transition="in" filter="barn(inVertical)">
-                                      <p:cBhvr>
-                                        <p:cTn id="41" dur="500"/>
-                                        <p:tgtEl>
-                                          <p:spTgt spid="62"/>
-                                        </p:tgtEl>
-                                      </p:cBhvr>
-                                    </p:animEffect>
-                                  </p:childTnLst>
-                                </p:cTn>
-                              </p:par>
-                            </p:childTnLst>
-                          </p:cTn>
-                        </p:par>
-                      </p:childTnLst>
-                    </p:cTn>
-                  </p:par>
-                  <p:par>
-                    <p:cTn id="42" fill="hold">
-                      <p:stCondLst>
-                        <p:cond delay="indefinite"/>
-                      </p:stCondLst>
-                      <p:childTnLst>
-                        <p:par>
-                          <p:cTn id="43" fill="hold">
-                            <p:stCondLst>
-                              <p:cond delay="0"/>
-                            </p:stCondLst>
-                            <p:childTnLst>
-                              <p:par>
-                                <p:cTn id="44" presetID="16" presetClass="entr" presetSubtype="21" fill="hold" nodeType="clickEffect">
-                                  <p:stCondLst>
-                                    <p:cond delay="0"/>
-                                  </p:stCondLst>
-                                  <p:childTnLst>
-                                    <p:set>
-                                      <p:cBhvr>
-                                        <p:cTn id="45" dur="1" fill="hold">
-                                          <p:stCondLst>
-                                            <p:cond delay="0"/>
-                                          </p:stCondLst>
-                                        </p:cTn>
-                                        <p:tgtEl>
-                                          <p:spTgt spid="3078"/>
-                                        </p:tgtEl>
-                                        <p:attrNameLst>
-                                          <p:attrName>style.visibility</p:attrName>
-                                        </p:attrNameLst>
-                                      </p:cBhvr>
-                                      <p:to>
-                                        <p:strVal val="visible"/>
-                                      </p:to>
-                                    </p:set>
-                                    <p:animEffect transition="in" filter="barn(inVertical)">
-                                      <p:cBhvr>
-                                        <p:cTn id="46" dur="500"/>
-                                        <p:tgtEl>
-                                          <p:spTgt spid="3078"/>
-                                        </p:tgtEl>
-                                      </p:cBhvr>
-                                    </p:animEffect>
-                                  </p:childTnLst>
-                                </p:cTn>
-                              </p:par>
-                            </p:childTnLst>
-                          </p:cTn>
-                        </p:par>
-                      </p:childTnLst>
-                    </p:cTn>
-                  </p:par>
-                  <p:par>
-                    <p:cTn id="47" fill="hold">
-                      <p:stCondLst>
-                        <p:cond delay="indefinite"/>
-                      </p:stCondLst>
-                      <p:childTnLst>
-                        <p:par>
-                          <p:cTn id="48" fill="hold">
-                            <p:stCondLst>
-                              <p:cond delay="0"/>
-                            </p:stCondLst>
-                            <p:childTnLst>
-                              <p:par>
-                                <p:cTn id="49" presetID="22" presetClass="entr" presetSubtype="4" fill="hold" nodeType="clickEffect">
-                                  <p:stCondLst>
-                                    <p:cond delay="0"/>
-                                  </p:stCondLst>
-                                  <p:childTnLst>
-                                    <p:set>
-                                      <p:cBhvr>
-                                        <p:cTn id="50" dur="1" fill="hold">
-                                          <p:stCondLst>
-                                            <p:cond delay="0"/>
-                                          </p:stCondLst>
-                                        </p:cTn>
-                                        <p:tgtEl>
-                                          <p:spTgt spid="12"/>
-                                        </p:tgtEl>
-                                        <p:attrNameLst>
-                                          <p:attrName>style.visibility</p:attrName>
-                                        </p:attrNameLst>
-                                      </p:cBhvr>
-                                      <p:to>
-                                        <p:strVal val="visible"/>
-                                      </p:to>
-                                    </p:set>
-                                    <p:animEffect transition="in" filter="wipe(down)">
-                                      <p:cBhvr>
-                                        <p:cTn id="51" dur="500"/>
-                                        <p:tgtEl>
-                                          <p:spTgt spid="12"/>
-                                        </p:tgtEl>
-                                      </p:cBhvr>
-                                    </p:animEffect>
-                                  </p:childTnLst>
-                                </p:cTn>
-                              </p:par>
-                              <p:par>
-                                <p:cTn id="52" presetID="22" presetClass="entr" presetSubtype="4" fill="hold" nodeType="withEffect">
-                                  <p:stCondLst>
-                                    <p:cond delay="0"/>
-                                  </p:stCondLst>
-                                  <p:childTnLst>
-                                    <p:set>
-                                      <p:cBhvr>
-                                        <p:cTn id="53" dur="1" fill="hold">
-                                          <p:stCondLst>
-                                            <p:cond delay="0"/>
-                                          </p:stCondLst>
-                                        </p:cTn>
-                                        <p:tgtEl>
-                                          <p:spTgt spid="31"/>
-                                        </p:tgtEl>
-                                        <p:attrNameLst>
-                                          <p:attrName>style.visibility</p:attrName>
-                                        </p:attrNameLst>
-                                      </p:cBhvr>
-                                      <p:to>
-                                        <p:strVal val="visible"/>
-                                      </p:to>
-                                    </p:set>
-                                    <p:animEffect transition="in" filter="wipe(down)">
-                                      <p:cBhvr>
-                                        <p:cTn id="54" dur="500"/>
-                                        <p:tgtEl>
-                                          <p:spTgt spid="31"/>
-                                        </p:tgtEl>
-                                      </p:cBhvr>
-                                    </p:animEffect>
-                                  </p:childTnLst>
-                                </p:cTn>
-                              </p:par>
-                              <p:par>
-                                <p:cTn id="55" presetID="22" presetClass="entr" presetSubtype="4" fill="hold" grpId="0" nodeType="withEffect">
-                                  <p:stCondLst>
-                                    <p:cond delay="0"/>
-                                  </p:stCondLst>
-                                  <p:childTnLst>
-                                    <p:set>
-                                      <p:cBhvr>
-                                        <p:cTn id="56" dur="1" fill="hold">
-                                          <p:stCondLst>
-                                            <p:cond delay="0"/>
-                                          </p:stCondLst>
-                                        </p:cTn>
-                                        <p:tgtEl>
-                                          <p:spTgt spid="14"/>
-                                        </p:tgtEl>
-                                        <p:attrNameLst>
-                                          <p:attrName>style.visibility</p:attrName>
-                                        </p:attrNameLst>
-                                      </p:cBhvr>
-                                      <p:to>
-                                        <p:strVal val="visible"/>
-                                      </p:to>
-                                    </p:set>
-                                    <p:animEffect transition="in" filter="wipe(down)">
-                                      <p:cBhvr>
-                                        <p:cTn id="57" dur="500"/>
-                                        <p:tgtEl>
-                                          <p:spTgt spid="14"/>
-                                        </p:tgtEl>
-                                      </p:cBhvr>
-                                    </p:animEffect>
-                                  </p:childTnLst>
-                                </p:cTn>
-                              </p:par>
-                              <p:par>
-                                <p:cTn id="58" presetID="22" presetClass="entr" presetSubtype="4" fill="hold" grpId="0" nodeType="withEffect">
-                                  <p:stCondLst>
-                                    <p:cond delay="0"/>
-                                  </p:stCondLst>
-                                  <p:childTnLst>
-                                    <p:set>
-                                      <p:cBhvr>
-                                        <p:cTn id="59" dur="1" fill="hold">
-                                          <p:stCondLst>
-                                            <p:cond delay="0"/>
-                                          </p:stCondLst>
-                                        </p:cTn>
-                                        <p:tgtEl>
-                                          <p:spTgt spid="57">
-                                            <p:txEl>
-                                              <p:pRg st="0" end="0"/>
-                                            </p:txEl>
-                                          </p:spTgt>
-                                        </p:tgtEl>
-                                        <p:attrNameLst>
-                                          <p:attrName>style.visibility</p:attrName>
-                                        </p:attrNameLst>
-                                      </p:cBhvr>
-                                      <p:to>
-                                        <p:strVal val="visible"/>
-                                      </p:to>
-                                    </p:set>
-                                    <p:animEffect transition="in" filter="wipe(down)">
-                                      <p:cBhvr>
-                                        <p:cTn id="60" dur="500"/>
-                                        <p:tgtEl>
-                                          <p:spTgt spid="57">
-                                            <p:txEl>
-                                              <p:pRg st="0" end="0"/>
-                                            </p:txEl>
-                                          </p:spTgt>
-                                        </p:tgtEl>
-                                      </p:cBhvr>
-                                    </p:animEffect>
-                                  </p:childTnLst>
-                                </p:cTn>
-                              </p:par>
-                            </p:childTnLst>
-                          </p:cTn>
-                        </p:par>
-                      </p:childTnLst>
-                    </p:cTn>
-                  </p:par>
-                  <p:par>
-                    <p:cTn id="61" fill="hold">
-                      <p:stCondLst>
-                        <p:cond delay="indefinite"/>
-                      </p:stCondLst>
-                      <p:childTnLst>
-                        <p:par>
-                          <p:cTn id="62" fill="hold">
-                            <p:stCondLst>
-                              <p:cond delay="0"/>
-                            </p:stCondLst>
-                            <p:childTnLst>
-                              <p:par>
-                                <p:cTn id="63" presetID="42" presetClass="entr" presetSubtype="0" fill="hold" nodeType="clickEffect">
-                                  <p:stCondLst>
-                                    <p:cond delay="0"/>
-                                  </p:stCondLst>
-                                  <p:childTnLst>
-                                    <p:set>
-                                      <p:cBhvr>
-                                        <p:cTn id="64" dur="1" fill="hold">
                                           <p:stCondLst>
                                             <p:cond delay="0"/>
                                           </p:stCondLst>
@@ -24529,7 +23789,7 @@
                                     </p:set>
                                     <p:animEffect transition="in" filter="fade">
                                       <p:cBhvr>
-                                        <p:cTn id="65" dur="1000"/>
+                                        <p:cTn id="7" dur="1000"/>
                                         <p:tgtEl>
                                           <p:spTgt spid="3077"/>
                                         </p:tgtEl>
@@ -24537,7 +23797,7 @@
                                     </p:animEffect>
                                     <p:anim calcmode="lin" valueType="num">
                                       <p:cBhvr>
-                                        <p:cTn id="66" dur="1000" fill="hold"/>
+                                        <p:cTn id="8" dur="1000" fill="hold"/>
                                         <p:tgtEl>
                                           <p:spTgt spid="3077"/>
                                         </p:tgtEl>
@@ -24560,7 +23820,7 @@
                                     </p:anim>
                                     <p:anim calcmode="lin" valueType="num">
                                       <p:cBhvr>
-                                        <p:cTn id="67" dur="1000" fill="hold"/>
+                                        <p:cTn id="9" dur="1000" fill="hold"/>
                                         <p:tgtEl>
                                           <p:spTgt spid="3077"/>
                                         </p:tgtEl>
@@ -24591,26 +23851,26 @@
                     </p:cTn>
                   </p:par>
                   <p:par>
-                    <p:cTn id="68" fill="hold">
+                    <p:cTn id="10" fill="hold">
                       <p:stCondLst>
                         <p:cond delay="indefinite"/>
                       </p:stCondLst>
                       <p:childTnLst>
                         <p:par>
-                          <p:cTn id="69" fill="hold">
+                          <p:cTn id="11" fill="hold">
                             <p:stCondLst>
                               <p:cond delay="0"/>
                             </p:stCondLst>
                             <p:childTnLst>
                               <p:par>
-                                <p:cTn id="70" presetID="22" presetClass="entr" presetSubtype="4" fill="hold" nodeType="clickEffect">
+                                <p:cTn id="12" presetID="22" presetClass="entr" presetSubtype="4" fill="hold" nodeType="clickEffect">
                                   <p:stCondLst>
                                     <p:cond delay="0"/>
                                   </p:stCondLst>
                                   <p:childTnLst>
                                     <p:set>
                                       <p:cBhvr>
-                                        <p:cTn id="71" dur="1" fill="hold">
+                                        <p:cTn id="13" dur="1" fill="hold">
                                           <p:stCondLst>
                                             <p:cond delay="0"/>
                                           </p:stCondLst>
@@ -24628,9 +23888,659 @@
                                     </p:set>
                                     <p:animEffect transition="in" filter="wipe(down)">
                                       <p:cBhvr>
+                                        <p:cTn id="14" dur="500"/>
+                                        <p:tgtEl>
+                                          <p:spTgt spid="38"/>
+                                        </p:tgtEl>
+                                      </p:cBhvr>
+                                    </p:animEffect>
+                                  </p:childTnLst>
+                                </p:cTn>
+                              </p:par>
+                              <p:par>
+                                <p:cTn id="15" presetID="22" presetClass="entr" presetSubtype="4" fill="hold" grpId="0" nodeType="withEffect">
+                                  <p:stCondLst>
+                                    <p:cond delay="0"/>
+                                  </p:stCondLst>
+                                  <p:childTnLst>
+                                    <p:set>
+                                      <p:cBhvr>
+                                        <p:cTn id="16" dur="1" fill="hold">
+                                          <p:stCondLst>
+                                            <p:cond delay="0"/>
+                                          </p:stCondLst>
+                                        </p:cTn>
+                                        <p:tgtEl>
+                                          <p:spTgt spid="39"/>
+                                        </p:tgtEl>
+                                        <p:attrNameLst>
+                                          <p:attrName>style.visibility</p:attrName>
+                                        </p:attrNameLst>
+                                      </p:cBhvr>
+                                      <p:to>
+                                        <p:strVal val="visible"/>
+                                      </p:to>
+                                    </p:set>
+                                    <p:animEffect transition="in" filter="wipe(down)">
+                                      <p:cBhvr>
+                                        <p:cTn id="17" dur="500"/>
+                                        <p:tgtEl>
+                                          <p:spTgt spid="39"/>
+                                        </p:tgtEl>
+                                      </p:cBhvr>
+                                    </p:animEffect>
+                                  </p:childTnLst>
+                                </p:cTn>
+                              </p:par>
+                              <p:par>
+                                <p:cTn id="18" presetID="22" presetClass="entr" presetSubtype="4" fill="hold" nodeType="withEffect">
+                                  <p:stCondLst>
+                                    <p:cond delay="0"/>
+                                  </p:stCondLst>
+                                  <p:childTnLst>
+                                    <p:set>
+                                      <p:cBhvr>
+                                        <p:cTn id="19" dur="1" fill="hold">
+                                          <p:stCondLst>
+                                            <p:cond delay="0"/>
+                                          </p:stCondLst>
+                                        </p:cTn>
+                                        <p:tgtEl>
+                                          <p:spTgt spid="48"/>
+                                        </p:tgtEl>
+                                        <p:attrNameLst>
+                                          <p:attrName>style.visibility</p:attrName>
+                                        </p:attrNameLst>
+                                      </p:cBhvr>
+                                      <p:to>
+                                        <p:strVal val="visible"/>
+                                      </p:to>
+                                    </p:set>
+                                    <p:animEffect transition="in" filter="wipe(down)">
+                                      <p:cBhvr>
+                                        <p:cTn id="20" dur="500"/>
+                                        <p:tgtEl>
+                                          <p:spTgt spid="48"/>
+                                        </p:tgtEl>
+                                      </p:cBhvr>
+                                    </p:animEffect>
+                                  </p:childTnLst>
+                                </p:cTn>
+                              </p:par>
+                            </p:childTnLst>
+                          </p:cTn>
+                        </p:par>
+                      </p:childTnLst>
+                    </p:cTn>
+                  </p:par>
+                  <p:par>
+                    <p:cTn id="21" fill="hold">
+                      <p:stCondLst>
+                        <p:cond delay="indefinite"/>
+                      </p:stCondLst>
+                      <p:childTnLst>
+                        <p:par>
+                          <p:cTn id="22" fill="hold">
+                            <p:stCondLst>
+                              <p:cond delay="0"/>
+                            </p:stCondLst>
+                            <p:childTnLst>
+                              <p:par>
+                                <p:cTn id="23" presetID="16" presetClass="entr" presetSubtype="21" fill="hold" nodeType="clickEffect">
+                                  <p:stCondLst>
+                                    <p:cond delay="0"/>
+                                  </p:stCondLst>
+                                  <p:childTnLst>
+                                    <p:set>
+                                      <p:cBhvr>
+                                        <p:cTn id="24" dur="1" fill="hold">
+                                          <p:stCondLst>
+                                            <p:cond delay="0"/>
+                                          </p:stCondLst>
+                                        </p:cTn>
+                                        <p:tgtEl>
+                                          <p:spTgt spid="3076"/>
+                                        </p:tgtEl>
+                                        <p:attrNameLst>
+                                          <p:attrName>style.visibility</p:attrName>
+                                        </p:attrNameLst>
+                                      </p:cBhvr>
+                                      <p:to>
+                                        <p:strVal val="visible"/>
+                                      </p:to>
+                                    </p:set>
+                                    <p:animEffect transition="in" filter="barn(inVertical)">
+                                      <p:cBhvr>
+                                        <p:cTn id="25" dur="500"/>
+                                        <p:tgtEl>
+                                          <p:spTgt spid="3076"/>
+                                        </p:tgtEl>
+                                      </p:cBhvr>
+                                    </p:animEffect>
+                                  </p:childTnLst>
+                                </p:cTn>
+                              </p:par>
+                              <p:par>
+                                <p:cTn id="26" presetID="16" presetClass="entr" presetSubtype="21" fill="hold" nodeType="withEffect">
+                                  <p:stCondLst>
+                                    <p:cond delay="0"/>
+                                  </p:stCondLst>
+                                  <p:childTnLst>
+                                    <p:set>
+                                      <p:cBhvr>
+                                        <p:cTn id="27" dur="1" fill="hold">
+                                          <p:stCondLst>
+                                            <p:cond delay="0"/>
+                                          </p:stCondLst>
+                                        </p:cTn>
+                                        <p:tgtEl>
+                                          <p:spTgt spid="3075"/>
+                                        </p:tgtEl>
+                                        <p:attrNameLst>
+                                          <p:attrName>style.visibility</p:attrName>
+                                        </p:attrNameLst>
+                                      </p:cBhvr>
+                                      <p:to>
+                                        <p:strVal val="visible"/>
+                                      </p:to>
+                                    </p:set>
+                                    <p:animEffect transition="in" filter="barn(inVertical)">
+                                      <p:cBhvr>
+                                        <p:cTn id="28" dur="500"/>
+                                        <p:tgtEl>
+                                          <p:spTgt spid="3075"/>
+                                        </p:tgtEl>
+                                      </p:cBhvr>
+                                    </p:animEffect>
+                                  </p:childTnLst>
+                                </p:cTn>
+                              </p:par>
+                            </p:childTnLst>
+                          </p:cTn>
+                        </p:par>
+                      </p:childTnLst>
+                    </p:cTn>
+                  </p:par>
+                  <p:par>
+                    <p:cTn id="29" fill="hold">
+                      <p:stCondLst>
+                        <p:cond delay="indefinite"/>
+                      </p:stCondLst>
+                      <p:childTnLst>
+                        <p:par>
+                          <p:cTn id="30" fill="hold">
+                            <p:stCondLst>
+                              <p:cond delay="0"/>
+                            </p:stCondLst>
+                            <p:childTnLst>
+                              <p:par>
+                                <p:cTn id="31" presetID="22" presetClass="entr" presetSubtype="4" fill="hold" grpId="0" nodeType="clickEffect">
+                                  <p:stCondLst>
+                                    <p:cond delay="0"/>
+                                  </p:stCondLst>
+                                  <p:childTnLst>
+                                    <p:set>
+                                      <p:cBhvr>
+                                        <p:cTn id="32" dur="1" fill="hold">
+                                          <p:stCondLst>
+                                            <p:cond delay="0"/>
+                                          </p:stCondLst>
+                                        </p:cTn>
+                                        <p:tgtEl>
+                                          <p:spTgt spid="23"/>
+                                        </p:tgtEl>
+                                        <p:attrNameLst>
+                                          <p:attrName>style.visibility</p:attrName>
+                                        </p:attrNameLst>
+                                      </p:cBhvr>
+                                      <p:to>
+                                        <p:strVal val="visible"/>
+                                      </p:to>
+                                    </p:set>
+                                    <p:animEffect transition="in" filter="wipe(down)">
+                                      <p:cBhvr>
+                                        <p:cTn id="33" dur="500"/>
+                                        <p:tgtEl>
+                                          <p:spTgt spid="23"/>
+                                        </p:tgtEl>
+                                      </p:cBhvr>
+                                    </p:animEffect>
+                                  </p:childTnLst>
+                                </p:cTn>
+                              </p:par>
+                              <p:par>
+                                <p:cTn id="34" presetID="22" presetClass="entr" presetSubtype="4" fill="hold" nodeType="withEffect">
+                                  <p:stCondLst>
+                                    <p:cond delay="0"/>
+                                  </p:stCondLst>
+                                  <p:childTnLst>
+                                    <p:set>
+                                      <p:cBhvr>
+                                        <p:cTn id="35" dur="1" fill="hold">
+                                          <p:stCondLst>
+                                            <p:cond delay="0"/>
+                                          </p:stCondLst>
+                                        </p:cTn>
+                                        <p:tgtEl>
+                                          <p:spTgt spid="26"/>
+                                        </p:tgtEl>
+                                        <p:attrNameLst>
+                                          <p:attrName>style.visibility</p:attrName>
+                                        </p:attrNameLst>
+                                      </p:cBhvr>
+                                      <p:to>
+                                        <p:strVal val="visible"/>
+                                      </p:to>
+                                    </p:set>
+                                    <p:animEffect transition="in" filter="wipe(down)">
+                                      <p:cBhvr>
+                                        <p:cTn id="36" dur="500"/>
+                                        <p:tgtEl>
+                                          <p:spTgt spid="26"/>
+                                        </p:tgtEl>
+                                      </p:cBhvr>
+                                    </p:animEffect>
+                                  </p:childTnLst>
+                                </p:cTn>
+                              </p:par>
+                              <p:par>
+                                <p:cTn id="37" presetID="22" presetClass="entr" presetSubtype="4" fill="hold" nodeType="withEffect">
+                                  <p:stCondLst>
+                                    <p:cond delay="0"/>
+                                  </p:stCondLst>
+                                  <p:childTnLst>
+                                    <p:set>
+                                      <p:cBhvr>
+                                        <p:cTn id="38" dur="1" fill="hold">
+                                          <p:stCondLst>
+                                            <p:cond delay="0"/>
+                                          </p:stCondLst>
+                                        </p:cTn>
+                                        <p:tgtEl>
+                                          <p:spTgt spid="63"/>
+                                        </p:tgtEl>
+                                        <p:attrNameLst>
+                                          <p:attrName>style.visibility</p:attrName>
+                                        </p:attrNameLst>
+                                      </p:cBhvr>
+                                      <p:to>
+                                        <p:strVal val="visible"/>
+                                      </p:to>
+                                    </p:set>
+                                    <p:animEffect transition="in" filter="wipe(down)">
+                                      <p:cBhvr>
+                                        <p:cTn id="39" dur="500"/>
+                                        <p:tgtEl>
+                                          <p:spTgt spid="63"/>
+                                        </p:tgtEl>
+                                      </p:cBhvr>
+                                    </p:animEffect>
+                                  </p:childTnLst>
+                                </p:cTn>
+                              </p:par>
+                              <p:par>
+                                <p:cTn id="40" presetID="22" presetClass="entr" presetSubtype="4" fill="hold" grpId="0" nodeType="withEffect">
+                                  <p:stCondLst>
+                                    <p:cond delay="0"/>
+                                  </p:stCondLst>
+                                  <p:childTnLst>
+                                    <p:set>
+                                      <p:cBhvr>
+                                        <p:cTn id="41" dur="1" fill="hold">
+                                          <p:stCondLst>
+                                            <p:cond delay="0"/>
+                                          </p:stCondLst>
+                                        </p:cTn>
+                                        <p:tgtEl>
+                                          <p:spTgt spid="69"/>
+                                        </p:tgtEl>
+                                        <p:attrNameLst>
+                                          <p:attrName>style.visibility</p:attrName>
+                                        </p:attrNameLst>
+                                      </p:cBhvr>
+                                      <p:to>
+                                        <p:strVal val="visible"/>
+                                      </p:to>
+                                    </p:set>
+                                    <p:animEffect transition="in" filter="wipe(down)">
+                                      <p:cBhvr>
+                                        <p:cTn id="42" dur="500"/>
+                                        <p:tgtEl>
+                                          <p:spTgt spid="69"/>
+                                        </p:tgtEl>
+                                      </p:cBhvr>
+                                    </p:animEffect>
+                                  </p:childTnLst>
+                                </p:cTn>
+                              </p:par>
+                            </p:childTnLst>
+                          </p:cTn>
+                        </p:par>
+                      </p:childTnLst>
+                    </p:cTn>
+                  </p:par>
+                  <p:par>
+                    <p:cTn id="43" fill="hold">
+                      <p:stCondLst>
+                        <p:cond delay="indefinite"/>
+                      </p:stCondLst>
+                      <p:childTnLst>
+                        <p:par>
+                          <p:cTn id="44" fill="hold">
+                            <p:stCondLst>
+                              <p:cond delay="0"/>
+                            </p:stCondLst>
+                            <p:childTnLst>
+                              <p:par>
+                                <p:cTn id="45" presetID="16" presetClass="entr" presetSubtype="21" fill="hold" nodeType="clickEffect">
+                                  <p:stCondLst>
+                                    <p:cond delay="0"/>
+                                  </p:stCondLst>
+                                  <p:childTnLst>
+                                    <p:set>
+                                      <p:cBhvr>
+                                        <p:cTn id="46" dur="1" fill="hold">
+                                          <p:stCondLst>
+                                            <p:cond delay="0"/>
+                                          </p:stCondLst>
+                                        </p:cTn>
+                                        <p:tgtEl>
+                                          <p:spTgt spid="43"/>
+                                        </p:tgtEl>
+                                        <p:attrNameLst>
+                                          <p:attrName>style.visibility</p:attrName>
+                                        </p:attrNameLst>
+                                      </p:cBhvr>
+                                      <p:to>
+                                        <p:strVal val="visible"/>
+                                      </p:to>
+                                    </p:set>
+                                    <p:animEffect transition="in" filter="barn(inVertical)">
+                                      <p:cBhvr>
+                                        <p:cTn id="47" dur="500"/>
+                                        <p:tgtEl>
+                                          <p:spTgt spid="43"/>
+                                        </p:tgtEl>
+                                      </p:cBhvr>
+                                    </p:animEffect>
+                                  </p:childTnLst>
+                                </p:cTn>
+                              </p:par>
+                              <p:par>
+                                <p:cTn id="48" presetID="16" presetClass="entr" presetSubtype="21" fill="hold" grpId="0" nodeType="withEffect">
+                                  <p:stCondLst>
+                                    <p:cond delay="0"/>
+                                  </p:stCondLst>
+                                  <p:childTnLst>
+                                    <p:set>
+                                      <p:cBhvr>
+                                        <p:cTn id="49" dur="1" fill="hold">
+                                          <p:stCondLst>
+                                            <p:cond delay="0"/>
+                                          </p:stCondLst>
+                                        </p:cTn>
+                                        <p:tgtEl>
+                                          <p:spTgt spid="36"/>
+                                        </p:tgtEl>
+                                        <p:attrNameLst>
+                                          <p:attrName>style.visibility</p:attrName>
+                                        </p:attrNameLst>
+                                      </p:cBhvr>
+                                      <p:to>
+                                        <p:strVal val="visible"/>
+                                      </p:to>
+                                    </p:set>
+                                    <p:animEffect transition="in" filter="barn(inVertical)">
+                                      <p:cBhvr>
+                                        <p:cTn id="50" dur="500"/>
+                                        <p:tgtEl>
+                                          <p:spTgt spid="36"/>
+                                        </p:tgtEl>
+                                      </p:cBhvr>
+                                    </p:animEffect>
+                                  </p:childTnLst>
+                                </p:cTn>
+                              </p:par>
+                              <p:par>
+                                <p:cTn id="51" presetID="16" presetClass="entr" presetSubtype="21" fill="hold" nodeType="withEffect">
+                                  <p:stCondLst>
+                                    <p:cond delay="0"/>
+                                  </p:stCondLst>
+                                  <p:childTnLst>
+                                    <p:set>
+                                      <p:cBhvr>
+                                        <p:cTn id="52" dur="1" fill="hold">
+                                          <p:stCondLst>
+                                            <p:cond delay="0"/>
+                                          </p:stCondLst>
+                                        </p:cTn>
+                                        <p:tgtEl>
+                                          <p:spTgt spid="5122"/>
+                                        </p:tgtEl>
+                                        <p:attrNameLst>
+                                          <p:attrName>style.visibility</p:attrName>
+                                        </p:attrNameLst>
+                                      </p:cBhvr>
+                                      <p:to>
+                                        <p:strVal val="visible"/>
+                                      </p:to>
+                                    </p:set>
+                                    <p:animEffect transition="in" filter="barn(inVertical)">
+                                      <p:cBhvr>
+                                        <p:cTn id="53" dur="500"/>
+                                        <p:tgtEl>
+                                          <p:spTgt spid="5122"/>
+                                        </p:tgtEl>
+                                      </p:cBhvr>
+                                    </p:animEffect>
+                                  </p:childTnLst>
+                                </p:cTn>
+                              </p:par>
+                              <p:par>
+                                <p:cTn id="54" presetID="16" presetClass="entr" presetSubtype="21" fill="hold" nodeType="withEffect">
+                                  <p:stCondLst>
+                                    <p:cond delay="0"/>
+                                  </p:stCondLst>
+                                  <p:childTnLst>
+                                    <p:set>
+                                      <p:cBhvr>
+                                        <p:cTn id="55" dur="1" fill="hold">
+                                          <p:stCondLst>
+                                            <p:cond delay="0"/>
+                                          </p:stCondLst>
+                                        </p:cTn>
+                                        <p:tgtEl>
+                                          <p:spTgt spid="54"/>
+                                        </p:tgtEl>
+                                        <p:attrNameLst>
+                                          <p:attrName>style.visibility</p:attrName>
+                                        </p:attrNameLst>
+                                      </p:cBhvr>
+                                      <p:to>
+                                        <p:strVal val="visible"/>
+                                      </p:to>
+                                    </p:set>
+                                    <p:animEffect transition="in" filter="barn(inVertical)">
+                                      <p:cBhvr>
+                                        <p:cTn id="56" dur="500"/>
+                                        <p:tgtEl>
+                                          <p:spTgt spid="54"/>
+                                        </p:tgtEl>
+                                      </p:cBhvr>
+                                    </p:animEffect>
+                                  </p:childTnLst>
+                                </p:cTn>
+                              </p:par>
+                              <p:par>
+                                <p:cTn id="57" presetID="16" presetClass="entr" presetSubtype="21" fill="hold" grpId="0" nodeType="withEffect">
+                                  <p:stCondLst>
+                                    <p:cond delay="0"/>
+                                  </p:stCondLst>
+                                  <p:childTnLst>
+                                    <p:set>
+                                      <p:cBhvr>
+                                        <p:cTn id="58" dur="1" fill="hold">
+                                          <p:stCondLst>
+                                            <p:cond delay="0"/>
+                                          </p:stCondLst>
+                                        </p:cTn>
+                                        <p:tgtEl>
+                                          <p:spTgt spid="62"/>
+                                        </p:tgtEl>
+                                        <p:attrNameLst>
+                                          <p:attrName>style.visibility</p:attrName>
+                                        </p:attrNameLst>
+                                      </p:cBhvr>
+                                      <p:to>
+                                        <p:strVal val="visible"/>
+                                      </p:to>
+                                    </p:set>
+                                    <p:animEffect transition="in" filter="barn(inVertical)">
+                                      <p:cBhvr>
+                                        <p:cTn id="59" dur="500"/>
+                                        <p:tgtEl>
+                                          <p:spTgt spid="62"/>
+                                        </p:tgtEl>
+                                      </p:cBhvr>
+                                    </p:animEffect>
+                                  </p:childTnLst>
+                                </p:cTn>
+                              </p:par>
+                            </p:childTnLst>
+                          </p:cTn>
+                        </p:par>
+                      </p:childTnLst>
+                    </p:cTn>
+                  </p:par>
+                  <p:par>
+                    <p:cTn id="60" fill="hold">
+                      <p:stCondLst>
+                        <p:cond delay="indefinite"/>
+                      </p:stCondLst>
+                      <p:childTnLst>
+                        <p:par>
+                          <p:cTn id="61" fill="hold">
+                            <p:stCondLst>
+                              <p:cond delay="0"/>
+                            </p:stCondLst>
+                            <p:childTnLst>
+                              <p:par>
+                                <p:cTn id="62" presetID="16" presetClass="entr" presetSubtype="21" fill="hold" nodeType="clickEffect">
+                                  <p:stCondLst>
+                                    <p:cond delay="0"/>
+                                  </p:stCondLst>
+                                  <p:childTnLst>
+                                    <p:set>
+                                      <p:cBhvr>
+                                        <p:cTn id="63" dur="1" fill="hold">
+                                          <p:stCondLst>
+                                            <p:cond delay="0"/>
+                                          </p:stCondLst>
+                                        </p:cTn>
+                                        <p:tgtEl>
+                                          <p:spTgt spid="3078"/>
+                                        </p:tgtEl>
+                                        <p:attrNameLst>
+                                          <p:attrName>style.visibility</p:attrName>
+                                        </p:attrNameLst>
+                                      </p:cBhvr>
+                                      <p:to>
+                                        <p:strVal val="visible"/>
+                                      </p:to>
+                                    </p:set>
+                                    <p:animEffect transition="in" filter="barn(inVertical)">
+                                      <p:cBhvr>
+                                        <p:cTn id="64" dur="500"/>
+                                        <p:tgtEl>
+                                          <p:spTgt spid="3078"/>
+                                        </p:tgtEl>
+                                      </p:cBhvr>
+                                    </p:animEffect>
+                                  </p:childTnLst>
+                                </p:cTn>
+                              </p:par>
+                            </p:childTnLst>
+                          </p:cTn>
+                        </p:par>
+                      </p:childTnLst>
+                    </p:cTn>
+                  </p:par>
+                  <p:par>
+                    <p:cTn id="65" fill="hold">
+                      <p:stCondLst>
+                        <p:cond delay="indefinite"/>
+                      </p:stCondLst>
+                      <p:childTnLst>
+                        <p:par>
+                          <p:cTn id="66" fill="hold">
+                            <p:stCondLst>
+                              <p:cond delay="0"/>
+                            </p:stCondLst>
+                            <p:childTnLst>
+                              <p:par>
+                                <p:cTn id="67" presetID="22" presetClass="entr" presetSubtype="4" fill="hold" nodeType="clickEffect">
+                                  <p:stCondLst>
+                                    <p:cond delay="0"/>
+                                  </p:stCondLst>
+                                  <p:childTnLst>
+                                    <p:set>
+                                      <p:cBhvr>
+                                        <p:cTn id="68" dur="1" fill="hold">
+                                          <p:stCondLst>
+                                            <p:cond delay="0"/>
+                                          </p:stCondLst>
+                                        </p:cTn>
+                                        <p:tgtEl>
+                                          <p:spTgt spid="12"/>
+                                        </p:tgtEl>
+                                        <p:attrNameLst>
+                                          <p:attrName>style.visibility</p:attrName>
+                                        </p:attrNameLst>
+                                      </p:cBhvr>
+                                      <p:to>
+                                        <p:strVal val="visible"/>
+                                      </p:to>
+                                    </p:set>
+                                    <p:animEffect transition="in" filter="wipe(down)">
+                                      <p:cBhvr>
+                                        <p:cTn id="69" dur="500"/>
+                                        <p:tgtEl>
+                                          <p:spTgt spid="12"/>
+                                        </p:tgtEl>
+                                      </p:cBhvr>
+                                    </p:animEffect>
+                                  </p:childTnLst>
+                                </p:cTn>
+                              </p:par>
+                              <p:par>
+                                <p:cTn id="70" presetID="22" presetClass="entr" presetSubtype="4" fill="hold" nodeType="withEffect">
+                                  <p:stCondLst>
+                                    <p:cond delay="0"/>
+                                  </p:stCondLst>
+                                  <p:childTnLst>
+                                    <p:set>
+                                      <p:cBhvr>
+                                        <p:cTn id="71" dur="1" fill="hold">
+                                          <p:stCondLst>
+                                            <p:cond delay="0"/>
+                                          </p:stCondLst>
+                                        </p:cTn>
+                                        <p:tgtEl>
+                                          <p:spTgt spid="31"/>
+                                        </p:tgtEl>
+                                        <p:attrNameLst>
+                                          <p:attrName>style.visibility</p:attrName>
+                                        </p:attrNameLst>
+                                      </p:cBhvr>
+                                      <p:to>
+                                        <p:strVal val="visible"/>
+                                      </p:to>
+                                    </p:set>
+                                    <p:animEffect transition="in" filter="wipe(down)">
+                                      <p:cBhvr>
                                         <p:cTn id="72" dur="500"/>
                                         <p:tgtEl>
-                                          <p:spTgt spid="38"/>
+                                          <p:spTgt spid="31"/>
                                         </p:tgtEl>
                                       </p:cBhvr>
                                     </p:animEffect>
@@ -24651,7 +24561,7 @@
                                           </p:stCondLst>
                                         </p:cTn>
                                         <p:tgtEl>
-                                          <p:spTgt spid="39"/>
+                                          <p:spTgt spid="14"/>
                                         </p:tgtEl>
                                         <p:attrNameLst>
                                           <p:attrName>style.visibility</p:attrName>
@@ -24665,7 +24575,7 @@
                                       <p:cBhvr>
                                         <p:cTn id="75" dur="500"/>
                                         <p:tgtEl>
-                                          <p:spTgt spid="39"/>
+                                          <p:spTgt spid="14"/>
                                         </p:tgtEl>
                                       </p:cBhvr>
                                     </p:animEffect>
@@ -24673,7 +24583,7 @@
                                 </p:cTn>
                               </p:par>
                               <p:par>
-                                <p:cTn id="76" presetID="22" presetClass="entr" presetSubtype="4" fill="hold" nodeType="withEffect">
+                                <p:cTn id="76" presetID="22" presetClass="entr" presetSubtype="4" fill="hold" grpId="0" nodeType="withEffect">
                                   <p:stCondLst>
                                     <p:cond delay="0"/>
                                   </p:stCondLst>
@@ -24686,7 +24596,11 @@
                                           </p:stCondLst>
                                         </p:cTn>
                                         <p:tgtEl>
-                                          <p:spTgt spid="48"/>
+                                          <p:spTgt spid="57">
+                                            <p:txEl>
+                                              <p:pRg st="0" end="0"/>
+                                            </p:txEl>
+                                          </p:spTgt>
                                         </p:tgtEl>
                                         <p:attrNameLst>
                                           <p:attrName>style.visibility</p:attrName>
@@ -24700,7 +24614,11 @@
                                       <p:cBhvr>
                                         <p:cTn id="78" dur="500"/>
                                         <p:tgtEl>
-                                          <p:spTgt spid="48"/>
+                                          <p:spTgt spid="57">
+                                            <p:txEl>
+                                              <p:pRg st="0" end="0"/>
+                                            </p:txEl>
+                                          </p:spTgt>
                                         </p:tgtEl>
                                       </p:cBhvr>
                                     </p:animEffect>
@@ -29444,11 +29362,7 @@
             </a:r>
             <a:r>
               <a:rPr lang="en-US" sz="2600" b="0" dirty="0" smtClean="0"/>
-              <a:t> of stations</a:t>
-            </a:r>
-            <a:r>
-              <a:rPr lang="en-US" sz="2600" b="0" dirty="0" smtClean="0"/>
-              <a:t>. Condition: </a:t>
+              <a:t> of stations. Condition: </a:t>
             </a:r>
             <a:endParaRPr lang="en-US" sz="2600" b="0" dirty="0"/>
           </a:p>
@@ -29677,7 +29591,7 @@
           <a:graphicData uri="http://schemas.openxmlformats.org/presentationml/2006/ole">
             <mc:AlternateContent xmlns:mc="http://schemas.openxmlformats.org/markup-compatibility/2006">
               <mc:Choice xmlns:v="urn:schemas-microsoft-com:vml" Requires="v">
-                <p:oleObj spid="_x0000_s4246" name="Equation" r:id="rId3" imgW="1104421" imgH="355446" progId="Equation.DSMT4">
+                <p:oleObj spid="_x0000_s4248" name="Equation" r:id="rId3" imgW="1104421" imgH="355446" progId="Equation.DSMT4">
                   <p:embed/>
                 </p:oleObj>
               </mc:Choice>
@@ -29842,7 +29756,6 @@
               <a:rPr lang="en-US" sz="2000" b="1" dirty="0"/>
               <a:t>9</a:t>
             </a:r>
-            <a:endParaRPr lang="en-US" sz="2000" b="1" dirty="0"/>
           </a:p>
         </p:txBody>
       </p:sp>

--- a/iDeliver presentation.pptx
+++ b/iDeliver presentation.pptx
@@ -2885,22 +2885,22 @@
     </dgm:pt>
   </dgm:ptLst>
   <dgm:cxnLst>
+    <dgm:cxn modelId="{D511B19E-2229-41BF-A87F-557FEE21CBCC}" type="presOf" srcId="{EDC7A38C-A6DB-4DC5-A689-39ECF460C6EE}" destId="{12349A56-4627-47C6-95E1-59A3763AA6E1}" srcOrd="0" destOrd="0" presId="urn:microsoft.com/office/officeart/2005/8/layout/list1"/>
+    <dgm:cxn modelId="{E9ECDBE4-4B3F-4965-BC46-77193A10C313}" type="presOf" srcId="{F15AB5BC-20EB-4896-ACF0-5A5E624E7B6C}" destId="{ED16CCA2-3479-4C2F-9EE1-3E315BF03D68}" srcOrd="0" destOrd="0" presId="urn:microsoft.com/office/officeart/2005/8/layout/list1"/>
+    <dgm:cxn modelId="{EADFDE52-5B58-4A6D-AB10-BDF6EB79B1DE}" type="presOf" srcId="{F3861C03-805D-46DF-A473-53653EFDEFAC}" destId="{F5161C34-E6C6-424C-AFB0-D1DCB70063F9}" srcOrd="0" destOrd="0" presId="urn:microsoft.com/office/officeart/2005/8/layout/list1"/>
+    <dgm:cxn modelId="{B939CA61-FB1E-4148-98F6-EABDDE961BD5}" srcId="{EDC7A38C-A6DB-4DC5-A689-39ECF460C6EE}" destId="{50966B18-8F4F-4052-89F9-B48790BD2367}" srcOrd="2" destOrd="0" parTransId="{C781F25A-CB4B-44C1-A33E-F87A8D09F246}" sibTransId="{5D4359EE-B0D4-4E7C-8140-B2A89C1D7FF5}"/>
+    <dgm:cxn modelId="{895819B1-9F28-4D90-ACDF-9FE810992A71}" srcId="{EDC7A38C-A6DB-4DC5-A689-39ECF460C6EE}" destId="{F3861C03-805D-46DF-A473-53653EFDEFAC}" srcOrd="0" destOrd="0" parTransId="{FDEF765C-797E-4575-A57A-62FC58C0DBBD}" sibTransId="{4B94263F-AE36-49BA-90BC-B9C0A3836F11}"/>
     <dgm:cxn modelId="{8FC5C53C-E0D2-4D9E-921A-D5BAB0691AEA}" type="presOf" srcId="{F15AB5BC-20EB-4896-ACF0-5A5E624E7B6C}" destId="{2122FC3D-9D7C-4674-9A64-60A76FF473D7}" srcOrd="1" destOrd="0" presId="urn:microsoft.com/office/officeart/2005/8/layout/list1"/>
+    <dgm:cxn modelId="{E9E9A78E-3D06-4434-9596-2811CFE08B6F}" type="presOf" srcId="{4EF90078-E6E6-4945-AFF6-3CE122D73B62}" destId="{5C8FE5E1-884F-412E-A725-A291A47A8E59}" srcOrd="0" destOrd="0" presId="urn:microsoft.com/office/officeart/2005/8/layout/list1"/>
+    <dgm:cxn modelId="{491C81F4-6429-47C7-A66F-7BFF0E79B08D}" type="presOf" srcId="{4EF90078-E6E6-4945-AFF6-3CE122D73B62}" destId="{E2681A2F-F14D-4CA1-AED2-F51532E386C0}" srcOrd="1" destOrd="0" presId="urn:microsoft.com/office/officeart/2005/8/layout/list1"/>
+    <dgm:cxn modelId="{ACA434B3-DE1A-47D9-A07E-3EE677AE4A87}" type="presOf" srcId="{F3861C03-805D-46DF-A473-53653EFDEFAC}" destId="{4BCFC962-7C53-4C3E-A79A-F8EA1F40FB77}" srcOrd="1" destOrd="0" presId="urn:microsoft.com/office/officeart/2005/8/layout/list1"/>
+    <dgm:cxn modelId="{62A679E3-6E81-49B3-9E2D-5E7AB7AFAAB0}" srcId="{EDC7A38C-A6DB-4DC5-A689-39ECF460C6EE}" destId="{F15AB5BC-20EB-4896-ACF0-5A5E624E7B6C}" srcOrd="1" destOrd="0" parTransId="{D72D90E7-2791-440A-BD7C-BF567269DBF7}" sibTransId="{491206DF-53A9-45C6-A28A-60F01CAC4067}"/>
+    <dgm:cxn modelId="{C012B5AC-4085-426B-BA31-5E62062BF963}" srcId="{EDC7A38C-A6DB-4DC5-A689-39ECF460C6EE}" destId="{4EF90078-E6E6-4945-AFF6-3CE122D73B62}" srcOrd="3" destOrd="0" parTransId="{09C9B5E1-25C3-4E5E-AD04-49DF3B553086}" sibTransId="{AE2A650F-D5C1-43DF-9F83-849BA50274C2}"/>
+    <dgm:cxn modelId="{75735154-E353-4CB6-A313-260C53D45645}" type="presOf" srcId="{50966B18-8F4F-4052-89F9-B48790BD2367}" destId="{7AA6AE93-8789-4D56-BCEC-D6B55D847325}" srcOrd="1" destOrd="0" presId="urn:microsoft.com/office/officeart/2005/8/layout/list1"/>
+    <dgm:cxn modelId="{B6DE7BDF-0007-4DDE-B412-4B6F0561ED64}" type="presOf" srcId="{2511DA9D-D953-4E88-85D7-486DCAA95676}" destId="{1B03F452-E806-41D8-9F69-D88626BB3B32}" srcOrd="0" destOrd="0" presId="urn:microsoft.com/office/officeart/2005/8/layout/list1"/>
     <dgm:cxn modelId="{F872DC09-BB93-40DD-AC2E-02BB8F8E24F7}" type="presOf" srcId="{50966B18-8F4F-4052-89F9-B48790BD2367}" destId="{F8B1D1CA-F8B8-4CF2-850D-8A08A6D43348}" srcOrd="0" destOrd="0" presId="urn:microsoft.com/office/officeart/2005/8/layout/list1"/>
-    <dgm:cxn modelId="{895819B1-9F28-4D90-ACDF-9FE810992A71}" srcId="{EDC7A38C-A6DB-4DC5-A689-39ECF460C6EE}" destId="{F3861C03-805D-46DF-A473-53653EFDEFAC}" srcOrd="0" destOrd="0" parTransId="{FDEF765C-797E-4575-A57A-62FC58C0DBBD}" sibTransId="{4B94263F-AE36-49BA-90BC-B9C0A3836F11}"/>
-    <dgm:cxn modelId="{491C81F4-6429-47C7-A66F-7BFF0E79B08D}" type="presOf" srcId="{4EF90078-E6E6-4945-AFF6-3CE122D73B62}" destId="{E2681A2F-F14D-4CA1-AED2-F51532E386C0}" srcOrd="1" destOrd="0" presId="urn:microsoft.com/office/officeart/2005/8/layout/list1"/>
-    <dgm:cxn modelId="{62A679E3-6E81-49B3-9E2D-5E7AB7AFAAB0}" srcId="{EDC7A38C-A6DB-4DC5-A689-39ECF460C6EE}" destId="{F15AB5BC-20EB-4896-ACF0-5A5E624E7B6C}" srcOrd="1" destOrd="0" parTransId="{D72D90E7-2791-440A-BD7C-BF567269DBF7}" sibTransId="{491206DF-53A9-45C6-A28A-60F01CAC4067}"/>
-    <dgm:cxn modelId="{75735154-E353-4CB6-A313-260C53D45645}" type="presOf" srcId="{50966B18-8F4F-4052-89F9-B48790BD2367}" destId="{7AA6AE93-8789-4D56-BCEC-D6B55D847325}" srcOrd="1" destOrd="0" presId="urn:microsoft.com/office/officeart/2005/8/layout/list1"/>
-    <dgm:cxn modelId="{E9E9A78E-3D06-4434-9596-2811CFE08B6F}" type="presOf" srcId="{4EF90078-E6E6-4945-AFF6-3CE122D73B62}" destId="{5C8FE5E1-884F-412E-A725-A291A47A8E59}" srcOrd="0" destOrd="0" presId="urn:microsoft.com/office/officeart/2005/8/layout/list1"/>
-    <dgm:cxn modelId="{B939CA61-FB1E-4148-98F6-EABDDE961BD5}" srcId="{EDC7A38C-A6DB-4DC5-A689-39ECF460C6EE}" destId="{50966B18-8F4F-4052-89F9-B48790BD2367}" srcOrd="2" destOrd="0" parTransId="{C781F25A-CB4B-44C1-A33E-F87A8D09F246}" sibTransId="{5D4359EE-B0D4-4E7C-8140-B2A89C1D7FF5}"/>
-    <dgm:cxn modelId="{D511B19E-2229-41BF-A87F-557FEE21CBCC}" type="presOf" srcId="{EDC7A38C-A6DB-4DC5-A689-39ECF460C6EE}" destId="{12349A56-4627-47C6-95E1-59A3763AA6E1}" srcOrd="0" destOrd="0" presId="urn:microsoft.com/office/officeart/2005/8/layout/list1"/>
-    <dgm:cxn modelId="{B6DE7BDF-0007-4DDE-B412-4B6F0561ED64}" type="presOf" srcId="{2511DA9D-D953-4E88-85D7-486DCAA95676}" destId="{1B03F452-E806-41D8-9F69-D88626BB3B32}" srcOrd="0" destOrd="0" presId="urn:microsoft.com/office/officeart/2005/8/layout/list1"/>
-    <dgm:cxn modelId="{E9ECDBE4-4B3F-4965-BC46-77193A10C313}" type="presOf" srcId="{F15AB5BC-20EB-4896-ACF0-5A5E624E7B6C}" destId="{ED16CCA2-3479-4C2F-9EE1-3E315BF03D68}" srcOrd="0" destOrd="0" presId="urn:microsoft.com/office/officeart/2005/8/layout/list1"/>
-    <dgm:cxn modelId="{ACA434B3-DE1A-47D9-A07E-3EE677AE4A87}" type="presOf" srcId="{F3861C03-805D-46DF-A473-53653EFDEFAC}" destId="{4BCFC962-7C53-4C3E-A79A-F8EA1F40FB77}" srcOrd="1" destOrd="0" presId="urn:microsoft.com/office/officeart/2005/8/layout/list1"/>
     <dgm:cxn modelId="{6A8FF732-B4B4-4D17-AEEF-1FC21937469E}" type="presOf" srcId="{2511DA9D-D953-4E88-85D7-486DCAA95676}" destId="{A2F44CA5-7572-4B10-8094-A7E02486FABF}" srcOrd="1" destOrd="0" presId="urn:microsoft.com/office/officeart/2005/8/layout/list1"/>
     <dgm:cxn modelId="{443A4200-1FAC-4F0C-AB59-DBDB9E58150F}" srcId="{EDC7A38C-A6DB-4DC5-A689-39ECF460C6EE}" destId="{2511DA9D-D953-4E88-85D7-486DCAA95676}" srcOrd="4" destOrd="0" parTransId="{FFC15986-DDEE-40E7-86E3-050BDF619BE7}" sibTransId="{87DF7139-E210-4101-AEDE-4DE92254736F}"/>
-    <dgm:cxn modelId="{C012B5AC-4085-426B-BA31-5E62062BF963}" srcId="{EDC7A38C-A6DB-4DC5-A689-39ECF460C6EE}" destId="{4EF90078-E6E6-4945-AFF6-3CE122D73B62}" srcOrd="3" destOrd="0" parTransId="{09C9B5E1-25C3-4E5E-AD04-49DF3B553086}" sibTransId="{AE2A650F-D5C1-43DF-9F83-849BA50274C2}"/>
-    <dgm:cxn modelId="{EADFDE52-5B58-4A6D-AB10-BDF6EB79B1DE}" type="presOf" srcId="{F3861C03-805D-46DF-A473-53653EFDEFAC}" destId="{F5161C34-E6C6-424C-AFB0-D1DCB70063F9}" srcOrd="0" destOrd="0" presId="urn:microsoft.com/office/officeart/2005/8/layout/list1"/>
     <dgm:cxn modelId="{A5C55C8A-FE5F-4D8D-9361-332699CFA204}" type="presParOf" srcId="{12349A56-4627-47C6-95E1-59A3763AA6E1}" destId="{4C00E976-8666-4597-95C1-88AFE21BB0A3}" srcOrd="0" destOrd="0" presId="urn:microsoft.com/office/officeart/2005/8/layout/list1"/>
     <dgm:cxn modelId="{AF596160-38EF-493E-AD36-5132F7C884BA}" type="presParOf" srcId="{4C00E976-8666-4597-95C1-88AFE21BB0A3}" destId="{F5161C34-E6C6-424C-AFB0-D1DCB70063F9}" srcOrd="0" destOrd="0" presId="urn:microsoft.com/office/officeart/2005/8/layout/list1"/>
     <dgm:cxn modelId="{2EC1E1E5-E010-4D2F-8E22-1F399244BCDA}" type="presParOf" srcId="{4C00E976-8666-4597-95C1-88AFE21BB0A3}" destId="{4BCFC962-7C53-4C3E-A79A-F8EA1F40FB77}" srcOrd="1" destOrd="0" presId="urn:microsoft.com/office/officeart/2005/8/layout/list1"/>
@@ -2964,7 +2964,7 @@
         <a:p>
           <a:r>
             <a:rPr lang="en-US" sz="2400" dirty="0" smtClean="0"/>
-            <a:t>Current scenario</a:t>
+            <a:t>Scenario problems</a:t>
           </a:r>
           <a:endParaRPr lang="en-US" sz="2400" dirty="0"/>
         </a:p>
@@ -4742,7 +4742,7 @@
           </a:pPr>
           <a:r>
             <a:rPr lang="en-US" sz="2400" kern="1200" dirty="0" smtClean="0"/>
-            <a:t>Current scenario</a:t>
+            <a:t>Scenario problems</a:t>
           </a:r>
           <a:endParaRPr lang="en-US" sz="2400" kern="1200" dirty="0"/>
         </a:p>
@@ -10878,7 +10878,7 @@
           <a:p>
             <a:fld id="{8CF011AB-31B9-4FEE-9201-64BC297EEACF}" type="datetimeFigureOut">
               <a:rPr lang="en-US" smtClean="0"/>
-              <a:t>5/3/2014</a:t>
+              <a:t>03/05/2014</a:t>
             </a:fld>
             <a:endParaRPr lang="en-US"/>
           </a:p>
@@ -11044,7 +11044,7 @@
           <a:p>
             <a:fld id="{EEB917EA-0A47-475B-9CE2-61BBD17C3321}" type="datetimeFigureOut">
               <a:rPr lang="en-US" smtClean="0"/>
-              <a:t>5/3/2014</a:t>
+              <a:t>03/05/2014</a:t>
             </a:fld>
             <a:endParaRPr lang="en-US"/>
           </a:p>
@@ -13591,7 +13591,7 @@
           <a:graphicData uri="http://schemas.openxmlformats.org/presentationml/2006/ole">
             <mc:AlternateContent xmlns:mc="http://schemas.openxmlformats.org/markup-compatibility/2006">
               <mc:Choice xmlns:v="urn:schemas-microsoft-com:vml" Requires="v">
-                <p:oleObj spid="_x0000_s2475" name="Image" r:id="rId15" imgW="6311111" imgH="1155148" progId="">
+                <p:oleObj spid="_x0000_s2478" name="Image" r:id="rId15" imgW="6311111" imgH="1155148" progId="">
                   <p:embed/>
                 </p:oleObj>
               </mc:Choice>
@@ -18411,7 +18411,11 @@
             </a:pPr>
             <a:r>
               <a:rPr lang="en-US" b="0" dirty="0" smtClean="0"/>
-              <a:t>Easy to manage packages</a:t>
+              <a:t>Easy to manage </a:t>
+            </a:r>
+            <a:r>
+              <a:rPr lang="en-US" b="0" dirty="0" smtClean="0"/>
+              <a:t>packages</a:t>
             </a:r>
           </a:p>
           <a:p>
@@ -18420,9 +18424,14 @@
               <a:buChar char="o"/>
             </a:pPr>
             <a:r>
+              <a:rPr lang="en-US" b="0" dirty="0"/>
+              <a:t>Rating and </a:t>
+            </a:r>
+            <a:r>
               <a:rPr lang="en-US" b="0" dirty="0" smtClean="0"/>
-              <a:t>Statistics on revenue</a:t>
-            </a:r>
+              <a:t>comment</a:t>
+            </a:r>
+            <a:endParaRPr lang="en-US" b="0" dirty="0" smtClean="0"/>
           </a:p>
           <a:p>
             <a:pPr>
@@ -18430,14 +18439,14 @@
               <a:buChar char="o"/>
             </a:pPr>
             <a:r>
-              <a:rPr lang="en-US" b="0" dirty="0"/>
-              <a:t>Rating and </a:t>
-            </a:r>
-            <a:r>
               <a:rPr lang="en-US" b="0" dirty="0" smtClean="0"/>
-              <a:t>comment</a:t>
-            </a:r>
-            <a:endParaRPr lang="en-US" b="0" dirty="0"/>
+              <a:t>Statistics on </a:t>
+            </a:r>
+            <a:r>
+              <a:rPr lang="en-US" b="0" dirty="0" smtClean="0"/>
+              <a:t>revenue</a:t>
+            </a:r>
+            <a:endParaRPr lang="en-US" b="0" dirty="0" smtClean="0"/>
           </a:p>
         </p:txBody>
       </p:sp>
@@ -20242,7 +20251,7 @@
             <p:ph idx="1"/>
             <p:extLst>
               <p:ext uri="{D42A27DB-BD31-4B8C-83A1-F6EECF244321}">
-                <p14:modId xmlns:p14="http://schemas.microsoft.com/office/powerpoint/2010/main" val="3281184058"/>
+                <p14:modId xmlns:p14="http://schemas.microsoft.com/office/powerpoint/2010/main" val="3678632603"/>
               </p:ext>
             </p:extLst>
           </p:nvPr>
@@ -20441,7 +20450,7 @@
           <a:p>
             <a:r>
               <a:rPr lang="en-US" sz="3000" b="1" dirty="0" smtClean="0"/>
-              <a:t>Current scenario</a:t>
+              <a:t>Scenario problems</a:t>
             </a:r>
             <a:endParaRPr lang="en-US" sz="3000" b="1" dirty="0"/>
           </a:p>
@@ -29591,7 +29600,7 @@
           <a:graphicData uri="http://schemas.openxmlformats.org/presentationml/2006/ole">
             <mc:AlternateContent xmlns:mc="http://schemas.openxmlformats.org/markup-compatibility/2006">
               <mc:Choice xmlns:v="urn:schemas-microsoft-com:vml" Requires="v">
-                <p:oleObj spid="_x0000_s4248" name="Equation" r:id="rId3" imgW="1104421" imgH="355446" progId="Equation.DSMT4">
+                <p:oleObj spid="_x0000_s4251" name="Equation" r:id="rId3" imgW="1104421" imgH="355446" progId="Equation.DSMT4">
                   <p:embed/>
                 </p:oleObj>
               </mc:Choice>

--- a/iDeliver presentation.pptx
+++ b/iDeliver presentation.pptx
@@ -17,15 +17,15 @@
     <p:sldId id="273" r:id="rId5"/>
     <p:sldId id="257" r:id="rId6"/>
     <p:sldId id="258" r:id="rId7"/>
-    <p:sldId id="259" r:id="rId8"/>
-    <p:sldId id="260" r:id="rId9"/>
-    <p:sldId id="261" r:id="rId10"/>
-    <p:sldId id="262" r:id="rId11"/>
-    <p:sldId id="263" r:id="rId12"/>
-    <p:sldId id="264" r:id="rId13"/>
-    <p:sldId id="265" r:id="rId14"/>
-    <p:sldId id="266" r:id="rId15"/>
-    <p:sldId id="276" r:id="rId16"/>
+    <p:sldId id="276" r:id="rId8"/>
+    <p:sldId id="259" r:id="rId9"/>
+    <p:sldId id="260" r:id="rId10"/>
+    <p:sldId id="261" r:id="rId11"/>
+    <p:sldId id="262" r:id="rId12"/>
+    <p:sldId id="263" r:id="rId13"/>
+    <p:sldId id="264" r:id="rId14"/>
+    <p:sldId id="265" r:id="rId15"/>
+    <p:sldId id="266" r:id="rId16"/>
     <p:sldId id="278" r:id="rId17"/>
     <p:sldId id="279" r:id="rId18"/>
     <p:sldId id="277" r:id="rId19"/>
@@ -3499,89 +3499,6 @@
         </a:p>
       </dgm:t>
     </dgm:pt>
-    <dgm:pt modelId="{0F39D0A9-867D-45C6-A3EE-B1D7599D7259}">
-      <dgm:prSet phldrT="[Text]"/>
-      <dgm:spPr/>
-      <dgm:t>
-        <a:bodyPr/>
-        <a:lstStyle/>
-        <a:p>
-          <a:pPr algn="l"/>
-          <a:r>
-            <a:rPr lang="en-US" dirty="0" smtClean="0"/>
-            <a:t>No need to setup</a:t>
-          </a:r>
-          <a:endParaRPr lang="en-US" dirty="0"/>
-        </a:p>
-      </dgm:t>
-    </dgm:pt>
-    <dgm:pt modelId="{A088C478-C5EE-4CEF-97E9-142F0CE3F502}" type="parTrans" cxnId="{83AF2CEC-A446-4D80-8ABD-1956873AEF71}">
-      <dgm:prSet/>
-      <dgm:spPr/>
-      <dgm:t>
-        <a:bodyPr/>
-        <a:lstStyle/>
-        <a:p>
-          <a:endParaRPr lang="en-US"/>
-        </a:p>
-      </dgm:t>
-    </dgm:pt>
-    <dgm:pt modelId="{05E60817-EFBA-4CC3-8B8F-0ECECFB367D9}" type="sibTrans" cxnId="{83AF2CEC-A446-4D80-8ABD-1956873AEF71}">
-      <dgm:prSet/>
-      <dgm:spPr/>
-      <dgm:t>
-        <a:bodyPr/>
-        <a:lstStyle/>
-        <a:p>
-          <a:endParaRPr lang="en-US"/>
-        </a:p>
-      </dgm:t>
-    </dgm:pt>
-    <dgm:pt modelId="{1027CA06-C869-4AC2-82BB-D2431DBA93A9}">
-      <dgm:prSet phldrT="[Text]"/>
-      <dgm:spPr/>
-      <dgm:t>
-        <a:bodyPr/>
-        <a:lstStyle/>
-        <a:p>
-          <a:pPr algn="l"/>
-          <a:r>
-            <a:rPr lang="en-US" dirty="0" smtClean="0"/>
-            <a:t>Less training </a:t>
-          </a:r>
-        </a:p>
-        <a:p>
-          <a:pPr algn="l"/>
-          <a:r>
-            <a:rPr lang="en-US" dirty="0" smtClean="0"/>
-            <a:t>time</a:t>
-          </a:r>
-          <a:endParaRPr lang="en-US" dirty="0"/>
-        </a:p>
-      </dgm:t>
-    </dgm:pt>
-    <dgm:pt modelId="{DF19D294-2701-49F9-AC3B-F5C6F32FB512}" type="parTrans" cxnId="{175298FF-7E58-44AC-9AF4-6F8F0006A8C8}">
-      <dgm:prSet/>
-      <dgm:spPr/>
-      <dgm:t>
-        <a:bodyPr/>
-        <a:lstStyle/>
-        <a:p>
-          <a:endParaRPr lang="en-US"/>
-        </a:p>
-      </dgm:t>
-    </dgm:pt>
-    <dgm:pt modelId="{C56EDCCC-B488-45AD-903B-A23FABCF550E}" type="sibTrans" cxnId="{175298FF-7E58-44AC-9AF4-6F8F0006A8C8}">
-      <dgm:prSet/>
-      <dgm:spPr/>
-      <dgm:t>
-        <a:bodyPr/>
-        <a:lstStyle/>
-        <a:p>
-          <a:endParaRPr lang="en-US"/>
-        </a:p>
-      </dgm:t>
-    </dgm:pt>
     <dgm:pt modelId="{B854BF0E-8186-4A1D-82F5-FCBE21864E2C}">
       <dgm:prSet phldrT="[Text]"/>
       <dgm:spPr/>
@@ -3619,6 +3536,42 @@
         </a:p>
       </dgm:t>
     </dgm:pt>
+    <dgm:pt modelId="{3C560E7D-3BEE-4A58-BCB4-42A49126B517}">
+      <dgm:prSet phldrT="[Text]"/>
+      <dgm:spPr/>
+      <dgm:t>
+        <a:bodyPr/>
+        <a:lstStyle/>
+        <a:p>
+          <a:r>
+            <a:rPr lang="en-US" dirty="0" smtClean="0"/>
+            <a:t>Ineffective manual work</a:t>
+          </a:r>
+        </a:p>
+      </dgm:t>
+    </dgm:pt>
+    <dgm:pt modelId="{951CC521-682D-4B4D-B2DA-8943970D6EE9}" type="sibTrans" cxnId="{41691E26-58EB-4684-AAE7-46FBB5D53912}">
+      <dgm:prSet/>
+      <dgm:spPr/>
+      <dgm:t>
+        <a:bodyPr/>
+        <a:lstStyle/>
+        <a:p>
+          <a:endParaRPr lang="en-US"/>
+        </a:p>
+      </dgm:t>
+    </dgm:pt>
+    <dgm:pt modelId="{D0A922DA-6CFE-4F00-8376-19F1282DEF72}" type="parTrans" cxnId="{41691E26-58EB-4684-AAE7-46FBB5D53912}">
+      <dgm:prSet/>
+      <dgm:spPr/>
+      <dgm:t>
+        <a:bodyPr/>
+        <a:lstStyle/>
+        <a:p>
+          <a:endParaRPr lang="en-US"/>
+        </a:p>
+      </dgm:t>
+    </dgm:pt>
     <dgm:pt modelId="{261BB819-3E9A-4554-9B4C-22EB643114E3}">
       <dgm:prSet phldrT="[Text]"/>
       <dgm:spPr/>
@@ -3628,8 +3581,19 @@
         <a:p>
           <a:r>
             <a:rPr lang="en-US" dirty="0" smtClean="0"/>
-            <a:t>No statistics report</a:t>
+            <a:t>Lack of statistics report</a:t>
           </a:r>
+        </a:p>
+      </dgm:t>
+    </dgm:pt>
+    <dgm:pt modelId="{32C52D12-2ECA-4277-9DEF-7B63213F4D19}" type="sibTrans" cxnId="{441F7311-3E16-4C82-B72E-5FB70258C06E}">
+      <dgm:prSet/>
+      <dgm:spPr/>
+      <dgm:t>
+        <a:bodyPr/>
+        <a:lstStyle/>
+        <a:p>
+          <a:endParaRPr lang="en-US"/>
         </a:p>
       </dgm:t>
     </dgm:pt>
@@ -3644,7 +3608,32 @@
         </a:p>
       </dgm:t>
     </dgm:pt>
-    <dgm:pt modelId="{32C52D12-2ECA-4277-9DEF-7B63213F4D19}" type="sibTrans" cxnId="{441F7311-3E16-4C82-B72E-5FB70258C06E}">
+    <dgm:pt modelId="{4B04F939-7ABD-4B21-95EB-E4CBE04DB94C}">
+      <dgm:prSet phldrT="[Text]"/>
+      <dgm:spPr/>
+      <dgm:t>
+        <a:bodyPr/>
+        <a:lstStyle/>
+        <a:p>
+          <a:r>
+            <a:rPr lang="en-US" dirty="0" smtClean="0"/>
+            <a:t>Unable to tracking, manage packages</a:t>
+          </a:r>
+        </a:p>
+      </dgm:t>
+    </dgm:pt>
+    <dgm:pt modelId="{6B1FF609-2CA8-46D9-BD2A-C4631B24217E}" type="parTrans" cxnId="{9AE7E521-AA17-436D-A9D5-CE94E8B98DC9}">
+      <dgm:prSet/>
+      <dgm:spPr/>
+      <dgm:t>
+        <a:bodyPr/>
+        <a:lstStyle/>
+        <a:p>
+          <a:endParaRPr lang="en-US"/>
+        </a:p>
+      </dgm:t>
+    </dgm:pt>
+    <dgm:pt modelId="{2A539341-B4B5-416B-862A-0BA8471ECC75}" type="sibTrans" cxnId="{9AE7E521-AA17-436D-A9D5-CE94E8B98DC9}">
       <dgm:prSet/>
       <dgm:spPr/>
       <dgm:t>
@@ -3671,12 +3660,12 @@
         </a:p>
       </dgm:t>
     </dgm:pt>
-    <dgm:pt modelId="{6E700440-355F-490D-B0EB-CF017ED41C01}" type="pres">
-      <dgm:prSet presAssocID="{0F39D0A9-867D-45C6-A3EE-B1D7599D7259}" presName="compNode" presStyleCnt="0"/>
+    <dgm:pt modelId="{BA5BBCAC-27E5-42D6-BBD7-7C6524D43BC4}" type="pres">
+      <dgm:prSet presAssocID="{B854BF0E-8186-4A1D-82F5-FCBE21864E2C}" presName="compNode" presStyleCnt="0"/>
       <dgm:spPr/>
     </dgm:pt>
-    <dgm:pt modelId="{EEF51702-864D-4C77-A34E-907E56444CA3}" type="pres">
-      <dgm:prSet presAssocID="{0F39D0A9-867D-45C6-A3EE-B1D7599D7259}" presName="pictRect" presStyleLbl="node1" presStyleIdx="0" presStyleCnt="4" custScaleX="61492" custScaleY="61492" custLinFactNeighborX="10759" custLinFactNeighborY="-70626"/>
+    <dgm:pt modelId="{F20742AD-0F9F-4864-8B4D-74AED66FE7E8}" type="pres">
+      <dgm:prSet presAssocID="{B854BF0E-8186-4A1D-82F5-FCBE21864E2C}" presName="pictRect" presStyleLbl="node1" presStyleIdx="0" presStyleCnt="4" custLinFactNeighborX="-46141" custLinFactNeighborY="17866"/>
       <dgm:spPr>
         <a:blipFill>
           <a:blip xmlns:r="http://schemas.openxmlformats.org/officeDocument/2006/relationships" r:embed="rId1" cstate="print">
@@ -3692,14 +3681,6 @@
           </a:stretch>
         </a:blipFill>
       </dgm:spPr>
-    </dgm:pt>
-    <dgm:pt modelId="{937B735E-E19D-454F-8B0F-8811B9BF27A1}" type="pres">
-      <dgm:prSet presAssocID="{0F39D0A9-867D-45C6-A3EE-B1D7599D7259}" presName="textRect" presStyleLbl="revTx" presStyleIdx="0" presStyleCnt="4" custScaleX="51064" custLinFactY="-63259" custLinFactNeighborX="4801" custLinFactNeighborY="-100000">
-        <dgm:presLayoutVars>
-          <dgm:bulletEnabled val="1"/>
-        </dgm:presLayoutVars>
-      </dgm:prSet>
-      <dgm:spPr/>
       <dgm:t>
         <a:bodyPr/>
         <a:lstStyle/>
@@ -3708,89 +3689,8 @@
         </a:p>
       </dgm:t>
     </dgm:pt>
-    <dgm:pt modelId="{C632C227-C807-4180-903E-236519F6CDD7}" type="pres">
-      <dgm:prSet presAssocID="{05E60817-EFBA-4CC3-8B8F-0ECECFB367D9}" presName="sibTrans" presStyleLbl="sibTrans2D1" presStyleIdx="0" presStyleCnt="0"/>
-      <dgm:spPr/>
-      <dgm:t>
-        <a:bodyPr/>
-        <a:lstStyle/>
-        <a:p>
-          <a:endParaRPr lang="en-US"/>
-        </a:p>
-      </dgm:t>
-    </dgm:pt>
-    <dgm:pt modelId="{040481FA-D387-43CB-A3F8-BF767FA94A9F}" type="pres">
-      <dgm:prSet presAssocID="{1027CA06-C869-4AC2-82BB-D2431DBA93A9}" presName="compNode" presStyleCnt="0"/>
-      <dgm:spPr/>
-    </dgm:pt>
-    <dgm:pt modelId="{4AEC347F-63D0-461D-BB55-83E9C562A291}" type="pres">
-      <dgm:prSet presAssocID="{1027CA06-C869-4AC2-82BB-D2431DBA93A9}" presName="pictRect" presStyleLbl="node1" presStyleIdx="1" presStyleCnt="4" custScaleX="72505" custScaleY="72504" custLinFactNeighborX="-88468" custLinFactNeighborY="51422"/>
-      <dgm:spPr>
-        <a:blipFill>
-          <a:blip xmlns:r="http://schemas.openxmlformats.org/officeDocument/2006/relationships" r:embed="rId2">
-            <a:extLst>
-              <a:ext uri="{28A0092B-C50C-407E-A947-70E740481C1C}">
-                <a14:useLocalDpi xmlns:a14="http://schemas.microsoft.com/office/drawing/2010/main" val="0"/>
-              </a:ext>
-            </a:extLst>
-          </a:blip>
-          <a:srcRect/>
-          <a:stretch>
-            <a:fillRect t="-23000" b="-23000"/>
-          </a:stretch>
-        </a:blipFill>
-      </dgm:spPr>
-    </dgm:pt>
-    <dgm:pt modelId="{EFA395D9-DAC9-4DBC-9700-CD1D30DAEBCA}" type="pres">
-      <dgm:prSet presAssocID="{1027CA06-C869-4AC2-82BB-D2431DBA93A9}" presName="textRect" presStyleLbl="revTx" presStyleIdx="1" presStyleCnt="4" custLinFactNeighborX="-64857" custLinFactNeighborY="83628">
-        <dgm:presLayoutVars>
-          <dgm:bulletEnabled val="1"/>
-        </dgm:presLayoutVars>
-      </dgm:prSet>
-      <dgm:spPr/>
-      <dgm:t>
-        <a:bodyPr/>
-        <a:lstStyle/>
-        <a:p>
-          <a:endParaRPr lang="en-US"/>
-        </a:p>
-      </dgm:t>
-    </dgm:pt>
-    <dgm:pt modelId="{7018EBF4-3588-4686-A9BD-8F739CCCD4AD}" type="pres">
-      <dgm:prSet presAssocID="{C56EDCCC-B488-45AD-903B-A23FABCF550E}" presName="sibTrans" presStyleLbl="sibTrans2D1" presStyleIdx="0" presStyleCnt="0"/>
-      <dgm:spPr/>
-      <dgm:t>
-        <a:bodyPr/>
-        <a:lstStyle/>
-        <a:p>
-          <a:endParaRPr lang="en-US"/>
-        </a:p>
-      </dgm:t>
-    </dgm:pt>
-    <dgm:pt modelId="{BA5BBCAC-27E5-42D6-BBD7-7C6524D43BC4}" type="pres">
-      <dgm:prSet presAssocID="{B854BF0E-8186-4A1D-82F5-FCBE21864E2C}" presName="compNode" presStyleCnt="0"/>
-      <dgm:spPr/>
-    </dgm:pt>
-    <dgm:pt modelId="{F20742AD-0F9F-4864-8B4D-74AED66FE7E8}" type="pres">
-      <dgm:prSet presAssocID="{B854BF0E-8186-4A1D-82F5-FCBE21864E2C}" presName="pictRect" presStyleLbl="node1" presStyleIdx="2" presStyleCnt="4" custScaleX="68664" custScaleY="73518" custLinFactNeighborX="-1738" custLinFactNeighborY="-64283"/>
-      <dgm:spPr>
-        <a:blipFill>
-          <a:blip xmlns:r="http://schemas.openxmlformats.org/officeDocument/2006/relationships" r:embed="rId3" cstate="print">
-            <a:extLst>
-              <a:ext uri="{28A0092B-C50C-407E-A947-70E740481C1C}">
-                <a14:useLocalDpi xmlns:a14="http://schemas.microsoft.com/office/drawing/2010/main" val="0"/>
-              </a:ext>
-            </a:extLst>
-          </a:blip>
-          <a:srcRect/>
-          <a:stretch>
-            <a:fillRect t="-23000" b="-23000"/>
-          </a:stretch>
-        </a:blipFill>
-      </dgm:spPr>
-    </dgm:pt>
     <dgm:pt modelId="{413484C7-CF82-4E43-86D6-4A2EDC9C3557}" type="pres">
-      <dgm:prSet presAssocID="{B854BF0E-8186-4A1D-82F5-FCBE21864E2C}" presName="textRect" presStyleLbl="revTx" presStyleIdx="2" presStyleCnt="4" custLinFactY="-39068" custLinFactNeighborX="-2705" custLinFactNeighborY="-100000">
+      <dgm:prSet presAssocID="{B854BF0E-8186-4A1D-82F5-FCBE21864E2C}" presName="textRect" presStyleLbl="revTx" presStyleIdx="0" presStyleCnt="4" custScaleX="123336" custLinFactNeighborX="-44171" custLinFactNeighborY="19086">
         <dgm:presLayoutVars>
           <dgm:bulletEnabled val="1"/>
         </dgm:presLayoutVars>
@@ -3820,10 +3720,10 @@
       <dgm:spPr/>
     </dgm:pt>
     <dgm:pt modelId="{F022E9FD-AD84-44E7-BEE8-003BE2B2A367}" type="pres">
-      <dgm:prSet presAssocID="{261BB819-3E9A-4554-9B4C-22EB643114E3}" presName="pictRect" presStyleLbl="node1" presStyleIdx="3" presStyleCnt="4" custScaleX="72838" custScaleY="73495" custLinFactNeighborX="-8065" custLinFactNeighborY="-66522"/>
+      <dgm:prSet presAssocID="{261BB819-3E9A-4554-9B4C-22EB643114E3}" presName="pictRect" presStyleLbl="node1" presStyleIdx="1" presStyleCnt="4" custLinFactX="-85504" custLinFactY="77394" custLinFactNeighborX="-100000" custLinFactNeighborY="100000"/>
       <dgm:spPr>
         <a:blipFill>
-          <a:blip xmlns:r="http://schemas.openxmlformats.org/officeDocument/2006/relationships" r:embed="rId4">
+          <a:blip xmlns:r="http://schemas.openxmlformats.org/officeDocument/2006/relationships" r:embed="rId2">
             <a:extLst>
               <a:ext uri="{28A0092B-C50C-407E-A947-70E740481C1C}">
                 <a14:useLocalDpi xmlns:a14="http://schemas.microsoft.com/office/drawing/2010/main" val="0"/>
@@ -3845,7 +3745,117 @@
       </dgm:t>
     </dgm:pt>
     <dgm:pt modelId="{187C6956-143C-47D8-A39D-6B598621A5DA}" type="pres">
-      <dgm:prSet presAssocID="{261BB819-3E9A-4554-9B4C-22EB643114E3}" presName="textRect" presStyleLbl="revTx" presStyleIdx="3" presStyleCnt="4" custScaleX="72838" custScaleY="73495" custLinFactY="-61415" custLinFactNeighborX="-4689" custLinFactNeighborY="-100000">
+      <dgm:prSet presAssocID="{261BB819-3E9A-4554-9B4C-22EB643114E3}" presName="textRect" presStyleLbl="revTx" presStyleIdx="1" presStyleCnt="4" custScaleX="141874" custScaleY="73495" custLinFactX="-80801" custLinFactY="119529" custLinFactNeighborX="-100000" custLinFactNeighborY="200000">
+        <dgm:presLayoutVars>
+          <dgm:bulletEnabled val="1"/>
+        </dgm:presLayoutVars>
+      </dgm:prSet>
+      <dgm:spPr/>
+      <dgm:t>
+        <a:bodyPr/>
+        <a:lstStyle/>
+        <a:p>
+          <a:endParaRPr lang="en-US"/>
+        </a:p>
+      </dgm:t>
+    </dgm:pt>
+    <dgm:pt modelId="{80955E18-24A8-448C-B417-FAABD073D41F}" type="pres">
+      <dgm:prSet presAssocID="{32C52D12-2ECA-4277-9DEF-7B63213F4D19}" presName="sibTrans" presStyleLbl="sibTrans2D1" presStyleIdx="0" presStyleCnt="0"/>
+      <dgm:spPr/>
+      <dgm:t>
+        <a:bodyPr/>
+        <a:lstStyle/>
+        <a:p>
+          <a:endParaRPr lang="en-US"/>
+        </a:p>
+      </dgm:t>
+    </dgm:pt>
+    <dgm:pt modelId="{971FD804-8A25-48A4-BBF4-8761E6DF4F28}" type="pres">
+      <dgm:prSet presAssocID="{3C560E7D-3BEE-4A58-BCB4-42A49126B517}" presName="compNode" presStyleCnt="0"/>
+      <dgm:spPr/>
+    </dgm:pt>
+    <dgm:pt modelId="{D78821C9-246F-465C-9784-34AB0456F578}" type="pres">
+      <dgm:prSet presAssocID="{3C560E7D-3BEE-4A58-BCB4-42A49126B517}" presName="pictRect" presStyleLbl="node1" presStyleIdx="2" presStyleCnt="4" custLinFactX="8442" custLinFactY="-50494" custLinFactNeighborX="100000" custLinFactNeighborY="-100000"/>
+      <dgm:spPr>
+        <a:blipFill>
+          <a:blip xmlns:r="http://schemas.openxmlformats.org/officeDocument/2006/relationships" r:embed="rId3">
+            <a:extLst>
+              <a:ext uri="{28A0092B-C50C-407E-A947-70E740481C1C}">
+                <a14:useLocalDpi xmlns:a14="http://schemas.microsoft.com/office/drawing/2010/main" val="0"/>
+              </a:ext>
+            </a:extLst>
+          </a:blip>
+          <a:srcRect/>
+          <a:stretch>
+            <a:fillRect l="-2000" r="-2000"/>
+          </a:stretch>
+        </a:blipFill>
+      </dgm:spPr>
+      <dgm:t>
+        <a:bodyPr/>
+        <a:lstStyle/>
+        <a:p>
+          <a:endParaRPr lang="en-US"/>
+        </a:p>
+      </dgm:t>
+    </dgm:pt>
+    <dgm:pt modelId="{5690633D-6185-426E-A3A4-5F44030D1140}" type="pres">
+      <dgm:prSet presAssocID="{3C560E7D-3BEE-4A58-BCB4-42A49126B517}" presName="textRect" presStyleLbl="revTx" presStyleIdx="2" presStyleCnt="4" custLinFactX="9093" custLinFactY="-100000" custLinFactNeighborX="100000" custLinFactNeighborY="-193582">
+        <dgm:presLayoutVars>
+          <dgm:bulletEnabled val="1"/>
+        </dgm:presLayoutVars>
+      </dgm:prSet>
+      <dgm:spPr/>
+      <dgm:t>
+        <a:bodyPr/>
+        <a:lstStyle/>
+        <a:p>
+          <a:endParaRPr lang="en-US"/>
+        </a:p>
+      </dgm:t>
+    </dgm:pt>
+    <dgm:pt modelId="{777F209B-62C8-4708-84E3-3779E7538EB6}" type="pres">
+      <dgm:prSet presAssocID="{951CC521-682D-4B4D-B2DA-8943970D6EE9}" presName="sibTrans" presStyleLbl="sibTrans2D1" presStyleIdx="0" presStyleCnt="0"/>
+      <dgm:spPr/>
+      <dgm:t>
+        <a:bodyPr/>
+        <a:lstStyle/>
+        <a:p>
+          <a:endParaRPr lang="en-US"/>
+        </a:p>
+      </dgm:t>
+    </dgm:pt>
+    <dgm:pt modelId="{EF90F258-CAF8-4E60-A8B4-A2E937E18B5A}" type="pres">
+      <dgm:prSet presAssocID="{4B04F939-7ABD-4B21-95EB-E4CBE04DB94C}" presName="compNode" presStyleCnt="0"/>
+      <dgm:spPr/>
+    </dgm:pt>
+    <dgm:pt modelId="{3E544051-4E18-48DD-8C6F-3DB7926412A2}" type="pres">
+      <dgm:prSet presAssocID="{4B04F939-7ABD-4B21-95EB-E4CBE04DB94C}" presName="pictRect" presStyleLbl="node1" presStyleIdx="3" presStyleCnt="4"/>
+      <dgm:spPr>
+        <a:blipFill>
+          <a:blip xmlns:r="http://schemas.openxmlformats.org/officeDocument/2006/relationships" r:embed="rId4">
+            <a:extLst>
+              <a:ext uri="{28A0092B-C50C-407E-A947-70E740481C1C}">
+                <a14:useLocalDpi xmlns:a14="http://schemas.microsoft.com/office/drawing/2010/main" val="0"/>
+              </a:ext>
+            </a:extLst>
+          </a:blip>
+          <a:srcRect/>
+          <a:stretch>
+            <a:fillRect t="-23000" b="-23000"/>
+          </a:stretch>
+        </a:blipFill>
+      </dgm:spPr>
+      <dgm:t>
+        <a:bodyPr/>
+        <a:lstStyle/>
+        <a:p>
+          <a:endParaRPr lang="en-US"/>
+        </a:p>
+      </dgm:t>
+    </dgm:pt>
+    <dgm:pt modelId="{D3D71560-A340-4769-B204-0994197DC3F7}" type="pres">
+      <dgm:prSet presAssocID="{4B04F939-7ABD-4B21-95EB-E4CBE04DB94C}" presName="textRect" presStyleLbl="revTx" presStyleIdx="3" presStyleCnt="4">
         <dgm:presLayoutVars>
           <dgm:bulletEnabled val="1"/>
         </dgm:presLayoutVars>
@@ -3862,32 +3872,32 @@
   </dgm:ptLst>
   <dgm:cxnLst>
     <dgm:cxn modelId="{247A0DAC-BBD8-413D-851F-1E896BF71CB6}" type="presOf" srcId="{B854BF0E-8186-4A1D-82F5-FCBE21864E2C}" destId="{413484C7-CF82-4E43-86D6-4A2EDC9C3557}" srcOrd="0" destOrd="0" presId="urn:microsoft.com/office/officeart/2005/8/layout/pList1"/>
-    <dgm:cxn modelId="{1CE4440B-ACFD-4E9C-BC40-22D78780364F}" type="presOf" srcId="{05E60817-EFBA-4CC3-8B8F-0ECECFB367D9}" destId="{C632C227-C807-4180-903E-236519F6CDD7}" srcOrd="0" destOrd="0" presId="urn:microsoft.com/office/officeart/2005/8/layout/pList1"/>
+    <dgm:cxn modelId="{41691E26-58EB-4684-AAE7-46FBB5D53912}" srcId="{CD24A54C-9A2D-4461-B4ED-DB07A1DF400E}" destId="{3C560E7D-3BEE-4A58-BCB4-42A49126B517}" srcOrd="2" destOrd="0" parTransId="{D0A922DA-6CFE-4F00-8376-19F1282DEF72}" sibTransId="{951CC521-682D-4B4D-B2DA-8943970D6EE9}"/>
     <dgm:cxn modelId="{28581E4E-EC74-4E84-A003-30E502D9DE56}" type="presOf" srcId="{CD24A54C-9A2D-4461-B4ED-DB07A1DF400E}" destId="{EDDE1776-3C43-45C0-AFFF-2BE66953306B}" srcOrd="0" destOrd="0" presId="urn:microsoft.com/office/officeart/2005/8/layout/pList1"/>
-    <dgm:cxn modelId="{175298FF-7E58-44AC-9AF4-6F8F0006A8C8}" srcId="{CD24A54C-9A2D-4461-B4ED-DB07A1DF400E}" destId="{1027CA06-C869-4AC2-82BB-D2431DBA93A9}" srcOrd="1" destOrd="0" parTransId="{DF19D294-2701-49F9-AC3B-F5C6F32FB512}" sibTransId="{C56EDCCC-B488-45AD-903B-A23FABCF550E}"/>
-    <dgm:cxn modelId="{441F7311-3E16-4C82-B72E-5FB70258C06E}" srcId="{CD24A54C-9A2D-4461-B4ED-DB07A1DF400E}" destId="{261BB819-3E9A-4554-9B4C-22EB643114E3}" srcOrd="3" destOrd="0" parTransId="{AC1611A9-99BF-4F02-A097-FF91AA8BB151}" sibTransId="{32C52D12-2ECA-4277-9DEF-7B63213F4D19}"/>
-    <dgm:cxn modelId="{8C74DF28-7931-4F0C-9075-FE61263C5352}" type="presOf" srcId="{0F39D0A9-867D-45C6-A3EE-B1D7599D7259}" destId="{937B735E-E19D-454F-8B0F-8811B9BF27A1}" srcOrd="0" destOrd="0" presId="urn:microsoft.com/office/officeart/2005/8/layout/pList1"/>
-    <dgm:cxn modelId="{83AF2CEC-A446-4D80-8ABD-1956873AEF71}" srcId="{CD24A54C-9A2D-4461-B4ED-DB07A1DF400E}" destId="{0F39D0A9-867D-45C6-A3EE-B1D7599D7259}" srcOrd="0" destOrd="0" parTransId="{A088C478-C5EE-4CEF-97E9-142F0CE3F502}" sibTransId="{05E60817-EFBA-4CC3-8B8F-0ECECFB367D9}"/>
+    <dgm:cxn modelId="{441F7311-3E16-4C82-B72E-5FB70258C06E}" srcId="{CD24A54C-9A2D-4461-B4ED-DB07A1DF400E}" destId="{261BB819-3E9A-4554-9B4C-22EB643114E3}" srcOrd="1" destOrd="0" parTransId="{AC1611A9-99BF-4F02-A097-FF91AA8BB151}" sibTransId="{32C52D12-2ECA-4277-9DEF-7B63213F4D19}"/>
     <dgm:cxn modelId="{34F8E270-0483-4CE1-AC5C-20BF95A13906}" type="presOf" srcId="{131ADA8E-682F-4521-B238-7B43298F94DB}" destId="{5DB9150D-27C5-4778-9EE1-1EBF7E94C0B2}" srcOrd="0" destOrd="0" presId="urn:microsoft.com/office/officeart/2005/8/layout/pList1"/>
-    <dgm:cxn modelId="{D5997111-46E3-4A1B-8967-127869E82F15}" type="presOf" srcId="{1027CA06-C869-4AC2-82BB-D2431DBA93A9}" destId="{EFA395D9-DAC9-4DBC-9700-CD1D30DAEBCA}" srcOrd="0" destOrd="0" presId="urn:microsoft.com/office/officeart/2005/8/layout/pList1"/>
-    <dgm:cxn modelId="{8AD15B8F-747C-47E6-9BD3-5C4AEECF5B4A}" type="presOf" srcId="{C56EDCCC-B488-45AD-903B-A23FABCF550E}" destId="{7018EBF4-3588-4686-A9BD-8F739CCCD4AD}" srcOrd="0" destOrd="0" presId="urn:microsoft.com/office/officeart/2005/8/layout/pList1"/>
+    <dgm:cxn modelId="{40A3091D-B58F-4212-ABE5-7BC1BFE25281}" type="presOf" srcId="{32C52D12-2ECA-4277-9DEF-7B63213F4D19}" destId="{80955E18-24A8-448C-B417-FAABD073D41F}" srcOrd="0" destOrd="0" presId="urn:microsoft.com/office/officeart/2005/8/layout/pList1"/>
+    <dgm:cxn modelId="{4612A116-DEF7-456F-93EA-8482A50FDE8C}" type="presOf" srcId="{3C560E7D-3BEE-4A58-BCB4-42A49126B517}" destId="{5690633D-6185-426E-A3A4-5F44030D1140}" srcOrd="0" destOrd="0" presId="urn:microsoft.com/office/officeart/2005/8/layout/pList1"/>
+    <dgm:cxn modelId="{DF1EDF21-669B-463F-87C7-B07E1819D2CC}" type="presOf" srcId="{951CC521-682D-4B4D-B2DA-8943970D6EE9}" destId="{777F209B-62C8-4708-84E3-3779E7538EB6}" srcOrd="0" destOrd="0" presId="urn:microsoft.com/office/officeart/2005/8/layout/pList1"/>
+    <dgm:cxn modelId="{A70CACF6-48F3-4F39-8F65-9F591723324F}" type="presOf" srcId="{4B04F939-7ABD-4B21-95EB-E4CBE04DB94C}" destId="{D3D71560-A340-4769-B204-0994197DC3F7}" srcOrd="0" destOrd="0" presId="urn:microsoft.com/office/officeart/2005/8/layout/pList1"/>
     <dgm:cxn modelId="{EF865855-A7F8-4B08-A7C1-4497A77787E0}" type="presOf" srcId="{261BB819-3E9A-4554-9B4C-22EB643114E3}" destId="{187C6956-143C-47D8-A39D-6B598621A5DA}" srcOrd="0" destOrd="0" presId="urn:microsoft.com/office/officeart/2005/8/layout/pList1"/>
-    <dgm:cxn modelId="{03C0283E-B5B7-4F94-B159-1BE3C14FF69D}" srcId="{CD24A54C-9A2D-4461-B4ED-DB07A1DF400E}" destId="{B854BF0E-8186-4A1D-82F5-FCBE21864E2C}" srcOrd="2" destOrd="0" parTransId="{718318BE-7467-4374-9E6A-B62BBA5FCD0A}" sibTransId="{131ADA8E-682F-4521-B238-7B43298F94DB}"/>
-    <dgm:cxn modelId="{0E03BB93-E917-46DD-9145-C46FB81B6129}" type="presParOf" srcId="{EDDE1776-3C43-45C0-AFFF-2BE66953306B}" destId="{6E700440-355F-490D-B0EB-CF017ED41C01}" srcOrd="0" destOrd="0" presId="urn:microsoft.com/office/officeart/2005/8/layout/pList1"/>
-    <dgm:cxn modelId="{ADD1DD56-6CEF-496B-B8A0-884CBE9DD961}" type="presParOf" srcId="{6E700440-355F-490D-B0EB-CF017ED41C01}" destId="{EEF51702-864D-4C77-A34E-907E56444CA3}" srcOrd="0" destOrd="0" presId="urn:microsoft.com/office/officeart/2005/8/layout/pList1"/>
-    <dgm:cxn modelId="{1BB5EE4E-E6C8-4496-9C4E-98ED11DD9A6E}" type="presParOf" srcId="{6E700440-355F-490D-B0EB-CF017ED41C01}" destId="{937B735E-E19D-454F-8B0F-8811B9BF27A1}" srcOrd="1" destOrd="0" presId="urn:microsoft.com/office/officeart/2005/8/layout/pList1"/>
-    <dgm:cxn modelId="{480D35A1-9AFD-4DD5-BD01-2A73EB66F067}" type="presParOf" srcId="{EDDE1776-3C43-45C0-AFFF-2BE66953306B}" destId="{C632C227-C807-4180-903E-236519F6CDD7}" srcOrd="1" destOrd="0" presId="urn:microsoft.com/office/officeart/2005/8/layout/pList1"/>
-    <dgm:cxn modelId="{6C33A8D1-0209-460C-946E-7A60D2E49D13}" type="presParOf" srcId="{EDDE1776-3C43-45C0-AFFF-2BE66953306B}" destId="{040481FA-D387-43CB-A3F8-BF767FA94A9F}" srcOrd="2" destOrd="0" presId="urn:microsoft.com/office/officeart/2005/8/layout/pList1"/>
-    <dgm:cxn modelId="{4D37F66B-45BF-42E3-88E6-AF989828D782}" type="presParOf" srcId="{040481FA-D387-43CB-A3F8-BF767FA94A9F}" destId="{4AEC347F-63D0-461D-BB55-83E9C562A291}" srcOrd="0" destOrd="0" presId="urn:microsoft.com/office/officeart/2005/8/layout/pList1"/>
-    <dgm:cxn modelId="{83D0410D-AA06-47D1-BDE2-75280134CA6C}" type="presParOf" srcId="{040481FA-D387-43CB-A3F8-BF767FA94A9F}" destId="{EFA395D9-DAC9-4DBC-9700-CD1D30DAEBCA}" srcOrd="1" destOrd="0" presId="urn:microsoft.com/office/officeart/2005/8/layout/pList1"/>
-    <dgm:cxn modelId="{7A7E0BD3-2ABB-48C3-A172-FBA0716F7F00}" type="presParOf" srcId="{EDDE1776-3C43-45C0-AFFF-2BE66953306B}" destId="{7018EBF4-3588-4686-A9BD-8F739CCCD4AD}" srcOrd="3" destOrd="0" presId="urn:microsoft.com/office/officeart/2005/8/layout/pList1"/>
-    <dgm:cxn modelId="{FB20D7C7-5510-4A82-B37B-19979F93522C}" type="presParOf" srcId="{EDDE1776-3C43-45C0-AFFF-2BE66953306B}" destId="{BA5BBCAC-27E5-42D6-BBD7-7C6524D43BC4}" srcOrd="4" destOrd="0" presId="urn:microsoft.com/office/officeart/2005/8/layout/pList1"/>
+    <dgm:cxn modelId="{03C0283E-B5B7-4F94-B159-1BE3C14FF69D}" srcId="{CD24A54C-9A2D-4461-B4ED-DB07A1DF400E}" destId="{B854BF0E-8186-4A1D-82F5-FCBE21864E2C}" srcOrd="0" destOrd="0" parTransId="{718318BE-7467-4374-9E6A-B62BBA5FCD0A}" sibTransId="{131ADA8E-682F-4521-B238-7B43298F94DB}"/>
+    <dgm:cxn modelId="{9AE7E521-AA17-436D-A9D5-CE94E8B98DC9}" srcId="{CD24A54C-9A2D-4461-B4ED-DB07A1DF400E}" destId="{4B04F939-7ABD-4B21-95EB-E4CBE04DB94C}" srcOrd="3" destOrd="0" parTransId="{6B1FF609-2CA8-46D9-BD2A-C4631B24217E}" sibTransId="{2A539341-B4B5-416B-862A-0BA8471ECC75}"/>
+    <dgm:cxn modelId="{FB20D7C7-5510-4A82-B37B-19979F93522C}" type="presParOf" srcId="{EDDE1776-3C43-45C0-AFFF-2BE66953306B}" destId="{BA5BBCAC-27E5-42D6-BBD7-7C6524D43BC4}" srcOrd="0" destOrd="0" presId="urn:microsoft.com/office/officeart/2005/8/layout/pList1"/>
     <dgm:cxn modelId="{A1F900F6-3114-44C3-8E7F-66A09178FBFF}" type="presParOf" srcId="{BA5BBCAC-27E5-42D6-BBD7-7C6524D43BC4}" destId="{F20742AD-0F9F-4864-8B4D-74AED66FE7E8}" srcOrd="0" destOrd="0" presId="urn:microsoft.com/office/officeart/2005/8/layout/pList1"/>
     <dgm:cxn modelId="{09B213DB-4791-4E34-8B3A-7B84FCF4347E}" type="presParOf" srcId="{BA5BBCAC-27E5-42D6-BBD7-7C6524D43BC4}" destId="{413484C7-CF82-4E43-86D6-4A2EDC9C3557}" srcOrd="1" destOrd="0" presId="urn:microsoft.com/office/officeart/2005/8/layout/pList1"/>
-    <dgm:cxn modelId="{B7676FB8-EA64-4B32-BDF4-4B20309727AC}" type="presParOf" srcId="{EDDE1776-3C43-45C0-AFFF-2BE66953306B}" destId="{5DB9150D-27C5-4778-9EE1-1EBF7E94C0B2}" srcOrd="5" destOrd="0" presId="urn:microsoft.com/office/officeart/2005/8/layout/pList1"/>
-    <dgm:cxn modelId="{DF56C3C0-D753-4B2B-9FE4-5794501FAE10}" type="presParOf" srcId="{EDDE1776-3C43-45C0-AFFF-2BE66953306B}" destId="{740EE94D-5974-4A33-B3C3-AF74EED08481}" srcOrd="6" destOrd="0" presId="urn:microsoft.com/office/officeart/2005/8/layout/pList1"/>
+    <dgm:cxn modelId="{B7676FB8-EA64-4B32-BDF4-4B20309727AC}" type="presParOf" srcId="{EDDE1776-3C43-45C0-AFFF-2BE66953306B}" destId="{5DB9150D-27C5-4778-9EE1-1EBF7E94C0B2}" srcOrd="1" destOrd="0" presId="urn:microsoft.com/office/officeart/2005/8/layout/pList1"/>
+    <dgm:cxn modelId="{DF56C3C0-D753-4B2B-9FE4-5794501FAE10}" type="presParOf" srcId="{EDDE1776-3C43-45C0-AFFF-2BE66953306B}" destId="{740EE94D-5974-4A33-B3C3-AF74EED08481}" srcOrd="2" destOrd="0" presId="urn:microsoft.com/office/officeart/2005/8/layout/pList1"/>
     <dgm:cxn modelId="{91F75E42-8ACD-4FC5-8D0C-773A3B17ABD2}" type="presParOf" srcId="{740EE94D-5974-4A33-B3C3-AF74EED08481}" destId="{F022E9FD-AD84-44E7-BEE8-003BE2B2A367}" srcOrd="0" destOrd="0" presId="urn:microsoft.com/office/officeart/2005/8/layout/pList1"/>
     <dgm:cxn modelId="{5EF2B56B-9C0F-4157-8757-B1D0BC383D46}" type="presParOf" srcId="{740EE94D-5974-4A33-B3C3-AF74EED08481}" destId="{187C6956-143C-47D8-A39D-6B598621A5DA}" srcOrd="1" destOrd="0" presId="urn:microsoft.com/office/officeart/2005/8/layout/pList1"/>
+    <dgm:cxn modelId="{56B40801-05FE-4607-9E54-914774FFF50A}" type="presParOf" srcId="{EDDE1776-3C43-45C0-AFFF-2BE66953306B}" destId="{80955E18-24A8-448C-B417-FAABD073D41F}" srcOrd="3" destOrd="0" presId="urn:microsoft.com/office/officeart/2005/8/layout/pList1"/>
+    <dgm:cxn modelId="{A4720FF4-9CA8-41B0-A815-515E040B6283}" type="presParOf" srcId="{EDDE1776-3C43-45C0-AFFF-2BE66953306B}" destId="{971FD804-8A25-48A4-BBF4-8761E6DF4F28}" srcOrd="4" destOrd="0" presId="urn:microsoft.com/office/officeart/2005/8/layout/pList1"/>
+    <dgm:cxn modelId="{B7CB7AA2-8C90-4718-845C-69339E97699D}" type="presParOf" srcId="{971FD804-8A25-48A4-BBF4-8761E6DF4F28}" destId="{D78821C9-246F-465C-9784-34AB0456F578}" srcOrd="0" destOrd="0" presId="urn:microsoft.com/office/officeart/2005/8/layout/pList1"/>
+    <dgm:cxn modelId="{D3127EF1-4497-4EB8-BCFF-86C3CA400866}" type="presParOf" srcId="{971FD804-8A25-48A4-BBF4-8761E6DF4F28}" destId="{5690633D-6185-426E-A3A4-5F44030D1140}" srcOrd="1" destOrd="0" presId="urn:microsoft.com/office/officeart/2005/8/layout/pList1"/>
+    <dgm:cxn modelId="{6FF2FD0C-41E2-4170-B59C-E55D8CC27D42}" type="presParOf" srcId="{EDDE1776-3C43-45C0-AFFF-2BE66953306B}" destId="{777F209B-62C8-4708-84E3-3779E7538EB6}" srcOrd="5" destOrd="0" presId="urn:microsoft.com/office/officeart/2005/8/layout/pList1"/>
+    <dgm:cxn modelId="{35FA3BAB-A881-4C12-AE51-15A2A7C05A89}" type="presParOf" srcId="{EDDE1776-3C43-45C0-AFFF-2BE66953306B}" destId="{EF90F258-CAF8-4E60-A8B4-A2E937E18B5A}" srcOrd="6" destOrd="0" presId="urn:microsoft.com/office/officeart/2005/8/layout/pList1"/>
+    <dgm:cxn modelId="{A91C6070-7796-439A-842B-A42DA001BC35}" type="presParOf" srcId="{EF90F258-CAF8-4E60-A8B4-A2E937E18B5A}" destId="{3E544051-4E18-48DD-8C6F-3DB7926412A2}" srcOrd="0" destOrd="0" presId="urn:microsoft.com/office/officeart/2005/8/layout/pList1"/>
+    <dgm:cxn modelId="{6E2CD119-18B9-4596-84DF-6D1F450FE002}" type="presParOf" srcId="{EF90F258-CAF8-4E60-A8B4-A2E937E18B5A}" destId="{D3D71560-A340-4769-B204-0994197DC3F7}" srcOrd="1" destOrd="0" presId="urn:microsoft.com/office/officeart/2005/8/layout/pList1"/>
   </dgm:cxnLst>
   <dgm:bg/>
   <dgm:whole/>
@@ -5554,251 +5564,6 @@
       <dsp:cNvGrpSpPr/>
     </dsp:nvGrpSpPr>
     <dsp:grpSpPr/>
-    <dsp:sp modelId="{EEF51702-864D-4C77-A34E-907E56444CA3}">
-      <dsp:nvSpPr>
-        <dsp:cNvPr id="0" name=""/>
-        <dsp:cNvSpPr/>
-      </dsp:nvSpPr>
-      <dsp:spPr>
-        <a:xfrm>
-          <a:off x="245391" y="49578"/>
-          <a:ext cx="1388101" cy="956402"/>
-        </a:xfrm>
-        <a:prstGeom prst="roundRect">
-          <a:avLst/>
-        </a:prstGeom>
-        <a:blipFill>
-          <a:blip xmlns:r="http://schemas.openxmlformats.org/officeDocument/2006/relationships" r:embed="rId1" cstate="print">
-            <a:extLst>
-              <a:ext uri="{28A0092B-C50C-407E-A947-70E740481C1C}">
-                <a14:useLocalDpi xmlns:a14="http://schemas.microsoft.com/office/drawing/2010/main" val="0"/>
-              </a:ext>
-            </a:extLst>
-          </a:blip>
-          <a:srcRect/>
-          <a:stretch>
-            <a:fillRect t="-23000" b="-23000"/>
-          </a:stretch>
-        </a:blipFill>
-        <a:ln w="25400" cap="flat" cmpd="sng" algn="ctr">
-          <a:solidFill>
-            <a:schemeClr val="lt1">
-              <a:hueOff val="0"/>
-              <a:satOff val="0"/>
-              <a:lumOff val="0"/>
-              <a:alphaOff val="0"/>
-            </a:schemeClr>
-          </a:solidFill>
-          <a:prstDash val="solid"/>
-        </a:ln>
-        <a:effectLst/>
-      </dsp:spPr>
-      <dsp:style>
-        <a:lnRef idx="2">
-          <a:scrgbClr r="0" g="0" b="0"/>
-        </a:lnRef>
-        <a:fillRef idx="1">
-          <a:scrgbClr r="0" g="0" b="0"/>
-        </a:fillRef>
-        <a:effectRef idx="0">
-          <a:scrgbClr r="0" g="0" b="0"/>
-        </a:effectRef>
-        <a:fontRef idx="minor">
-          <a:schemeClr val="lt1"/>
-        </a:fontRef>
-      </dsp:style>
-    </dsp:sp>
-    <dsp:sp modelId="{937B735E-E19D-454F-8B0F-8811B9BF27A1}">
-      <dsp:nvSpPr>
-        <dsp:cNvPr id="0" name=""/>
-        <dsp:cNvSpPr/>
-      </dsp:nvSpPr>
-      <dsp:spPr>
-        <a:xfrm>
-          <a:off x="228596" y="1036640"/>
-          <a:ext cx="1152703" cy="837484"/>
-        </a:xfrm>
-        <a:prstGeom prst="rect">
-          <a:avLst/>
-        </a:prstGeom>
-        <a:noFill/>
-        <a:ln>
-          <a:noFill/>
-        </a:ln>
-        <a:effectLst/>
-      </dsp:spPr>
-      <dsp:style>
-        <a:lnRef idx="0">
-          <a:scrgbClr r="0" g="0" b="0"/>
-        </a:lnRef>
-        <a:fillRef idx="0">
-          <a:scrgbClr r="0" g="0" b="0"/>
-        </a:fillRef>
-        <a:effectRef idx="0">
-          <a:scrgbClr r="0" g="0" b="0"/>
-        </a:effectRef>
-        <a:fontRef idx="minor"/>
-      </dsp:style>
-      <dsp:txBody>
-        <a:bodyPr spcFirstLastPara="0" vert="horz" wrap="square" lIns="120904" tIns="120904" rIns="120904" bIns="0" numCol="1" spcCol="1270" anchor="t" anchorCtr="0">
-          <a:noAutofit/>
-        </a:bodyPr>
-        <a:lstStyle/>
-        <a:p>
-          <a:pPr lvl="0" algn="l" defTabSz="755650">
-            <a:lnSpc>
-              <a:spcPct val="90000"/>
-            </a:lnSpc>
-            <a:spcBef>
-              <a:spcPct val="0"/>
-            </a:spcBef>
-            <a:spcAft>
-              <a:spcPct val="35000"/>
-            </a:spcAft>
-          </a:pPr>
-          <a:r>
-            <a:rPr lang="en-US" sz="1700" kern="1200" dirty="0" smtClean="0"/>
-            <a:t>No need to setup</a:t>
-          </a:r>
-          <a:endParaRPr lang="en-US" sz="1700" kern="1200" dirty="0"/>
-        </a:p>
-      </dsp:txBody>
-      <dsp:txXfrm>
-        <a:off x="228596" y="1036640"/>
-        <a:ext cx="1152703" cy="837484"/>
-      </dsp:txXfrm>
-    </dsp:sp>
-    <dsp:sp modelId="{4AEC347F-63D0-461D-BB55-83E9C562A291}">
-      <dsp:nvSpPr>
-        <dsp:cNvPr id="0" name=""/>
-        <dsp:cNvSpPr/>
-      </dsp:nvSpPr>
-      <dsp:spPr>
-        <a:xfrm>
-          <a:off x="0" y="1905006"/>
-          <a:ext cx="1636705" cy="1127674"/>
-        </a:xfrm>
-        <a:prstGeom prst="roundRect">
-          <a:avLst/>
-        </a:prstGeom>
-        <a:blipFill>
-          <a:blip xmlns:r="http://schemas.openxmlformats.org/officeDocument/2006/relationships" r:embed="rId2">
-            <a:extLst>
-              <a:ext uri="{28A0092B-C50C-407E-A947-70E740481C1C}">
-                <a14:useLocalDpi xmlns:a14="http://schemas.microsoft.com/office/drawing/2010/main" val="0"/>
-              </a:ext>
-            </a:extLst>
-          </a:blip>
-          <a:srcRect/>
-          <a:stretch>
-            <a:fillRect t="-23000" b="-23000"/>
-          </a:stretch>
-        </a:blipFill>
-        <a:ln w="25400" cap="flat" cmpd="sng" algn="ctr">
-          <a:solidFill>
-            <a:schemeClr val="lt1">
-              <a:hueOff val="0"/>
-              <a:satOff val="0"/>
-              <a:lumOff val="0"/>
-              <a:alphaOff val="0"/>
-            </a:schemeClr>
-          </a:solidFill>
-          <a:prstDash val="solid"/>
-        </a:ln>
-        <a:effectLst/>
-      </dsp:spPr>
-      <dsp:style>
-        <a:lnRef idx="2">
-          <a:scrgbClr r="0" g="0" b="0"/>
-        </a:lnRef>
-        <a:fillRef idx="1">
-          <a:scrgbClr r="0" g="0" b="0"/>
-        </a:fillRef>
-        <a:effectRef idx="0">
-          <a:scrgbClr r="0" g="0" b="0"/>
-        </a:effectRef>
-        <a:fontRef idx="minor">
-          <a:schemeClr val="lt1"/>
-        </a:fontRef>
-      </dsp:style>
-    </dsp:sp>
-    <dsp:sp modelId="{EFA395D9-DAC9-4DBC-9700-CD1D30DAEBCA}">
-      <dsp:nvSpPr>
-        <dsp:cNvPr id="0" name=""/>
-        <dsp:cNvSpPr/>
-      </dsp:nvSpPr>
-      <dsp:spPr>
-        <a:xfrm>
-          <a:off x="152391" y="3147098"/>
-          <a:ext cx="2257369" cy="837484"/>
-        </a:xfrm>
-        <a:prstGeom prst="rect">
-          <a:avLst/>
-        </a:prstGeom>
-        <a:noFill/>
-        <a:ln>
-          <a:noFill/>
-        </a:ln>
-        <a:effectLst/>
-      </dsp:spPr>
-      <dsp:style>
-        <a:lnRef idx="0">
-          <a:scrgbClr r="0" g="0" b="0"/>
-        </a:lnRef>
-        <a:fillRef idx="0">
-          <a:scrgbClr r="0" g="0" b="0"/>
-        </a:fillRef>
-        <a:effectRef idx="0">
-          <a:scrgbClr r="0" g="0" b="0"/>
-        </a:effectRef>
-        <a:fontRef idx="minor"/>
-      </dsp:style>
-      <dsp:txBody>
-        <a:bodyPr spcFirstLastPara="0" vert="horz" wrap="square" lIns="120904" tIns="120904" rIns="120904" bIns="0" numCol="1" spcCol="1270" anchor="t" anchorCtr="0">
-          <a:noAutofit/>
-        </a:bodyPr>
-        <a:lstStyle/>
-        <a:p>
-          <a:pPr lvl="0" algn="l" defTabSz="755650">
-            <a:lnSpc>
-              <a:spcPct val="90000"/>
-            </a:lnSpc>
-            <a:spcBef>
-              <a:spcPct val="0"/>
-            </a:spcBef>
-            <a:spcAft>
-              <a:spcPct val="35000"/>
-            </a:spcAft>
-          </a:pPr>
-          <a:r>
-            <a:rPr lang="en-US" sz="1700" kern="1200" dirty="0" smtClean="0"/>
-            <a:t>Less training </a:t>
-          </a:r>
-        </a:p>
-        <a:p>
-          <a:pPr lvl="0" algn="l" defTabSz="755650">
-            <a:lnSpc>
-              <a:spcPct val="90000"/>
-            </a:lnSpc>
-            <a:spcBef>
-              <a:spcPct val="0"/>
-            </a:spcBef>
-            <a:spcAft>
-              <a:spcPct val="35000"/>
-            </a:spcAft>
-          </a:pPr>
-          <a:r>
-            <a:rPr lang="en-US" sz="1700" kern="1200" dirty="0" smtClean="0"/>
-            <a:t>time</a:t>
-          </a:r>
-          <a:endParaRPr lang="en-US" sz="1700" kern="1200" dirty="0"/>
-        </a:p>
-      </dsp:txBody>
-      <dsp:txXfrm>
-        <a:off x="152391" y="3147098"/>
-        <a:ext cx="2257369" cy="837484"/>
-      </dsp:txXfrm>
-    </dsp:sp>
     <dsp:sp modelId="{F20742AD-0F9F-4864-8B4D-74AED66FE7E8}">
       <dsp:nvSpPr>
         <dsp:cNvPr id="0" name=""/>
@@ -5806,14 +5571,14 @@
       </dsp:nvSpPr>
       <dsp:spPr>
         <a:xfrm>
-          <a:off x="4414106" y="101471"/>
-          <a:ext cx="1550000" cy="1143445"/>
+          <a:off x="0" y="291453"/>
+          <a:ext cx="2346405" cy="1616673"/>
         </a:xfrm>
         <a:prstGeom prst="roundRect">
           <a:avLst/>
         </a:prstGeom>
         <a:blipFill>
-          <a:blip xmlns:r="http://schemas.openxmlformats.org/officeDocument/2006/relationships" r:embed="rId3" cstate="print">
+          <a:blip xmlns:r="http://schemas.openxmlformats.org/officeDocument/2006/relationships" r:embed="rId1" cstate="print">
             <a:extLst>
               <a:ext uri="{28A0092B-C50C-407E-A947-70E740481C1C}">
                 <a14:useLocalDpi xmlns:a14="http://schemas.microsoft.com/office/drawing/2010/main" val="0"/>
@@ -5860,8 +5625,8 @@
       </dsp:nvSpPr>
       <dsp:spPr>
         <a:xfrm>
-          <a:off x="4038593" y="1285997"/>
-          <a:ext cx="2257369" cy="837484"/>
+          <a:off x="0" y="1785438"/>
+          <a:ext cx="2893962" cy="870516"/>
         </a:xfrm>
         <a:prstGeom prst="rect">
           <a:avLst/>
@@ -5909,8 +5674,8 @@
         </a:p>
       </dsp:txBody>
       <dsp:txXfrm>
-        <a:off x="4038593" y="1285997"/>
-        <a:ext cx="2257369" cy="837484"/>
+        <a:off x="0" y="1785438"/>
+        <a:ext cx="2893962" cy="870516"/>
       </dsp:txXfrm>
     </dsp:sp>
     <dsp:sp modelId="{F022E9FD-AD84-44E7-BEE8-003BE2B2A367}">
@@ -5920,14 +5685,14 @@
       </dsp:nvSpPr>
       <dsp:spPr>
         <a:xfrm>
-          <a:off x="6400799" y="122231"/>
-          <a:ext cx="1644222" cy="1143087"/>
+          <a:off x="0" y="2928183"/>
+          <a:ext cx="2346405" cy="1616673"/>
         </a:xfrm>
         <a:prstGeom prst="roundRect">
           <a:avLst/>
         </a:prstGeom>
         <a:blipFill>
-          <a:blip xmlns:r="http://schemas.openxmlformats.org/officeDocument/2006/relationships" r:embed="rId4">
+          <a:blip xmlns:r="http://schemas.openxmlformats.org/officeDocument/2006/relationships" r:embed="rId2">
             <a:extLst>
               <a:ext uri="{28A0092B-C50C-407E-A947-70E740481C1C}">
                 <a14:useLocalDpi xmlns:a14="http://schemas.microsoft.com/office/drawing/2010/main" val="0"/>
@@ -5974,8 +5739,8 @@
       </dsp:nvSpPr>
       <dsp:spPr>
         <a:xfrm>
-          <a:off x="6477008" y="1265236"/>
-          <a:ext cx="1644222" cy="615508"/>
+          <a:off x="0" y="4573892"/>
+          <a:ext cx="3328939" cy="639786"/>
         </a:xfrm>
         <a:prstGeom prst="rect">
           <a:avLst/>
@@ -6017,13 +5782,239 @@
           </a:pPr>
           <a:r>
             <a:rPr lang="en-US" sz="1700" kern="1200" dirty="0" smtClean="0"/>
-            <a:t>No statistics report</a:t>
+            <a:t>Lack of statistics report</a:t>
           </a:r>
         </a:p>
       </dsp:txBody>
       <dsp:txXfrm>
-        <a:off x="6477008" y="1265236"/>
-        <a:ext cx="1644222" cy="615508"/>
+        <a:off x="0" y="4573892"/>
+        <a:ext cx="3328939" cy="639786"/>
+      </dsp:txXfrm>
+    </dsp:sp>
+    <dsp:sp modelId="{D78821C9-246F-465C-9784-34AB0456F578}">
+      <dsp:nvSpPr>
+        <dsp:cNvPr id="0" name=""/>
+        <dsp:cNvSpPr/>
+      </dsp:nvSpPr>
+      <dsp:spPr>
+        <a:xfrm>
+          <a:off x="3509713" y="291452"/>
+          <a:ext cx="2346405" cy="1616673"/>
+        </a:xfrm>
+        <a:prstGeom prst="roundRect">
+          <a:avLst/>
+        </a:prstGeom>
+        <a:blipFill>
+          <a:blip xmlns:r="http://schemas.openxmlformats.org/officeDocument/2006/relationships" r:embed="rId3">
+            <a:extLst>
+              <a:ext uri="{28A0092B-C50C-407E-A947-70E740481C1C}">
+                <a14:useLocalDpi xmlns:a14="http://schemas.microsoft.com/office/drawing/2010/main" val="0"/>
+              </a:ext>
+            </a:extLst>
+          </a:blip>
+          <a:srcRect/>
+          <a:stretch>
+            <a:fillRect l="-2000" r="-2000"/>
+          </a:stretch>
+        </a:blipFill>
+        <a:ln w="25400" cap="flat" cmpd="sng" algn="ctr">
+          <a:solidFill>
+            <a:schemeClr val="lt1">
+              <a:hueOff val="0"/>
+              <a:satOff val="0"/>
+              <a:lumOff val="0"/>
+              <a:alphaOff val="0"/>
+            </a:schemeClr>
+          </a:solidFill>
+          <a:prstDash val="solid"/>
+        </a:ln>
+        <a:effectLst/>
+      </dsp:spPr>
+      <dsp:style>
+        <a:lnRef idx="2">
+          <a:scrgbClr r="0" g="0" b="0"/>
+        </a:lnRef>
+        <a:fillRef idx="1">
+          <a:scrgbClr r="0" g="0" b="0"/>
+        </a:fillRef>
+        <a:effectRef idx="0">
+          <a:scrgbClr r="0" g="0" b="0"/>
+        </a:effectRef>
+        <a:fontRef idx="minor">
+          <a:schemeClr val="lt1"/>
+        </a:fontRef>
+      </dsp:style>
+    </dsp:sp>
+    <dsp:sp modelId="{5690633D-6185-426E-A3A4-5F44030D1140}">
+      <dsp:nvSpPr>
+        <dsp:cNvPr id="0" name=""/>
+        <dsp:cNvSpPr/>
+      </dsp:nvSpPr>
+      <dsp:spPr>
+        <a:xfrm>
+          <a:off x="3524989" y="1785443"/>
+          <a:ext cx="2346405" cy="870516"/>
+        </a:xfrm>
+        <a:prstGeom prst="rect">
+          <a:avLst/>
+        </a:prstGeom>
+        <a:noFill/>
+        <a:ln>
+          <a:noFill/>
+        </a:ln>
+        <a:effectLst/>
+      </dsp:spPr>
+      <dsp:style>
+        <a:lnRef idx="0">
+          <a:scrgbClr r="0" g="0" b="0"/>
+        </a:lnRef>
+        <a:fillRef idx="0">
+          <a:scrgbClr r="0" g="0" b="0"/>
+        </a:fillRef>
+        <a:effectRef idx="0">
+          <a:scrgbClr r="0" g="0" b="0"/>
+        </a:effectRef>
+        <a:fontRef idx="minor"/>
+      </dsp:style>
+      <dsp:txBody>
+        <a:bodyPr spcFirstLastPara="0" vert="horz" wrap="square" lIns="120904" tIns="120904" rIns="120904" bIns="0" numCol="1" spcCol="1270" anchor="t" anchorCtr="0">
+          <a:noAutofit/>
+        </a:bodyPr>
+        <a:lstStyle/>
+        <a:p>
+          <a:pPr lvl="0" algn="ctr" defTabSz="755650">
+            <a:lnSpc>
+              <a:spcPct val="90000"/>
+            </a:lnSpc>
+            <a:spcBef>
+              <a:spcPct val="0"/>
+            </a:spcBef>
+            <a:spcAft>
+              <a:spcPct val="35000"/>
+            </a:spcAft>
+          </a:pPr>
+          <a:r>
+            <a:rPr lang="en-US" sz="1700" kern="1200" dirty="0" smtClean="0"/>
+            <a:t>Ineffective manual work</a:t>
+          </a:r>
+        </a:p>
+      </dsp:txBody>
+      <dsp:txXfrm>
+        <a:off x="3524989" y="1785443"/>
+        <a:ext cx="2346405" cy="870516"/>
+      </dsp:txXfrm>
+    </dsp:sp>
+    <dsp:sp modelId="{3E544051-4E18-48DD-8C6F-3DB7926412A2}">
+      <dsp:nvSpPr>
+        <dsp:cNvPr id="0" name=""/>
+        <dsp:cNvSpPr/>
+      </dsp:nvSpPr>
+      <dsp:spPr>
+        <a:xfrm>
+          <a:off x="3546369" y="2724449"/>
+          <a:ext cx="2346405" cy="1616673"/>
+        </a:xfrm>
+        <a:prstGeom prst="roundRect">
+          <a:avLst/>
+        </a:prstGeom>
+        <a:blipFill>
+          <a:blip xmlns:r="http://schemas.openxmlformats.org/officeDocument/2006/relationships" r:embed="rId4">
+            <a:extLst>
+              <a:ext uri="{28A0092B-C50C-407E-A947-70E740481C1C}">
+                <a14:useLocalDpi xmlns:a14="http://schemas.microsoft.com/office/drawing/2010/main" val="0"/>
+              </a:ext>
+            </a:extLst>
+          </a:blip>
+          <a:srcRect/>
+          <a:stretch>
+            <a:fillRect t="-23000" b="-23000"/>
+          </a:stretch>
+        </a:blipFill>
+        <a:ln w="25400" cap="flat" cmpd="sng" algn="ctr">
+          <a:solidFill>
+            <a:schemeClr val="lt1">
+              <a:hueOff val="0"/>
+              <a:satOff val="0"/>
+              <a:lumOff val="0"/>
+              <a:alphaOff val="0"/>
+            </a:schemeClr>
+          </a:solidFill>
+          <a:prstDash val="solid"/>
+        </a:ln>
+        <a:effectLst/>
+      </dsp:spPr>
+      <dsp:style>
+        <a:lnRef idx="2">
+          <a:scrgbClr r="0" g="0" b="0"/>
+        </a:lnRef>
+        <a:fillRef idx="1">
+          <a:scrgbClr r="0" g="0" b="0"/>
+        </a:fillRef>
+        <a:effectRef idx="0">
+          <a:scrgbClr r="0" g="0" b="0"/>
+        </a:effectRef>
+        <a:fontRef idx="minor">
+          <a:schemeClr val="lt1"/>
+        </a:fontRef>
+      </dsp:style>
+    </dsp:sp>
+    <dsp:sp modelId="{D3D71560-A340-4769-B204-0994197DC3F7}">
+      <dsp:nvSpPr>
+        <dsp:cNvPr id="0" name=""/>
+        <dsp:cNvSpPr/>
+      </dsp:nvSpPr>
+      <dsp:spPr>
+        <a:xfrm>
+          <a:off x="3546369" y="4341122"/>
+          <a:ext cx="2346405" cy="870516"/>
+        </a:xfrm>
+        <a:prstGeom prst="rect">
+          <a:avLst/>
+        </a:prstGeom>
+        <a:noFill/>
+        <a:ln>
+          <a:noFill/>
+        </a:ln>
+        <a:effectLst/>
+      </dsp:spPr>
+      <dsp:style>
+        <a:lnRef idx="0">
+          <a:scrgbClr r="0" g="0" b="0"/>
+        </a:lnRef>
+        <a:fillRef idx="0">
+          <a:scrgbClr r="0" g="0" b="0"/>
+        </a:fillRef>
+        <a:effectRef idx="0">
+          <a:scrgbClr r="0" g="0" b="0"/>
+        </a:effectRef>
+        <a:fontRef idx="minor"/>
+      </dsp:style>
+      <dsp:txBody>
+        <a:bodyPr spcFirstLastPara="0" vert="horz" wrap="square" lIns="120904" tIns="120904" rIns="120904" bIns="0" numCol="1" spcCol="1270" anchor="t" anchorCtr="0">
+          <a:noAutofit/>
+        </a:bodyPr>
+        <a:lstStyle/>
+        <a:p>
+          <a:pPr lvl="0" algn="ctr" defTabSz="755650">
+            <a:lnSpc>
+              <a:spcPct val="90000"/>
+            </a:lnSpc>
+            <a:spcBef>
+              <a:spcPct val="0"/>
+            </a:spcBef>
+            <a:spcAft>
+              <a:spcPct val="35000"/>
+            </a:spcAft>
+          </a:pPr>
+          <a:r>
+            <a:rPr lang="en-US" sz="1700" kern="1200" dirty="0" smtClean="0"/>
+            <a:t>Unable to tracking, manage packages</a:t>
+          </a:r>
+        </a:p>
+      </dsp:txBody>
+      <dsp:txXfrm>
+        <a:off x="3546369" y="4341122"/>
+        <a:ext cx="2346405" cy="870516"/>
       </dsp:txXfrm>
     </dsp:sp>
   </dsp:spTree>
@@ -10878,7 +10869,7 @@
           <a:p>
             <a:fld id="{8CF011AB-31B9-4FEE-9201-64BC297EEACF}" type="datetimeFigureOut">
               <a:rPr lang="en-US" smtClean="0"/>
-              <a:t>03/05/2014</a:t>
+              <a:t>05/05/2014</a:t>
             </a:fld>
             <a:endParaRPr lang="en-US"/>
           </a:p>
@@ -11044,7 +11035,7 @@
           <a:p>
             <a:fld id="{EEB917EA-0A47-475B-9CE2-61BBD17C3321}" type="datetimeFigureOut">
               <a:rPr lang="en-US" smtClean="0"/>
-              <a:t>03/05/2014</a:t>
+              <a:t>05/05/2014</a:t>
             </a:fld>
             <a:endParaRPr lang="en-US"/>
           </a:p>
@@ -11464,7 +11455,7 @@
           <a:p>
             <a:fld id="{18B43C7D-E9E7-4C11-AA4E-2BC52818EA04}" type="slidenum">
               <a:rPr lang="en-US" smtClean="0"/>
-              <a:t>7</a:t>
+              <a:t>8</a:t>
             </a:fld>
             <a:endParaRPr lang="en-US"/>
           </a:p>
@@ -11548,7 +11539,7 @@
           <a:p>
             <a:fld id="{18B43C7D-E9E7-4C11-AA4E-2BC52818EA04}" type="slidenum">
               <a:rPr lang="en-US" smtClean="0"/>
-              <a:t>8</a:t>
+              <a:t>9</a:t>
             </a:fld>
             <a:endParaRPr lang="en-US"/>
           </a:p>
@@ -13591,7 +13582,7 @@
           <a:graphicData uri="http://schemas.openxmlformats.org/presentationml/2006/ole">
             <mc:AlternateContent xmlns:mc="http://schemas.openxmlformats.org/markup-compatibility/2006">
               <mc:Choice xmlns:v="urn:schemas-microsoft-com:vml" Requires="v">
-                <p:oleObj spid="_x0000_s2478" name="Image" r:id="rId15" imgW="6311111" imgH="1155148" progId="">
+                <p:oleObj spid="_x0000_s2490" name="Image" r:id="rId15" imgW="6311111" imgH="1155148" progId="">
                   <p:embed/>
                 </p:oleObj>
               </mc:Choice>
@@ -15045,6 +15036,676 @@
           <a:lstStyle/>
           <a:p>
             <a:r>
+              <a:rPr lang="en-US" sz="3200" b="1" dirty="0" smtClean="0"/>
+              <a:t>Detail solution</a:t>
+            </a:r>
+            <a:endParaRPr lang="en-US" sz="3200" b="1" dirty="0"/>
+          </a:p>
+        </p:txBody>
+      </p:sp>
+      <p:sp>
+        <p:nvSpPr>
+          <p:cNvPr id="3" name="Content Placeholder 2"/>
+          <p:cNvSpPr>
+            <a:spLocks noGrp="1"/>
+          </p:cNvSpPr>
+          <p:nvPr>
+            <p:ph idx="1"/>
+          </p:nvPr>
+        </p:nvSpPr>
+        <p:spPr>
+          <a:xfrm>
+            <a:off x="457200" y="1393825"/>
+            <a:ext cx="8458200" cy="4930775"/>
+          </a:xfrm>
+        </p:spPr>
+        <p:txBody>
+          <a:bodyPr/>
+          <a:lstStyle/>
+          <a:p>
+            <a:pPr marL="0" indent="0">
+              <a:buNone/>
+            </a:pPr>
+            <a:r>
+              <a:rPr lang="en-US" sz="2600" b="0" dirty="0" smtClean="0"/>
+              <a:t>Find ways:</a:t>
+            </a:r>
+          </a:p>
+          <a:p>
+            <a:pPr algn="just">
+              <a:buFontTx/>
+              <a:buChar char="-"/>
+            </a:pPr>
+            <a:r>
+              <a:rPr lang="en-US" sz="2600" b="0" dirty="0" smtClean="0"/>
+              <a:t>Build </a:t>
+            </a:r>
+            <a:r>
+              <a:rPr lang="en-US" sz="2600" dirty="0" smtClean="0"/>
+              <a:t>graph</a:t>
+            </a:r>
+            <a:r>
+              <a:rPr lang="en-US" sz="2600" b="0" dirty="0"/>
+              <a:t> </a:t>
+            </a:r>
+            <a:r>
+              <a:rPr lang="en-US" sz="2600" b="0" dirty="0" smtClean="0"/>
+              <a:t>G=(V, E) and use </a:t>
+            </a:r>
+            <a:r>
+              <a:rPr lang="en-US" sz="2600" i="1" dirty="0" smtClean="0"/>
+              <a:t>breath first     </a:t>
+            </a:r>
+          </a:p>
+          <a:p>
+            <a:pPr marL="0" indent="0" algn="just">
+              <a:buNone/>
+            </a:pPr>
+            <a:r>
+              <a:rPr lang="en-US" sz="2600" i="1" dirty="0"/>
+              <a:t> </a:t>
+            </a:r>
+            <a:r>
+              <a:rPr lang="en-US" sz="2600" i="1" dirty="0" smtClean="0"/>
+              <a:t>  search </a:t>
+            </a:r>
+            <a:r>
+              <a:rPr lang="en-US" sz="2600" b="0" dirty="0" smtClean="0"/>
+              <a:t>algorithm to find </a:t>
+            </a:r>
+            <a:r>
+              <a:rPr lang="en-US" sz="2600" i="1" dirty="0" smtClean="0"/>
+              <a:t>some ways</a:t>
+            </a:r>
+            <a:r>
+              <a:rPr lang="en-US" sz="2600" b="0" dirty="0" smtClean="0"/>
+              <a:t>.</a:t>
+            </a:r>
+          </a:p>
+          <a:p>
+            <a:pPr>
+              <a:buFontTx/>
+              <a:buChar char="-"/>
+            </a:pPr>
+            <a:r>
+              <a:rPr lang="en-US" sz="2600" b="0" dirty="0" smtClean="0"/>
+              <a:t>For each way, </a:t>
+            </a:r>
+            <a:r>
+              <a:rPr lang="en-US" sz="2600" i="1" dirty="0" smtClean="0"/>
+              <a:t>check the direction </a:t>
+            </a:r>
+            <a:r>
+              <a:rPr lang="en-US" sz="2600" b="0" dirty="0" smtClean="0"/>
+              <a:t>is not backward base on the </a:t>
+            </a:r>
+            <a:r>
+              <a:rPr lang="en-US" sz="2600" i="1" dirty="0" smtClean="0"/>
+              <a:t>longitude</a:t>
+            </a:r>
+            <a:r>
+              <a:rPr lang="en-US" sz="2600" b="0" dirty="0" smtClean="0"/>
+              <a:t> and </a:t>
+            </a:r>
+            <a:r>
+              <a:rPr lang="en-US" sz="2600" i="1" dirty="0" smtClean="0"/>
+              <a:t>latitude</a:t>
+            </a:r>
+            <a:r>
+              <a:rPr lang="en-US" sz="2600" b="0" dirty="0" smtClean="0"/>
+              <a:t> of stations. Condition: </a:t>
+            </a:r>
+            <a:endParaRPr lang="en-US" sz="2600" b="0" dirty="0"/>
+          </a:p>
+        </p:txBody>
+      </p:sp>
+      <p:cxnSp>
+        <p:nvCxnSpPr>
+          <p:cNvPr id="5" name="Straight Arrow Connector 4"/>
+          <p:cNvCxnSpPr/>
+          <p:nvPr/>
+        </p:nvCxnSpPr>
+        <p:spPr>
+          <a:xfrm flipV="1">
+            <a:off x="685800" y="6044045"/>
+            <a:ext cx="1828800" cy="419100"/>
+          </a:xfrm>
+          <a:prstGeom prst="straightConnector1">
+            <a:avLst/>
+          </a:prstGeom>
+          <a:ln>
+            <a:tailEnd type="arrow"/>
+          </a:ln>
+        </p:spPr>
+        <p:style>
+          <a:lnRef idx="1">
+            <a:schemeClr val="accent1"/>
+          </a:lnRef>
+          <a:fillRef idx="0">
+            <a:schemeClr val="accent1"/>
+          </a:fillRef>
+          <a:effectRef idx="0">
+            <a:schemeClr val="accent1"/>
+          </a:effectRef>
+          <a:fontRef idx="minor">
+            <a:schemeClr val="tx1"/>
+          </a:fontRef>
+        </p:style>
+      </p:cxnSp>
+      <p:cxnSp>
+        <p:nvCxnSpPr>
+          <p:cNvPr id="7" name="Straight Arrow Connector 6"/>
+          <p:cNvCxnSpPr/>
+          <p:nvPr/>
+        </p:nvCxnSpPr>
+        <p:spPr>
+          <a:xfrm flipV="1">
+            <a:off x="2514600" y="5167745"/>
+            <a:ext cx="1295400" cy="876300"/>
+          </a:xfrm>
+          <a:prstGeom prst="straightConnector1">
+            <a:avLst/>
+          </a:prstGeom>
+          <a:ln>
+            <a:solidFill>
+              <a:srgbClr val="FF0000"/>
+            </a:solidFill>
+            <a:tailEnd type="arrow"/>
+          </a:ln>
+        </p:spPr>
+        <p:style>
+          <a:lnRef idx="1">
+            <a:schemeClr val="accent1"/>
+          </a:lnRef>
+          <a:fillRef idx="0">
+            <a:schemeClr val="accent1"/>
+          </a:fillRef>
+          <a:effectRef idx="0">
+            <a:schemeClr val="accent1"/>
+          </a:effectRef>
+          <a:fontRef idx="minor">
+            <a:schemeClr val="tx1"/>
+          </a:fontRef>
+        </p:style>
+      </p:cxnSp>
+      <p:cxnSp>
+        <p:nvCxnSpPr>
+          <p:cNvPr id="8" name="Straight Arrow Connector 7"/>
+          <p:cNvCxnSpPr/>
+          <p:nvPr/>
+        </p:nvCxnSpPr>
+        <p:spPr>
+          <a:xfrm flipV="1">
+            <a:off x="5791200" y="4724400"/>
+            <a:ext cx="1524000" cy="838200"/>
+          </a:xfrm>
+          <a:prstGeom prst="straightConnector1">
+            <a:avLst/>
+          </a:prstGeom>
+          <a:ln>
+            <a:tailEnd type="arrow"/>
+          </a:ln>
+        </p:spPr>
+        <p:style>
+          <a:lnRef idx="1">
+            <a:schemeClr val="accent1"/>
+          </a:lnRef>
+          <a:fillRef idx="0">
+            <a:schemeClr val="accent1"/>
+          </a:fillRef>
+          <a:effectRef idx="0">
+            <a:schemeClr val="accent1"/>
+          </a:effectRef>
+          <a:fontRef idx="minor">
+            <a:schemeClr val="tx1"/>
+          </a:fontRef>
+        </p:style>
+      </p:cxnSp>
+      <p:cxnSp>
+        <p:nvCxnSpPr>
+          <p:cNvPr id="9" name="Straight Arrow Connector 8"/>
+          <p:cNvCxnSpPr/>
+          <p:nvPr/>
+        </p:nvCxnSpPr>
+        <p:spPr>
+          <a:xfrm flipH="1">
+            <a:off x="6248400" y="4724400"/>
+            <a:ext cx="1066800" cy="1447800"/>
+          </a:xfrm>
+          <a:prstGeom prst="straightConnector1">
+            <a:avLst/>
+          </a:prstGeom>
+          <a:ln>
+            <a:solidFill>
+              <a:srgbClr val="FF0000"/>
+            </a:solidFill>
+            <a:tailEnd type="arrow"/>
+          </a:ln>
+        </p:spPr>
+        <p:style>
+          <a:lnRef idx="1">
+            <a:schemeClr val="accent1"/>
+          </a:lnRef>
+          <a:fillRef idx="0">
+            <a:schemeClr val="accent1"/>
+          </a:fillRef>
+          <a:effectRef idx="0">
+            <a:schemeClr val="accent1"/>
+          </a:effectRef>
+          <a:fontRef idx="minor">
+            <a:schemeClr val="tx1"/>
+          </a:fontRef>
+        </p:style>
+      </p:cxnSp>
+      <p:sp>
+        <p:nvSpPr>
+          <p:cNvPr id="4" name="Rectangle 2"/>
+          <p:cNvSpPr>
+            <a:spLocks noChangeArrowheads="1"/>
+          </p:cNvSpPr>
+          <p:nvPr/>
+        </p:nvSpPr>
+        <p:spPr bwMode="auto">
+          <a:xfrm>
+            <a:off x="0" y="0"/>
+            <a:ext cx="9144000" cy="457200"/>
+          </a:xfrm>
+          <a:prstGeom prst="rect">
+            <a:avLst/>
+          </a:prstGeom>
+          <a:noFill/>
+          <a:ln>
+            <a:noFill/>
+          </a:ln>
+          <a:effectLst/>
+          <a:extLst>
+            <a:ext uri="{909E8E84-426E-40DD-AFC4-6F175D3DCCD1}">
+              <a14:hiddenFill xmlns:a14="http://schemas.microsoft.com/office/drawing/2010/main">
+                <a:solidFill>
+                  <a:schemeClr val="accent1"/>
+                </a:solidFill>
+              </a14:hiddenFill>
+            </a:ext>
+            <a:ext uri="{91240B29-F687-4F45-9708-019B960494DF}">
+              <a14:hiddenLine xmlns:a14="http://schemas.microsoft.com/office/drawing/2010/main" w="9525">
+                <a:solidFill>
+                  <a:schemeClr val="tx1"/>
+                </a:solidFill>
+                <a:miter lim="800000"/>
+                <a:headEnd/>
+                <a:tailEnd/>
+              </a14:hiddenLine>
+            </a:ext>
+            <a:ext uri="{AF507438-7753-43E0-B8FC-AC1667EBCBE1}">
+              <a14:hiddenEffects xmlns:a14="http://schemas.microsoft.com/office/drawing/2010/main">
+                <a:effectLst>
+                  <a:outerShdw dist="35921" dir="2700000" algn="ctr" rotWithShape="0">
+                    <a:schemeClr val="bg2"/>
+                  </a:outerShdw>
+                </a:effectLst>
+              </a14:hiddenEffects>
+            </a:ext>
+          </a:extLst>
+        </p:spPr>
+        <p:txBody>
+          <a:bodyPr vert="horz" wrap="none" lIns="91440" tIns="45720" rIns="91440" bIns="45720" numCol="1" anchor="ctr" anchorCtr="0" compatLnSpc="1">
+            <a:prstTxWarp prst="textNoShape">
+              <a:avLst/>
+            </a:prstTxWarp>
+            <a:spAutoFit/>
+          </a:bodyPr>
+          <a:lstStyle/>
+          <a:p>
+            <a:endParaRPr lang="en-US"/>
+          </a:p>
+        </p:txBody>
+      </p:sp>
+      <p:graphicFrame>
+        <p:nvGraphicFramePr>
+          <p:cNvPr id="6" name="Object 5"/>
+          <p:cNvGraphicFramePr>
+            <a:graphicFrameLocks noChangeAspect="1"/>
+          </p:cNvGraphicFramePr>
+          <p:nvPr>
+            <p:extLst>
+              <p:ext uri="{D42A27DB-BD31-4B8C-83A1-F6EECF244321}">
+                <p14:modId xmlns:p14="http://schemas.microsoft.com/office/powerpoint/2010/main" val="1224526688"/>
+              </p:ext>
+            </p:extLst>
+          </p:nvPr>
+        </p:nvGraphicFramePr>
+        <p:xfrm>
+          <a:off x="2971800" y="4267200"/>
+          <a:ext cx="2320636" cy="740203"/>
+        </p:xfrm>
+        <a:graphic>
+          <a:graphicData uri="http://schemas.openxmlformats.org/presentationml/2006/ole">
+            <mc:AlternateContent xmlns:mc="http://schemas.openxmlformats.org/markup-compatibility/2006">
+              <mc:Choice xmlns:v="urn:schemas-microsoft-com:vml" Requires="v">
+                <p:oleObj spid="_x0000_s4263" name="Equation" r:id="rId3" imgW="1104421" imgH="355446" progId="Equation.DSMT4">
+                  <p:embed/>
+                </p:oleObj>
+              </mc:Choice>
+              <mc:Fallback>
+                <p:oleObj name="Equation" r:id="rId3" imgW="1104421" imgH="355446" progId="Equation.DSMT4">
+                  <p:embed/>
+                  <p:pic>
+                    <p:nvPicPr>
+                      <p:cNvPr id="0" name=""/>
+                      <p:cNvPicPr>
+                        <a:picLocks noChangeAspect="1" noChangeArrowheads="1"/>
+                      </p:cNvPicPr>
+                      <p:nvPr/>
+                    </p:nvPicPr>
+                    <p:blipFill>
+                      <a:blip r:embed="rId4">
+                        <a:extLst>
+                          <a:ext uri="{28A0092B-C50C-407E-A947-70E740481C1C}">
+                            <a14:useLocalDpi xmlns:a14="http://schemas.microsoft.com/office/drawing/2010/main" val="0"/>
+                          </a:ext>
+                        </a:extLst>
+                      </a:blip>
+                      <a:srcRect/>
+                      <a:stretch>
+                        <a:fillRect/>
+                      </a:stretch>
+                    </p:blipFill>
+                    <p:spPr bwMode="auto">
+                      <a:xfrm>
+                        <a:off x="2971800" y="4267200"/>
+                        <a:ext cx="2320636" cy="740203"/>
+                      </a:xfrm>
+                      <a:prstGeom prst="rect">
+                        <a:avLst/>
+                      </a:prstGeom>
+                      <a:noFill/>
+                    </p:spPr>
+                  </p:pic>
+                </p:oleObj>
+              </mc:Fallback>
+            </mc:AlternateContent>
+          </a:graphicData>
+        </a:graphic>
+      </p:graphicFrame>
+      <p:pic>
+        <p:nvPicPr>
+          <p:cNvPr id="4201" name="Picture 105" descr="C:\Users\Le Phuc Lu\Desktop\Capture.PNG"/>
+          <p:cNvPicPr>
+            <a:picLocks noChangeAspect="1" noChangeArrowheads="1"/>
+          </p:cNvPicPr>
+          <p:nvPr/>
+        </p:nvPicPr>
+        <p:blipFill>
+          <a:blip r:embed="rId5">
+            <a:extLst>
+              <a:ext uri="{28A0092B-C50C-407E-A947-70E740481C1C}">
+                <a14:useLocalDpi xmlns:a14="http://schemas.microsoft.com/office/drawing/2010/main" val="0"/>
+              </a:ext>
+            </a:extLst>
+          </a:blip>
+          <a:srcRect/>
+          <a:stretch>
+            <a:fillRect/>
+          </a:stretch>
+        </p:blipFill>
+        <p:spPr bwMode="auto">
+          <a:xfrm>
+            <a:off x="7010400" y="6569405"/>
+            <a:ext cx="1676400" cy="238125"/>
+          </a:xfrm>
+          <a:prstGeom prst="rect">
+            <a:avLst/>
+          </a:prstGeom>
+          <a:noFill/>
+          <a:extLst>
+            <a:ext uri="{909E8E84-426E-40DD-AFC4-6F175D3DCCD1}">
+              <a14:hiddenFill xmlns:a14="http://schemas.microsoft.com/office/drawing/2010/main">
+                <a:solidFill>
+                  <a:srgbClr val="FFFFFF"/>
+                </a:solidFill>
+              </a14:hiddenFill>
+            </a:ext>
+          </a:extLst>
+        </p:spPr>
+      </p:pic>
+      <p:pic>
+        <p:nvPicPr>
+          <p:cNvPr id="11" name="Picture 3" descr="C:\Users\Le Phuc Lu\Desktop\1.PNG"/>
+          <p:cNvPicPr>
+            <a:picLocks noChangeAspect="1" noChangeArrowheads="1"/>
+          </p:cNvPicPr>
+          <p:nvPr/>
+        </p:nvPicPr>
+        <p:blipFill>
+          <a:blip r:embed="rId6">
+            <a:extLst>
+              <a:ext uri="{28A0092B-C50C-407E-A947-70E740481C1C}">
+                <a14:useLocalDpi xmlns:a14="http://schemas.microsoft.com/office/drawing/2010/main" val="0"/>
+              </a:ext>
+            </a:extLst>
+          </a:blip>
+          <a:srcRect/>
+          <a:stretch>
+            <a:fillRect/>
+          </a:stretch>
+        </p:blipFill>
+        <p:spPr bwMode="auto">
+          <a:xfrm>
+            <a:off x="6858000" y="0"/>
+            <a:ext cx="1828800" cy="217410"/>
+          </a:xfrm>
+          <a:prstGeom prst="rect">
+            <a:avLst/>
+          </a:prstGeom>
+          <a:noFill/>
+          <a:extLst>
+            <a:ext uri="{909E8E84-426E-40DD-AFC4-6F175D3DCCD1}">
+              <a14:hiddenFill xmlns:a14="http://schemas.microsoft.com/office/drawing/2010/main">
+                <a:solidFill>
+                  <a:srgbClr val="FFFFFF"/>
+                </a:solidFill>
+              </a14:hiddenFill>
+            </a:ext>
+          </a:extLst>
+        </p:spPr>
+      </p:pic>
+      <p:sp>
+        <p:nvSpPr>
+          <p:cNvPr id="12" name="Oval 11"/>
+          <p:cNvSpPr/>
+          <p:nvPr/>
+        </p:nvSpPr>
+        <p:spPr>
+          <a:xfrm>
+            <a:off x="8077200" y="6324600"/>
+            <a:ext cx="990600" cy="457200"/>
+          </a:xfrm>
+          <a:prstGeom prst="ellipse">
+            <a:avLst/>
+          </a:prstGeom>
+        </p:spPr>
+        <p:style>
+          <a:lnRef idx="0">
+            <a:schemeClr val="accent1"/>
+          </a:lnRef>
+          <a:fillRef idx="3">
+            <a:schemeClr val="accent1"/>
+          </a:fillRef>
+          <a:effectRef idx="3">
+            <a:schemeClr val="accent1"/>
+          </a:effectRef>
+          <a:fontRef idx="minor">
+            <a:schemeClr val="lt1"/>
+          </a:fontRef>
+        </p:style>
+        <p:txBody>
+          <a:bodyPr rtlCol="0" anchor="ctr"/>
+          <a:lstStyle/>
+          <a:p>
+            <a:pPr algn="ctr"/>
+            <a:r>
+              <a:rPr lang="en-US" sz="2000" b="1" dirty="0"/>
+              <a:t>9</a:t>
+            </a:r>
+          </a:p>
+        </p:txBody>
+      </p:sp>
+    </p:spTree>
+    <p:extLst>
+      <p:ext uri="{BB962C8B-B14F-4D97-AF65-F5344CB8AC3E}">
+        <p14:creationId xmlns:p14="http://schemas.microsoft.com/office/powerpoint/2010/main" val="1617263826"/>
+      </p:ext>
+    </p:extLst>
+  </p:cSld>
+  <p:clrMapOvr>
+    <a:masterClrMapping/>
+  </p:clrMapOvr>
+  <p:timing>
+    <p:tnLst>
+      <p:par>
+        <p:cTn id="1" dur="indefinite" restart="never" nodeType="tmRoot">
+          <p:childTnLst>
+            <p:seq concurrent="1" nextAc="seek">
+              <p:cTn id="2" dur="indefinite" nodeType="mainSeq">
+                <p:childTnLst>
+                  <p:par>
+                    <p:cTn id="3" fill="hold">
+                      <p:stCondLst>
+                        <p:cond delay="indefinite"/>
+                      </p:stCondLst>
+                      <p:childTnLst>
+                        <p:par>
+                          <p:cTn id="4" fill="hold">
+                            <p:stCondLst>
+                              <p:cond delay="0"/>
+                            </p:stCondLst>
+                            <p:childTnLst>
+                              <p:par>
+                                <p:cTn id="5" presetID="56" presetClass="path" presetSubtype="0" accel="50000" decel="50000" fill="hold" nodeType="clickEffect">
+                                  <p:stCondLst>
+                                    <p:cond delay="0"/>
+                                  </p:stCondLst>
+                                  <p:childTnLst>
+                                    <p:animMotion origin="layout" path="M 0.10833 -0.03403 L 0.21667 -0.06737 " pathEditMode="relative" rAng="0" ptsTypes="AA">
+                                      <p:cBhvr>
+                                        <p:cTn id="6" dur="2000" fill="hold"/>
+                                        <p:tgtEl>
+                                          <p:spTgt spid="5"/>
+                                        </p:tgtEl>
+                                        <p:attrNameLst>
+                                          <p:attrName>ppt_x</p:attrName>
+                                          <p:attrName>ppt_y</p:attrName>
+                                        </p:attrNameLst>
+                                      </p:cBhvr>
+                                      <p:rCtr x="5417" y="-1667"/>
+                                    </p:animMotion>
+                                  </p:childTnLst>
+                                </p:cTn>
+                              </p:par>
+                            </p:childTnLst>
+                          </p:cTn>
+                        </p:par>
+                      </p:childTnLst>
+                    </p:cTn>
+                  </p:par>
+                  <p:par>
+                    <p:cTn id="7" fill="hold">
+                      <p:stCondLst>
+                        <p:cond delay="indefinite"/>
+                      </p:stCondLst>
+                      <p:childTnLst>
+                        <p:par>
+                          <p:cTn id="8" fill="hold">
+                            <p:stCondLst>
+                              <p:cond delay="0"/>
+                            </p:stCondLst>
+                            <p:childTnLst>
+                              <p:par>
+                                <p:cTn id="9" presetID="56" presetClass="path" presetSubtype="0" accel="50000" decel="50000" fill="hold" nodeType="clickEffect">
+                                  <p:stCondLst>
+                                    <p:cond delay="0"/>
+                                  </p:stCondLst>
+                                  <p:childTnLst>
+                                    <p:animMotion origin="layout" path="M 0.00833 -0.01111 L 0.16666 -0.12778 " pathEditMode="relative" rAng="0" ptsTypes="AA">
+                                      <p:cBhvr>
+                                        <p:cTn id="10" dur="2000" fill="hold"/>
+                                        <p:tgtEl>
+                                          <p:spTgt spid="8"/>
+                                        </p:tgtEl>
+                                        <p:attrNameLst>
+                                          <p:attrName>ppt_x</p:attrName>
+                                          <p:attrName>ppt_y</p:attrName>
+                                        </p:attrNameLst>
+                                      </p:cBhvr>
+                                      <p:rCtr x="7917" y="-5833"/>
+                                    </p:animMotion>
+                                  </p:childTnLst>
+                                </p:cTn>
+                              </p:par>
+                            </p:childTnLst>
+                          </p:cTn>
+                        </p:par>
+                      </p:childTnLst>
+                    </p:cTn>
+                  </p:par>
+                </p:childTnLst>
+              </p:cTn>
+              <p:prevCondLst>
+                <p:cond evt="onPrev" delay="0">
+                  <p:tgtEl>
+                    <p:sldTgt/>
+                  </p:tgtEl>
+                </p:cond>
+              </p:prevCondLst>
+              <p:nextCondLst>
+                <p:cond evt="onNext" delay="0">
+                  <p:tgtEl>
+                    <p:sldTgt/>
+                  </p:tgtEl>
+                </p:cond>
+              </p:nextCondLst>
+            </p:seq>
+          </p:childTnLst>
+        </p:cTn>
+      </p:par>
+    </p:tnLst>
+  </p:timing>
+</p:sld>
+</file>
+
+<file path=ppt/slides/slide11.xml><?xml version="1.0" encoding="utf-8"?>
+<p:sld xmlns:a="http://schemas.openxmlformats.org/drawingml/2006/main" xmlns:r="http://schemas.openxmlformats.org/officeDocument/2006/relationships" xmlns:p="http://schemas.openxmlformats.org/presentationml/2006/main">
+  <p:cSld>
+    <p:spTree>
+      <p:nvGrpSpPr>
+        <p:cNvPr id="1" name=""/>
+        <p:cNvGrpSpPr/>
+        <p:nvPr/>
+      </p:nvGrpSpPr>
+      <p:grpSpPr>
+        <a:xfrm>
+          <a:off x="0" y="0"/>
+          <a:ext cx="0" cy="0"/>
+          <a:chOff x="0" y="0"/>
+          <a:chExt cx="0" cy="0"/>
+        </a:xfrm>
+      </p:grpSpPr>
+      <p:sp>
+        <p:nvSpPr>
+          <p:cNvPr id="2" name="Title 1"/>
+          <p:cNvSpPr>
+            <a:spLocks noGrp="1"/>
+          </p:cNvSpPr>
+          <p:nvPr>
+            <p:ph type="title"/>
+          </p:nvPr>
+        </p:nvSpPr>
+        <p:spPr/>
+        <p:txBody>
+          <a:bodyPr/>
+          <a:lstStyle/>
+          <a:p>
+            <a:r>
               <a:rPr lang="en-US" sz="3000" b="1" dirty="0" smtClean="0"/>
               <a:t>Three main steps</a:t>
             </a:r>
@@ -15304,7 +15965,7 @@
 </p:sld>
 </file>
 
-<file path=ppt/slides/slide11.xml><?xml version="1.0" encoding="utf-8"?>
+<file path=ppt/slides/slide12.xml><?xml version="1.0" encoding="utf-8"?>
 <p:sld xmlns:a="http://schemas.openxmlformats.org/drawingml/2006/main" xmlns:r="http://schemas.openxmlformats.org/officeDocument/2006/relationships" xmlns:p="http://schemas.openxmlformats.org/presentationml/2006/main">
   <p:cSld>
     <p:spTree>
@@ -16859,7 +17520,7 @@
 </p:sld>
 </file>
 
-<file path=ppt/slides/slide12.xml><?xml version="1.0" encoding="utf-8"?>
+<file path=ppt/slides/slide13.xml><?xml version="1.0" encoding="utf-8"?>
 <p:sld xmlns:a="http://schemas.openxmlformats.org/drawingml/2006/main" xmlns:r="http://schemas.openxmlformats.org/officeDocument/2006/relationships" xmlns:p="http://schemas.openxmlformats.org/presentationml/2006/main">
   <p:cSld>
     <p:spTree>
@@ -17130,7 +17791,7 @@
 </p:sld>
 </file>
 
-<file path=ppt/slides/slide13.xml><?xml version="1.0" encoding="utf-8"?>
+<file path=ppt/slides/slide14.xml><?xml version="1.0" encoding="utf-8"?>
 <p:sld xmlns:a="http://schemas.openxmlformats.org/drawingml/2006/main" xmlns:r="http://schemas.openxmlformats.org/officeDocument/2006/relationships" xmlns:p="http://schemas.openxmlformats.org/presentationml/2006/main">
   <p:cSld>
     <p:spTree>
@@ -17443,7 +18104,7 @@
 </p:sld>
 </file>
 
-<file path=ppt/slides/slide14.xml><?xml version="1.0" encoding="utf-8"?>
+<file path=ppt/slides/slide15.xml><?xml version="1.0" encoding="utf-8"?>
 <p:sld xmlns:a="http://schemas.openxmlformats.org/drawingml/2006/main" xmlns:r="http://schemas.openxmlformats.org/officeDocument/2006/relationships" xmlns:p="http://schemas.openxmlformats.org/presentationml/2006/main">
   <p:cSld>
     <p:spTree>
@@ -17681,638 +18342,6 @@
 </p:sld>
 </file>
 
-<file path=ppt/slides/slide15.xml><?xml version="1.0" encoding="utf-8"?>
-<p:sld xmlns:a="http://schemas.openxmlformats.org/drawingml/2006/main" xmlns:r="http://schemas.openxmlformats.org/officeDocument/2006/relationships" xmlns:p="http://schemas.openxmlformats.org/presentationml/2006/main">
-  <p:cSld>
-    <p:spTree>
-      <p:nvGrpSpPr>
-        <p:cNvPr id="1" name=""/>
-        <p:cNvGrpSpPr/>
-        <p:nvPr/>
-      </p:nvGrpSpPr>
-      <p:grpSpPr>
-        <a:xfrm>
-          <a:off x="0" y="0"/>
-          <a:ext cx="0" cy="0"/>
-          <a:chOff x="0" y="0"/>
-          <a:chExt cx="0" cy="0"/>
-        </a:xfrm>
-      </p:grpSpPr>
-      <p:sp>
-        <p:nvSpPr>
-          <p:cNvPr id="2" name="Title 1"/>
-          <p:cNvSpPr>
-            <a:spLocks noGrp="1"/>
-          </p:cNvSpPr>
-          <p:nvPr>
-            <p:ph type="title"/>
-          </p:nvPr>
-        </p:nvSpPr>
-        <p:spPr>
-          <a:xfrm>
-            <a:off x="457200" y="319088"/>
-            <a:ext cx="8534400" cy="671512"/>
-          </a:xfrm>
-        </p:spPr>
-        <p:txBody>
-          <a:bodyPr>
-            <a:noAutofit/>
-          </a:bodyPr>
-          <a:lstStyle/>
-          <a:p>
-            <a:r>
-              <a:rPr lang="en-US" b="1" dirty="0" smtClean="0">
-                <a:latin typeface="Segoe UI" pitchFamily="34" charset="0"/>
-                <a:cs typeface="Segoe UI" pitchFamily="34" charset="0"/>
-              </a:rPr>
-              <a:t>Technology &amp; development </a:t>
-            </a:r>
-            <a:br>
-              <a:rPr lang="en-US" b="1" dirty="0" smtClean="0">
-                <a:latin typeface="Segoe UI" pitchFamily="34" charset="0"/>
-                <a:cs typeface="Segoe UI" pitchFamily="34" charset="0"/>
-              </a:rPr>
-            </a:br>
-            <a:r>
-              <a:rPr lang="en-US" b="1" dirty="0" smtClean="0">
-                <a:latin typeface="Segoe UI" pitchFamily="34" charset="0"/>
-                <a:cs typeface="Segoe UI" pitchFamily="34" charset="0"/>
-              </a:rPr>
-              <a:t>environment</a:t>
-            </a:r>
-            <a:endParaRPr lang="en-US" b="1" dirty="0">
-              <a:latin typeface="Segoe UI" pitchFamily="34" charset="0"/>
-              <a:cs typeface="Segoe UI" pitchFamily="34" charset="0"/>
-            </a:endParaRPr>
-          </a:p>
-        </p:txBody>
-      </p:sp>
-      <p:pic>
-        <p:nvPicPr>
-          <p:cNvPr id="9" name="Content Placeholder 8"/>
-          <p:cNvPicPr>
-            <a:picLocks noGrp="1" noChangeAspect="1"/>
-          </p:cNvPicPr>
-          <p:nvPr>
-            <p:ph idx="1"/>
-          </p:nvPr>
-        </p:nvPicPr>
-        <p:blipFill>
-          <a:blip r:embed="rId2">
-            <a:extLst>
-              <a:ext uri="{28A0092B-C50C-407E-A947-70E740481C1C}">
-                <a14:useLocalDpi xmlns:a14="http://schemas.microsoft.com/office/drawing/2010/main" val="0"/>
-              </a:ext>
-            </a:extLst>
-          </a:blip>
-          <a:stretch>
-            <a:fillRect/>
-          </a:stretch>
-        </p:blipFill>
-        <p:spPr>
-          <a:xfrm>
-            <a:off x="381000" y="1971895"/>
-            <a:ext cx="2011680" cy="1562262"/>
-          </a:xfrm>
-          <a:prstGeom prst="rect">
-            <a:avLst/>
-          </a:prstGeom>
-          <a:solidFill>
-            <a:srgbClr val="FFFFFF">
-              <a:shade val="85000"/>
-            </a:srgbClr>
-          </a:solidFill>
-          <a:ln w="88900" cap="sq">
-            <a:solidFill>
-              <a:srgbClr val="FFFFFF"/>
-            </a:solidFill>
-            <a:miter lim="800000"/>
-          </a:ln>
-          <a:effectLst>
-            <a:outerShdw blurRad="55000" dist="18000" dir="5400000" algn="tl" rotWithShape="0">
-              <a:srgbClr val="000000">
-                <a:alpha val="40000"/>
-              </a:srgbClr>
-            </a:outerShdw>
-          </a:effectLst>
-          <a:scene3d>
-            <a:camera prst="orthographicFront"/>
-            <a:lightRig rig="twoPt" dir="t">
-              <a:rot lat="0" lon="0" rev="7200000"/>
-            </a:lightRig>
-          </a:scene3d>
-          <a:sp3d>
-            <a:bevelT w="25400" h="19050"/>
-            <a:contourClr>
-              <a:srgbClr val="FFFFFF"/>
-            </a:contourClr>
-          </a:sp3d>
-        </p:spPr>
-      </p:pic>
-      <p:pic>
-        <p:nvPicPr>
-          <p:cNvPr id="15" name="Picture 14"/>
-          <p:cNvPicPr>
-            <a:picLocks noChangeAspect="1"/>
-          </p:cNvPicPr>
-          <p:nvPr/>
-        </p:nvPicPr>
-        <p:blipFill>
-          <a:blip r:embed="rId3">
-            <a:extLst>
-              <a:ext uri="{28A0092B-C50C-407E-A947-70E740481C1C}">
-                <a14:useLocalDpi xmlns:a14="http://schemas.microsoft.com/office/drawing/2010/main" val="0"/>
-              </a:ext>
-            </a:extLst>
-          </a:blip>
-          <a:stretch>
-            <a:fillRect/>
-          </a:stretch>
-        </p:blipFill>
-        <p:spPr>
-          <a:xfrm>
-            <a:off x="2556758" y="1524000"/>
-            <a:ext cx="2011680" cy="2011680"/>
-          </a:xfrm>
-          <a:prstGeom prst="rect">
-            <a:avLst/>
-          </a:prstGeom>
-          <a:solidFill>
-            <a:srgbClr val="FFFFFF">
-              <a:shade val="85000"/>
-            </a:srgbClr>
-          </a:solidFill>
-          <a:ln w="88900" cap="sq">
-            <a:solidFill>
-              <a:srgbClr val="FFFFFF"/>
-            </a:solidFill>
-            <a:miter lim="800000"/>
-          </a:ln>
-          <a:effectLst>
-            <a:outerShdw blurRad="55000" dist="18000" dir="5400000" algn="tl" rotWithShape="0">
-              <a:srgbClr val="000000">
-                <a:alpha val="40000"/>
-              </a:srgbClr>
-            </a:outerShdw>
-          </a:effectLst>
-          <a:scene3d>
-            <a:camera prst="orthographicFront"/>
-            <a:lightRig rig="twoPt" dir="t">
-              <a:rot lat="0" lon="0" rev="7200000"/>
-            </a:lightRig>
-          </a:scene3d>
-          <a:sp3d>
-            <a:bevelT w="25400" h="19050"/>
-            <a:contourClr>
-              <a:srgbClr val="FFFFFF"/>
-            </a:contourClr>
-          </a:sp3d>
-        </p:spPr>
-      </p:pic>
-      <p:pic>
-        <p:nvPicPr>
-          <p:cNvPr id="16" name="Picture 15"/>
-          <p:cNvPicPr>
-            <a:picLocks noChangeAspect="1"/>
-          </p:cNvPicPr>
-          <p:nvPr/>
-        </p:nvPicPr>
-        <p:blipFill>
-          <a:blip r:embed="rId4">
-            <a:extLst>
-              <a:ext uri="{28A0092B-C50C-407E-A947-70E740481C1C}">
-                <a14:useLocalDpi xmlns:a14="http://schemas.microsoft.com/office/drawing/2010/main" val="0"/>
-              </a:ext>
-            </a:extLst>
-          </a:blip>
-          <a:stretch>
-            <a:fillRect/>
-          </a:stretch>
-        </p:blipFill>
-        <p:spPr>
-          <a:xfrm>
-            <a:off x="4724400" y="1707675"/>
-            <a:ext cx="2011680" cy="1828005"/>
-          </a:xfrm>
-          <a:prstGeom prst="rect">
-            <a:avLst/>
-          </a:prstGeom>
-          <a:solidFill>
-            <a:srgbClr val="FFFFFF">
-              <a:shade val="85000"/>
-            </a:srgbClr>
-          </a:solidFill>
-          <a:ln w="88900" cap="sq">
-            <a:solidFill>
-              <a:srgbClr val="FFFFFF"/>
-            </a:solidFill>
-            <a:miter lim="800000"/>
-          </a:ln>
-          <a:effectLst>
-            <a:outerShdw blurRad="55000" dist="18000" dir="5400000" algn="tl" rotWithShape="0">
-              <a:srgbClr val="000000">
-                <a:alpha val="40000"/>
-              </a:srgbClr>
-            </a:outerShdw>
-          </a:effectLst>
-          <a:scene3d>
-            <a:camera prst="orthographicFront"/>
-            <a:lightRig rig="twoPt" dir="t">
-              <a:rot lat="0" lon="0" rev="7200000"/>
-            </a:lightRig>
-          </a:scene3d>
-          <a:sp3d>
-            <a:bevelT w="25400" h="19050"/>
-            <a:contourClr>
-              <a:srgbClr val="FFFFFF"/>
-            </a:contourClr>
-          </a:sp3d>
-        </p:spPr>
-      </p:pic>
-      <p:pic>
-        <p:nvPicPr>
-          <p:cNvPr id="18" name="Picture 17"/>
-          <p:cNvPicPr>
-            <a:picLocks noChangeAspect="1"/>
-          </p:cNvPicPr>
-          <p:nvPr/>
-        </p:nvPicPr>
-        <p:blipFill>
-          <a:blip r:embed="rId5" cstate="print">
-            <a:extLst>
-              <a:ext uri="{28A0092B-C50C-407E-A947-70E740481C1C}">
-                <a14:useLocalDpi xmlns:a14="http://schemas.microsoft.com/office/drawing/2010/main" val="0"/>
-              </a:ext>
-            </a:extLst>
-          </a:blip>
-          <a:stretch>
-            <a:fillRect/>
-          </a:stretch>
-        </p:blipFill>
-        <p:spPr>
-          <a:xfrm>
-            <a:off x="3329841" y="4099953"/>
-            <a:ext cx="2560320" cy="1601216"/>
-          </a:xfrm>
-          <a:prstGeom prst="rect">
-            <a:avLst/>
-          </a:prstGeom>
-          <a:solidFill>
-            <a:srgbClr val="FFFFFF">
-              <a:shade val="85000"/>
-            </a:srgbClr>
-          </a:solidFill>
-          <a:ln w="88900" cap="sq">
-            <a:solidFill>
-              <a:srgbClr val="FFFFFF"/>
-            </a:solidFill>
-            <a:miter lim="800000"/>
-          </a:ln>
-          <a:effectLst>
-            <a:outerShdw blurRad="55000" dist="18000" dir="5400000" algn="tl" rotWithShape="0">
-              <a:srgbClr val="000000">
-                <a:alpha val="40000"/>
-              </a:srgbClr>
-            </a:outerShdw>
-          </a:effectLst>
-          <a:scene3d>
-            <a:camera prst="orthographicFront"/>
-            <a:lightRig rig="twoPt" dir="t">
-              <a:rot lat="0" lon="0" rev="7200000"/>
-            </a:lightRig>
-          </a:scene3d>
-          <a:sp3d>
-            <a:bevelT w="25400" h="19050"/>
-            <a:contourClr>
-              <a:srgbClr val="FFFFFF"/>
-            </a:contourClr>
-          </a:sp3d>
-        </p:spPr>
-      </p:pic>
-      <p:pic>
-        <p:nvPicPr>
-          <p:cNvPr id="3" name="Picture 2"/>
-          <p:cNvPicPr>
-            <a:picLocks noChangeAspect="1"/>
-          </p:cNvPicPr>
-          <p:nvPr/>
-        </p:nvPicPr>
-        <p:blipFill>
-          <a:blip r:embed="rId6" cstate="print">
-            <a:extLst>
-              <a:ext uri="{28A0092B-C50C-407E-A947-70E740481C1C}">
-                <a14:useLocalDpi xmlns:a14="http://schemas.microsoft.com/office/drawing/2010/main" val="0"/>
-              </a:ext>
-            </a:extLst>
-          </a:blip>
-          <a:stretch>
-            <a:fillRect/>
-          </a:stretch>
-        </p:blipFill>
-        <p:spPr>
-          <a:xfrm>
-            <a:off x="6903720" y="2136521"/>
-            <a:ext cx="2011680" cy="1399159"/>
-          </a:xfrm>
-          <a:prstGeom prst="rect">
-            <a:avLst/>
-          </a:prstGeom>
-          <a:solidFill>
-            <a:srgbClr val="FFFFFF">
-              <a:shade val="85000"/>
-            </a:srgbClr>
-          </a:solidFill>
-          <a:ln w="88900" cap="sq">
-            <a:solidFill>
-              <a:srgbClr val="FFFFFF"/>
-            </a:solidFill>
-            <a:miter lim="800000"/>
-          </a:ln>
-          <a:effectLst>
-            <a:outerShdw blurRad="55000" dist="18000" dir="5400000" algn="tl" rotWithShape="0">
-              <a:srgbClr val="000000">
-                <a:alpha val="40000"/>
-              </a:srgbClr>
-            </a:outerShdw>
-          </a:effectLst>
-          <a:scene3d>
-            <a:camera prst="orthographicFront"/>
-            <a:lightRig rig="twoPt" dir="t">
-              <a:rot lat="0" lon="0" rev="7200000"/>
-            </a:lightRig>
-          </a:scene3d>
-          <a:sp3d>
-            <a:bevelT w="25400" h="19050"/>
-            <a:contourClr>
-              <a:srgbClr val="FFFFFF"/>
-            </a:contourClr>
-          </a:sp3d>
-        </p:spPr>
-      </p:pic>
-      <p:pic>
-        <p:nvPicPr>
-          <p:cNvPr id="4" name="Picture 3"/>
-          <p:cNvPicPr>
-            <a:picLocks noChangeAspect="1"/>
-          </p:cNvPicPr>
-          <p:nvPr/>
-        </p:nvPicPr>
-        <p:blipFill>
-          <a:blip r:embed="rId7">
-            <a:extLst>
-              <a:ext uri="{28A0092B-C50C-407E-A947-70E740481C1C}">
-                <a14:useLocalDpi xmlns:a14="http://schemas.microsoft.com/office/drawing/2010/main" val="0"/>
-              </a:ext>
-            </a:extLst>
-          </a:blip>
-          <a:stretch>
-            <a:fillRect/>
-          </a:stretch>
-        </p:blipFill>
-        <p:spPr>
-          <a:xfrm>
-            <a:off x="381000" y="4099953"/>
-            <a:ext cx="2560320" cy="1356970"/>
-          </a:xfrm>
-          <a:prstGeom prst="rect">
-            <a:avLst/>
-          </a:prstGeom>
-          <a:solidFill>
-            <a:srgbClr val="FFFFFF">
-              <a:shade val="85000"/>
-            </a:srgbClr>
-          </a:solidFill>
-          <a:ln w="88900" cap="sq">
-            <a:solidFill>
-              <a:srgbClr val="FFFFFF"/>
-            </a:solidFill>
-            <a:miter lim="800000"/>
-          </a:ln>
-          <a:effectLst>
-            <a:outerShdw blurRad="55000" dist="18000" dir="5400000" algn="tl" rotWithShape="0">
-              <a:srgbClr val="000000">
-                <a:alpha val="40000"/>
-              </a:srgbClr>
-            </a:outerShdw>
-          </a:effectLst>
-          <a:scene3d>
-            <a:camera prst="orthographicFront"/>
-            <a:lightRig rig="twoPt" dir="t">
-              <a:rot lat="0" lon="0" rev="7200000"/>
-            </a:lightRig>
-          </a:scene3d>
-          <a:sp3d>
-            <a:bevelT w="25400" h="19050"/>
-            <a:contourClr>
-              <a:srgbClr val="FFFFFF"/>
-            </a:contourClr>
-          </a:sp3d>
-        </p:spPr>
-      </p:pic>
-      <p:pic>
-        <p:nvPicPr>
-          <p:cNvPr id="5" name="Picture 4"/>
-          <p:cNvPicPr>
-            <a:picLocks noChangeAspect="1"/>
-          </p:cNvPicPr>
-          <p:nvPr/>
-        </p:nvPicPr>
-        <p:blipFill>
-          <a:blip r:embed="rId8" cstate="print">
-            <a:extLst>
-              <a:ext uri="{28A0092B-C50C-407E-A947-70E740481C1C}">
-                <a14:useLocalDpi xmlns:a14="http://schemas.microsoft.com/office/drawing/2010/main" val="0"/>
-              </a:ext>
-            </a:extLst>
-          </a:blip>
-          <a:stretch>
-            <a:fillRect/>
-          </a:stretch>
-        </p:blipFill>
-        <p:spPr>
-          <a:xfrm>
-            <a:off x="6324600" y="4099953"/>
-            <a:ext cx="2560320" cy="1920240"/>
-          </a:xfrm>
-          <a:prstGeom prst="rect">
-            <a:avLst/>
-          </a:prstGeom>
-          <a:solidFill>
-            <a:srgbClr val="FFFFFF">
-              <a:shade val="85000"/>
-            </a:srgbClr>
-          </a:solidFill>
-          <a:ln w="88900" cap="sq">
-            <a:solidFill>
-              <a:srgbClr val="FFFFFF"/>
-            </a:solidFill>
-            <a:miter lim="800000"/>
-          </a:ln>
-          <a:effectLst>
-            <a:outerShdw blurRad="55000" dist="18000" dir="5400000" algn="tl" rotWithShape="0">
-              <a:srgbClr val="000000">
-                <a:alpha val="40000"/>
-              </a:srgbClr>
-            </a:outerShdw>
-          </a:effectLst>
-          <a:scene3d>
-            <a:camera prst="orthographicFront"/>
-            <a:lightRig rig="twoPt" dir="t">
-              <a:rot lat="0" lon="0" rev="7200000"/>
-            </a:lightRig>
-          </a:scene3d>
-          <a:sp3d>
-            <a:bevelT w="25400" h="19050"/>
-            <a:contourClr>
-              <a:srgbClr val="FFFFFF"/>
-            </a:contourClr>
-          </a:sp3d>
-        </p:spPr>
-      </p:pic>
-      <p:pic>
-        <p:nvPicPr>
-          <p:cNvPr id="17410" name="Picture 2" descr="C:\Users\Le Phuc Lu\Desktop\Capture.PNG"/>
-          <p:cNvPicPr>
-            <a:picLocks noChangeAspect="1" noChangeArrowheads="1"/>
-          </p:cNvPicPr>
-          <p:nvPr/>
-        </p:nvPicPr>
-        <p:blipFill>
-          <a:blip r:embed="rId9">
-            <a:extLst>
-              <a:ext uri="{28A0092B-C50C-407E-A947-70E740481C1C}">
-                <a14:useLocalDpi xmlns:a14="http://schemas.microsoft.com/office/drawing/2010/main" val="0"/>
-              </a:ext>
-            </a:extLst>
-          </a:blip>
-          <a:srcRect/>
-          <a:stretch>
-            <a:fillRect/>
-          </a:stretch>
-        </p:blipFill>
-        <p:spPr bwMode="auto">
-          <a:xfrm>
-            <a:off x="7208520" y="6619875"/>
-            <a:ext cx="1676400" cy="238125"/>
-          </a:xfrm>
-          <a:prstGeom prst="rect">
-            <a:avLst/>
-          </a:prstGeom>
-          <a:noFill/>
-          <a:extLst>
-            <a:ext uri="{909E8E84-426E-40DD-AFC4-6F175D3DCCD1}">
-              <a14:hiddenFill xmlns:a14="http://schemas.microsoft.com/office/drawing/2010/main">
-                <a:solidFill>
-                  <a:srgbClr val="FFFFFF"/>
-                </a:solidFill>
-              </a14:hiddenFill>
-            </a:ext>
-          </a:extLst>
-        </p:spPr>
-      </p:pic>
-      <p:pic>
-        <p:nvPicPr>
-          <p:cNvPr id="11" name="Picture 3" descr="C:\Users\Le Phuc Lu\Desktop\1.PNG"/>
-          <p:cNvPicPr>
-            <a:picLocks noChangeAspect="1" noChangeArrowheads="1"/>
-          </p:cNvPicPr>
-          <p:nvPr/>
-        </p:nvPicPr>
-        <p:blipFill>
-          <a:blip r:embed="rId10">
-            <a:extLst>
-              <a:ext uri="{28A0092B-C50C-407E-A947-70E740481C1C}">
-                <a14:useLocalDpi xmlns:a14="http://schemas.microsoft.com/office/drawing/2010/main" val="0"/>
-              </a:ext>
-            </a:extLst>
-          </a:blip>
-          <a:srcRect/>
-          <a:stretch>
-            <a:fillRect/>
-          </a:stretch>
-        </p:blipFill>
-        <p:spPr bwMode="auto">
-          <a:xfrm>
-            <a:off x="6858000" y="0"/>
-            <a:ext cx="1828800" cy="217410"/>
-          </a:xfrm>
-          <a:prstGeom prst="rect">
-            <a:avLst/>
-          </a:prstGeom>
-          <a:noFill/>
-          <a:extLst>
-            <a:ext uri="{909E8E84-426E-40DD-AFC4-6F175D3DCCD1}">
-              <a14:hiddenFill xmlns:a14="http://schemas.microsoft.com/office/drawing/2010/main">
-                <a:solidFill>
-                  <a:srgbClr val="FFFFFF"/>
-                </a:solidFill>
-              </a14:hiddenFill>
-            </a:ext>
-          </a:extLst>
-        </p:spPr>
-      </p:pic>
-      <p:sp>
-        <p:nvSpPr>
-          <p:cNvPr id="12" name="Oval 11"/>
-          <p:cNvSpPr/>
-          <p:nvPr/>
-        </p:nvSpPr>
-        <p:spPr>
-          <a:xfrm>
-            <a:off x="8077200" y="6324600"/>
-            <a:ext cx="990600" cy="457200"/>
-          </a:xfrm>
-          <a:prstGeom prst="ellipse">
-            <a:avLst/>
-          </a:prstGeom>
-        </p:spPr>
-        <p:style>
-          <a:lnRef idx="0">
-            <a:schemeClr val="accent1"/>
-          </a:lnRef>
-          <a:fillRef idx="3">
-            <a:schemeClr val="accent1"/>
-          </a:fillRef>
-          <a:effectRef idx="3">
-            <a:schemeClr val="accent1"/>
-          </a:effectRef>
-          <a:fontRef idx="minor">
-            <a:schemeClr val="lt1"/>
-          </a:fontRef>
-        </p:style>
-        <p:txBody>
-          <a:bodyPr rtlCol="0" anchor="ctr"/>
-          <a:lstStyle/>
-          <a:p>
-            <a:pPr algn="ctr"/>
-            <a:r>
-              <a:rPr lang="en-US" sz="2000" b="1" dirty="0" smtClean="0"/>
-              <a:t>15</a:t>
-            </a:r>
-            <a:endParaRPr lang="en-US" sz="2000" b="1" dirty="0"/>
-          </a:p>
-        </p:txBody>
-      </p:sp>
-    </p:spTree>
-    <p:extLst>
-      <p:ext uri="{BB962C8B-B14F-4D97-AF65-F5344CB8AC3E}">
-        <p14:creationId xmlns:p14="http://schemas.microsoft.com/office/powerpoint/2010/main" val="650175665"/>
-      </p:ext>
-    </p:extLst>
-  </p:cSld>
-  <p:clrMapOvr>
-    <a:masterClrMapping/>
-  </p:clrMapOvr>
-  <p:timing>
-    <p:tnLst>
-      <p:par>
-        <p:cTn id="1" dur="indefinite" restart="never" nodeType="tmRoot"/>
-      </p:par>
-    </p:tnLst>
-  </p:timing>
-</p:sld>
-</file>
-
 <file path=ppt/slides/slide16.xml><?xml version="1.0" encoding="utf-8"?>
 <p:sld xmlns:a="http://schemas.openxmlformats.org/drawingml/2006/main" xmlns:r="http://schemas.openxmlformats.org/officeDocument/2006/relationships" xmlns:p="http://schemas.openxmlformats.org/presentationml/2006/main">
   <p:cSld>
@@ -18411,11 +18440,7 @@
             </a:pPr>
             <a:r>
               <a:rPr lang="en-US" b="0" dirty="0" smtClean="0"/>
-              <a:t>Easy to manage </a:t>
-            </a:r>
-            <a:r>
-              <a:rPr lang="en-US" b="0" dirty="0" smtClean="0"/>
-              <a:t>packages</a:t>
+              <a:t>Easy to manage packages</a:t>
             </a:r>
           </a:p>
           <a:p>
@@ -18431,7 +18456,6 @@
               <a:rPr lang="en-US" b="0" dirty="0" smtClean="0"/>
               <a:t>comment</a:t>
             </a:r>
-            <a:endParaRPr lang="en-US" b="0" dirty="0" smtClean="0"/>
           </a:p>
           <a:p>
             <a:pPr>
@@ -18440,13 +18464,8 @@
             </a:pPr>
             <a:r>
               <a:rPr lang="en-US" b="0" dirty="0" smtClean="0"/>
-              <a:t>Statistics on </a:t>
-            </a:r>
-            <a:r>
-              <a:rPr lang="en-US" b="0" dirty="0" smtClean="0"/>
-              <a:t>revenue</a:t>
-            </a:r>
-            <a:endParaRPr lang="en-US" b="0" dirty="0" smtClean="0"/>
+              <a:t>Statistics on revenue</a:t>
+            </a:r>
           </a:p>
         </p:txBody>
       </p:sp>
@@ -20438,7 +20457,7 @@
         </p:nvSpPr>
         <p:spPr>
           <a:xfrm>
-            <a:off x="685800" y="381000"/>
+            <a:off x="381000" y="381000"/>
             <a:ext cx="8229600" cy="693202"/>
           </a:xfrm>
         </p:spPr>
@@ -20467,7 +20486,7 @@
         <p:spPr>
           <a:xfrm>
             <a:off x="381000" y="1458686"/>
-            <a:ext cx="8534400" cy="751114"/>
+            <a:ext cx="3505200" cy="751114"/>
           </a:xfrm>
           <a:prstGeom prst="rect">
             <a:avLst/>
@@ -20498,37 +20517,6 @@
             </a:lvl1pPr>
           </a:lstStyle>
           <a:p>
-            <a:r>
-              <a:rPr lang="en-US" sz="3500" dirty="0" smtClean="0">
-                <a:solidFill>
-                  <a:schemeClr val="accent1">
-                    <a:lumMod val="75000"/>
-                  </a:schemeClr>
-                </a:solidFill>
-              </a:rPr>
-              <a:t>  Advantages</a:t>
-            </a:r>
-            <a:r>
-              <a:rPr lang="en-US" sz="3500" dirty="0" smtClean="0"/>
-              <a:t/>
-            </a:r>
-            <a:br>
-              <a:rPr lang="en-US" sz="3500" dirty="0" smtClean="0"/>
-            </a:br>
-            <a:r>
-              <a:rPr lang="en-US" sz="3500" dirty="0" smtClean="0"/>
-              <a:t> </a:t>
-            </a:r>
-            <a:r>
-              <a:rPr lang="en-US" sz="3500" dirty="0" smtClean="0">
-                <a:solidFill>
-                  <a:schemeClr val="accent1">
-                    <a:lumMod val="75000"/>
-                  </a:schemeClr>
-                </a:solidFill>
-              </a:rPr>
-              <a:t>Disadvantages</a:t>
-            </a:r>
             <a:endParaRPr lang="en-US" sz="3500" dirty="0">
               <a:solidFill>
                 <a:schemeClr val="accent1">
@@ -20548,14 +20536,14 @@
           <p:nvPr>
             <p:extLst>
               <p:ext uri="{D42A27DB-BD31-4B8C-83A1-F6EECF244321}">
-                <p14:modId xmlns:p14="http://schemas.microsoft.com/office/powerpoint/2010/main" val="2718005348"/>
+                <p14:modId xmlns:p14="http://schemas.microsoft.com/office/powerpoint/2010/main" val="1655050222"/>
               </p:ext>
             </p:extLst>
           </p:nvPr>
         </p:nvGraphicFramePr>
         <p:xfrm>
-          <a:off x="457200" y="2362200"/>
-          <a:ext cx="8229600" cy="4389437"/>
+          <a:off x="1219200" y="1143989"/>
+          <a:ext cx="6858000" cy="5214258"/>
         </p:xfrm>
         <a:graphic>
           <a:graphicData uri="http://schemas.openxmlformats.org/drawingml/2006/diagram">
@@ -20565,139 +20553,6 @@
       </p:graphicFrame>
       <p:pic>
         <p:nvPicPr>
-          <p:cNvPr id="7" name="Picture 6"/>
-          <p:cNvPicPr>
-            <a:picLocks noChangeAspect="1"/>
-          </p:cNvPicPr>
-          <p:nvPr/>
-        </p:nvPicPr>
-        <p:blipFill>
-          <a:blip r:embed="rId8" cstate="print">
-            <a:extLst>
-              <a:ext uri="{28A0092B-C50C-407E-A947-70E740481C1C}">
-                <a14:useLocalDpi xmlns:a14="http://schemas.microsoft.com/office/drawing/2010/main" val="0"/>
-              </a:ext>
-            </a:extLst>
-          </a:blip>
-          <a:stretch>
-            <a:fillRect/>
-          </a:stretch>
-        </p:blipFill>
-        <p:spPr>
-          <a:xfrm>
-            <a:off x="2601686" y="2514600"/>
-            <a:ext cx="1549400" cy="2324100"/>
-          </a:xfrm>
-          <a:prstGeom prst="rect">
-            <a:avLst/>
-          </a:prstGeom>
-        </p:spPr>
-      </p:pic>
-      <p:sp>
-        <p:nvSpPr>
-          <p:cNvPr id="8" name="TextBox 7"/>
-          <p:cNvSpPr txBox="1"/>
-          <p:nvPr/>
-        </p:nvSpPr>
-        <p:spPr>
-          <a:xfrm>
-            <a:off x="2601686" y="5197929"/>
-            <a:ext cx="2971800" cy="923330"/>
-          </a:xfrm>
-          <a:prstGeom prst="rect">
-            <a:avLst/>
-          </a:prstGeom>
-          <a:noFill/>
-        </p:spPr>
-        <p:txBody>
-          <a:bodyPr wrap="square" rtlCol="0">
-            <a:spAutoFit/>
-          </a:bodyPr>
-          <a:lstStyle/>
-          <a:p>
-            <a:r>
-              <a:rPr lang="en-US" dirty="0" smtClean="0"/>
-              <a:t>Internet </a:t>
-            </a:r>
-            <a:br>
-              <a:rPr lang="en-US" dirty="0" smtClean="0"/>
-            </a:br>
-            <a:r>
-              <a:rPr lang="en-US" dirty="0" smtClean="0"/>
-              <a:t>connection</a:t>
-            </a:r>
-            <a:br>
-              <a:rPr lang="en-US" dirty="0" smtClean="0"/>
-            </a:br>
-            <a:r>
-              <a:rPr lang="en-US" dirty="0" smtClean="0"/>
-              <a:t>unnecessary</a:t>
-            </a:r>
-            <a:endParaRPr lang="en-US" dirty="0"/>
-          </a:p>
-        </p:txBody>
-      </p:sp>
-      <p:pic>
-        <p:nvPicPr>
-          <p:cNvPr id="9" name="Picture 8"/>
-          <p:cNvPicPr>
-            <a:picLocks noChangeAspect="1"/>
-          </p:cNvPicPr>
-          <p:nvPr/>
-        </p:nvPicPr>
-        <p:blipFill>
-          <a:blip r:embed="rId9">
-            <a:extLst>
-              <a:ext uri="{28A0092B-C50C-407E-A947-70E740481C1C}">
-                <a14:useLocalDpi xmlns:a14="http://schemas.microsoft.com/office/drawing/2010/main" val="0"/>
-              </a:ext>
-            </a:extLst>
-          </a:blip>
-          <a:stretch>
-            <a:fillRect/>
-          </a:stretch>
-        </p:blipFill>
-        <p:spPr>
-          <a:xfrm>
-            <a:off x="4920343" y="4267200"/>
-            <a:ext cx="2324100" cy="1547955"/>
-          </a:xfrm>
-          <a:prstGeom prst="rect">
-            <a:avLst/>
-          </a:prstGeom>
-        </p:spPr>
-      </p:pic>
-      <p:sp>
-        <p:nvSpPr>
-          <p:cNvPr id="10" name="TextBox 9"/>
-          <p:cNvSpPr txBox="1"/>
-          <p:nvPr/>
-        </p:nvSpPr>
-        <p:spPr>
-          <a:xfrm>
-            <a:off x="4923312" y="5936593"/>
-            <a:ext cx="3156857" cy="369332"/>
-          </a:xfrm>
-          <a:prstGeom prst="rect">
-            <a:avLst/>
-          </a:prstGeom>
-          <a:noFill/>
-        </p:spPr>
-        <p:txBody>
-          <a:bodyPr wrap="square" rtlCol="0">
-            <a:spAutoFit/>
-          </a:bodyPr>
-          <a:lstStyle/>
-          <a:p>
-            <a:r>
-              <a:rPr lang="en-US" dirty="0" smtClean="0"/>
-              <a:t>Ineffective manual work</a:t>
-            </a:r>
-          </a:p>
-        </p:txBody>
-      </p:sp>
-      <p:pic>
-        <p:nvPicPr>
           <p:cNvPr id="7170" name="Picture 2" descr="C:\Users\Le Phuc Lu\Desktop\Capture.PNG"/>
           <p:cNvPicPr>
             <a:picLocks noChangeAspect="1" noChangeArrowheads="1"/>
@@ -20705,7 +20560,7 @@
           <p:nvPr/>
         </p:nvPicPr>
         <p:blipFill>
-          <a:blip r:embed="rId10">
+          <a:blip r:embed="rId8">
             <a:extLst>
               <a:ext uri="{28A0092B-C50C-407E-A947-70E740481C1C}">
                 <a14:useLocalDpi xmlns:a14="http://schemas.microsoft.com/office/drawing/2010/main" val="0"/>
@@ -20746,7 +20601,7 @@
           <p:nvPr/>
         </p:nvPicPr>
         <p:blipFill>
-          <a:blip r:embed="rId11">
+          <a:blip r:embed="rId9">
             <a:extLst>
               <a:ext uri="{28A0092B-C50C-407E-A947-70E740481C1C}">
                 <a14:useLocalDpi xmlns:a14="http://schemas.microsoft.com/office/drawing/2010/main" val="0"/>
@@ -23252,7 +23107,7 @@
         </p:nvSpPr>
         <p:spPr>
           <a:xfrm>
-            <a:off x="3115199" y="5091257"/>
+            <a:off x="4267208" y="5302332"/>
             <a:ext cx="2913602" cy="390937"/>
           </a:xfrm>
         </p:spPr>
@@ -23260,22 +23115,32 @@
           <a:bodyPr/>
           <a:lstStyle/>
           <a:p>
-            <a:pPr marL="0" indent="0" algn="ctr">
+            <a:pPr marL="0" indent="0" algn="r">
               <a:buNone/>
             </a:pPr>
             <a:r>
-              <a:rPr lang="en-US" sz="1800" b="0" smtClean="0">
+              <a:rPr lang="en-US" sz="1800" b="0" dirty="0" smtClean="0">
                 <a:solidFill>
                   <a:srgbClr val="0070C0"/>
                 </a:solidFill>
               </a:rPr>
-              <a:t>Provide mechanism to manage</a:t>
-            </a:r>
-            <a:endParaRPr lang="en-US" sz="1800" b="0" dirty="0" smtClean="0">
-              <a:solidFill>
-                <a:srgbClr val="0070C0"/>
-              </a:solidFill>
-            </a:endParaRPr>
+              <a:t>Provide mechanism </a:t>
+            </a:r>
+            <a:br>
+              <a:rPr lang="en-US" sz="1800" b="0" dirty="0" smtClean="0">
+                <a:solidFill>
+                  <a:srgbClr val="0070C0"/>
+                </a:solidFill>
+              </a:rPr>
+            </a:br>
+            <a:r>
+              <a:rPr lang="en-US" sz="1800" b="0" dirty="0" smtClean="0">
+                <a:solidFill>
+                  <a:srgbClr val="0070C0"/>
+                </a:solidFill>
+              </a:rPr>
+              <a:t>to manage</a:t>
+            </a:r>
           </a:p>
         </p:txBody>
       </p:sp>
@@ -23742,6 +23607,217 @@
           </a:p>
         </p:txBody>
       </p:sp>
+      <p:sp>
+        <p:nvSpPr>
+          <p:cNvPr id="28" name="Content Placeholder 2"/>
+          <p:cNvSpPr txBox="1">
+            <a:spLocks/>
+          </p:cNvSpPr>
+          <p:nvPr/>
+        </p:nvSpPr>
+        <p:spPr bwMode="auto">
+          <a:xfrm>
+            <a:off x="2229235" y="5358607"/>
+            <a:ext cx="2913602" cy="390937"/>
+          </a:xfrm>
+          <a:prstGeom prst="rect">
+            <a:avLst/>
+          </a:prstGeom>
+          <a:noFill/>
+          <a:ln w="9525">
+            <a:noFill/>
+            <a:miter lim="800000"/>
+            <a:headEnd/>
+            <a:tailEnd/>
+          </a:ln>
+          <a:effectLst/>
+        </p:spPr>
+        <p:txBody>
+          <a:bodyPr vert="horz" wrap="square" lIns="91440" tIns="45720" rIns="91440" bIns="45720" numCol="1" anchor="t" anchorCtr="0" compatLnSpc="1">
+            <a:prstTxWarp prst="textNoShape">
+              <a:avLst/>
+            </a:prstTxWarp>
+          </a:bodyPr>
+          <a:lstStyle>
+            <a:lvl1pPr marL="342900" indent="-342900" algn="l" rtl="0" eaLnBrk="1" fontAlgn="base" hangingPunct="1">
+              <a:spcBef>
+                <a:spcPct val="20000"/>
+              </a:spcBef>
+              <a:spcAft>
+                <a:spcPct val="0"/>
+              </a:spcAft>
+              <a:buClr>
+                <a:schemeClr val="hlink"/>
+              </a:buClr>
+              <a:buFont typeface="Wingdings" pitchFamily="2" charset="2"/>
+              <a:buChar char="v"/>
+              <a:defRPr sz="2800" b="1">
+                <a:solidFill>
+                  <a:srgbClr val="1481B8"/>
+                </a:solidFill>
+                <a:latin typeface="+mn-lt"/>
+                <a:ea typeface="+mn-ea"/>
+                <a:cs typeface="+mn-cs"/>
+              </a:defRPr>
+            </a:lvl1pPr>
+            <a:lvl2pPr marL="742950" indent="-285750" algn="l" rtl="0" eaLnBrk="1" fontAlgn="base" hangingPunct="1">
+              <a:spcBef>
+                <a:spcPct val="20000"/>
+              </a:spcBef>
+              <a:spcAft>
+                <a:spcPct val="0"/>
+              </a:spcAft>
+              <a:buClr>
+                <a:schemeClr val="accent1"/>
+              </a:buClr>
+              <a:buFont typeface="Wingdings" pitchFamily="2" charset="2"/>
+              <a:buChar char="§"/>
+              <a:defRPr sz="2800">
+                <a:solidFill>
+                  <a:schemeClr val="tx1"/>
+                </a:solidFill>
+                <a:latin typeface="Arial" charset="0"/>
+              </a:defRPr>
+            </a:lvl2pPr>
+            <a:lvl3pPr marL="1143000" indent="-228600" algn="l" rtl="0" eaLnBrk="1" fontAlgn="base" hangingPunct="1">
+              <a:spcBef>
+                <a:spcPct val="20000"/>
+              </a:spcBef>
+              <a:spcAft>
+                <a:spcPct val="0"/>
+              </a:spcAft>
+              <a:buClr>
+                <a:schemeClr val="tx1"/>
+              </a:buClr>
+              <a:buChar char="•"/>
+              <a:defRPr sz="2400">
+                <a:solidFill>
+                  <a:schemeClr val="tx1"/>
+                </a:solidFill>
+                <a:latin typeface="Arial" charset="0"/>
+              </a:defRPr>
+            </a:lvl3pPr>
+            <a:lvl4pPr marL="1600200" indent="-228600" algn="l" rtl="0" eaLnBrk="1" fontAlgn="base" hangingPunct="1">
+              <a:spcBef>
+                <a:spcPct val="20000"/>
+              </a:spcBef>
+              <a:spcAft>
+                <a:spcPct val="0"/>
+              </a:spcAft>
+              <a:buChar char="–"/>
+              <a:defRPr sz="2000">
+                <a:solidFill>
+                  <a:schemeClr val="tx1"/>
+                </a:solidFill>
+                <a:latin typeface="Arial" charset="0"/>
+              </a:defRPr>
+            </a:lvl4pPr>
+            <a:lvl5pPr marL="2057400" indent="-228600" algn="l" rtl="0" eaLnBrk="1" fontAlgn="base" hangingPunct="1">
+              <a:spcBef>
+                <a:spcPct val="20000"/>
+              </a:spcBef>
+              <a:spcAft>
+                <a:spcPct val="0"/>
+              </a:spcAft>
+              <a:buChar char="»"/>
+              <a:defRPr sz="2000">
+                <a:solidFill>
+                  <a:schemeClr val="tx1"/>
+                </a:solidFill>
+                <a:latin typeface="Arial" charset="0"/>
+              </a:defRPr>
+            </a:lvl5pPr>
+            <a:lvl6pPr marL="2514600" indent="-228600" algn="l" rtl="0" eaLnBrk="1" fontAlgn="base" hangingPunct="1">
+              <a:spcBef>
+                <a:spcPct val="20000"/>
+              </a:spcBef>
+              <a:spcAft>
+                <a:spcPct val="0"/>
+              </a:spcAft>
+              <a:buChar char="»"/>
+              <a:defRPr sz="2000">
+                <a:solidFill>
+                  <a:schemeClr val="tx1"/>
+                </a:solidFill>
+                <a:latin typeface="Arial" charset="0"/>
+              </a:defRPr>
+            </a:lvl6pPr>
+            <a:lvl7pPr marL="2971800" indent="-228600" algn="l" rtl="0" eaLnBrk="1" fontAlgn="base" hangingPunct="1">
+              <a:spcBef>
+                <a:spcPct val="20000"/>
+              </a:spcBef>
+              <a:spcAft>
+                <a:spcPct val="0"/>
+              </a:spcAft>
+              <a:buChar char="»"/>
+              <a:defRPr sz="2000">
+                <a:solidFill>
+                  <a:schemeClr val="tx1"/>
+                </a:solidFill>
+                <a:latin typeface="Arial" charset="0"/>
+              </a:defRPr>
+            </a:lvl7pPr>
+            <a:lvl8pPr marL="3429000" indent="-228600" algn="l" rtl="0" eaLnBrk="1" fontAlgn="base" hangingPunct="1">
+              <a:spcBef>
+                <a:spcPct val="20000"/>
+              </a:spcBef>
+              <a:spcAft>
+                <a:spcPct val="0"/>
+              </a:spcAft>
+              <a:buChar char="»"/>
+              <a:defRPr sz="2000">
+                <a:solidFill>
+                  <a:schemeClr val="tx1"/>
+                </a:solidFill>
+                <a:latin typeface="Arial" charset="0"/>
+              </a:defRPr>
+            </a:lvl8pPr>
+            <a:lvl9pPr marL="3886200" indent="-228600" algn="l" rtl="0" eaLnBrk="1" fontAlgn="base" hangingPunct="1">
+              <a:spcBef>
+                <a:spcPct val="20000"/>
+              </a:spcBef>
+              <a:spcAft>
+                <a:spcPct val="0"/>
+              </a:spcAft>
+              <a:buChar char="»"/>
+              <a:defRPr sz="2000">
+                <a:solidFill>
+                  <a:schemeClr val="tx1"/>
+                </a:solidFill>
+                <a:latin typeface="Arial" charset="0"/>
+              </a:defRPr>
+            </a:lvl9pPr>
+          </a:lstStyle>
+          <a:p>
+            <a:pPr marL="0" indent="0">
+              <a:buNone/>
+            </a:pPr>
+            <a:r>
+              <a:rPr lang="en-US" sz="1800" b="0" dirty="0">
+                <a:solidFill>
+                  <a:srgbClr val="0070C0"/>
+                </a:solidFill>
+              </a:rPr>
+              <a:t>Provide mechanism </a:t>
+            </a:r>
+            <a:br>
+              <a:rPr lang="en-US" sz="1800" b="0" dirty="0">
+                <a:solidFill>
+                  <a:srgbClr val="0070C0"/>
+                </a:solidFill>
+              </a:rPr>
+            </a:br>
+            <a:r>
+              <a:rPr lang="en-US" sz="1800" b="0" dirty="0">
+                <a:solidFill>
+                  <a:srgbClr val="0070C0"/>
+                </a:solidFill>
+              </a:rPr>
+              <a:t>to manage</a:t>
+            </a:r>
+          </a:p>
+        </p:txBody>
+      </p:sp>
     </p:spTree>
     <p:extLst>
       <p:ext uri="{BB962C8B-B14F-4D97-AF65-F5344CB8AC3E}">
@@ -23872,7 +23948,7 @@
                             </p:stCondLst>
                             <p:childTnLst>
                               <p:par>
-                                <p:cTn id="12" presetID="22" presetClass="entr" presetSubtype="4" fill="hold" nodeType="clickEffect">
+                                <p:cTn id="12" presetID="22" presetClass="entr" presetSubtype="1" fill="hold" nodeType="clickEffect">
                                   <p:stCondLst>
                                     <p:cond delay="0"/>
                                   </p:stCondLst>
@@ -23885,7 +23961,7 @@
                                           </p:stCondLst>
                                         </p:cTn>
                                         <p:tgtEl>
-                                          <p:spTgt spid="38"/>
+                                          <p:spTgt spid="48"/>
                                         </p:tgtEl>
                                         <p:attrNameLst>
                                           <p:attrName>style.visibility</p:attrName>
@@ -23895,11 +23971,11 @@
                                         <p:strVal val="visible"/>
                                       </p:to>
                                     </p:set>
-                                    <p:animEffect transition="in" filter="wipe(down)">
+                                    <p:animEffect transition="in" filter="wipe(up)">
                                       <p:cBhvr>
                                         <p:cTn id="14" dur="500"/>
                                         <p:tgtEl>
-                                          <p:spTgt spid="38"/>
+                                          <p:spTgt spid="48"/>
                                         </p:tgtEl>
                                       </p:cBhvr>
                                     </p:animEffect>
@@ -23920,7 +23996,11 @@
                                           </p:stCondLst>
                                         </p:cTn>
                                         <p:tgtEl>
-                                          <p:spTgt spid="39"/>
+                                          <p:spTgt spid="57">
+                                            <p:txEl>
+                                              <p:pRg st="0" end="0"/>
+                                            </p:txEl>
+                                          </p:spTgt>
                                         </p:tgtEl>
                                         <p:attrNameLst>
                                           <p:attrName>style.visibility</p:attrName>
@@ -23934,42 +24014,11 @@
                                       <p:cBhvr>
                                         <p:cTn id="17" dur="500"/>
                                         <p:tgtEl>
-                                          <p:spTgt spid="39"/>
-                                        </p:tgtEl>
-                                      </p:cBhvr>
-                                    </p:animEffect>
-                                  </p:childTnLst>
-                                </p:cTn>
-                              </p:par>
-                              <p:par>
-                                <p:cTn id="18" presetID="22" presetClass="entr" presetSubtype="4" fill="hold" nodeType="withEffect">
-                                  <p:stCondLst>
-                                    <p:cond delay="0"/>
-                                  </p:stCondLst>
-                                  <p:childTnLst>
-                                    <p:set>
-                                      <p:cBhvr>
-                                        <p:cTn id="19" dur="1" fill="hold">
-                                          <p:stCondLst>
-                                            <p:cond delay="0"/>
-                                          </p:stCondLst>
-                                        </p:cTn>
-                                        <p:tgtEl>
-                                          <p:spTgt spid="48"/>
-                                        </p:tgtEl>
-                                        <p:attrNameLst>
-                                          <p:attrName>style.visibility</p:attrName>
-                                        </p:attrNameLst>
-                                      </p:cBhvr>
-                                      <p:to>
-                                        <p:strVal val="visible"/>
-                                      </p:to>
-                                    </p:set>
-                                    <p:animEffect transition="in" filter="wipe(down)">
-                                      <p:cBhvr>
-                                        <p:cTn id="20" dur="500"/>
-                                        <p:tgtEl>
-                                          <p:spTgt spid="48"/>
+                                          <p:spTgt spid="57">
+                                            <p:txEl>
+                                              <p:pRg st="0" end="0"/>
+                                            </p:txEl>
+                                          </p:spTgt>
                                         </p:tgtEl>
                                       </p:cBhvr>
                                     </p:animEffect>
@@ -23983,19 +24032,54 @@
                     </p:cTn>
                   </p:par>
                   <p:par>
-                    <p:cTn id="21" fill="hold">
+                    <p:cTn id="18" fill="hold">
                       <p:stCondLst>
                         <p:cond delay="indefinite"/>
                       </p:stCondLst>
                       <p:childTnLst>
                         <p:par>
-                          <p:cTn id="22" fill="hold">
+                          <p:cTn id="19" fill="hold">
                             <p:stCondLst>
                               <p:cond delay="0"/>
                             </p:stCondLst>
                             <p:childTnLst>
                               <p:par>
-                                <p:cTn id="23" presetID="16" presetClass="entr" presetSubtype="21" fill="hold" nodeType="clickEffect">
+                                <p:cTn id="20" presetID="22" presetClass="entr" presetSubtype="4" fill="hold" nodeType="clickEffect">
+                                  <p:stCondLst>
+                                    <p:cond delay="0"/>
+                                  </p:stCondLst>
+                                  <p:childTnLst>
+                                    <p:set>
+                                      <p:cBhvr>
+                                        <p:cTn id="21" dur="1" fill="hold">
+                                          <p:stCondLst>
+                                            <p:cond delay="0"/>
+                                          </p:stCondLst>
+                                        </p:cTn>
+                                        <p:tgtEl>
+                                          <p:spTgt spid="38"/>
+                                        </p:tgtEl>
+                                        <p:attrNameLst>
+                                          <p:attrName>style.visibility</p:attrName>
+                                        </p:attrNameLst>
+                                      </p:cBhvr>
+                                      <p:to>
+                                        <p:strVal val="visible"/>
+                                      </p:to>
+                                    </p:set>
+                                    <p:animEffect transition="in" filter="wipe(down)">
+                                      <p:cBhvr>
+                                        <p:cTn id="22" dur="500"/>
+                                        <p:tgtEl>
+                                          <p:spTgt spid="38"/>
+                                        </p:tgtEl>
+                                      </p:cBhvr>
+                                    </p:animEffect>
+                                  </p:childTnLst>
+                                </p:cTn>
+                              </p:par>
+                              <p:par>
+                                <p:cTn id="23" presetID="22" presetClass="entr" presetSubtype="4" fill="hold" grpId="0" nodeType="withEffect">
                                   <p:stCondLst>
                                     <p:cond delay="0"/>
                                   </p:stCondLst>
@@ -24003,6 +24087,59 @@
                                     <p:set>
                                       <p:cBhvr>
                                         <p:cTn id="24" dur="1" fill="hold">
+                                          <p:stCondLst>
+                                            <p:cond delay="0"/>
+                                          </p:stCondLst>
+                                        </p:cTn>
+                                        <p:tgtEl>
+                                          <p:spTgt spid="39"/>
+                                        </p:tgtEl>
+                                        <p:attrNameLst>
+                                          <p:attrName>style.visibility</p:attrName>
+                                        </p:attrNameLst>
+                                      </p:cBhvr>
+                                      <p:to>
+                                        <p:strVal val="visible"/>
+                                      </p:to>
+                                    </p:set>
+                                    <p:animEffect transition="in" filter="wipe(down)">
+                                      <p:cBhvr>
+                                        <p:cTn id="25" dur="500"/>
+                                        <p:tgtEl>
+                                          <p:spTgt spid="39"/>
+                                        </p:tgtEl>
+                                      </p:cBhvr>
+                                    </p:animEffect>
+                                  </p:childTnLst>
+                                </p:cTn>
+                              </p:par>
+                            </p:childTnLst>
+                          </p:cTn>
+                        </p:par>
+                      </p:childTnLst>
+                    </p:cTn>
+                  </p:par>
+                  <p:par>
+                    <p:cTn id="26" fill="hold">
+                      <p:stCondLst>
+                        <p:cond delay="indefinite"/>
+                      </p:stCondLst>
+                      <p:childTnLst>
+                        <p:par>
+                          <p:cTn id="27" fill="hold">
+                            <p:stCondLst>
+                              <p:cond delay="0"/>
+                            </p:stCondLst>
+                            <p:childTnLst>
+                              <p:par>
+                                <p:cTn id="28" presetID="16" presetClass="entr" presetSubtype="21" fill="hold" nodeType="clickEffect">
+                                  <p:stCondLst>
+                                    <p:cond delay="0"/>
+                                  </p:stCondLst>
+                                  <p:childTnLst>
+                                    <p:set>
+                                      <p:cBhvr>
+                                        <p:cTn id="29" dur="1" fill="hold">
                                           <p:stCondLst>
                                             <p:cond delay="0"/>
                                           </p:stCondLst>
@@ -24020,7 +24157,7 @@
                                     </p:set>
                                     <p:animEffect transition="in" filter="barn(inVertical)">
                                       <p:cBhvr>
-                                        <p:cTn id="25" dur="500"/>
+                                        <p:cTn id="30" dur="500"/>
                                         <p:tgtEl>
                                           <p:spTgt spid="3076"/>
                                         </p:tgtEl>
@@ -24030,14 +24167,14 @@
                                 </p:cTn>
                               </p:par>
                               <p:par>
-                                <p:cTn id="26" presetID="16" presetClass="entr" presetSubtype="21" fill="hold" nodeType="withEffect">
+                                <p:cTn id="31" presetID="16" presetClass="entr" presetSubtype="21" fill="hold" nodeType="withEffect">
                                   <p:stCondLst>
                                     <p:cond delay="0"/>
                                   </p:stCondLst>
                                   <p:childTnLst>
                                     <p:set>
                                       <p:cBhvr>
-                                        <p:cTn id="27" dur="1" fill="hold">
+                                        <p:cTn id="32" dur="1" fill="hold">
                                           <p:stCondLst>
                                             <p:cond delay="0"/>
                                           </p:stCondLst>
@@ -24055,7 +24192,7 @@
                                     </p:set>
                                     <p:animEffect transition="in" filter="barn(inVertical)">
                                       <p:cBhvr>
-                                        <p:cTn id="28" dur="500"/>
+                                        <p:cTn id="33" dur="500"/>
                                         <p:tgtEl>
                                           <p:spTgt spid="3075"/>
                                         </p:tgtEl>
@@ -24071,26 +24208,26 @@
                     </p:cTn>
                   </p:par>
                   <p:par>
-                    <p:cTn id="29" fill="hold">
+                    <p:cTn id="34" fill="hold">
                       <p:stCondLst>
                         <p:cond delay="indefinite"/>
                       </p:stCondLst>
                       <p:childTnLst>
                         <p:par>
-                          <p:cTn id="30" fill="hold">
+                          <p:cTn id="35" fill="hold">
                             <p:stCondLst>
                               <p:cond delay="0"/>
                             </p:stCondLst>
                             <p:childTnLst>
                               <p:par>
-                                <p:cTn id="31" presetID="22" presetClass="entr" presetSubtype="4" fill="hold" grpId="0" nodeType="clickEffect">
+                                <p:cTn id="36" presetID="22" presetClass="entr" presetSubtype="4" fill="hold" grpId="0" nodeType="clickEffect">
                                   <p:stCondLst>
                                     <p:cond delay="0"/>
                                   </p:stCondLst>
                                   <p:childTnLst>
                                     <p:set>
                                       <p:cBhvr>
-                                        <p:cTn id="32" dur="1" fill="hold">
+                                        <p:cTn id="37" dur="1" fill="hold">
                                           <p:stCondLst>
                                             <p:cond delay="0"/>
                                           </p:stCondLst>
@@ -24108,7 +24245,7 @@
                                     </p:set>
                                     <p:animEffect transition="in" filter="wipe(down)">
                                       <p:cBhvr>
-                                        <p:cTn id="33" dur="500"/>
+                                        <p:cTn id="38" dur="500"/>
                                         <p:tgtEl>
                                           <p:spTgt spid="23"/>
                                         </p:tgtEl>
@@ -24118,14 +24255,14 @@
                                 </p:cTn>
                               </p:par>
                               <p:par>
-                                <p:cTn id="34" presetID="22" presetClass="entr" presetSubtype="4" fill="hold" nodeType="withEffect">
+                                <p:cTn id="39" presetID="22" presetClass="entr" presetSubtype="1" fill="hold" nodeType="withEffect">
                                   <p:stCondLst>
                                     <p:cond delay="0"/>
                                   </p:stCondLst>
                                   <p:childTnLst>
                                     <p:set>
                                       <p:cBhvr>
-                                        <p:cTn id="35" dur="1" fill="hold">
+                                        <p:cTn id="40" dur="1" fill="hold">
                                           <p:stCondLst>
                                             <p:cond delay="0"/>
                                           </p:stCondLst>
@@ -24141,81 +24278,11 @@
                                         <p:strVal val="visible"/>
                                       </p:to>
                                     </p:set>
-                                    <p:animEffect transition="in" filter="wipe(down)">
+                                    <p:animEffect transition="in" filter="wipe(up)">
                                       <p:cBhvr>
-                                        <p:cTn id="36" dur="500"/>
+                                        <p:cTn id="41" dur="500"/>
                                         <p:tgtEl>
                                           <p:spTgt spid="26"/>
-                                        </p:tgtEl>
-                                      </p:cBhvr>
-                                    </p:animEffect>
-                                  </p:childTnLst>
-                                </p:cTn>
-                              </p:par>
-                              <p:par>
-                                <p:cTn id="37" presetID="22" presetClass="entr" presetSubtype="4" fill="hold" nodeType="withEffect">
-                                  <p:stCondLst>
-                                    <p:cond delay="0"/>
-                                  </p:stCondLst>
-                                  <p:childTnLst>
-                                    <p:set>
-                                      <p:cBhvr>
-                                        <p:cTn id="38" dur="1" fill="hold">
-                                          <p:stCondLst>
-                                            <p:cond delay="0"/>
-                                          </p:stCondLst>
-                                        </p:cTn>
-                                        <p:tgtEl>
-                                          <p:spTgt spid="63"/>
-                                        </p:tgtEl>
-                                        <p:attrNameLst>
-                                          <p:attrName>style.visibility</p:attrName>
-                                        </p:attrNameLst>
-                                      </p:cBhvr>
-                                      <p:to>
-                                        <p:strVal val="visible"/>
-                                      </p:to>
-                                    </p:set>
-                                    <p:animEffect transition="in" filter="wipe(down)">
-                                      <p:cBhvr>
-                                        <p:cTn id="39" dur="500"/>
-                                        <p:tgtEl>
-                                          <p:spTgt spid="63"/>
-                                        </p:tgtEl>
-                                      </p:cBhvr>
-                                    </p:animEffect>
-                                  </p:childTnLst>
-                                </p:cTn>
-                              </p:par>
-                              <p:par>
-                                <p:cTn id="40" presetID="22" presetClass="entr" presetSubtype="4" fill="hold" grpId="0" nodeType="withEffect">
-                                  <p:stCondLst>
-                                    <p:cond delay="0"/>
-                                  </p:stCondLst>
-                                  <p:childTnLst>
-                                    <p:set>
-                                      <p:cBhvr>
-                                        <p:cTn id="41" dur="1" fill="hold">
-                                          <p:stCondLst>
-                                            <p:cond delay="0"/>
-                                          </p:stCondLst>
-                                        </p:cTn>
-                                        <p:tgtEl>
-                                          <p:spTgt spid="69"/>
-                                        </p:tgtEl>
-                                        <p:attrNameLst>
-                                          <p:attrName>style.visibility</p:attrName>
-                                        </p:attrNameLst>
-                                      </p:cBhvr>
-                                      <p:to>
-                                        <p:strVal val="visible"/>
-                                      </p:to>
-                                    </p:set>
-                                    <p:animEffect transition="in" filter="wipe(down)">
-                                      <p:cBhvr>
-                                        <p:cTn id="42" dur="500"/>
-                                        <p:tgtEl>
-                                          <p:spTgt spid="69"/>
                                         </p:tgtEl>
                                       </p:cBhvr>
                                     </p:animEffect>
@@ -24229,26 +24296,26 @@
                     </p:cTn>
                   </p:par>
                   <p:par>
-                    <p:cTn id="43" fill="hold">
+                    <p:cTn id="42" fill="hold">
                       <p:stCondLst>
                         <p:cond delay="indefinite"/>
                       </p:stCondLst>
                       <p:childTnLst>
                         <p:par>
-                          <p:cTn id="44" fill="hold">
+                          <p:cTn id="43" fill="hold">
                             <p:stCondLst>
                               <p:cond delay="0"/>
                             </p:stCondLst>
                             <p:childTnLst>
                               <p:par>
-                                <p:cTn id="45" presetID="16" presetClass="entr" presetSubtype="21" fill="hold" nodeType="clickEffect">
+                                <p:cTn id="44" presetID="16" presetClass="entr" presetSubtype="21" fill="hold" nodeType="clickEffect">
                                   <p:stCondLst>
                                     <p:cond delay="0"/>
                                   </p:stCondLst>
                                   <p:childTnLst>
                                     <p:set>
                                       <p:cBhvr>
-                                        <p:cTn id="46" dur="1" fill="hold">
+                                        <p:cTn id="45" dur="1" fill="hold">
                                           <p:stCondLst>
                                             <p:cond delay="0"/>
                                           </p:stCondLst>
@@ -24266,7 +24333,7 @@
                                     </p:set>
                                     <p:animEffect transition="in" filter="barn(inVertical)">
                                       <p:cBhvr>
-                                        <p:cTn id="47" dur="500"/>
+                                        <p:cTn id="46" dur="500"/>
                                         <p:tgtEl>
                                           <p:spTgt spid="43"/>
                                         </p:tgtEl>
@@ -24276,14 +24343,14 @@
                                 </p:cTn>
                               </p:par>
                               <p:par>
-                                <p:cTn id="48" presetID="16" presetClass="entr" presetSubtype="21" fill="hold" grpId="0" nodeType="withEffect">
+                                <p:cTn id="47" presetID="16" presetClass="entr" presetSubtype="21" fill="hold" grpId="0" nodeType="withEffect">
                                   <p:stCondLst>
                                     <p:cond delay="0"/>
                                   </p:stCondLst>
                                   <p:childTnLst>
                                     <p:set>
                                       <p:cBhvr>
-                                        <p:cTn id="49" dur="1" fill="hold">
+                                        <p:cTn id="48" dur="1" fill="hold">
                                           <p:stCondLst>
                                             <p:cond delay="0"/>
                                           </p:stCondLst>
@@ -24301,7 +24368,7 @@
                                     </p:set>
                                     <p:animEffect transition="in" filter="barn(inVertical)">
                                       <p:cBhvr>
-                                        <p:cTn id="50" dur="500"/>
+                                        <p:cTn id="49" dur="500"/>
                                         <p:tgtEl>
                                           <p:spTgt spid="36"/>
                                         </p:tgtEl>
@@ -24310,15 +24377,33 @@
                                   </p:childTnLst>
                                 </p:cTn>
                               </p:par>
+                            </p:childTnLst>
+                          </p:cTn>
+                        </p:par>
+                      </p:childTnLst>
+                    </p:cTn>
+                  </p:par>
+                  <p:par>
+                    <p:cTn id="50" fill="hold">
+                      <p:stCondLst>
+                        <p:cond delay="indefinite"/>
+                      </p:stCondLst>
+                      <p:childTnLst>
+                        <p:par>
+                          <p:cTn id="51" fill="hold">
+                            <p:stCondLst>
+                              <p:cond delay="0"/>
+                            </p:stCondLst>
+                            <p:childTnLst>
                               <p:par>
-                                <p:cTn id="51" presetID="16" presetClass="entr" presetSubtype="21" fill="hold" nodeType="withEffect">
+                                <p:cTn id="52" presetID="16" presetClass="entr" presetSubtype="21" fill="hold" nodeType="clickEffect">
                                   <p:stCondLst>
                                     <p:cond delay="0"/>
                                   </p:stCondLst>
                                   <p:childTnLst>
                                     <p:set>
                                       <p:cBhvr>
-                                        <p:cTn id="52" dur="1" fill="hold">
+                                        <p:cTn id="53" dur="1" fill="hold">
                                           <p:stCondLst>
                                             <p:cond delay="0"/>
                                           </p:stCondLst>
@@ -24336,7 +24421,7 @@
                                     </p:set>
                                     <p:animEffect transition="in" filter="barn(inVertical)">
                                       <p:cBhvr>
-                                        <p:cTn id="53" dur="500"/>
+                                        <p:cTn id="54" dur="500"/>
                                         <p:tgtEl>
                                           <p:spTgt spid="5122"/>
                                         </p:tgtEl>
@@ -24345,15 +24430,33 @@
                                   </p:childTnLst>
                                 </p:cTn>
                               </p:par>
+                            </p:childTnLst>
+                          </p:cTn>
+                        </p:par>
+                      </p:childTnLst>
+                    </p:cTn>
+                  </p:par>
+                  <p:par>
+                    <p:cTn id="55" fill="hold">
+                      <p:stCondLst>
+                        <p:cond delay="indefinite"/>
+                      </p:stCondLst>
+                      <p:childTnLst>
+                        <p:par>
+                          <p:cTn id="56" fill="hold">
+                            <p:stCondLst>
+                              <p:cond delay="0"/>
+                            </p:stCondLst>
+                            <p:childTnLst>
                               <p:par>
-                                <p:cTn id="54" presetID="16" presetClass="entr" presetSubtype="21" fill="hold" nodeType="withEffect">
+                                <p:cTn id="57" presetID="22" presetClass="entr" presetSubtype="1" fill="hold" nodeType="clickEffect">
                                   <p:stCondLst>
                                     <p:cond delay="0"/>
                                   </p:stCondLst>
                                   <p:childTnLst>
                                     <p:set>
                                       <p:cBhvr>
-                                        <p:cTn id="55" dur="1" fill="hold">
+                                        <p:cTn id="58" dur="1" fill="hold">
                                           <p:stCondLst>
                                             <p:cond delay="0"/>
                                           </p:stCondLst>
@@ -24369,9 +24472,9 @@
                                         <p:strVal val="visible"/>
                                       </p:to>
                                     </p:set>
-                                    <p:animEffect transition="in" filter="barn(inVertical)">
+                                    <p:animEffect transition="in" filter="wipe(up)">
                                       <p:cBhvr>
-                                        <p:cTn id="56" dur="500"/>
+                                        <p:cTn id="59" dur="500"/>
                                         <p:tgtEl>
                                           <p:spTgt spid="54"/>
                                         </p:tgtEl>
@@ -24381,14 +24484,14 @@
                                 </p:cTn>
                               </p:par>
                               <p:par>
-                                <p:cTn id="57" presetID="16" presetClass="entr" presetSubtype="21" fill="hold" grpId="0" nodeType="withEffect">
+                                <p:cTn id="60" presetID="16" presetClass="entr" presetSubtype="21" fill="hold" grpId="0" nodeType="withEffect">
                                   <p:stCondLst>
                                     <p:cond delay="0"/>
                                   </p:stCondLst>
                                   <p:childTnLst>
                                     <p:set>
                                       <p:cBhvr>
-                                        <p:cTn id="58" dur="1" fill="hold">
+                                        <p:cTn id="61" dur="1" fill="hold">
                                           <p:stCondLst>
                                             <p:cond delay="0"/>
                                           </p:stCondLst>
@@ -24406,7 +24509,7 @@
                                     </p:set>
                                     <p:animEffect transition="in" filter="barn(inVertical)">
                                       <p:cBhvr>
-                                        <p:cTn id="59" dur="500"/>
+                                        <p:cTn id="62" dur="500"/>
                                         <p:tgtEl>
                                           <p:spTgt spid="62"/>
                                         </p:tgtEl>
@@ -24422,26 +24525,26 @@
                     </p:cTn>
                   </p:par>
                   <p:par>
-                    <p:cTn id="60" fill="hold">
+                    <p:cTn id="63" fill="hold">
                       <p:stCondLst>
                         <p:cond delay="indefinite"/>
                       </p:stCondLst>
                       <p:childTnLst>
                         <p:par>
-                          <p:cTn id="61" fill="hold">
+                          <p:cTn id="64" fill="hold">
                             <p:stCondLst>
                               <p:cond delay="0"/>
                             </p:stCondLst>
                             <p:childTnLst>
                               <p:par>
-                                <p:cTn id="62" presetID="16" presetClass="entr" presetSubtype="21" fill="hold" nodeType="clickEffect">
+                                <p:cTn id="65" presetID="16" presetClass="entr" presetSubtype="21" fill="hold" nodeType="clickEffect">
                                   <p:stCondLst>
                                     <p:cond delay="0"/>
                                   </p:stCondLst>
                                   <p:childTnLst>
                                     <p:set>
                                       <p:cBhvr>
-                                        <p:cTn id="63" dur="1" fill="hold">
+                                        <p:cTn id="66" dur="1" fill="hold">
                                           <p:stCondLst>
                                             <p:cond delay="0"/>
                                           </p:stCondLst>
@@ -24459,7 +24562,7 @@
                                     </p:set>
                                     <p:animEffect transition="in" filter="barn(inVertical)">
                                       <p:cBhvr>
-                                        <p:cTn id="64" dur="500"/>
+                                        <p:cTn id="67" dur="500"/>
                                         <p:tgtEl>
                                           <p:spTgt spid="3078"/>
                                         </p:tgtEl>
@@ -24475,54 +24578,19 @@
                     </p:cTn>
                   </p:par>
                   <p:par>
-                    <p:cTn id="65" fill="hold">
+                    <p:cTn id="68" fill="hold">
                       <p:stCondLst>
                         <p:cond delay="indefinite"/>
                       </p:stCondLst>
                       <p:childTnLst>
                         <p:par>
-                          <p:cTn id="66" fill="hold">
+                          <p:cTn id="69" fill="hold">
                             <p:stCondLst>
                               <p:cond delay="0"/>
                             </p:stCondLst>
                             <p:childTnLst>
                               <p:par>
-                                <p:cTn id="67" presetID="22" presetClass="entr" presetSubtype="4" fill="hold" nodeType="clickEffect">
-                                  <p:stCondLst>
-                                    <p:cond delay="0"/>
-                                  </p:stCondLst>
-                                  <p:childTnLst>
-                                    <p:set>
-                                      <p:cBhvr>
-                                        <p:cTn id="68" dur="1" fill="hold">
-                                          <p:stCondLst>
-                                            <p:cond delay="0"/>
-                                          </p:stCondLst>
-                                        </p:cTn>
-                                        <p:tgtEl>
-                                          <p:spTgt spid="12"/>
-                                        </p:tgtEl>
-                                        <p:attrNameLst>
-                                          <p:attrName>style.visibility</p:attrName>
-                                        </p:attrNameLst>
-                                      </p:cBhvr>
-                                      <p:to>
-                                        <p:strVal val="visible"/>
-                                      </p:to>
-                                    </p:set>
-                                    <p:animEffect transition="in" filter="wipe(down)">
-                                      <p:cBhvr>
-                                        <p:cTn id="69" dur="500"/>
-                                        <p:tgtEl>
-                                          <p:spTgt spid="12"/>
-                                        </p:tgtEl>
-                                      </p:cBhvr>
-                                    </p:animEffect>
-                                  </p:childTnLst>
-                                </p:cTn>
-                              </p:par>
-                              <p:par>
-                                <p:cTn id="70" presetID="22" presetClass="entr" presetSubtype="4" fill="hold" nodeType="withEffect">
+                                <p:cTn id="70" presetID="22" presetClass="entr" presetSubtype="2" fill="hold" nodeType="clickEffect">
                                   <p:stCondLst>
                                     <p:cond delay="0"/>
                                   </p:stCondLst>
@@ -24545,7 +24613,7 @@
                                         <p:strVal val="visible"/>
                                       </p:to>
                                     </p:set>
-                                    <p:animEffect transition="in" filter="wipe(down)">
+                                    <p:animEffect transition="in" filter="wipe(right)">
                                       <p:cBhvr>
                                         <p:cTn id="72" dur="500"/>
                                         <p:tgtEl>
@@ -24570,42 +24638,7 @@
                                           </p:stCondLst>
                                         </p:cTn>
                                         <p:tgtEl>
-                                          <p:spTgt spid="14"/>
-                                        </p:tgtEl>
-                                        <p:attrNameLst>
-                                          <p:attrName>style.visibility</p:attrName>
-                                        </p:attrNameLst>
-                                      </p:cBhvr>
-                                      <p:to>
-                                        <p:strVal val="visible"/>
-                                      </p:to>
-                                    </p:set>
-                                    <p:animEffect transition="in" filter="wipe(down)">
-                                      <p:cBhvr>
-                                        <p:cTn id="75" dur="500"/>
-                                        <p:tgtEl>
-                                          <p:spTgt spid="14"/>
-                                        </p:tgtEl>
-                                      </p:cBhvr>
-                                    </p:animEffect>
-                                  </p:childTnLst>
-                                </p:cTn>
-                              </p:par>
-                              <p:par>
-                                <p:cTn id="76" presetID="22" presetClass="entr" presetSubtype="4" fill="hold" grpId="0" nodeType="withEffect">
-                                  <p:stCondLst>
-                                    <p:cond delay="0"/>
-                                  </p:stCondLst>
-                                  <p:childTnLst>
-                                    <p:set>
-                                      <p:cBhvr>
-                                        <p:cTn id="77" dur="1" fill="hold">
-                                          <p:stCondLst>
-                                            <p:cond delay="0"/>
-                                          </p:stCondLst>
-                                        </p:cTn>
-                                        <p:tgtEl>
-                                          <p:spTgt spid="57">
+                                          <p:spTgt spid="28">
                                             <p:txEl>
                                               <p:pRg st="0" end="0"/>
                                             </p:txEl>
@@ -24621,13 +24654,189 @@
                                     </p:set>
                                     <p:animEffect transition="in" filter="wipe(down)">
                                       <p:cBhvr>
-                                        <p:cTn id="78" dur="500"/>
+                                        <p:cTn id="75" dur="500"/>
                                         <p:tgtEl>
-                                          <p:spTgt spid="57">
+                                          <p:spTgt spid="28">
                                             <p:txEl>
                                               <p:pRg st="0" end="0"/>
                                             </p:txEl>
                                           </p:spTgt>
+                                        </p:tgtEl>
+                                      </p:cBhvr>
+                                    </p:animEffect>
+                                  </p:childTnLst>
+                                </p:cTn>
+                              </p:par>
+                            </p:childTnLst>
+                          </p:cTn>
+                        </p:par>
+                      </p:childTnLst>
+                    </p:cTn>
+                  </p:par>
+                  <p:par>
+                    <p:cTn id="76" fill="hold">
+                      <p:stCondLst>
+                        <p:cond delay="indefinite"/>
+                      </p:stCondLst>
+                      <p:childTnLst>
+                        <p:par>
+                          <p:cTn id="77" fill="hold">
+                            <p:stCondLst>
+                              <p:cond delay="0"/>
+                            </p:stCondLst>
+                            <p:childTnLst>
+                              <p:par>
+                                <p:cTn id="78" presetID="22" presetClass="entr" presetSubtype="4" fill="hold" nodeType="clickEffect">
+                                  <p:stCondLst>
+                                    <p:cond delay="0"/>
+                                  </p:stCondLst>
+                                  <p:childTnLst>
+                                    <p:set>
+                                      <p:cBhvr>
+                                        <p:cTn id="79" dur="1" fill="hold">
+                                          <p:stCondLst>
+                                            <p:cond delay="0"/>
+                                          </p:stCondLst>
+                                        </p:cTn>
+                                        <p:tgtEl>
+                                          <p:spTgt spid="12"/>
+                                        </p:tgtEl>
+                                        <p:attrNameLst>
+                                          <p:attrName>style.visibility</p:attrName>
+                                        </p:attrNameLst>
+                                      </p:cBhvr>
+                                      <p:to>
+                                        <p:strVal val="visible"/>
+                                      </p:to>
+                                    </p:set>
+                                    <p:animEffect transition="in" filter="wipe(down)">
+                                      <p:cBhvr>
+                                        <p:cTn id="80" dur="500"/>
+                                        <p:tgtEl>
+                                          <p:spTgt spid="12"/>
+                                        </p:tgtEl>
+                                      </p:cBhvr>
+                                    </p:animEffect>
+                                  </p:childTnLst>
+                                </p:cTn>
+                              </p:par>
+                              <p:par>
+                                <p:cTn id="81" presetID="22" presetClass="entr" presetSubtype="4" fill="hold" grpId="0" nodeType="withEffect">
+                                  <p:stCondLst>
+                                    <p:cond delay="0"/>
+                                  </p:stCondLst>
+                                  <p:childTnLst>
+                                    <p:set>
+                                      <p:cBhvr>
+                                        <p:cTn id="82" dur="1" fill="hold">
+                                          <p:stCondLst>
+                                            <p:cond delay="0"/>
+                                          </p:stCondLst>
+                                        </p:cTn>
+                                        <p:tgtEl>
+                                          <p:spTgt spid="14"/>
+                                        </p:tgtEl>
+                                        <p:attrNameLst>
+                                          <p:attrName>style.visibility</p:attrName>
+                                        </p:attrNameLst>
+                                      </p:cBhvr>
+                                      <p:to>
+                                        <p:strVal val="visible"/>
+                                      </p:to>
+                                    </p:set>
+                                    <p:animEffect transition="in" filter="wipe(down)">
+                                      <p:cBhvr>
+                                        <p:cTn id="83" dur="500"/>
+                                        <p:tgtEl>
+                                          <p:spTgt spid="14"/>
+                                        </p:tgtEl>
+                                      </p:cBhvr>
+                                    </p:animEffect>
+                                  </p:childTnLst>
+                                </p:cTn>
+                              </p:par>
+                            </p:childTnLst>
+                          </p:cTn>
+                        </p:par>
+                      </p:childTnLst>
+                    </p:cTn>
+                  </p:par>
+                  <p:par>
+                    <p:cTn id="84" fill="hold">
+                      <p:stCondLst>
+                        <p:cond delay="indefinite"/>
+                      </p:stCondLst>
+                      <p:childTnLst>
+                        <p:par>
+                          <p:cTn id="85" fill="hold">
+                            <p:stCondLst>
+                              <p:cond delay="0"/>
+                            </p:stCondLst>
+                            <p:childTnLst>
+                              <p:par>
+                                <p:cTn id="86" presetID="22" presetClass="entr" presetSubtype="2" fill="hold" nodeType="clickEffect">
+                                  <p:stCondLst>
+                                    <p:cond delay="0"/>
+                                  </p:stCondLst>
+                                  <p:childTnLst>
+                                    <p:set>
+                                      <p:cBhvr>
+                                        <p:cTn id="87" dur="1" fill="hold">
+                                          <p:stCondLst>
+                                            <p:cond delay="0"/>
+                                          </p:stCondLst>
+                                        </p:cTn>
+                                        <p:tgtEl>
+                                          <p:spTgt spid="63"/>
+                                        </p:tgtEl>
+                                        <p:attrNameLst>
+                                          <p:attrName>style.visibility</p:attrName>
+                                        </p:attrNameLst>
+                                      </p:cBhvr>
+                                      <p:to>
+                                        <p:strVal val="visible"/>
+                                      </p:to>
+                                    </p:set>
+                                    <p:animEffect transition="in" filter="wipe(right)">
+                                      <p:cBhvr>
+                                        <p:cTn id="88" dur="500"/>
+                                        <p:tgtEl>
+                                          <p:spTgt spid="63"/>
+                                        </p:tgtEl>
+                                      </p:cBhvr>
+                                    </p:animEffect>
+                                  </p:childTnLst>
+                                </p:cTn>
+                              </p:par>
+                              <p:par>
+                                <p:cTn id="89" presetID="22" presetClass="entr" presetSubtype="4" fill="hold" grpId="0" nodeType="withEffect">
+                                  <p:stCondLst>
+                                    <p:cond delay="0"/>
+                                  </p:stCondLst>
+                                  <p:childTnLst>
+                                    <p:set>
+                                      <p:cBhvr>
+                                        <p:cTn id="90" dur="1" fill="hold">
+                                          <p:stCondLst>
+                                            <p:cond delay="0"/>
+                                          </p:stCondLst>
+                                        </p:cTn>
+                                        <p:tgtEl>
+                                          <p:spTgt spid="69"/>
+                                        </p:tgtEl>
+                                        <p:attrNameLst>
+                                          <p:attrName>style.visibility</p:attrName>
+                                        </p:attrNameLst>
+                                      </p:cBhvr>
+                                      <p:to>
+                                        <p:strVal val="visible"/>
+                                      </p:to>
+                                    </p:set>
+                                    <p:animEffect transition="in" filter="wipe(down)">
+                                      <p:cBhvr>
+                                        <p:cTn id="91" dur="500"/>
+                                        <p:tgtEl>
+                                          <p:spTgt spid="69"/>
                                         </p:tgtEl>
                                       </p:cBhvr>
                                     </p:animEffect>
@@ -24669,12 +24878,645 @@
       <p:bldP spid="57" grpId="0" build="p"/>
       <p:bldP spid="62" grpId="0"/>
       <p:bldP spid="69" grpId="0"/>
+      <p:bldP spid="28" grpId="0" build="p"/>
     </p:bldLst>
   </p:timing>
 </p:sld>
 </file>
 
 <file path=ppt/slides/slide7.xml><?xml version="1.0" encoding="utf-8"?>
+<p:sld xmlns:a="http://schemas.openxmlformats.org/drawingml/2006/main" xmlns:r="http://schemas.openxmlformats.org/officeDocument/2006/relationships" xmlns:p="http://schemas.openxmlformats.org/presentationml/2006/main">
+  <p:cSld>
+    <p:spTree>
+      <p:nvGrpSpPr>
+        <p:cNvPr id="1" name=""/>
+        <p:cNvGrpSpPr/>
+        <p:nvPr/>
+      </p:nvGrpSpPr>
+      <p:grpSpPr>
+        <a:xfrm>
+          <a:off x="0" y="0"/>
+          <a:ext cx="0" cy="0"/>
+          <a:chOff x="0" y="0"/>
+          <a:chExt cx="0" cy="0"/>
+        </a:xfrm>
+      </p:grpSpPr>
+      <p:sp>
+        <p:nvSpPr>
+          <p:cNvPr id="2" name="Title 1"/>
+          <p:cNvSpPr>
+            <a:spLocks noGrp="1"/>
+          </p:cNvSpPr>
+          <p:nvPr>
+            <p:ph type="title"/>
+          </p:nvPr>
+        </p:nvSpPr>
+        <p:spPr>
+          <a:xfrm>
+            <a:off x="457200" y="319088"/>
+            <a:ext cx="8534400" cy="671512"/>
+          </a:xfrm>
+        </p:spPr>
+        <p:txBody>
+          <a:bodyPr>
+            <a:noAutofit/>
+          </a:bodyPr>
+          <a:lstStyle/>
+          <a:p>
+            <a:r>
+              <a:rPr lang="en-US" b="1" dirty="0" smtClean="0">
+                <a:latin typeface="Segoe UI" pitchFamily="34" charset="0"/>
+                <a:cs typeface="Segoe UI" pitchFamily="34" charset="0"/>
+              </a:rPr>
+              <a:t>Technology &amp; development </a:t>
+            </a:r>
+            <a:br>
+              <a:rPr lang="en-US" b="1" dirty="0" smtClean="0">
+                <a:latin typeface="Segoe UI" pitchFamily="34" charset="0"/>
+                <a:cs typeface="Segoe UI" pitchFamily="34" charset="0"/>
+              </a:rPr>
+            </a:br>
+            <a:r>
+              <a:rPr lang="en-US" b="1" dirty="0" smtClean="0">
+                <a:latin typeface="Segoe UI" pitchFamily="34" charset="0"/>
+                <a:cs typeface="Segoe UI" pitchFamily="34" charset="0"/>
+              </a:rPr>
+              <a:t>environment</a:t>
+            </a:r>
+            <a:endParaRPr lang="en-US" b="1" dirty="0">
+              <a:latin typeface="Segoe UI" pitchFamily="34" charset="0"/>
+              <a:cs typeface="Segoe UI" pitchFamily="34" charset="0"/>
+            </a:endParaRPr>
+          </a:p>
+        </p:txBody>
+      </p:sp>
+      <p:pic>
+        <p:nvPicPr>
+          <p:cNvPr id="9" name="Content Placeholder 8"/>
+          <p:cNvPicPr>
+            <a:picLocks noGrp="1" noChangeAspect="1"/>
+          </p:cNvPicPr>
+          <p:nvPr>
+            <p:ph idx="1"/>
+          </p:nvPr>
+        </p:nvPicPr>
+        <p:blipFill>
+          <a:blip r:embed="rId2">
+            <a:extLst>
+              <a:ext uri="{28A0092B-C50C-407E-A947-70E740481C1C}">
+                <a14:useLocalDpi xmlns:a14="http://schemas.microsoft.com/office/drawing/2010/main" val="0"/>
+              </a:ext>
+            </a:extLst>
+          </a:blip>
+          <a:stretch>
+            <a:fillRect/>
+          </a:stretch>
+        </p:blipFill>
+        <p:spPr>
+          <a:xfrm>
+            <a:off x="381000" y="1971895"/>
+            <a:ext cx="2011680" cy="1562262"/>
+          </a:xfrm>
+          <a:prstGeom prst="rect">
+            <a:avLst/>
+          </a:prstGeom>
+          <a:solidFill>
+            <a:srgbClr val="FFFFFF">
+              <a:shade val="85000"/>
+            </a:srgbClr>
+          </a:solidFill>
+          <a:ln w="88900" cap="sq">
+            <a:solidFill>
+              <a:srgbClr val="FFFFFF"/>
+            </a:solidFill>
+            <a:miter lim="800000"/>
+          </a:ln>
+          <a:effectLst>
+            <a:outerShdw blurRad="55000" dist="18000" dir="5400000" algn="tl" rotWithShape="0">
+              <a:srgbClr val="000000">
+                <a:alpha val="40000"/>
+              </a:srgbClr>
+            </a:outerShdw>
+          </a:effectLst>
+          <a:scene3d>
+            <a:camera prst="orthographicFront"/>
+            <a:lightRig rig="twoPt" dir="t">
+              <a:rot lat="0" lon="0" rev="7200000"/>
+            </a:lightRig>
+          </a:scene3d>
+          <a:sp3d>
+            <a:bevelT w="25400" h="19050"/>
+            <a:contourClr>
+              <a:srgbClr val="FFFFFF"/>
+            </a:contourClr>
+          </a:sp3d>
+        </p:spPr>
+      </p:pic>
+      <p:pic>
+        <p:nvPicPr>
+          <p:cNvPr id="15" name="Picture 14"/>
+          <p:cNvPicPr>
+            <a:picLocks noChangeAspect="1"/>
+          </p:cNvPicPr>
+          <p:nvPr/>
+        </p:nvPicPr>
+        <p:blipFill>
+          <a:blip r:embed="rId3">
+            <a:extLst>
+              <a:ext uri="{28A0092B-C50C-407E-A947-70E740481C1C}">
+                <a14:useLocalDpi xmlns:a14="http://schemas.microsoft.com/office/drawing/2010/main" val="0"/>
+              </a:ext>
+            </a:extLst>
+          </a:blip>
+          <a:stretch>
+            <a:fillRect/>
+          </a:stretch>
+        </p:blipFill>
+        <p:spPr>
+          <a:xfrm>
+            <a:off x="2556758" y="1524000"/>
+            <a:ext cx="2011680" cy="2011680"/>
+          </a:xfrm>
+          <a:prstGeom prst="rect">
+            <a:avLst/>
+          </a:prstGeom>
+          <a:solidFill>
+            <a:srgbClr val="FFFFFF">
+              <a:shade val="85000"/>
+            </a:srgbClr>
+          </a:solidFill>
+          <a:ln w="88900" cap="sq">
+            <a:solidFill>
+              <a:srgbClr val="FFFFFF"/>
+            </a:solidFill>
+            <a:miter lim="800000"/>
+          </a:ln>
+          <a:effectLst>
+            <a:outerShdw blurRad="55000" dist="18000" dir="5400000" algn="tl" rotWithShape="0">
+              <a:srgbClr val="000000">
+                <a:alpha val="40000"/>
+              </a:srgbClr>
+            </a:outerShdw>
+          </a:effectLst>
+          <a:scene3d>
+            <a:camera prst="orthographicFront"/>
+            <a:lightRig rig="twoPt" dir="t">
+              <a:rot lat="0" lon="0" rev="7200000"/>
+            </a:lightRig>
+          </a:scene3d>
+          <a:sp3d>
+            <a:bevelT w="25400" h="19050"/>
+            <a:contourClr>
+              <a:srgbClr val="FFFFFF"/>
+            </a:contourClr>
+          </a:sp3d>
+        </p:spPr>
+      </p:pic>
+      <p:pic>
+        <p:nvPicPr>
+          <p:cNvPr id="16" name="Picture 15"/>
+          <p:cNvPicPr>
+            <a:picLocks noChangeAspect="1"/>
+          </p:cNvPicPr>
+          <p:nvPr/>
+        </p:nvPicPr>
+        <p:blipFill>
+          <a:blip r:embed="rId4">
+            <a:extLst>
+              <a:ext uri="{28A0092B-C50C-407E-A947-70E740481C1C}">
+                <a14:useLocalDpi xmlns:a14="http://schemas.microsoft.com/office/drawing/2010/main" val="0"/>
+              </a:ext>
+            </a:extLst>
+          </a:blip>
+          <a:stretch>
+            <a:fillRect/>
+          </a:stretch>
+        </p:blipFill>
+        <p:spPr>
+          <a:xfrm>
+            <a:off x="4724400" y="1707675"/>
+            <a:ext cx="2011680" cy="1828005"/>
+          </a:xfrm>
+          <a:prstGeom prst="rect">
+            <a:avLst/>
+          </a:prstGeom>
+          <a:solidFill>
+            <a:srgbClr val="FFFFFF">
+              <a:shade val="85000"/>
+            </a:srgbClr>
+          </a:solidFill>
+          <a:ln w="88900" cap="sq">
+            <a:solidFill>
+              <a:srgbClr val="FFFFFF"/>
+            </a:solidFill>
+            <a:miter lim="800000"/>
+          </a:ln>
+          <a:effectLst>
+            <a:outerShdw blurRad="55000" dist="18000" dir="5400000" algn="tl" rotWithShape="0">
+              <a:srgbClr val="000000">
+                <a:alpha val="40000"/>
+              </a:srgbClr>
+            </a:outerShdw>
+          </a:effectLst>
+          <a:scene3d>
+            <a:camera prst="orthographicFront"/>
+            <a:lightRig rig="twoPt" dir="t">
+              <a:rot lat="0" lon="0" rev="7200000"/>
+            </a:lightRig>
+          </a:scene3d>
+          <a:sp3d>
+            <a:bevelT w="25400" h="19050"/>
+            <a:contourClr>
+              <a:srgbClr val="FFFFFF"/>
+            </a:contourClr>
+          </a:sp3d>
+        </p:spPr>
+      </p:pic>
+      <p:pic>
+        <p:nvPicPr>
+          <p:cNvPr id="18" name="Picture 17"/>
+          <p:cNvPicPr>
+            <a:picLocks noChangeAspect="1"/>
+          </p:cNvPicPr>
+          <p:nvPr/>
+        </p:nvPicPr>
+        <p:blipFill>
+          <a:blip r:embed="rId5" cstate="print">
+            <a:extLst>
+              <a:ext uri="{28A0092B-C50C-407E-A947-70E740481C1C}">
+                <a14:useLocalDpi xmlns:a14="http://schemas.microsoft.com/office/drawing/2010/main" val="0"/>
+              </a:ext>
+            </a:extLst>
+          </a:blip>
+          <a:stretch>
+            <a:fillRect/>
+          </a:stretch>
+        </p:blipFill>
+        <p:spPr>
+          <a:xfrm>
+            <a:off x="3329841" y="4099953"/>
+            <a:ext cx="2560320" cy="1601216"/>
+          </a:xfrm>
+          <a:prstGeom prst="rect">
+            <a:avLst/>
+          </a:prstGeom>
+          <a:solidFill>
+            <a:srgbClr val="FFFFFF">
+              <a:shade val="85000"/>
+            </a:srgbClr>
+          </a:solidFill>
+          <a:ln w="88900" cap="sq">
+            <a:solidFill>
+              <a:srgbClr val="FFFFFF"/>
+            </a:solidFill>
+            <a:miter lim="800000"/>
+          </a:ln>
+          <a:effectLst>
+            <a:outerShdw blurRad="55000" dist="18000" dir="5400000" algn="tl" rotWithShape="0">
+              <a:srgbClr val="000000">
+                <a:alpha val="40000"/>
+              </a:srgbClr>
+            </a:outerShdw>
+          </a:effectLst>
+          <a:scene3d>
+            <a:camera prst="orthographicFront"/>
+            <a:lightRig rig="twoPt" dir="t">
+              <a:rot lat="0" lon="0" rev="7200000"/>
+            </a:lightRig>
+          </a:scene3d>
+          <a:sp3d>
+            <a:bevelT w="25400" h="19050"/>
+            <a:contourClr>
+              <a:srgbClr val="FFFFFF"/>
+            </a:contourClr>
+          </a:sp3d>
+        </p:spPr>
+      </p:pic>
+      <p:pic>
+        <p:nvPicPr>
+          <p:cNvPr id="3" name="Picture 2"/>
+          <p:cNvPicPr>
+            <a:picLocks noChangeAspect="1"/>
+          </p:cNvPicPr>
+          <p:nvPr/>
+        </p:nvPicPr>
+        <p:blipFill>
+          <a:blip r:embed="rId6" cstate="print">
+            <a:extLst>
+              <a:ext uri="{28A0092B-C50C-407E-A947-70E740481C1C}">
+                <a14:useLocalDpi xmlns:a14="http://schemas.microsoft.com/office/drawing/2010/main" val="0"/>
+              </a:ext>
+            </a:extLst>
+          </a:blip>
+          <a:stretch>
+            <a:fillRect/>
+          </a:stretch>
+        </p:blipFill>
+        <p:spPr>
+          <a:xfrm>
+            <a:off x="6903720" y="2136521"/>
+            <a:ext cx="2011680" cy="1399159"/>
+          </a:xfrm>
+          <a:prstGeom prst="rect">
+            <a:avLst/>
+          </a:prstGeom>
+          <a:solidFill>
+            <a:srgbClr val="FFFFFF">
+              <a:shade val="85000"/>
+            </a:srgbClr>
+          </a:solidFill>
+          <a:ln w="88900" cap="sq">
+            <a:solidFill>
+              <a:srgbClr val="FFFFFF"/>
+            </a:solidFill>
+            <a:miter lim="800000"/>
+          </a:ln>
+          <a:effectLst>
+            <a:outerShdw blurRad="55000" dist="18000" dir="5400000" algn="tl" rotWithShape="0">
+              <a:srgbClr val="000000">
+                <a:alpha val="40000"/>
+              </a:srgbClr>
+            </a:outerShdw>
+          </a:effectLst>
+          <a:scene3d>
+            <a:camera prst="orthographicFront"/>
+            <a:lightRig rig="twoPt" dir="t">
+              <a:rot lat="0" lon="0" rev="7200000"/>
+            </a:lightRig>
+          </a:scene3d>
+          <a:sp3d>
+            <a:bevelT w="25400" h="19050"/>
+            <a:contourClr>
+              <a:srgbClr val="FFFFFF"/>
+            </a:contourClr>
+          </a:sp3d>
+        </p:spPr>
+      </p:pic>
+      <p:pic>
+        <p:nvPicPr>
+          <p:cNvPr id="4" name="Picture 3"/>
+          <p:cNvPicPr>
+            <a:picLocks noChangeAspect="1"/>
+          </p:cNvPicPr>
+          <p:nvPr/>
+        </p:nvPicPr>
+        <p:blipFill>
+          <a:blip r:embed="rId7">
+            <a:extLst>
+              <a:ext uri="{28A0092B-C50C-407E-A947-70E740481C1C}">
+                <a14:useLocalDpi xmlns:a14="http://schemas.microsoft.com/office/drawing/2010/main" val="0"/>
+              </a:ext>
+            </a:extLst>
+          </a:blip>
+          <a:stretch>
+            <a:fillRect/>
+          </a:stretch>
+        </p:blipFill>
+        <p:spPr>
+          <a:xfrm>
+            <a:off x="381000" y="4099953"/>
+            <a:ext cx="2560320" cy="1356970"/>
+          </a:xfrm>
+          <a:prstGeom prst="rect">
+            <a:avLst/>
+          </a:prstGeom>
+          <a:solidFill>
+            <a:srgbClr val="FFFFFF">
+              <a:shade val="85000"/>
+            </a:srgbClr>
+          </a:solidFill>
+          <a:ln w="88900" cap="sq">
+            <a:solidFill>
+              <a:srgbClr val="FFFFFF"/>
+            </a:solidFill>
+            <a:miter lim="800000"/>
+          </a:ln>
+          <a:effectLst>
+            <a:outerShdw blurRad="55000" dist="18000" dir="5400000" algn="tl" rotWithShape="0">
+              <a:srgbClr val="000000">
+                <a:alpha val="40000"/>
+              </a:srgbClr>
+            </a:outerShdw>
+          </a:effectLst>
+          <a:scene3d>
+            <a:camera prst="orthographicFront"/>
+            <a:lightRig rig="twoPt" dir="t">
+              <a:rot lat="0" lon="0" rev="7200000"/>
+            </a:lightRig>
+          </a:scene3d>
+          <a:sp3d>
+            <a:bevelT w="25400" h="19050"/>
+            <a:contourClr>
+              <a:srgbClr val="FFFFFF"/>
+            </a:contourClr>
+          </a:sp3d>
+        </p:spPr>
+      </p:pic>
+      <p:pic>
+        <p:nvPicPr>
+          <p:cNvPr id="5" name="Picture 4"/>
+          <p:cNvPicPr>
+            <a:picLocks noChangeAspect="1"/>
+          </p:cNvPicPr>
+          <p:nvPr/>
+        </p:nvPicPr>
+        <p:blipFill>
+          <a:blip r:embed="rId8" cstate="print">
+            <a:extLst>
+              <a:ext uri="{28A0092B-C50C-407E-A947-70E740481C1C}">
+                <a14:useLocalDpi xmlns:a14="http://schemas.microsoft.com/office/drawing/2010/main" val="0"/>
+              </a:ext>
+            </a:extLst>
+          </a:blip>
+          <a:stretch>
+            <a:fillRect/>
+          </a:stretch>
+        </p:blipFill>
+        <p:spPr>
+          <a:xfrm>
+            <a:off x="6324600" y="4099953"/>
+            <a:ext cx="2560320" cy="1920240"/>
+          </a:xfrm>
+          <a:prstGeom prst="rect">
+            <a:avLst/>
+          </a:prstGeom>
+          <a:solidFill>
+            <a:srgbClr val="FFFFFF">
+              <a:shade val="85000"/>
+            </a:srgbClr>
+          </a:solidFill>
+          <a:ln w="88900" cap="sq">
+            <a:solidFill>
+              <a:srgbClr val="FFFFFF"/>
+            </a:solidFill>
+            <a:miter lim="800000"/>
+          </a:ln>
+          <a:effectLst>
+            <a:outerShdw blurRad="55000" dist="18000" dir="5400000" algn="tl" rotWithShape="0">
+              <a:srgbClr val="000000">
+                <a:alpha val="40000"/>
+              </a:srgbClr>
+            </a:outerShdw>
+          </a:effectLst>
+          <a:scene3d>
+            <a:camera prst="orthographicFront"/>
+            <a:lightRig rig="twoPt" dir="t">
+              <a:rot lat="0" lon="0" rev="7200000"/>
+            </a:lightRig>
+          </a:scene3d>
+          <a:sp3d>
+            <a:bevelT w="25400" h="19050"/>
+            <a:contourClr>
+              <a:srgbClr val="FFFFFF"/>
+            </a:contourClr>
+          </a:sp3d>
+        </p:spPr>
+      </p:pic>
+      <p:pic>
+        <p:nvPicPr>
+          <p:cNvPr id="17410" name="Picture 2" descr="C:\Users\Le Phuc Lu\Desktop\Capture.PNG"/>
+          <p:cNvPicPr>
+            <a:picLocks noChangeAspect="1" noChangeArrowheads="1"/>
+          </p:cNvPicPr>
+          <p:nvPr/>
+        </p:nvPicPr>
+        <p:blipFill>
+          <a:blip r:embed="rId9">
+            <a:extLst>
+              <a:ext uri="{28A0092B-C50C-407E-A947-70E740481C1C}">
+                <a14:useLocalDpi xmlns:a14="http://schemas.microsoft.com/office/drawing/2010/main" val="0"/>
+              </a:ext>
+            </a:extLst>
+          </a:blip>
+          <a:srcRect/>
+          <a:stretch>
+            <a:fillRect/>
+          </a:stretch>
+        </p:blipFill>
+        <p:spPr bwMode="auto">
+          <a:xfrm>
+            <a:off x="7208520" y="6619875"/>
+            <a:ext cx="1676400" cy="238125"/>
+          </a:xfrm>
+          <a:prstGeom prst="rect">
+            <a:avLst/>
+          </a:prstGeom>
+          <a:noFill/>
+          <a:extLst>
+            <a:ext uri="{909E8E84-426E-40DD-AFC4-6F175D3DCCD1}">
+              <a14:hiddenFill xmlns:a14="http://schemas.microsoft.com/office/drawing/2010/main">
+                <a:solidFill>
+                  <a:srgbClr val="FFFFFF"/>
+                </a:solidFill>
+              </a14:hiddenFill>
+            </a:ext>
+          </a:extLst>
+        </p:spPr>
+      </p:pic>
+      <p:pic>
+        <p:nvPicPr>
+          <p:cNvPr id="11" name="Picture 3" descr="C:\Users\Le Phuc Lu\Desktop\1.PNG"/>
+          <p:cNvPicPr>
+            <a:picLocks noChangeAspect="1" noChangeArrowheads="1"/>
+          </p:cNvPicPr>
+          <p:nvPr/>
+        </p:nvPicPr>
+        <p:blipFill>
+          <a:blip r:embed="rId10">
+            <a:extLst>
+              <a:ext uri="{28A0092B-C50C-407E-A947-70E740481C1C}">
+                <a14:useLocalDpi xmlns:a14="http://schemas.microsoft.com/office/drawing/2010/main" val="0"/>
+              </a:ext>
+            </a:extLst>
+          </a:blip>
+          <a:srcRect/>
+          <a:stretch>
+            <a:fillRect/>
+          </a:stretch>
+        </p:blipFill>
+        <p:spPr bwMode="auto">
+          <a:xfrm>
+            <a:off x="6858000" y="0"/>
+            <a:ext cx="1828800" cy="217410"/>
+          </a:xfrm>
+          <a:prstGeom prst="rect">
+            <a:avLst/>
+          </a:prstGeom>
+          <a:noFill/>
+          <a:extLst>
+            <a:ext uri="{909E8E84-426E-40DD-AFC4-6F175D3DCCD1}">
+              <a14:hiddenFill xmlns:a14="http://schemas.microsoft.com/office/drawing/2010/main">
+                <a:solidFill>
+                  <a:srgbClr val="FFFFFF"/>
+                </a:solidFill>
+              </a14:hiddenFill>
+            </a:ext>
+          </a:extLst>
+        </p:spPr>
+      </p:pic>
+      <p:sp>
+        <p:nvSpPr>
+          <p:cNvPr id="12" name="Oval 11"/>
+          <p:cNvSpPr/>
+          <p:nvPr/>
+        </p:nvSpPr>
+        <p:spPr>
+          <a:xfrm>
+            <a:off x="8077200" y="6324600"/>
+            <a:ext cx="990600" cy="457200"/>
+          </a:xfrm>
+          <a:prstGeom prst="ellipse">
+            <a:avLst/>
+          </a:prstGeom>
+        </p:spPr>
+        <p:style>
+          <a:lnRef idx="0">
+            <a:schemeClr val="accent1"/>
+          </a:lnRef>
+          <a:fillRef idx="3">
+            <a:schemeClr val="accent1"/>
+          </a:fillRef>
+          <a:effectRef idx="3">
+            <a:schemeClr val="accent1"/>
+          </a:effectRef>
+          <a:fontRef idx="minor">
+            <a:schemeClr val="lt1"/>
+          </a:fontRef>
+        </p:style>
+        <p:txBody>
+          <a:bodyPr rtlCol="0" anchor="ctr"/>
+          <a:lstStyle/>
+          <a:p>
+            <a:pPr algn="ctr"/>
+            <a:r>
+              <a:rPr lang="en-US" sz="2000" b="1" dirty="0" smtClean="0"/>
+              <a:t>15</a:t>
+            </a:r>
+            <a:endParaRPr lang="en-US" sz="2000" b="1" dirty="0"/>
+          </a:p>
+        </p:txBody>
+      </p:sp>
+    </p:spTree>
+    <p:extLst>
+      <p:ext uri="{BB962C8B-B14F-4D97-AF65-F5344CB8AC3E}">
+        <p14:creationId xmlns:p14="http://schemas.microsoft.com/office/powerpoint/2010/main" val="650175665"/>
+      </p:ext>
+    </p:extLst>
+  </p:cSld>
+  <p:clrMapOvr>
+    <a:masterClrMapping/>
+  </p:clrMapOvr>
+  <p:timing>
+    <p:tnLst>
+      <p:par>
+        <p:cTn id="1" dur="indefinite" restart="never" nodeType="tmRoot"/>
+      </p:par>
+    </p:tnLst>
+  </p:timing>
+</p:sld>
+</file>
+
+<file path=ppt/slides/slide8.xml><?xml version="1.0" encoding="utf-8"?>
 <p:sld xmlns:a="http://schemas.openxmlformats.org/drawingml/2006/main" xmlns:r="http://schemas.openxmlformats.org/officeDocument/2006/relationships" xmlns:p="http://schemas.openxmlformats.org/presentationml/2006/main">
   <p:cSld>
     <p:spTree>
@@ -27965,7 +28807,7 @@
 </p:sld>
 </file>
 
-<file path=ppt/slides/slide8.xml><?xml version="1.0" encoding="utf-8"?>
+<file path=ppt/slides/slide9.xml><?xml version="1.0" encoding="utf-8"?>
 <p:sld xmlns:a="http://schemas.openxmlformats.org/drawingml/2006/main" xmlns:r="http://schemas.openxmlformats.org/officeDocument/2006/relationships" xmlns:p="http://schemas.openxmlformats.org/presentationml/2006/main">
   <p:cSld>
     <p:spTree>
@@ -29215,676 +30057,6 @@
     <p:tnLst>
       <p:par>
         <p:cTn id="1" dur="indefinite" restart="never" nodeType="tmRoot"/>
-      </p:par>
-    </p:tnLst>
-  </p:timing>
-</p:sld>
-</file>
-
-<file path=ppt/slides/slide9.xml><?xml version="1.0" encoding="utf-8"?>
-<p:sld xmlns:a="http://schemas.openxmlformats.org/drawingml/2006/main" xmlns:r="http://schemas.openxmlformats.org/officeDocument/2006/relationships" xmlns:p="http://schemas.openxmlformats.org/presentationml/2006/main">
-  <p:cSld>
-    <p:spTree>
-      <p:nvGrpSpPr>
-        <p:cNvPr id="1" name=""/>
-        <p:cNvGrpSpPr/>
-        <p:nvPr/>
-      </p:nvGrpSpPr>
-      <p:grpSpPr>
-        <a:xfrm>
-          <a:off x="0" y="0"/>
-          <a:ext cx="0" cy="0"/>
-          <a:chOff x="0" y="0"/>
-          <a:chExt cx="0" cy="0"/>
-        </a:xfrm>
-      </p:grpSpPr>
-      <p:sp>
-        <p:nvSpPr>
-          <p:cNvPr id="2" name="Title 1"/>
-          <p:cNvSpPr>
-            <a:spLocks noGrp="1"/>
-          </p:cNvSpPr>
-          <p:nvPr>
-            <p:ph type="title"/>
-          </p:nvPr>
-        </p:nvSpPr>
-        <p:spPr/>
-        <p:txBody>
-          <a:bodyPr/>
-          <a:lstStyle/>
-          <a:p>
-            <a:r>
-              <a:rPr lang="en-US" sz="3200" b="1" dirty="0" smtClean="0"/>
-              <a:t>Detail solution</a:t>
-            </a:r>
-            <a:endParaRPr lang="en-US" sz="3200" b="1" dirty="0"/>
-          </a:p>
-        </p:txBody>
-      </p:sp>
-      <p:sp>
-        <p:nvSpPr>
-          <p:cNvPr id="3" name="Content Placeholder 2"/>
-          <p:cNvSpPr>
-            <a:spLocks noGrp="1"/>
-          </p:cNvSpPr>
-          <p:nvPr>
-            <p:ph idx="1"/>
-          </p:nvPr>
-        </p:nvSpPr>
-        <p:spPr>
-          <a:xfrm>
-            <a:off x="457200" y="1393825"/>
-            <a:ext cx="8458200" cy="4930775"/>
-          </a:xfrm>
-        </p:spPr>
-        <p:txBody>
-          <a:bodyPr/>
-          <a:lstStyle/>
-          <a:p>
-            <a:pPr marL="0" indent="0">
-              <a:buNone/>
-            </a:pPr>
-            <a:r>
-              <a:rPr lang="en-US" sz="2600" b="0" dirty="0" smtClean="0"/>
-              <a:t>Find ways:</a:t>
-            </a:r>
-          </a:p>
-          <a:p>
-            <a:pPr algn="just">
-              <a:buFontTx/>
-              <a:buChar char="-"/>
-            </a:pPr>
-            <a:r>
-              <a:rPr lang="en-US" sz="2600" b="0" dirty="0" smtClean="0"/>
-              <a:t>Build </a:t>
-            </a:r>
-            <a:r>
-              <a:rPr lang="en-US" sz="2600" dirty="0" smtClean="0"/>
-              <a:t>graph</a:t>
-            </a:r>
-            <a:r>
-              <a:rPr lang="en-US" sz="2600" b="0" dirty="0"/>
-              <a:t> </a:t>
-            </a:r>
-            <a:r>
-              <a:rPr lang="en-US" sz="2600" b="0" dirty="0" smtClean="0"/>
-              <a:t>G=(V, E) and use </a:t>
-            </a:r>
-            <a:r>
-              <a:rPr lang="en-US" sz="2600" i="1" dirty="0" smtClean="0"/>
-              <a:t>breath first     </a:t>
-            </a:r>
-          </a:p>
-          <a:p>
-            <a:pPr marL="0" indent="0" algn="just">
-              <a:buNone/>
-            </a:pPr>
-            <a:r>
-              <a:rPr lang="en-US" sz="2600" i="1" dirty="0"/>
-              <a:t> </a:t>
-            </a:r>
-            <a:r>
-              <a:rPr lang="en-US" sz="2600" i="1" dirty="0" smtClean="0"/>
-              <a:t>  search </a:t>
-            </a:r>
-            <a:r>
-              <a:rPr lang="en-US" sz="2600" b="0" dirty="0" smtClean="0"/>
-              <a:t>algorithm to find </a:t>
-            </a:r>
-            <a:r>
-              <a:rPr lang="en-US" sz="2600" i="1" dirty="0" smtClean="0"/>
-              <a:t>some ways</a:t>
-            </a:r>
-            <a:r>
-              <a:rPr lang="en-US" sz="2600" b="0" dirty="0" smtClean="0"/>
-              <a:t>.</a:t>
-            </a:r>
-          </a:p>
-          <a:p>
-            <a:pPr>
-              <a:buFontTx/>
-              <a:buChar char="-"/>
-            </a:pPr>
-            <a:r>
-              <a:rPr lang="en-US" sz="2600" b="0" dirty="0" smtClean="0"/>
-              <a:t>For each way, </a:t>
-            </a:r>
-            <a:r>
-              <a:rPr lang="en-US" sz="2600" i="1" dirty="0" smtClean="0"/>
-              <a:t>check the direction </a:t>
-            </a:r>
-            <a:r>
-              <a:rPr lang="en-US" sz="2600" b="0" dirty="0" smtClean="0"/>
-              <a:t>is not backward base on the </a:t>
-            </a:r>
-            <a:r>
-              <a:rPr lang="en-US" sz="2600" i="1" dirty="0" smtClean="0"/>
-              <a:t>longitude</a:t>
-            </a:r>
-            <a:r>
-              <a:rPr lang="en-US" sz="2600" b="0" dirty="0" smtClean="0"/>
-              <a:t> and </a:t>
-            </a:r>
-            <a:r>
-              <a:rPr lang="en-US" sz="2600" i="1" dirty="0" smtClean="0"/>
-              <a:t>latitude</a:t>
-            </a:r>
-            <a:r>
-              <a:rPr lang="en-US" sz="2600" b="0" dirty="0" smtClean="0"/>
-              <a:t> of stations. Condition: </a:t>
-            </a:r>
-            <a:endParaRPr lang="en-US" sz="2600" b="0" dirty="0"/>
-          </a:p>
-        </p:txBody>
-      </p:sp>
-      <p:cxnSp>
-        <p:nvCxnSpPr>
-          <p:cNvPr id="5" name="Straight Arrow Connector 4"/>
-          <p:cNvCxnSpPr/>
-          <p:nvPr/>
-        </p:nvCxnSpPr>
-        <p:spPr>
-          <a:xfrm flipV="1">
-            <a:off x="685800" y="6044045"/>
-            <a:ext cx="1828800" cy="419100"/>
-          </a:xfrm>
-          <a:prstGeom prst="straightConnector1">
-            <a:avLst/>
-          </a:prstGeom>
-          <a:ln>
-            <a:tailEnd type="arrow"/>
-          </a:ln>
-        </p:spPr>
-        <p:style>
-          <a:lnRef idx="1">
-            <a:schemeClr val="accent1"/>
-          </a:lnRef>
-          <a:fillRef idx="0">
-            <a:schemeClr val="accent1"/>
-          </a:fillRef>
-          <a:effectRef idx="0">
-            <a:schemeClr val="accent1"/>
-          </a:effectRef>
-          <a:fontRef idx="minor">
-            <a:schemeClr val="tx1"/>
-          </a:fontRef>
-        </p:style>
-      </p:cxnSp>
-      <p:cxnSp>
-        <p:nvCxnSpPr>
-          <p:cNvPr id="7" name="Straight Arrow Connector 6"/>
-          <p:cNvCxnSpPr/>
-          <p:nvPr/>
-        </p:nvCxnSpPr>
-        <p:spPr>
-          <a:xfrm flipV="1">
-            <a:off x="2514600" y="5167745"/>
-            <a:ext cx="1295400" cy="876300"/>
-          </a:xfrm>
-          <a:prstGeom prst="straightConnector1">
-            <a:avLst/>
-          </a:prstGeom>
-          <a:ln>
-            <a:solidFill>
-              <a:srgbClr val="FF0000"/>
-            </a:solidFill>
-            <a:tailEnd type="arrow"/>
-          </a:ln>
-        </p:spPr>
-        <p:style>
-          <a:lnRef idx="1">
-            <a:schemeClr val="accent1"/>
-          </a:lnRef>
-          <a:fillRef idx="0">
-            <a:schemeClr val="accent1"/>
-          </a:fillRef>
-          <a:effectRef idx="0">
-            <a:schemeClr val="accent1"/>
-          </a:effectRef>
-          <a:fontRef idx="minor">
-            <a:schemeClr val="tx1"/>
-          </a:fontRef>
-        </p:style>
-      </p:cxnSp>
-      <p:cxnSp>
-        <p:nvCxnSpPr>
-          <p:cNvPr id="8" name="Straight Arrow Connector 7"/>
-          <p:cNvCxnSpPr/>
-          <p:nvPr/>
-        </p:nvCxnSpPr>
-        <p:spPr>
-          <a:xfrm flipV="1">
-            <a:off x="5791200" y="4724400"/>
-            <a:ext cx="1524000" cy="838200"/>
-          </a:xfrm>
-          <a:prstGeom prst="straightConnector1">
-            <a:avLst/>
-          </a:prstGeom>
-          <a:ln>
-            <a:tailEnd type="arrow"/>
-          </a:ln>
-        </p:spPr>
-        <p:style>
-          <a:lnRef idx="1">
-            <a:schemeClr val="accent1"/>
-          </a:lnRef>
-          <a:fillRef idx="0">
-            <a:schemeClr val="accent1"/>
-          </a:fillRef>
-          <a:effectRef idx="0">
-            <a:schemeClr val="accent1"/>
-          </a:effectRef>
-          <a:fontRef idx="minor">
-            <a:schemeClr val="tx1"/>
-          </a:fontRef>
-        </p:style>
-      </p:cxnSp>
-      <p:cxnSp>
-        <p:nvCxnSpPr>
-          <p:cNvPr id="9" name="Straight Arrow Connector 8"/>
-          <p:cNvCxnSpPr/>
-          <p:nvPr/>
-        </p:nvCxnSpPr>
-        <p:spPr>
-          <a:xfrm flipH="1">
-            <a:off x="6248400" y="4724400"/>
-            <a:ext cx="1066800" cy="1447800"/>
-          </a:xfrm>
-          <a:prstGeom prst="straightConnector1">
-            <a:avLst/>
-          </a:prstGeom>
-          <a:ln>
-            <a:solidFill>
-              <a:srgbClr val="FF0000"/>
-            </a:solidFill>
-            <a:tailEnd type="arrow"/>
-          </a:ln>
-        </p:spPr>
-        <p:style>
-          <a:lnRef idx="1">
-            <a:schemeClr val="accent1"/>
-          </a:lnRef>
-          <a:fillRef idx="0">
-            <a:schemeClr val="accent1"/>
-          </a:fillRef>
-          <a:effectRef idx="0">
-            <a:schemeClr val="accent1"/>
-          </a:effectRef>
-          <a:fontRef idx="minor">
-            <a:schemeClr val="tx1"/>
-          </a:fontRef>
-        </p:style>
-      </p:cxnSp>
-      <p:sp>
-        <p:nvSpPr>
-          <p:cNvPr id="4" name="Rectangle 2"/>
-          <p:cNvSpPr>
-            <a:spLocks noChangeArrowheads="1"/>
-          </p:cNvSpPr>
-          <p:nvPr/>
-        </p:nvSpPr>
-        <p:spPr bwMode="auto">
-          <a:xfrm>
-            <a:off x="0" y="0"/>
-            <a:ext cx="9144000" cy="457200"/>
-          </a:xfrm>
-          <a:prstGeom prst="rect">
-            <a:avLst/>
-          </a:prstGeom>
-          <a:noFill/>
-          <a:ln>
-            <a:noFill/>
-          </a:ln>
-          <a:effectLst/>
-          <a:extLst>
-            <a:ext uri="{909E8E84-426E-40DD-AFC4-6F175D3DCCD1}">
-              <a14:hiddenFill xmlns:a14="http://schemas.microsoft.com/office/drawing/2010/main">
-                <a:solidFill>
-                  <a:schemeClr val="accent1"/>
-                </a:solidFill>
-              </a14:hiddenFill>
-            </a:ext>
-            <a:ext uri="{91240B29-F687-4F45-9708-019B960494DF}">
-              <a14:hiddenLine xmlns:a14="http://schemas.microsoft.com/office/drawing/2010/main" w="9525">
-                <a:solidFill>
-                  <a:schemeClr val="tx1"/>
-                </a:solidFill>
-                <a:miter lim="800000"/>
-                <a:headEnd/>
-                <a:tailEnd/>
-              </a14:hiddenLine>
-            </a:ext>
-            <a:ext uri="{AF507438-7753-43E0-B8FC-AC1667EBCBE1}">
-              <a14:hiddenEffects xmlns:a14="http://schemas.microsoft.com/office/drawing/2010/main">
-                <a:effectLst>
-                  <a:outerShdw dist="35921" dir="2700000" algn="ctr" rotWithShape="0">
-                    <a:schemeClr val="bg2"/>
-                  </a:outerShdw>
-                </a:effectLst>
-              </a14:hiddenEffects>
-            </a:ext>
-          </a:extLst>
-        </p:spPr>
-        <p:txBody>
-          <a:bodyPr vert="horz" wrap="none" lIns="91440" tIns="45720" rIns="91440" bIns="45720" numCol="1" anchor="ctr" anchorCtr="0" compatLnSpc="1">
-            <a:prstTxWarp prst="textNoShape">
-              <a:avLst/>
-            </a:prstTxWarp>
-            <a:spAutoFit/>
-          </a:bodyPr>
-          <a:lstStyle/>
-          <a:p>
-            <a:endParaRPr lang="en-US"/>
-          </a:p>
-        </p:txBody>
-      </p:sp>
-      <p:graphicFrame>
-        <p:nvGraphicFramePr>
-          <p:cNvPr id="6" name="Object 5"/>
-          <p:cNvGraphicFramePr>
-            <a:graphicFrameLocks noChangeAspect="1"/>
-          </p:cNvGraphicFramePr>
-          <p:nvPr>
-            <p:extLst>
-              <p:ext uri="{D42A27DB-BD31-4B8C-83A1-F6EECF244321}">
-                <p14:modId xmlns:p14="http://schemas.microsoft.com/office/powerpoint/2010/main" val="1224526688"/>
-              </p:ext>
-            </p:extLst>
-          </p:nvPr>
-        </p:nvGraphicFramePr>
-        <p:xfrm>
-          <a:off x="2971800" y="4267200"/>
-          <a:ext cx="2320636" cy="740203"/>
-        </p:xfrm>
-        <a:graphic>
-          <a:graphicData uri="http://schemas.openxmlformats.org/presentationml/2006/ole">
-            <mc:AlternateContent xmlns:mc="http://schemas.openxmlformats.org/markup-compatibility/2006">
-              <mc:Choice xmlns:v="urn:schemas-microsoft-com:vml" Requires="v">
-                <p:oleObj spid="_x0000_s4251" name="Equation" r:id="rId3" imgW="1104421" imgH="355446" progId="Equation.DSMT4">
-                  <p:embed/>
-                </p:oleObj>
-              </mc:Choice>
-              <mc:Fallback>
-                <p:oleObj name="Equation" r:id="rId3" imgW="1104421" imgH="355446" progId="Equation.DSMT4">
-                  <p:embed/>
-                  <p:pic>
-                    <p:nvPicPr>
-                      <p:cNvPr id="0" name=""/>
-                      <p:cNvPicPr>
-                        <a:picLocks noChangeAspect="1" noChangeArrowheads="1"/>
-                      </p:cNvPicPr>
-                      <p:nvPr/>
-                    </p:nvPicPr>
-                    <p:blipFill>
-                      <a:blip r:embed="rId4">
-                        <a:extLst>
-                          <a:ext uri="{28A0092B-C50C-407E-A947-70E740481C1C}">
-                            <a14:useLocalDpi xmlns:a14="http://schemas.microsoft.com/office/drawing/2010/main" val="0"/>
-                          </a:ext>
-                        </a:extLst>
-                      </a:blip>
-                      <a:srcRect/>
-                      <a:stretch>
-                        <a:fillRect/>
-                      </a:stretch>
-                    </p:blipFill>
-                    <p:spPr bwMode="auto">
-                      <a:xfrm>
-                        <a:off x="2971800" y="4267200"/>
-                        <a:ext cx="2320636" cy="740203"/>
-                      </a:xfrm>
-                      <a:prstGeom prst="rect">
-                        <a:avLst/>
-                      </a:prstGeom>
-                      <a:noFill/>
-                    </p:spPr>
-                  </p:pic>
-                </p:oleObj>
-              </mc:Fallback>
-            </mc:AlternateContent>
-          </a:graphicData>
-        </a:graphic>
-      </p:graphicFrame>
-      <p:pic>
-        <p:nvPicPr>
-          <p:cNvPr id="4201" name="Picture 105" descr="C:\Users\Le Phuc Lu\Desktop\Capture.PNG"/>
-          <p:cNvPicPr>
-            <a:picLocks noChangeAspect="1" noChangeArrowheads="1"/>
-          </p:cNvPicPr>
-          <p:nvPr/>
-        </p:nvPicPr>
-        <p:blipFill>
-          <a:blip r:embed="rId5">
-            <a:extLst>
-              <a:ext uri="{28A0092B-C50C-407E-A947-70E740481C1C}">
-                <a14:useLocalDpi xmlns:a14="http://schemas.microsoft.com/office/drawing/2010/main" val="0"/>
-              </a:ext>
-            </a:extLst>
-          </a:blip>
-          <a:srcRect/>
-          <a:stretch>
-            <a:fillRect/>
-          </a:stretch>
-        </p:blipFill>
-        <p:spPr bwMode="auto">
-          <a:xfrm>
-            <a:off x="7010400" y="6569405"/>
-            <a:ext cx="1676400" cy="238125"/>
-          </a:xfrm>
-          <a:prstGeom prst="rect">
-            <a:avLst/>
-          </a:prstGeom>
-          <a:noFill/>
-          <a:extLst>
-            <a:ext uri="{909E8E84-426E-40DD-AFC4-6F175D3DCCD1}">
-              <a14:hiddenFill xmlns:a14="http://schemas.microsoft.com/office/drawing/2010/main">
-                <a:solidFill>
-                  <a:srgbClr val="FFFFFF"/>
-                </a:solidFill>
-              </a14:hiddenFill>
-            </a:ext>
-          </a:extLst>
-        </p:spPr>
-      </p:pic>
-      <p:pic>
-        <p:nvPicPr>
-          <p:cNvPr id="11" name="Picture 3" descr="C:\Users\Le Phuc Lu\Desktop\1.PNG"/>
-          <p:cNvPicPr>
-            <a:picLocks noChangeAspect="1" noChangeArrowheads="1"/>
-          </p:cNvPicPr>
-          <p:nvPr/>
-        </p:nvPicPr>
-        <p:blipFill>
-          <a:blip r:embed="rId6">
-            <a:extLst>
-              <a:ext uri="{28A0092B-C50C-407E-A947-70E740481C1C}">
-                <a14:useLocalDpi xmlns:a14="http://schemas.microsoft.com/office/drawing/2010/main" val="0"/>
-              </a:ext>
-            </a:extLst>
-          </a:blip>
-          <a:srcRect/>
-          <a:stretch>
-            <a:fillRect/>
-          </a:stretch>
-        </p:blipFill>
-        <p:spPr bwMode="auto">
-          <a:xfrm>
-            <a:off x="6858000" y="0"/>
-            <a:ext cx="1828800" cy="217410"/>
-          </a:xfrm>
-          <a:prstGeom prst="rect">
-            <a:avLst/>
-          </a:prstGeom>
-          <a:noFill/>
-          <a:extLst>
-            <a:ext uri="{909E8E84-426E-40DD-AFC4-6F175D3DCCD1}">
-              <a14:hiddenFill xmlns:a14="http://schemas.microsoft.com/office/drawing/2010/main">
-                <a:solidFill>
-                  <a:srgbClr val="FFFFFF"/>
-                </a:solidFill>
-              </a14:hiddenFill>
-            </a:ext>
-          </a:extLst>
-        </p:spPr>
-      </p:pic>
-      <p:sp>
-        <p:nvSpPr>
-          <p:cNvPr id="12" name="Oval 11"/>
-          <p:cNvSpPr/>
-          <p:nvPr/>
-        </p:nvSpPr>
-        <p:spPr>
-          <a:xfrm>
-            <a:off x="8077200" y="6324600"/>
-            <a:ext cx="990600" cy="457200"/>
-          </a:xfrm>
-          <a:prstGeom prst="ellipse">
-            <a:avLst/>
-          </a:prstGeom>
-        </p:spPr>
-        <p:style>
-          <a:lnRef idx="0">
-            <a:schemeClr val="accent1"/>
-          </a:lnRef>
-          <a:fillRef idx="3">
-            <a:schemeClr val="accent1"/>
-          </a:fillRef>
-          <a:effectRef idx="3">
-            <a:schemeClr val="accent1"/>
-          </a:effectRef>
-          <a:fontRef idx="minor">
-            <a:schemeClr val="lt1"/>
-          </a:fontRef>
-        </p:style>
-        <p:txBody>
-          <a:bodyPr rtlCol="0" anchor="ctr"/>
-          <a:lstStyle/>
-          <a:p>
-            <a:pPr algn="ctr"/>
-            <a:r>
-              <a:rPr lang="en-US" sz="2000" b="1" dirty="0"/>
-              <a:t>9</a:t>
-            </a:r>
-          </a:p>
-        </p:txBody>
-      </p:sp>
-    </p:spTree>
-    <p:extLst>
-      <p:ext uri="{BB962C8B-B14F-4D97-AF65-F5344CB8AC3E}">
-        <p14:creationId xmlns:p14="http://schemas.microsoft.com/office/powerpoint/2010/main" val="1617263826"/>
-      </p:ext>
-    </p:extLst>
-  </p:cSld>
-  <p:clrMapOvr>
-    <a:masterClrMapping/>
-  </p:clrMapOvr>
-  <p:timing>
-    <p:tnLst>
-      <p:par>
-        <p:cTn id="1" dur="indefinite" restart="never" nodeType="tmRoot">
-          <p:childTnLst>
-            <p:seq concurrent="1" nextAc="seek">
-              <p:cTn id="2" dur="indefinite" nodeType="mainSeq">
-                <p:childTnLst>
-                  <p:par>
-                    <p:cTn id="3" fill="hold">
-                      <p:stCondLst>
-                        <p:cond delay="indefinite"/>
-                      </p:stCondLst>
-                      <p:childTnLst>
-                        <p:par>
-                          <p:cTn id="4" fill="hold">
-                            <p:stCondLst>
-                              <p:cond delay="0"/>
-                            </p:stCondLst>
-                            <p:childTnLst>
-                              <p:par>
-                                <p:cTn id="5" presetID="56" presetClass="path" presetSubtype="0" accel="50000" decel="50000" fill="hold" nodeType="clickEffect">
-                                  <p:stCondLst>
-                                    <p:cond delay="0"/>
-                                  </p:stCondLst>
-                                  <p:childTnLst>
-                                    <p:animMotion origin="layout" path="M 0.10833 -0.03403 L 0.21667 -0.06737 " pathEditMode="relative" rAng="0" ptsTypes="AA">
-                                      <p:cBhvr>
-                                        <p:cTn id="6" dur="2000" fill="hold"/>
-                                        <p:tgtEl>
-                                          <p:spTgt spid="5"/>
-                                        </p:tgtEl>
-                                        <p:attrNameLst>
-                                          <p:attrName>ppt_x</p:attrName>
-                                          <p:attrName>ppt_y</p:attrName>
-                                        </p:attrNameLst>
-                                      </p:cBhvr>
-                                      <p:rCtr x="5417" y="-1667"/>
-                                    </p:animMotion>
-                                  </p:childTnLst>
-                                </p:cTn>
-                              </p:par>
-                            </p:childTnLst>
-                          </p:cTn>
-                        </p:par>
-                      </p:childTnLst>
-                    </p:cTn>
-                  </p:par>
-                  <p:par>
-                    <p:cTn id="7" fill="hold">
-                      <p:stCondLst>
-                        <p:cond delay="indefinite"/>
-                      </p:stCondLst>
-                      <p:childTnLst>
-                        <p:par>
-                          <p:cTn id="8" fill="hold">
-                            <p:stCondLst>
-                              <p:cond delay="0"/>
-                            </p:stCondLst>
-                            <p:childTnLst>
-                              <p:par>
-                                <p:cTn id="9" presetID="56" presetClass="path" presetSubtype="0" accel="50000" decel="50000" fill="hold" nodeType="clickEffect">
-                                  <p:stCondLst>
-                                    <p:cond delay="0"/>
-                                  </p:stCondLst>
-                                  <p:childTnLst>
-                                    <p:animMotion origin="layout" path="M 0.00833 -0.01111 L 0.16666 -0.12778 " pathEditMode="relative" rAng="0" ptsTypes="AA">
-                                      <p:cBhvr>
-                                        <p:cTn id="10" dur="2000" fill="hold"/>
-                                        <p:tgtEl>
-                                          <p:spTgt spid="8"/>
-                                        </p:tgtEl>
-                                        <p:attrNameLst>
-                                          <p:attrName>ppt_x</p:attrName>
-                                          <p:attrName>ppt_y</p:attrName>
-                                        </p:attrNameLst>
-                                      </p:cBhvr>
-                                      <p:rCtr x="7917" y="-5833"/>
-                                    </p:animMotion>
-                                  </p:childTnLst>
-                                </p:cTn>
-                              </p:par>
-                            </p:childTnLst>
-                          </p:cTn>
-                        </p:par>
-                      </p:childTnLst>
-                    </p:cTn>
-                  </p:par>
-                </p:childTnLst>
-              </p:cTn>
-              <p:prevCondLst>
-                <p:cond evt="onPrev" delay="0">
-                  <p:tgtEl>
-                    <p:sldTgt/>
-                  </p:tgtEl>
-                </p:cond>
-              </p:prevCondLst>
-              <p:nextCondLst>
-                <p:cond evt="onNext" delay="0">
-                  <p:tgtEl>
-                    <p:sldTgt/>
-                  </p:tgtEl>
-                </p:cond>
-              </p:nextCondLst>
-            </p:seq>
-          </p:childTnLst>
-        </p:cTn>
       </p:par>
     </p:tnLst>
   </p:timing>

--- a/iDeliver presentation.pptx
+++ b/iDeliver presentation.pptx
@@ -5,10 +5,10 @@
     <p:sldMasterId id="2147483660" r:id="rId1"/>
   </p:sldMasterIdLst>
   <p:notesMasterIdLst>
-    <p:notesMasterId r:id="rId22"/>
+    <p:notesMasterId r:id="rId20"/>
   </p:notesMasterIdLst>
   <p:handoutMasterIdLst>
-    <p:handoutMasterId r:id="rId23"/>
+    <p:handoutMasterId r:id="rId21"/>
   </p:handoutMasterIdLst>
   <p:sldIdLst>
     <p:sldId id="283" r:id="rId2"/>
@@ -20,17 +20,15 @@
     <p:sldId id="276" r:id="rId8"/>
     <p:sldId id="259" r:id="rId9"/>
     <p:sldId id="260" r:id="rId10"/>
-    <p:sldId id="261" r:id="rId11"/>
-    <p:sldId id="262" r:id="rId12"/>
+    <p:sldId id="262" r:id="rId11"/>
+    <p:sldId id="261" r:id="rId12"/>
     <p:sldId id="263" r:id="rId13"/>
-    <p:sldId id="264" r:id="rId14"/>
-    <p:sldId id="265" r:id="rId15"/>
-    <p:sldId id="266" r:id="rId16"/>
-    <p:sldId id="278" r:id="rId17"/>
-    <p:sldId id="279" r:id="rId18"/>
-    <p:sldId id="277" r:id="rId19"/>
-    <p:sldId id="280" r:id="rId20"/>
-    <p:sldId id="281" r:id="rId21"/>
+    <p:sldId id="265" r:id="rId14"/>
+    <p:sldId id="278" r:id="rId15"/>
+    <p:sldId id="279" r:id="rId16"/>
+    <p:sldId id="277" r:id="rId17"/>
+    <p:sldId id="280" r:id="rId18"/>
+    <p:sldId id="281" r:id="rId19"/>
   </p:sldIdLst>
   <p:sldSz cx="9144000" cy="6858000" type="screen4x3"/>
   <p:notesSz cx="6858000" cy="9144000"/>
@@ -2885,22 +2883,22 @@
     </dgm:pt>
   </dgm:ptLst>
   <dgm:cxnLst>
+    <dgm:cxn modelId="{8FC5C53C-E0D2-4D9E-921A-D5BAB0691AEA}" type="presOf" srcId="{F15AB5BC-20EB-4896-ACF0-5A5E624E7B6C}" destId="{2122FC3D-9D7C-4674-9A64-60A76FF473D7}" srcOrd="1" destOrd="0" presId="urn:microsoft.com/office/officeart/2005/8/layout/list1"/>
+    <dgm:cxn modelId="{F872DC09-BB93-40DD-AC2E-02BB8F8E24F7}" type="presOf" srcId="{50966B18-8F4F-4052-89F9-B48790BD2367}" destId="{F8B1D1CA-F8B8-4CF2-850D-8A08A6D43348}" srcOrd="0" destOrd="0" presId="urn:microsoft.com/office/officeart/2005/8/layout/list1"/>
+    <dgm:cxn modelId="{895819B1-9F28-4D90-ACDF-9FE810992A71}" srcId="{EDC7A38C-A6DB-4DC5-A689-39ECF460C6EE}" destId="{F3861C03-805D-46DF-A473-53653EFDEFAC}" srcOrd="0" destOrd="0" parTransId="{FDEF765C-797E-4575-A57A-62FC58C0DBBD}" sibTransId="{4B94263F-AE36-49BA-90BC-B9C0A3836F11}"/>
+    <dgm:cxn modelId="{491C81F4-6429-47C7-A66F-7BFF0E79B08D}" type="presOf" srcId="{4EF90078-E6E6-4945-AFF6-3CE122D73B62}" destId="{E2681A2F-F14D-4CA1-AED2-F51532E386C0}" srcOrd="1" destOrd="0" presId="urn:microsoft.com/office/officeart/2005/8/layout/list1"/>
+    <dgm:cxn modelId="{62A679E3-6E81-49B3-9E2D-5E7AB7AFAAB0}" srcId="{EDC7A38C-A6DB-4DC5-A689-39ECF460C6EE}" destId="{F15AB5BC-20EB-4896-ACF0-5A5E624E7B6C}" srcOrd="1" destOrd="0" parTransId="{D72D90E7-2791-440A-BD7C-BF567269DBF7}" sibTransId="{491206DF-53A9-45C6-A28A-60F01CAC4067}"/>
+    <dgm:cxn modelId="{75735154-E353-4CB6-A313-260C53D45645}" type="presOf" srcId="{50966B18-8F4F-4052-89F9-B48790BD2367}" destId="{7AA6AE93-8789-4D56-BCEC-D6B55D847325}" srcOrd="1" destOrd="0" presId="urn:microsoft.com/office/officeart/2005/8/layout/list1"/>
+    <dgm:cxn modelId="{E9E9A78E-3D06-4434-9596-2811CFE08B6F}" type="presOf" srcId="{4EF90078-E6E6-4945-AFF6-3CE122D73B62}" destId="{5C8FE5E1-884F-412E-A725-A291A47A8E59}" srcOrd="0" destOrd="0" presId="urn:microsoft.com/office/officeart/2005/8/layout/list1"/>
+    <dgm:cxn modelId="{B939CA61-FB1E-4148-98F6-EABDDE961BD5}" srcId="{EDC7A38C-A6DB-4DC5-A689-39ECF460C6EE}" destId="{50966B18-8F4F-4052-89F9-B48790BD2367}" srcOrd="2" destOrd="0" parTransId="{C781F25A-CB4B-44C1-A33E-F87A8D09F246}" sibTransId="{5D4359EE-B0D4-4E7C-8140-B2A89C1D7FF5}"/>
     <dgm:cxn modelId="{D511B19E-2229-41BF-A87F-557FEE21CBCC}" type="presOf" srcId="{EDC7A38C-A6DB-4DC5-A689-39ECF460C6EE}" destId="{12349A56-4627-47C6-95E1-59A3763AA6E1}" srcOrd="0" destOrd="0" presId="urn:microsoft.com/office/officeart/2005/8/layout/list1"/>
+    <dgm:cxn modelId="{B6DE7BDF-0007-4DDE-B412-4B6F0561ED64}" type="presOf" srcId="{2511DA9D-D953-4E88-85D7-486DCAA95676}" destId="{1B03F452-E806-41D8-9F69-D88626BB3B32}" srcOrd="0" destOrd="0" presId="urn:microsoft.com/office/officeart/2005/8/layout/list1"/>
     <dgm:cxn modelId="{E9ECDBE4-4B3F-4965-BC46-77193A10C313}" type="presOf" srcId="{F15AB5BC-20EB-4896-ACF0-5A5E624E7B6C}" destId="{ED16CCA2-3479-4C2F-9EE1-3E315BF03D68}" srcOrd="0" destOrd="0" presId="urn:microsoft.com/office/officeart/2005/8/layout/list1"/>
-    <dgm:cxn modelId="{EADFDE52-5B58-4A6D-AB10-BDF6EB79B1DE}" type="presOf" srcId="{F3861C03-805D-46DF-A473-53653EFDEFAC}" destId="{F5161C34-E6C6-424C-AFB0-D1DCB70063F9}" srcOrd="0" destOrd="0" presId="urn:microsoft.com/office/officeart/2005/8/layout/list1"/>
-    <dgm:cxn modelId="{B939CA61-FB1E-4148-98F6-EABDDE961BD5}" srcId="{EDC7A38C-A6DB-4DC5-A689-39ECF460C6EE}" destId="{50966B18-8F4F-4052-89F9-B48790BD2367}" srcOrd="2" destOrd="0" parTransId="{C781F25A-CB4B-44C1-A33E-F87A8D09F246}" sibTransId="{5D4359EE-B0D4-4E7C-8140-B2A89C1D7FF5}"/>
-    <dgm:cxn modelId="{895819B1-9F28-4D90-ACDF-9FE810992A71}" srcId="{EDC7A38C-A6DB-4DC5-A689-39ECF460C6EE}" destId="{F3861C03-805D-46DF-A473-53653EFDEFAC}" srcOrd="0" destOrd="0" parTransId="{FDEF765C-797E-4575-A57A-62FC58C0DBBD}" sibTransId="{4B94263F-AE36-49BA-90BC-B9C0A3836F11}"/>
-    <dgm:cxn modelId="{8FC5C53C-E0D2-4D9E-921A-D5BAB0691AEA}" type="presOf" srcId="{F15AB5BC-20EB-4896-ACF0-5A5E624E7B6C}" destId="{2122FC3D-9D7C-4674-9A64-60A76FF473D7}" srcOrd="1" destOrd="0" presId="urn:microsoft.com/office/officeart/2005/8/layout/list1"/>
-    <dgm:cxn modelId="{E9E9A78E-3D06-4434-9596-2811CFE08B6F}" type="presOf" srcId="{4EF90078-E6E6-4945-AFF6-3CE122D73B62}" destId="{5C8FE5E1-884F-412E-A725-A291A47A8E59}" srcOrd="0" destOrd="0" presId="urn:microsoft.com/office/officeart/2005/8/layout/list1"/>
-    <dgm:cxn modelId="{491C81F4-6429-47C7-A66F-7BFF0E79B08D}" type="presOf" srcId="{4EF90078-E6E6-4945-AFF6-3CE122D73B62}" destId="{E2681A2F-F14D-4CA1-AED2-F51532E386C0}" srcOrd="1" destOrd="0" presId="urn:microsoft.com/office/officeart/2005/8/layout/list1"/>
     <dgm:cxn modelId="{ACA434B3-DE1A-47D9-A07E-3EE677AE4A87}" type="presOf" srcId="{F3861C03-805D-46DF-A473-53653EFDEFAC}" destId="{4BCFC962-7C53-4C3E-A79A-F8EA1F40FB77}" srcOrd="1" destOrd="0" presId="urn:microsoft.com/office/officeart/2005/8/layout/list1"/>
-    <dgm:cxn modelId="{62A679E3-6E81-49B3-9E2D-5E7AB7AFAAB0}" srcId="{EDC7A38C-A6DB-4DC5-A689-39ECF460C6EE}" destId="{F15AB5BC-20EB-4896-ACF0-5A5E624E7B6C}" srcOrd="1" destOrd="0" parTransId="{D72D90E7-2791-440A-BD7C-BF567269DBF7}" sibTransId="{491206DF-53A9-45C6-A28A-60F01CAC4067}"/>
-    <dgm:cxn modelId="{C012B5AC-4085-426B-BA31-5E62062BF963}" srcId="{EDC7A38C-A6DB-4DC5-A689-39ECF460C6EE}" destId="{4EF90078-E6E6-4945-AFF6-3CE122D73B62}" srcOrd="3" destOrd="0" parTransId="{09C9B5E1-25C3-4E5E-AD04-49DF3B553086}" sibTransId="{AE2A650F-D5C1-43DF-9F83-849BA50274C2}"/>
-    <dgm:cxn modelId="{75735154-E353-4CB6-A313-260C53D45645}" type="presOf" srcId="{50966B18-8F4F-4052-89F9-B48790BD2367}" destId="{7AA6AE93-8789-4D56-BCEC-D6B55D847325}" srcOrd="1" destOrd="0" presId="urn:microsoft.com/office/officeart/2005/8/layout/list1"/>
-    <dgm:cxn modelId="{B6DE7BDF-0007-4DDE-B412-4B6F0561ED64}" type="presOf" srcId="{2511DA9D-D953-4E88-85D7-486DCAA95676}" destId="{1B03F452-E806-41D8-9F69-D88626BB3B32}" srcOrd="0" destOrd="0" presId="urn:microsoft.com/office/officeart/2005/8/layout/list1"/>
-    <dgm:cxn modelId="{F872DC09-BB93-40DD-AC2E-02BB8F8E24F7}" type="presOf" srcId="{50966B18-8F4F-4052-89F9-B48790BD2367}" destId="{F8B1D1CA-F8B8-4CF2-850D-8A08A6D43348}" srcOrd="0" destOrd="0" presId="urn:microsoft.com/office/officeart/2005/8/layout/list1"/>
     <dgm:cxn modelId="{6A8FF732-B4B4-4D17-AEEF-1FC21937469E}" type="presOf" srcId="{2511DA9D-D953-4E88-85D7-486DCAA95676}" destId="{A2F44CA5-7572-4B10-8094-A7E02486FABF}" srcOrd="1" destOrd="0" presId="urn:microsoft.com/office/officeart/2005/8/layout/list1"/>
     <dgm:cxn modelId="{443A4200-1FAC-4F0C-AB59-DBDB9E58150F}" srcId="{EDC7A38C-A6DB-4DC5-A689-39ECF460C6EE}" destId="{2511DA9D-D953-4E88-85D7-486DCAA95676}" srcOrd="4" destOrd="0" parTransId="{FFC15986-DDEE-40E7-86E3-050BDF619BE7}" sibTransId="{87DF7139-E210-4101-AEDE-4DE92254736F}"/>
+    <dgm:cxn modelId="{C012B5AC-4085-426B-BA31-5E62062BF963}" srcId="{EDC7A38C-A6DB-4DC5-A689-39ECF460C6EE}" destId="{4EF90078-E6E6-4945-AFF6-3CE122D73B62}" srcOrd="3" destOrd="0" parTransId="{09C9B5E1-25C3-4E5E-AD04-49DF3B553086}" sibTransId="{AE2A650F-D5C1-43DF-9F83-849BA50274C2}"/>
+    <dgm:cxn modelId="{EADFDE52-5B58-4A6D-AB10-BDF6EB79B1DE}" type="presOf" srcId="{F3861C03-805D-46DF-A473-53653EFDEFAC}" destId="{F5161C34-E6C6-424C-AFB0-D1DCB70063F9}" srcOrd="0" destOrd="0" presId="urn:microsoft.com/office/officeart/2005/8/layout/list1"/>
     <dgm:cxn modelId="{A5C55C8A-FE5F-4D8D-9361-332699CFA204}" type="presParOf" srcId="{12349A56-4627-47C6-95E1-59A3763AA6E1}" destId="{4C00E976-8666-4597-95C1-88AFE21BB0A3}" srcOrd="0" destOrd="0" presId="urn:microsoft.com/office/officeart/2005/8/layout/list1"/>
     <dgm:cxn modelId="{AF596160-38EF-493E-AD36-5132F7C884BA}" type="presParOf" srcId="{4C00E976-8666-4597-95C1-88AFE21BB0A3}" destId="{F5161C34-E6C6-424C-AFB0-D1DCB70063F9}" srcOrd="0" destOrd="0" presId="urn:microsoft.com/office/officeart/2005/8/layout/list1"/>
     <dgm:cxn modelId="{2EC1E1E5-E010-4D2F-8E22-1F399244BCDA}" type="presParOf" srcId="{4C00E976-8666-4597-95C1-88AFE21BB0A3}" destId="{4BCFC962-7C53-4C3E-A79A-F8EA1F40FB77}" srcOrd="1" destOrd="0" presId="urn:microsoft.com/office/officeart/2005/8/layout/list1"/>
@@ -10869,7 +10867,7 @@
           <a:p>
             <a:fld id="{8CF011AB-31B9-4FEE-9201-64BC297EEACF}" type="datetimeFigureOut">
               <a:rPr lang="en-US" smtClean="0"/>
-              <a:t>05/05/2014</a:t>
+              <a:t>5/5/2014</a:t>
             </a:fld>
             <a:endParaRPr lang="en-US"/>
           </a:p>
@@ -11035,7 +11033,7 @@
           <a:p>
             <a:fld id="{EEB917EA-0A47-475B-9CE2-61BBD17C3321}" type="datetimeFigureOut">
               <a:rPr lang="en-US" smtClean="0"/>
-              <a:t>05/05/2014</a:t>
+              <a:t>5/5/2014</a:t>
             </a:fld>
             <a:endParaRPr lang="en-US"/>
           </a:p>
@@ -13582,7 +13580,7 @@
           <a:graphicData uri="http://schemas.openxmlformats.org/presentationml/2006/ole">
             <mc:AlternateContent xmlns:mc="http://schemas.openxmlformats.org/markup-compatibility/2006">
               <mc:Choice xmlns:v="urn:schemas-microsoft-com:vml" Requires="v">
-                <p:oleObj spid="_x0000_s2490" name="Image" r:id="rId15" imgW="6311111" imgH="1155148" progId="">
+                <p:oleObj spid="_x0000_s2517" name="Image" r:id="rId15" imgW="6311111" imgH="1155148" progId="">
                   <p:embed/>
                 </p:oleObj>
               </mc:Choice>
@@ -15036,8 +15034,300 @@
           <a:lstStyle/>
           <a:p>
             <a:r>
+              <a:rPr lang="en-US" sz="3000" b="1" dirty="0" smtClean="0"/>
+              <a:t>Three main steps</a:t>
+            </a:r>
+            <a:endParaRPr lang="en-US" sz="3000" b="1" dirty="0"/>
+          </a:p>
+        </p:txBody>
+      </p:sp>
+      <p:sp>
+        <p:nvSpPr>
+          <p:cNvPr id="3" name="Content Placeholder 2"/>
+          <p:cNvSpPr>
+            <a:spLocks noGrp="1"/>
+          </p:cNvSpPr>
+          <p:nvPr>
+            <p:ph idx="1"/>
+          </p:nvPr>
+        </p:nvSpPr>
+        <p:spPr>
+          <a:xfrm>
+            <a:off x="228600" y="1600200"/>
+            <a:ext cx="8763000" cy="3940175"/>
+          </a:xfrm>
+        </p:spPr>
+        <p:txBody>
+          <a:bodyPr/>
+          <a:lstStyle/>
+          <a:p>
+            <a:pPr algn="just">
+              <a:buFont typeface="Courier New" pitchFamily="49" charset="0"/>
+              <a:buChar char="o"/>
+            </a:pPr>
+            <a:r>
+              <a:rPr lang="en-US" sz="2700" dirty="0" smtClean="0"/>
+              <a:t>Step 1</a:t>
+            </a:r>
+            <a:r>
+              <a:rPr lang="en-US" sz="2700" b="0" dirty="0" smtClean="0"/>
+              <a:t>: check if request can be delivered on </a:t>
+            </a:r>
+            <a:r>
+              <a:rPr lang="en-US" sz="2700" dirty="0" smtClean="0"/>
+              <a:t>one trip </a:t>
+            </a:r>
+            <a:r>
+              <a:rPr lang="en-US" sz="2700" b="0" dirty="0" smtClean="0"/>
+              <a:t>starts at A and end at B.</a:t>
+            </a:r>
+          </a:p>
+          <a:p>
+            <a:pPr algn="just">
+              <a:buFont typeface="Courier New" pitchFamily="49" charset="0"/>
+              <a:buChar char="o"/>
+            </a:pPr>
+            <a:r>
+              <a:rPr lang="en-US" sz="2700" dirty="0" smtClean="0"/>
+              <a:t>Step 2</a:t>
+            </a:r>
+            <a:r>
+              <a:rPr lang="en-US" sz="2700" b="0" dirty="0" smtClean="0"/>
+              <a:t>: </a:t>
+            </a:r>
+            <a:r>
+              <a:rPr lang="en-US" sz="2700" b="0" dirty="0"/>
+              <a:t>check if request </a:t>
+            </a:r>
+            <a:r>
+              <a:rPr lang="en-US" sz="2700" b="0" dirty="0" smtClean="0"/>
+              <a:t>can be delivered by </a:t>
+            </a:r>
+            <a:r>
+              <a:rPr lang="en-US" sz="2700" dirty="0" smtClean="0"/>
+              <a:t>multiple trips </a:t>
+            </a:r>
+            <a:r>
+              <a:rPr lang="en-US" sz="2700" b="0" dirty="0" smtClean="0"/>
+              <a:t>that starts/ends at stations of the found way.</a:t>
+            </a:r>
+          </a:p>
+          <a:p>
+            <a:pPr algn="just">
+              <a:buFont typeface="Courier New" pitchFamily="49" charset="0"/>
+              <a:buChar char="o"/>
+            </a:pPr>
+            <a:r>
+              <a:rPr lang="en-US" sz="2700" dirty="0" smtClean="0"/>
+              <a:t>Step 3</a:t>
+            </a:r>
+            <a:r>
+              <a:rPr lang="en-US" sz="2700" b="0" dirty="0" smtClean="0"/>
+              <a:t>: </a:t>
+            </a:r>
+            <a:r>
+              <a:rPr lang="en-US" sz="2700" b="0" dirty="0"/>
+              <a:t>check if request can be delivered by </a:t>
+            </a:r>
+            <a:r>
+              <a:rPr lang="en-US" sz="2700" dirty="0" smtClean="0"/>
+              <a:t>multiple trips</a:t>
+            </a:r>
+            <a:r>
+              <a:rPr lang="en-US" sz="2700" b="0" dirty="0" smtClean="0"/>
+              <a:t> and its may be </a:t>
+            </a:r>
+            <a:r>
+              <a:rPr lang="en-US" sz="2700" dirty="0" smtClean="0"/>
+              <a:t>transferred at middle of way</a:t>
+            </a:r>
+            <a:r>
+              <a:rPr lang="en-US" sz="2700" b="0" dirty="0" smtClean="0"/>
+              <a:t>.</a:t>
+            </a:r>
+            <a:endParaRPr lang="en-US" sz="2700" b="0" dirty="0"/>
+          </a:p>
+        </p:txBody>
+      </p:sp>
+      <p:pic>
+        <p:nvPicPr>
+          <p:cNvPr id="12290" name="Picture 2" descr="C:\Users\Le Phuc Lu\Desktop\Capture.PNG"/>
+          <p:cNvPicPr>
+            <a:picLocks noChangeAspect="1" noChangeArrowheads="1"/>
+          </p:cNvPicPr>
+          <p:nvPr/>
+        </p:nvPicPr>
+        <p:blipFill>
+          <a:blip r:embed="rId2">
+            <a:extLst>
+              <a:ext uri="{28A0092B-C50C-407E-A947-70E740481C1C}">
+                <a14:useLocalDpi xmlns:a14="http://schemas.microsoft.com/office/drawing/2010/main" val="0"/>
+              </a:ext>
+            </a:extLst>
+          </a:blip>
+          <a:srcRect/>
+          <a:stretch>
+            <a:fillRect/>
+          </a:stretch>
+        </p:blipFill>
+        <p:spPr bwMode="auto">
+          <a:xfrm>
+            <a:off x="7086600" y="6616906"/>
+            <a:ext cx="1676400" cy="238125"/>
+          </a:xfrm>
+          <a:prstGeom prst="rect">
+            <a:avLst/>
+          </a:prstGeom>
+          <a:noFill/>
+          <a:extLst>
+            <a:ext uri="{909E8E84-426E-40DD-AFC4-6F175D3DCCD1}">
+              <a14:hiddenFill xmlns:a14="http://schemas.microsoft.com/office/drawing/2010/main">
+                <a:solidFill>
+                  <a:srgbClr val="FFFFFF"/>
+                </a:solidFill>
+              </a14:hiddenFill>
+            </a:ext>
+          </a:extLst>
+        </p:spPr>
+      </p:pic>
+      <p:pic>
+        <p:nvPicPr>
+          <p:cNvPr id="5" name="Picture 3" descr="C:\Users\Le Phuc Lu\Desktop\1.PNG"/>
+          <p:cNvPicPr>
+            <a:picLocks noChangeAspect="1" noChangeArrowheads="1"/>
+          </p:cNvPicPr>
+          <p:nvPr/>
+        </p:nvPicPr>
+        <p:blipFill>
+          <a:blip r:embed="rId3">
+            <a:extLst>
+              <a:ext uri="{28A0092B-C50C-407E-A947-70E740481C1C}">
+                <a14:useLocalDpi xmlns:a14="http://schemas.microsoft.com/office/drawing/2010/main" val="0"/>
+              </a:ext>
+            </a:extLst>
+          </a:blip>
+          <a:srcRect/>
+          <a:stretch>
+            <a:fillRect/>
+          </a:stretch>
+        </p:blipFill>
+        <p:spPr bwMode="auto">
+          <a:xfrm>
+            <a:off x="6858000" y="0"/>
+            <a:ext cx="1828800" cy="217410"/>
+          </a:xfrm>
+          <a:prstGeom prst="rect">
+            <a:avLst/>
+          </a:prstGeom>
+          <a:noFill/>
+          <a:extLst>
+            <a:ext uri="{909E8E84-426E-40DD-AFC4-6F175D3DCCD1}">
+              <a14:hiddenFill xmlns:a14="http://schemas.microsoft.com/office/drawing/2010/main">
+                <a:solidFill>
+                  <a:srgbClr val="FFFFFF"/>
+                </a:solidFill>
+              </a14:hiddenFill>
+            </a:ext>
+          </a:extLst>
+        </p:spPr>
+      </p:pic>
+      <p:sp>
+        <p:nvSpPr>
+          <p:cNvPr id="6" name="Oval 5"/>
+          <p:cNvSpPr/>
+          <p:nvPr/>
+        </p:nvSpPr>
+        <p:spPr>
+          <a:xfrm>
+            <a:off x="8077200" y="6324600"/>
+            <a:ext cx="990600" cy="457200"/>
+          </a:xfrm>
+          <a:prstGeom prst="ellipse">
+            <a:avLst/>
+          </a:prstGeom>
+        </p:spPr>
+        <p:style>
+          <a:lnRef idx="0">
+            <a:schemeClr val="accent1"/>
+          </a:lnRef>
+          <a:fillRef idx="3">
+            <a:schemeClr val="accent1"/>
+          </a:fillRef>
+          <a:effectRef idx="3">
+            <a:schemeClr val="accent1"/>
+          </a:effectRef>
+          <a:fontRef idx="minor">
+            <a:schemeClr val="lt1"/>
+          </a:fontRef>
+        </p:style>
+        <p:txBody>
+          <a:bodyPr rtlCol="0" anchor="ctr"/>
+          <a:lstStyle/>
+          <a:p>
+            <a:pPr algn="ctr"/>
+            <a:r>
+              <a:rPr lang="en-US" sz="2000" b="1" dirty="0" smtClean="0"/>
+              <a:t>10</a:t>
+            </a:r>
+            <a:endParaRPr lang="en-US" sz="2000" b="1" dirty="0"/>
+          </a:p>
+        </p:txBody>
+      </p:sp>
+    </p:spTree>
+    <p:extLst>
+      <p:ext uri="{BB962C8B-B14F-4D97-AF65-F5344CB8AC3E}">
+        <p14:creationId xmlns:p14="http://schemas.microsoft.com/office/powerpoint/2010/main" val="3429110719"/>
+      </p:ext>
+    </p:extLst>
+  </p:cSld>
+  <p:clrMapOvr>
+    <a:masterClrMapping/>
+  </p:clrMapOvr>
+  <p:timing>
+    <p:tnLst>
+      <p:par>
+        <p:cTn id="1" dur="indefinite" restart="never" nodeType="tmRoot"/>
+      </p:par>
+    </p:tnLst>
+  </p:timing>
+</p:sld>
+</file>
+
+<file path=ppt/slides/slide11.xml><?xml version="1.0" encoding="utf-8"?>
+<p:sld xmlns:a="http://schemas.openxmlformats.org/drawingml/2006/main" xmlns:r="http://schemas.openxmlformats.org/officeDocument/2006/relationships" xmlns:p="http://schemas.openxmlformats.org/presentationml/2006/main">
+  <p:cSld>
+    <p:spTree>
+      <p:nvGrpSpPr>
+        <p:cNvPr id="1" name=""/>
+        <p:cNvGrpSpPr/>
+        <p:nvPr/>
+      </p:nvGrpSpPr>
+      <p:grpSpPr>
+        <a:xfrm>
+          <a:off x="0" y="0"/>
+          <a:ext cx="0" cy="0"/>
+          <a:chOff x="0" y="0"/>
+          <a:chExt cx="0" cy="0"/>
+        </a:xfrm>
+      </p:grpSpPr>
+      <p:sp>
+        <p:nvSpPr>
+          <p:cNvPr id="2" name="Title 1"/>
+          <p:cNvSpPr>
+            <a:spLocks noGrp="1"/>
+          </p:cNvSpPr>
+          <p:nvPr>
+            <p:ph type="title"/>
+          </p:nvPr>
+        </p:nvSpPr>
+        <p:spPr/>
+        <p:txBody>
+          <a:bodyPr/>
+          <a:lstStyle/>
+          <a:p>
+            <a:r>
               <a:rPr lang="en-US" sz="3200" b="1" dirty="0" smtClean="0"/>
-              <a:t>Detail solution</a:t>
+              <a:t>Find path</a:t>
             </a:r>
             <a:endParaRPr lang="en-US" sz="3200" b="1" dirty="0"/>
           </a:p>
@@ -15153,7 +15443,7 @@
             </a:r>
             <a:r>
               <a:rPr lang="en-US" sz="2600" b="0" dirty="0" smtClean="0"/>
-              <a:t> of stations. Condition: </a:t>
+              <a:t> of stations. </a:t>
             </a:r>
             <a:endParaRPr lang="en-US" sz="2600" b="0" dirty="0"/>
           </a:p>
@@ -15360,73 +15650,6 @@
           </a:p>
         </p:txBody>
       </p:sp>
-      <p:graphicFrame>
-        <p:nvGraphicFramePr>
-          <p:cNvPr id="6" name="Object 5"/>
-          <p:cNvGraphicFramePr>
-            <a:graphicFrameLocks noChangeAspect="1"/>
-          </p:cNvGraphicFramePr>
-          <p:nvPr>
-            <p:extLst>
-              <p:ext uri="{D42A27DB-BD31-4B8C-83A1-F6EECF244321}">
-                <p14:modId xmlns:p14="http://schemas.microsoft.com/office/powerpoint/2010/main" val="1224526688"/>
-              </p:ext>
-            </p:extLst>
-          </p:nvPr>
-        </p:nvGraphicFramePr>
-        <p:xfrm>
-          <a:off x="2971800" y="4267200"/>
-          <a:ext cx="2320636" cy="740203"/>
-        </p:xfrm>
-        <a:graphic>
-          <a:graphicData uri="http://schemas.openxmlformats.org/presentationml/2006/ole">
-            <mc:AlternateContent xmlns:mc="http://schemas.openxmlformats.org/markup-compatibility/2006">
-              <mc:Choice xmlns:v="urn:schemas-microsoft-com:vml" Requires="v">
-                <p:oleObj spid="_x0000_s4263" name="Equation" r:id="rId3" imgW="1104421" imgH="355446" progId="Equation.DSMT4">
-                  <p:embed/>
-                </p:oleObj>
-              </mc:Choice>
-              <mc:Fallback>
-                <p:oleObj name="Equation" r:id="rId3" imgW="1104421" imgH="355446" progId="Equation.DSMT4">
-                  <p:embed/>
-                  <p:pic>
-                    <p:nvPicPr>
-                      <p:cNvPr id="0" name=""/>
-                      <p:cNvPicPr>
-                        <a:picLocks noChangeAspect="1" noChangeArrowheads="1"/>
-                      </p:cNvPicPr>
-                      <p:nvPr/>
-                    </p:nvPicPr>
-                    <p:blipFill>
-                      <a:blip r:embed="rId4">
-                        <a:extLst>
-                          <a:ext uri="{28A0092B-C50C-407E-A947-70E740481C1C}">
-                            <a14:useLocalDpi xmlns:a14="http://schemas.microsoft.com/office/drawing/2010/main" val="0"/>
-                          </a:ext>
-                        </a:extLst>
-                      </a:blip>
-                      <a:srcRect/>
-                      <a:stretch>
-                        <a:fillRect/>
-                      </a:stretch>
-                    </p:blipFill>
-                    <p:spPr bwMode="auto">
-                      <a:xfrm>
-                        <a:off x="2971800" y="4267200"/>
-                        <a:ext cx="2320636" cy="740203"/>
-                      </a:xfrm>
-                      <a:prstGeom prst="rect">
-                        <a:avLst/>
-                      </a:prstGeom>
-                      <a:noFill/>
-                    </p:spPr>
-                  </p:pic>
-                </p:oleObj>
-              </mc:Fallback>
-            </mc:AlternateContent>
-          </a:graphicData>
-        </a:graphic>
-      </p:graphicFrame>
       <p:pic>
         <p:nvPicPr>
           <p:cNvPr id="4201" name="Picture 105" descr="C:\Users\Le Phuc Lu\Desktop\Capture.PNG"/>
@@ -15436,7 +15659,7 @@
           <p:nvPr/>
         </p:nvPicPr>
         <p:blipFill>
-          <a:blip r:embed="rId5">
+          <a:blip r:embed="rId2">
             <a:extLst>
               <a:ext uri="{28A0092B-C50C-407E-A947-70E740481C1C}">
                 <a14:useLocalDpi xmlns:a14="http://schemas.microsoft.com/office/drawing/2010/main" val="0"/>
@@ -15477,7 +15700,7 @@
           <p:nvPr/>
         </p:nvPicPr>
         <p:blipFill>
-          <a:blip r:embed="rId6">
+          <a:blip r:embed="rId3">
             <a:extLst>
               <a:ext uri="{28A0092B-C50C-407E-A947-70E740481C1C}">
                 <a14:useLocalDpi xmlns:a14="http://schemas.microsoft.com/office/drawing/2010/main" val="0"/>
@@ -15673,298 +15896,6 @@
 </p:sld>
 </file>
 
-<file path=ppt/slides/slide11.xml><?xml version="1.0" encoding="utf-8"?>
-<p:sld xmlns:a="http://schemas.openxmlformats.org/drawingml/2006/main" xmlns:r="http://schemas.openxmlformats.org/officeDocument/2006/relationships" xmlns:p="http://schemas.openxmlformats.org/presentationml/2006/main">
-  <p:cSld>
-    <p:spTree>
-      <p:nvGrpSpPr>
-        <p:cNvPr id="1" name=""/>
-        <p:cNvGrpSpPr/>
-        <p:nvPr/>
-      </p:nvGrpSpPr>
-      <p:grpSpPr>
-        <a:xfrm>
-          <a:off x="0" y="0"/>
-          <a:ext cx="0" cy="0"/>
-          <a:chOff x="0" y="0"/>
-          <a:chExt cx="0" cy="0"/>
-        </a:xfrm>
-      </p:grpSpPr>
-      <p:sp>
-        <p:nvSpPr>
-          <p:cNvPr id="2" name="Title 1"/>
-          <p:cNvSpPr>
-            <a:spLocks noGrp="1"/>
-          </p:cNvSpPr>
-          <p:nvPr>
-            <p:ph type="title"/>
-          </p:nvPr>
-        </p:nvSpPr>
-        <p:spPr/>
-        <p:txBody>
-          <a:bodyPr/>
-          <a:lstStyle/>
-          <a:p>
-            <a:r>
-              <a:rPr lang="en-US" sz="3000" b="1" dirty="0" smtClean="0"/>
-              <a:t>Three main steps</a:t>
-            </a:r>
-            <a:endParaRPr lang="en-US" sz="3000" b="1" dirty="0"/>
-          </a:p>
-        </p:txBody>
-      </p:sp>
-      <p:sp>
-        <p:nvSpPr>
-          <p:cNvPr id="3" name="Content Placeholder 2"/>
-          <p:cNvSpPr>
-            <a:spLocks noGrp="1"/>
-          </p:cNvSpPr>
-          <p:nvPr>
-            <p:ph idx="1"/>
-          </p:nvPr>
-        </p:nvSpPr>
-        <p:spPr>
-          <a:xfrm>
-            <a:off x="228600" y="1600200"/>
-            <a:ext cx="8763000" cy="3940175"/>
-          </a:xfrm>
-        </p:spPr>
-        <p:txBody>
-          <a:bodyPr/>
-          <a:lstStyle/>
-          <a:p>
-            <a:pPr algn="just">
-              <a:buFont typeface="Courier New" pitchFamily="49" charset="0"/>
-              <a:buChar char="o"/>
-            </a:pPr>
-            <a:r>
-              <a:rPr lang="en-US" sz="2700" dirty="0" smtClean="0"/>
-              <a:t>Step 1</a:t>
-            </a:r>
-            <a:r>
-              <a:rPr lang="en-US" sz="2700" b="0" dirty="0" smtClean="0"/>
-              <a:t>: check if request can be delivered on </a:t>
-            </a:r>
-            <a:r>
-              <a:rPr lang="en-US" sz="2700" dirty="0" smtClean="0"/>
-              <a:t>one trip </a:t>
-            </a:r>
-            <a:r>
-              <a:rPr lang="en-US" sz="2700" b="0" dirty="0" smtClean="0"/>
-              <a:t>starts at A and end at B.</a:t>
-            </a:r>
-          </a:p>
-          <a:p>
-            <a:pPr algn="just">
-              <a:buFont typeface="Courier New" pitchFamily="49" charset="0"/>
-              <a:buChar char="o"/>
-            </a:pPr>
-            <a:r>
-              <a:rPr lang="en-US" sz="2700" dirty="0" smtClean="0"/>
-              <a:t>Step 2</a:t>
-            </a:r>
-            <a:r>
-              <a:rPr lang="en-US" sz="2700" b="0" dirty="0" smtClean="0"/>
-              <a:t>: </a:t>
-            </a:r>
-            <a:r>
-              <a:rPr lang="en-US" sz="2700" b="0" dirty="0"/>
-              <a:t>check if request </a:t>
-            </a:r>
-            <a:r>
-              <a:rPr lang="en-US" sz="2700" b="0" dirty="0" smtClean="0"/>
-              <a:t>can be delivered by </a:t>
-            </a:r>
-            <a:r>
-              <a:rPr lang="en-US" sz="2700" dirty="0" smtClean="0"/>
-              <a:t>multiple trips </a:t>
-            </a:r>
-            <a:r>
-              <a:rPr lang="en-US" sz="2700" b="0" dirty="0" smtClean="0"/>
-              <a:t>that starts/ends at stations of the found way.</a:t>
-            </a:r>
-          </a:p>
-          <a:p>
-            <a:pPr algn="just">
-              <a:buFont typeface="Courier New" pitchFamily="49" charset="0"/>
-              <a:buChar char="o"/>
-            </a:pPr>
-            <a:r>
-              <a:rPr lang="en-US" sz="2700" dirty="0" smtClean="0"/>
-              <a:t>Step 3</a:t>
-            </a:r>
-            <a:r>
-              <a:rPr lang="en-US" sz="2700" b="0" dirty="0" smtClean="0"/>
-              <a:t>: </a:t>
-            </a:r>
-            <a:r>
-              <a:rPr lang="en-US" sz="2700" b="0" dirty="0"/>
-              <a:t>check if request can be delivered by </a:t>
-            </a:r>
-            <a:r>
-              <a:rPr lang="en-US" sz="2700" dirty="0" smtClean="0"/>
-              <a:t>multiple trips</a:t>
-            </a:r>
-            <a:r>
-              <a:rPr lang="en-US" sz="2700" b="0" dirty="0" smtClean="0"/>
-              <a:t> and its may be </a:t>
-            </a:r>
-            <a:r>
-              <a:rPr lang="en-US" sz="2700" dirty="0" smtClean="0"/>
-              <a:t>transferred at middle of way</a:t>
-            </a:r>
-            <a:r>
-              <a:rPr lang="en-US" sz="2700" b="0" dirty="0" smtClean="0"/>
-              <a:t>.</a:t>
-            </a:r>
-            <a:endParaRPr lang="en-US" sz="2700" b="0" dirty="0"/>
-          </a:p>
-        </p:txBody>
-      </p:sp>
-      <p:pic>
-        <p:nvPicPr>
-          <p:cNvPr id="12290" name="Picture 2" descr="C:\Users\Le Phuc Lu\Desktop\Capture.PNG"/>
-          <p:cNvPicPr>
-            <a:picLocks noChangeAspect="1" noChangeArrowheads="1"/>
-          </p:cNvPicPr>
-          <p:nvPr/>
-        </p:nvPicPr>
-        <p:blipFill>
-          <a:blip r:embed="rId2">
-            <a:extLst>
-              <a:ext uri="{28A0092B-C50C-407E-A947-70E740481C1C}">
-                <a14:useLocalDpi xmlns:a14="http://schemas.microsoft.com/office/drawing/2010/main" val="0"/>
-              </a:ext>
-            </a:extLst>
-          </a:blip>
-          <a:srcRect/>
-          <a:stretch>
-            <a:fillRect/>
-          </a:stretch>
-        </p:blipFill>
-        <p:spPr bwMode="auto">
-          <a:xfrm>
-            <a:off x="7086600" y="6616906"/>
-            <a:ext cx="1676400" cy="238125"/>
-          </a:xfrm>
-          <a:prstGeom prst="rect">
-            <a:avLst/>
-          </a:prstGeom>
-          <a:noFill/>
-          <a:extLst>
-            <a:ext uri="{909E8E84-426E-40DD-AFC4-6F175D3DCCD1}">
-              <a14:hiddenFill xmlns:a14="http://schemas.microsoft.com/office/drawing/2010/main">
-                <a:solidFill>
-                  <a:srgbClr val="FFFFFF"/>
-                </a:solidFill>
-              </a14:hiddenFill>
-            </a:ext>
-          </a:extLst>
-        </p:spPr>
-      </p:pic>
-      <p:pic>
-        <p:nvPicPr>
-          <p:cNvPr id="5" name="Picture 3" descr="C:\Users\Le Phuc Lu\Desktop\1.PNG"/>
-          <p:cNvPicPr>
-            <a:picLocks noChangeAspect="1" noChangeArrowheads="1"/>
-          </p:cNvPicPr>
-          <p:nvPr/>
-        </p:nvPicPr>
-        <p:blipFill>
-          <a:blip r:embed="rId3">
-            <a:extLst>
-              <a:ext uri="{28A0092B-C50C-407E-A947-70E740481C1C}">
-                <a14:useLocalDpi xmlns:a14="http://schemas.microsoft.com/office/drawing/2010/main" val="0"/>
-              </a:ext>
-            </a:extLst>
-          </a:blip>
-          <a:srcRect/>
-          <a:stretch>
-            <a:fillRect/>
-          </a:stretch>
-        </p:blipFill>
-        <p:spPr bwMode="auto">
-          <a:xfrm>
-            <a:off x="6858000" y="0"/>
-            <a:ext cx="1828800" cy="217410"/>
-          </a:xfrm>
-          <a:prstGeom prst="rect">
-            <a:avLst/>
-          </a:prstGeom>
-          <a:noFill/>
-          <a:extLst>
-            <a:ext uri="{909E8E84-426E-40DD-AFC4-6F175D3DCCD1}">
-              <a14:hiddenFill xmlns:a14="http://schemas.microsoft.com/office/drawing/2010/main">
-                <a:solidFill>
-                  <a:srgbClr val="FFFFFF"/>
-                </a:solidFill>
-              </a14:hiddenFill>
-            </a:ext>
-          </a:extLst>
-        </p:spPr>
-      </p:pic>
-      <p:sp>
-        <p:nvSpPr>
-          <p:cNvPr id="6" name="Oval 5"/>
-          <p:cNvSpPr/>
-          <p:nvPr/>
-        </p:nvSpPr>
-        <p:spPr>
-          <a:xfrm>
-            <a:off x="8077200" y="6324600"/>
-            <a:ext cx="990600" cy="457200"/>
-          </a:xfrm>
-          <a:prstGeom prst="ellipse">
-            <a:avLst/>
-          </a:prstGeom>
-        </p:spPr>
-        <p:style>
-          <a:lnRef idx="0">
-            <a:schemeClr val="accent1"/>
-          </a:lnRef>
-          <a:fillRef idx="3">
-            <a:schemeClr val="accent1"/>
-          </a:fillRef>
-          <a:effectRef idx="3">
-            <a:schemeClr val="accent1"/>
-          </a:effectRef>
-          <a:fontRef idx="minor">
-            <a:schemeClr val="lt1"/>
-          </a:fontRef>
-        </p:style>
-        <p:txBody>
-          <a:bodyPr rtlCol="0" anchor="ctr"/>
-          <a:lstStyle/>
-          <a:p>
-            <a:pPr algn="ctr"/>
-            <a:r>
-              <a:rPr lang="en-US" sz="2000" b="1" dirty="0" smtClean="0"/>
-              <a:t>10</a:t>
-            </a:r>
-            <a:endParaRPr lang="en-US" sz="2000" b="1" dirty="0"/>
-          </a:p>
-        </p:txBody>
-      </p:sp>
-    </p:spTree>
-    <p:extLst>
-      <p:ext uri="{BB962C8B-B14F-4D97-AF65-F5344CB8AC3E}">
-        <p14:creationId xmlns:p14="http://schemas.microsoft.com/office/powerpoint/2010/main" val="3429110719"/>
-      </p:ext>
-    </p:extLst>
-  </p:cSld>
-  <p:clrMapOvr>
-    <a:masterClrMapping/>
-  </p:clrMapOvr>
-  <p:timing>
-    <p:tnLst>
-      <p:par>
-        <p:cTn id="1" dur="indefinite" restart="never" nodeType="tmRoot"/>
-      </p:par>
-    </p:tnLst>
-  </p:timing>
-</p:sld>
-</file>
-
 <file path=ppt/slides/slide12.xml><?xml version="1.0" encoding="utf-8"?>
 <p:sld xmlns:a="http://schemas.openxmlformats.org/drawingml/2006/main" xmlns:r="http://schemas.openxmlformats.org/officeDocument/2006/relationships" xmlns:p="http://schemas.openxmlformats.org/presentationml/2006/main">
   <p:cSld>
@@ -16030,8 +15961,13 @@
             </a:pPr>
             <a:r>
               <a:rPr lang="en-US" sz="2700" b="0" dirty="0" smtClean="0"/>
-              <a:t>Using heuristic idea, try to find:</a:t>
-            </a:r>
+              <a:t>Using heuristic idea, try to </a:t>
+            </a:r>
+            <a:r>
+              <a:rPr lang="en-US" sz="2700" b="0" dirty="0" smtClean="0"/>
+              <a:t>find:</a:t>
+            </a:r>
+            <a:endParaRPr lang="en-US" sz="2700" b="0" dirty="0" smtClean="0"/>
           </a:p>
           <a:p>
             <a:pPr>
@@ -17554,7 +17490,7 @@
           <a:p>
             <a:r>
               <a:rPr lang="en-US" sz="3200" b="1" dirty="0" smtClean="0"/>
-              <a:t>Choose the best solution</a:t>
+              <a:t>Self evaluation</a:t>
             </a:r>
             <a:endParaRPr lang="en-US" sz="3200" b="1" dirty="0"/>
           </a:p>
@@ -17570,278 +17506,12 @@
             <p:ph idx="1"/>
           </p:nvPr>
         </p:nvSpPr>
-        <p:spPr/>
-        <p:txBody>
-          <a:bodyPr/>
-          <a:lstStyle/>
-          <a:p>
-            <a:pPr marL="0" indent="0">
-              <a:buNone/>
-            </a:pPr>
-            <a:r>
-              <a:rPr lang="en-US" sz="3000" b="0" dirty="0" smtClean="0"/>
-              <a:t>For list of found solutions, sort them base on </a:t>
-            </a:r>
-            <a:r>
-              <a:rPr lang="en-US" sz="3000" i="1" dirty="0" smtClean="0"/>
-              <a:t>some criterions</a:t>
-            </a:r>
-            <a:r>
-              <a:rPr lang="en-US" sz="3000" b="0" dirty="0" smtClean="0"/>
-              <a:t>:</a:t>
-            </a:r>
-          </a:p>
-          <a:p>
-            <a:pPr>
-              <a:buFontTx/>
-              <a:buChar char="-"/>
-            </a:pPr>
-            <a:r>
-              <a:rPr lang="en-US" sz="3000" i="1" dirty="0" smtClean="0"/>
-              <a:t>The</a:t>
-            </a:r>
-            <a:r>
-              <a:rPr lang="en-US" sz="3000" b="0" dirty="0" smtClean="0"/>
-              <a:t> </a:t>
-            </a:r>
-            <a:r>
-              <a:rPr lang="en-US" sz="3000" i="1" dirty="0" smtClean="0"/>
-              <a:t>arrival time of last trip</a:t>
-            </a:r>
-            <a:r>
-              <a:rPr lang="en-US" sz="3000" b="0" dirty="0" smtClean="0"/>
-              <a:t>.</a:t>
-            </a:r>
-          </a:p>
-          <a:p>
-            <a:pPr>
-              <a:buFontTx/>
-              <a:buChar char="-"/>
-            </a:pPr>
-            <a:r>
-              <a:rPr lang="en-US" sz="3000" i="1" dirty="0" smtClean="0"/>
-              <a:t>The</a:t>
-            </a:r>
-            <a:r>
-              <a:rPr lang="en-US" sz="3000" b="0" dirty="0" smtClean="0"/>
-              <a:t> </a:t>
-            </a:r>
-            <a:r>
-              <a:rPr lang="en-US" sz="3000" i="1" dirty="0" smtClean="0"/>
-              <a:t>number of used trips</a:t>
-            </a:r>
-            <a:r>
-              <a:rPr lang="en-US" sz="3000" b="0" dirty="0" smtClean="0"/>
-              <a:t>.</a:t>
-            </a:r>
-            <a:endParaRPr lang="en-US" sz="3000" b="0" dirty="0"/>
-          </a:p>
-          <a:p>
-            <a:pPr marL="0" indent="0">
-              <a:buNone/>
-            </a:pPr>
-            <a:r>
-              <a:rPr lang="en-US" sz="3000" b="0" dirty="0" smtClean="0"/>
-              <a:t>Then choose the first solution of list with best fit all constraints.</a:t>
-            </a:r>
-          </a:p>
-        </p:txBody>
-      </p:sp>
-      <p:pic>
-        <p:nvPicPr>
-          <p:cNvPr id="14338" name="Picture 2" descr="C:\Users\Le Phuc Lu\Desktop\Capture.PNG"/>
-          <p:cNvPicPr>
-            <a:picLocks noChangeAspect="1" noChangeArrowheads="1"/>
-          </p:cNvPicPr>
-          <p:nvPr/>
-        </p:nvPicPr>
-        <p:blipFill>
-          <a:blip r:embed="rId2">
-            <a:extLst>
-              <a:ext uri="{28A0092B-C50C-407E-A947-70E740481C1C}">
-                <a14:useLocalDpi xmlns:a14="http://schemas.microsoft.com/office/drawing/2010/main" val="0"/>
-              </a:ext>
-            </a:extLst>
-          </a:blip>
-          <a:srcRect/>
-          <a:stretch>
-            <a:fillRect/>
-          </a:stretch>
-        </p:blipFill>
-        <p:spPr bwMode="auto">
-          <a:xfrm>
-            <a:off x="7010400" y="6619875"/>
-            <a:ext cx="1676400" cy="238125"/>
-          </a:xfrm>
-          <a:prstGeom prst="rect">
-            <a:avLst/>
-          </a:prstGeom>
-          <a:noFill/>
-          <a:extLst>
-            <a:ext uri="{909E8E84-426E-40DD-AFC4-6F175D3DCCD1}">
-              <a14:hiddenFill xmlns:a14="http://schemas.microsoft.com/office/drawing/2010/main">
-                <a:solidFill>
-                  <a:srgbClr val="FFFFFF"/>
-                </a:solidFill>
-              </a14:hiddenFill>
-            </a:ext>
-          </a:extLst>
-        </p:spPr>
-      </p:pic>
-      <p:pic>
-        <p:nvPicPr>
-          <p:cNvPr id="5" name="Picture 3" descr="C:\Users\Le Phuc Lu\Desktop\1.PNG"/>
-          <p:cNvPicPr>
-            <a:picLocks noChangeAspect="1" noChangeArrowheads="1"/>
-          </p:cNvPicPr>
-          <p:nvPr/>
-        </p:nvPicPr>
-        <p:blipFill>
-          <a:blip r:embed="rId3">
-            <a:extLst>
-              <a:ext uri="{28A0092B-C50C-407E-A947-70E740481C1C}">
-                <a14:useLocalDpi xmlns:a14="http://schemas.microsoft.com/office/drawing/2010/main" val="0"/>
-              </a:ext>
-            </a:extLst>
-          </a:blip>
-          <a:srcRect/>
-          <a:stretch>
-            <a:fillRect/>
-          </a:stretch>
-        </p:blipFill>
-        <p:spPr bwMode="auto">
-          <a:xfrm>
-            <a:off x="6858000" y="0"/>
-            <a:ext cx="1828800" cy="217410"/>
-          </a:xfrm>
-          <a:prstGeom prst="rect">
-            <a:avLst/>
-          </a:prstGeom>
-          <a:noFill/>
-          <a:extLst>
-            <a:ext uri="{909E8E84-426E-40DD-AFC4-6F175D3DCCD1}">
-              <a14:hiddenFill xmlns:a14="http://schemas.microsoft.com/office/drawing/2010/main">
-                <a:solidFill>
-                  <a:srgbClr val="FFFFFF"/>
-                </a:solidFill>
-              </a14:hiddenFill>
-            </a:ext>
-          </a:extLst>
-        </p:spPr>
-      </p:pic>
-      <p:sp>
-        <p:nvSpPr>
-          <p:cNvPr id="6" name="Oval 5"/>
-          <p:cNvSpPr/>
-          <p:nvPr/>
-        </p:nvSpPr>
         <p:spPr>
           <a:xfrm>
-            <a:off x="8077200" y="6324600"/>
-            <a:ext cx="990600" cy="457200"/>
+            <a:off x="228600" y="1393825"/>
+            <a:ext cx="8686800" cy="4930775"/>
           </a:xfrm>
-          <a:prstGeom prst="ellipse">
-            <a:avLst/>
-          </a:prstGeom>
         </p:spPr>
-        <p:style>
-          <a:lnRef idx="0">
-            <a:schemeClr val="accent1"/>
-          </a:lnRef>
-          <a:fillRef idx="3">
-            <a:schemeClr val="accent1"/>
-          </a:fillRef>
-          <a:effectRef idx="3">
-            <a:schemeClr val="accent1"/>
-          </a:effectRef>
-          <a:fontRef idx="minor">
-            <a:schemeClr val="lt1"/>
-          </a:fontRef>
-        </p:style>
-        <p:txBody>
-          <a:bodyPr rtlCol="0" anchor="ctr"/>
-          <a:lstStyle/>
-          <a:p>
-            <a:pPr algn="ctr"/>
-            <a:r>
-              <a:rPr lang="en-US" sz="2000" b="1" dirty="0" smtClean="0"/>
-              <a:t>12</a:t>
-            </a:r>
-            <a:endParaRPr lang="en-US" sz="2000" b="1" dirty="0"/>
-          </a:p>
-        </p:txBody>
-      </p:sp>
-    </p:spTree>
-    <p:extLst>
-      <p:ext uri="{BB962C8B-B14F-4D97-AF65-F5344CB8AC3E}">
-        <p14:creationId xmlns:p14="http://schemas.microsoft.com/office/powerpoint/2010/main" val="2144043899"/>
-      </p:ext>
-    </p:extLst>
-  </p:cSld>
-  <p:clrMapOvr>
-    <a:masterClrMapping/>
-  </p:clrMapOvr>
-  <p:timing>
-    <p:tnLst>
-      <p:par>
-        <p:cTn id="1" dur="indefinite" restart="never" nodeType="tmRoot"/>
-      </p:par>
-    </p:tnLst>
-  </p:timing>
-</p:sld>
-</file>
-
-<file path=ppt/slides/slide14.xml><?xml version="1.0" encoding="utf-8"?>
-<p:sld xmlns:a="http://schemas.openxmlformats.org/drawingml/2006/main" xmlns:r="http://schemas.openxmlformats.org/officeDocument/2006/relationships" xmlns:p="http://schemas.openxmlformats.org/presentationml/2006/main">
-  <p:cSld>
-    <p:spTree>
-      <p:nvGrpSpPr>
-        <p:cNvPr id="1" name=""/>
-        <p:cNvGrpSpPr/>
-        <p:nvPr/>
-      </p:nvGrpSpPr>
-      <p:grpSpPr>
-        <a:xfrm>
-          <a:off x="0" y="0"/>
-          <a:ext cx="0" cy="0"/>
-          <a:chOff x="0" y="0"/>
-          <a:chExt cx="0" cy="0"/>
-        </a:xfrm>
-      </p:grpSpPr>
-      <p:sp>
-        <p:nvSpPr>
-          <p:cNvPr id="2" name="Title 1"/>
-          <p:cNvSpPr>
-            <a:spLocks noGrp="1"/>
-          </p:cNvSpPr>
-          <p:nvPr>
-            <p:ph type="title"/>
-          </p:nvPr>
-        </p:nvSpPr>
-        <p:spPr/>
-        <p:txBody>
-          <a:bodyPr/>
-          <a:lstStyle/>
-          <a:p>
-            <a:r>
-              <a:rPr lang="en-US" sz="3200" b="1" dirty="0" smtClean="0"/>
-              <a:t>Positive of algorithm</a:t>
-            </a:r>
-            <a:endParaRPr lang="en-US" sz="3200" b="1" dirty="0"/>
-          </a:p>
-        </p:txBody>
-      </p:sp>
-      <p:sp>
-        <p:nvSpPr>
-          <p:cNvPr id="3" name="Content Placeholder 2"/>
-          <p:cNvSpPr>
-            <a:spLocks noGrp="1"/>
-          </p:cNvSpPr>
-          <p:nvPr>
-            <p:ph idx="1"/>
-          </p:nvPr>
-        </p:nvSpPr>
-        <p:spPr/>
         <p:txBody>
           <a:bodyPr/>
           <a:lstStyle/>
@@ -17849,56 +17519,19 @@
             <a:pPr algn="just"/>
             <a:r>
               <a:rPr lang="en-US" sz="2600" b="0" dirty="0" smtClean="0"/>
-              <a:t>Use </a:t>
-            </a:r>
-            <a:r>
-              <a:rPr lang="en-US" sz="2600" i="1" dirty="0" smtClean="0"/>
-              <a:t>greedy thinking </a:t>
-            </a:r>
-            <a:r>
-              <a:rPr lang="en-US" sz="2600" b="0" dirty="0" smtClean="0"/>
-              <a:t>so fast to find out </a:t>
-            </a:r>
-            <a:r>
-              <a:rPr lang="en-US" sz="2600" i="1" dirty="0" smtClean="0"/>
-              <a:t>local optimal </a:t>
-            </a:r>
-            <a:r>
-              <a:rPr lang="en-US" sz="2600" b="0" dirty="0" smtClean="0"/>
-              <a:t>solution of given problem.</a:t>
+              <a:t>Some positives.</a:t>
             </a:r>
           </a:p>
           <a:p>
-            <a:r>
-              <a:rPr lang="en-US" sz="2600" b="0" dirty="0"/>
-              <a:t> </a:t>
-            </a:r>
+            <a:pPr algn="just"/>
             <a:r>
               <a:rPr lang="en-US" sz="2600" b="0" dirty="0" smtClean="0"/>
-              <a:t>Some </a:t>
-            </a:r>
-            <a:r>
-              <a:rPr lang="en-US" sz="2600" i="1" dirty="0" smtClean="0"/>
-              <a:t>list data </a:t>
-            </a:r>
-            <a:r>
-              <a:rPr lang="en-US" sz="2600" b="0" dirty="0" smtClean="0"/>
-              <a:t>use for the one request is </a:t>
-            </a:r>
-            <a:r>
-              <a:rPr lang="en-US" sz="2600" i="1" dirty="0" smtClean="0"/>
-              <a:t>used for all next request</a:t>
-            </a:r>
-            <a:r>
-              <a:rPr lang="en-US" sz="2600" b="0" dirty="0" smtClean="0"/>
-              <a:t>.</a:t>
-            </a:r>
+              <a:t>Some negatives.</a:t>
+            </a:r>
+            <a:endParaRPr lang="en-US" sz="2600" b="0" dirty="0" smtClean="0"/>
           </a:p>
           <a:p>
-            <a:r>
-              <a:rPr lang="en-US" sz="2600" b="0" dirty="0"/>
-              <a:t> </a:t>
-            </a:r>
+            <a:pPr algn="just"/>
             <a:r>
               <a:rPr lang="en-US" sz="2600" b="0" dirty="0" smtClean="0"/>
               <a:t>Estimate </a:t>
@@ -17922,20 +17555,32 @@
               <a:t>O((</a:t>
             </a:r>
             <a:r>
-              <a:rPr lang="en-US" sz="2600" b="0" dirty="0" err="1" smtClean="0"/>
-              <a:t>k|V</a:t>
-            </a:r>
-            <a:r>
               <a:rPr lang="en-US" sz="2600" b="0" dirty="0" smtClean="0"/>
-              <a:t>||E|</a:t>
-            </a:r>
-            <a:r>
-              <a:rPr lang="en-US" sz="2600" b="0" baseline="30000" dirty="0" smtClean="0"/>
-              <a:t>2</a:t>
+              <a:t>k(|</a:t>
             </a:r>
             <a:r>
               <a:rPr lang="en-US" sz="2600" b="0" dirty="0" smtClean="0"/>
-              <a:t> + |E|</a:t>
+              <a:t>V</a:t>
+            </a:r>
+            <a:r>
+              <a:rPr lang="en-US" sz="2600" b="0" dirty="0" smtClean="0"/>
+              <a:t>|+|S</a:t>
+            </a:r>
+            <a:r>
+              <a:rPr lang="en-US" sz="2600" b="0" dirty="0" smtClean="0"/>
+              <a:t>|)</a:t>
+            </a:r>
+            <a:r>
+              <a:rPr lang="en-US" sz="2600" b="0" dirty="0" smtClean="0"/>
+              <a:t> </a:t>
+            </a:r>
+            <a:r>
+              <a:rPr lang="en-US" sz="2600" b="0" dirty="0" smtClean="0"/>
+              <a:t>+ </a:t>
+            </a:r>
+            <a:r>
+              <a:rPr lang="en-US" sz="2600" b="0" dirty="0" smtClean="0"/>
+              <a:t>|E|</a:t>
             </a:r>
             <a:r>
               <a:rPr lang="en-US" sz="2600" b="0" baseline="30000" dirty="0" smtClean="0"/>
@@ -17943,7 +17588,11 @@
             </a:r>
             <a:r>
               <a:rPr lang="en-US" sz="2600" b="0" dirty="0" smtClean="0"/>
-              <a:t>) x |T| x |R| x |S| x |I|).</a:t>
+              <a:t>).|T|.|R|.|S|.|</a:t>
+            </a:r>
+            <a:r>
+              <a:rPr lang="en-US" sz="2600" b="0" dirty="0" smtClean="0"/>
+              <a:t>I|).</a:t>
             </a:r>
           </a:p>
           <a:p>
@@ -17952,11 +17601,62 @@
             </a:pPr>
             <a:r>
               <a:rPr lang="en-US" sz="2600" b="0" dirty="0" smtClean="0"/>
-              <a:t>with |T|, |R|, |S|, |I| are number of trips, routes, stages and requests.</a:t>
+              <a:t>with |T|, |R|, |S|, |I</a:t>
+            </a:r>
+            <a:r>
+              <a:rPr lang="en-US" sz="2600" b="0" dirty="0" smtClean="0"/>
+              <a:t>|, |E| </a:t>
+            </a:r>
+            <a:r>
+              <a:rPr lang="en-US" sz="2600" b="0" dirty="0" smtClean="0"/>
+              <a:t>are number of trips, routes, </a:t>
+            </a:r>
+            <a:r>
+              <a:rPr lang="en-US" sz="2600" b="0" dirty="0" smtClean="0"/>
+              <a:t>stages, requests and length of found path.</a:t>
             </a:r>
           </a:p>
           <a:p>
-            <a:endParaRPr lang="en-US" sz="2600" b="0" dirty="0"/>
+            <a:pPr marL="0" indent="0">
+              <a:buNone/>
+            </a:pPr>
+            <a:r>
+              <a:rPr lang="en-US" sz="2600" b="0" dirty="0" smtClean="0"/>
+              <a:t>With the </a:t>
+            </a:r>
+            <a:r>
+              <a:rPr lang="en-US" sz="2600" i="1" dirty="0" smtClean="0"/>
+              <a:t>normal data </a:t>
+            </a:r>
+            <a:r>
+              <a:rPr lang="en-US" sz="2600" b="0" dirty="0" smtClean="0"/>
+              <a:t>(|T| ~ 400, |R| ~ 30, |S| ~ 30, |E|</a:t>
+            </a:r>
+            <a:r>
+              <a:rPr lang="en-US" sz="2600" b="0" baseline="30000" dirty="0" smtClean="0"/>
+              <a:t>4</a:t>
+            </a:r>
+            <a:r>
+              <a:rPr lang="en-US" sz="2600" b="0" dirty="0" smtClean="0"/>
+              <a:t> ~ 500), the complexity is O(2.10</a:t>
+            </a:r>
+            <a:r>
+              <a:rPr lang="en-US" sz="2600" b="0" baseline="30000" dirty="0" smtClean="0"/>
+              <a:t>8</a:t>
+            </a:r>
+            <a:r>
+              <a:rPr lang="en-US" sz="2600" b="0" dirty="0" smtClean="0"/>
+              <a:t>|I|). The </a:t>
+            </a:r>
+            <a:r>
+              <a:rPr lang="en-US" sz="2600" i="1" dirty="0" smtClean="0"/>
+              <a:t>time</a:t>
+            </a:r>
+            <a:r>
+              <a:rPr lang="en-US" sz="2600" b="0" dirty="0" smtClean="0"/>
+              <a:t> need to run is 1-5s.</a:t>
+            </a:r>
+            <a:endParaRPr lang="en-US" sz="2600" b="0" dirty="0" smtClean="0"/>
           </a:p>
         </p:txBody>
       </p:sp>
@@ -18104,245 +17804,7 @@
 </p:sld>
 </file>
 
-<file path=ppt/slides/slide15.xml><?xml version="1.0" encoding="utf-8"?>
-<p:sld xmlns:a="http://schemas.openxmlformats.org/drawingml/2006/main" xmlns:r="http://schemas.openxmlformats.org/officeDocument/2006/relationships" xmlns:p="http://schemas.openxmlformats.org/presentationml/2006/main">
-  <p:cSld>
-    <p:spTree>
-      <p:nvGrpSpPr>
-        <p:cNvPr id="1" name=""/>
-        <p:cNvGrpSpPr/>
-        <p:nvPr/>
-      </p:nvGrpSpPr>
-      <p:grpSpPr>
-        <a:xfrm>
-          <a:off x="0" y="0"/>
-          <a:ext cx="0" cy="0"/>
-          <a:chOff x="0" y="0"/>
-          <a:chExt cx="0" cy="0"/>
-        </a:xfrm>
-      </p:grpSpPr>
-      <p:sp>
-        <p:nvSpPr>
-          <p:cNvPr id="2" name="Title 1"/>
-          <p:cNvSpPr>
-            <a:spLocks noGrp="1"/>
-          </p:cNvSpPr>
-          <p:nvPr>
-            <p:ph type="title"/>
-          </p:nvPr>
-        </p:nvSpPr>
-        <p:spPr/>
-        <p:txBody>
-          <a:bodyPr/>
-          <a:lstStyle/>
-          <a:p>
-            <a:r>
-              <a:rPr lang="en-US" sz="3200" b="1" dirty="0" smtClean="0"/>
-              <a:t>Negative of algorithm</a:t>
-            </a:r>
-            <a:endParaRPr lang="en-US" sz="3200" b="1" dirty="0"/>
-          </a:p>
-        </p:txBody>
-      </p:sp>
-      <p:sp>
-        <p:nvSpPr>
-          <p:cNvPr id="3" name="Content Placeholder 2"/>
-          <p:cNvSpPr>
-            <a:spLocks noGrp="1"/>
-          </p:cNvSpPr>
-          <p:nvPr>
-            <p:ph idx="1"/>
-          </p:nvPr>
-        </p:nvSpPr>
-        <p:spPr>
-          <a:xfrm>
-            <a:off x="457200" y="1393825"/>
-            <a:ext cx="8382000" cy="4930775"/>
-          </a:xfrm>
-        </p:spPr>
-        <p:txBody>
-          <a:bodyPr/>
-          <a:lstStyle/>
-          <a:p>
-            <a:r>
-              <a:rPr lang="en-US" sz="2700" dirty="0" smtClean="0"/>
-              <a:t> </a:t>
-            </a:r>
-            <a:r>
-              <a:rPr lang="en-US" sz="2700" b="0" dirty="0" smtClean="0"/>
-              <a:t>The steps of algorithm are </a:t>
-            </a:r>
-            <a:r>
-              <a:rPr lang="en-US" sz="2700" i="1" dirty="0" smtClean="0"/>
-              <a:t>separately performed</a:t>
-            </a:r>
-            <a:r>
-              <a:rPr lang="en-US" sz="2700" b="0" dirty="0" smtClean="0"/>
-              <a:t> so in some case, the solution exist but can not be found (tricky or special case).</a:t>
-            </a:r>
-          </a:p>
-          <a:p>
-            <a:r>
-              <a:rPr lang="en-US" sz="2700" b="0" dirty="0" smtClean="0"/>
-              <a:t>Some step of algorithm can be implemented better to reduce the complexity but </a:t>
-            </a:r>
-            <a:r>
-              <a:rPr lang="en-US" sz="2700" i="1" dirty="0" smtClean="0"/>
-              <a:t>still not have done</a:t>
-            </a:r>
-            <a:r>
-              <a:rPr lang="en-US" sz="2700" b="0" dirty="0"/>
-              <a:t>.</a:t>
-            </a:r>
-            <a:endParaRPr lang="en-US" sz="2700" b="0" dirty="0" smtClean="0"/>
-          </a:p>
-        </p:txBody>
-      </p:sp>
-      <p:pic>
-        <p:nvPicPr>
-          <p:cNvPr id="16386" name="Picture 2" descr="C:\Users\Le Phuc Lu\Desktop\Capture.PNG"/>
-          <p:cNvPicPr>
-            <a:picLocks noChangeAspect="1" noChangeArrowheads="1"/>
-          </p:cNvPicPr>
-          <p:nvPr/>
-        </p:nvPicPr>
-        <p:blipFill>
-          <a:blip r:embed="rId2">
-            <a:extLst>
-              <a:ext uri="{28A0092B-C50C-407E-A947-70E740481C1C}">
-                <a14:useLocalDpi xmlns:a14="http://schemas.microsoft.com/office/drawing/2010/main" val="0"/>
-              </a:ext>
-            </a:extLst>
-          </a:blip>
-          <a:srcRect/>
-          <a:stretch>
-            <a:fillRect/>
-          </a:stretch>
-        </p:blipFill>
-        <p:spPr bwMode="auto">
-          <a:xfrm>
-            <a:off x="7010400" y="6616906"/>
-            <a:ext cx="1676400" cy="238125"/>
-          </a:xfrm>
-          <a:prstGeom prst="rect">
-            <a:avLst/>
-          </a:prstGeom>
-          <a:noFill/>
-          <a:extLst>
-            <a:ext uri="{909E8E84-426E-40DD-AFC4-6F175D3DCCD1}">
-              <a14:hiddenFill xmlns:a14="http://schemas.microsoft.com/office/drawing/2010/main">
-                <a:solidFill>
-                  <a:srgbClr val="FFFFFF"/>
-                </a:solidFill>
-              </a14:hiddenFill>
-            </a:ext>
-          </a:extLst>
-        </p:spPr>
-      </p:pic>
-      <p:pic>
-        <p:nvPicPr>
-          <p:cNvPr id="5" name="Picture 3" descr="C:\Users\Le Phuc Lu\Desktop\1.PNG"/>
-          <p:cNvPicPr>
-            <a:picLocks noChangeAspect="1" noChangeArrowheads="1"/>
-          </p:cNvPicPr>
-          <p:nvPr/>
-        </p:nvPicPr>
-        <p:blipFill>
-          <a:blip r:embed="rId3">
-            <a:extLst>
-              <a:ext uri="{28A0092B-C50C-407E-A947-70E740481C1C}">
-                <a14:useLocalDpi xmlns:a14="http://schemas.microsoft.com/office/drawing/2010/main" val="0"/>
-              </a:ext>
-            </a:extLst>
-          </a:blip>
-          <a:srcRect/>
-          <a:stretch>
-            <a:fillRect/>
-          </a:stretch>
-        </p:blipFill>
-        <p:spPr bwMode="auto">
-          <a:xfrm>
-            <a:off x="6858000" y="0"/>
-            <a:ext cx="1828800" cy="217410"/>
-          </a:xfrm>
-          <a:prstGeom prst="rect">
-            <a:avLst/>
-          </a:prstGeom>
-          <a:noFill/>
-          <a:extLst>
-            <a:ext uri="{909E8E84-426E-40DD-AFC4-6F175D3DCCD1}">
-              <a14:hiddenFill xmlns:a14="http://schemas.microsoft.com/office/drawing/2010/main">
-                <a:solidFill>
-                  <a:srgbClr val="FFFFFF"/>
-                </a:solidFill>
-              </a14:hiddenFill>
-            </a:ext>
-          </a:extLst>
-        </p:spPr>
-      </p:pic>
-      <p:sp>
-        <p:nvSpPr>
-          <p:cNvPr id="6" name="Oval 5"/>
-          <p:cNvSpPr/>
-          <p:nvPr/>
-        </p:nvSpPr>
-        <p:spPr>
-          <a:xfrm>
-            <a:off x="8077200" y="6324600"/>
-            <a:ext cx="990600" cy="457200"/>
-          </a:xfrm>
-          <a:prstGeom prst="ellipse">
-            <a:avLst/>
-          </a:prstGeom>
-        </p:spPr>
-        <p:style>
-          <a:lnRef idx="0">
-            <a:schemeClr val="accent1"/>
-          </a:lnRef>
-          <a:fillRef idx="3">
-            <a:schemeClr val="accent1"/>
-          </a:fillRef>
-          <a:effectRef idx="3">
-            <a:schemeClr val="accent1"/>
-          </a:effectRef>
-          <a:fontRef idx="minor">
-            <a:schemeClr val="lt1"/>
-          </a:fontRef>
-        </p:style>
-        <p:txBody>
-          <a:bodyPr rtlCol="0" anchor="ctr"/>
-          <a:lstStyle/>
-          <a:p>
-            <a:pPr algn="ctr"/>
-            <a:r>
-              <a:rPr lang="en-US" sz="2000" b="1" dirty="0" smtClean="0"/>
-              <a:t>14</a:t>
-            </a:r>
-            <a:endParaRPr lang="en-US" sz="2000" b="1" dirty="0"/>
-          </a:p>
-        </p:txBody>
-      </p:sp>
-    </p:spTree>
-    <p:extLst>
-      <p:ext uri="{BB962C8B-B14F-4D97-AF65-F5344CB8AC3E}">
-        <p14:creationId xmlns:p14="http://schemas.microsoft.com/office/powerpoint/2010/main" val="1528650607"/>
-      </p:ext>
-    </p:extLst>
-  </p:cSld>
-  <p:clrMapOvr>
-    <a:masterClrMapping/>
-  </p:clrMapOvr>
-  <p:timing>
-    <p:tnLst>
-      <p:par>
-        <p:cTn id="1" dur="indefinite" restart="never" nodeType="tmRoot"/>
-      </p:par>
-    </p:tnLst>
-  </p:timing>
-</p:sld>
-</file>
-
-<file path=ppt/slides/slide16.xml><?xml version="1.0" encoding="utf-8"?>
+<file path=ppt/slides/slide14.xml><?xml version="1.0" encoding="utf-8"?>
 <p:sld xmlns:a="http://schemas.openxmlformats.org/drawingml/2006/main" xmlns:r="http://schemas.openxmlformats.org/officeDocument/2006/relationships" xmlns:p="http://schemas.openxmlformats.org/presentationml/2006/main">
   <p:cSld>
     <p:spTree>
@@ -18909,7 +18371,7 @@
 </p:sld>
 </file>
 
-<file path=ppt/slides/slide17.xml><?xml version="1.0" encoding="utf-8"?>
+<file path=ppt/slides/slide15.xml><?xml version="1.0" encoding="utf-8"?>
 <p:sld xmlns:a="http://schemas.openxmlformats.org/drawingml/2006/main" xmlns:r="http://schemas.openxmlformats.org/officeDocument/2006/relationships" xmlns:p="http://schemas.openxmlformats.org/presentationml/2006/main">
   <p:cSld>
     <p:spTree>
@@ -19252,7 +18714,7 @@
 </p:sld>
 </file>
 
-<file path=ppt/slides/slide18.xml><?xml version="1.0" encoding="utf-8"?>
+<file path=ppt/slides/slide16.xml><?xml version="1.0" encoding="utf-8"?>
 <p:sld xmlns:a="http://schemas.openxmlformats.org/drawingml/2006/main" xmlns:r="http://schemas.openxmlformats.org/officeDocument/2006/relationships" xmlns:p="http://schemas.openxmlformats.org/presentationml/2006/main">
   <p:cSld>
     <p:spTree>
@@ -19450,7 +18912,7 @@
 </p:sld>
 </file>
 
-<file path=ppt/slides/slide19.xml><?xml version="1.0" encoding="utf-8"?>
+<file path=ppt/slides/slide17.xml><?xml version="1.0" encoding="utf-8"?>
 <p:sld xmlns:a="http://schemas.openxmlformats.org/drawingml/2006/main" xmlns:r="http://schemas.openxmlformats.org/officeDocument/2006/relationships" xmlns:p="http://schemas.openxmlformats.org/presentationml/2006/main">
   <p:cSld>
     <p:spTree>
@@ -19781,6 +19243,236 @@
 </p:sld>
 </file>
 
+<file path=ppt/slides/slide18.xml><?xml version="1.0" encoding="utf-8"?>
+<p:sld xmlns:a="http://schemas.openxmlformats.org/drawingml/2006/main" xmlns:r="http://schemas.openxmlformats.org/officeDocument/2006/relationships" xmlns:p="http://schemas.openxmlformats.org/presentationml/2006/main">
+  <p:cSld>
+    <p:spTree>
+      <p:nvGrpSpPr>
+        <p:cNvPr id="1" name=""/>
+        <p:cNvGrpSpPr/>
+        <p:nvPr/>
+      </p:nvGrpSpPr>
+      <p:grpSpPr>
+        <a:xfrm>
+          <a:off x="0" y="0"/>
+          <a:ext cx="0" cy="0"/>
+          <a:chOff x="0" y="0"/>
+          <a:chExt cx="0" cy="0"/>
+        </a:xfrm>
+      </p:grpSpPr>
+      <p:sp>
+        <p:nvSpPr>
+          <p:cNvPr id="2" name="Title 1"/>
+          <p:cNvSpPr>
+            <a:spLocks noGrp="1"/>
+          </p:cNvSpPr>
+          <p:nvPr>
+            <p:ph type="title"/>
+          </p:nvPr>
+        </p:nvSpPr>
+        <p:spPr>
+          <a:xfrm>
+            <a:off x="0" y="2438400"/>
+            <a:ext cx="9144000" cy="2438400"/>
+          </a:xfrm>
+        </p:spPr>
+        <p:txBody>
+          <a:bodyPr>
+            <a:normAutofit fontScale="90000"/>
+          </a:bodyPr>
+          <a:lstStyle/>
+          <a:p>
+            <a:pPr algn="ctr"/>
+            <a:r>
+              <a:rPr lang="en-US" sz="7200" b="1" dirty="0" smtClean="0">
+                <a:solidFill>
+                  <a:srgbClr val="00CC66"/>
+                </a:solidFill>
+              </a:rPr>
+              <a:t>Thanks for </a:t>
+            </a:r>
+            <a:br>
+              <a:rPr lang="en-US" sz="7200" b="1" dirty="0" smtClean="0">
+                <a:solidFill>
+                  <a:srgbClr val="00CC66"/>
+                </a:solidFill>
+              </a:rPr>
+            </a:br>
+            <a:r>
+              <a:rPr lang="en-US" sz="7200" b="1" dirty="0" smtClean="0">
+                <a:solidFill>
+                  <a:srgbClr val="00CC66"/>
+                </a:solidFill>
+              </a:rPr>
+              <a:t>your listening!</a:t>
+            </a:r>
+            <a:br>
+              <a:rPr lang="en-US" sz="7200" b="1" dirty="0" smtClean="0">
+                <a:solidFill>
+                  <a:srgbClr val="00CC66"/>
+                </a:solidFill>
+              </a:rPr>
+            </a:br>
+            <a:r>
+              <a:rPr lang="en-US" sz="7200" b="1" dirty="0" smtClean="0">
+                <a:solidFill>
+                  <a:srgbClr val="00CC66"/>
+                </a:solidFill>
+              </a:rPr>
+              <a:t>Q&amp;A</a:t>
+            </a:r>
+            <a:endParaRPr lang="en-US" sz="7200" b="1" dirty="0">
+              <a:solidFill>
+                <a:srgbClr val="00CC66"/>
+              </a:solidFill>
+            </a:endParaRPr>
+          </a:p>
+        </p:txBody>
+      </p:sp>
+      <p:pic>
+        <p:nvPicPr>
+          <p:cNvPr id="22530" name="Picture 2" descr="C:\Users\Le Phuc Lu\Desktop\Capture.PNG"/>
+          <p:cNvPicPr>
+            <a:picLocks noChangeAspect="1" noChangeArrowheads="1"/>
+          </p:cNvPicPr>
+          <p:nvPr/>
+        </p:nvPicPr>
+        <p:blipFill>
+          <a:blip r:embed="rId2">
+            <a:extLst>
+              <a:ext uri="{28A0092B-C50C-407E-A947-70E740481C1C}">
+                <a14:useLocalDpi xmlns:a14="http://schemas.microsoft.com/office/drawing/2010/main" val="0"/>
+              </a:ext>
+            </a:extLst>
+          </a:blip>
+          <a:srcRect/>
+          <a:stretch>
+            <a:fillRect/>
+          </a:stretch>
+        </p:blipFill>
+        <p:spPr bwMode="auto">
+          <a:xfrm>
+            <a:off x="7010400" y="6605031"/>
+            <a:ext cx="1676400" cy="238125"/>
+          </a:xfrm>
+          <a:prstGeom prst="rect">
+            <a:avLst/>
+          </a:prstGeom>
+          <a:noFill/>
+          <a:extLst>
+            <a:ext uri="{909E8E84-426E-40DD-AFC4-6F175D3DCCD1}">
+              <a14:hiddenFill xmlns:a14="http://schemas.microsoft.com/office/drawing/2010/main">
+                <a:solidFill>
+                  <a:srgbClr val="FFFFFF"/>
+                </a:solidFill>
+              </a14:hiddenFill>
+            </a:ext>
+          </a:extLst>
+        </p:spPr>
+      </p:pic>
+      <p:pic>
+        <p:nvPicPr>
+          <p:cNvPr id="4" name="Picture 3" descr="C:\Users\Le Phuc Lu\Desktop\1.PNG"/>
+          <p:cNvPicPr>
+            <a:picLocks noChangeAspect="1" noChangeArrowheads="1"/>
+          </p:cNvPicPr>
+          <p:nvPr/>
+        </p:nvPicPr>
+        <p:blipFill>
+          <a:blip r:embed="rId3">
+            <a:extLst>
+              <a:ext uri="{28A0092B-C50C-407E-A947-70E740481C1C}">
+                <a14:useLocalDpi xmlns:a14="http://schemas.microsoft.com/office/drawing/2010/main" val="0"/>
+              </a:ext>
+            </a:extLst>
+          </a:blip>
+          <a:srcRect/>
+          <a:stretch>
+            <a:fillRect/>
+          </a:stretch>
+        </p:blipFill>
+        <p:spPr bwMode="auto">
+          <a:xfrm>
+            <a:off x="6858000" y="0"/>
+            <a:ext cx="1828800" cy="217410"/>
+          </a:xfrm>
+          <a:prstGeom prst="rect">
+            <a:avLst/>
+          </a:prstGeom>
+          <a:noFill/>
+          <a:extLst>
+            <a:ext uri="{909E8E84-426E-40DD-AFC4-6F175D3DCCD1}">
+              <a14:hiddenFill xmlns:a14="http://schemas.microsoft.com/office/drawing/2010/main">
+                <a:solidFill>
+                  <a:srgbClr val="FFFFFF"/>
+                </a:solidFill>
+              </a14:hiddenFill>
+            </a:ext>
+          </a:extLst>
+        </p:spPr>
+      </p:pic>
+      <p:sp>
+        <p:nvSpPr>
+          <p:cNvPr id="5" name="Oval 4"/>
+          <p:cNvSpPr/>
+          <p:nvPr/>
+        </p:nvSpPr>
+        <p:spPr>
+          <a:xfrm>
+            <a:off x="8077200" y="6324600"/>
+            <a:ext cx="990600" cy="457200"/>
+          </a:xfrm>
+          <a:prstGeom prst="ellipse">
+            <a:avLst/>
+          </a:prstGeom>
+        </p:spPr>
+        <p:style>
+          <a:lnRef idx="0">
+            <a:schemeClr val="accent1"/>
+          </a:lnRef>
+          <a:fillRef idx="3">
+            <a:schemeClr val="accent1"/>
+          </a:fillRef>
+          <a:effectRef idx="3">
+            <a:schemeClr val="accent1"/>
+          </a:effectRef>
+          <a:fontRef idx="minor">
+            <a:schemeClr val="lt1"/>
+          </a:fontRef>
+        </p:style>
+        <p:txBody>
+          <a:bodyPr rtlCol="0" anchor="ctr"/>
+          <a:lstStyle/>
+          <a:p>
+            <a:pPr algn="ctr"/>
+            <a:r>
+              <a:rPr lang="en-US" sz="2000" b="1" dirty="0" smtClean="0"/>
+              <a:t>20</a:t>
+            </a:r>
+            <a:endParaRPr lang="en-US" sz="2000" b="1" dirty="0"/>
+          </a:p>
+        </p:txBody>
+      </p:sp>
+    </p:spTree>
+    <p:extLst>
+      <p:ext uri="{BB962C8B-B14F-4D97-AF65-F5344CB8AC3E}">
+        <p14:creationId xmlns:p14="http://schemas.microsoft.com/office/powerpoint/2010/main" val="2205491861"/>
+      </p:ext>
+    </p:extLst>
+  </p:cSld>
+  <p:clrMapOvr>
+    <a:masterClrMapping/>
+  </p:clrMapOvr>
+  <p:timing>
+    <p:tnLst>
+      <p:par>
+        <p:cTn id="1" dur="indefinite" restart="never" nodeType="tmRoot"/>
+      </p:par>
+    </p:tnLst>
+  </p:timing>
+</p:sld>
+</file>
+
 <file path=ppt/slides/slide2.xml><?xml version="1.0" encoding="utf-8"?>
 <p:sld xmlns:a="http://schemas.openxmlformats.org/drawingml/2006/main" xmlns:r="http://schemas.openxmlformats.org/officeDocument/2006/relationships" xmlns:p="http://schemas.openxmlformats.org/presentationml/2006/main">
   <p:cSld>
@@ -19974,236 +19666,6 @@
     <p:extLst>
       <p:ext uri="{BB962C8B-B14F-4D97-AF65-F5344CB8AC3E}">
         <p14:creationId xmlns:p14="http://schemas.microsoft.com/office/powerpoint/2010/main" val="3488681985"/>
-      </p:ext>
-    </p:extLst>
-  </p:cSld>
-  <p:clrMapOvr>
-    <a:masterClrMapping/>
-  </p:clrMapOvr>
-  <p:timing>
-    <p:tnLst>
-      <p:par>
-        <p:cTn id="1" dur="indefinite" restart="never" nodeType="tmRoot"/>
-      </p:par>
-    </p:tnLst>
-  </p:timing>
-</p:sld>
-</file>
-
-<file path=ppt/slides/slide20.xml><?xml version="1.0" encoding="utf-8"?>
-<p:sld xmlns:a="http://schemas.openxmlformats.org/drawingml/2006/main" xmlns:r="http://schemas.openxmlformats.org/officeDocument/2006/relationships" xmlns:p="http://schemas.openxmlformats.org/presentationml/2006/main">
-  <p:cSld>
-    <p:spTree>
-      <p:nvGrpSpPr>
-        <p:cNvPr id="1" name=""/>
-        <p:cNvGrpSpPr/>
-        <p:nvPr/>
-      </p:nvGrpSpPr>
-      <p:grpSpPr>
-        <a:xfrm>
-          <a:off x="0" y="0"/>
-          <a:ext cx="0" cy="0"/>
-          <a:chOff x="0" y="0"/>
-          <a:chExt cx="0" cy="0"/>
-        </a:xfrm>
-      </p:grpSpPr>
-      <p:sp>
-        <p:nvSpPr>
-          <p:cNvPr id="2" name="Title 1"/>
-          <p:cNvSpPr>
-            <a:spLocks noGrp="1"/>
-          </p:cNvSpPr>
-          <p:nvPr>
-            <p:ph type="title"/>
-          </p:nvPr>
-        </p:nvSpPr>
-        <p:spPr>
-          <a:xfrm>
-            <a:off x="0" y="2438400"/>
-            <a:ext cx="9144000" cy="2438400"/>
-          </a:xfrm>
-        </p:spPr>
-        <p:txBody>
-          <a:bodyPr>
-            <a:normAutofit fontScale="90000"/>
-          </a:bodyPr>
-          <a:lstStyle/>
-          <a:p>
-            <a:pPr algn="ctr"/>
-            <a:r>
-              <a:rPr lang="en-US" sz="7200" b="1" dirty="0" smtClean="0">
-                <a:solidFill>
-                  <a:srgbClr val="00CC66"/>
-                </a:solidFill>
-              </a:rPr>
-              <a:t>Thanks for </a:t>
-            </a:r>
-            <a:br>
-              <a:rPr lang="en-US" sz="7200" b="1" dirty="0" smtClean="0">
-                <a:solidFill>
-                  <a:srgbClr val="00CC66"/>
-                </a:solidFill>
-              </a:rPr>
-            </a:br>
-            <a:r>
-              <a:rPr lang="en-US" sz="7200" b="1" dirty="0" smtClean="0">
-                <a:solidFill>
-                  <a:srgbClr val="00CC66"/>
-                </a:solidFill>
-              </a:rPr>
-              <a:t>your listening!</a:t>
-            </a:r>
-            <a:br>
-              <a:rPr lang="en-US" sz="7200" b="1" dirty="0" smtClean="0">
-                <a:solidFill>
-                  <a:srgbClr val="00CC66"/>
-                </a:solidFill>
-              </a:rPr>
-            </a:br>
-            <a:r>
-              <a:rPr lang="en-US" sz="7200" b="1" dirty="0" smtClean="0">
-                <a:solidFill>
-                  <a:srgbClr val="00CC66"/>
-                </a:solidFill>
-              </a:rPr>
-              <a:t>Q&amp;A</a:t>
-            </a:r>
-            <a:endParaRPr lang="en-US" sz="7200" b="1" dirty="0">
-              <a:solidFill>
-                <a:srgbClr val="00CC66"/>
-              </a:solidFill>
-            </a:endParaRPr>
-          </a:p>
-        </p:txBody>
-      </p:sp>
-      <p:pic>
-        <p:nvPicPr>
-          <p:cNvPr id="22530" name="Picture 2" descr="C:\Users\Le Phuc Lu\Desktop\Capture.PNG"/>
-          <p:cNvPicPr>
-            <a:picLocks noChangeAspect="1" noChangeArrowheads="1"/>
-          </p:cNvPicPr>
-          <p:nvPr/>
-        </p:nvPicPr>
-        <p:blipFill>
-          <a:blip r:embed="rId2">
-            <a:extLst>
-              <a:ext uri="{28A0092B-C50C-407E-A947-70E740481C1C}">
-                <a14:useLocalDpi xmlns:a14="http://schemas.microsoft.com/office/drawing/2010/main" val="0"/>
-              </a:ext>
-            </a:extLst>
-          </a:blip>
-          <a:srcRect/>
-          <a:stretch>
-            <a:fillRect/>
-          </a:stretch>
-        </p:blipFill>
-        <p:spPr bwMode="auto">
-          <a:xfrm>
-            <a:off x="7010400" y="6605031"/>
-            <a:ext cx="1676400" cy="238125"/>
-          </a:xfrm>
-          <a:prstGeom prst="rect">
-            <a:avLst/>
-          </a:prstGeom>
-          <a:noFill/>
-          <a:extLst>
-            <a:ext uri="{909E8E84-426E-40DD-AFC4-6F175D3DCCD1}">
-              <a14:hiddenFill xmlns:a14="http://schemas.microsoft.com/office/drawing/2010/main">
-                <a:solidFill>
-                  <a:srgbClr val="FFFFFF"/>
-                </a:solidFill>
-              </a14:hiddenFill>
-            </a:ext>
-          </a:extLst>
-        </p:spPr>
-      </p:pic>
-      <p:pic>
-        <p:nvPicPr>
-          <p:cNvPr id="4" name="Picture 3" descr="C:\Users\Le Phuc Lu\Desktop\1.PNG"/>
-          <p:cNvPicPr>
-            <a:picLocks noChangeAspect="1" noChangeArrowheads="1"/>
-          </p:cNvPicPr>
-          <p:nvPr/>
-        </p:nvPicPr>
-        <p:blipFill>
-          <a:blip r:embed="rId3">
-            <a:extLst>
-              <a:ext uri="{28A0092B-C50C-407E-A947-70E740481C1C}">
-                <a14:useLocalDpi xmlns:a14="http://schemas.microsoft.com/office/drawing/2010/main" val="0"/>
-              </a:ext>
-            </a:extLst>
-          </a:blip>
-          <a:srcRect/>
-          <a:stretch>
-            <a:fillRect/>
-          </a:stretch>
-        </p:blipFill>
-        <p:spPr bwMode="auto">
-          <a:xfrm>
-            <a:off x="6858000" y="0"/>
-            <a:ext cx="1828800" cy="217410"/>
-          </a:xfrm>
-          <a:prstGeom prst="rect">
-            <a:avLst/>
-          </a:prstGeom>
-          <a:noFill/>
-          <a:extLst>
-            <a:ext uri="{909E8E84-426E-40DD-AFC4-6F175D3DCCD1}">
-              <a14:hiddenFill xmlns:a14="http://schemas.microsoft.com/office/drawing/2010/main">
-                <a:solidFill>
-                  <a:srgbClr val="FFFFFF"/>
-                </a:solidFill>
-              </a14:hiddenFill>
-            </a:ext>
-          </a:extLst>
-        </p:spPr>
-      </p:pic>
-      <p:sp>
-        <p:nvSpPr>
-          <p:cNvPr id="5" name="Oval 4"/>
-          <p:cNvSpPr/>
-          <p:nvPr/>
-        </p:nvSpPr>
-        <p:spPr>
-          <a:xfrm>
-            <a:off x="8077200" y="6324600"/>
-            <a:ext cx="990600" cy="457200"/>
-          </a:xfrm>
-          <a:prstGeom prst="ellipse">
-            <a:avLst/>
-          </a:prstGeom>
-        </p:spPr>
-        <p:style>
-          <a:lnRef idx="0">
-            <a:schemeClr val="accent1"/>
-          </a:lnRef>
-          <a:fillRef idx="3">
-            <a:schemeClr val="accent1"/>
-          </a:fillRef>
-          <a:effectRef idx="3">
-            <a:schemeClr val="accent1"/>
-          </a:effectRef>
-          <a:fontRef idx="minor">
-            <a:schemeClr val="lt1"/>
-          </a:fontRef>
-        </p:style>
-        <p:txBody>
-          <a:bodyPr rtlCol="0" anchor="ctr"/>
-          <a:lstStyle/>
-          <a:p>
-            <a:pPr algn="ctr"/>
-            <a:r>
-              <a:rPr lang="en-US" sz="2000" b="1" dirty="0" smtClean="0"/>
-              <a:t>20</a:t>
-            </a:r>
-            <a:endParaRPr lang="en-US" sz="2000" b="1" dirty="0"/>
-          </a:p>
-        </p:txBody>
-      </p:sp>
-    </p:spTree>
-    <p:extLst>
-      <p:ext uri="{BB962C8B-B14F-4D97-AF65-F5344CB8AC3E}">
-        <p14:creationId xmlns:p14="http://schemas.microsoft.com/office/powerpoint/2010/main" val="2205491861"/>
       </p:ext>
     </p:extLst>
   </p:cSld>
@@ -26299,7 +25761,15 @@
                   <a:srgbClr val="7030A0"/>
                 </a:solidFill>
               </a:rPr>
-              <a:t>26 May 2014</a:t>
+              <a:t>07 May </a:t>
+            </a:r>
+            <a:r>
+              <a:rPr lang="en-US" dirty="0" smtClean="0">
+                <a:solidFill>
+                  <a:srgbClr val="7030A0"/>
+                </a:solidFill>
+              </a:rPr>
+              <a:t>2014</a:t>
             </a:r>
             <a:endParaRPr lang="en-US" dirty="0">
               <a:solidFill>
@@ -27872,7 +27342,7 @@
                             </p:stCondLst>
                             <p:childTnLst>
                               <p:par>
-                                <p:cTn id="95" presetID="26" presetClass="entr" presetSubtype="0" fill="hold" nodeType="clickEffect">
+                                <p:cTn id="95" presetID="14" presetClass="entr" presetSubtype="10" fill="hold" nodeType="clickEffect">
                                   <p:stCondLst>
                                     <p:cond delay="0"/>
                                   </p:stCondLst>
@@ -27895,257 +27365,14 @@
                                         <p:strVal val="visible"/>
                                       </p:to>
                                     </p:set>
-                                    <p:animEffect transition="in" filter="wipe(down)">
+                                    <p:animEffect transition="in" filter="randombar(horizontal)">
                                       <p:cBhvr>
-                                        <p:cTn id="97" dur="580">
-                                          <p:stCondLst>
-                                            <p:cond delay="0"/>
-                                          </p:stCondLst>
-                                        </p:cTn>
+                                        <p:cTn id="97" dur="500"/>
                                         <p:tgtEl>
                                           <p:spTgt spid="3074"/>
                                         </p:tgtEl>
                                       </p:cBhvr>
                                     </p:animEffect>
-                                    <p:anim calcmode="lin" valueType="num">
-                                      <p:cBhvr>
-                                        <p:cTn id="98" dur="1822" tmFilter="0,0; 0.14,0.36; 0.43,0.73; 0.71,0.91; 1.0,1.0">
-                                          <p:stCondLst>
-                                            <p:cond delay="0"/>
-                                          </p:stCondLst>
-                                        </p:cTn>
-                                        <p:tgtEl>
-                                          <p:spTgt spid="3074"/>
-                                        </p:tgtEl>
-                                        <p:attrNameLst>
-                                          <p:attrName>ppt_x</p:attrName>
-                                        </p:attrNameLst>
-                                      </p:cBhvr>
-                                      <p:tavLst>
-                                        <p:tav tm="0">
-                                          <p:val>
-                                            <p:strVal val="#ppt_x-0.25"/>
-                                          </p:val>
-                                        </p:tav>
-                                        <p:tav tm="100000">
-                                          <p:val>
-                                            <p:strVal val="#ppt_x"/>
-                                          </p:val>
-                                        </p:tav>
-                                      </p:tavLst>
-                                    </p:anim>
-                                    <p:anim calcmode="lin" valueType="num">
-                                      <p:cBhvr>
-                                        <p:cTn id="99" dur="664" tmFilter="0.0,0.0; 0.25,0.07; 0.50,0.2; 0.75,0.467; 1.0,1.0">
-                                          <p:stCondLst>
-                                            <p:cond delay="0"/>
-                                          </p:stCondLst>
-                                        </p:cTn>
-                                        <p:tgtEl>
-                                          <p:spTgt spid="3074"/>
-                                        </p:tgtEl>
-                                        <p:attrNameLst>
-                                          <p:attrName>ppt_y</p:attrName>
-                                        </p:attrNameLst>
-                                      </p:cBhvr>
-                                      <p:tavLst>
-                                        <p:tav tm="0" fmla="#ppt_y-sin(pi*$)/3">
-                                          <p:val>
-                                            <p:fltVal val="0.5"/>
-                                          </p:val>
-                                        </p:tav>
-                                        <p:tav tm="100000">
-                                          <p:val>
-                                            <p:fltVal val="1"/>
-                                          </p:val>
-                                        </p:tav>
-                                      </p:tavLst>
-                                    </p:anim>
-                                    <p:anim calcmode="lin" valueType="num">
-                                      <p:cBhvr>
-                                        <p:cTn id="100" dur="664" tmFilter="0, 0; 0.125,0.2665; 0.25,0.4; 0.375,0.465; 0.5,0.5;  0.625,0.535; 0.75,0.6; 0.875,0.7335; 1,1">
-                                          <p:stCondLst>
-                                            <p:cond delay="664"/>
-                                          </p:stCondLst>
-                                        </p:cTn>
-                                        <p:tgtEl>
-                                          <p:spTgt spid="3074"/>
-                                        </p:tgtEl>
-                                        <p:attrNameLst>
-                                          <p:attrName>ppt_y</p:attrName>
-                                        </p:attrNameLst>
-                                      </p:cBhvr>
-                                      <p:tavLst>
-                                        <p:tav tm="0" fmla="#ppt_y-sin(pi*$)/9">
-                                          <p:val>
-                                            <p:fltVal val="0"/>
-                                          </p:val>
-                                        </p:tav>
-                                        <p:tav tm="100000">
-                                          <p:val>
-                                            <p:fltVal val="1"/>
-                                          </p:val>
-                                        </p:tav>
-                                      </p:tavLst>
-                                    </p:anim>
-                                    <p:anim calcmode="lin" valueType="num">
-                                      <p:cBhvr>
-                                        <p:cTn id="101" dur="332" tmFilter="0, 0; 0.125,0.2665; 0.25,0.4; 0.375,0.465; 0.5,0.5;  0.625,0.535; 0.75,0.6; 0.875,0.7335; 1,1">
-                                          <p:stCondLst>
-                                            <p:cond delay="1324"/>
-                                          </p:stCondLst>
-                                        </p:cTn>
-                                        <p:tgtEl>
-                                          <p:spTgt spid="3074"/>
-                                        </p:tgtEl>
-                                        <p:attrNameLst>
-                                          <p:attrName>ppt_y</p:attrName>
-                                        </p:attrNameLst>
-                                      </p:cBhvr>
-                                      <p:tavLst>
-                                        <p:tav tm="0" fmla="#ppt_y-sin(pi*$)/27">
-                                          <p:val>
-                                            <p:fltVal val="0"/>
-                                          </p:val>
-                                        </p:tav>
-                                        <p:tav tm="100000">
-                                          <p:val>
-                                            <p:fltVal val="1"/>
-                                          </p:val>
-                                        </p:tav>
-                                      </p:tavLst>
-                                    </p:anim>
-                                    <p:anim calcmode="lin" valueType="num">
-                                      <p:cBhvr>
-                                        <p:cTn id="102" dur="164" tmFilter="0, 0; 0.125,0.2665; 0.25,0.4; 0.375,0.465; 0.5,0.5;  0.625,0.535; 0.75,0.6; 0.875,0.7335; 1,1">
-                                          <p:stCondLst>
-                                            <p:cond delay="1656"/>
-                                          </p:stCondLst>
-                                        </p:cTn>
-                                        <p:tgtEl>
-                                          <p:spTgt spid="3074"/>
-                                        </p:tgtEl>
-                                        <p:attrNameLst>
-                                          <p:attrName>ppt_y</p:attrName>
-                                        </p:attrNameLst>
-                                      </p:cBhvr>
-                                      <p:tavLst>
-                                        <p:tav tm="0" fmla="#ppt_y-sin(pi*$)/81">
-                                          <p:val>
-                                            <p:fltVal val="0"/>
-                                          </p:val>
-                                        </p:tav>
-                                        <p:tav tm="100000">
-                                          <p:val>
-                                            <p:fltVal val="1"/>
-                                          </p:val>
-                                        </p:tav>
-                                      </p:tavLst>
-                                    </p:anim>
-                                    <p:animScale>
-                                      <p:cBhvr>
-                                        <p:cTn id="103" dur="26">
-                                          <p:stCondLst>
-                                            <p:cond delay="650"/>
-                                          </p:stCondLst>
-                                        </p:cTn>
-                                        <p:tgtEl>
-                                          <p:spTgt spid="3074"/>
-                                        </p:tgtEl>
-                                      </p:cBhvr>
-                                      <p:to x="100000" y="60000"/>
-                                    </p:animScale>
-                                    <p:animScale>
-                                      <p:cBhvr>
-                                        <p:cTn id="104" dur="166" decel="50000">
-                                          <p:stCondLst>
-                                            <p:cond delay="676"/>
-                                          </p:stCondLst>
-                                        </p:cTn>
-                                        <p:tgtEl>
-                                          <p:spTgt spid="3074"/>
-                                        </p:tgtEl>
-                                      </p:cBhvr>
-                                      <p:to x="100000" y="100000"/>
-                                    </p:animScale>
-                                    <p:animScale>
-                                      <p:cBhvr>
-                                        <p:cTn id="105" dur="26">
-                                          <p:stCondLst>
-                                            <p:cond delay="1312"/>
-                                          </p:stCondLst>
-                                        </p:cTn>
-                                        <p:tgtEl>
-                                          <p:spTgt spid="3074"/>
-                                        </p:tgtEl>
-                                      </p:cBhvr>
-                                      <p:to x="100000" y="80000"/>
-                                    </p:animScale>
-                                    <p:animScale>
-                                      <p:cBhvr>
-                                        <p:cTn id="106" dur="166" decel="50000">
-                                          <p:stCondLst>
-                                            <p:cond delay="1338"/>
-                                          </p:stCondLst>
-                                        </p:cTn>
-                                        <p:tgtEl>
-                                          <p:spTgt spid="3074"/>
-                                        </p:tgtEl>
-                                      </p:cBhvr>
-                                      <p:to x="100000" y="100000"/>
-                                    </p:animScale>
-                                    <p:animScale>
-                                      <p:cBhvr>
-                                        <p:cTn id="107" dur="26">
-                                          <p:stCondLst>
-                                            <p:cond delay="1642"/>
-                                          </p:stCondLst>
-                                        </p:cTn>
-                                        <p:tgtEl>
-                                          <p:spTgt spid="3074"/>
-                                        </p:tgtEl>
-                                      </p:cBhvr>
-                                      <p:to x="100000" y="90000"/>
-                                    </p:animScale>
-                                    <p:animScale>
-                                      <p:cBhvr>
-                                        <p:cTn id="108" dur="166" decel="50000">
-                                          <p:stCondLst>
-                                            <p:cond delay="1668"/>
-                                          </p:stCondLst>
-                                        </p:cTn>
-                                        <p:tgtEl>
-                                          <p:spTgt spid="3074"/>
-                                        </p:tgtEl>
-                                      </p:cBhvr>
-                                      <p:to x="100000" y="100000"/>
-                                    </p:animScale>
-                                    <p:animScale>
-                                      <p:cBhvr>
-                                        <p:cTn id="109" dur="26">
-                                          <p:stCondLst>
-                                            <p:cond delay="1808"/>
-                                          </p:stCondLst>
-                                        </p:cTn>
-                                        <p:tgtEl>
-                                          <p:spTgt spid="3074"/>
-                                        </p:tgtEl>
-                                      </p:cBhvr>
-                                      <p:to x="100000" y="95000"/>
-                                    </p:animScale>
-                                    <p:animScale>
-                                      <p:cBhvr>
-                                        <p:cTn id="110" dur="166" decel="50000">
-                                          <p:stCondLst>
-                                            <p:cond delay="1834"/>
-                                          </p:stCondLst>
-                                        </p:cTn>
-                                        <p:tgtEl>
-                                          <p:spTgt spid="3074"/>
-                                        </p:tgtEl>
-                                      </p:cBhvr>
-                                      <p:to x="100000" y="100000"/>
-                                    </p:animScale>
                                   </p:childTnLst>
                                 </p:cTn>
                               </p:par>
@@ -28156,26 +27383,26 @@
                     </p:cTn>
                   </p:par>
                   <p:par>
-                    <p:cTn id="111" fill="hold">
+                    <p:cTn id="98" fill="hold">
                       <p:stCondLst>
                         <p:cond delay="indefinite"/>
                       </p:stCondLst>
                       <p:childTnLst>
                         <p:par>
-                          <p:cTn id="112" fill="hold">
+                          <p:cTn id="99" fill="hold">
                             <p:stCondLst>
                               <p:cond delay="0"/>
                             </p:stCondLst>
                             <p:childTnLst>
                               <p:par>
-                                <p:cTn id="113" presetID="10" presetClass="entr" presetSubtype="0" fill="hold" grpId="0" nodeType="clickEffect">
+                                <p:cTn id="100" presetID="10" presetClass="entr" presetSubtype="0" fill="hold" grpId="0" nodeType="clickEffect">
                                   <p:stCondLst>
                                     <p:cond delay="0"/>
                                   </p:stCondLst>
                                   <p:childTnLst>
                                     <p:set>
                                       <p:cBhvr>
-                                        <p:cTn id="114" dur="1" fill="hold">
+                                        <p:cTn id="101" dur="1" fill="hold">
                                           <p:stCondLst>
                                             <p:cond delay="0"/>
                                           </p:stCondLst>
@@ -28193,7 +27420,7 @@
                                     </p:set>
                                     <p:animEffect transition="in" filter="fade">
                                       <p:cBhvr>
-                                        <p:cTn id="115" dur="500"/>
+                                        <p:cTn id="102" dur="500"/>
                                         <p:tgtEl>
                                           <p:spTgt spid="3077"/>
                                         </p:tgtEl>
@@ -28209,26 +27436,26 @@
                     </p:cTn>
                   </p:par>
                   <p:par>
-                    <p:cTn id="116" fill="hold">
+                    <p:cTn id="103" fill="hold">
                       <p:stCondLst>
                         <p:cond delay="indefinite"/>
                       </p:stCondLst>
                       <p:childTnLst>
                         <p:par>
-                          <p:cTn id="117" fill="hold">
+                          <p:cTn id="104" fill="hold">
                             <p:stCondLst>
                               <p:cond delay="0"/>
                             </p:stCondLst>
                             <p:childTnLst>
                               <p:par>
-                                <p:cTn id="118" presetID="16" presetClass="exit" presetSubtype="21" fill="hold" grpId="1" nodeType="clickEffect">
+                                <p:cTn id="105" presetID="16" presetClass="exit" presetSubtype="21" fill="hold" grpId="1" nodeType="clickEffect">
                                   <p:stCondLst>
                                     <p:cond delay="0"/>
                                   </p:stCondLst>
                                   <p:childTnLst>
                                     <p:animEffect transition="out" filter="barn(inVertical)">
                                       <p:cBhvr>
-                                        <p:cTn id="119" dur="500"/>
+                                        <p:cTn id="106" dur="500"/>
                                         <p:tgtEl>
                                           <p:spTgt spid="3077"/>
                                         </p:tgtEl>
@@ -28236,7 +27463,7 @@
                                     </p:animEffect>
                                     <p:set>
                                       <p:cBhvr>
-                                        <p:cTn id="120" dur="1" fill="hold">
+                                        <p:cTn id="107" dur="1" fill="hold">
                                           <p:stCondLst>
                                             <p:cond delay="499"/>
                                           </p:stCondLst>
@@ -28262,26 +27489,26 @@
                     </p:cTn>
                   </p:par>
                   <p:par>
-                    <p:cTn id="121" fill="hold">
+                    <p:cTn id="108" fill="hold">
                       <p:stCondLst>
                         <p:cond delay="indefinite"/>
                       </p:stCondLst>
                       <p:childTnLst>
                         <p:par>
-                          <p:cTn id="122" fill="hold">
+                          <p:cTn id="109" fill="hold">
                             <p:stCondLst>
                               <p:cond delay="0"/>
                             </p:stCondLst>
                             <p:childTnLst>
                               <p:par>
-                                <p:cTn id="123" presetID="10" presetClass="exit" presetSubtype="0" fill="hold" grpId="1" nodeType="clickEffect">
+                                <p:cTn id="110" presetID="10" presetClass="exit" presetSubtype="0" fill="hold" grpId="1" nodeType="clickEffect">
                                   <p:stCondLst>
                                     <p:cond delay="0"/>
                                   </p:stCondLst>
                                   <p:childTnLst>
                                     <p:animEffect transition="out" filter="fade">
                                       <p:cBhvr>
-                                        <p:cTn id="124" dur="500"/>
+                                        <p:cTn id="111" dur="500"/>
                                         <p:tgtEl>
                                           <p:spTgt spid="74"/>
                                         </p:tgtEl>
@@ -28289,7 +27516,7 @@
                                     </p:animEffect>
                                     <p:set>
                                       <p:cBhvr>
-                                        <p:cTn id="125" dur="1" fill="hold">
+                                        <p:cTn id="112" dur="1" fill="hold">
                                           <p:stCondLst>
                                             <p:cond delay="499"/>
                                           </p:stCondLst>
@@ -28315,26 +27542,26 @@
                     </p:cTn>
                   </p:par>
                   <p:par>
-                    <p:cTn id="126" fill="hold">
+                    <p:cTn id="113" fill="hold">
                       <p:stCondLst>
                         <p:cond delay="indefinite"/>
                       </p:stCondLst>
                       <p:childTnLst>
                         <p:par>
-                          <p:cTn id="127" fill="hold">
+                          <p:cTn id="114" fill="hold">
                             <p:stCondLst>
                               <p:cond delay="0"/>
                             </p:stCondLst>
                             <p:childTnLst>
                               <p:par>
-                                <p:cTn id="128" presetID="42" presetClass="entr" presetSubtype="0" fill="hold" grpId="0" nodeType="clickEffect">
+                                <p:cTn id="115" presetID="42" presetClass="entr" presetSubtype="0" fill="hold" grpId="0" nodeType="clickEffect">
                                   <p:stCondLst>
                                     <p:cond delay="0"/>
                                   </p:stCondLst>
                                   <p:childTnLst>
                                     <p:set>
                                       <p:cBhvr>
-                                        <p:cTn id="129" dur="1" fill="hold">
+                                        <p:cTn id="116" dur="1" fill="hold">
                                           <p:stCondLst>
                                             <p:cond delay="0"/>
                                           </p:stCondLst>
@@ -28352,7 +27579,7 @@
                                     </p:set>
                                     <p:animEffect transition="in" filter="fade">
                                       <p:cBhvr>
-                                        <p:cTn id="130" dur="1000"/>
+                                        <p:cTn id="117" dur="1000"/>
                                         <p:tgtEl>
                                           <p:spTgt spid="76"/>
                                         </p:tgtEl>
@@ -28360,7 +27587,7 @@
                                     </p:animEffect>
                                     <p:anim calcmode="lin" valueType="num">
                                       <p:cBhvr>
-                                        <p:cTn id="131" dur="1000" fill="hold"/>
+                                        <p:cTn id="118" dur="1000" fill="hold"/>
                                         <p:tgtEl>
                                           <p:spTgt spid="76"/>
                                         </p:tgtEl>
@@ -28383,7 +27610,7 @@
                                     </p:anim>
                                     <p:anim calcmode="lin" valueType="num">
                                       <p:cBhvr>
-                                        <p:cTn id="132" dur="1000" fill="hold"/>
+                                        <p:cTn id="119" dur="1000" fill="hold"/>
                                         <p:tgtEl>
                                           <p:spTgt spid="76"/>
                                         </p:tgtEl>
@@ -28414,26 +27641,26 @@
                     </p:cTn>
                   </p:par>
                   <p:par>
-                    <p:cTn id="133" fill="hold">
+                    <p:cTn id="120" fill="hold">
                       <p:stCondLst>
                         <p:cond delay="indefinite"/>
                       </p:stCondLst>
                       <p:childTnLst>
                         <p:par>
-                          <p:cTn id="134" fill="hold">
+                          <p:cTn id="121" fill="hold">
                             <p:stCondLst>
                               <p:cond delay="0"/>
                             </p:stCondLst>
                             <p:childTnLst>
                               <p:par>
-                                <p:cTn id="135" presetID="42" presetClass="entr" presetSubtype="0" fill="hold" grpId="0" nodeType="clickEffect">
+                                <p:cTn id="122" presetID="42" presetClass="entr" presetSubtype="0" fill="hold" grpId="0" nodeType="clickEffect">
                                   <p:stCondLst>
                                     <p:cond delay="0"/>
                                   </p:stCondLst>
                                   <p:childTnLst>
                                     <p:set>
                                       <p:cBhvr>
-                                        <p:cTn id="136" dur="1" fill="hold">
+                                        <p:cTn id="123" dur="1" fill="hold">
                                           <p:stCondLst>
                                             <p:cond delay="0"/>
                                           </p:stCondLst>
@@ -28451,7 +27678,7 @@
                                     </p:set>
                                     <p:animEffect transition="in" filter="fade">
                                       <p:cBhvr>
-                                        <p:cTn id="137" dur="1000"/>
+                                        <p:cTn id="124" dur="1000"/>
                                         <p:tgtEl>
                                           <p:spTgt spid="3073"/>
                                         </p:tgtEl>
@@ -28459,7 +27686,7 @@
                                     </p:animEffect>
                                     <p:anim calcmode="lin" valueType="num">
                                       <p:cBhvr>
-                                        <p:cTn id="138" dur="1000" fill="hold"/>
+                                        <p:cTn id="125" dur="1000" fill="hold"/>
                                         <p:tgtEl>
                                           <p:spTgt spid="3073"/>
                                         </p:tgtEl>
@@ -28482,7 +27709,7 @@
                                     </p:anim>
                                     <p:anim calcmode="lin" valueType="num">
                                       <p:cBhvr>
-                                        <p:cTn id="139" dur="1000" fill="hold"/>
+                                        <p:cTn id="126" dur="1000" fill="hold"/>
                                         <p:tgtEl>
                                           <p:spTgt spid="3073"/>
                                         </p:tgtEl>
@@ -28513,26 +27740,26 @@
                     </p:cTn>
                   </p:par>
                   <p:par>
-                    <p:cTn id="140" fill="hold">
+                    <p:cTn id="127" fill="hold">
                       <p:stCondLst>
                         <p:cond delay="indefinite"/>
                       </p:stCondLst>
                       <p:childTnLst>
                         <p:par>
-                          <p:cTn id="141" fill="hold">
+                          <p:cTn id="128" fill="hold">
                             <p:stCondLst>
                               <p:cond delay="0"/>
                             </p:stCondLst>
                             <p:childTnLst>
                               <p:par>
-                                <p:cTn id="142" presetID="10" presetClass="exit" presetSubtype="0" fill="hold" grpId="1" nodeType="clickEffect">
+                                <p:cTn id="129" presetID="10" presetClass="exit" presetSubtype="0" fill="hold" grpId="1" nodeType="clickEffect">
                                   <p:stCondLst>
                                     <p:cond delay="0"/>
                                   </p:stCondLst>
                                   <p:childTnLst>
                                     <p:animEffect transition="out" filter="fade">
                                       <p:cBhvr>
-                                        <p:cTn id="143" dur="500"/>
+                                        <p:cTn id="130" dur="500"/>
                                         <p:tgtEl>
                                           <p:spTgt spid="76"/>
                                         </p:tgtEl>
@@ -28540,7 +27767,7 @@
                                     </p:animEffect>
                                     <p:set>
                                       <p:cBhvr>
-                                        <p:cTn id="144" dur="1" fill="hold">
+                                        <p:cTn id="131" dur="1" fill="hold">
                                           <p:stCondLst>
                                             <p:cond delay="499"/>
                                           </p:stCondLst>
@@ -28566,26 +27793,26 @@
                     </p:cTn>
                   </p:par>
                   <p:par>
-                    <p:cTn id="145" fill="hold">
+                    <p:cTn id="132" fill="hold">
                       <p:stCondLst>
                         <p:cond delay="indefinite"/>
                       </p:stCondLst>
                       <p:childTnLst>
                         <p:par>
-                          <p:cTn id="146" fill="hold">
+                          <p:cTn id="133" fill="hold">
                             <p:stCondLst>
                               <p:cond delay="0"/>
                             </p:stCondLst>
                             <p:childTnLst>
                               <p:par>
-                                <p:cTn id="147" presetID="42" presetClass="entr" presetSubtype="0" fill="hold" grpId="0" nodeType="clickEffect">
+                                <p:cTn id="134" presetID="42" presetClass="entr" presetSubtype="0" fill="hold" grpId="0" nodeType="clickEffect">
                                   <p:stCondLst>
                                     <p:cond delay="0"/>
                                   </p:stCondLst>
                                   <p:childTnLst>
                                     <p:set>
                                       <p:cBhvr>
-                                        <p:cTn id="148" dur="1" fill="hold">
+                                        <p:cTn id="135" dur="1" fill="hold">
                                           <p:stCondLst>
                                             <p:cond delay="0"/>
                                           </p:stCondLst>
@@ -28603,7 +27830,7 @@
                                     </p:set>
                                     <p:animEffect transition="in" filter="fade">
                                       <p:cBhvr>
-                                        <p:cTn id="149" dur="1000"/>
+                                        <p:cTn id="136" dur="1000"/>
                                         <p:tgtEl>
                                           <p:spTgt spid="77"/>
                                         </p:tgtEl>
@@ -28611,7 +27838,7 @@
                                     </p:animEffect>
                                     <p:anim calcmode="lin" valueType="num">
                                       <p:cBhvr>
-                                        <p:cTn id="150" dur="1000" fill="hold"/>
+                                        <p:cTn id="137" dur="1000" fill="hold"/>
                                         <p:tgtEl>
                                           <p:spTgt spid="77"/>
                                         </p:tgtEl>
@@ -28634,7 +27861,7 @@
                                     </p:anim>
                                     <p:anim calcmode="lin" valueType="num">
                                       <p:cBhvr>
-                                        <p:cTn id="151" dur="1000" fill="hold"/>
+                                        <p:cTn id="138" dur="1000" fill="hold"/>
                                         <p:tgtEl>
                                           <p:spTgt spid="77"/>
                                         </p:tgtEl>
@@ -28665,26 +27892,26 @@
                     </p:cTn>
                   </p:par>
                   <p:par>
-                    <p:cTn id="152" fill="hold">
+                    <p:cTn id="139" fill="hold">
                       <p:stCondLst>
                         <p:cond delay="indefinite"/>
                       </p:stCondLst>
                       <p:childTnLst>
                         <p:par>
-                          <p:cTn id="153" fill="hold">
+                          <p:cTn id="140" fill="hold">
                             <p:stCondLst>
                               <p:cond delay="0"/>
                             </p:stCondLst>
                             <p:childTnLst>
                               <p:par>
-                                <p:cTn id="154" presetID="10" presetClass="entr" presetSubtype="0" fill="hold" grpId="0" nodeType="clickEffect">
+                                <p:cTn id="141" presetID="10" presetClass="entr" presetSubtype="0" fill="hold" grpId="0" nodeType="clickEffect">
                                   <p:stCondLst>
                                     <p:cond delay="0"/>
                                   </p:stCondLst>
                                   <p:childTnLst>
                                     <p:set>
                                       <p:cBhvr>
-                                        <p:cTn id="155" dur="1" fill="hold">
+                                        <p:cTn id="142" dur="1" fill="hold">
                                           <p:stCondLst>
                                             <p:cond delay="0"/>
                                           </p:stCondLst>
@@ -28702,7 +27929,7 @@
                                     </p:set>
                                     <p:animEffect transition="in" filter="fade">
                                       <p:cBhvr>
-                                        <p:cTn id="156" dur="500"/>
+                                        <p:cTn id="143" dur="500"/>
                                         <p:tgtEl>
                                           <p:spTgt spid="71"/>
                                         </p:tgtEl>
@@ -28718,26 +27945,26 @@
                     </p:cTn>
                   </p:par>
                   <p:par>
-                    <p:cTn id="157" fill="hold">
+                    <p:cTn id="144" fill="hold">
                       <p:stCondLst>
                         <p:cond delay="indefinite"/>
                       </p:stCondLst>
                       <p:childTnLst>
                         <p:par>
-                          <p:cTn id="158" fill="hold">
+                          <p:cTn id="145" fill="hold">
                             <p:stCondLst>
                               <p:cond delay="0"/>
                             </p:stCondLst>
                             <p:childTnLst>
                               <p:par>
-                                <p:cTn id="159" presetID="56" presetClass="path" presetSubtype="0" accel="50000" decel="50000" fill="hold" nodeType="clickEffect">
+                                <p:cTn id="146" presetID="56" presetClass="path" presetSubtype="0" accel="50000" decel="50000" fill="hold" nodeType="clickEffect">
                                   <p:stCondLst>
                                     <p:cond delay="0"/>
                                   </p:stCondLst>
                                   <p:childTnLst>
                                     <p:animMotion origin="layout" path="M -2.5E-6 -4.07407E-6 L 0.80469 -0.06782 " pathEditMode="relative" rAng="0" ptsTypes="AA">
                                       <p:cBhvr>
-                                        <p:cTn id="160" dur="2000" fill="hold"/>
+                                        <p:cTn id="147" dur="2000" fill="hold"/>
                                         <p:tgtEl>
                                           <p:spTgt spid="3074"/>
                                         </p:tgtEl>
@@ -28857,7 +28084,7 @@
             <p:ph idx="1"/>
             <p:extLst>
               <p:ext uri="{D42A27DB-BD31-4B8C-83A1-F6EECF244321}">
-                <p14:modId xmlns:p14="http://schemas.microsoft.com/office/powerpoint/2010/main" val="3077121809"/>
+                <p14:modId xmlns:p14="http://schemas.microsoft.com/office/powerpoint/2010/main" val="231756387"/>
               </p:ext>
             </p:extLst>
           </p:nvPr>
@@ -29212,7 +28439,7 @@
                       <a:pPr algn="ctr"/>
                       <a:r>
                         <a:rPr lang="en-US" dirty="0" smtClean="0"/>
-                        <a:t>30</a:t>
+                        <a:t>300</a:t>
                       </a:r>
                       <a:endParaRPr lang="en-US" dirty="0"/>
                     </a:p>
@@ -29892,7 +29119,11 @@
             </a:r>
             <a:r>
               <a:rPr lang="en-US" sz="2400" b="0" dirty="0" smtClean="0"/>
-              <a:t> these </a:t>
+              <a:t> </a:t>
+            </a:r>
+            <a:r>
+              <a:rPr lang="en-US" sz="2400" b="0" dirty="0" smtClean="0"/>
+              <a:t>these </a:t>
             </a:r>
             <a:r>
               <a:rPr lang="en-US" sz="2400" i="1" dirty="0" smtClean="0"/>
@@ -29908,8 +29139,13 @@
             </a:r>
             <a:r>
               <a:rPr lang="en-US" sz="2400" b="0" dirty="0" smtClean="0"/>
-              <a:t> about: volume, time.</a:t>
-            </a:r>
+              <a:t> about: volume, </a:t>
+            </a:r>
+            <a:r>
+              <a:rPr lang="en-US" sz="2400" b="0" dirty="0" smtClean="0"/>
+              <a:t>time,… to get maximum revenue.</a:t>
+            </a:r>
+            <a:endParaRPr lang="en-US" sz="2400" b="0" dirty="0" smtClean="0"/>
           </a:p>
           <a:p>
             <a:pPr marL="0" indent="0">

--- a/iDeliver presentation.pptx
+++ b/iDeliver presentation.pptx
@@ -2883,22 +2883,22 @@
     </dgm:pt>
   </dgm:ptLst>
   <dgm:cxnLst>
+    <dgm:cxn modelId="{D511B19E-2229-41BF-A87F-557FEE21CBCC}" type="presOf" srcId="{EDC7A38C-A6DB-4DC5-A689-39ECF460C6EE}" destId="{12349A56-4627-47C6-95E1-59A3763AA6E1}" srcOrd="0" destOrd="0" presId="urn:microsoft.com/office/officeart/2005/8/layout/list1"/>
+    <dgm:cxn modelId="{E9ECDBE4-4B3F-4965-BC46-77193A10C313}" type="presOf" srcId="{F15AB5BC-20EB-4896-ACF0-5A5E624E7B6C}" destId="{ED16CCA2-3479-4C2F-9EE1-3E315BF03D68}" srcOrd="0" destOrd="0" presId="urn:microsoft.com/office/officeart/2005/8/layout/list1"/>
+    <dgm:cxn modelId="{EADFDE52-5B58-4A6D-AB10-BDF6EB79B1DE}" type="presOf" srcId="{F3861C03-805D-46DF-A473-53653EFDEFAC}" destId="{F5161C34-E6C6-424C-AFB0-D1DCB70063F9}" srcOrd="0" destOrd="0" presId="urn:microsoft.com/office/officeart/2005/8/layout/list1"/>
+    <dgm:cxn modelId="{B939CA61-FB1E-4148-98F6-EABDDE961BD5}" srcId="{EDC7A38C-A6DB-4DC5-A689-39ECF460C6EE}" destId="{50966B18-8F4F-4052-89F9-B48790BD2367}" srcOrd="2" destOrd="0" parTransId="{C781F25A-CB4B-44C1-A33E-F87A8D09F246}" sibTransId="{5D4359EE-B0D4-4E7C-8140-B2A89C1D7FF5}"/>
+    <dgm:cxn modelId="{895819B1-9F28-4D90-ACDF-9FE810992A71}" srcId="{EDC7A38C-A6DB-4DC5-A689-39ECF460C6EE}" destId="{F3861C03-805D-46DF-A473-53653EFDEFAC}" srcOrd="0" destOrd="0" parTransId="{FDEF765C-797E-4575-A57A-62FC58C0DBBD}" sibTransId="{4B94263F-AE36-49BA-90BC-B9C0A3836F11}"/>
     <dgm:cxn modelId="{8FC5C53C-E0D2-4D9E-921A-D5BAB0691AEA}" type="presOf" srcId="{F15AB5BC-20EB-4896-ACF0-5A5E624E7B6C}" destId="{2122FC3D-9D7C-4674-9A64-60A76FF473D7}" srcOrd="1" destOrd="0" presId="urn:microsoft.com/office/officeart/2005/8/layout/list1"/>
+    <dgm:cxn modelId="{E9E9A78E-3D06-4434-9596-2811CFE08B6F}" type="presOf" srcId="{4EF90078-E6E6-4945-AFF6-3CE122D73B62}" destId="{5C8FE5E1-884F-412E-A725-A291A47A8E59}" srcOrd="0" destOrd="0" presId="urn:microsoft.com/office/officeart/2005/8/layout/list1"/>
+    <dgm:cxn modelId="{491C81F4-6429-47C7-A66F-7BFF0E79B08D}" type="presOf" srcId="{4EF90078-E6E6-4945-AFF6-3CE122D73B62}" destId="{E2681A2F-F14D-4CA1-AED2-F51532E386C0}" srcOrd="1" destOrd="0" presId="urn:microsoft.com/office/officeart/2005/8/layout/list1"/>
+    <dgm:cxn modelId="{ACA434B3-DE1A-47D9-A07E-3EE677AE4A87}" type="presOf" srcId="{F3861C03-805D-46DF-A473-53653EFDEFAC}" destId="{4BCFC962-7C53-4C3E-A79A-F8EA1F40FB77}" srcOrd="1" destOrd="0" presId="urn:microsoft.com/office/officeart/2005/8/layout/list1"/>
+    <dgm:cxn modelId="{62A679E3-6E81-49B3-9E2D-5E7AB7AFAAB0}" srcId="{EDC7A38C-A6DB-4DC5-A689-39ECF460C6EE}" destId="{F15AB5BC-20EB-4896-ACF0-5A5E624E7B6C}" srcOrd="1" destOrd="0" parTransId="{D72D90E7-2791-440A-BD7C-BF567269DBF7}" sibTransId="{491206DF-53A9-45C6-A28A-60F01CAC4067}"/>
+    <dgm:cxn modelId="{C012B5AC-4085-426B-BA31-5E62062BF963}" srcId="{EDC7A38C-A6DB-4DC5-A689-39ECF460C6EE}" destId="{4EF90078-E6E6-4945-AFF6-3CE122D73B62}" srcOrd="3" destOrd="0" parTransId="{09C9B5E1-25C3-4E5E-AD04-49DF3B553086}" sibTransId="{AE2A650F-D5C1-43DF-9F83-849BA50274C2}"/>
+    <dgm:cxn modelId="{75735154-E353-4CB6-A313-260C53D45645}" type="presOf" srcId="{50966B18-8F4F-4052-89F9-B48790BD2367}" destId="{7AA6AE93-8789-4D56-BCEC-D6B55D847325}" srcOrd="1" destOrd="0" presId="urn:microsoft.com/office/officeart/2005/8/layout/list1"/>
+    <dgm:cxn modelId="{B6DE7BDF-0007-4DDE-B412-4B6F0561ED64}" type="presOf" srcId="{2511DA9D-D953-4E88-85D7-486DCAA95676}" destId="{1B03F452-E806-41D8-9F69-D88626BB3B32}" srcOrd="0" destOrd="0" presId="urn:microsoft.com/office/officeart/2005/8/layout/list1"/>
     <dgm:cxn modelId="{F872DC09-BB93-40DD-AC2E-02BB8F8E24F7}" type="presOf" srcId="{50966B18-8F4F-4052-89F9-B48790BD2367}" destId="{F8B1D1CA-F8B8-4CF2-850D-8A08A6D43348}" srcOrd="0" destOrd="0" presId="urn:microsoft.com/office/officeart/2005/8/layout/list1"/>
-    <dgm:cxn modelId="{895819B1-9F28-4D90-ACDF-9FE810992A71}" srcId="{EDC7A38C-A6DB-4DC5-A689-39ECF460C6EE}" destId="{F3861C03-805D-46DF-A473-53653EFDEFAC}" srcOrd="0" destOrd="0" parTransId="{FDEF765C-797E-4575-A57A-62FC58C0DBBD}" sibTransId="{4B94263F-AE36-49BA-90BC-B9C0A3836F11}"/>
-    <dgm:cxn modelId="{491C81F4-6429-47C7-A66F-7BFF0E79B08D}" type="presOf" srcId="{4EF90078-E6E6-4945-AFF6-3CE122D73B62}" destId="{E2681A2F-F14D-4CA1-AED2-F51532E386C0}" srcOrd="1" destOrd="0" presId="urn:microsoft.com/office/officeart/2005/8/layout/list1"/>
-    <dgm:cxn modelId="{62A679E3-6E81-49B3-9E2D-5E7AB7AFAAB0}" srcId="{EDC7A38C-A6DB-4DC5-A689-39ECF460C6EE}" destId="{F15AB5BC-20EB-4896-ACF0-5A5E624E7B6C}" srcOrd="1" destOrd="0" parTransId="{D72D90E7-2791-440A-BD7C-BF567269DBF7}" sibTransId="{491206DF-53A9-45C6-A28A-60F01CAC4067}"/>
-    <dgm:cxn modelId="{75735154-E353-4CB6-A313-260C53D45645}" type="presOf" srcId="{50966B18-8F4F-4052-89F9-B48790BD2367}" destId="{7AA6AE93-8789-4D56-BCEC-D6B55D847325}" srcOrd="1" destOrd="0" presId="urn:microsoft.com/office/officeart/2005/8/layout/list1"/>
-    <dgm:cxn modelId="{E9E9A78E-3D06-4434-9596-2811CFE08B6F}" type="presOf" srcId="{4EF90078-E6E6-4945-AFF6-3CE122D73B62}" destId="{5C8FE5E1-884F-412E-A725-A291A47A8E59}" srcOrd="0" destOrd="0" presId="urn:microsoft.com/office/officeart/2005/8/layout/list1"/>
-    <dgm:cxn modelId="{B939CA61-FB1E-4148-98F6-EABDDE961BD5}" srcId="{EDC7A38C-A6DB-4DC5-A689-39ECF460C6EE}" destId="{50966B18-8F4F-4052-89F9-B48790BD2367}" srcOrd="2" destOrd="0" parTransId="{C781F25A-CB4B-44C1-A33E-F87A8D09F246}" sibTransId="{5D4359EE-B0D4-4E7C-8140-B2A89C1D7FF5}"/>
-    <dgm:cxn modelId="{D511B19E-2229-41BF-A87F-557FEE21CBCC}" type="presOf" srcId="{EDC7A38C-A6DB-4DC5-A689-39ECF460C6EE}" destId="{12349A56-4627-47C6-95E1-59A3763AA6E1}" srcOrd="0" destOrd="0" presId="urn:microsoft.com/office/officeart/2005/8/layout/list1"/>
-    <dgm:cxn modelId="{B6DE7BDF-0007-4DDE-B412-4B6F0561ED64}" type="presOf" srcId="{2511DA9D-D953-4E88-85D7-486DCAA95676}" destId="{1B03F452-E806-41D8-9F69-D88626BB3B32}" srcOrd="0" destOrd="0" presId="urn:microsoft.com/office/officeart/2005/8/layout/list1"/>
-    <dgm:cxn modelId="{E9ECDBE4-4B3F-4965-BC46-77193A10C313}" type="presOf" srcId="{F15AB5BC-20EB-4896-ACF0-5A5E624E7B6C}" destId="{ED16CCA2-3479-4C2F-9EE1-3E315BF03D68}" srcOrd="0" destOrd="0" presId="urn:microsoft.com/office/officeart/2005/8/layout/list1"/>
-    <dgm:cxn modelId="{ACA434B3-DE1A-47D9-A07E-3EE677AE4A87}" type="presOf" srcId="{F3861C03-805D-46DF-A473-53653EFDEFAC}" destId="{4BCFC962-7C53-4C3E-A79A-F8EA1F40FB77}" srcOrd="1" destOrd="0" presId="urn:microsoft.com/office/officeart/2005/8/layout/list1"/>
     <dgm:cxn modelId="{6A8FF732-B4B4-4D17-AEEF-1FC21937469E}" type="presOf" srcId="{2511DA9D-D953-4E88-85D7-486DCAA95676}" destId="{A2F44CA5-7572-4B10-8094-A7E02486FABF}" srcOrd="1" destOrd="0" presId="urn:microsoft.com/office/officeart/2005/8/layout/list1"/>
     <dgm:cxn modelId="{443A4200-1FAC-4F0C-AB59-DBDB9E58150F}" srcId="{EDC7A38C-A6DB-4DC5-A689-39ECF460C6EE}" destId="{2511DA9D-D953-4E88-85D7-486DCAA95676}" srcOrd="4" destOrd="0" parTransId="{FFC15986-DDEE-40E7-86E3-050BDF619BE7}" sibTransId="{87DF7139-E210-4101-AEDE-4DE92254736F}"/>
-    <dgm:cxn modelId="{C012B5AC-4085-426B-BA31-5E62062BF963}" srcId="{EDC7A38C-A6DB-4DC5-A689-39ECF460C6EE}" destId="{4EF90078-E6E6-4945-AFF6-3CE122D73B62}" srcOrd="3" destOrd="0" parTransId="{09C9B5E1-25C3-4E5E-AD04-49DF3B553086}" sibTransId="{AE2A650F-D5C1-43DF-9F83-849BA50274C2}"/>
-    <dgm:cxn modelId="{EADFDE52-5B58-4A6D-AB10-BDF6EB79B1DE}" type="presOf" srcId="{F3861C03-805D-46DF-A473-53653EFDEFAC}" destId="{F5161C34-E6C6-424C-AFB0-D1DCB70063F9}" srcOrd="0" destOrd="0" presId="urn:microsoft.com/office/officeart/2005/8/layout/list1"/>
     <dgm:cxn modelId="{A5C55C8A-FE5F-4D8D-9361-332699CFA204}" type="presParOf" srcId="{12349A56-4627-47C6-95E1-59A3763AA6E1}" destId="{4C00E976-8666-4597-95C1-88AFE21BB0A3}" srcOrd="0" destOrd="0" presId="urn:microsoft.com/office/officeart/2005/8/layout/list1"/>
     <dgm:cxn modelId="{AF596160-38EF-493E-AD36-5132F7C884BA}" type="presParOf" srcId="{4C00E976-8666-4597-95C1-88AFE21BB0A3}" destId="{F5161C34-E6C6-424C-AFB0-D1DCB70063F9}" srcOrd="0" destOrd="0" presId="urn:microsoft.com/office/officeart/2005/8/layout/list1"/>
     <dgm:cxn modelId="{2EC1E1E5-E010-4D2F-8E22-1F399244BCDA}" type="presParOf" srcId="{4C00E976-8666-4597-95C1-88AFE21BB0A3}" destId="{4BCFC962-7C53-4C3E-A79A-F8EA1F40FB77}" srcOrd="1" destOrd="0" presId="urn:microsoft.com/office/officeart/2005/8/layout/list1"/>
@@ -10867,7 +10867,7 @@
           <a:p>
             <a:fld id="{8CF011AB-31B9-4FEE-9201-64BC297EEACF}" type="datetimeFigureOut">
               <a:rPr lang="en-US" smtClean="0"/>
-              <a:t>5/5/2014</a:t>
+              <a:t>5/6/2014</a:t>
             </a:fld>
             <a:endParaRPr lang="en-US"/>
           </a:p>
@@ -11033,7 +11033,7 @@
           <a:p>
             <a:fld id="{EEB917EA-0A47-475B-9CE2-61BBD17C3321}" type="datetimeFigureOut">
               <a:rPr lang="en-US" smtClean="0"/>
-              <a:t>5/5/2014</a:t>
+              <a:t>5/6/2014</a:t>
             </a:fld>
             <a:endParaRPr lang="en-US"/>
           </a:p>
@@ -13580,7 +13580,7 @@
           <a:graphicData uri="http://schemas.openxmlformats.org/presentationml/2006/ole">
             <mc:AlternateContent xmlns:mc="http://schemas.openxmlformats.org/markup-compatibility/2006">
               <mc:Choice xmlns:v="urn:schemas-microsoft-com:vml" Requires="v">
-                <p:oleObj spid="_x0000_s2517" name="Image" r:id="rId15" imgW="6311111" imgH="1155148" progId="">
+                <p:oleObj spid="_x0000_s2518" name="Image" r:id="rId15" imgW="6311111" imgH="1155148" progId="">
                   <p:embed/>
                 </p:oleObj>
               </mc:Choice>
@@ -15961,13 +15961,8 @@
             </a:pPr>
             <a:r>
               <a:rPr lang="en-US" sz="2700" b="0" dirty="0" smtClean="0"/>
-              <a:t>Using heuristic idea, try to </a:t>
-            </a:r>
-            <a:r>
-              <a:rPr lang="en-US" sz="2700" b="0" dirty="0" smtClean="0"/>
-              <a:t>find:</a:t>
-            </a:r>
-            <a:endParaRPr lang="en-US" sz="2700" b="0" dirty="0" smtClean="0"/>
+              <a:t>Using heuristic idea, try to find:</a:t>
+            </a:r>
           </a:p>
           <a:p>
             <a:pPr>
@@ -17509,7 +17504,7 @@
         <p:spPr>
           <a:xfrm>
             <a:off x="228600" y="1393825"/>
-            <a:ext cx="8686800" cy="4930775"/>
+            <a:ext cx="8839200" cy="4930775"/>
           </a:xfrm>
         </p:spPr>
         <p:txBody>
@@ -17528,7 +17523,6 @@
               <a:rPr lang="en-US" sz="2600" b="0" dirty="0" smtClean="0"/>
               <a:t>Some negatives.</a:t>
             </a:r>
-            <a:endParaRPr lang="en-US" sz="2600" b="0" dirty="0" smtClean="0"/>
           </a:p>
           <a:p>
             <a:pPr algn="just"/>
@@ -17552,35 +17546,7 @@
             </a:pPr>
             <a:r>
               <a:rPr lang="en-US" sz="2600" b="0" dirty="0" smtClean="0"/>
-              <a:t>O((</a:t>
-            </a:r>
-            <a:r>
-              <a:rPr lang="en-US" sz="2600" b="0" dirty="0" smtClean="0"/>
-              <a:t>k(|</a:t>
-            </a:r>
-            <a:r>
-              <a:rPr lang="en-US" sz="2600" b="0" dirty="0" smtClean="0"/>
-              <a:t>V</a:t>
-            </a:r>
-            <a:r>
-              <a:rPr lang="en-US" sz="2600" b="0" dirty="0" smtClean="0"/>
-              <a:t>|+|S</a:t>
-            </a:r>
-            <a:r>
-              <a:rPr lang="en-US" sz="2600" b="0" dirty="0" smtClean="0"/>
-              <a:t>|)</a:t>
-            </a:r>
-            <a:r>
-              <a:rPr lang="en-US" sz="2600" b="0" dirty="0" smtClean="0"/>
-              <a:t> </a:t>
-            </a:r>
-            <a:r>
-              <a:rPr lang="en-US" sz="2600" b="0" dirty="0" smtClean="0"/>
-              <a:t>+ </a:t>
-            </a:r>
-            <a:r>
-              <a:rPr lang="en-US" sz="2600" b="0" dirty="0" smtClean="0"/>
-              <a:t>|E|</a:t>
+              <a:t>O((k(|V|+|S|) + |E|</a:t>
             </a:r>
             <a:r>
               <a:rPr lang="en-US" sz="2600" b="0" baseline="30000" dirty="0" smtClean="0"/>
@@ -17588,11 +17554,7 @@
             </a:r>
             <a:r>
               <a:rPr lang="en-US" sz="2600" b="0" dirty="0" smtClean="0"/>
-              <a:t>).|T|.|R|.|S|.|</a:t>
-            </a:r>
-            <a:r>
-              <a:rPr lang="en-US" sz="2600" b="0" dirty="0" smtClean="0"/>
-              <a:t>I|).</a:t>
+              <a:t>).|T|.|R|.|S|.|I|).</a:t>
             </a:r>
           </a:p>
           <a:p>
@@ -17600,33 +17562,86 @@
               <a:buNone/>
             </a:pPr>
             <a:r>
+              <a:rPr lang="en-US" sz="2600" dirty="0" smtClean="0"/>
+              <a:t>|</a:t>
+            </a:r>
+            <a:r>
+              <a:rPr lang="en-US" sz="2600" dirty="0" smtClean="0"/>
+              <a:t>T</a:t>
+            </a:r>
+            <a:r>
+              <a:rPr lang="en-US" sz="2600" dirty="0" smtClean="0"/>
+              <a:t>|, </a:t>
+            </a:r>
+            <a:r>
+              <a:rPr lang="en-US" sz="2600" dirty="0" smtClean="0"/>
+              <a:t>|R|, |S|, |I|, |</a:t>
+            </a:r>
+            <a:r>
+              <a:rPr lang="en-US" sz="2600" dirty="0" smtClean="0"/>
+              <a:t>E|: </a:t>
+            </a:r>
+            <a:r>
               <a:rPr lang="en-US" sz="2600" b="0" dirty="0" smtClean="0"/>
-              <a:t>with |T|, |R|, |S|, |I</a:t>
+              <a:t>number </a:t>
             </a:r>
             <a:r>
               <a:rPr lang="en-US" sz="2600" b="0" dirty="0" smtClean="0"/>
-              <a:t>|, |E| </a:t>
+              <a:t>of </a:t>
+            </a:r>
+            <a:r>
+              <a:rPr lang="en-US" sz="2600" i="1" dirty="0" smtClean="0"/>
+              <a:t>trips</a:t>
             </a:r>
             <a:r>
               <a:rPr lang="en-US" sz="2600" b="0" dirty="0" smtClean="0"/>
-              <a:t>are number of trips, routes, </a:t>
+              <a:t>, </a:t>
+            </a:r>
+            <a:r>
+              <a:rPr lang="en-US" sz="2600" i="1" dirty="0" smtClean="0"/>
+              <a:t>routes</a:t>
             </a:r>
             <a:r>
               <a:rPr lang="en-US" sz="2600" b="0" dirty="0" smtClean="0"/>
-              <a:t>stages, requests and length of found path.</a:t>
+              <a:t>, </a:t>
+            </a:r>
+            <a:r>
+              <a:rPr lang="en-US" sz="2600" i="1" dirty="0" smtClean="0"/>
+              <a:t>stages</a:t>
+            </a:r>
+            <a:r>
+              <a:rPr lang="en-US" sz="2600" b="0" dirty="0" smtClean="0"/>
+              <a:t>, </a:t>
+            </a:r>
+            <a:r>
+              <a:rPr lang="en-US" sz="2600" i="1" dirty="0" smtClean="0"/>
+              <a:t>requests</a:t>
+            </a:r>
+            <a:r>
+              <a:rPr lang="en-US" sz="2600" b="0" dirty="0" smtClean="0"/>
+              <a:t> and </a:t>
+            </a:r>
+            <a:r>
+              <a:rPr lang="en-US" sz="2600" i="1" dirty="0" smtClean="0"/>
+              <a:t>length of found path</a:t>
+            </a:r>
+            <a:r>
+              <a:rPr lang="en-US" sz="2600" b="0" dirty="0" smtClean="0"/>
+              <a:t>.</a:t>
             </a:r>
           </a:p>
           <a:p>
-            <a:pPr marL="0" indent="0">
-              <a:buNone/>
-            </a:pPr>
             <a:r>
               <a:rPr lang="en-US" sz="2600" b="0" dirty="0" smtClean="0"/>
-              <a:t>With the </a:t>
+              <a:t>With </a:t>
             </a:r>
             <a:r>
               <a:rPr lang="en-US" sz="2600" i="1" dirty="0" smtClean="0"/>
-              <a:t>normal data </a:t>
+              <a:t>normal </a:t>
+            </a:r>
+            <a:r>
+              <a:rPr lang="en-US" sz="2600" i="1" dirty="0" smtClean="0"/>
+              <a:t>data </a:t>
             </a:r>
             <a:r>
               <a:rPr lang="en-US" sz="2600" b="0" dirty="0" smtClean="0"/>
@@ -17638,15 +17653,46 @@
             </a:r>
             <a:r>
               <a:rPr lang="en-US" sz="2600" b="0" dirty="0" smtClean="0"/>
-              <a:t> ~ 500), the complexity is O(2.10</a:t>
-            </a:r>
-            <a:r>
-              <a:rPr lang="en-US" sz="2600" b="0" baseline="30000" dirty="0" smtClean="0"/>
+              <a:t> ~ 500), </a:t>
+            </a:r>
+            <a:r>
+              <a:rPr lang="en-US" sz="2600" b="0" dirty="0" smtClean="0"/>
+              <a:t>the </a:t>
+            </a:r>
+            <a:r>
+              <a:rPr lang="en-US" sz="2600" i="1" dirty="0" smtClean="0"/>
+              <a:t>complexity</a:t>
+            </a:r>
+            <a:r>
+              <a:rPr lang="en-US" sz="2600" b="0" dirty="0" smtClean="0"/>
+              <a:t> is </a:t>
+            </a:r>
+            <a:r>
+              <a:rPr lang="en-US" sz="2600" dirty="0" smtClean="0"/>
+              <a:t>O(2.10</a:t>
+            </a:r>
+            <a:r>
+              <a:rPr lang="en-US" sz="2600" baseline="30000" dirty="0" smtClean="0"/>
               <a:t>8</a:t>
             </a:r>
             <a:r>
+              <a:rPr lang="en-US" sz="2600" dirty="0" smtClean="0"/>
+              <a:t>|I</a:t>
+            </a:r>
+            <a:r>
+              <a:rPr lang="en-US" sz="2600" dirty="0" smtClean="0"/>
+              <a:t>|)</a:t>
+            </a:r>
+            <a:r>
               <a:rPr lang="en-US" sz="2600" b="0" dirty="0" smtClean="0"/>
-              <a:t>|I|). The </a:t>
+              <a:t>. </a:t>
+            </a:r>
+            <a:endParaRPr lang="en-US" sz="2600" b="0" dirty="0" smtClean="0"/>
+          </a:p>
+          <a:p>
+            <a:r>
+              <a:rPr lang="en-US" sz="2600" b="0" dirty="0" smtClean="0"/>
+              <a:t>The </a:t>
             </a:r>
             <a:r>
               <a:rPr lang="en-US" sz="2600" i="1" dirty="0" smtClean="0"/>
@@ -17656,7 +17702,6 @@
               <a:rPr lang="en-US" sz="2600" b="0" dirty="0" smtClean="0"/>
               <a:t> need to run is 1-5s.</a:t>
             </a:r>
-            <a:endParaRPr lang="en-US" sz="2600" b="0" dirty="0" smtClean="0"/>
           </a:p>
         </p:txBody>
       </p:sp>
@@ -25761,15 +25806,7 @@
                   <a:srgbClr val="7030A0"/>
                 </a:solidFill>
               </a:rPr>
-              <a:t>07 May </a:t>
-            </a:r>
-            <a:r>
-              <a:rPr lang="en-US" dirty="0" smtClean="0">
-                <a:solidFill>
-                  <a:srgbClr val="7030A0"/>
-                </a:solidFill>
-              </a:rPr>
-              <a:t>2014</a:t>
+              <a:t>07 May 2014</a:t>
             </a:r>
             <a:endParaRPr lang="en-US" dirty="0">
               <a:solidFill>
@@ -29119,11 +29156,7 @@
             </a:r>
             <a:r>
               <a:rPr lang="en-US" sz="2400" b="0" dirty="0" smtClean="0"/>
-              <a:t> </a:t>
-            </a:r>
-            <a:r>
-              <a:rPr lang="en-US" sz="2400" b="0" dirty="0" smtClean="0"/>
-              <a:t>these </a:t>
+              <a:t> these </a:t>
             </a:r>
             <a:r>
               <a:rPr lang="en-US" sz="2400" i="1" dirty="0" smtClean="0"/>
@@ -29139,13 +29172,8 @@
             </a:r>
             <a:r>
               <a:rPr lang="en-US" sz="2400" b="0" dirty="0" smtClean="0"/>
-              <a:t> about: volume, </a:t>
-            </a:r>
-            <a:r>
-              <a:rPr lang="en-US" sz="2400" b="0" dirty="0" smtClean="0"/>
-              <a:t>time,… to get maximum revenue.</a:t>
-            </a:r>
-            <a:endParaRPr lang="en-US" sz="2400" b="0" dirty="0" smtClean="0"/>
+              <a:t> about: volume, time,… to get maximum revenue.</a:t>
+            </a:r>
           </a:p>
           <a:p>
             <a:pPr marL="0" indent="0">

--- a/iDeliver presentation.pptx
+++ b/iDeliver presentation.pptx
@@ -5,10 +5,10 @@
     <p:sldMasterId id="2147483660" r:id="rId1"/>
   </p:sldMasterIdLst>
   <p:notesMasterIdLst>
-    <p:notesMasterId r:id="rId20"/>
+    <p:notesMasterId r:id="rId16"/>
   </p:notesMasterIdLst>
   <p:handoutMasterIdLst>
-    <p:handoutMasterId r:id="rId21"/>
+    <p:handoutMasterId r:id="rId17"/>
   </p:handoutMasterIdLst>
   <p:sldIdLst>
     <p:sldId id="283" r:id="rId2"/>
@@ -20,15 +20,11 @@
     <p:sldId id="276" r:id="rId8"/>
     <p:sldId id="259" r:id="rId9"/>
     <p:sldId id="260" r:id="rId10"/>
-    <p:sldId id="262" r:id="rId11"/>
-    <p:sldId id="261" r:id="rId12"/>
-    <p:sldId id="263" r:id="rId13"/>
-    <p:sldId id="265" r:id="rId14"/>
-    <p:sldId id="278" r:id="rId15"/>
-    <p:sldId id="279" r:id="rId16"/>
-    <p:sldId id="277" r:id="rId17"/>
-    <p:sldId id="280" r:id="rId18"/>
-    <p:sldId id="281" r:id="rId19"/>
+    <p:sldId id="278" r:id="rId11"/>
+    <p:sldId id="279" r:id="rId12"/>
+    <p:sldId id="277" r:id="rId13"/>
+    <p:sldId id="280" r:id="rId14"/>
+    <p:sldId id="281" r:id="rId15"/>
   </p:sldIdLst>
   <p:sldSz cx="9144000" cy="6858000" type="screen4x3"/>
   <p:notesSz cx="6858000" cy="9144000"/>
@@ -2883,22 +2879,22 @@
     </dgm:pt>
   </dgm:ptLst>
   <dgm:cxnLst>
+    <dgm:cxn modelId="{8FC5C53C-E0D2-4D9E-921A-D5BAB0691AEA}" type="presOf" srcId="{F15AB5BC-20EB-4896-ACF0-5A5E624E7B6C}" destId="{2122FC3D-9D7C-4674-9A64-60A76FF473D7}" srcOrd="1" destOrd="0" presId="urn:microsoft.com/office/officeart/2005/8/layout/list1"/>
+    <dgm:cxn modelId="{F872DC09-BB93-40DD-AC2E-02BB8F8E24F7}" type="presOf" srcId="{50966B18-8F4F-4052-89F9-B48790BD2367}" destId="{F8B1D1CA-F8B8-4CF2-850D-8A08A6D43348}" srcOrd="0" destOrd="0" presId="urn:microsoft.com/office/officeart/2005/8/layout/list1"/>
+    <dgm:cxn modelId="{895819B1-9F28-4D90-ACDF-9FE810992A71}" srcId="{EDC7A38C-A6DB-4DC5-A689-39ECF460C6EE}" destId="{F3861C03-805D-46DF-A473-53653EFDEFAC}" srcOrd="0" destOrd="0" parTransId="{FDEF765C-797E-4575-A57A-62FC58C0DBBD}" sibTransId="{4B94263F-AE36-49BA-90BC-B9C0A3836F11}"/>
+    <dgm:cxn modelId="{491C81F4-6429-47C7-A66F-7BFF0E79B08D}" type="presOf" srcId="{4EF90078-E6E6-4945-AFF6-3CE122D73B62}" destId="{E2681A2F-F14D-4CA1-AED2-F51532E386C0}" srcOrd="1" destOrd="0" presId="urn:microsoft.com/office/officeart/2005/8/layout/list1"/>
+    <dgm:cxn modelId="{62A679E3-6E81-49B3-9E2D-5E7AB7AFAAB0}" srcId="{EDC7A38C-A6DB-4DC5-A689-39ECF460C6EE}" destId="{F15AB5BC-20EB-4896-ACF0-5A5E624E7B6C}" srcOrd="1" destOrd="0" parTransId="{D72D90E7-2791-440A-BD7C-BF567269DBF7}" sibTransId="{491206DF-53A9-45C6-A28A-60F01CAC4067}"/>
+    <dgm:cxn modelId="{75735154-E353-4CB6-A313-260C53D45645}" type="presOf" srcId="{50966B18-8F4F-4052-89F9-B48790BD2367}" destId="{7AA6AE93-8789-4D56-BCEC-D6B55D847325}" srcOrd="1" destOrd="0" presId="urn:microsoft.com/office/officeart/2005/8/layout/list1"/>
+    <dgm:cxn modelId="{E9E9A78E-3D06-4434-9596-2811CFE08B6F}" type="presOf" srcId="{4EF90078-E6E6-4945-AFF6-3CE122D73B62}" destId="{5C8FE5E1-884F-412E-A725-A291A47A8E59}" srcOrd="0" destOrd="0" presId="urn:microsoft.com/office/officeart/2005/8/layout/list1"/>
+    <dgm:cxn modelId="{B939CA61-FB1E-4148-98F6-EABDDE961BD5}" srcId="{EDC7A38C-A6DB-4DC5-A689-39ECF460C6EE}" destId="{50966B18-8F4F-4052-89F9-B48790BD2367}" srcOrd="2" destOrd="0" parTransId="{C781F25A-CB4B-44C1-A33E-F87A8D09F246}" sibTransId="{5D4359EE-B0D4-4E7C-8140-B2A89C1D7FF5}"/>
     <dgm:cxn modelId="{D511B19E-2229-41BF-A87F-557FEE21CBCC}" type="presOf" srcId="{EDC7A38C-A6DB-4DC5-A689-39ECF460C6EE}" destId="{12349A56-4627-47C6-95E1-59A3763AA6E1}" srcOrd="0" destOrd="0" presId="urn:microsoft.com/office/officeart/2005/8/layout/list1"/>
+    <dgm:cxn modelId="{B6DE7BDF-0007-4DDE-B412-4B6F0561ED64}" type="presOf" srcId="{2511DA9D-D953-4E88-85D7-486DCAA95676}" destId="{1B03F452-E806-41D8-9F69-D88626BB3B32}" srcOrd="0" destOrd="0" presId="urn:microsoft.com/office/officeart/2005/8/layout/list1"/>
     <dgm:cxn modelId="{E9ECDBE4-4B3F-4965-BC46-77193A10C313}" type="presOf" srcId="{F15AB5BC-20EB-4896-ACF0-5A5E624E7B6C}" destId="{ED16CCA2-3479-4C2F-9EE1-3E315BF03D68}" srcOrd="0" destOrd="0" presId="urn:microsoft.com/office/officeart/2005/8/layout/list1"/>
-    <dgm:cxn modelId="{EADFDE52-5B58-4A6D-AB10-BDF6EB79B1DE}" type="presOf" srcId="{F3861C03-805D-46DF-A473-53653EFDEFAC}" destId="{F5161C34-E6C6-424C-AFB0-D1DCB70063F9}" srcOrd="0" destOrd="0" presId="urn:microsoft.com/office/officeart/2005/8/layout/list1"/>
-    <dgm:cxn modelId="{B939CA61-FB1E-4148-98F6-EABDDE961BD5}" srcId="{EDC7A38C-A6DB-4DC5-A689-39ECF460C6EE}" destId="{50966B18-8F4F-4052-89F9-B48790BD2367}" srcOrd="2" destOrd="0" parTransId="{C781F25A-CB4B-44C1-A33E-F87A8D09F246}" sibTransId="{5D4359EE-B0D4-4E7C-8140-B2A89C1D7FF5}"/>
-    <dgm:cxn modelId="{895819B1-9F28-4D90-ACDF-9FE810992A71}" srcId="{EDC7A38C-A6DB-4DC5-A689-39ECF460C6EE}" destId="{F3861C03-805D-46DF-A473-53653EFDEFAC}" srcOrd="0" destOrd="0" parTransId="{FDEF765C-797E-4575-A57A-62FC58C0DBBD}" sibTransId="{4B94263F-AE36-49BA-90BC-B9C0A3836F11}"/>
-    <dgm:cxn modelId="{8FC5C53C-E0D2-4D9E-921A-D5BAB0691AEA}" type="presOf" srcId="{F15AB5BC-20EB-4896-ACF0-5A5E624E7B6C}" destId="{2122FC3D-9D7C-4674-9A64-60A76FF473D7}" srcOrd="1" destOrd="0" presId="urn:microsoft.com/office/officeart/2005/8/layout/list1"/>
-    <dgm:cxn modelId="{E9E9A78E-3D06-4434-9596-2811CFE08B6F}" type="presOf" srcId="{4EF90078-E6E6-4945-AFF6-3CE122D73B62}" destId="{5C8FE5E1-884F-412E-A725-A291A47A8E59}" srcOrd="0" destOrd="0" presId="urn:microsoft.com/office/officeart/2005/8/layout/list1"/>
-    <dgm:cxn modelId="{491C81F4-6429-47C7-A66F-7BFF0E79B08D}" type="presOf" srcId="{4EF90078-E6E6-4945-AFF6-3CE122D73B62}" destId="{E2681A2F-F14D-4CA1-AED2-F51532E386C0}" srcOrd="1" destOrd="0" presId="urn:microsoft.com/office/officeart/2005/8/layout/list1"/>
     <dgm:cxn modelId="{ACA434B3-DE1A-47D9-A07E-3EE677AE4A87}" type="presOf" srcId="{F3861C03-805D-46DF-A473-53653EFDEFAC}" destId="{4BCFC962-7C53-4C3E-A79A-F8EA1F40FB77}" srcOrd="1" destOrd="0" presId="urn:microsoft.com/office/officeart/2005/8/layout/list1"/>
-    <dgm:cxn modelId="{62A679E3-6E81-49B3-9E2D-5E7AB7AFAAB0}" srcId="{EDC7A38C-A6DB-4DC5-A689-39ECF460C6EE}" destId="{F15AB5BC-20EB-4896-ACF0-5A5E624E7B6C}" srcOrd="1" destOrd="0" parTransId="{D72D90E7-2791-440A-BD7C-BF567269DBF7}" sibTransId="{491206DF-53A9-45C6-A28A-60F01CAC4067}"/>
-    <dgm:cxn modelId="{C012B5AC-4085-426B-BA31-5E62062BF963}" srcId="{EDC7A38C-A6DB-4DC5-A689-39ECF460C6EE}" destId="{4EF90078-E6E6-4945-AFF6-3CE122D73B62}" srcOrd="3" destOrd="0" parTransId="{09C9B5E1-25C3-4E5E-AD04-49DF3B553086}" sibTransId="{AE2A650F-D5C1-43DF-9F83-849BA50274C2}"/>
-    <dgm:cxn modelId="{75735154-E353-4CB6-A313-260C53D45645}" type="presOf" srcId="{50966B18-8F4F-4052-89F9-B48790BD2367}" destId="{7AA6AE93-8789-4D56-BCEC-D6B55D847325}" srcOrd="1" destOrd="0" presId="urn:microsoft.com/office/officeart/2005/8/layout/list1"/>
-    <dgm:cxn modelId="{B6DE7BDF-0007-4DDE-B412-4B6F0561ED64}" type="presOf" srcId="{2511DA9D-D953-4E88-85D7-486DCAA95676}" destId="{1B03F452-E806-41D8-9F69-D88626BB3B32}" srcOrd="0" destOrd="0" presId="urn:microsoft.com/office/officeart/2005/8/layout/list1"/>
-    <dgm:cxn modelId="{F872DC09-BB93-40DD-AC2E-02BB8F8E24F7}" type="presOf" srcId="{50966B18-8F4F-4052-89F9-B48790BD2367}" destId="{F8B1D1CA-F8B8-4CF2-850D-8A08A6D43348}" srcOrd="0" destOrd="0" presId="urn:microsoft.com/office/officeart/2005/8/layout/list1"/>
     <dgm:cxn modelId="{6A8FF732-B4B4-4D17-AEEF-1FC21937469E}" type="presOf" srcId="{2511DA9D-D953-4E88-85D7-486DCAA95676}" destId="{A2F44CA5-7572-4B10-8094-A7E02486FABF}" srcOrd="1" destOrd="0" presId="urn:microsoft.com/office/officeart/2005/8/layout/list1"/>
     <dgm:cxn modelId="{443A4200-1FAC-4F0C-AB59-DBDB9E58150F}" srcId="{EDC7A38C-A6DB-4DC5-A689-39ECF460C6EE}" destId="{2511DA9D-D953-4E88-85D7-486DCAA95676}" srcOrd="4" destOrd="0" parTransId="{FFC15986-DDEE-40E7-86E3-050BDF619BE7}" sibTransId="{87DF7139-E210-4101-AEDE-4DE92254736F}"/>
+    <dgm:cxn modelId="{C012B5AC-4085-426B-BA31-5E62062BF963}" srcId="{EDC7A38C-A6DB-4DC5-A689-39ECF460C6EE}" destId="{4EF90078-E6E6-4945-AFF6-3CE122D73B62}" srcOrd="3" destOrd="0" parTransId="{09C9B5E1-25C3-4E5E-AD04-49DF3B553086}" sibTransId="{AE2A650F-D5C1-43DF-9F83-849BA50274C2}"/>
+    <dgm:cxn modelId="{EADFDE52-5B58-4A6D-AB10-BDF6EB79B1DE}" type="presOf" srcId="{F3861C03-805D-46DF-A473-53653EFDEFAC}" destId="{F5161C34-E6C6-424C-AFB0-D1DCB70063F9}" srcOrd="0" destOrd="0" presId="urn:microsoft.com/office/officeart/2005/8/layout/list1"/>
     <dgm:cxn modelId="{A5C55C8A-FE5F-4D8D-9361-332699CFA204}" type="presParOf" srcId="{12349A56-4627-47C6-95E1-59A3763AA6E1}" destId="{4C00E976-8666-4597-95C1-88AFE21BB0A3}" srcOrd="0" destOrd="0" presId="urn:microsoft.com/office/officeart/2005/8/layout/list1"/>
     <dgm:cxn modelId="{AF596160-38EF-493E-AD36-5132F7C884BA}" type="presParOf" srcId="{4C00E976-8666-4597-95C1-88AFE21BB0A3}" destId="{F5161C34-E6C6-424C-AFB0-D1DCB70063F9}" srcOrd="0" destOrd="0" presId="urn:microsoft.com/office/officeart/2005/8/layout/list1"/>
     <dgm:cxn modelId="{2EC1E1E5-E010-4D2F-8E22-1F399244BCDA}" type="presParOf" srcId="{4C00E976-8666-4597-95C1-88AFE21BB0A3}" destId="{4BCFC962-7C53-4C3E-A79A-F8EA1F40FB77}" srcOrd="1" destOrd="0" presId="urn:microsoft.com/office/officeart/2005/8/layout/list1"/>
@@ -10867,7 +10863,7 @@
           <a:p>
             <a:fld id="{8CF011AB-31B9-4FEE-9201-64BC297EEACF}" type="datetimeFigureOut">
               <a:rPr lang="en-US" smtClean="0"/>
-              <a:t>5/6/2014</a:t>
+              <a:t>5/28/2014</a:t>
             </a:fld>
             <a:endParaRPr lang="en-US"/>
           </a:p>
@@ -11033,7 +11029,7 @@
           <a:p>
             <a:fld id="{EEB917EA-0A47-475B-9CE2-61BBD17C3321}" type="datetimeFigureOut">
               <a:rPr lang="en-US" smtClean="0"/>
-              <a:t>5/6/2014</a:t>
+              <a:t>5/28/2014</a:t>
             </a:fld>
             <a:endParaRPr lang="en-US"/>
           </a:p>
@@ -13580,7 +13576,7 @@
           <a:graphicData uri="http://schemas.openxmlformats.org/presentationml/2006/ole">
             <mc:AlternateContent xmlns:mc="http://schemas.openxmlformats.org/markup-compatibility/2006">
               <mc:Choice xmlns:v="urn:schemas-microsoft-com:vml" Requires="v">
-                <p:oleObj spid="_x0000_s2518" name="Image" r:id="rId15" imgW="6311111" imgH="1155148" progId="">
+                <p:oleObj spid="_x0000_s2579" name="Image" r:id="rId15" imgW="6311111" imgH="1155148" progId="">
                   <p:embed/>
                 </p:oleObj>
               </mc:Choice>
@@ -15035,2854 +15031,6 @@
           <a:p>
             <a:r>
               <a:rPr lang="en-US" sz="3000" b="1" dirty="0" smtClean="0"/>
-              <a:t>Three main steps</a:t>
-            </a:r>
-            <a:endParaRPr lang="en-US" sz="3000" b="1" dirty="0"/>
-          </a:p>
-        </p:txBody>
-      </p:sp>
-      <p:sp>
-        <p:nvSpPr>
-          <p:cNvPr id="3" name="Content Placeholder 2"/>
-          <p:cNvSpPr>
-            <a:spLocks noGrp="1"/>
-          </p:cNvSpPr>
-          <p:nvPr>
-            <p:ph idx="1"/>
-          </p:nvPr>
-        </p:nvSpPr>
-        <p:spPr>
-          <a:xfrm>
-            <a:off x="228600" y="1600200"/>
-            <a:ext cx="8763000" cy="3940175"/>
-          </a:xfrm>
-        </p:spPr>
-        <p:txBody>
-          <a:bodyPr/>
-          <a:lstStyle/>
-          <a:p>
-            <a:pPr algn="just">
-              <a:buFont typeface="Courier New" pitchFamily="49" charset="0"/>
-              <a:buChar char="o"/>
-            </a:pPr>
-            <a:r>
-              <a:rPr lang="en-US" sz="2700" dirty="0" smtClean="0"/>
-              <a:t>Step 1</a:t>
-            </a:r>
-            <a:r>
-              <a:rPr lang="en-US" sz="2700" b="0" dirty="0" smtClean="0"/>
-              <a:t>: check if request can be delivered on </a:t>
-            </a:r>
-            <a:r>
-              <a:rPr lang="en-US" sz="2700" dirty="0" smtClean="0"/>
-              <a:t>one trip </a:t>
-            </a:r>
-            <a:r>
-              <a:rPr lang="en-US" sz="2700" b="0" dirty="0" smtClean="0"/>
-              <a:t>starts at A and end at B.</a:t>
-            </a:r>
-          </a:p>
-          <a:p>
-            <a:pPr algn="just">
-              <a:buFont typeface="Courier New" pitchFamily="49" charset="0"/>
-              <a:buChar char="o"/>
-            </a:pPr>
-            <a:r>
-              <a:rPr lang="en-US" sz="2700" dirty="0" smtClean="0"/>
-              <a:t>Step 2</a:t>
-            </a:r>
-            <a:r>
-              <a:rPr lang="en-US" sz="2700" b="0" dirty="0" smtClean="0"/>
-              <a:t>: </a:t>
-            </a:r>
-            <a:r>
-              <a:rPr lang="en-US" sz="2700" b="0" dirty="0"/>
-              <a:t>check if request </a:t>
-            </a:r>
-            <a:r>
-              <a:rPr lang="en-US" sz="2700" b="0" dirty="0" smtClean="0"/>
-              <a:t>can be delivered by </a:t>
-            </a:r>
-            <a:r>
-              <a:rPr lang="en-US" sz="2700" dirty="0" smtClean="0"/>
-              <a:t>multiple trips </a:t>
-            </a:r>
-            <a:r>
-              <a:rPr lang="en-US" sz="2700" b="0" dirty="0" smtClean="0"/>
-              <a:t>that starts/ends at stations of the found way.</a:t>
-            </a:r>
-          </a:p>
-          <a:p>
-            <a:pPr algn="just">
-              <a:buFont typeface="Courier New" pitchFamily="49" charset="0"/>
-              <a:buChar char="o"/>
-            </a:pPr>
-            <a:r>
-              <a:rPr lang="en-US" sz="2700" dirty="0" smtClean="0"/>
-              <a:t>Step 3</a:t>
-            </a:r>
-            <a:r>
-              <a:rPr lang="en-US" sz="2700" b="0" dirty="0" smtClean="0"/>
-              <a:t>: </a:t>
-            </a:r>
-            <a:r>
-              <a:rPr lang="en-US" sz="2700" b="0" dirty="0"/>
-              <a:t>check if request can be delivered by </a:t>
-            </a:r>
-            <a:r>
-              <a:rPr lang="en-US" sz="2700" dirty="0" smtClean="0"/>
-              <a:t>multiple trips</a:t>
-            </a:r>
-            <a:r>
-              <a:rPr lang="en-US" sz="2700" b="0" dirty="0" smtClean="0"/>
-              <a:t> and its may be </a:t>
-            </a:r>
-            <a:r>
-              <a:rPr lang="en-US" sz="2700" dirty="0" smtClean="0"/>
-              <a:t>transferred at middle of way</a:t>
-            </a:r>
-            <a:r>
-              <a:rPr lang="en-US" sz="2700" b="0" dirty="0" smtClean="0"/>
-              <a:t>.</a:t>
-            </a:r>
-            <a:endParaRPr lang="en-US" sz="2700" b="0" dirty="0"/>
-          </a:p>
-        </p:txBody>
-      </p:sp>
-      <p:pic>
-        <p:nvPicPr>
-          <p:cNvPr id="12290" name="Picture 2" descr="C:\Users\Le Phuc Lu\Desktop\Capture.PNG"/>
-          <p:cNvPicPr>
-            <a:picLocks noChangeAspect="1" noChangeArrowheads="1"/>
-          </p:cNvPicPr>
-          <p:nvPr/>
-        </p:nvPicPr>
-        <p:blipFill>
-          <a:blip r:embed="rId2">
-            <a:extLst>
-              <a:ext uri="{28A0092B-C50C-407E-A947-70E740481C1C}">
-                <a14:useLocalDpi xmlns:a14="http://schemas.microsoft.com/office/drawing/2010/main" val="0"/>
-              </a:ext>
-            </a:extLst>
-          </a:blip>
-          <a:srcRect/>
-          <a:stretch>
-            <a:fillRect/>
-          </a:stretch>
-        </p:blipFill>
-        <p:spPr bwMode="auto">
-          <a:xfrm>
-            <a:off x="7086600" y="6616906"/>
-            <a:ext cx="1676400" cy="238125"/>
-          </a:xfrm>
-          <a:prstGeom prst="rect">
-            <a:avLst/>
-          </a:prstGeom>
-          <a:noFill/>
-          <a:extLst>
-            <a:ext uri="{909E8E84-426E-40DD-AFC4-6F175D3DCCD1}">
-              <a14:hiddenFill xmlns:a14="http://schemas.microsoft.com/office/drawing/2010/main">
-                <a:solidFill>
-                  <a:srgbClr val="FFFFFF"/>
-                </a:solidFill>
-              </a14:hiddenFill>
-            </a:ext>
-          </a:extLst>
-        </p:spPr>
-      </p:pic>
-      <p:pic>
-        <p:nvPicPr>
-          <p:cNvPr id="5" name="Picture 3" descr="C:\Users\Le Phuc Lu\Desktop\1.PNG"/>
-          <p:cNvPicPr>
-            <a:picLocks noChangeAspect="1" noChangeArrowheads="1"/>
-          </p:cNvPicPr>
-          <p:nvPr/>
-        </p:nvPicPr>
-        <p:blipFill>
-          <a:blip r:embed="rId3">
-            <a:extLst>
-              <a:ext uri="{28A0092B-C50C-407E-A947-70E740481C1C}">
-                <a14:useLocalDpi xmlns:a14="http://schemas.microsoft.com/office/drawing/2010/main" val="0"/>
-              </a:ext>
-            </a:extLst>
-          </a:blip>
-          <a:srcRect/>
-          <a:stretch>
-            <a:fillRect/>
-          </a:stretch>
-        </p:blipFill>
-        <p:spPr bwMode="auto">
-          <a:xfrm>
-            <a:off x="6858000" y="0"/>
-            <a:ext cx="1828800" cy="217410"/>
-          </a:xfrm>
-          <a:prstGeom prst="rect">
-            <a:avLst/>
-          </a:prstGeom>
-          <a:noFill/>
-          <a:extLst>
-            <a:ext uri="{909E8E84-426E-40DD-AFC4-6F175D3DCCD1}">
-              <a14:hiddenFill xmlns:a14="http://schemas.microsoft.com/office/drawing/2010/main">
-                <a:solidFill>
-                  <a:srgbClr val="FFFFFF"/>
-                </a:solidFill>
-              </a14:hiddenFill>
-            </a:ext>
-          </a:extLst>
-        </p:spPr>
-      </p:pic>
-      <p:sp>
-        <p:nvSpPr>
-          <p:cNvPr id="6" name="Oval 5"/>
-          <p:cNvSpPr/>
-          <p:nvPr/>
-        </p:nvSpPr>
-        <p:spPr>
-          <a:xfrm>
-            <a:off x="8077200" y="6324600"/>
-            <a:ext cx="990600" cy="457200"/>
-          </a:xfrm>
-          <a:prstGeom prst="ellipse">
-            <a:avLst/>
-          </a:prstGeom>
-        </p:spPr>
-        <p:style>
-          <a:lnRef idx="0">
-            <a:schemeClr val="accent1"/>
-          </a:lnRef>
-          <a:fillRef idx="3">
-            <a:schemeClr val="accent1"/>
-          </a:fillRef>
-          <a:effectRef idx="3">
-            <a:schemeClr val="accent1"/>
-          </a:effectRef>
-          <a:fontRef idx="minor">
-            <a:schemeClr val="lt1"/>
-          </a:fontRef>
-        </p:style>
-        <p:txBody>
-          <a:bodyPr rtlCol="0" anchor="ctr"/>
-          <a:lstStyle/>
-          <a:p>
-            <a:pPr algn="ctr"/>
-            <a:r>
-              <a:rPr lang="en-US" sz="2000" b="1" dirty="0" smtClean="0"/>
-              <a:t>10</a:t>
-            </a:r>
-            <a:endParaRPr lang="en-US" sz="2000" b="1" dirty="0"/>
-          </a:p>
-        </p:txBody>
-      </p:sp>
-    </p:spTree>
-    <p:extLst>
-      <p:ext uri="{BB962C8B-B14F-4D97-AF65-F5344CB8AC3E}">
-        <p14:creationId xmlns:p14="http://schemas.microsoft.com/office/powerpoint/2010/main" val="3429110719"/>
-      </p:ext>
-    </p:extLst>
-  </p:cSld>
-  <p:clrMapOvr>
-    <a:masterClrMapping/>
-  </p:clrMapOvr>
-  <p:timing>
-    <p:tnLst>
-      <p:par>
-        <p:cTn id="1" dur="indefinite" restart="never" nodeType="tmRoot"/>
-      </p:par>
-    </p:tnLst>
-  </p:timing>
-</p:sld>
-</file>
-
-<file path=ppt/slides/slide11.xml><?xml version="1.0" encoding="utf-8"?>
-<p:sld xmlns:a="http://schemas.openxmlformats.org/drawingml/2006/main" xmlns:r="http://schemas.openxmlformats.org/officeDocument/2006/relationships" xmlns:p="http://schemas.openxmlformats.org/presentationml/2006/main">
-  <p:cSld>
-    <p:spTree>
-      <p:nvGrpSpPr>
-        <p:cNvPr id="1" name=""/>
-        <p:cNvGrpSpPr/>
-        <p:nvPr/>
-      </p:nvGrpSpPr>
-      <p:grpSpPr>
-        <a:xfrm>
-          <a:off x="0" y="0"/>
-          <a:ext cx="0" cy="0"/>
-          <a:chOff x="0" y="0"/>
-          <a:chExt cx="0" cy="0"/>
-        </a:xfrm>
-      </p:grpSpPr>
-      <p:sp>
-        <p:nvSpPr>
-          <p:cNvPr id="2" name="Title 1"/>
-          <p:cNvSpPr>
-            <a:spLocks noGrp="1"/>
-          </p:cNvSpPr>
-          <p:nvPr>
-            <p:ph type="title"/>
-          </p:nvPr>
-        </p:nvSpPr>
-        <p:spPr/>
-        <p:txBody>
-          <a:bodyPr/>
-          <a:lstStyle/>
-          <a:p>
-            <a:r>
-              <a:rPr lang="en-US" sz="3200" b="1" dirty="0" smtClean="0"/>
-              <a:t>Find path</a:t>
-            </a:r>
-            <a:endParaRPr lang="en-US" sz="3200" b="1" dirty="0"/>
-          </a:p>
-        </p:txBody>
-      </p:sp>
-      <p:sp>
-        <p:nvSpPr>
-          <p:cNvPr id="3" name="Content Placeholder 2"/>
-          <p:cNvSpPr>
-            <a:spLocks noGrp="1"/>
-          </p:cNvSpPr>
-          <p:nvPr>
-            <p:ph idx="1"/>
-          </p:nvPr>
-        </p:nvSpPr>
-        <p:spPr>
-          <a:xfrm>
-            <a:off x="457200" y="1393825"/>
-            <a:ext cx="8458200" cy="4930775"/>
-          </a:xfrm>
-        </p:spPr>
-        <p:txBody>
-          <a:bodyPr/>
-          <a:lstStyle/>
-          <a:p>
-            <a:pPr marL="0" indent="0">
-              <a:buNone/>
-            </a:pPr>
-            <a:r>
-              <a:rPr lang="en-US" sz="2600" b="0" dirty="0" smtClean="0"/>
-              <a:t>Find ways:</a:t>
-            </a:r>
-          </a:p>
-          <a:p>
-            <a:pPr algn="just">
-              <a:buFontTx/>
-              <a:buChar char="-"/>
-            </a:pPr>
-            <a:r>
-              <a:rPr lang="en-US" sz="2600" b="0" dirty="0" smtClean="0"/>
-              <a:t>Build </a:t>
-            </a:r>
-            <a:r>
-              <a:rPr lang="en-US" sz="2600" dirty="0" smtClean="0"/>
-              <a:t>graph</a:t>
-            </a:r>
-            <a:r>
-              <a:rPr lang="en-US" sz="2600" b="0" dirty="0"/>
-              <a:t> </a:t>
-            </a:r>
-            <a:r>
-              <a:rPr lang="en-US" sz="2600" b="0" dirty="0" smtClean="0"/>
-              <a:t>G=(V, E) and use </a:t>
-            </a:r>
-            <a:r>
-              <a:rPr lang="en-US" sz="2600" i="1" dirty="0" smtClean="0"/>
-              <a:t>breath first     </a:t>
-            </a:r>
-          </a:p>
-          <a:p>
-            <a:pPr marL="0" indent="0" algn="just">
-              <a:buNone/>
-            </a:pPr>
-            <a:r>
-              <a:rPr lang="en-US" sz="2600" i="1" dirty="0"/>
-              <a:t> </a:t>
-            </a:r>
-            <a:r>
-              <a:rPr lang="en-US" sz="2600" i="1" dirty="0" smtClean="0"/>
-              <a:t>  search </a:t>
-            </a:r>
-            <a:r>
-              <a:rPr lang="en-US" sz="2600" b="0" dirty="0" smtClean="0"/>
-              <a:t>algorithm to find </a:t>
-            </a:r>
-            <a:r>
-              <a:rPr lang="en-US" sz="2600" i="1" dirty="0" smtClean="0"/>
-              <a:t>some ways</a:t>
-            </a:r>
-            <a:r>
-              <a:rPr lang="en-US" sz="2600" b="0" dirty="0" smtClean="0"/>
-              <a:t>.</a:t>
-            </a:r>
-          </a:p>
-          <a:p>
-            <a:pPr>
-              <a:buFontTx/>
-              <a:buChar char="-"/>
-            </a:pPr>
-            <a:r>
-              <a:rPr lang="en-US" sz="2600" b="0" dirty="0" smtClean="0"/>
-              <a:t>For each way, </a:t>
-            </a:r>
-            <a:r>
-              <a:rPr lang="en-US" sz="2600" i="1" dirty="0" smtClean="0"/>
-              <a:t>check the direction </a:t>
-            </a:r>
-            <a:r>
-              <a:rPr lang="en-US" sz="2600" b="0" dirty="0" smtClean="0"/>
-              <a:t>is not backward base on the </a:t>
-            </a:r>
-            <a:r>
-              <a:rPr lang="en-US" sz="2600" i="1" dirty="0" smtClean="0"/>
-              <a:t>longitude</a:t>
-            </a:r>
-            <a:r>
-              <a:rPr lang="en-US" sz="2600" b="0" dirty="0" smtClean="0"/>
-              <a:t> and </a:t>
-            </a:r>
-            <a:r>
-              <a:rPr lang="en-US" sz="2600" i="1" dirty="0" smtClean="0"/>
-              <a:t>latitude</a:t>
-            </a:r>
-            <a:r>
-              <a:rPr lang="en-US" sz="2600" b="0" dirty="0" smtClean="0"/>
-              <a:t> of stations. </a:t>
-            </a:r>
-            <a:endParaRPr lang="en-US" sz="2600" b="0" dirty="0"/>
-          </a:p>
-        </p:txBody>
-      </p:sp>
-      <p:cxnSp>
-        <p:nvCxnSpPr>
-          <p:cNvPr id="5" name="Straight Arrow Connector 4"/>
-          <p:cNvCxnSpPr/>
-          <p:nvPr/>
-        </p:nvCxnSpPr>
-        <p:spPr>
-          <a:xfrm flipV="1">
-            <a:off x="685800" y="6044045"/>
-            <a:ext cx="1828800" cy="419100"/>
-          </a:xfrm>
-          <a:prstGeom prst="straightConnector1">
-            <a:avLst/>
-          </a:prstGeom>
-          <a:ln>
-            <a:tailEnd type="arrow"/>
-          </a:ln>
-        </p:spPr>
-        <p:style>
-          <a:lnRef idx="1">
-            <a:schemeClr val="accent1"/>
-          </a:lnRef>
-          <a:fillRef idx="0">
-            <a:schemeClr val="accent1"/>
-          </a:fillRef>
-          <a:effectRef idx="0">
-            <a:schemeClr val="accent1"/>
-          </a:effectRef>
-          <a:fontRef idx="minor">
-            <a:schemeClr val="tx1"/>
-          </a:fontRef>
-        </p:style>
-      </p:cxnSp>
-      <p:cxnSp>
-        <p:nvCxnSpPr>
-          <p:cNvPr id="7" name="Straight Arrow Connector 6"/>
-          <p:cNvCxnSpPr/>
-          <p:nvPr/>
-        </p:nvCxnSpPr>
-        <p:spPr>
-          <a:xfrm flipV="1">
-            <a:off x="2514600" y="5167745"/>
-            <a:ext cx="1295400" cy="876300"/>
-          </a:xfrm>
-          <a:prstGeom prst="straightConnector1">
-            <a:avLst/>
-          </a:prstGeom>
-          <a:ln>
-            <a:solidFill>
-              <a:srgbClr val="FF0000"/>
-            </a:solidFill>
-            <a:tailEnd type="arrow"/>
-          </a:ln>
-        </p:spPr>
-        <p:style>
-          <a:lnRef idx="1">
-            <a:schemeClr val="accent1"/>
-          </a:lnRef>
-          <a:fillRef idx="0">
-            <a:schemeClr val="accent1"/>
-          </a:fillRef>
-          <a:effectRef idx="0">
-            <a:schemeClr val="accent1"/>
-          </a:effectRef>
-          <a:fontRef idx="minor">
-            <a:schemeClr val="tx1"/>
-          </a:fontRef>
-        </p:style>
-      </p:cxnSp>
-      <p:cxnSp>
-        <p:nvCxnSpPr>
-          <p:cNvPr id="8" name="Straight Arrow Connector 7"/>
-          <p:cNvCxnSpPr/>
-          <p:nvPr/>
-        </p:nvCxnSpPr>
-        <p:spPr>
-          <a:xfrm flipV="1">
-            <a:off x="5791200" y="4724400"/>
-            <a:ext cx="1524000" cy="838200"/>
-          </a:xfrm>
-          <a:prstGeom prst="straightConnector1">
-            <a:avLst/>
-          </a:prstGeom>
-          <a:ln>
-            <a:tailEnd type="arrow"/>
-          </a:ln>
-        </p:spPr>
-        <p:style>
-          <a:lnRef idx="1">
-            <a:schemeClr val="accent1"/>
-          </a:lnRef>
-          <a:fillRef idx="0">
-            <a:schemeClr val="accent1"/>
-          </a:fillRef>
-          <a:effectRef idx="0">
-            <a:schemeClr val="accent1"/>
-          </a:effectRef>
-          <a:fontRef idx="minor">
-            <a:schemeClr val="tx1"/>
-          </a:fontRef>
-        </p:style>
-      </p:cxnSp>
-      <p:cxnSp>
-        <p:nvCxnSpPr>
-          <p:cNvPr id="9" name="Straight Arrow Connector 8"/>
-          <p:cNvCxnSpPr/>
-          <p:nvPr/>
-        </p:nvCxnSpPr>
-        <p:spPr>
-          <a:xfrm flipH="1">
-            <a:off x="6248400" y="4724400"/>
-            <a:ext cx="1066800" cy="1447800"/>
-          </a:xfrm>
-          <a:prstGeom prst="straightConnector1">
-            <a:avLst/>
-          </a:prstGeom>
-          <a:ln>
-            <a:solidFill>
-              <a:srgbClr val="FF0000"/>
-            </a:solidFill>
-            <a:tailEnd type="arrow"/>
-          </a:ln>
-        </p:spPr>
-        <p:style>
-          <a:lnRef idx="1">
-            <a:schemeClr val="accent1"/>
-          </a:lnRef>
-          <a:fillRef idx="0">
-            <a:schemeClr val="accent1"/>
-          </a:fillRef>
-          <a:effectRef idx="0">
-            <a:schemeClr val="accent1"/>
-          </a:effectRef>
-          <a:fontRef idx="minor">
-            <a:schemeClr val="tx1"/>
-          </a:fontRef>
-        </p:style>
-      </p:cxnSp>
-      <p:sp>
-        <p:nvSpPr>
-          <p:cNvPr id="4" name="Rectangle 2"/>
-          <p:cNvSpPr>
-            <a:spLocks noChangeArrowheads="1"/>
-          </p:cNvSpPr>
-          <p:nvPr/>
-        </p:nvSpPr>
-        <p:spPr bwMode="auto">
-          <a:xfrm>
-            <a:off x="0" y="0"/>
-            <a:ext cx="9144000" cy="457200"/>
-          </a:xfrm>
-          <a:prstGeom prst="rect">
-            <a:avLst/>
-          </a:prstGeom>
-          <a:noFill/>
-          <a:ln>
-            <a:noFill/>
-          </a:ln>
-          <a:effectLst/>
-          <a:extLst>
-            <a:ext uri="{909E8E84-426E-40DD-AFC4-6F175D3DCCD1}">
-              <a14:hiddenFill xmlns:a14="http://schemas.microsoft.com/office/drawing/2010/main">
-                <a:solidFill>
-                  <a:schemeClr val="accent1"/>
-                </a:solidFill>
-              </a14:hiddenFill>
-            </a:ext>
-            <a:ext uri="{91240B29-F687-4F45-9708-019B960494DF}">
-              <a14:hiddenLine xmlns:a14="http://schemas.microsoft.com/office/drawing/2010/main" w="9525">
-                <a:solidFill>
-                  <a:schemeClr val="tx1"/>
-                </a:solidFill>
-                <a:miter lim="800000"/>
-                <a:headEnd/>
-                <a:tailEnd/>
-              </a14:hiddenLine>
-            </a:ext>
-            <a:ext uri="{AF507438-7753-43E0-B8FC-AC1667EBCBE1}">
-              <a14:hiddenEffects xmlns:a14="http://schemas.microsoft.com/office/drawing/2010/main">
-                <a:effectLst>
-                  <a:outerShdw dist="35921" dir="2700000" algn="ctr" rotWithShape="0">
-                    <a:schemeClr val="bg2"/>
-                  </a:outerShdw>
-                </a:effectLst>
-              </a14:hiddenEffects>
-            </a:ext>
-          </a:extLst>
-        </p:spPr>
-        <p:txBody>
-          <a:bodyPr vert="horz" wrap="none" lIns="91440" tIns="45720" rIns="91440" bIns="45720" numCol="1" anchor="ctr" anchorCtr="0" compatLnSpc="1">
-            <a:prstTxWarp prst="textNoShape">
-              <a:avLst/>
-            </a:prstTxWarp>
-            <a:spAutoFit/>
-          </a:bodyPr>
-          <a:lstStyle/>
-          <a:p>
-            <a:endParaRPr lang="en-US"/>
-          </a:p>
-        </p:txBody>
-      </p:sp>
-      <p:pic>
-        <p:nvPicPr>
-          <p:cNvPr id="4201" name="Picture 105" descr="C:\Users\Le Phuc Lu\Desktop\Capture.PNG"/>
-          <p:cNvPicPr>
-            <a:picLocks noChangeAspect="1" noChangeArrowheads="1"/>
-          </p:cNvPicPr>
-          <p:nvPr/>
-        </p:nvPicPr>
-        <p:blipFill>
-          <a:blip r:embed="rId2">
-            <a:extLst>
-              <a:ext uri="{28A0092B-C50C-407E-A947-70E740481C1C}">
-                <a14:useLocalDpi xmlns:a14="http://schemas.microsoft.com/office/drawing/2010/main" val="0"/>
-              </a:ext>
-            </a:extLst>
-          </a:blip>
-          <a:srcRect/>
-          <a:stretch>
-            <a:fillRect/>
-          </a:stretch>
-        </p:blipFill>
-        <p:spPr bwMode="auto">
-          <a:xfrm>
-            <a:off x="7010400" y="6569405"/>
-            <a:ext cx="1676400" cy="238125"/>
-          </a:xfrm>
-          <a:prstGeom prst="rect">
-            <a:avLst/>
-          </a:prstGeom>
-          <a:noFill/>
-          <a:extLst>
-            <a:ext uri="{909E8E84-426E-40DD-AFC4-6F175D3DCCD1}">
-              <a14:hiddenFill xmlns:a14="http://schemas.microsoft.com/office/drawing/2010/main">
-                <a:solidFill>
-                  <a:srgbClr val="FFFFFF"/>
-                </a:solidFill>
-              </a14:hiddenFill>
-            </a:ext>
-          </a:extLst>
-        </p:spPr>
-      </p:pic>
-      <p:pic>
-        <p:nvPicPr>
-          <p:cNvPr id="11" name="Picture 3" descr="C:\Users\Le Phuc Lu\Desktop\1.PNG"/>
-          <p:cNvPicPr>
-            <a:picLocks noChangeAspect="1" noChangeArrowheads="1"/>
-          </p:cNvPicPr>
-          <p:nvPr/>
-        </p:nvPicPr>
-        <p:blipFill>
-          <a:blip r:embed="rId3">
-            <a:extLst>
-              <a:ext uri="{28A0092B-C50C-407E-A947-70E740481C1C}">
-                <a14:useLocalDpi xmlns:a14="http://schemas.microsoft.com/office/drawing/2010/main" val="0"/>
-              </a:ext>
-            </a:extLst>
-          </a:blip>
-          <a:srcRect/>
-          <a:stretch>
-            <a:fillRect/>
-          </a:stretch>
-        </p:blipFill>
-        <p:spPr bwMode="auto">
-          <a:xfrm>
-            <a:off x="6858000" y="0"/>
-            <a:ext cx="1828800" cy="217410"/>
-          </a:xfrm>
-          <a:prstGeom prst="rect">
-            <a:avLst/>
-          </a:prstGeom>
-          <a:noFill/>
-          <a:extLst>
-            <a:ext uri="{909E8E84-426E-40DD-AFC4-6F175D3DCCD1}">
-              <a14:hiddenFill xmlns:a14="http://schemas.microsoft.com/office/drawing/2010/main">
-                <a:solidFill>
-                  <a:srgbClr val="FFFFFF"/>
-                </a:solidFill>
-              </a14:hiddenFill>
-            </a:ext>
-          </a:extLst>
-        </p:spPr>
-      </p:pic>
-      <p:sp>
-        <p:nvSpPr>
-          <p:cNvPr id="12" name="Oval 11"/>
-          <p:cNvSpPr/>
-          <p:nvPr/>
-        </p:nvSpPr>
-        <p:spPr>
-          <a:xfrm>
-            <a:off x="8077200" y="6324600"/>
-            <a:ext cx="990600" cy="457200"/>
-          </a:xfrm>
-          <a:prstGeom prst="ellipse">
-            <a:avLst/>
-          </a:prstGeom>
-        </p:spPr>
-        <p:style>
-          <a:lnRef idx="0">
-            <a:schemeClr val="accent1"/>
-          </a:lnRef>
-          <a:fillRef idx="3">
-            <a:schemeClr val="accent1"/>
-          </a:fillRef>
-          <a:effectRef idx="3">
-            <a:schemeClr val="accent1"/>
-          </a:effectRef>
-          <a:fontRef idx="minor">
-            <a:schemeClr val="lt1"/>
-          </a:fontRef>
-        </p:style>
-        <p:txBody>
-          <a:bodyPr rtlCol="0" anchor="ctr"/>
-          <a:lstStyle/>
-          <a:p>
-            <a:pPr algn="ctr"/>
-            <a:r>
-              <a:rPr lang="en-US" sz="2000" b="1" dirty="0"/>
-              <a:t>9</a:t>
-            </a:r>
-          </a:p>
-        </p:txBody>
-      </p:sp>
-    </p:spTree>
-    <p:extLst>
-      <p:ext uri="{BB962C8B-B14F-4D97-AF65-F5344CB8AC3E}">
-        <p14:creationId xmlns:p14="http://schemas.microsoft.com/office/powerpoint/2010/main" val="1617263826"/>
-      </p:ext>
-    </p:extLst>
-  </p:cSld>
-  <p:clrMapOvr>
-    <a:masterClrMapping/>
-  </p:clrMapOvr>
-  <p:timing>
-    <p:tnLst>
-      <p:par>
-        <p:cTn id="1" dur="indefinite" restart="never" nodeType="tmRoot">
-          <p:childTnLst>
-            <p:seq concurrent="1" nextAc="seek">
-              <p:cTn id="2" dur="indefinite" nodeType="mainSeq">
-                <p:childTnLst>
-                  <p:par>
-                    <p:cTn id="3" fill="hold">
-                      <p:stCondLst>
-                        <p:cond delay="indefinite"/>
-                      </p:stCondLst>
-                      <p:childTnLst>
-                        <p:par>
-                          <p:cTn id="4" fill="hold">
-                            <p:stCondLst>
-                              <p:cond delay="0"/>
-                            </p:stCondLst>
-                            <p:childTnLst>
-                              <p:par>
-                                <p:cTn id="5" presetID="56" presetClass="path" presetSubtype="0" accel="50000" decel="50000" fill="hold" nodeType="clickEffect">
-                                  <p:stCondLst>
-                                    <p:cond delay="0"/>
-                                  </p:stCondLst>
-                                  <p:childTnLst>
-                                    <p:animMotion origin="layout" path="M 0.10833 -0.03403 L 0.21667 -0.06737 " pathEditMode="relative" rAng="0" ptsTypes="AA">
-                                      <p:cBhvr>
-                                        <p:cTn id="6" dur="2000" fill="hold"/>
-                                        <p:tgtEl>
-                                          <p:spTgt spid="5"/>
-                                        </p:tgtEl>
-                                        <p:attrNameLst>
-                                          <p:attrName>ppt_x</p:attrName>
-                                          <p:attrName>ppt_y</p:attrName>
-                                        </p:attrNameLst>
-                                      </p:cBhvr>
-                                      <p:rCtr x="5417" y="-1667"/>
-                                    </p:animMotion>
-                                  </p:childTnLst>
-                                </p:cTn>
-                              </p:par>
-                            </p:childTnLst>
-                          </p:cTn>
-                        </p:par>
-                      </p:childTnLst>
-                    </p:cTn>
-                  </p:par>
-                  <p:par>
-                    <p:cTn id="7" fill="hold">
-                      <p:stCondLst>
-                        <p:cond delay="indefinite"/>
-                      </p:stCondLst>
-                      <p:childTnLst>
-                        <p:par>
-                          <p:cTn id="8" fill="hold">
-                            <p:stCondLst>
-                              <p:cond delay="0"/>
-                            </p:stCondLst>
-                            <p:childTnLst>
-                              <p:par>
-                                <p:cTn id="9" presetID="56" presetClass="path" presetSubtype="0" accel="50000" decel="50000" fill="hold" nodeType="clickEffect">
-                                  <p:stCondLst>
-                                    <p:cond delay="0"/>
-                                  </p:stCondLst>
-                                  <p:childTnLst>
-                                    <p:animMotion origin="layout" path="M 0.00833 -0.01111 L 0.16666 -0.12778 " pathEditMode="relative" rAng="0" ptsTypes="AA">
-                                      <p:cBhvr>
-                                        <p:cTn id="10" dur="2000" fill="hold"/>
-                                        <p:tgtEl>
-                                          <p:spTgt spid="8"/>
-                                        </p:tgtEl>
-                                        <p:attrNameLst>
-                                          <p:attrName>ppt_x</p:attrName>
-                                          <p:attrName>ppt_y</p:attrName>
-                                        </p:attrNameLst>
-                                      </p:cBhvr>
-                                      <p:rCtr x="7917" y="-5833"/>
-                                    </p:animMotion>
-                                  </p:childTnLst>
-                                </p:cTn>
-                              </p:par>
-                            </p:childTnLst>
-                          </p:cTn>
-                        </p:par>
-                      </p:childTnLst>
-                    </p:cTn>
-                  </p:par>
-                </p:childTnLst>
-              </p:cTn>
-              <p:prevCondLst>
-                <p:cond evt="onPrev" delay="0">
-                  <p:tgtEl>
-                    <p:sldTgt/>
-                  </p:tgtEl>
-                </p:cond>
-              </p:prevCondLst>
-              <p:nextCondLst>
-                <p:cond evt="onNext" delay="0">
-                  <p:tgtEl>
-                    <p:sldTgt/>
-                  </p:tgtEl>
-                </p:cond>
-              </p:nextCondLst>
-            </p:seq>
-          </p:childTnLst>
-        </p:cTn>
-      </p:par>
-    </p:tnLst>
-  </p:timing>
-</p:sld>
-</file>
-
-<file path=ppt/slides/slide12.xml><?xml version="1.0" encoding="utf-8"?>
-<p:sld xmlns:a="http://schemas.openxmlformats.org/drawingml/2006/main" xmlns:r="http://schemas.openxmlformats.org/officeDocument/2006/relationships" xmlns:p="http://schemas.openxmlformats.org/presentationml/2006/main">
-  <p:cSld>
-    <p:spTree>
-      <p:nvGrpSpPr>
-        <p:cNvPr id="1" name=""/>
-        <p:cNvGrpSpPr/>
-        <p:nvPr/>
-      </p:nvGrpSpPr>
-      <p:grpSpPr>
-        <a:xfrm>
-          <a:off x="0" y="0"/>
-          <a:ext cx="0" cy="0"/>
-          <a:chOff x="0" y="0"/>
-          <a:chExt cx="0" cy="0"/>
-        </a:xfrm>
-      </p:grpSpPr>
-      <p:sp>
-        <p:nvSpPr>
-          <p:cNvPr id="2" name="Title 1"/>
-          <p:cNvSpPr>
-            <a:spLocks noGrp="1"/>
-          </p:cNvSpPr>
-          <p:nvPr>
-            <p:ph type="title"/>
-          </p:nvPr>
-        </p:nvSpPr>
-        <p:spPr/>
-        <p:txBody>
-          <a:bodyPr/>
-          <a:lstStyle/>
-          <a:p>
-            <a:r>
-              <a:rPr lang="en-US" sz="3200" b="1" dirty="0" smtClean="0"/>
-              <a:t>Find routes and trips</a:t>
-            </a:r>
-            <a:endParaRPr lang="en-US" sz="3200" b="1" dirty="0"/>
-          </a:p>
-        </p:txBody>
-      </p:sp>
-      <p:sp>
-        <p:nvSpPr>
-          <p:cNvPr id="3" name="Content Placeholder 2"/>
-          <p:cNvSpPr>
-            <a:spLocks noGrp="1"/>
-          </p:cNvSpPr>
-          <p:nvPr>
-            <p:ph idx="1"/>
-          </p:nvPr>
-        </p:nvSpPr>
-        <p:spPr>
-          <a:xfrm>
-            <a:off x="263236" y="1393825"/>
-            <a:ext cx="8499764" cy="3406775"/>
-          </a:xfrm>
-        </p:spPr>
-        <p:txBody>
-          <a:bodyPr/>
-          <a:lstStyle/>
-          <a:p>
-            <a:pPr marL="0" indent="0" algn="just">
-              <a:buNone/>
-            </a:pPr>
-            <a:r>
-              <a:rPr lang="en-US" sz="2700" b="0" dirty="0" smtClean="0"/>
-              <a:t>Using heuristic idea, try to find:</a:t>
-            </a:r>
-          </a:p>
-          <a:p>
-            <a:pPr>
-              <a:buFont typeface="Wingdings" pitchFamily="2" charset="2"/>
-              <a:buChar char="§"/>
-            </a:pPr>
-            <a:r>
-              <a:rPr lang="en-US" sz="2700" i="1" dirty="0" smtClean="0"/>
-              <a:t>One route </a:t>
-            </a:r>
-            <a:r>
-              <a:rPr lang="en-US" sz="2700" b="0" dirty="0" smtClean="0"/>
-              <a:t>for </a:t>
-            </a:r>
-            <a:r>
-              <a:rPr lang="en-US" sz="2700" b="0" dirty="0"/>
-              <a:t>whole way</a:t>
-            </a:r>
-            <a:r>
-              <a:rPr lang="en-US" sz="2700" b="0" dirty="0" smtClean="0"/>
-              <a:t>.</a:t>
-            </a:r>
-          </a:p>
-          <a:p>
-            <a:pPr>
-              <a:buFont typeface="Wingdings" pitchFamily="2" charset="2"/>
-              <a:buChar char="§"/>
-            </a:pPr>
-            <a:r>
-              <a:rPr lang="en-US" sz="2700" i="1" dirty="0" smtClean="0"/>
-              <a:t>One route </a:t>
-            </a:r>
-            <a:r>
-              <a:rPr lang="en-US" sz="2700" b="0" dirty="0" smtClean="0"/>
-              <a:t>for </a:t>
-            </a:r>
-            <a:r>
-              <a:rPr lang="en-US" sz="2700" i="1" dirty="0" smtClean="0"/>
-              <a:t>each stages </a:t>
-            </a:r>
-            <a:r>
-              <a:rPr lang="en-US" sz="2700" b="0" dirty="0" smtClean="0"/>
-              <a:t>of way.</a:t>
-            </a:r>
-          </a:p>
-          <a:p>
-            <a:pPr>
-              <a:buFont typeface="Wingdings" pitchFamily="2" charset="2"/>
-              <a:buChar char="§"/>
-            </a:pPr>
-            <a:r>
-              <a:rPr lang="en-US" sz="2700" i="1" dirty="0" smtClean="0"/>
-              <a:t>Two/three/four routes </a:t>
-            </a:r>
-            <a:r>
-              <a:rPr lang="en-US" sz="2700" b="0" dirty="0" smtClean="0"/>
-              <a:t>for whole way.</a:t>
-            </a:r>
-          </a:p>
-          <a:p>
-            <a:pPr marL="0" indent="0" algn="just">
-              <a:buNone/>
-            </a:pPr>
-            <a:r>
-              <a:rPr lang="en-US" sz="2700" b="0" dirty="0" smtClean="0"/>
-              <a:t>With each list routes, </a:t>
-            </a:r>
-            <a:r>
-              <a:rPr lang="en-US" sz="2700" i="1" dirty="0" smtClean="0"/>
-              <a:t>find trips </a:t>
-            </a:r>
-            <a:r>
-              <a:rPr lang="en-US" sz="2700" b="0" dirty="0" smtClean="0"/>
-              <a:t>for each route and if satisfy all constraints, store as a solution.</a:t>
-            </a:r>
-          </a:p>
-        </p:txBody>
-      </p:sp>
-      <p:sp>
-        <p:nvSpPr>
-          <p:cNvPr id="4" name="Oval 3"/>
-          <p:cNvSpPr/>
-          <p:nvPr/>
-        </p:nvSpPr>
-        <p:spPr>
-          <a:xfrm>
-            <a:off x="457200" y="5486400"/>
-            <a:ext cx="762000" cy="685800"/>
-          </a:xfrm>
-          <a:prstGeom prst="ellipse">
-            <a:avLst/>
-          </a:prstGeom>
-        </p:spPr>
-        <p:style>
-          <a:lnRef idx="2">
-            <a:schemeClr val="accent1">
-              <a:shade val="50000"/>
-            </a:schemeClr>
-          </a:lnRef>
-          <a:fillRef idx="1">
-            <a:schemeClr val="accent1"/>
-          </a:fillRef>
-          <a:effectRef idx="0">
-            <a:schemeClr val="accent1"/>
-          </a:effectRef>
-          <a:fontRef idx="minor">
-            <a:schemeClr val="lt1"/>
-          </a:fontRef>
-        </p:style>
-        <p:txBody>
-          <a:bodyPr rtlCol="0" anchor="ctr"/>
-          <a:lstStyle/>
-          <a:p>
-            <a:pPr algn="ctr"/>
-            <a:r>
-              <a:rPr lang="en-US" dirty="0" smtClean="0"/>
-              <a:t>A</a:t>
-            </a:r>
-            <a:endParaRPr lang="en-US" dirty="0"/>
-          </a:p>
-        </p:txBody>
-      </p:sp>
-      <p:sp>
-        <p:nvSpPr>
-          <p:cNvPr id="5" name="Oval 4"/>
-          <p:cNvSpPr/>
-          <p:nvPr/>
-        </p:nvSpPr>
-        <p:spPr>
-          <a:xfrm>
-            <a:off x="2209800" y="5638800"/>
-            <a:ext cx="762000" cy="685800"/>
-          </a:xfrm>
-          <a:prstGeom prst="ellipse">
-            <a:avLst/>
-          </a:prstGeom>
-        </p:spPr>
-        <p:style>
-          <a:lnRef idx="2">
-            <a:schemeClr val="accent1">
-              <a:shade val="50000"/>
-            </a:schemeClr>
-          </a:lnRef>
-          <a:fillRef idx="1">
-            <a:schemeClr val="accent1"/>
-          </a:fillRef>
-          <a:effectRef idx="0">
-            <a:schemeClr val="accent1"/>
-          </a:effectRef>
-          <a:fontRef idx="minor">
-            <a:schemeClr val="lt1"/>
-          </a:fontRef>
-        </p:style>
-        <p:txBody>
-          <a:bodyPr rtlCol="0" anchor="ctr"/>
-          <a:lstStyle/>
-          <a:p>
-            <a:pPr algn="ctr"/>
-            <a:r>
-              <a:rPr lang="en-US" dirty="0"/>
-              <a:t>B</a:t>
-            </a:r>
-          </a:p>
-        </p:txBody>
-      </p:sp>
-      <p:sp>
-        <p:nvSpPr>
-          <p:cNvPr id="6" name="Oval 5"/>
-          <p:cNvSpPr/>
-          <p:nvPr/>
-        </p:nvSpPr>
-        <p:spPr>
-          <a:xfrm>
-            <a:off x="4128655" y="5181600"/>
-            <a:ext cx="762000" cy="685800"/>
-          </a:xfrm>
-          <a:prstGeom prst="ellipse">
-            <a:avLst/>
-          </a:prstGeom>
-        </p:spPr>
-        <p:style>
-          <a:lnRef idx="2">
-            <a:schemeClr val="accent1">
-              <a:shade val="50000"/>
-            </a:schemeClr>
-          </a:lnRef>
-          <a:fillRef idx="1">
-            <a:schemeClr val="accent1"/>
-          </a:fillRef>
-          <a:effectRef idx="0">
-            <a:schemeClr val="accent1"/>
-          </a:effectRef>
-          <a:fontRef idx="minor">
-            <a:schemeClr val="lt1"/>
-          </a:fontRef>
-        </p:style>
-        <p:txBody>
-          <a:bodyPr rtlCol="0" anchor="ctr"/>
-          <a:lstStyle/>
-          <a:p>
-            <a:pPr algn="ctr"/>
-            <a:r>
-              <a:rPr lang="en-US" dirty="0"/>
-              <a:t>C</a:t>
-            </a:r>
-          </a:p>
-        </p:txBody>
-      </p:sp>
-      <p:sp>
-        <p:nvSpPr>
-          <p:cNvPr id="7" name="Oval 6"/>
-          <p:cNvSpPr/>
-          <p:nvPr/>
-        </p:nvSpPr>
-        <p:spPr>
-          <a:xfrm>
-            <a:off x="6019800" y="5638800"/>
-            <a:ext cx="762000" cy="685800"/>
-          </a:xfrm>
-          <a:prstGeom prst="ellipse">
-            <a:avLst/>
-          </a:prstGeom>
-        </p:spPr>
-        <p:style>
-          <a:lnRef idx="2">
-            <a:schemeClr val="accent1">
-              <a:shade val="50000"/>
-            </a:schemeClr>
-          </a:lnRef>
-          <a:fillRef idx="1">
-            <a:schemeClr val="accent1"/>
-          </a:fillRef>
-          <a:effectRef idx="0">
-            <a:schemeClr val="accent1"/>
-          </a:effectRef>
-          <a:fontRef idx="minor">
-            <a:schemeClr val="lt1"/>
-          </a:fontRef>
-        </p:style>
-        <p:txBody>
-          <a:bodyPr rtlCol="0" anchor="ctr"/>
-          <a:lstStyle/>
-          <a:p>
-            <a:pPr algn="ctr"/>
-            <a:r>
-              <a:rPr lang="en-US" dirty="0"/>
-              <a:t>D</a:t>
-            </a:r>
-          </a:p>
-        </p:txBody>
-      </p:sp>
-      <p:sp>
-        <p:nvSpPr>
-          <p:cNvPr id="8" name="Oval 7"/>
-          <p:cNvSpPr/>
-          <p:nvPr/>
-        </p:nvSpPr>
-        <p:spPr>
-          <a:xfrm>
-            <a:off x="8001000" y="5150427"/>
-            <a:ext cx="762000" cy="685800"/>
-          </a:xfrm>
-          <a:prstGeom prst="ellipse">
-            <a:avLst/>
-          </a:prstGeom>
-        </p:spPr>
-        <p:style>
-          <a:lnRef idx="2">
-            <a:schemeClr val="accent1">
-              <a:shade val="50000"/>
-            </a:schemeClr>
-          </a:lnRef>
-          <a:fillRef idx="1">
-            <a:schemeClr val="accent1"/>
-          </a:fillRef>
-          <a:effectRef idx="0">
-            <a:schemeClr val="accent1"/>
-          </a:effectRef>
-          <a:fontRef idx="minor">
-            <a:schemeClr val="lt1"/>
-          </a:fontRef>
-        </p:style>
-        <p:txBody>
-          <a:bodyPr rtlCol="0" anchor="ctr"/>
-          <a:lstStyle/>
-          <a:p>
-            <a:pPr algn="ctr"/>
-            <a:r>
-              <a:rPr lang="en-US" dirty="0"/>
-              <a:t>E</a:t>
-            </a:r>
-          </a:p>
-        </p:txBody>
-      </p:sp>
-      <p:sp>
-        <p:nvSpPr>
-          <p:cNvPr id="9" name="Freeform 8"/>
-          <p:cNvSpPr/>
-          <p:nvPr/>
-        </p:nvSpPr>
-        <p:spPr>
-          <a:xfrm>
-            <a:off x="983673" y="5472363"/>
-            <a:ext cx="7342909" cy="616813"/>
-          </a:xfrm>
-          <a:custGeom>
-            <a:avLst/>
-            <a:gdLst>
-              <a:gd name="connsiteX0" fmla="*/ 0 w 7342909"/>
-              <a:gd name="connsiteY0" fmla="*/ 277273 h 616813"/>
-              <a:gd name="connsiteX1" fmla="*/ 1634836 w 7342909"/>
-              <a:gd name="connsiteY1" fmla="*/ 609782 h 616813"/>
-              <a:gd name="connsiteX2" fmla="*/ 3629891 w 7342909"/>
-              <a:gd name="connsiteY2" fmla="*/ 182 h 616813"/>
-              <a:gd name="connsiteX3" fmla="*/ 5417127 w 7342909"/>
-              <a:gd name="connsiteY3" fmla="*/ 540510 h 616813"/>
-              <a:gd name="connsiteX4" fmla="*/ 7342909 w 7342909"/>
-              <a:gd name="connsiteY4" fmla="*/ 69455 h 616813"/>
-            </a:gdLst>
-            <a:ahLst/>
-            <a:cxnLst>
-              <a:cxn ang="0">
-                <a:pos x="connsiteX0" y="connsiteY0"/>
-              </a:cxn>
-              <a:cxn ang="0">
-                <a:pos x="connsiteX1" y="connsiteY1"/>
-              </a:cxn>
-              <a:cxn ang="0">
-                <a:pos x="connsiteX2" y="connsiteY2"/>
-              </a:cxn>
-              <a:cxn ang="0">
-                <a:pos x="connsiteX3" y="connsiteY3"/>
-              </a:cxn>
-              <a:cxn ang="0">
-                <a:pos x="connsiteX4" y="connsiteY4"/>
-              </a:cxn>
-            </a:cxnLst>
-            <a:rect l="l" t="t" r="r" b="b"/>
-            <a:pathLst>
-              <a:path w="7342909" h="616813">
-                <a:moveTo>
-                  <a:pt x="0" y="277273"/>
-                </a:moveTo>
-                <a:cubicBezTo>
-                  <a:pt x="514927" y="466618"/>
-                  <a:pt x="1029854" y="655964"/>
-                  <a:pt x="1634836" y="609782"/>
-                </a:cubicBezTo>
-                <a:cubicBezTo>
-                  <a:pt x="2239818" y="563600"/>
-                  <a:pt x="2999509" y="11727"/>
-                  <a:pt x="3629891" y="182"/>
-                </a:cubicBezTo>
-                <a:cubicBezTo>
-                  <a:pt x="4260273" y="-11363"/>
-                  <a:pt x="4798291" y="528965"/>
-                  <a:pt x="5417127" y="540510"/>
-                </a:cubicBezTo>
-                <a:cubicBezTo>
-                  <a:pt x="6035963" y="552056"/>
-                  <a:pt x="6689436" y="310755"/>
-                  <a:pt x="7342909" y="69455"/>
-                </a:cubicBezTo>
-              </a:path>
-            </a:pathLst>
-          </a:custGeom>
-          <a:ln>
-            <a:solidFill>
-              <a:srgbClr val="FF0000"/>
-            </a:solidFill>
-          </a:ln>
-        </p:spPr>
-        <p:style>
-          <a:lnRef idx="1">
-            <a:schemeClr val="accent1"/>
-          </a:lnRef>
-          <a:fillRef idx="0">
-            <a:schemeClr val="accent1"/>
-          </a:fillRef>
-          <a:effectRef idx="0">
-            <a:schemeClr val="accent1"/>
-          </a:effectRef>
-          <a:fontRef idx="minor">
-            <a:schemeClr val="tx1"/>
-          </a:fontRef>
-        </p:style>
-        <p:txBody>
-          <a:bodyPr rtlCol="0" anchor="ctr"/>
-          <a:lstStyle/>
-          <a:p>
-            <a:pPr algn="ctr"/>
-            <a:endParaRPr lang="en-US">
-              <a:solidFill>
-                <a:srgbClr val="FF0000"/>
-              </a:solidFill>
-            </a:endParaRPr>
-          </a:p>
-        </p:txBody>
-      </p:sp>
-      <p:cxnSp>
-        <p:nvCxnSpPr>
-          <p:cNvPr id="17" name="Straight Connector 16"/>
-          <p:cNvCxnSpPr>
-            <a:stCxn id="4" idx="5"/>
-          </p:cNvCxnSpPr>
-          <p:nvPr/>
-        </p:nvCxnSpPr>
-        <p:spPr>
-          <a:xfrm flipV="1">
-            <a:off x="1107608" y="5981700"/>
-            <a:ext cx="1483192" cy="90067"/>
-          </a:xfrm>
-          <a:prstGeom prst="line">
-            <a:avLst/>
-          </a:prstGeom>
-          <a:ln w="12700"/>
-        </p:spPr>
-        <p:style>
-          <a:lnRef idx="1">
-            <a:schemeClr val="accent1"/>
-          </a:lnRef>
-          <a:fillRef idx="0">
-            <a:schemeClr val="accent1"/>
-          </a:fillRef>
-          <a:effectRef idx="0">
-            <a:schemeClr val="accent1"/>
-          </a:effectRef>
-          <a:fontRef idx="minor">
-            <a:schemeClr val="tx1"/>
-          </a:fontRef>
-        </p:style>
-      </p:cxnSp>
-      <p:cxnSp>
-        <p:nvCxnSpPr>
-          <p:cNvPr id="20" name="Straight Connector 19"/>
-          <p:cNvCxnSpPr>
-            <a:stCxn id="5" idx="6"/>
-            <a:endCxn id="6" idx="2"/>
-          </p:cNvCxnSpPr>
-          <p:nvPr/>
-        </p:nvCxnSpPr>
-        <p:spPr>
-          <a:xfrm flipV="1">
-            <a:off x="2971800" y="5524500"/>
-            <a:ext cx="1156855" cy="457200"/>
-          </a:xfrm>
-          <a:prstGeom prst="line">
-            <a:avLst/>
-          </a:prstGeom>
-          <a:ln w="12700">
-            <a:solidFill>
-              <a:srgbClr val="7030A0"/>
-            </a:solidFill>
-          </a:ln>
-        </p:spPr>
-        <p:style>
-          <a:lnRef idx="1">
-            <a:schemeClr val="accent1"/>
-          </a:lnRef>
-          <a:fillRef idx="0">
-            <a:schemeClr val="accent1"/>
-          </a:fillRef>
-          <a:effectRef idx="0">
-            <a:schemeClr val="accent1"/>
-          </a:effectRef>
-          <a:fontRef idx="minor">
-            <a:schemeClr val="tx1"/>
-          </a:fontRef>
-        </p:style>
-      </p:cxnSp>
-      <p:cxnSp>
-        <p:nvCxnSpPr>
-          <p:cNvPr id="22" name="Straight Connector 21"/>
-          <p:cNvCxnSpPr>
-            <a:endCxn id="7" idx="2"/>
-          </p:cNvCxnSpPr>
-          <p:nvPr/>
-        </p:nvCxnSpPr>
-        <p:spPr>
-          <a:xfrm>
-            <a:off x="4890655" y="5472363"/>
-            <a:ext cx="1129145" cy="509337"/>
-          </a:xfrm>
-          <a:prstGeom prst="line">
-            <a:avLst/>
-          </a:prstGeom>
-          <a:ln w="12700">
-            <a:solidFill>
-              <a:srgbClr val="00B050"/>
-            </a:solidFill>
-          </a:ln>
-        </p:spPr>
-        <p:style>
-          <a:lnRef idx="1">
-            <a:schemeClr val="accent1"/>
-          </a:lnRef>
-          <a:fillRef idx="0">
-            <a:schemeClr val="accent1"/>
-          </a:fillRef>
-          <a:effectRef idx="0">
-            <a:schemeClr val="accent1"/>
-          </a:effectRef>
-          <a:fontRef idx="minor">
-            <a:schemeClr val="tx1"/>
-          </a:fontRef>
-        </p:style>
-      </p:cxnSp>
-      <p:cxnSp>
-        <p:nvCxnSpPr>
-          <p:cNvPr id="24" name="Straight Connector 23"/>
-          <p:cNvCxnSpPr>
-            <a:stCxn id="7" idx="7"/>
-            <a:endCxn id="8" idx="2"/>
-          </p:cNvCxnSpPr>
-          <p:nvPr/>
-        </p:nvCxnSpPr>
-        <p:spPr>
-          <a:xfrm flipV="1">
-            <a:off x="6670208" y="5493327"/>
-            <a:ext cx="1330792" cy="245906"/>
-          </a:xfrm>
-          <a:prstGeom prst="line">
-            <a:avLst/>
-          </a:prstGeom>
-          <a:ln w="12700">
-            <a:solidFill>
-              <a:srgbClr val="FFC000"/>
-            </a:solidFill>
-          </a:ln>
-        </p:spPr>
-        <p:style>
-          <a:lnRef idx="1">
-            <a:schemeClr val="accent1"/>
-          </a:lnRef>
-          <a:fillRef idx="0">
-            <a:schemeClr val="accent1"/>
-          </a:fillRef>
-          <a:effectRef idx="0">
-            <a:schemeClr val="accent1"/>
-          </a:effectRef>
-          <a:fontRef idx="minor">
-            <a:schemeClr val="tx1"/>
-          </a:fontRef>
-        </p:style>
-      </p:cxnSp>
-      <p:sp>
-        <p:nvSpPr>
-          <p:cNvPr id="25" name="Freeform 24"/>
-          <p:cNvSpPr/>
-          <p:nvPr/>
-        </p:nvSpPr>
-        <p:spPr>
-          <a:xfrm>
-            <a:off x="942109" y="5569527"/>
-            <a:ext cx="3532909" cy="568053"/>
-          </a:xfrm>
-          <a:custGeom>
-            <a:avLst/>
-            <a:gdLst>
-              <a:gd name="connsiteX0" fmla="*/ 0 w 3532909"/>
-              <a:gd name="connsiteY0" fmla="*/ 346364 h 568053"/>
-              <a:gd name="connsiteX1" fmla="*/ 1634836 w 3532909"/>
-              <a:gd name="connsiteY1" fmla="*/ 554182 h 568053"/>
-              <a:gd name="connsiteX2" fmla="*/ 3532909 w 3532909"/>
-              <a:gd name="connsiteY2" fmla="*/ 0 h 568053"/>
-            </a:gdLst>
-            <a:ahLst/>
-            <a:cxnLst>
-              <a:cxn ang="0">
-                <a:pos x="connsiteX0" y="connsiteY0"/>
-              </a:cxn>
-              <a:cxn ang="0">
-                <a:pos x="connsiteX1" y="connsiteY1"/>
-              </a:cxn>
-              <a:cxn ang="0">
-                <a:pos x="connsiteX2" y="connsiteY2"/>
-              </a:cxn>
-            </a:cxnLst>
-            <a:rect l="l" t="t" r="r" b="b"/>
-            <a:pathLst>
-              <a:path w="3532909" h="568053">
-                <a:moveTo>
-                  <a:pt x="0" y="346364"/>
-                </a:moveTo>
-                <a:cubicBezTo>
-                  <a:pt x="523009" y="479136"/>
-                  <a:pt x="1046018" y="611909"/>
-                  <a:pt x="1634836" y="554182"/>
-                </a:cubicBezTo>
-                <a:cubicBezTo>
-                  <a:pt x="2223654" y="496455"/>
-                  <a:pt x="2878281" y="248227"/>
-                  <a:pt x="3532909" y="0"/>
-                </a:cubicBezTo>
-              </a:path>
-            </a:pathLst>
-          </a:custGeom>
-          <a:ln>
-            <a:solidFill>
-              <a:srgbClr val="FFC000"/>
-            </a:solidFill>
-          </a:ln>
-        </p:spPr>
-        <p:style>
-          <a:lnRef idx="1">
-            <a:schemeClr val="accent1"/>
-          </a:lnRef>
-          <a:fillRef idx="0">
-            <a:schemeClr val="accent1"/>
-          </a:fillRef>
-          <a:effectRef idx="0">
-            <a:schemeClr val="accent1"/>
-          </a:effectRef>
-          <a:fontRef idx="minor">
-            <a:schemeClr val="tx1"/>
-          </a:fontRef>
-        </p:style>
-        <p:txBody>
-          <a:bodyPr rtlCol="0" anchor="ctr"/>
-          <a:lstStyle/>
-          <a:p>
-            <a:pPr algn="ctr"/>
-            <a:endParaRPr lang="en-US"/>
-          </a:p>
-        </p:txBody>
-      </p:sp>
-      <p:sp>
-        <p:nvSpPr>
-          <p:cNvPr id="26" name="Freeform 25"/>
-          <p:cNvSpPr/>
-          <p:nvPr/>
-        </p:nvSpPr>
-        <p:spPr>
-          <a:xfrm>
-            <a:off x="4890655" y="5302393"/>
-            <a:ext cx="3546763" cy="652032"/>
-          </a:xfrm>
-          <a:custGeom>
-            <a:avLst/>
-            <a:gdLst>
-              <a:gd name="connsiteX0" fmla="*/ 0 w 3546763"/>
-              <a:gd name="connsiteY0" fmla="*/ 110837 h 652032"/>
-              <a:gd name="connsiteX1" fmla="*/ 1759527 w 3546763"/>
-              <a:gd name="connsiteY1" fmla="*/ 651164 h 652032"/>
-              <a:gd name="connsiteX2" fmla="*/ 3546763 w 3546763"/>
-              <a:gd name="connsiteY2" fmla="*/ 0 h 652032"/>
-              <a:gd name="connsiteX3" fmla="*/ 3546763 w 3546763"/>
-              <a:gd name="connsiteY3" fmla="*/ 0 h 652032"/>
-            </a:gdLst>
-            <a:ahLst/>
-            <a:cxnLst>
-              <a:cxn ang="0">
-                <a:pos x="connsiteX0" y="connsiteY0"/>
-              </a:cxn>
-              <a:cxn ang="0">
-                <a:pos x="connsiteX1" y="connsiteY1"/>
-              </a:cxn>
-              <a:cxn ang="0">
-                <a:pos x="connsiteX2" y="connsiteY2"/>
-              </a:cxn>
-              <a:cxn ang="0">
-                <a:pos x="connsiteX3" y="connsiteY3"/>
-              </a:cxn>
-            </a:cxnLst>
-            <a:rect l="l" t="t" r="r" b="b"/>
-            <a:pathLst>
-              <a:path w="3546763" h="652032">
-                <a:moveTo>
-                  <a:pt x="0" y="110837"/>
-                </a:moveTo>
-                <a:cubicBezTo>
-                  <a:pt x="584200" y="390237"/>
-                  <a:pt x="1168400" y="669637"/>
-                  <a:pt x="1759527" y="651164"/>
-                </a:cubicBezTo>
-                <a:cubicBezTo>
-                  <a:pt x="2350654" y="632691"/>
-                  <a:pt x="3546763" y="0"/>
-                  <a:pt x="3546763" y="0"/>
-                </a:cubicBezTo>
-                <a:lnTo>
-                  <a:pt x="3546763" y="0"/>
-                </a:lnTo>
-              </a:path>
-            </a:pathLst>
-          </a:custGeom>
-          <a:ln>
-            <a:solidFill>
-              <a:srgbClr val="0070C0"/>
-            </a:solidFill>
-          </a:ln>
-        </p:spPr>
-        <p:style>
-          <a:lnRef idx="1">
-            <a:schemeClr val="accent1"/>
-          </a:lnRef>
-          <a:fillRef idx="0">
-            <a:schemeClr val="accent1"/>
-          </a:fillRef>
-          <a:effectRef idx="0">
-            <a:schemeClr val="accent1"/>
-          </a:effectRef>
-          <a:fontRef idx="minor">
-            <a:schemeClr val="tx1"/>
-          </a:fontRef>
-        </p:style>
-        <p:txBody>
-          <a:bodyPr rtlCol="0" anchor="ctr"/>
-          <a:lstStyle/>
-          <a:p>
-            <a:pPr algn="ctr"/>
-            <a:endParaRPr lang="en-US"/>
-          </a:p>
-        </p:txBody>
-      </p:sp>
-      <p:pic>
-        <p:nvPicPr>
-          <p:cNvPr id="13314" name="Picture 2" descr="C:\Users\Le Phuc Lu\Desktop\Capture.PNG"/>
-          <p:cNvPicPr>
-            <a:picLocks noChangeAspect="1" noChangeArrowheads="1"/>
-          </p:cNvPicPr>
-          <p:nvPr/>
-        </p:nvPicPr>
-        <p:blipFill>
-          <a:blip r:embed="rId2">
-            <a:extLst>
-              <a:ext uri="{28A0092B-C50C-407E-A947-70E740481C1C}">
-                <a14:useLocalDpi xmlns:a14="http://schemas.microsoft.com/office/drawing/2010/main" val="0"/>
-              </a:ext>
-            </a:extLst>
-          </a:blip>
-          <a:srcRect/>
-          <a:stretch>
-            <a:fillRect/>
-          </a:stretch>
-        </p:blipFill>
-        <p:spPr bwMode="auto">
-          <a:xfrm>
-            <a:off x="7010400" y="6619875"/>
-            <a:ext cx="1676400" cy="238125"/>
-          </a:xfrm>
-          <a:prstGeom prst="rect">
-            <a:avLst/>
-          </a:prstGeom>
-          <a:noFill/>
-          <a:extLst>
-            <a:ext uri="{909E8E84-426E-40DD-AFC4-6F175D3DCCD1}">
-              <a14:hiddenFill xmlns:a14="http://schemas.microsoft.com/office/drawing/2010/main">
-                <a:solidFill>
-                  <a:srgbClr val="FFFFFF"/>
-                </a:solidFill>
-              </a14:hiddenFill>
-            </a:ext>
-          </a:extLst>
-        </p:spPr>
-      </p:pic>
-      <p:pic>
-        <p:nvPicPr>
-          <p:cNvPr id="18" name="Picture 3" descr="C:\Users\Le Phuc Lu\Desktop\1.PNG"/>
-          <p:cNvPicPr>
-            <a:picLocks noChangeAspect="1" noChangeArrowheads="1"/>
-          </p:cNvPicPr>
-          <p:nvPr/>
-        </p:nvPicPr>
-        <p:blipFill>
-          <a:blip r:embed="rId3">
-            <a:extLst>
-              <a:ext uri="{28A0092B-C50C-407E-A947-70E740481C1C}">
-                <a14:useLocalDpi xmlns:a14="http://schemas.microsoft.com/office/drawing/2010/main" val="0"/>
-              </a:ext>
-            </a:extLst>
-          </a:blip>
-          <a:srcRect/>
-          <a:stretch>
-            <a:fillRect/>
-          </a:stretch>
-        </p:blipFill>
-        <p:spPr bwMode="auto">
-          <a:xfrm>
-            <a:off x="6858000" y="0"/>
-            <a:ext cx="1828800" cy="217410"/>
-          </a:xfrm>
-          <a:prstGeom prst="rect">
-            <a:avLst/>
-          </a:prstGeom>
-          <a:noFill/>
-          <a:extLst>
-            <a:ext uri="{909E8E84-426E-40DD-AFC4-6F175D3DCCD1}">
-              <a14:hiddenFill xmlns:a14="http://schemas.microsoft.com/office/drawing/2010/main">
-                <a:solidFill>
-                  <a:srgbClr val="FFFFFF"/>
-                </a:solidFill>
-              </a14:hiddenFill>
-            </a:ext>
-          </a:extLst>
-        </p:spPr>
-      </p:pic>
-      <p:sp>
-        <p:nvSpPr>
-          <p:cNvPr id="19" name="Oval 18"/>
-          <p:cNvSpPr/>
-          <p:nvPr/>
-        </p:nvSpPr>
-        <p:spPr>
-          <a:xfrm>
-            <a:off x="8077200" y="6324600"/>
-            <a:ext cx="990600" cy="457200"/>
-          </a:xfrm>
-          <a:prstGeom prst="ellipse">
-            <a:avLst/>
-          </a:prstGeom>
-        </p:spPr>
-        <p:style>
-          <a:lnRef idx="0">
-            <a:schemeClr val="accent1"/>
-          </a:lnRef>
-          <a:fillRef idx="3">
-            <a:schemeClr val="accent1"/>
-          </a:fillRef>
-          <a:effectRef idx="3">
-            <a:schemeClr val="accent1"/>
-          </a:effectRef>
-          <a:fontRef idx="minor">
-            <a:schemeClr val="lt1"/>
-          </a:fontRef>
-        </p:style>
-        <p:txBody>
-          <a:bodyPr rtlCol="0" anchor="ctr"/>
-          <a:lstStyle/>
-          <a:p>
-            <a:pPr algn="ctr"/>
-            <a:r>
-              <a:rPr lang="en-US" sz="2000" b="1" dirty="0" smtClean="0"/>
-              <a:t>11</a:t>
-            </a:r>
-            <a:endParaRPr lang="en-US" sz="2000" b="1" dirty="0"/>
-          </a:p>
-        </p:txBody>
-      </p:sp>
-    </p:spTree>
-    <p:extLst>
-      <p:ext uri="{BB962C8B-B14F-4D97-AF65-F5344CB8AC3E}">
-        <p14:creationId xmlns:p14="http://schemas.microsoft.com/office/powerpoint/2010/main" val="3538934852"/>
-      </p:ext>
-    </p:extLst>
-  </p:cSld>
-  <p:clrMapOvr>
-    <a:masterClrMapping/>
-  </p:clrMapOvr>
-  <p:timing>
-    <p:tnLst>
-      <p:par>
-        <p:cTn id="1" dur="indefinite" restart="never" nodeType="tmRoot">
-          <p:childTnLst>
-            <p:seq concurrent="1" nextAc="seek">
-              <p:cTn id="2" dur="indefinite" nodeType="mainSeq">
-                <p:childTnLst>
-                  <p:par>
-                    <p:cTn id="3" fill="hold">
-                      <p:stCondLst>
-                        <p:cond delay="indefinite"/>
-                      </p:stCondLst>
-                      <p:childTnLst>
-                        <p:par>
-                          <p:cTn id="4" fill="hold">
-                            <p:stCondLst>
-                              <p:cond delay="0"/>
-                            </p:stCondLst>
-                            <p:childTnLst>
-                              <p:par>
-                                <p:cTn id="5" presetID="22" presetClass="entr" presetSubtype="4" fill="hold" grpId="0" nodeType="clickEffect">
-                                  <p:stCondLst>
-                                    <p:cond delay="0"/>
-                                  </p:stCondLst>
-                                  <p:childTnLst>
-                                    <p:set>
-                                      <p:cBhvr>
-                                        <p:cTn id="6" dur="1" fill="hold">
-                                          <p:stCondLst>
-                                            <p:cond delay="0"/>
-                                          </p:stCondLst>
-                                        </p:cTn>
-                                        <p:tgtEl>
-                                          <p:spTgt spid="9"/>
-                                        </p:tgtEl>
-                                        <p:attrNameLst>
-                                          <p:attrName>style.visibility</p:attrName>
-                                        </p:attrNameLst>
-                                      </p:cBhvr>
-                                      <p:to>
-                                        <p:strVal val="visible"/>
-                                      </p:to>
-                                    </p:set>
-                                    <p:animEffect transition="in" filter="wipe(down)">
-                                      <p:cBhvr>
-                                        <p:cTn id="7" dur="500"/>
-                                        <p:tgtEl>
-                                          <p:spTgt spid="9"/>
-                                        </p:tgtEl>
-                                      </p:cBhvr>
-                                    </p:animEffect>
-                                  </p:childTnLst>
-                                </p:cTn>
-                              </p:par>
-                            </p:childTnLst>
-                          </p:cTn>
-                        </p:par>
-                      </p:childTnLst>
-                    </p:cTn>
-                  </p:par>
-                  <p:par>
-                    <p:cTn id="8" fill="hold">
-                      <p:stCondLst>
-                        <p:cond delay="indefinite"/>
-                      </p:stCondLst>
-                      <p:childTnLst>
-                        <p:par>
-                          <p:cTn id="9" fill="hold">
-                            <p:stCondLst>
-                              <p:cond delay="0"/>
-                            </p:stCondLst>
-                            <p:childTnLst>
-                              <p:par>
-                                <p:cTn id="10" presetID="10" presetClass="exit" presetSubtype="0" fill="hold" grpId="1" nodeType="clickEffect">
-                                  <p:stCondLst>
-                                    <p:cond delay="0"/>
-                                  </p:stCondLst>
-                                  <p:childTnLst>
-                                    <p:animEffect transition="out" filter="fade">
-                                      <p:cBhvr>
-                                        <p:cTn id="11" dur="500"/>
-                                        <p:tgtEl>
-                                          <p:spTgt spid="9"/>
-                                        </p:tgtEl>
-                                      </p:cBhvr>
-                                    </p:animEffect>
-                                    <p:set>
-                                      <p:cBhvr>
-                                        <p:cTn id="12" dur="1" fill="hold">
-                                          <p:stCondLst>
-                                            <p:cond delay="499"/>
-                                          </p:stCondLst>
-                                        </p:cTn>
-                                        <p:tgtEl>
-                                          <p:spTgt spid="9"/>
-                                        </p:tgtEl>
-                                        <p:attrNameLst>
-                                          <p:attrName>style.visibility</p:attrName>
-                                        </p:attrNameLst>
-                                      </p:cBhvr>
-                                      <p:to>
-                                        <p:strVal val="hidden"/>
-                                      </p:to>
-                                    </p:set>
-                                  </p:childTnLst>
-                                </p:cTn>
-                              </p:par>
-                            </p:childTnLst>
-                          </p:cTn>
-                        </p:par>
-                      </p:childTnLst>
-                    </p:cTn>
-                  </p:par>
-                  <p:par>
-                    <p:cTn id="13" fill="hold">
-                      <p:stCondLst>
-                        <p:cond delay="indefinite"/>
-                      </p:stCondLst>
-                      <p:childTnLst>
-                        <p:par>
-                          <p:cTn id="14" fill="hold">
-                            <p:stCondLst>
-                              <p:cond delay="0"/>
-                            </p:stCondLst>
-                            <p:childTnLst>
-                              <p:par>
-                                <p:cTn id="15" presetID="16" presetClass="entr" presetSubtype="21" fill="hold" nodeType="clickEffect">
-                                  <p:stCondLst>
-                                    <p:cond delay="0"/>
-                                  </p:stCondLst>
-                                  <p:childTnLst>
-                                    <p:set>
-                                      <p:cBhvr>
-                                        <p:cTn id="16" dur="1" fill="hold">
-                                          <p:stCondLst>
-                                            <p:cond delay="0"/>
-                                          </p:stCondLst>
-                                        </p:cTn>
-                                        <p:tgtEl>
-                                          <p:spTgt spid="17"/>
-                                        </p:tgtEl>
-                                        <p:attrNameLst>
-                                          <p:attrName>style.visibility</p:attrName>
-                                        </p:attrNameLst>
-                                      </p:cBhvr>
-                                      <p:to>
-                                        <p:strVal val="visible"/>
-                                      </p:to>
-                                    </p:set>
-                                    <p:animEffect transition="in" filter="barn(inVertical)">
-                                      <p:cBhvr>
-                                        <p:cTn id="17" dur="500"/>
-                                        <p:tgtEl>
-                                          <p:spTgt spid="17"/>
-                                        </p:tgtEl>
-                                      </p:cBhvr>
-                                    </p:animEffect>
-                                  </p:childTnLst>
-                                </p:cTn>
-                              </p:par>
-                              <p:par>
-                                <p:cTn id="18" presetID="16" presetClass="entr" presetSubtype="21" fill="hold" nodeType="withEffect">
-                                  <p:stCondLst>
-                                    <p:cond delay="0"/>
-                                  </p:stCondLst>
-                                  <p:childTnLst>
-                                    <p:set>
-                                      <p:cBhvr>
-                                        <p:cTn id="19" dur="1" fill="hold">
-                                          <p:stCondLst>
-                                            <p:cond delay="0"/>
-                                          </p:stCondLst>
-                                        </p:cTn>
-                                        <p:tgtEl>
-                                          <p:spTgt spid="20"/>
-                                        </p:tgtEl>
-                                        <p:attrNameLst>
-                                          <p:attrName>style.visibility</p:attrName>
-                                        </p:attrNameLst>
-                                      </p:cBhvr>
-                                      <p:to>
-                                        <p:strVal val="visible"/>
-                                      </p:to>
-                                    </p:set>
-                                    <p:animEffect transition="in" filter="barn(inVertical)">
-                                      <p:cBhvr>
-                                        <p:cTn id="20" dur="500"/>
-                                        <p:tgtEl>
-                                          <p:spTgt spid="20"/>
-                                        </p:tgtEl>
-                                      </p:cBhvr>
-                                    </p:animEffect>
-                                  </p:childTnLst>
-                                </p:cTn>
-                              </p:par>
-                              <p:par>
-                                <p:cTn id="21" presetID="16" presetClass="entr" presetSubtype="21" fill="hold" nodeType="withEffect">
-                                  <p:stCondLst>
-                                    <p:cond delay="0"/>
-                                  </p:stCondLst>
-                                  <p:childTnLst>
-                                    <p:set>
-                                      <p:cBhvr>
-                                        <p:cTn id="22" dur="1" fill="hold">
-                                          <p:stCondLst>
-                                            <p:cond delay="0"/>
-                                          </p:stCondLst>
-                                        </p:cTn>
-                                        <p:tgtEl>
-                                          <p:spTgt spid="22"/>
-                                        </p:tgtEl>
-                                        <p:attrNameLst>
-                                          <p:attrName>style.visibility</p:attrName>
-                                        </p:attrNameLst>
-                                      </p:cBhvr>
-                                      <p:to>
-                                        <p:strVal val="visible"/>
-                                      </p:to>
-                                    </p:set>
-                                    <p:animEffect transition="in" filter="barn(inVertical)">
-                                      <p:cBhvr>
-                                        <p:cTn id="23" dur="500"/>
-                                        <p:tgtEl>
-                                          <p:spTgt spid="22"/>
-                                        </p:tgtEl>
-                                      </p:cBhvr>
-                                    </p:animEffect>
-                                  </p:childTnLst>
-                                </p:cTn>
-                              </p:par>
-                              <p:par>
-                                <p:cTn id="24" presetID="16" presetClass="entr" presetSubtype="21" fill="hold" nodeType="withEffect">
-                                  <p:stCondLst>
-                                    <p:cond delay="0"/>
-                                  </p:stCondLst>
-                                  <p:childTnLst>
-                                    <p:set>
-                                      <p:cBhvr>
-                                        <p:cTn id="25" dur="1" fill="hold">
-                                          <p:stCondLst>
-                                            <p:cond delay="0"/>
-                                          </p:stCondLst>
-                                        </p:cTn>
-                                        <p:tgtEl>
-                                          <p:spTgt spid="24"/>
-                                        </p:tgtEl>
-                                        <p:attrNameLst>
-                                          <p:attrName>style.visibility</p:attrName>
-                                        </p:attrNameLst>
-                                      </p:cBhvr>
-                                      <p:to>
-                                        <p:strVal val="visible"/>
-                                      </p:to>
-                                    </p:set>
-                                    <p:animEffect transition="in" filter="barn(inVertical)">
-                                      <p:cBhvr>
-                                        <p:cTn id="26" dur="500"/>
-                                        <p:tgtEl>
-                                          <p:spTgt spid="24"/>
-                                        </p:tgtEl>
-                                      </p:cBhvr>
-                                    </p:animEffect>
-                                  </p:childTnLst>
-                                </p:cTn>
-                              </p:par>
-                            </p:childTnLst>
-                          </p:cTn>
-                        </p:par>
-                      </p:childTnLst>
-                    </p:cTn>
-                  </p:par>
-                  <p:par>
-                    <p:cTn id="27" fill="hold">
-                      <p:stCondLst>
-                        <p:cond delay="indefinite"/>
-                      </p:stCondLst>
-                      <p:childTnLst>
-                        <p:par>
-                          <p:cTn id="28" fill="hold">
-                            <p:stCondLst>
-                              <p:cond delay="0"/>
-                            </p:stCondLst>
-                            <p:childTnLst>
-                              <p:par>
-                                <p:cTn id="29" presetID="10" presetClass="exit" presetSubtype="0" fill="hold" nodeType="clickEffect">
-                                  <p:stCondLst>
-                                    <p:cond delay="0"/>
-                                  </p:stCondLst>
-                                  <p:childTnLst>
-                                    <p:animEffect transition="out" filter="fade">
-                                      <p:cBhvr>
-                                        <p:cTn id="30" dur="500"/>
-                                        <p:tgtEl>
-                                          <p:spTgt spid="17"/>
-                                        </p:tgtEl>
-                                      </p:cBhvr>
-                                    </p:animEffect>
-                                    <p:set>
-                                      <p:cBhvr>
-                                        <p:cTn id="31" dur="1" fill="hold">
-                                          <p:stCondLst>
-                                            <p:cond delay="499"/>
-                                          </p:stCondLst>
-                                        </p:cTn>
-                                        <p:tgtEl>
-                                          <p:spTgt spid="17"/>
-                                        </p:tgtEl>
-                                        <p:attrNameLst>
-                                          <p:attrName>style.visibility</p:attrName>
-                                        </p:attrNameLst>
-                                      </p:cBhvr>
-                                      <p:to>
-                                        <p:strVal val="hidden"/>
-                                      </p:to>
-                                    </p:set>
-                                  </p:childTnLst>
-                                </p:cTn>
-                              </p:par>
-                              <p:par>
-                                <p:cTn id="32" presetID="10" presetClass="exit" presetSubtype="0" fill="hold" nodeType="withEffect">
-                                  <p:stCondLst>
-                                    <p:cond delay="0"/>
-                                  </p:stCondLst>
-                                  <p:childTnLst>
-                                    <p:animEffect transition="out" filter="fade">
-                                      <p:cBhvr>
-                                        <p:cTn id="33" dur="500"/>
-                                        <p:tgtEl>
-                                          <p:spTgt spid="20"/>
-                                        </p:tgtEl>
-                                      </p:cBhvr>
-                                    </p:animEffect>
-                                    <p:set>
-                                      <p:cBhvr>
-                                        <p:cTn id="34" dur="1" fill="hold">
-                                          <p:stCondLst>
-                                            <p:cond delay="499"/>
-                                          </p:stCondLst>
-                                        </p:cTn>
-                                        <p:tgtEl>
-                                          <p:spTgt spid="20"/>
-                                        </p:tgtEl>
-                                        <p:attrNameLst>
-                                          <p:attrName>style.visibility</p:attrName>
-                                        </p:attrNameLst>
-                                      </p:cBhvr>
-                                      <p:to>
-                                        <p:strVal val="hidden"/>
-                                      </p:to>
-                                    </p:set>
-                                  </p:childTnLst>
-                                </p:cTn>
-                              </p:par>
-                              <p:par>
-                                <p:cTn id="35" presetID="10" presetClass="exit" presetSubtype="0" fill="hold" nodeType="withEffect">
-                                  <p:stCondLst>
-                                    <p:cond delay="0"/>
-                                  </p:stCondLst>
-                                  <p:childTnLst>
-                                    <p:animEffect transition="out" filter="fade">
-                                      <p:cBhvr>
-                                        <p:cTn id="36" dur="500"/>
-                                        <p:tgtEl>
-                                          <p:spTgt spid="22"/>
-                                        </p:tgtEl>
-                                      </p:cBhvr>
-                                    </p:animEffect>
-                                    <p:set>
-                                      <p:cBhvr>
-                                        <p:cTn id="37" dur="1" fill="hold">
-                                          <p:stCondLst>
-                                            <p:cond delay="499"/>
-                                          </p:stCondLst>
-                                        </p:cTn>
-                                        <p:tgtEl>
-                                          <p:spTgt spid="22"/>
-                                        </p:tgtEl>
-                                        <p:attrNameLst>
-                                          <p:attrName>style.visibility</p:attrName>
-                                        </p:attrNameLst>
-                                      </p:cBhvr>
-                                      <p:to>
-                                        <p:strVal val="hidden"/>
-                                      </p:to>
-                                    </p:set>
-                                  </p:childTnLst>
-                                </p:cTn>
-                              </p:par>
-                              <p:par>
-                                <p:cTn id="38" presetID="10" presetClass="exit" presetSubtype="0" fill="hold" nodeType="withEffect">
-                                  <p:stCondLst>
-                                    <p:cond delay="0"/>
-                                  </p:stCondLst>
-                                  <p:childTnLst>
-                                    <p:animEffect transition="out" filter="fade">
-                                      <p:cBhvr>
-                                        <p:cTn id="39" dur="500"/>
-                                        <p:tgtEl>
-                                          <p:spTgt spid="24"/>
-                                        </p:tgtEl>
-                                      </p:cBhvr>
-                                    </p:animEffect>
-                                    <p:set>
-                                      <p:cBhvr>
-                                        <p:cTn id="40" dur="1" fill="hold">
-                                          <p:stCondLst>
-                                            <p:cond delay="499"/>
-                                          </p:stCondLst>
-                                        </p:cTn>
-                                        <p:tgtEl>
-                                          <p:spTgt spid="24"/>
-                                        </p:tgtEl>
-                                        <p:attrNameLst>
-                                          <p:attrName>style.visibility</p:attrName>
-                                        </p:attrNameLst>
-                                      </p:cBhvr>
-                                      <p:to>
-                                        <p:strVal val="hidden"/>
-                                      </p:to>
-                                    </p:set>
-                                  </p:childTnLst>
-                                </p:cTn>
-                              </p:par>
-                            </p:childTnLst>
-                          </p:cTn>
-                        </p:par>
-                      </p:childTnLst>
-                    </p:cTn>
-                  </p:par>
-                  <p:par>
-                    <p:cTn id="41" fill="hold">
-                      <p:stCondLst>
-                        <p:cond delay="indefinite"/>
-                      </p:stCondLst>
-                      <p:childTnLst>
-                        <p:par>
-                          <p:cTn id="42" fill="hold">
-                            <p:stCondLst>
-                              <p:cond delay="0"/>
-                            </p:stCondLst>
-                            <p:childTnLst>
-                              <p:par>
-                                <p:cTn id="43" presetID="14" presetClass="entr" presetSubtype="10" fill="hold" grpId="0" nodeType="clickEffect">
-                                  <p:stCondLst>
-                                    <p:cond delay="0"/>
-                                  </p:stCondLst>
-                                  <p:childTnLst>
-                                    <p:set>
-                                      <p:cBhvr>
-                                        <p:cTn id="44" dur="1" fill="hold">
-                                          <p:stCondLst>
-                                            <p:cond delay="0"/>
-                                          </p:stCondLst>
-                                        </p:cTn>
-                                        <p:tgtEl>
-                                          <p:spTgt spid="25"/>
-                                        </p:tgtEl>
-                                        <p:attrNameLst>
-                                          <p:attrName>style.visibility</p:attrName>
-                                        </p:attrNameLst>
-                                      </p:cBhvr>
-                                      <p:to>
-                                        <p:strVal val="visible"/>
-                                      </p:to>
-                                    </p:set>
-                                    <p:animEffect transition="in" filter="randombar(horizontal)">
-                                      <p:cBhvr>
-                                        <p:cTn id="45" dur="500"/>
-                                        <p:tgtEl>
-                                          <p:spTgt spid="25"/>
-                                        </p:tgtEl>
-                                      </p:cBhvr>
-                                    </p:animEffect>
-                                  </p:childTnLst>
-                                </p:cTn>
-                              </p:par>
-                              <p:par>
-                                <p:cTn id="46" presetID="14" presetClass="entr" presetSubtype="10" fill="hold" grpId="0" nodeType="withEffect">
-                                  <p:stCondLst>
-                                    <p:cond delay="0"/>
-                                  </p:stCondLst>
-                                  <p:childTnLst>
-                                    <p:set>
-                                      <p:cBhvr>
-                                        <p:cTn id="47" dur="1" fill="hold">
-                                          <p:stCondLst>
-                                            <p:cond delay="0"/>
-                                          </p:stCondLst>
-                                        </p:cTn>
-                                        <p:tgtEl>
-                                          <p:spTgt spid="26"/>
-                                        </p:tgtEl>
-                                        <p:attrNameLst>
-                                          <p:attrName>style.visibility</p:attrName>
-                                        </p:attrNameLst>
-                                      </p:cBhvr>
-                                      <p:to>
-                                        <p:strVal val="visible"/>
-                                      </p:to>
-                                    </p:set>
-                                    <p:animEffect transition="in" filter="randombar(horizontal)">
-                                      <p:cBhvr>
-                                        <p:cTn id="48" dur="500"/>
-                                        <p:tgtEl>
-                                          <p:spTgt spid="26"/>
-                                        </p:tgtEl>
-                                      </p:cBhvr>
-                                    </p:animEffect>
-                                  </p:childTnLst>
-                                </p:cTn>
-                              </p:par>
-                            </p:childTnLst>
-                          </p:cTn>
-                        </p:par>
-                      </p:childTnLst>
-                    </p:cTn>
-                  </p:par>
-                  <p:par>
-                    <p:cTn id="49" fill="hold">
-                      <p:stCondLst>
-                        <p:cond delay="indefinite"/>
-                      </p:stCondLst>
-                      <p:childTnLst>
-                        <p:par>
-                          <p:cTn id="50" fill="hold">
-                            <p:stCondLst>
-                              <p:cond delay="0"/>
-                            </p:stCondLst>
-                            <p:childTnLst>
-                              <p:par>
-                                <p:cTn id="51" presetID="10" presetClass="exit" presetSubtype="0" fill="hold" grpId="1" nodeType="clickEffect">
-                                  <p:stCondLst>
-                                    <p:cond delay="0"/>
-                                  </p:stCondLst>
-                                  <p:childTnLst>
-                                    <p:animEffect transition="out" filter="fade">
-                                      <p:cBhvr>
-                                        <p:cTn id="52" dur="500"/>
-                                        <p:tgtEl>
-                                          <p:spTgt spid="25"/>
-                                        </p:tgtEl>
-                                      </p:cBhvr>
-                                    </p:animEffect>
-                                    <p:set>
-                                      <p:cBhvr>
-                                        <p:cTn id="53" dur="1" fill="hold">
-                                          <p:stCondLst>
-                                            <p:cond delay="499"/>
-                                          </p:stCondLst>
-                                        </p:cTn>
-                                        <p:tgtEl>
-                                          <p:spTgt spid="25"/>
-                                        </p:tgtEl>
-                                        <p:attrNameLst>
-                                          <p:attrName>style.visibility</p:attrName>
-                                        </p:attrNameLst>
-                                      </p:cBhvr>
-                                      <p:to>
-                                        <p:strVal val="hidden"/>
-                                      </p:to>
-                                    </p:set>
-                                  </p:childTnLst>
-                                </p:cTn>
-                              </p:par>
-                              <p:par>
-                                <p:cTn id="54" presetID="10" presetClass="exit" presetSubtype="0" fill="hold" grpId="1" nodeType="withEffect">
-                                  <p:stCondLst>
-                                    <p:cond delay="0"/>
-                                  </p:stCondLst>
-                                  <p:childTnLst>
-                                    <p:animEffect transition="out" filter="fade">
-                                      <p:cBhvr>
-                                        <p:cTn id="55" dur="500"/>
-                                        <p:tgtEl>
-                                          <p:spTgt spid="26"/>
-                                        </p:tgtEl>
-                                      </p:cBhvr>
-                                    </p:animEffect>
-                                    <p:set>
-                                      <p:cBhvr>
-                                        <p:cTn id="56" dur="1" fill="hold">
-                                          <p:stCondLst>
-                                            <p:cond delay="499"/>
-                                          </p:stCondLst>
-                                        </p:cTn>
-                                        <p:tgtEl>
-                                          <p:spTgt spid="26"/>
-                                        </p:tgtEl>
-                                        <p:attrNameLst>
-                                          <p:attrName>style.visibility</p:attrName>
-                                        </p:attrNameLst>
-                                      </p:cBhvr>
-                                      <p:to>
-                                        <p:strVal val="hidden"/>
-                                      </p:to>
-                                    </p:set>
-                                  </p:childTnLst>
-                                </p:cTn>
-                              </p:par>
-                            </p:childTnLst>
-                          </p:cTn>
-                        </p:par>
-                      </p:childTnLst>
-                    </p:cTn>
-                  </p:par>
-                </p:childTnLst>
-              </p:cTn>
-              <p:prevCondLst>
-                <p:cond evt="onPrev" delay="0">
-                  <p:tgtEl>
-                    <p:sldTgt/>
-                  </p:tgtEl>
-                </p:cond>
-              </p:prevCondLst>
-              <p:nextCondLst>
-                <p:cond evt="onNext" delay="0">
-                  <p:tgtEl>
-                    <p:sldTgt/>
-                  </p:tgtEl>
-                </p:cond>
-              </p:nextCondLst>
-            </p:seq>
-          </p:childTnLst>
-        </p:cTn>
-      </p:par>
-    </p:tnLst>
-    <p:bldLst>
-      <p:bldP spid="9" grpId="0" animBg="1"/>
-      <p:bldP spid="9" grpId="1" animBg="1"/>
-      <p:bldP spid="25" grpId="0" animBg="1"/>
-      <p:bldP spid="25" grpId="1" animBg="1"/>
-      <p:bldP spid="26" grpId="0" animBg="1"/>
-      <p:bldP spid="26" grpId="1" animBg="1"/>
-    </p:bldLst>
-  </p:timing>
-</p:sld>
-</file>
-
-<file path=ppt/slides/slide13.xml><?xml version="1.0" encoding="utf-8"?>
-<p:sld xmlns:a="http://schemas.openxmlformats.org/drawingml/2006/main" xmlns:r="http://schemas.openxmlformats.org/officeDocument/2006/relationships" xmlns:p="http://schemas.openxmlformats.org/presentationml/2006/main">
-  <p:cSld>
-    <p:spTree>
-      <p:nvGrpSpPr>
-        <p:cNvPr id="1" name=""/>
-        <p:cNvGrpSpPr/>
-        <p:nvPr/>
-      </p:nvGrpSpPr>
-      <p:grpSpPr>
-        <a:xfrm>
-          <a:off x="0" y="0"/>
-          <a:ext cx="0" cy="0"/>
-          <a:chOff x="0" y="0"/>
-          <a:chExt cx="0" cy="0"/>
-        </a:xfrm>
-      </p:grpSpPr>
-      <p:sp>
-        <p:nvSpPr>
-          <p:cNvPr id="2" name="Title 1"/>
-          <p:cNvSpPr>
-            <a:spLocks noGrp="1"/>
-          </p:cNvSpPr>
-          <p:nvPr>
-            <p:ph type="title"/>
-          </p:nvPr>
-        </p:nvSpPr>
-        <p:spPr/>
-        <p:txBody>
-          <a:bodyPr/>
-          <a:lstStyle/>
-          <a:p>
-            <a:r>
-              <a:rPr lang="en-US" sz="3200" b="1" dirty="0" smtClean="0"/>
-              <a:t>Self evaluation</a:t>
-            </a:r>
-            <a:endParaRPr lang="en-US" sz="3200" b="1" dirty="0"/>
-          </a:p>
-        </p:txBody>
-      </p:sp>
-      <p:sp>
-        <p:nvSpPr>
-          <p:cNvPr id="3" name="Content Placeholder 2"/>
-          <p:cNvSpPr>
-            <a:spLocks noGrp="1"/>
-          </p:cNvSpPr>
-          <p:nvPr>
-            <p:ph idx="1"/>
-          </p:nvPr>
-        </p:nvSpPr>
-        <p:spPr>
-          <a:xfrm>
-            <a:off x="228600" y="1393825"/>
-            <a:ext cx="8839200" cy="4930775"/>
-          </a:xfrm>
-        </p:spPr>
-        <p:txBody>
-          <a:bodyPr/>
-          <a:lstStyle/>
-          <a:p>
-            <a:pPr algn="just"/>
-            <a:r>
-              <a:rPr lang="en-US" sz="2600" b="0" dirty="0" smtClean="0"/>
-              <a:t>Some positives.</a:t>
-            </a:r>
-          </a:p>
-          <a:p>
-            <a:pPr algn="just"/>
-            <a:r>
-              <a:rPr lang="en-US" sz="2600" b="0" dirty="0" smtClean="0"/>
-              <a:t>Some negatives.</a:t>
-            </a:r>
-          </a:p>
-          <a:p>
-            <a:pPr algn="just"/>
-            <a:r>
-              <a:rPr lang="en-US" sz="2600" b="0" dirty="0" smtClean="0"/>
-              <a:t>Estimate </a:t>
-            </a:r>
-            <a:r>
-              <a:rPr lang="en-US" sz="2600" i="1" dirty="0" smtClean="0"/>
-              <a:t>complexity of algorithm</a:t>
-            </a:r>
-            <a:r>
-              <a:rPr lang="en-US" sz="2600" b="0" i="1" dirty="0"/>
-              <a:t>:</a:t>
-            </a:r>
-            <a:endParaRPr lang="en-US" sz="2600" b="0" dirty="0" smtClean="0"/>
-          </a:p>
-          <a:p>
-            <a:pPr marL="0" indent="0" algn="ctr">
-              <a:buNone/>
-            </a:pPr>
-            <a:r>
-              <a:rPr lang="en-US" sz="2600" b="0" dirty="0" smtClean="0"/>
-              <a:t>O((k(|V|+|S|) + |E|</a:t>
-            </a:r>
-            <a:r>
-              <a:rPr lang="en-US" sz="2600" b="0" baseline="30000" dirty="0" smtClean="0"/>
-              <a:t>4</a:t>
-            </a:r>
-            <a:r>
-              <a:rPr lang="en-US" sz="2600" b="0" dirty="0" smtClean="0"/>
-              <a:t>).|T|.|R|.|S|.|I|).</a:t>
-            </a:r>
-          </a:p>
-          <a:p>
-            <a:pPr marL="0" indent="0">
-              <a:buNone/>
-            </a:pPr>
-            <a:r>
-              <a:rPr lang="en-US" sz="2600" dirty="0" smtClean="0"/>
-              <a:t>|</a:t>
-            </a:r>
-            <a:r>
-              <a:rPr lang="en-US" sz="2600" dirty="0" smtClean="0"/>
-              <a:t>T</a:t>
-            </a:r>
-            <a:r>
-              <a:rPr lang="en-US" sz="2600" dirty="0" smtClean="0"/>
-              <a:t>|, </a:t>
-            </a:r>
-            <a:r>
-              <a:rPr lang="en-US" sz="2600" dirty="0" smtClean="0"/>
-              <a:t>|R|, |S|, |I|, |</a:t>
-            </a:r>
-            <a:r>
-              <a:rPr lang="en-US" sz="2600" dirty="0" smtClean="0"/>
-              <a:t>E|: </a:t>
-            </a:r>
-            <a:r>
-              <a:rPr lang="en-US" sz="2600" b="0" dirty="0" smtClean="0"/>
-              <a:t>number </a:t>
-            </a:r>
-            <a:r>
-              <a:rPr lang="en-US" sz="2600" b="0" dirty="0" smtClean="0"/>
-              <a:t>of </a:t>
-            </a:r>
-            <a:r>
-              <a:rPr lang="en-US" sz="2600" i="1" dirty="0" smtClean="0"/>
-              <a:t>trips</a:t>
-            </a:r>
-            <a:r>
-              <a:rPr lang="en-US" sz="2600" b="0" dirty="0" smtClean="0"/>
-              <a:t>, </a:t>
-            </a:r>
-            <a:r>
-              <a:rPr lang="en-US" sz="2600" i="1" dirty="0" smtClean="0"/>
-              <a:t>routes</a:t>
-            </a:r>
-            <a:r>
-              <a:rPr lang="en-US" sz="2600" b="0" dirty="0" smtClean="0"/>
-              <a:t>, </a:t>
-            </a:r>
-            <a:r>
-              <a:rPr lang="en-US" sz="2600" i="1" dirty="0" smtClean="0"/>
-              <a:t>stages</a:t>
-            </a:r>
-            <a:r>
-              <a:rPr lang="en-US" sz="2600" b="0" dirty="0" smtClean="0"/>
-              <a:t>, </a:t>
-            </a:r>
-            <a:r>
-              <a:rPr lang="en-US" sz="2600" i="1" dirty="0" smtClean="0"/>
-              <a:t>requests</a:t>
-            </a:r>
-            <a:r>
-              <a:rPr lang="en-US" sz="2600" b="0" dirty="0" smtClean="0"/>
-              <a:t> and </a:t>
-            </a:r>
-            <a:r>
-              <a:rPr lang="en-US" sz="2600" i="1" dirty="0" smtClean="0"/>
-              <a:t>length of found path</a:t>
-            </a:r>
-            <a:r>
-              <a:rPr lang="en-US" sz="2600" b="0" dirty="0" smtClean="0"/>
-              <a:t>.</a:t>
-            </a:r>
-          </a:p>
-          <a:p>
-            <a:r>
-              <a:rPr lang="en-US" sz="2600" b="0" dirty="0" smtClean="0"/>
-              <a:t>With </a:t>
-            </a:r>
-            <a:r>
-              <a:rPr lang="en-US" sz="2600" i="1" dirty="0" smtClean="0"/>
-              <a:t>normal </a:t>
-            </a:r>
-            <a:r>
-              <a:rPr lang="en-US" sz="2600" i="1" dirty="0" smtClean="0"/>
-              <a:t>data </a:t>
-            </a:r>
-            <a:r>
-              <a:rPr lang="en-US" sz="2600" b="0" dirty="0" smtClean="0"/>
-              <a:t>(|T| ~ 400, |R| ~ 30, |S| ~ 30, |E|</a:t>
-            </a:r>
-            <a:r>
-              <a:rPr lang="en-US" sz="2600" b="0" baseline="30000" dirty="0" smtClean="0"/>
-              <a:t>4</a:t>
-            </a:r>
-            <a:r>
-              <a:rPr lang="en-US" sz="2600" b="0" dirty="0" smtClean="0"/>
-              <a:t> ~ 500), </a:t>
-            </a:r>
-            <a:r>
-              <a:rPr lang="en-US" sz="2600" b="0" dirty="0" smtClean="0"/>
-              <a:t>the </a:t>
-            </a:r>
-            <a:r>
-              <a:rPr lang="en-US" sz="2600" i="1" dirty="0" smtClean="0"/>
-              <a:t>complexity</a:t>
-            </a:r>
-            <a:r>
-              <a:rPr lang="en-US" sz="2600" b="0" dirty="0" smtClean="0"/>
-              <a:t> is </a:t>
-            </a:r>
-            <a:r>
-              <a:rPr lang="en-US" sz="2600" dirty="0" smtClean="0"/>
-              <a:t>O(2.10</a:t>
-            </a:r>
-            <a:r>
-              <a:rPr lang="en-US" sz="2600" baseline="30000" dirty="0" smtClean="0"/>
-              <a:t>8</a:t>
-            </a:r>
-            <a:r>
-              <a:rPr lang="en-US" sz="2600" dirty="0" smtClean="0"/>
-              <a:t>|I</a:t>
-            </a:r>
-            <a:r>
-              <a:rPr lang="en-US" sz="2600" dirty="0" smtClean="0"/>
-              <a:t>|)</a:t>
-            </a:r>
-            <a:r>
-              <a:rPr lang="en-US" sz="2600" b="0" dirty="0" smtClean="0"/>
-              <a:t>. </a:t>
-            </a:r>
-            <a:endParaRPr lang="en-US" sz="2600" b="0" dirty="0" smtClean="0"/>
-          </a:p>
-          <a:p>
-            <a:r>
-              <a:rPr lang="en-US" sz="2600" b="0" dirty="0" smtClean="0"/>
-              <a:t>The </a:t>
-            </a:r>
-            <a:r>
-              <a:rPr lang="en-US" sz="2600" i="1" dirty="0" smtClean="0"/>
-              <a:t>time</a:t>
-            </a:r>
-            <a:r>
-              <a:rPr lang="en-US" sz="2600" b="0" dirty="0" smtClean="0"/>
-              <a:t> need to run is 1-5s.</a:t>
-            </a:r>
-          </a:p>
-        </p:txBody>
-      </p:sp>
-      <p:pic>
-        <p:nvPicPr>
-          <p:cNvPr id="15362" name="Picture 2" descr="C:\Users\Le Phuc Lu\Desktop\Capture.PNG"/>
-          <p:cNvPicPr>
-            <a:picLocks noChangeAspect="1" noChangeArrowheads="1"/>
-          </p:cNvPicPr>
-          <p:nvPr/>
-        </p:nvPicPr>
-        <p:blipFill>
-          <a:blip r:embed="rId2">
-            <a:extLst>
-              <a:ext uri="{28A0092B-C50C-407E-A947-70E740481C1C}">
-                <a14:useLocalDpi xmlns:a14="http://schemas.microsoft.com/office/drawing/2010/main" val="0"/>
-              </a:ext>
-            </a:extLst>
-          </a:blip>
-          <a:srcRect/>
-          <a:stretch>
-            <a:fillRect/>
-          </a:stretch>
-        </p:blipFill>
-        <p:spPr bwMode="auto">
-          <a:xfrm>
-            <a:off x="7010400" y="6581280"/>
-            <a:ext cx="1676400" cy="238125"/>
-          </a:xfrm>
-          <a:prstGeom prst="rect">
-            <a:avLst/>
-          </a:prstGeom>
-          <a:noFill/>
-          <a:extLst>
-            <a:ext uri="{909E8E84-426E-40DD-AFC4-6F175D3DCCD1}">
-              <a14:hiddenFill xmlns:a14="http://schemas.microsoft.com/office/drawing/2010/main">
-                <a:solidFill>
-                  <a:srgbClr val="FFFFFF"/>
-                </a:solidFill>
-              </a14:hiddenFill>
-            </a:ext>
-          </a:extLst>
-        </p:spPr>
-      </p:pic>
-      <p:pic>
-        <p:nvPicPr>
-          <p:cNvPr id="5" name="Picture 3" descr="C:\Users\Le Phuc Lu\Desktop\1.PNG"/>
-          <p:cNvPicPr>
-            <a:picLocks noChangeAspect="1" noChangeArrowheads="1"/>
-          </p:cNvPicPr>
-          <p:nvPr/>
-        </p:nvPicPr>
-        <p:blipFill>
-          <a:blip r:embed="rId3">
-            <a:extLst>
-              <a:ext uri="{28A0092B-C50C-407E-A947-70E740481C1C}">
-                <a14:useLocalDpi xmlns:a14="http://schemas.microsoft.com/office/drawing/2010/main" val="0"/>
-              </a:ext>
-            </a:extLst>
-          </a:blip>
-          <a:srcRect/>
-          <a:stretch>
-            <a:fillRect/>
-          </a:stretch>
-        </p:blipFill>
-        <p:spPr bwMode="auto">
-          <a:xfrm>
-            <a:off x="6858000" y="0"/>
-            <a:ext cx="1828800" cy="217410"/>
-          </a:xfrm>
-          <a:prstGeom prst="rect">
-            <a:avLst/>
-          </a:prstGeom>
-          <a:noFill/>
-          <a:extLst>
-            <a:ext uri="{909E8E84-426E-40DD-AFC4-6F175D3DCCD1}">
-              <a14:hiddenFill xmlns:a14="http://schemas.microsoft.com/office/drawing/2010/main">
-                <a:solidFill>
-                  <a:srgbClr val="FFFFFF"/>
-                </a:solidFill>
-              </a14:hiddenFill>
-            </a:ext>
-          </a:extLst>
-        </p:spPr>
-      </p:pic>
-      <p:sp>
-        <p:nvSpPr>
-          <p:cNvPr id="6" name="Oval 5"/>
-          <p:cNvSpPr/>
-          <p:nvPr/>
-        </p:nvSpPr>
-        <p:spPr>
-          <a:xfrm>
-            <a:off x="8077200" y="6324600"/>
-            <a:ext cx="990600" cy="457200"/>
-          </a:xfrm>
-          <a:prstGeom prst="ellipse">
-            <a:avLst/>
-          </a:prstGeom>
-        </p:spPr>
-        <p:style>
-          <a:lnRef idx="0">
-            <a:schemeClr val="accent1"/>
-          </a:lnRef>
-          <a:fillRef idx="3">
-            <a:schemeClr val="accent1"/>
-          </a:fillRef>
-          <a:effectRef idx="3">
-            <a:schemeClr val="accent1"/>
-          </a:effectRef>
-          <a:fontRef idx="minor">
-            <a:schemeClr val="lt1"/>
-          </a:fontRef>
-        </p:style>
-        <p:txBody>
-          <a:bodyPr rtlCol="0" anchor="ctr"/>
-          <a:lstStyle/>
-          <a:p>
-            <a:pPr algn="ctr"/>
-            <a:r>
-              <a:rPr lang="en-US" sz="2000" b="1" dirty="0" smtClean="0"/>
-              <a:t>13</a:t>
-            </a:r>
-            <a:endParaRPr lang="en-US" sz="2000" b="1" dirty="0"/>
-          </a:p>
-        </p:txBody>
-      </p:sp>
-    </p:spTree>
-    <p:extLst>
-      <p:ext uri="{BB962C8B-B14F-4D97-AF65-F5344CB8AC3E}">
-        <p14:creationId xmlns:p14="http://schemas.microsoft.com/office/powerpoint/2010/main" val="3400366521"/>
-      </p:ext>
-    </p:extLst>
-  </p:cSld>
-  <p:clrMapOvr>
-    <a:masterClrMapping/>
-  </p:clrMapOvr>
-  <p:timing>
-    <p:tnLst>
-      <p:par>
-        <p:cTn id="1" dur="indefinite" restart="never" nodeType="tmRoot"/>
-      </p:par>
-    </p:tnLst>
-  </p:timing>
-</p:sld>
-</file>
-
-<file path=ppt/slides/slide14.xml><?xml version="1.0" encoding="utf-8"?>
-<p:sld xmlns:a="http://schemas.openxmlformats.org/drawingml/2006/main" xmlns:r="http://schemas.openxmlformats.org/officeDocument/2006/relationships" xmlns:p="http://schemas.openxmlformats.org/presentationml/2006/main">
-  <p:cSld>
-    <p:spTree>
-      <p:nvGrpSpPr>
-        <p:cNvPr id="1" name=""/>
-        <p:cNvGrpSpPr/>
-        <p:nvPr/>
-      </p:nvGrpSpPr>
-      <p:grpSpPr>
-        <a:xfrm>
-          <a:off x="0" y="0"/>
-          <a:ext cx="0" cy="0"/>
-          <a:chOff x="0" y="0"/>
-          <a:chExt cx="0" cy="0"/>
-        </a:xfrm>
-      </p:grpSpPr>
-      <p:sp>
-        <p:nvSpPr>
-          <p:cNvPr id="2" name="Title 1"/>
-          <p:cNvSpPr>
-            <a:spLocks noGrp="1"/>
-          </p:cNvSpPr>
-          <p:nvPr>
-            <p:ph type="title"/>
-          </p:nvPr>
-        </p:nvSpPr>
-        <p:spPr/>
-        <p:txBody>
-          <a:bodyPr/>
-          <a:lstStyle/>
-          <a:p>
-            <a:r>
-              <a:rPr lang="en-US" sz="3000" b="1" dirty="0" smtClean="0"/>
               <a:t>Feature of new system</a:t>
             </a:r>
             <a:endParaRPr lang="en-US" sz="3000" b="1" dirty="0"/>
@@ -18416,7 +15564,7 @@
 </p:sld>
 </file>
 
-<file path=ppt/slides/slide15.xml><?xml version="1.0" encoding="utf-8"?>
+<file path=ppt/slides/slide11.xml><?xml version="1.0" encoding="utf-8"?>
 <p:sld xmlns:a="http://schemas.openxmlformats.org/drawingml/2006/main" xmlns:r="http://schemas.openxmlformats.org/officeDocument/2006/relationships" xmlns:p="http://schemas.openxmlformats.org/presentationml/2006/main">
   <p:cSld>
     <p:spTree>
@@ -18759,7 +15907,7 @@
 </p:sld>
 </file>
 
-<file path=ppt/slides/slide16.xml><?xml version="1.0" encoding="utf-8"?>
+<file path=ppt/slides/slide12.xml><?xml version="1.0" encoding="utf-8"?>
 <p:sld xmlns:a="http://schemas.openxmlformats.org/drawingml/2006/main" xmlns:r="http://schemas.openxmlformats.org/officeDocument/2006/relationships" xmlns:p="http://schemas.openxmlformats.org/presentationml/2006/main">
   <p:cSld>
     <p:spTree>
@@ -18957,7 +16105,7 @@
 </p:sld>
 </file>
 
-<file path=ppt/slides/slide17.xml><?xml version="1.0" encoding="utf-8"?>
+<file path=ppt/slides/slide13.xml><?xml version="1.0" encoding="utf-8"?>
 <p:sld xmlns:a="http://schemas.openxmlformats.org/drawingml/2006/main" xmlns:r="http://schemas.openxmlformats.org/officeDocument/2006/relationships" xmlns:p="http://schemas.openxmlformats.org/presentationml/2006/main">
   <p:cSld>
     <p:spTree>
@@ -19288,7 +16436,7 @@
 </p:sld>
 </file>
 
-<file path=ppt/slides/slide18.xml><?xml version="1.0" encoding="utf-8"?>
+<file path=ppt/slides/slide14.xml><?xml version="1.0" encoding="utf-8"?>
 <p:sld xmlns:a="http://schemas.openxmlformats.org/drawingml/2006/main" xmlns:r="http://schemas.openxmlformats.org/officeDocument/2006/relationships" xmlns:p="http://schemas.openxmlformats.org/presentationml/2006/main">
   <p:cSld>
     <p:spTree>
@@ -25057,7 +22205,7 @@
           <a:p>
             <a:r>
               <a:rPr lang="en-US" sz="3000" b="1" dirty="0" smtClean="0"/>
-              <a:t>Some definitions</a:t>
+              <a:t>Problem description</a:t>
             </a:r>
             <a:endParaRPr lang="en-US" sz="3000" b="1" dirty="0"/>
           </a:p>
@@ -25071,7 +22219,7 @@
         </p:nvSpPr>
         <p:spPr>
           <a:xfrm>
-            <a:off x="533400" y="2528455"/>
+            <a:off x="533400" y="4024746"/>
             <a:ext cx="1219200" cy="762000"/>
           </a:xfrm>
           <a:prstGeom prst="ellipse">
@@ -25117,7 +22265,7 @@
         </p:nvSpPr>
         <p:spPr>
           <a:xfrm>
-            <a:off x="5278584" y="2542309"/>
+            <a:off x="5278584" y="4038600"/>
             <a:ext cx="1219200" cy="762000"/>
           </a:xfrm>
           <a:prstGeom prst="ellipse">
@@ -25167,7 +22315,7 @@
         </p:nvSpPr>
         <p:spPr>
           <a:xfrm>
-            <a:off x="7696200" y="2074718"/>
+            <a:off x="7696200" y="3571009"/>
             <a:ext cx="1066800" cy="762000"/>
           </a:xfrm>
           <a:prstGeom prst="ellipse">
@@ -25217,7 +22365,7 @@
         </p:nvSpPr>
         <p:spPr>
           <a:xfrm>
-            <a:off x="2680855" y="2376054"/>
+            <a:off x="2680855" y="3872345"/>
             <a:ext cx="1080655" cy="762000"/>
           </a:xfrm>
           <a:prstGeom prst="ellipse">
@@ -25259,48 +22407,6 @@
           </a:p>
         </p:txBody>
       </p:sp>
-      <p:sp>
-        <p:nvSpPr>
-          <p:cNvPr id="8" name="Rectangle 7"/>
-          <p:cNvSpPr/>
-          <p:nvPr/>
-        </p:nvSpPr>
-        <p:spPr>
-          <a:xfrm>
-            <a:off x="2667000" y="5153891"/>
-            <a:ext cx="3810001" cy="914400"/>
-          </a:xfrm>
-          <a:prstGeom prst="rect">
-            <a:avLst/>
-          </a:prstGeom>
-        </p:spPr>
-        <p:style>
-          <a:lnRef idx="0">
-            <a:schemeClr val="accent1"/>
-          </a:lnRef>
-          <a:fillRef idx="3">
-            <a:schemeClr val="accent1"/>
-          </a:fillRef>
-          <a:effectRef idx="3">
-            <a:schemeClr val="accent1"/>
-          </a:effectRef>
-          <a:fontRef idx="minor">
-            <a:schemeClr val="lt1"/>
-          </a:fontRef>
-        </p:style>
-        <p:txBody>
-          <a:bodyPr rtlCol="0" anchor="ctr"/>
-          <a:lstStyle/>
-          <a:p>
-            <a:pPr algn="ctr"/>
-            <a:r>
-              <a:rPr lang="en-US" sz="2400" b="1" dirty="0" smtClean="0"/>
-              <a:t>STATIONS</a:t>
-            </a:r>
-            <a:endParaRPr lang="en-US" sz="2400" b="1" dirty="0"/>
-          </a:p>
-        </p:txBody>
-      </p:sp>
       <p:cxnSp>
         <p:nvCxnSpPr>
           <p:cNvPr id="24" name="Straight Arrow Connector 23"/>
@@ -25312,7 +22418,7 @@
         </p:nvCxnSpPr>
         <p:spPr>
           <a:xfrm flipV="1">
-            <a:off x="1752600" y="2757054"/>
+            <a:off x="1752600" y="4253345"/>
             <a:ext cx="928255" cy="152401"/>
           </a:xfrm>
           <a:prstGeom prst="straightConnector1">
@@ -25348,7 +22454,7 @@
         </p:nvCxnSpPr>
         <p:spPr>
           <a:xfrm>
-            <a:off x="3761510" y="2757054"/>
+            <a:off x="3761510" y="4253345"/>
             <a:ext cx="1517074" cy="166255"/>
           </a:xfrm>
           <a:prstGeom prst="straightConnector1">
@@ -25384,7 +22490,7 @@
         </p:nvCxnSpPr>
         <p:spPr>
           <a:xfrm flipV="1">
-            <a:off x="6497784" y="2455718"/>
+            <a:off x="6497784" y="3952009"/>
             <a:ext cx="1198416" cy="467591"/>
           </a:xfrm>
           <a:prstGeom prst="straightConnector1">
@@ -25409,108 +22515,6 @@
           </a:fontRef>
         </p:style>
       </p:cxnSp>
-      <p:sp>
-        <p:nvSpPr>
-          <p:cNvPr id="60" name="Freeform 59"/>
-          <p:cNvSpPr/>
-          <p:nvPr/>
-        </p:nvSpPr>
-        <p:spPr>
-          <a:xfrm>
-            <a:off x="1233055" y="2408052"/>
-            <a:ext cx="7227751" cy="617534"/>
-          </a:xfrm>
-          <a:custGeom>
-            <a:avLst/>
-            <a:gdLst>
-              <a:gd name="connsiteX0" fmla="*/ 0 w 7227751"/>
-              <a:gd name="connsiteY0" fmla="*/ 542966 h 617534"/>
-              <a:gd name="connsiteX1" fmla="*/ 1953490 w 7227751"/>
-              <a:gd name="connsiteY1" fmla="*/ 349003 h 617534"/>
-              <a:gd name="connsiteX2" fmla="*/ 4641272 w 7227751"/>
-              <a:gd name="connsiteY2" fmla="*/ 612239 h 617534"/>
-              <a:gd name="connsiteX3" fmla="*/ 6996545 w 7227751"/>
-              <a:gd name="connsiteY3" fmla="*/ 58057 h 617534"/>
-              <a:gd name="connsiteX4" fmla="*/ 7010400 w 7227751"/>
-              <a:gd name="connsiteY4" fmla="*/ 44203 h 617534"/>
-            </a:gdLst>
-            <a:ahLst/>
-            <a:cxnLst>
-              <a:cxn ang="0">
-                <a:pos x="connsiteX0" y="connsiteY0"/>
-              </a:cxn>
-              <a:cxn ang="0">
-                <a:pos x="connsiteX1" y="connsiteY1"/>
-              </a:cxn>
-              <a:cxn ang="0">
-                <a:pos x="connsiteX2" y="connsiteY2"/>
-              </a:cxn>
-              <a:cxn ang="0">
-                <a:pos x="connsiteX3" y="connsiteY3"/>
-              </a:cxn>
-              <a:cxn ang="0">
-                <a:pos x="connsiteX4" y="connsiteY4"/>
-              </a:cxn>
-            </a:cxnLst>
-            <a:rect l="l" t="t" r="r" b="b"/>
-            <a:pathLst>
-              <a:path w="7227751" h="617534">
-                <a:moveTo>
-                  <a:pt x="0" y="542966"/>
-                </a:moveTo>
-                <a:cubicBezTo>
-                  <a:pt x="589972" y="440212"/>
-                  <a:pt x="1179945" y="337458"/>
-                  <a:pt x="1953490" y="349003"/>
-                </a:cubicBezTo>
-                <a:cubicBezTo>
-                  <a:pt x="2727035" y="360548"/>
-                  <a:pt x="3800763" y="660730"/>
-                  <a:pt x="4641272" y="612239"/>
-                </a:cubicBezTo>
-                <a:cubicBezTo>
-                  <a:pt x="5481781" y="563748"/>
-                  <a:pt x="6601690" y="152730"/>
-                  <a:pt x="6996545" y="58057"/>
-                </a:cubicBezTo>
-                <a:cubicBezTo>
-                  <a:pt x="7391400" y="-36616"/>
-                  <a:pt x="7200900" y="3793"/>
-                  <a:pt x="7010400" y="44203"/>
-                </a:cubicBezTo>
-              </a:path>
-            </a:pathLst>
-          </a:custGeom>
-          <a:ln w="28575">
-            <a:solidFill>
-              <a:srgbClr val="C00000"/>
-            </a:solidFill>
-            <a:prstDash val="sysDash"/>
-          </a:ln>
-        </p:spPr>
-        <p:style>
-          <a:lnRef idx="1">
-            <a:schemeClr val="accent1"/>
-          </a:lnRef>
-          <a:fillRef idx="0">
-            <a:schemeClr val="accent1"/>
-          </a:fillRef>
-          <a:effectRef idx="0">
-            <a:schemeClr val="accent1"/>
-          </a:effectRef>
-          <a:fontRef idx="minor">
-            <a:schemeClr val="tx1"/>
-          </a:fontRef>
-        </p:style>
-        <p:txBody>
-          <a:bodyPr rtlCol="0" anchor="ctr"/>
-          <a:lstStyle/>
-          <a:p>
-            <a:pPr algn="ctr"/>
-            <a:endParaRPr lang="en-US"/>
-          </a:p>
-        </p:txBody>
-      </p:sp>
       <p:pic>
         <p:nvPicPr>
           <p:cNvPr id="3074" name="Picture 2" descr="C:\Users\Le Phuc Lu\Desktop\coach.png"/>
@@ -25521,6 +22525,13 @@
         </p:nvPicPr>
         <p:blipFill>
           <a:blip r:embed="rId3" cstate="print">
+            <a:duotone>
+              <a:schemeClr val="accent1">
+                <a:shade val="45000"/>
+                <a:satMod val="135000"/>
+              </a:schemeClr>
+              <a:prstClr val="white"/>
+            </a:duotone>
             <a:extLst>
               <a:ext uri="{28A0092B-C50C-407E-A947-70E740481C1C}">
                 <a14:useLocalDpi xmlns:a14="http://schemas.microsoft.com/office/drawing/2010/main" val="0"/>
@@ -25534,7 +22545,7 @@
         </p:blipFill>
         <p:spPr bwMode="auto">
           <a:xfrm>
-            <a:off x="718054" y="3505200"/>
+            <a:off x="796233" y="4953000"/>
             <a:ext cx="766763" cy="777875"/>
           </a:xfrm>
           <a:prstGeom prst="rect">
@@ -25552,529 +22563,6 @@
           </a:extLst>
         </p:spPr>
       </p:pic>
-      <p:sp>
-        <p:nvSpPr>
-          <p:cNvPr id="3073" name="Snip Single Corner Rectangle 3072"/>
-          <p:cNvSpPr/>
-          <p:nvPr/>
-        </p:nvSpPr>
-        <p:spPr>
-          <a:xfrm>
-            <a:off x="718054" y="4419600"/>
-            <a:ext cx="1242364" cy="581891"/>
-          </a:xfrm>
-          <a:prstGeom prst="snip1Rect">
-            <a:avLst/>
-          </a:prstGeom>
-        </p:spPr>
-        <p:style>
-          <a:lnRef idx="2">
-            <a:schemeClr val="accent5">
-              <a:shade val="50000"/>
-            </a:schemeClr>
-          </a:lnRef>
-          <a:fillRef idx="1">
-            <a:schemeClr val="accent5"/>
-          </a:fillRef>
-          <a:effectRef idx="0">
-            <a:schemeClr val="accent5"/>
-          </a:effectRef>
-          <a:fontRef idx="minor">
-            <a:schemeClr val="lt1"/>
-          </a:fontRef>
-        </p:style>
-        <p:txBody>
-          <a:bodyPr rtlCol="0" anchor="ctr"/>
-          <a:lstStyle/>
-          <a:p>
-            <a:pPr algn="ctr"/>
-            <a:r>
-              <a:rPr lang="en-US" dirty="0" smtClean="0">
-                <a:solidFill>
-                  <a:srgbClr val="FF0000"/>
-                </a:solidFill>
-              </a:rPr>
-              <a:t>7:00 AM</a:t>
-            </a:r>
-            <a:endParaRPr lang="en-US" dirty="0">
-              <a:solidFill>
-                <a:srgbClr val="FF0000"/>
-              </a:solidFill>
-            </a:endParaRPr>
-          </a:p>
-        </p:txBody>
-      </p:sp>
-      <p:sp>
-        <p:nvSpPr>
-          <p:cNvPr id="3076" name="Rounded Rectangle 3075"/>
-          <p:cNvSpPr/>
-          <p:nvPr/>
-        </p:nvSpPr>
-        <p:spPr>
-          <a:xfrm>
-            <a:off x="1526381" y="1762990"/>
-            <a:ext cx="1175256" cy="623455"/>
-          </a:xfrm>
-          <a:prstGeom prst="roundRect">
-            <a:avLst/>
-          </a:prstGeom>
-        </p:spPr>
-        <p:style>
-          <a:lnRef idx="1">
-            <a:schemeClr val="accent6"/>
-          </a:lnRef>
-          <a:fillRef idx="2">
-            <a:schemeClr val="accent6"/>
-          </a:fillRef>
-          <a:effectRef idx="1">
-            <a:schemeClr val="accent6"/>
-          </a:effectRef>
-          <a:fontRef idx="minor">
-            <a:schemeClr val="dk1"/>
-          </a:fontRef>
-        </p:style>
-        <p:txBody>
-          <a:bodyPr rtlCol="0" anchor="ctr"/>
-          <a:lstStyle/>
-          <a:p>
-            <a:pPr algn="ctr"/>
-            <a:r>
-              <a:rPr lang="en-US" dirty="0"/>
-              <a:t>4</a:t>
-            </a:r>
-            <a:r>
-              <a:rPr lang="en-US" dirty="0" smtClean="0"/>
-              <a:t>h</a:t>
-            </a:r>
-          </a:p>
-          <a:p>
-            <a:pPr algn="ctr"/>
-            <a:r>
-              <a:rPr lang="en-US" dirty="0" smtClean="0"/>
-              <a:t>178 km</a:t>
-            </a:r>
-            <a:endParaRPr lang="en-US" dirty="0"/>
-          </a:p>
-        </p:txBody>
-      </p:sp>
-      <p:sp>
-        <p:nvSpPr>
-          <p:cNvPr id="69" name="Rounded Rectangle 68"/>
-          <p:cNvSpPr/>
-          <p:nvPr/>
-        </p:nvSpPr>
-        <p:spPr>
-          <a:xfrm>
-            <a:off x="3984372" y="1915390"/>
-            <a:ext cx="1175256" cy="623455"/>
-          </a:xfrm>
-          <a:prstGeom prst="roundRect">
-            <a:avLst/>
-          </a:prstGeom>
-        </p:spPr>
-        <p:style>
-          <a:lnRef idx="1">
-            <a:schemeClr val="accent6"/>
-          </a:lnRef>
-          <a:fillRef idx="2">
-            <a:schemeClr val="accent6"/>
-          </a:fillRef>
-          <a:effectRef idx="1">
-            <a:schemeClr val="accent6"/>
-          </a:effectRef>
-          <a:fontRef idx="minor">
-            <a:schemeClr val="dk1"/>
-          </a:fontRef>
-        </p:style>
-        <p:txBody>
-          <a:bodyPr rtlCol="0" anchor="ctr"/>
-          <a:lstStyle/>
-          <a:p>
-            <a:pPr algn="ctr"/>
-            <a:r>
-              <a:rPr lang="en-US" dirty="0" smtClean="0"/>
-              <a:t>3h</a:t>
-            </a:r>
-          </a:p>
-          <a:p>
-            <a:pPr algn="ctr"/>
-            <a:r>
-              <a:rPr lang="en-US" dirty="0" smtClean="0"/>
-              <a:t>169 km</a:t>
-            </a:r>
-            <a:endParaRPr lang="en-US" dirty="0"/>
-          </a:p>
-        </p:txBody>
-      </p:sp>
-      <p:sp>
-        <p:nvSpPr>
-          <p:cNvPr id="70" name="Rounded Rectangle 69"/>
-          <p:cNvSpPr/>
-          <p:nvPr/>
-        </p:nvSpPr>
-        <p:spPr>
-          <a:xfrm>
-            <a:off x="6248400" y="1752599"/>
-            <a:ext cx="1175256" cy="623455"/>
-          </a:xfrm>
-          <a:prstGeom prst="roundRect">
-            <a:avLst/>
-          </a:prstGeom>
-        </p:spPr>
-        <p:style>
-          <a:lnRef idx="1">
-            <a:schemeClr val="accent6"/>
-          </a:lnRef>
-          <a:fillRef idx="2">
-            <a:schemeClr val="accent6"/>
-          </a:fillRef>
-          <a:effectRef idx="1">
-            <a:schemeClr val="accent6"/>
-          </a:effectRef>
-          <a:fontRef idx="minor">
-            <a:schemeClr val="dk1"/>
-          </a:fontRef>
-        </p:style>
-        <p:txBody>
-          <a:bodyPr rtlCol="0" anchor="ctr"/>
-          <a:lstStyle/>
-          <a:p>
-            <a:pPr algn="ctr"/>
-            <a:r>
-              <a:rPr lang="en-US" dirty="0" smtClean="0"/>
-              <a:t>8h</a:t>
-            </a:r>
-          </a:p>
-          <a:p>
-            <a:pPr algn="ctr"/>
-            <a:r>
-              <a:rPr lang="en-US" dirty="0" smtClean="0"/>
-              <a:t>308 km</a:t>
-            </a:r>
-            <a:endParaRPr lang="en-US" dirty="0"/>
-          </a:p>
-        </p:txBody>
-      </p:sp>
-      <p:sp>
-        <p:nvSpPr>
-          <p:cNvPr id="71" name="Snip Single Corner Rectangle 70"/>
-          <p:cNvSpPr/>
-          <p:nvPr/>
-        </p:nvSpPr>
-        <p:spPr>
-          <a:xfrm>
-            <a:off x="480362" y="4376015"/>
-            <a:ext cx="2008910" cy="708603"/>
-          </a:xfrm>
-          <a:prstGeom prst="snip1Rect">
-            <a:avLst/>
-          </a:prstGeom>
-        </p:spPr>
-        <p:style>
-          <a:lnRef idx="1">
-            <a:schemeClr val="dk1"/>
-          </a:lnRef>
-          <a:fillRef idx="2">
-            <a:schemeClr val="dk1"/>
-          </a:fillRef>
-          <a:effectRef idx="1">
-            <a:schemeClr val="dk1"/>
-          </a:effectRef>
-          <a:fontRef idx="minor">
-            <a:schemeClr val="dk1"/>
-          </a:fontRef>
-        </p:style>
-        <p:txBody>
-          <a:bodyPr rtlCol="0" anchor="ctr"/>
-          <a:lstStyle/>
-          <a:p>
-            <a:pPr algn="ctr"/>
-            <a:r>
-              <a:rPr lang="en-US" dirty="0" smtClean="0">
-                <a:solidFill>
-                  <a:srgbClr val="7030A0"/>
-                </a:solidFill>
-              </a:rPr>
-              <a:t>7:00 AM </a:t>
-            </a:r>
-          </a:p>
-          <a:p>
-            <a:pPr algn="ctr"/>
-            <a:r>
-              <a:rPr lang="en-US" dirty="0" smtClean="0">
-                <a:solidFill>
-                  <a:srgbClr val="7030A0"/>
-                </a:solidFill>
-              </a:rPr>
-              <a:t>07 May 2014</a:t>
-            </a:r>
-            <a:endParaRPr lang="en-US" dirty="0">
-              <a:solidFill>
-                <a:srgbClr val="7030A0"/>
-              </a:solidFill>
-            </a:endParaRPr>
-          </a:p>
-        </p:txBody>
-      </p:sp>
-      <p:sp>
-        <p:nvSpPr>
-          <p:cNvPr id="72" name="Rectangle 71"/>
-          <p:cNvSpPr/>
-          <p:nvPr/>
-        </p:nvSpPr>
-        <p:spPr>
-          <a:xfrm>
-            <a:off x="2667000" y="5153891"/>
-            <a:ext cx="3810001" cy="914400"/>
-          </a:xfrm>
-          <a:prstGeom prst="rect">
-            <a:avLst/>
-          </a:prstGeom>
-        </p:spPr>
-        <p:style>
-          <a:lnRef idx="0">
-            <a:schemeClr val="accent1"/>
-          </a:lnRef>
-          <a:fillRef idx="3">
-            <a:schemeClr val="accent1"/>
-          </a:fillRef>
-          <a:effectRef idx="3">
-            <a:schemeClr val="accent1"/>
-          </a:effectRef>
-          <a:fontRef idx="minor">
-            <a:schemeClr val="lt1"/>
-          </a:fontRef>
-        </p:style>
-        <p:txBody>
-          <a:bodyPr rtlCol="0" anchor="ctr"/>
-          <a:lstStyle/>
-          <a:p>
-            <a:pPr algn="ctr"/>
-            <a:r>
-              <a:rPr lang="en-US" sz="2400" b="1" dirty="0" smtClean="0"/>
-              <a:t>STAGES</a:t>
-            </a:r>
-            <a:endParaRPr lang="en-US" sz="2400" b="1" dirty="0"/>
-          </a:p>
-        </p:txBody>
-      </p:sp>
-      <p:sp>
-        <p:nvSpPr>
-          <p:cNvPr id="73" name="Rectangle 72"/>
-          <p:cNvSpPr/>
-          <p:nvPr/>
-        </p:nvSpPr>
-        <p:spPr>
-          <a:xfrm>
-            <a:off x="2667000" y="5153891"/>
-            <a:ext cx="3810001" cy="914400"/>
-          </a:xfrm>
-          <a:prstGeom prst="rect">
-            <a:avLst/>
-          </a:prstGeom>
-        </p:spPr>
-        <p:style>
-          <a:lnRef idx="0">
-            <a:schemeClr val="accent1"/>
-          </a:lnRef>
-          <a:fillRef idx="3">
-            <a:schemeClr val="accent1"/>
-          </a:fillRef>
-          <a:effectRef idx="3">
-            <a:schemeClr val="accent1"/>
-          </a:effectRef>
-          <a:fontRef idx="minor">
-            <a:schemeClr val="lt1"/>
-          </a:fontRef>
-        </p:style>
-        <p:txBody>
-          <a:bodyPr rtlCol="0" anchor="ctr"/>
-          <a:lstStyle/>
-          <a:p>
-            <a:pPr algn="ctr"/>
-            <a:r>
-              <a:rPr lang="en-US" sz="2400" b="1" dirty="0" smtClean="0"/>
-              <a:t>ROUTES</a:t>
-            </a:r>
-            <a:endParaRPr lang="en-US" sz="2400" b="1" dirty="0"/>
-          </a:p>
-        </p:txBody>
-      </p:sp>
-      <p:sp>
-        <p:nvSpPr>
-          <p:cNvPr id="74" name="Rectangle 73"/>
-          <p:cNvSpPr/>
-          <p:nvPr/>
-        </p:nvSpPr>
-        <p:spPr>
-          <a:xfrm>
-            <a:off x="2667000" y="5153891"/>
-            <a:ext cx="3810001" cy="914400"/>
-          </a:xfrm>
-          <a:prstGeom prst="rect">
-            <a:avLst/>
-          </a:prstGeom>
-        </p:spPr>
-        <p:style>
-          <a:lnRef idx="0">
-            <a:schemeClr val="accent1"/>
-          </a:lnRef>
-          <a:fillRef idx="3">
-            <a:schemeClr val="accent1"/>
-          </a:fillRef>
-          <a:effectRef idx="3">
-            <a:schemeClr val="accent1"/>
-          </a:effectRef>
-          <a:fontRef idx="minor">
-            <a:schemeClr val="lt1"/>
-          </a:fontRef>
-        </p:style>
-        <p:txBody>
-          <a:bodyPr rtlCol="0" anchor="ctr"/>
-          <a:lstStyle/>
-          <a:p>
-            <a:pPr algn="ctr"/>
-            <a:r>
-              <a:rPr lang="en-US" sz="2400" b="1" dirty="0" smtClean="0"/>
-              <a:t>COACHES</a:t>
-            </a:r>
-            <a:endParaRPr lang="en-US" sz="2400" b="1" dirty="0"/>
-          </a:p>
-        </p:txBody>
-      </p:sp>
-      <p:sp>
-        <p:nvSpPr>
-          <p:cNvPr id="3077" name="Rounded Rectangle 3076"/>
-          <p:cNvSpPr/>
-          <p:nvPr/>
-        </p:nvSpPr>
-        <p:spPr>
-          <a:xfrm>
-            <a:off x="1865708" y="3589336"/>
-            <a:ext cx="1715691" cy="609601"/>
-          </a:xfrm>
-          <a:prstGeom prst="roundRect">
-            <a:avLst/>
-          </a:prstGeom>
-        </p:spPr>
-        <p:style>
-          <a:lnRef idx="1">
-            <a:schemeClr val="accent5"/>
-          </a:lnRef>
-          <a:fillRef idx="2">
-            <a:schemeClr val="accent5"/>
-          </a:fillRef>
-          <a:effectRef idx="1">
-            <a:schemeClr val="accent5"/>
-          </a:effectRef>
-          <a:fontRef idx="minor">
-            <a:schemeClr val="dk1"/>
-          </a:fontRef>
-        </p:style>
-        <p:txBody>
-          <a:bodyPr rtlCol="0" anchor="ctr"/>
-          <a:lstStyle/>
-          <a:p>
-            <a:pPr algn="ctr"/>
-            <a:r>
-              <a:rPr lang="en-US" dirty="0" smtClean="0"/>
-              <a:t>Volume </a:t>
-            </a:r>
-          </a:p>
-          <a:p>
-            <a:pPr algn="ctr"/>
-            <a:r>
-              <a:rPr lang="en-US" dirty="0" smtClean="0"/>
-              <a:t>(L x W x H)</a:t>
-            </a:r>
-            <a:endParaRPr lang="en-US" dirty="0"/>
-          </a:p>
-        </p:txBody>
-      </p:sp>
-      <p:sp>
-        <p:nvSpPr>
-          <p:cNvPr id="76" name="Rectangle 75"/>
-          <p:cNvSpPr/>
-          <p:nvPr/>
-        </p:nvSpPr>
-        <p:spPr>
-          <a:xfrm>
-            <a:off x="2666999" y="5153891"/>
-            <a:ext cx="3810001" cy="914400"/>
-          </a:xfrm>
-          <a:prstGeom prst="rect">
-            <a:avLst/>
-          </a:prstGeom>
-        </p:spPr>
-        <p:style>
-          <a:lnRef idx="0">
-            <a:schemeClr val="accent1"/>
-          </a:lnRef>
-          <a:fillRef idx="3">
-            <a:schemeClr val="accent1"/>
-          </a:fillRef>
-          <a:effectRef idx="3">
-            <a:schemeClr val="accent1"/>
-          </a:effectRef>
-          <a:fontRef idx="minor">
-            <a:schemeClr val="lt1"/>
-          </a:fontRef>
-        </p:style>
-        <p:txBody>
-          <a:bodyPr rtlCol="0" anchor="ctr"/>
-          <a:lstStyle/>
-          <a:p>
-            <a:pPr algn="ctr"/>
-            <a:r>
-              <a:rPr lang="en-US" sz="2400" b="1" dirty="0" smtClean="0"/>
-              <a:t>SCHEDULES</a:t>
-            </a:r>
-            <a:endParaRPr lang="en-US" sz="2400" b="1" dirty="0"/>
-          </a:p>
-        </p:txBody>
-      </p:sp>
-      <p:sp>
-        <p:nvSpPr>
-          <p:cNvPr id="77" name="Rectangle 76"/>
-          <p:cNvSpPr/>
-          <p:nvPr/>
-        </p:nvSpPr>
-        <p:spPr>
-          <a:xfrm>
-            <a:off x="2680855" y="5153891"/>
-            <a:ext cx="3810001" cy="914400"/>
-          </a:xfrm>
-          <a:prstGeom prst="rect">
-            <a:avLst/>
-          </a:prstGeom>
-        </p:spPr>
-        <p:style>
-          <a:lnRef idx="0">
-            <a:schemeClr val="accent1"/>
-          </a:lnRef>
-          <a:fillRef idx="3">
-            <a:schemeClr val="accent1"/>
-          </a:fillRef>
-          <a:effectRef idx="3">
-            <a:schemeClr val="accent1"/>
-          </a:effectRef>
-          <a:fontRef idx="minor">
-            <a:schemeClr val="lt1"/>
-          </a:fontRef>
-        </p:style>
-        <p:txBody>
-          <a:bodyPr rtlCol="0" anchor="ctr"/>
-          <a:lstStyle/>
-          <a:p>
-            <a:pPr algn="ctr"/>
-            <a:r>
-              <a:rPr lang="en-US" sz="2400" b="1" dirty="0" smtClean="0"/>
-              <a:t>TRIPS</a:t>
-            </a:r>
-            <a:endParaRPr lang="en-US" sz="2400" b="1" dirty="0"/>
-          </a:p>
-        </p:txBody>
-      </p:sp>
       <p:pic>
         <p:nvPicPr>
           <p:cNvPr id="10242" name="Picture 2" descr="C:\Users\Le Phuc Lu\Desktop\Capture.PNG"/>
@@ -26198,6 +22686,1862 @@
           </a:p>
         </p:txBody>
       </p:sp>
+      <p:pic>
+        <p:nvPicPr>
+          <p:cNvPr id="3075" name="Picture 3" descr="C:\Users\Le Phuc Lu\Desktop\Capture.PNG"/>
+          <p:cNvPicPr>
+            <a:picLocks noChangeAspect="1" noChangeArrowheads="1"/>
+          </p:cNvPicPr>
+          <p:nvPr/>
+        </p:nvPicPr>
+        <p:blipFill>
+          <a:blip r:embed="rId6" cstate="print">
+            <a:duotone>
+              <a:prstClr val="black"/>
+              <a:schemeClr val="tx2">
+                <a:tint val="45000"/>
+                <a:satMod val="400000"/>
+              </a:schemeClr>
+            </a:duotone>
+            <a:extLst>
+              <a:ext uri="{28A0092B-C50C-407E-A947-70E740481C1C}">
+                <a14:useLocalDpi xmlns:a14="http://schemas.microsoft.com/office/drawing/2010/main" val="0"/>
+              </a:ext>
+            </a:extLst>
+          </a:blip>
+          <a:srcRect/>
+          <a:stretch>
+            <a:fillRect/>
+          </a:stretch>
+        </p:blipFill>
+        <p:spPr bwMode="auto">
+          <a:xfrm>
+            <a:off x="951043" y="1148090"/>
+            <a:ext cx="700431" cy="551970"/>
+          </a:xfrm>
+          <a:prstGeom prst="rect">
+            <a:avLst/>
+          </a:prstGeom>
+          <a:noFill/>
+          <a:extLst>
+            <a:ext uri="{909E8E84-426E-40DD-AFC4-6F175D3DCCD1}">
+              <a14:hiddenFill xmlns:a14="http://schemas.microsoft.com/office/drawing/2010/main">
+                <a:solidFill>
+                  <a:srgbClr val="FFFFFF"/>
+                </a:solidFill>
+              </a14:hiddenFill>
+            </a:ext>
+          </a:extLst>
+        </p:spPr>
+      </p:pic>
+      <p:sp>
+        <p:nvSpPr>
+          <p:cNvPr id="30" name="Content Placeholder 2"/>
+          <p:cNvSpPr txBox="1">
+            <a:spLocks/>
+          </p:cNvSpPr>
+          <p:nvPr/>
+        </p:nvSpPr>
+        <p:spPr bwMode="auto">
+          <a:xfrm>
+            <a:off x="1809008" y="1270476"/>
+            <a:ext cx="4210792" cy="429584"/>
+          </a:xfrm>
+          <a:prstGeom prst="rect">
+            <a:avLst/>
+          </a:prstGeom>
+          <a:noFill/>
+          <a:ln w="9525">
+            <a:noFill/>
+            <a:miter lim="800000"/>
+            <a:headEnd/>
+            <a:tailEnd/>
+          </a:ln>
+          <a:effectLst/>
+        </p:spPr>
+        <p:txBody>
+          <a:bodyPr vert="horz" wrap="square" lIns="91440" tIns="45720" rIns="91440" bIns="45720" numCol="1" anchor="t" anchorCtr="0" compatLnSpc="1">
+            <a:prstTxWarp prst="textNoShape">
+              <a:avLst/>
+            </a:prstTxWarp>
+          </a:bodyPr>
+          <a:lstStyle>
+            <a:lvl1pPr marL="342900" indent="-342900" algn="l" rtl="0" eaLnBrk="1" fontAlgn="base" hangingPunct="1">
+              <a:spcBef>
+                <a:spcPct val="20000"/>
+              </a:spcBef>
+              <a:spcAft>
+                <a:spcPct val="0"/>
+              </a:spcAft>
+              <a:buClr>
+                <a:schemeClr val="hlink"/>
+              </a:buClr>
+              <a:buFont typeface="Wingdings" pitchFamily="2" charset="2"/>
+              <a:buChar char="v"/>
+              <a:defRPr sz="2800" b="1">
+                <a:solidFill>
+                  <a:srgbClr val="1481B8"/>
+                </a:solidFill>
+                <a:latin typeface="+mn-lt"/>
+                <a:ea typeface="+mn-ea"/>
+                <a:cs typeface="+mn-cs"/>
+              </a:defRPr>
+            </a:lvl1pPr>
+            <a:lvl2pPr marL="742950" indent="-285750" algn="l" rtl="0" eaLnBrk="1" fontAlgn="base" hangingPunct="1">
+              <a:spcBef>
+                <a:spcPct val="20000"/>
+              </a:spcBef>
+              <a:spcAft>
+                <a:spcPct val="0"/>
+              </a:spcAft>
+              <a:buClr>
+                <a:schemeClr val="accent1"/>
+              </a:buClr>
+              <a:buFont typeface="Wingdings" pitchFamily="2" charset="2"/>
+              <a:buChar char="§"/>
+              <a:defRPr sz="2800">
+                <a:solidFill>
+                  <a:schemeClr val="tx1"/>
+                </a:solidFill>
+                <a:latin typeface="Arial" charset="0"/>
+              </a:defRPr>
+            </a:lvl2pPr>
+            <a:lvl3pPr marL="1143000" indent="-228600" algn="l" rtl="0" eaLnBrk="1" fontAlgn="base" hangingPunct="1">
+              <a:spcBef>
+                <a:spcPct val="20000"/>
+              </a:spcBef>
+              <a:spcAft>
+                <a:spcPct val="0"/>
+              </a:spcAft>
+              <a:buClr>
+                <a:schemeClr val="tx1"/>
+              </a:buClr>
+              <a:buChar char="•"/>
+              <a:defRPr sz="2400">
+                <a:solidFill>
+                  <a:schemeClr val="tx1"/>
+                </a:solidFill>
+                <a:latin typeface="Arial" charset="0"/>
+              </a:defRPr>
+            </a:lvl3pPr>
+            <a:lvl4pPr marL="1600200" indent="-228600" algn="l" rtl="0" eaLnBrk="1" fontAlgn="base" hangingPunct="1">
+              <a:spcBef>
+                <a:spcPct val="20000"/>
+              </a:spcBef>
+              <a:spcAft>
+                <a:spcPct val="0"/>
+              </a:spcAft>
+              <a:buChar char="–"/>
+              <a:defRPr sz="2000">
+                <a:solidFill>
+                  <a:schemeClr val="tx1"/>
+                </a:solidFill>
+                <a:latin typeface="Arial" charset="0"/>
+              </a:defRPr>
+            </a:lvl4pPr>
+            <a:lvl5pPr marL="2057400" indent="-228600" algn="l" rtl="0" eaLnBrk="1" fontAlgn="base" hangingPunct="1">
+              <a:spcBef>
+                <a:spcPct val="20000"/>
+              </a:spcBef>
+              <a:spcAft>
+                <a:spcPct val="0"/>
+              </a:spcAft>
+              <a:buChar char="»"/>
+              <a:defRPr sz="2000">
+                <a:solidFill>
+                  <a:schemeClr val="tx1"/>
+                </a:solidFill>
+                <a:latin typeface="Arial" charset="0"/>
+              </a:defRPr>
+            </a:lvl5pPr>
+            <a:lvl6pPr marL="2514600" indent="-228600" algn="l" rtl="0" eaLnBrk="1" fontAlgn="base" hangingPunct="1">
+              <a:spcBef>
+                <a:spcPct val="20000"/>
+              </a:spcBef>
+              <a:spcAft>
+                <a:spcPct val="0"/>
+              </a:spcAft>
+              <a:buChar char="»"/>
+              <a:defRPr sz="2000">
+                <a:solidFill>
+                  <a:schemeClr val="tx1"/>
+                </a:solidFill>
+                <a:latin typeface="Arial" charset="0"/>
+              </a:defRPr>
+            </a:lvl6pPr>
+            <a:lvl7pPr marL="2971800" indent="-228600" algn="l" rtl="0" eaLnBrk="1" fontAlgn="base" hangingPunct="1">
+              <a:spcBef>
+                <a:spcPct val="20000"/>
+              </a:spcBef>
+              <a:spcAft>
+                <a:spcPct val="0"/>
+              </a:spcAft>
+              <a:buChar char="»"/>
+              <a:defRPr sz="2000">
+                <a:solidFill>
+                  <a:schemeClr val="tx1"/>
+                </a:solidFill>
+                <a:latin typeface="Arial" charset="0"/>
+              </a:defRPr>
+            </a:lvl7pPr>
+            <a:lvl8pPr marL="3429000" indent="-228600" algn="l" rtl="0" eaLnBrk="1" fontAlgn="base" hangingPunct="1">
+              <a:spcBef>
+                <a:spcPct val="20000"/>
+              </a:spcBef>
+              <a:spcAft>
+                <a:spcPct val="0"/>
+              </a:spcAft>
+              <a:buChar char="»"/>
+              <a:defRPr sz="2000">
+                <a:solidFill>
+                  <a:schemeClr val="tx1"/>
+                </a:solidFill>
+                <a:latin typeface="Arial" charset="0"/>
+              </a:defRPr>
+            </a:lvl8pPr>
+            <a:lvl9pPr marL="3886200" indent="-228600" algn="l" rtl="0" eaLnBrk="1" fontAlgn="base" hangingPunct="1">
+              <a:spcBef>
+                <a:spcPct val="20000"/>
+              </a:spcBef>
+              <a:spcAft>
+                <a:spcPct val="0"/>
+              </a:spcAft>
+              <a:buChar char="»"/>
+              <a:defRPr sz="2000">
+                <a:solidFill>
+                  <a:schemeClr val="tx1"/>
+                </a:solidFill>
+                <a:latin typeface="Arial" charset="0"/>
+              </a:defRPr>
+            </a:lvl9pPr>
+          </a:lstStyle>
+          <a:p>
+            <a:pPr marL="0" indent="0">
+              <a:buNone/>
+            </a:pPr>
+            <a:r>
+              <a:rPr lang="en-US" sz="2000" b="0" dirty="0" err="1" smtClean="0"/>
+              <a:t>Cà</a:t>
+            </a:r>
+            <a:r>
+              <a:rPr lang="en-US" sz="2000" b="0" dirty="0" smtClean="0"/>
+              <a:t> Mau – </a:t>
+            </a:r>
+            <a:r>
+              <a:rPr lang="en-US" sz="2000" b="0" dirty="0" err="1" smtClean="0"/>
+              <a:t>Cần</a:t>
+            </a:r>
+            <a:r>
+              <a:rPr lang="en-US" sz="2000" b="0" dirty="0" smtClean="0"/>
+              <a:t> </a:t>
+            </a:r>
+            <a:r>
+              <a:rPr lang="en-US" sz="2000" b="0" dirty="0" err="1" smtClean="0"/>
+              <a:t>Thơ</a:t>
+            </a:r>
+            <a:r>
+              <a:rPr lang="en-US" sz="2000" b="0" dirty="0" smtClean="0"/>
+              <a:t>, V=100dm</a:t>
+            </a:r>
+            <a:r>
+              <a:rPr lang="en-US" sz="2000" b="0" baseline="30000" dirty="0" smtClean="0"/>
+              <a:t>3</a:t>
+            </a:r>
+            <a:r>
+              <a:rPr lang="en-US" sz="2000" b="0" dirty="0" smtClean="0"/>
+              <a:t> </a:t>
+            </a:r>
+            <a:endParaRPr lang="en-US" sz="2000" b="0" dirty="0" smtClean="0"/>
+          </a:p>
+        </p:txBody>
+      </p:sp>
+      <p:pic>
+        <p:nvPicPr>
+          <p:cNvPr id="31" name="Picture 3" descr="C:\Users\Le Phuc Lu\Desktop\Capture.PNG"/>
+          <p:cNvPicPr>
+            <a:picLocks noChangeAspect="1" noChangeArrowheads="1"/>
+          </p:cNvPicPr>
+          <p:nvPr/>
+        </p:nvPicPr>
+        <p:blipFill>
+          <a:blip r:embed="rId7" cstate="print">
+            <a:duotone>
+              <a:prstClr val="black"/>
+              <a:schemeClr val="accent1">
+                <a:tint val="45000"/>
+                <a:satMod val="400000"/>
+              </a:schemeClr>
+            </a:duotone>
+            <a:extLst>
+              <a:ext uri="{28A0092B-C50C-407E-A947-70E740481C1C}">
+                <a14:useLocalDpi xmlns:a14="http://schemas.microsoft.com/office/drawing/2010/main" val="0"/>
+              </a:ext>
+            </a:extLst>
+          </a:blip>
+          <a:srcRect/>
+          <a:stretch>
+            <a:fillRect/>
+          </a:stretch>
+        </p:blipFill>
+        <p:spPr bwMode="auto">
+          <a:xfrm>
+            <a:off x="937286" y="1676400"/>
+            <a:ext cx="744786" cy="586924"/>
+          </a:xfrm>
+          <a:prstGeom prst="rect">
+            <a:avLst/>
+          </a:prstGeom>
+          <a:noFill/>
+          <a:extLst>
+            <a:ext uri="{909E8E84-426E-40DD-AFC4-6F175D3DCCD1}">
+              <a14:hiddenFill xmlns:a14="http://schemas.microsoft.com/office/drawing/2010/main">
+                <a:solidFill>
+                  <a:srgbClr val="FFFFFF"/>
+                </a:solidFill>
+              </a14:hiddenFill>
+            </a:ext>
+          </a:extLst>
+        </p:spPr>
+      </p:pic>
+      <p:sp>
+        <p:nvSpPr>
+          <p:cNvPr id="32" name="Content Placeholder 2"/>
+          <p:cNvSpPr txBox="1">
+            <a:spLocks/>
+          </p:cNvSpPr>
+          <p:nvPr/>
+        </p:nvSpPr>
+        <p:spPr bwMode="auto">
+          <a:xfrm>
+            <a:off x="1809008" y="1833740"/>
+            <a:ext cx="4079176" cy="429584"/>
+          </a:xfrm>
+          <a:prstGeom prst="rect">
+            <a:avLst/>
+          </a:prstGeom>
+          <a:noFill/>
+          <a:ln w="9525">
+            <a:noFill/>
+            <a:miter lim="800000"/>
+            <a:headEnd/>
+            <a:tailEnd/>
+          </a:ln>
+          <a:effectLst/>
+        </p:spPr>
+        <p:txBody>
+          <a:bodyPr vert="horz" wrap="square" lIns="91440" tIns="45720" rIns="91440" bIns="45720" numCol="1" anchor="t" anchorCtr="0" compatLnSpc="1">
+            <a:prstTxWarp prst="textNoShape">
+              <a:avLst/>
+            </a:prstTxWarp>
+          </a:bodyPr>
+          <a:lstStyle>
+            <a:lvl1pPr marL="342900" indent="-342900" algn="l" rtl="0" eaLnBrk="1" fontAlgn="base" hangingPunct="1">
+              <a:spcBef>
+                <a:spcPct val="20000"/>
+              </a:spcBef>
+              <a:spcAft>
+                <a:spcPct val="0"/>
+              </a:spcAft>
+              <a:buClr>
+                <a:schemeClr val="hlink"/>
+              </a:buClr>
+              <a:buFont typeface="Wingdings" pitchFamily="2" charset="2"/>
+              <a:buChar char="v"/>
+              <a:defRPr sz="2800" b="1">
+                <a:solidFill>
+                  <a:srgbClr val="1481B8"/>
+                </a:solidFill>
+                <a:latin typeface="+mn-lt"/>
+                <a:ea typeface="+mn-ea"/>
+                <a:cs typeface="+mn-cs"/>
+              </a:defRPr>
+            </a:lvl1pPr>
+            <a:lvl2pPr marL="742950" indent="-285750" algn="l" rtl="0" eaLnBrk="1" fontAlgn="base" hangingPunct="1">
+              <a:spcBef>
+                <a:spcPct val="20000"/>
+              </a:spcBef>
+              <a:spcAft>
+                <a:spcPct val="0"/>
+              </a:spcAft>
+              <a:buClr>
+                <a:schemeClr val="accent1"/>
+              </a:buClr>
+              <a:buFont typeface="Wingdings" pitchFamily="2" charset="2"/>
+              <a:buChar char="§"/>
+              <a:defRPr sz="2800">
+                <a:solidFill>
+                  <a:schemeClr val="tx1"/>
+                </a:solidFill>
+                <a:latin typeface="Arial" charset="0"/>
+              </a:defRPr>
+            </a:lvl2pPr>
+            <a:lvl3pPr marL="1143000" indent="-228600" algn="l" rtl="0" eaLnBrk="1" fontAlgn="base" hangingPunct="1">
+              <a:spcBef>
+                <a:spcPct val="20000"/>
+              </a:spcBef>
+              <a:spcAft>
+                <a:spcPct val="0"/>
+              </a:spcAft>
+              <a:buClr>
+                <a:schemeClr val="tx1"/>
+              </a:buClr>
+              <a:buChar char="•"/>
+              <a:defRPr sz="2400">
+                <a:solidFill>
+                  <a:schemeClr val="tx1"/>
+                </a:solidFill>
+                <a:latin typeface="Arial" charset="0"/>
+              </a:defRPr>
+            </a:lvl3pPr>
+            <a:lvl4pPr marL="1600200" indent="-228600" algn="l" rtl="0" eaLnBrk="1" fontAlgn="base" hangingPunct="1">
+              <a:spcBef>
+                <a:spcPct val="20000"/>
+              </a:spcBef>
+              <a:spcAft>
+                <a:spcPct val="0"/>
+              </a:spcAft>
+              <a:buChar char="–"/>
+              <a:defRPr sz="2000">
+                <a:solidFill>
+                  <a:schemeClr val="tx1"/>
+                </a:solidFill>
+                <a:latin typeface="Arial" charset="0"/>
+              </a:defRPr>
+            </a:lvl4pPr>
+            <a:lvl5pPr marL="2057400" indent="-228600" algn="l" rtl="0" eaLnBrk="1" fontAlgn="base" hangingPunct="1">
+              <a:spcBef>
+                <a:spcPct val="20000"/>
+              </a:spcBef>
+              <a:spcAft>
+                <a:spcPct val="0"/>
+              </a:spcAft>
+              <a:buChar char="»"/>
+              <a:defRPr sz="2000">
+                <a:solidFill>
+                  <a:schemeClr val="tx1"/>
+                </a:solidFill>
+                <a:latin typeface="Arial" charset="0"/>
+              </a:defRPr>
+            </a:lvl5pPr>
+            <a:lvl6pPr marL="2514600" indent="-228600" algn="l" rtl="0" eaLnBrk="1" fontAlgn="base" hangingPunct="1">
+              <a:spcBef>
+                <a:spcPct val="20000"/>
+              </a:spcBef>
+              <a:spcAft>
+                <a:spcPct val="0"/>
+              </a:spcAft>
+              <a:buChar char="»"/>
+              <a:defRPr sz="2000">
+                <a:solidFill>
+                  <a:schemeClr val="tx1"/>
+                </a:solidFill>
+                <a:latin typeface="Arial" charset="0"/>
+              </a:defRPr>
+            </a:lvl6pPr>
+            <a:lvl7pPr marL="2971800" indent="-228600" algn="l" rtl="0" eaLnBrk="1" fontAlgn="base" hangingPunct="1">
+              <a:spcBef>
+                <a:spcPct val="20000"/>
+              </a:spcBef>
+              <a:spcAft>
+                <a:spcPct val="0"/>
+              </a:spcAft>
+              <a:buChar char="»"/>
+              <a:defRPr sz="2000">
+                <a:solidFill>
+                  <a:schemeClr val="tx1"/>
+                </a:solidFill>
+                <a:latin typeface="Arial" charset="0"/>
+              </a:defRPr>
+            </a:lvl7pPr>
+            <a:lvl8pPr marL="3429000" indent="-228600" algn="l" rtl="0" eaLnBrk="1" fontAlgn="base" hangingPunct="1">
+              <a:spcBef>
+                <a:spcPct val="20000"/>
+              </a:spcBef>
+              <a:spcAft>
+                <a:spcPct val="0"/>
+              </a:spcAft>
+              <a:buChar char="»"/>
+              <a:defRPr sz="2000">
+                <a:solidFill>
+                  <a:schemeClr val="tx1"/>
+                </a:solidFill>
+                <a:latin typeface="Arial" charset="0"/>
+              </a:defRPr>
+            </a:lvl8pPr>
+            <a:lvl9pPr marL="3886200" indent="-228600" algn="l" rtl="0" eaLnBrk="1" fontAlgn="base" hangingPunct="1">
+              <a:spcBef>
+                <a:spcPct val="20000"/>
+              </a:spcBef>
+              <a:spcAft>
+                <a:spcPct val="0"/>
+              </a:spcAft>
+              <a:buChar char="»"/>
+              <a:defRPr sz="2000">
+                <a:solidFill>
+                  <a:schemeClr val="tx1"/>
+                </a:solidFill>
+                <a:latin typeface="Arial" charset="0"/>
+              </a:defRPr>
+            </a:lvl9pPr>
+          </a:lstStyle>
+          <a:p>
+            <a:pPr marL="0" indent="0">
+              <a:buNone/>
+            </a:pPr>
+            <a:r>
+              <a:rPr lang="en-US" sz="2000" b="0" dirty="0" err="1" smtClean="0"/>
+              <a:t>Cà</a:t>
+            </a:r>
+            <a:r>
+              <a:rPr lang="en-US" sz="2000" b="0" dirty="0" smtClean="0"/>
+              <a:t> Mau – </a:t>
+            </a:r>
+            <a:r>
+              <a:rPr lang="en-US" sz="2000" b="0" dirty="0" err="1" smtClean="0"/>
+              <a:t>Đà</a:t>
+            </a:r>
+            <a:r>
+              <a:rPr lang="en-US" sz="2000" b="0" dirty="0" smtClean="0"/>
+              <a:t> </a:t>
+            </a:r>
+            <a:r>
+              <a:rPr lang="en-US" sz="2000" b="0" dirty="0" err="1" smtClean="0"/>
+              <a:t>Lạt</a:t>
+            </a:r>
+            <a:r>
+              <a:rPr lang="en-US" sz="2000" b="0" dirty="0" smtClean="0"/>
+              <a:t>, V=200dm</a:t>
+            </a:r>
+            <a:r>
+              <a:rPr lang="en-US" sz="2000" b="0" baseline="30000" dirty="0" smtClean="0"/>
+              <a:t>3</a:t>
+            </a:r>
+            <a:r>
+              <a:rPr lang="en-US" sz="2000" b="0" dirty="0" smtClean="0"/>
+              <a:t> </a:t>
+            </a:r>
+            <a:endParaRPr lang="en-US" sz="2000" b="0" dirty="0" smtClean="0"/>
+          </a:p>
+        </p:txBody>
+      </p:sp>
+      <p:pic>
+        <p:nvPicPr>
+          <p:cNvPr id="33" name="Picture 3" descr="C:\Users\Le Phuc Lu\Desktop\Capture.PNG"/>
+          <p:cNvPicPr>
+            <a:picLocks noChangeAspect="1" noChangeArrowheads="1"/>
+          </p:cNvPicPr>
+          <p:nvPr/>
+        </p:nvPicPr>
+        <p:blipFill>
+          <a:blip r:embed="rId7" cstate="print">
+            <a:duotone>
+              <a:prstClr val="black"/>
+              <a:schemeClr val="accent2">
+                <a:tint val="45000"/>
+                <a:satMod val="400000"/>
+              </a:schemeClr>
+            </a:duotone>
+            <a:extLst>
+              <a:ext uri="{28A0092B-C50C-407E-A947-70E740481C1C}">
+                <a14:useLocalDpi xmlns:a14="http://schemas.microsoft.com/office/drawing/2010/main" val="0"/>
+              </a:ext>
+            </a:extLst>
+          </a:blip>
+          <a:srcRect/>
+          <a:stretch>
+            <a:fillRect/>
+          </a:stretch>
+        </p:blipFill>
+        <p:spPr bwMode="auto">
+          <a:xfrm>
+            <a:off x="931614" y="2263324"/>
+            <a:ext cx="744786" cy="586924"/>
+          </a:xfrm>
+          <a:prstGeom prst="rect">
+            <a:avLst/>
+          </a:prstGeom>
+          <a:noFill/>
+          <a:extLst>
+            <a:ext uri="{909E8E84-426E-40DD-AFC4-6F175D3DCCD1}">
+              <a14:hiddenFill xmlns:a14="http://schemas.microsoft.com/office/drawing/2010/main">
+                <a:solidFill>
+                  <a:srgbClr val="FFFFFF"/>
+                </a:solidFill>
+              </a14:hiddenFill>
+            </a:ext>
+          </a:extLst>
+        </p:spPr>
+      </p:pic>
+      <p:sp>
+        <p:nvSpPr>
+          <p:cNvPr id="34" name="Content Placeholder 2"/>
+          <p:cNvSpPr txBox="1">
+            <a:spLocks/>
+          </p:cNvSpPr>
+          <p:nvPr/>
+        </p:nvSpPr>
+        <p:spPr bwMode="auto">
+          <a:xfrm>
+            <a:off x="1809008" y="2341994"/>
+            <a:ext cx="4210792" cy="429584"/>
+          </a:xfrm>
+          <a:prstGeom prst="rect">
+            <a:avLst/>
+          </a:prstGeom>
+          <a:noFill/>
+          <a:ln w="9525">
+            <a:noFill/>
+            <a:miter lim="800000"/>
+            <a:headEnd/>
+            <a:tailEnd/>
+          </a:ln>
+          <a:effectLst/>
+        </p:spPr>
+        <p:txBody>
+          <a:bodyPr vert="horz" wrap="square" lIns="91440" tIns="45720" rIns="91440" bIns="45720" numCol="1" anchor="t" anchorCtr="0" compatLnSpc="1">
+            <a:prstTxWarp prst="textNoShape">
+              <a:avLst/>
+            </a:prstTxWarp>
+          </a:bodyPr>
+          <a:lstStyle>
+            <a:lvl1pPr marL="342900" indent="-342900" algn="l" rtl="0" eaLnBrk="1" fontAlgn="base" hangingPunct="1">
+              <a:spcBef>
+                <a:spcPct val="20000"/>
+              </a:spcBef>
+              <a:spcAft>
+                <a:spcPct val="0"/>
+              </a:spcAft>
+              <a:buClr>
+                <a:schemeClr val="hlink"/>
+              </a:buClr>
+              <a:buFont typeface="Wingdings" pitchFamily="2" charset="2"/>
+              <a:buChar char="v"/>
+              <a:defRPr sz="2800" b="1">
+                <a:solidFill>
+                  <a:srgbClr val="1481B8"/>
+                </a:solidFill>
+                <a:latin typeface="+mn-lt"/>
+                <a:ea typeface="+mn-ea"/>
+                <a:cs typeface="+mn-cs"/>
+              </a:defRPr>
+            </a:lvl1pPr>
+            <a:lvl2pPr marL="742950" indent="-285750" algn="l" rtl="0" eaLnBrk="1" fontAlgn="base" hangingPunct="1">
+              <a:spcBef>
+                <a:spcPct val="20000"/>
+              </a:spcBef>
+              <a:spcAft>
+                <a:spcPct val="0"/>
+              </a:spcAft>
+              <a:buClr>
+                <a:schemeClr val="accent1"/>
+              </a:buClr>
+              <a:buFont typeface="Wingdings" pitchFamily="2" charset="2"/>
+              <a:buChar char="§"/>
+              <a:defRPr sz="2800">
+                <a:solidFill>
+                  <a:schemeClr val="tx1"/>
+                </a:solidFill>
+                <a:latin typeface="Arial" charset="0"/>
+              </a:defRPr>
+            </a:lvl2pPr>
+            <a:lvl3pPr marL="1143000" indent="-228600" algn="l" rtl="0" eaLnBrk="1" fontAlgn="base" hangingPunct="1">
+              <a:spcBef>
+                <a:spcPct val="20000"/>
+              </a:spcBef>
+              <a:spcAft>
+                <a:spcPct val="0"/>
+              </a:spcAft>
+              <a:buClr>
+                <a:schemeClr val="tx1"/>
+              </a:buClr>
+              <a:buChar char="•"/>
+              <a:defRPr sz="2400">
+                <a:solidFill>
+                  <a:schemeClr val="tx1"/>
+                </a:solidFill>
+                <a:latin typeface="Arial" charset="0"/>
+              </a:defRPr>
+            </a:lvl3pPr>
+            <a:lvl4pPr marL="1600200" indent="-228600" algn="l" rtl="0" eaLnBrk="1" fontAlgn="base" hangingPunct="1">
+              <a:spcBef>
+                <a:spcPct val="20000"/>
+              </a:spcBef>
+              <a:spcAft>
+                <a:spcPct val="0"/>
+              </a:spcAft>
+              <a:buChar char="–"/>
+              <a:defRPr sz="2000">
+                <a:solidFill>
+                  <a:schemeClr val="tx1"/>
+                </a:solidFill>
+                <a:latin typeface="Arial" charset="0"/>
+              </a:defRPr>
+            </a:lvl4pPr>
+            <a:lvl5pPr marL="2057400" indent="-228600" algn="l" rtl="0" eaLnBrk="1" fontAlgn="base" hangingPunct="1">
+              <a:spcBef>
+                <a:spcPct val="20000"/>
+              </a:spcBef>
+              <a:spcAft>
+                <a:spcPct val="0"/>
+              </a:spcAft>
+              <a:buChar char="»"/>
+              <a:defRPr sz="2000">
+                <a:solidFill>
+                  <a:schemeClr val="tx1"/>
+                </a:solidFill>
+                <a:latin typeface="Arial" charset="0"/>
+              </a:defRPr>
+            </a:lvl5pPr>
+            <a:lvl6pPr marL="2514600" indent="-228600" algn="l" rtl="0" eaLnBrk="1" fontAlgn="base" hangingPunct="1">
+              <a:spcBef>
+                <a:spcPct val="20000"/>
+              </a:spcBef>
+              <a:spcAft>
+                <a:spcPct val="0"/>
+              </a:spcAft>
+              <a:buChar char="»"/>
+              <a:defRPr sz="2000">
+                <a:solidFill>
+                  <a:schemeClr val="tx1"/>
+                </a:solidFill>
+                <a:latin typeface="Arial" charset="0"/>
+              </a:defRPr>
+            </a:lvl6pPr>
+            <a:lvl7pPr marL="2971800" indent="-228600" algn="l" rtl="0" eaLnBrk="1" fontAlgn="base" hangingPunct="1">
+              <a:spcBef>
+                <a:spcPct val="20000"/>
+              </a:spcBef>
+              <a:spcAft>
+                <a:spcPct val="0"/>
+              </a:spcAft>
+              <a:buChar char="»"/>
+              <a:defRPr sz="2000">
+                <a:solidFill>
+                  <a:schemeClr val="tx1"/>
+                </a:solidFill>
+                <a:latin typeface="Arial" charset="0"/>
+              </a:defRPr>
+            </a:lvl7pPr>
+            <a:lvl8pPr marL="3429000" indent="-228600" algn="l" rtl="0" eaLnBrk="1" fontAlgn="base" hangingPunct="1">
+              <a:spcBef>
+                <a:spcPct val="20000"/>
+              </a:spcBef>
+              <a:spcAft>
+                <a:spcPct val="0"/>
+              </a:spcAft>
+              <a:buChar char="»"/>
+              <a:defRPr sz="2000">
+                <a:solidFill>
+                  <a:schemeClr val="tx1"/>
+                </a:solidFill>
+                <a:latin typeface="Arial" charset="0"/>
+              </a:defRPr>
+            </a:lvl8pPr>
+            <a:lvl9pPr marL="3886200" indent="-228600" algn="l" rtl="0" eaLnBrk="1" fontAlgn="base" hangingPunct="1">
+              <a:spcBef>
+                <a:spcPct val="20000"/>
+              </a:spcBef>
+              <a:spcAft>
+                <a:spcPct val="0"/>
+              </a:spcAft>
+              <a:buChar char="»"/>
+              <a:defRPr sz="2000">
+                <a:solidFill>
+                  <a:schemeClr val="tx1"/>
+                </a:solidFill>
+                <a:latin typeface="Arial" charset="0"/>
+              </a:defRPr>
+            </a:lvl9pPr>
+          </a:lstStyle>
+          <a:p>
+            <a:pPr marL="0" indent="0">
+              <a:buNone/>
+            </a:pPr>
+            <a:r>
+              <a:rPr lang="en-US" sz="2000" b="0" dirty="0" err="1" smtClean="0"/>
+              <a:t>Cần</a:t>
+            </a:r>
+            <a:r>
+              <a:rPr lang="en-US" sz="2000" b="0" dirty="0" smtClean="0"/>
+              <a:t> </a:t>
+            </a:r>
+            <a:r>
+              <a:rPr lang="en-US" sz="2000" b="0" dirty="0" err="1" smtClean="0"/>
+              <a:t>Thơ</a:t>
+            </a:r>
+            <a:r>
+              <a:rPr lang="en-US" sz="2000" b="0" dirty="0" smtClean="0"/>
+              <a:t> – </a:t>
+            </a:r>
+            <a:r>
+              <a:rPr lang="en-US" sz="2000" b="0" dirty="0" err="1" smtClean="0"/>
+              <a:t>Sài</a:t>
+            </a:r>
+            <a:r>
+              <a:rPr lang="en-US" sz="2000" b="0" dirty="0" smtClean="0"/>
+              <a:t> </a:t>
+            </a:r>
+            <a:r>
+              <a:rPr lang="en-US" sz="2000" b="0" dirty="0" err="1" smtClean="0"/>
+              <a:t>Gòn</a:t>
+            </a:r>
+            <a:r>
+              <a:rPr lang="en-US" sz="2000" b="0" dirty="0" smtClean="0"/>
+              <a:t>, V=300dm</a:t>
+            </a:r>
+            <a:r>
+              <a:rPr lang="en-US" sz="2000" b="0" baseline="30000" dirty="0" smtClean="0"/>
+              <a:t>3</a:t>
+            </a:r>
+            <a:r>
+              <a:rPr lang="en-US" sz="2000" b="0" dirty="0" smtClean="0"/>
+              <a:t> </a:t>
+            </a:r>
+            <a:endParaRPr lang="en-US" sz="2000" b="0" dirty="0" smtClean="0"/>
+          </a:p>
+        </p:txBody>
+      </p:sp>
+      <p:sp>
+        <p:nvSpPr>
+          <p:cNvPr id="10" name="Rectangle 9"/>
+          <p:cNvSpPr/>
+          <p:nvPr/>
+        </p:nvSpPr>
+        <p:spPr>
+          <a:xfrm>
+            <a:off x="205840" y="5858576"/>
+            <a:ext cx="2057399" cy="533400"/>
+          </a:xfrm>
+          <a:prstGeom prst="rect">
+            <a:avLst/>
+          </a:prstGeom>
+        </p:spPr>
+        <p:style>
+          <a:lnRef idx="1">
+            <a:schemeClr val="dk1"/>
+          </a:lnRef>
+          <a:fillRef idx="2">
+            <a:schemeClr val="dk1"/>
+          </a:fillRef>
+          <a:effectRef idx="1">
+            <a:schemeClr val="dk1"/>
+          </a:effectRef>
+          <a:fontRef idx="minor">
+            <a:schemeClr val="dk1"/>
+          </a:fontRef>
+        </p:style>
+        <p:txBody>
+          <a:bodyPr rtlCol="0" anchor="ctr"/>
+          <a:lstStyle/>
+          <a:p>
+            <a:pPr algn="ctr"/>
+            <a:r>
+              <a:rPr lang="en-US" dirty="0" smtClean="0"/>
+              <a:t>7:00 AM 3/6, </a:t>
+            </a:r>
+          </a:p>
+          <a:p>
+            <a:pPr algn="ctr"/>
+            <a:r>
+              <a:rPr lang="en-US" dirty="0" smtClean="0"/>
+              <a:t>V = 5000 dm</a:t>
+            </a:r>
+            <a:r>
+              <a:rPr lang="en-US" baseline="30000" dirty="0" smtClean="0"/>
+              <a:t>3</a:t>
+            </a:r>
+            <a:endParaRPr lang="en-US" baseline="30000" dirty="0"/>
+          </a:p>
+        </p:txBody>
+      </p:sp>
+      <p:pic>
+        <p:nvPicPr>
+          <p:cNvPr id="50" name="Picture 2" descr="C:\Users\Le Phuc Lu\Desktop\coach.png"/>
+          <p:cNvPicPr>
+            <a:picLocks noChangeAspect="1" noChangeArrowheads="1"/>
+          </p:cNvPicPr>
+          <p:nvPr/>
+        </p:nvPicPr>
+        <p:blipFill>
+          <a:blip r:embed="rId3" cstate="print">
+            <a:duotone>
+              <a:prstClr val="black"/>
+              <a:schemeClr val="tx2">
+                <a:tint val="45000"/>
+                <a:satMod val="400000"/>
+              </a:schemeClr>
+            </a:duotone>
+            <a:extLst>
+              <a:ext uri="{28A0092B-C50C-407E-A947-70E740481C1C}">
+                <a14:useLocalDpi xmlns:a14="http://schemas.microsoft.com/office/drawing/2010/main" val="0"/>
+              </a:ext>
+            </a:extLst>
+          </a:blip>
+          <a:srcRect/>
+          <a:stretch>
+            <a:fillRect/>
+          </a:stretch>
+        </p:blipFill>
+        <p:spPr bwMode="auto">
+          <a:xfrm>
+            <a:off x="2958131" y="4791373"/>
+            <a:ext cx="766763" cy="777875"/>
+          </a:xfrm>
+          <a:prstGeom prst="rect">
+            <a:avLst/>
+          </a:prstGeom>
+          <a:noFill/>
+          <a:extLst>
+            <a:ext uri="{909E8E84-426E-40DD-AFC4-6F175D3DCCD1}">
+              <a14:hiddenFill xmlns:a14="http://schemas.microsoft.com/office/drawing/2010/main">
+                <a:solidFill>
+                  <a:srgbClr val="FFFFFF"/>
+                </a:solidFill>
+              </a14:hiddenFill>
+            </a:ext>
+          </a:extLst>
+        </p:spPr>
+      </p:pic>
+      <p:sp>
+        <p:nvSpPr>
+          <p:cNvPr id="51" name="Rectangle 50"/>
+          <p:cNvSpPr/>
+          <p:nvPr/>
+        </p:nvSpPr>
+        <p:spPr>
+          <a:xfrm>
+            <a:off x="2462648" y="5591876"/>
+            <a:ext cx="2057399" cy="533400"/>
+          </a:xfrm>
+          <a:prstGeom prst="rect">
+            <a:avLst/>
+          </a:prstGeom>
+        </p:spPr>
+        <p:style>
+          <a:lnRef idx="1">
+            <a:schemeClr val="dk1"/>
+          </a:lnRef>
+          <a:fillRef idx="2">
+            <a:schemeClr val="dk1"/>
+          </a:fillRef>
+          <a:effectRef idx="1">
+            <a:schemeClr val="dk1"/>
+          </a:effectRef>
+          <a:fontRef idx="minor">
+            <a:schemeClr val="dk1"/>
+          </a:fontRef>
+        </p:style>
+        <p:txBody>
+          <a:bodyPr rtlCol="0" anchor="ctr"/>
+          <a:lstStyle/>
+          <a:p>
+            <a:pPr algn="ctr"/>
+            <a:r>
+              <a:rPr lang="en-US" dirty="0" smtClean="0"/>
+              <a:t>12:00 AM 3/6, </a:t>
+            </a:r>
+          </a:p>
+          <a:p>
+            <a:pPr algn="ctr"/>
+            <a:r>
+              <a:rPr lang="en-US" dirty="0" smtClean="0"/>
+              <a:t>V = 3000 dm</a:t>
+            </a:r>
+            <a:r>
+              <a:rPr lang="en-US" baseline="30000" dirty="0" smtClean="0"/>
+              <a:t>3</a:t>
+            </a:r>
+            <a:endParaRPr lang="en-US" baseline="30000" dirty="0"/>
+          </a:p>
+        </p:txBody>
+      </p:sp>
+      <p:sp>
+        <p:nvSpPr>
+          <p:cNvPr id="35" name="Rectangle 34"/>
+          <p:cNvSpPr/>
+          <p:nvPr/>
+        </p:nvSpPr>
+        <p:spPr>
+          <a:xfrm>
+            <a:off x="1809008" y="3662796"/>
+            <a:ext cx="653640" cy="375804"/>
+          </a:xfrm>
+          <a:prstGeom prst="rect">
+            <a:avLst/>
+          </a:prstGeom>
+        </p:spPr>
+        <p:style>
+          <a:lnRef idx="2">
+            <a:schemeClr val="dk1">
+              <a:shade val="50000"/>
+            </a:schemeClr>
+          </a:lnRef>
+          <a:fillRef idx="1">
+            <a:schemeClr val="dk1"/>
+          </a:fillRef>
+          <a:effectRef idx="0">
+            <a:schemeClr val="dk1"/>
+          </a:effectRef>
+          <a:fontRef idx="minor">
+            <a:schemeClr val="lt1"/>
+          </a:fontRef>
+        </p:style>
+        <p:txBody>
+          <a:bodyPr rtlCol="0" anchor="ctr"/>
+          <a:lstStyle/>
+          <a:p>
+            <a:pPr algn="ctr"/>
+            <a:r>
+              <a:rPr lang="en-US" dirty="0"/>
+              <a:t>4</a:t>
+            </a:r>
+            <a:r>
+              <a:rPr lang="en-US" dirty="0" smtClean="0"/>
+              <a:t>h</a:t>
+            </a:r>
+            <a:endParaRPr lang="en-US" dirty="0"/>
+          </a:p>
+        </p:txBody>
+      </p:sp>
+      <p:sp>
+        <p:nvSpPr>
+          <p:cNvPr id="36" name="Oval 35"/>
+          <p:cNvSpPr/>
+          <p:nvPr/>
+        </p:nvSpPr>
+        <p:spPr>
+          <a:xfrm>
+            <a:off x="334293" y="1221113"/>
+            <a:ext cx="398214" cy="405924"/>
+          </a:xfrm>
+          <a:prstGeom prst="ellipse">
+            <a:avLst/>
+          </a:prstGeom>
+        </p:spPr>
+        <p:style>
+          <a:lnRef idx="0">
+            <a:schemeClr val="accent1"/>
+          </a:lnRef>
+          <a:fillRef idx="3">
+            <a:schemeClr val="accent1"/>
+          </a:fillRef>
+          <a:effectRef idx="3">
+            <a:schemeClr val="accent1"/>
+          </a:effectRef>
+          <a:fontRef idx="minor">
+            <a:schemeClr val="lt1"/>
+          </a:fontRef>
+        </p:style>
+        <p:txBody>
+          <a:bodyPr rtlCol="0" anchor="ctr"/>
+          <a:lstStyle/>
+          <a:p>
+            <a:pPr algn="ctr"/>
+            <a:r>
+              <a:rPr lang="en-US" b="1" dirty="0" smtClean="0"/>
+              <a:t>1</a:t>
+            </a:r>
+            <a:endParaRPr lang="en-US" b="1" dirty="0"/>
+          </a:p>
+        </p:txBody>
+      </p:sp>
+      <p:sp>
+        <p:nvSpPr>
+          <p:cNvPr id="54" name="Oval 53"/>
+          <p:cNvSpPr/>
+          <p:nvPr/>
+        </p:nvSpPr>
+        <p:spPr>
+          <a:xfrm>
+            <a:off x="334293" y="1820423"/>
+            <a:ext cx="398214" cy="405924"/>
+          </a:xfrm>
+          <a:prstGeom prst="ellipse">
+            <a:avLst/>
+          </a:prstGeom>
+        </p:spPr>
+        <p:style>
+          <a:lnRef idx="0">
+            <a:schemeClr val="accent1"/>
+          </a:lnRef>
+          <a:fillRef idx="3">
+            <a:schemeClr val="accent1"/>
+          </a:fillRef>
+          <a:effectRef idx="3">
+            <a:schemeClr val="accent1"/>
+          </a:effectRef>
+          <a:fontRef idx="minor">
+            <a:schemeClr val="lt1"/>
+          </a:fontRef>
+        </p:style>
+        <p:txBody>
+          <a:bodyPr rtlCol="0" anchor="ctr"/>
+          <a:lstStyle/>
+          <a:p>
+            <a:pPr algn="ctr"/>
+            <a:r>
+              <a:rPr lang="en-US" b="1" dirty="0" smtClean="0"/>
+              <a:t>2</a:t>
+            </a:r>
+            <a:endParaRPr lang="en-US" b="1" dirty="0"/>
+          </a:p>
+        </p:txBody>
+      </p:sp>
+      <p:sp>
+        <p:nvSpPr>
+          <p:cNvPr id="55" name="Oval 54"/>
+          <p:cNvSpPr/>
+          <p:nvPr/>
+        </p:nvSpPr>
+        <p:spPr>
+          <a:xfrm>
+            <a:off x="334293" y="2444324"/>
+            <a:ext cx="398214" cy="405924"/>
+          </a:xfrm>
+          <a:prstGeom prst="ellipse">
+            <a:avLst/>
+          </a:prstGeom>
+        </p:spPr>
+        <p:style>
+          <a:lnRef idx="0">
+            <a:schemeClr val="accent1"/>
+          </a:lnRef>
+          <a:fillRef idx="3">
+            <a:schemeClr val="accent1"/>
+          </a:fillRef>
+          <a:effectRef idx="3">
+            <a:schemeClr val="accent1"/>
+          </a:effectRef>
+          <a:fontRef idx="minor">
+            <a:schemeClr val="lt1"/>
+          </a:fontRef>
+        </p:style>
+        <p:txBody>
+          <a:bodyPr rtlCol="0" anchor="ctr"/>
+          <a:lstStyle/>
+          <a:p>
+            <a:pPr algn="ctr"/>
+            <a:r>
+              <a:rPr lang="en-US" b="1" dirty="0" smtClean="0"/>
+              <a:t>3</a:t>
+            </a:r>
+            <a:endParaRPr lang="en-US" b="1" dirty="0"/>
+          </a:p>
+        </p:txBody>
+      </p:sp>
+      <p:sp>
+        <p:nvSpPr>
+          <p:cNvPr id="56" name="Rectangle 55"/>
+          <p:cNvSpPr/>
+          <p:nvPr/>
+        </p:nvSpPr>
+        <p:spPr>
+          <a:xfrm>
+            <a:off x="4193227" y="3684443"/>
+            <a:ext cx="653640" cy="375804"/>
+          </a:xfrm>
+          <a:prstGeom prst="rect">
+            <a:avLst/>
+          </a:prstGeom>
+        </p:spPr>
+        <p:style>
+          <a:lnRef idx="2">
+            <a:schemeClr val="dk1">
+              <a:shade val="50000"/>
+            </a:schemeClr>
+          </a:lnRef>
+          <a:fillRef idx="1">
+            <a:schemeClr val="dk1"/>
+          </a:fillRef>
+          <a:effectRef idx="0">
+            <a:schemeClr val="dk1"/>
+          </a:effectRef>
+          <a:fontRef idx="minor">
+            <a:schemeClr val="lt1"/>
+          </a:fontRef>
+        </p:style>
+        <p:txBody>
+          <a:bodyPr rtlCol="0" anchor="ctr"/>
+          <a:lstStyle/>
+          <a:p>
+            <a:pPr algn="ctr"/>
+            <a:r>
+              <a:rPr lang="en-US" dirty="0" smtClean="0"/>
+              <a:t>3h</a:t>
+            </a:r>
+            <a:endParaRPr lang="en-US" dirty="0"/>
+          </a:p>
+        </p:txBody>
+      </p:sp>
+      <p:sp>
+        <p:nvSpPr>
+          <p:cNvPr id="57" name="Rectangle 56"/>
+          <p:cNvSpPr/>
+          <p:nvPr/>
+        </p:nvSpPr>
+        <p:spPr>
+          <a:xfrm>
+            <a:off x="6531180" y="3571009"/>
+            <a:ext cx="653640" cy="375804"/>
+          </a:xfrm>
+          <a:prstGeom prst="rect">
+            <a:avLst/>
+          </a:prstGeom>
+        </p:spPr>
+        <p:style>
+          <a:lnRef idx="2">
+            <a:schemeClr val="dk1">
+              <a:shade val="50000"/>
+            </a:schemeClr>
+          </a:lnRef>
+          <a:fillRef idx="1">
+            <a:schemeClr val="dk1"/>
+          </a:fillRef>
+          <a:effectRef idx="0">
+            <a:schemeClr val="dk1"/>
+          </a:effectRef>
+          <a:fontRef idx="minor">
+            <a:schemeClr val="lt1"/>
+          </a:fontRef>
+        </p:style>
+        <p:txBody>
+          <a:bodyPr rtlCol="0" anchor="ctr"/>
+          <a:lstStyle/>
+          <a:p>
+            <a:pPr algn="ctr"/>
+            <a:r>
+              <a:rPr lang="en-US" dirty="0" smtClean="0"/>
+              <a:t>8h</a:t>
+            </a:r>
+            <a:endParaRPr lang="en-US" dirty="0"/>
+          </a:p>
+        </p:txBody>
+      </p:sp>
+      <p:sp>
+        <p:nvSpPr>
+          <p:cNvPr id="58" name="Oval 57"/>
+          <p:cNvSpPr/>
+          <p:nvPr/>
+        </p:nvSpPr>
+        <p:spPr>
+          <a:xfrm>
+            <a:off x="533400" y="4876800"/>
+            <a:ext cx="398214" cy="405924"/>
+          </a:xfrm>
+          <a:prstGeom prst="ellipse">
+            <a:avLst/>
+          </a:prstGeom>
+        </p:spPr>
+        <p:style>
+          <a:lnRef idx="0">
+            <a:schemeClr val="accent1"/>
+          </a:lnRef>
+          <a:fillRef idx="3">
+            <a:schemeClr val="accent1"/>
+          </a:fillRef>
+          <a:effectRef idx="3">
+            <a:schemeClr val="accent1"/>
+          </a:effectRef>
+          <a:fontRef idx="minor">
+            <a:schemeClr val="lt1"/>
+          </a:fontRef>
+        </p:style>
+        <p:txBody>
+          <a:bodyPr rtlCol="0" anchor="ctr"/>
+          <a:lstStyle/>
+          <a:p>
+            <a:pPr algn="ctr"/>
+            <a:r>
+              <a:rPr lang="en-US" b="1" dirty="0" smtClean="0"/>
+              <a:t>1</a:t>
+            </a:r>
+            <a:endParaRPr lang="en-US" b="1" dirty="0"/>
+          </a:p>
+        </p:txBody>
+      </p:sp>
+      <p:sp>
+        <p:nvSpPr>
+          <p:cNvPr id="59" name="Oval 58"/>
+          <p:cNvSpPr/>
+          <p:nvPr/>
+        </p:nvSpPr>
+        <p:spPr>
+          <a:xfrm>
+            <a:off x="533400" y="5385276"/>
+            <a:ext cx="398214" cy="405924"/>
+          </a:xfrm>
+          <a:prstGeom prst="ellipse">
+            <a:avLst/>
+          </a:prstGeom>
+        </p:spPr>
+        <p:style>
+          <a:lnRef idx="0">
+            <a:schemeClr val="accent1"/>
+          </a:lnRef>
+          <a:fillRef idx="3">
+            <a:schemeClr val="accent1"/>
+          </a:fillRef>
+          <a:effectRef idx="3">
+            <a:schemeClr val="accent1"/>
+          </a:effectRef>
+          <a:fontRef idx="minor">
+            <a:schemeClr val="lt1"/>
+          </a:fontRef>
+        </p:style>
+        <p:txBody>
+          <a:bodyPr rtlCol="0" anchor="ctr"/>
+          <a:lstStyle/>
+          <a:p>
+            <a:pPr algn="ctr"/>
+            <a:r>
+              <a:rPr lang="en-US" b="1" dirty="0" smtClean="0"/>
+              <a:t>2</a:t>
+            </a:r>
+            <a:endParaRPr lang="en-US" b="1" dirty="0"/>
+          </a:p>
+        </p:txBody>
+      </p:sp>
+      <p:sp>
+        <p:nvSpPr>
+          <p:cNvPr id="61" name="Rectangle 60"/>
+          <p:cNvSpPr/>
+          <p:nvPr/>
+        </p:nvSpPr>
+        <p:spPr>
+          <a:xfrm>
+            <a:off x="205839" y="5858887"/>
+            <a:ext cx="2057399" cy="533400"/>
+          </a:xfrm>
+          <a:prstGeom prst="rect">
+            <a:avLst/>
+          </a:prstGeom>
+        </p:spPr>
+        <p:style>
+          <a:lnRef idx="1">
+            <a:schemeClr val="accent5"/>
+          </a:lnRef>
+          <a:fillRef idx="2">
+            <a:schemeClr val="accent5"/>
+          </a:fillRef>
+          <a:effectRef idx="1">
+            <a:schemeClr val="accent5"/>
+          </a:effectRef>
+          <a:fontRef idx="minor">
+            <a:schemeClr val="dk1"/>
+          </a:fontRef>
+        </p:style>
+        <p:txBody>
+          <a:bodyPr rtlCol="0" anchor="ctr"/>
+          <a:lstStyle/>
+          <a:p>
+            <a:pPr algn="ctr"/>
+            <a:r>
+              <a:rPr lang="en-US" dirty="0" smtClean="0"/>
+              <a:t>7:00 AM 3/6, </a:t>
+            </a:r>
+          </a:p>
+          <a:p>
+            <a:pPr algn="ctr"/>
+            <a:r>
+              <a:rPr lang="en-US" dirty="0" smtClean="0"/>
+              <a:t>V = 4700 dm</a:t>
+            </a:r>
+            <a:r>
+              <a:rPr lang="en-US" baseline="30000" dirty="0" smtClean="0"/>
+              <a:t>3</a:t>
+            </a:r>
+            <a:endParaRPr lang="en-US" baseline="30000" dirty="0"/>
+          </a:p>
+        </p:txBody>
+      </p:sp>
+      <p:sp>
+        <p:nvSpPr>
+          <p:cNvPr id="37" name="Rounded Rectangle 36"/>
+          <p:cNvSpPr/>
+          <p:nvPr/>
+        </p:nvSpPr>
+        <p:spPr>
+          <a:xfrm>
+            <a:off x="6172200" y="1221113"/>
+            <a:ext cx="1524000" cy="405924"/>
+          </a:xfrm>
+          <a:prstGeom prst="roundRect">
+            <a:avLst/>
+          </a:prstGeom>
+        </p:spPr>
+        <p:style>
+          <a:lnRef idx="1">
+            <a:schemeClr val="accent6"/>
+          </a:lnRef>
+          <a:fillRef idx="2">
+            <a:schemeClr val="accent6"/>
+          </a:fillRef>
+          <a:effectRef idx="1">
+            <a:schemeClr val="accent6"/>
+          </a:effectRef>
+          <a:fontRef idx="minor">
+            <a:schemeClr val="dk1"/>
+          </a:fontRef>
+        </p:style>
+        <p:txBody>
+          <a:bodyPr rtlCol="0" anchor="ctr"/>
+          <a:lstStyle/>
+          <a:p>
+            <a:pPr algn="ctr"/>
+            <a:r>
+              <a:rPr lang="en-US" dirty="0" err="1" smtClean="0"/>
+              <a:t>Đã</a:t>
+            </a:r>
+            <a:r>
+              <a:rPr lang="en-US" dirty="0" smtClean="0"/>
+              <a:t> </a:t>
+            </a:r>
+            <a:r>
+              <a:rPr lang="en-US" dirty="0" err="1" smtClean="0"/>
+              <a:t>xếp</a:t>
+            </a:r>
+            <a:r>
+              <a:rPr lang="en-US" dirty="0" smtClean="0"/>
+              <a:t> </a:t>
+            </a:r>
+            <a:r>
+              <a:rPr lang="en-US" dirty="0" err="1" smtClean="0"/>
+              <a:t>lịch</a:t>
+            </a:r>
+            <a:endParaRPr lang="en-US" dirty="0"/>
+          </a:p>
+        </p:txBody>
+      </p:sp>
+      <p:sp>
+        <p:nvSpPr>
+          <p:cNvPr id="62" name="Rounded Rectangle 61"/>
+          <p:cNvSpPr/>
+          <p:nvPr/>
+        </p:nvSpPr>
+        <p:spPr>
+          <a:xfrm>
+            <a:off x="6172200" y="1779437"/>
+            <a:ext cx="1524000" cy="405924"/>
+          </a:xfrm>
+          <a:prstGeom prst="roundRect">
+            <a:avLst/>
+          </a:prstGeom>
+        </p:spPr>
+        <p:style>
+          <a:lnRef idx="1">
+            <a:schemeClr val="accent6"/>
+          </a:lnRef>
+          <a:fillRef idx="2">
+            <a:schemeClr val="accent6"/>
+          </a:fillRef>
+          <a:effectRef idx="1">
+            <a:schemeClr val="accent6"/>
+          </a:effectRef>
+          <a:fontRef idx="minor">
+            <a:schemeClr val="dk1"/>
+          </a:fontRef>
+        </p:style>
+        <p:txBody>
+          <a:bodyPr rtlCol="0" anchor="ctr"/>
+          <a:lstStyle/>
+          <a:p>
+            <a:pPr algn="ctr"/>
+            <a:r>
+              <a:rPr lang="en-US" dirty="0" err="1" smtClean="0"/>
+              <a:t>Đã</a:t>
+            </a:r>
+            <a:r>
+              <a:rPr lang="en-US" dirty="0" smtClean="0"/>
+              <a:t> </a:t>
+            </a:r>
+            <a:r>
+              <a:rPr lang="en-US" dirty="0" err="1" smtClean="0"/>
+              <a:t>xếp</a:t>
+            </a:r>
+            <a:r>
+              <a:rPr lang="en-US" dirty="0" smtClean="0"/>
+              <a:t> </a:t>
+            </a:r>
+            <a:r>
+              <a:rPr lang="en-US" dirty="0" err="1" smtClean="0"/>
+              <a:t>lịch</a:t>
+            </a:r>
+            <a:endParaRPr lang="en-US" dirty="0"/>
+          </a:p>
+        </p:txBody>
+      </p:sp>
+      <p:sp>
+        <p:nvSpPr>
+          <p:cNvPr id="63" name="Rectangle 62"/>
+          <p:cNvSpPr/>
+          <p:nvPr/>
+        </p:nvSpPr>
+        <p:spPr>
+          <a:xfrm>
+            <a:off x="228601" y="5867400"/>
+            <a:ext cx="2057399" cy="533400"/>
+          </a:xfrm>
+          <a:prstGeom prst="rect">
+            <a:avLst/>
+          </a:prstGeom>
+        </p:spPr>
+        <p:style>
+          <a:lnRef idx="1">
+            <a:schemeClr val="accent6"/>
+          </a:lnRef>
+          <a:fillRef idx="2">
+            <a:schemeClr val="accent6"/>
+          </a:fillRef>
+          <a:effectRef idx="1">
+            <a:schemeClr val="accent6"/>
+          </a:effectRef>
+          <a:fontRef idx="minor">
+            <a:schemeClr val="dk1"/>
+          </a:fontRef>
+        </p:style>
+        <p:txBody>
+          <a:bodyPr rtlCol="0" anchor="ctr"/>
+          <a:lstStyle/>
+          <a:p>
+            <a:pPr algn="ctr"/>
+            <a:r>
+              <a:rPr lang="en-US" dirty="0" smtClean="0"/>
+              <a:t>7:00 AM 3/6, </a:t>
+            </a:r>
+          </a:p>
+          <a:p>
+            <a:pPr algn="ctr"/>
+            <a:r>
+              <a:rPr lang="en-US" dirty="0" smtClean="0"/>
+              <a:t>V = 4800 dm</a:t>
+            </a:r>
+            <a:r>
+              <a:rPr lang="en-US" baseline="30000" dirty="0" smtClean="0"/>
+              <a:t>3</a:t>
+            </a:r>
+            <a:endParaRPr lang="en-US" baseline="30000" dirty="0"/>
+          </a:p>
+        </p:txBody>
+      </p:sp>
+      <p:pic>
+        <p:nvPicPr>
+          <p:cNvPr id="64" name="Picture 3" descr="C:\Users\Le Phuc Lu\Desktop\Capture.PNG"/>
+          <p:cNvPicPr>
+            <a:picLocks noChangeAspect="1" noChangeArrowheads="1"/>
+          </p:cNvPicPr>
+          <p:nvPr/>
+        </p:nvPicPr>
+        <p:blipFill>
+          <a:blip r:embed="rId7" cstate="print">
+            <a:duotone>
+              <a:prstClr val="black"/>
+              <a:srgbClr val="C00000">
+                <a:tint val="45000"/>
+                <a:satMod val="400000"/>
+              </a:srgbClr>
+            </a:duotone>
+            <a:extLst>
+              <a:ext uri="{28A0092B-C50C-407E-A947-70E740481C1C}">
+                <a14:useLocalDpi xmlns:a14="http://schemas.microsoft.com/office/drawing/2010/main" val="0"/>
+              </a:ext>
+            </a:extLst>
+          </a:blip>
+          <a:srcRect/>
+          <a:stretch>
+            <a:fillRect/>
+          </a:stretch>
+        </p:blipFill>
+        <p:spPr bwMode="auto">
+          <a:xfrm>
+            <a:off x="931614" y="2842076"/>
+            <a:ext cx="744786" cy="586924"/>
+          </a:xfrm>
+          <a:prstGeom prst="rect">
+            <a:avLst/>
+          </a:prstGeom>
+          <a:noFill/>
+          <a:extLst>
+            <a:ext uri="{909E8E84-426E-40DD-AFC4-6F175D3DCCD1}">
+              <a14:hiddenFill xmlns:a14="http://schemas.microsoft.com/office/drawing/2010/main">
+                <a:solidFill>
+                  <a:srgbClr val="FFFFFF"/>
+                </a:solidFill>
+              </a14:hiddenFill>
+            </a:ext>
+          </a:extLst>
+        </p:spPr>
+      </p:pic>
+      <p:sp>
+        <p:nvSpPr>
+          <p:cNvPr id="65" name="Content Placeholder 2"/>
+          <p:cNvSpPr txBox="1">
+            <a:spLocks/>
+          </p:cNvSpPr>
+          <p:nvPr/>
+        </p:nvSpPr>
+        <p:spPr bwMode="auto">
+          <a:xfrm>
+            <a:off x="1779515" y="2920746"/>
+            <a:ext cx="4079176" cy="429584"/>
+          </a:xfrm>
+          <a:prstGeom prst="rect">
+            <a:avLst/>
+          </a:prstGeom>
+          <a:noFill/>
+          <a:ln w="9525">
+            <a:noFill/>
+            <a:miter lim="800000"/>
+            <a:headEnd/>
+            <a:tailEnd/>
+          </a:ln>
+          <a:effectLst/>
+        </p:spPr>
+        <p:txBody>
+          <a:bodyPr vert="horz" wrap="square" lIns="91440" tIns="45720" rIns="91440" bIns="45720" numCol="1" anchor="t" anchorCtr="0" compatLnSpc="1">
+            <a:prstTxWarp prst="textNoShape">
+              <a:avLst/>
+            </a:prstTxWarp>
+          </a:bodyPr>
+          <a:lstStyle>
+            <a:lvl1pPr marL="342900" indent="-342900" algn="l" rtl="0" eaLnBrk="1" fontAlgn="base" hangingPunct="1">
+              <a:spcBef>
+                <a:spcPct val="20000"/>
+              </a:spcBef>
+              <a:spcAft>
+                <a:spcPct val="0"/>
+              </a:spcAft>
+              <a:buClr>
+                <a:schemeClr val="hlink"/>
+              </a:buClr>
+              <a:buFont typeface="Wingdings" pitchFamily="2" charset="2"/>
+              <a:buChar char="v"/>
+              <a:defRPr sz="2800" b="1">
+                <a:solidFill>
+                  <a:srgbClr val="1481B8"/>
+                </a:solidFill>
+                <a:latin typeface="+mn-lt"/>
+                <a:ea typeface="+mn-ea"/>
+                <a:cs typeface="+mn-cs"/>
+              </a:defRPr>
+            </a:lvl1pPr>
+            <a:lvl2pPr marL="742950" indent="-285750" algn="l" rtl="0" eaLnBrk="1" fontAlgn="base" hangingPunct="1">
+              <a:spcBef>
+                <a:spcPct val="20000"/>
+              </a:spcBef>
+              <a:spcAft>
+                <a:spcPct val="0"/>
+              </a:spcAft>
+              <a:buClr>
+                <a:schemeClr val="accent1"/>
+              </a:buClr>
+              <a:buFont typeface="Wingdings" pitchFamily="2" charset="2"/>
+              <a:buChar char="§"/>
+              <a:defRPr sz="2800">
+                <a:solidFill>
+                  <a:schemeClr val="tx1"/>
+                </a:solidFill>
+                <a:latin typeface="Arial" charset="0"/>
+              </a:defRPr>
+            </a:lvl2pPr>
+            <a:lvl3pPr marL="1143000" indent="-228600" algn="l" rtl="0" eaLnBrk="1" fontAlgn="base" hangingPunct="1">
+              <a:spcBef>
+                <a:spcPct val="20000"/>
+              </a:spcBef>
+              <a:spcAft>
+                <a:spcPct val="0"/>
+              </a:spcAft>
+              <a:buClr>
+                <a:schemeClr val="tx1"/>
+              </a:buClr>
+              <a:buChar char="•"/>
+              <a:defRPr sz="2400">
+                <a:solidFill>
+                  <a:schemeClr val="tx1"/>
+                </a:solidFill>
+                <a:latin typeface="Arial" charset="0"/>
+              </a:defRPr>
+            </a:lvl3pPr>
+            <a:lvl4pPr marL="1600200" indent="-228600" algn="l" rtl="0" eaLnBrk="1" fontAlgn="base" hangingPunct="1">
+              <a:spcBef>
+                <a:spcPct val="20000"/>
+              </a:spcBef>
+              <a:spcAft>
+                <a:spcPct val="0"/>
+              </a:spcAft>
+              <a:buChar char="–"/>
+              <a:defRPr sz="2000">
+                <a:solidFill>
+                  <a:schemeClr val="tx1"/>
+                </a:solidFill>
+                <a:latin typeface="Arial" charset="0"/>
+              </a:defRPr>
+            </a:lvl4pPr>
+            <a:lvl5pPr marL="2057400" indent="-228600" algn="l" rtl="0" eaLnBrk="1" fontAlgn="base" hangingPunct="1">
+              <a:spcBef>
+                <a:spcPct val="20000"/>
+              </a:spcBef>
+              <a:spcAft>
+                <a:spcPct val="0"/>
+              </a:spcAft>
+              <a:buChar char="»"/>
+              <a:defRPr sz="2000">
+                <a:solidFill>
+                  <a:schemeClr val="tx1"/>
+                </a:solidFill>
+                <a:latin typeface="Arial" charset="0"/>
+              </a:defRPr>
+            </a:lvl5pPr>
+            <a:lvl6pPr marL="2514600" indent="-228600" algn="l" rtl="0" eaLnBrk="1" fontAlgn="base" hangingPunct="1">
+              <a:spcBef>
+                <a:spcPct val="20000"/>
+              </a:spcBef>
+              <a:spcAft>
+                <a:spcPct val="0"/>
+              </a:spcAft>
+              <a:buChar char="»"/>
+              <a:defRPr sz="2000">
+                <a:solidFill>
+                  <a:schemeClr val="tx1"/>
+                </a:solidFill>
+                <a:latin typeface="Arial" charset="0"/>
+              </a:defRPr>
+            </a:lvl6pPr>
+            <a:lvl7pPr marL="2971800" indent="-228600" algn="l" rtl="0" eaLnBrk="1" fontAlgn="base" hangingPunct="1">
+              <a:spcBef>
+                <a:spcPct val="20000"/>
+              </a:spcBef>
+              <a:spcAft>
+                <a:spcPct val="0"/>
+              </a:spcAft>
+              <a:buChar char="»"/>
+              <a:defRPr sz="2000">
+                <a:solidFill>
+                  <a:schemeClr val="tx1"/>
+                </a:solidFill>
+                <a:latin typeface="Arial" charset="0"/>
+              </a:defRPr>
+            </a:lvl7pPr>
+            <a:lvl8pPr marL="3429000" indent="-228600" algn="l" rtl="0" eaLnBrk="1" fontAlgn="base" hangingPunct="1">
+              <a:spcBef>
+                <a:spcPct val="20000"/>
+              </a:spcBef>
+              <a:spcAft>
+                <a:spcPct val="0"/>
+              </a:spcAft>
+              <a:buChar char="»"/>
+              <a:defRPr sz="2000">
+                <a:solidFill>
+                  <a:schemeClr val="tx1"/>
+                </a:solidFill>
+                <a:latin typeface="Arial" charset="0"/>
+              </a:defRPr>
+            </a:lvl8pPr>
+            <a:lvl9pPr marL="3886200" indent="-228600" algn="l" rtl="0" eaLnBrk="1" fontAlgn="base" hangingPunct="1">
+              <a:spcBef>
+                <a:spcPct val="20000"/>
+              </a:spcBef>
+              <a:spcAft>
+                <a:spcPct val="0"/>
+              </a:spcAft>
+              <a:buChar char="»"/>
+              <a:defRPr sz="2000">
+                <a:solidFill>
+                  <a:schemeClr val="tx1"/>
+                </a:solidFill>
+                <a:latin typeface="Arial" charset="0"/>
+              </a:defRPr>
+            </a:lvl9pPr>
+          </a:lstStyle>
+          <a:p>
+            <a:pPr marL="0" indent="0">
+              <a:buNone/>
+            </a:pPr>
+            <a:r>
+              <a:rPr lang="en-US" sz="2000" b="0" dirty="0" err="1" smtClean="0"/>
+              <a:t>Cần</a:t>
+            </a:r>
+            <a:r>
+              <a:rPr lang="en-US" sz="2000" b="0" dirty="0" smtClean="0"/>
+              <a:t> </a:t>
+            </a:r>
+            <a:r>
+              <a:rPr lang="en-US" sz="2000" b="0" dirty="0" err="1" smtClean="0"/>
+              <a:t>Thơ</a:t>
+            </a:r>
+            <a:r>
+              <a:rPr lang="en-US" sz="2000" b="0" dirty="0" smtClean="0"/>
+              <a:t> – </a:t>
+            </a:r>
+            <a:r>
+              <a:rPr lang="en-US" sz="2000" b="0" dirty="0" err="1" smtClean="0"/>
+              <a:t>Đà</a:t>
+            </a:r>
+            <a:r>
+              <a:rPr lang="en-US" sz="2000" b="0" dirty="0" smtClean="0"/>
+              <a:t> </a:t>
+            </a:r>
+            <a:r>
+              <a:rPr lang="en-US" sz="2000" b="0" dirty="0" err="1" smtClean="0"/>
+              <a:t>Lạt</a:t>
+            </a:r>
+            <a:r>
+              <a:rPr lang="en-US" sz="2000" b="0" dirty="0" smtClean="0"/>
+              <a:t>, V=300dm</a:t>
+            </a:r>
+            <a:r>
+              <a:rPr lang="en-US" sz="2000" b="0" baseline="30000" dirty="0" smtClean="0"/>
+              <a:t>3</a:t>
+            </a:r>
+            <a:r>
+              <a:rPr lang="en-US" sz="2000" b="0" dirty="0" smtClean="0"/>
+              <a:t> </a:t>
+            </a:r>
+            <a:endParaRPr lang="en-US" sz="2000" b="0" dirty="0" smtClean="0"/>
+          </a:p>
+        </p:txBody>
+      </p:sp>
+      <p:sp>
+        <p:nvSpPr>
+          <p:cNvPr id="66" name="Oval 65"/>
+          <p:cNvSpPr/>
+          <p:nvPr/>
+        </p:nvSpPr>
+        <p:spPr>
+          <a:xfrm>
+            <a:off x="363786" y="3023076"/>
+            <a:ext cx="398214" cy="405924"/>
+          </a:xfrm>
+          <a:prstGeom prst="ellipse">
+            <a:avLst/>
+          </a:prstGeom>
+        </p:spPr>
+        <p:style>
+          <a:lnRef idx="0">
+            <a:schemeClr val="accent1"/>
+          </a:lnRef>
+          <a:fillRef idx="3">
+            <a:schemeClr val="accent1"/>
+          </a:fillRef>
+          <a:effectRef idx="3">
+            <a:schemeClr val="accent1"/>
+          </a:effectRef>
+          <a:fontRef idx="minor">
+            <a:schemeClr val="lt1"/>
+          </a:fontRef>
+        </p:style>
+        <p:txBody>
+          <a:bodyPr rtlCol="0" anchor="ctr"/>
+          <a:lstStyle/>
+          <a:p>
+            <a:pPr algn="ctr"/>
+            <a:r>
+              <a:rPr lang="en-US" b="1" dirty="0"/>
+              <a:t>4</a:t>
+            </a:r>
+            <a:endParaRPr lang="en-US" b="1" dirty="0"/>
+          </a:p>
+        </p:txBody>
+      </p:sp>
     </p:spTree>
     <p:extLst>
       <p:ext uri="{BB962C8B-B14F-4D97-AF65-F5344CB8AC3E}">
@@ -26229,7 +24573,7 @@
                             </p:stCondLst>
                             <p:childTnLst>
                               <p:par>
-                                <p:cTn id="5" presetID="16" presetClass="entr" presetSubtype="21" fill="hold" grpId="0" nodeType="clickEffect">
+                                <p:cTn id="5" presetID="22" presetClass="entr" presetSubtype="4" fill="hold" grpId="0" nodeType="clickEffect">
                                   <p:stCondLst>
                                     <p:cond delay="0"/>
                                   </p:stCondLst>
@@ -26237,59 +24581,6 @@
                                     <p:set>
                                       <p:cBhvr>
                                         <p:cTn id="6" dur="1" fill="hold">
-                                          <p:stCondLst>
-                                            <p:cond delay="0"/>
-                                          </p:stCondLst>
-                                        </p:cTn>
-                                        <p:tgtEl>
-                                          <p:spTgt spid="8"/>
-                                        </p:tgtEl>
-                                        <p:attrNameLst>
-                                          <p:attrName>style.visibility</p:attrName>
-                                        </p:attrNameLst>
-                                      </p:cBhvr>
-                                      <p:to>
-                                        <p:strVal val="visible"/>
-                                      </p:to>
-                                    </p:set>
-                                    <p:animEffect transition="in" filter="barn(inVertical)">
-                                      <p:cBhvr>
-                                        <p:cTn id="7" dur="500"/>
-                                        <p:tgtEl>
-                                          <p:spTgt spid="8"/>
-                                        </p:tgtEl>
-                                      </p:cBhvr>
-                                    </p:animEffect>
-                                  </p:childTnLst>
-                                </p:cTn>
-                              </p:par>
-                            </p:childTnLst>
-                          </p:cTn>
-                        </p:par>
-                      </p:childTnLst>
-                    </p:cTn>
-                  </p:par>
-                  <p:par>
-                    <p:cTn id="8" fill="hold">
-                      <p:stCondLst>
-                        <p:cond delay="indefinite"/>
-                      </p:stCondLst>
-                      <p:childTnLst>
-                        <p:par>
-                          <p:cTn id="9" fill="hold">
-                            <p:stCondLst>
-                              <p:cond delay="0"/>
-                            </p:stCondLst>
-                            <p:childTnLst>
-                              <p:par>
-                                <p:cTn id="10" presetID="42" presetClass="entr" presetSubtype="0" fill="hold" grpId="0" nodeType="clickEffect">
-                                  <p:stCondLst>
-                                    <p:cond delay="0"/>
-                                  </p:stCondLst>
-                                  <p:childTnLst>
-                                    <p:set>
-                                      <p:cBhvr>
-                                        <p:cTn id="11" dur="1" fill="hold">
                                           <p:stCondLst>
                                             <p:cond delay="0"/>
                                           </p:stCondLst>
@@ -26305,19 +24596,405 @@
                                         <p:strVal val="visible"/>
                                       </p:to>
                                     </p:set>
-                                    <p:animEffect transition="in" filter="fade">
+                                    <p:animEffect transition="in" filter="wipe(down)">
                                       <p:cBhvr>
-                                        <p:cTn id="12" dur="1000"/>
+                                        <p:cTn id="7" dur="500"/>
                                         <p:tgtEl>
                                           <p:spTgt spid="4"/>
                                         </p:tgtEl>
                                       </p:cBhvr>
                                     </p:animEffect>
+                                  </p:childTnLst>
+                                </p:cTn>
+                              </p:par>
+                              <p:par>
+                                <p:cTn id="8" presetID="22" presetClass="entr" presetSubtype="4" fill="hold" grpId="0" nodeType="withEffect">
+                                  <p:stCondLst>
+                                    <p:cond delay="0"/>
+                                  </p:stCondLst>
+                                  <p:childTnLst>
+                                    <p:set>
+                                      <p:cBhvr>
+                                        <p:cTn id="9" dur="1" fill="hold">
+                                          <p:stCondLst>
+                                            <p:cond delay="0"/>
+                                          </p:stCondLst>
+                                        </p:cTn>
+                                        <p:tgtEl>
+                                          <p:spTgt spid="7"/>
+                                        </p:tgtEl>
+                                        <p:attrNameLst>
+                                          <p:attrName>style.visibility</p:attrName>
+                                        </p:attrNameLst>
+                                      </p:cBhvr>
+                                      <p:to>
+                                        <p:strVal val="visible"/>
+                                      </p:to>
+                                    </p:set>
+                                    <p:animEffect transition="in" filter="wipe(down)">
+                                      <p:cBhvr>
+                                        <p:cTn id="10" dur="500"/>
+                                        <p:tgtEl>
+                                          <p:spTgt spid="7"/>
+                                        </p:tgtEl>
+                                      </p:cBhvr>
+                                    </p:animEffect>
+                                  </p:childTnLst>
+                                </p:cTn>
+                              </p:par>
+                              <p:par>
+                                <p:cTn id="11" presetID="22" presetClass="entr" presetSubtype="4" fill="hold" grpId="0" nodeType="withEffect">
+                                  <p:stCondLst>
+                                    <p:cond delay="0"/>
+                                  </p:stCondLst>
+                                  <p:childTnLst>
+                                    <p:set>
+                                      <p:cBhvr>
+                                        <p:cTn id="12" dur="1" fill="hold">
+                                          <p:stCondLst>
+                                            <p:cond delay="0"/>
+                                          </p:stCondLst>
+                                        </p:cTn>
+                                        <p:tgtEl>
+                                          <p:spTgt spid="5"/>
+                                        </p:tgtEl>
+                                        <p:attrNameLst>
+                                          <p:attrName>style.visibility</p:attrName>
+                                        </p:attrNameLst>
+                                      </p:cBhvr>
+                                      <p:to>
+                                        <p:strVal val="visible"/>
+                                      </p:to>
+                                    </p:set>
+                                    <p:animEffect transition="in" filter="wipe(down)">
+                                      <p:cBhvr>
+                                        <p:cTn id="13" dur="500"/>
+                                        <p:tgtEl>
+                                          <p:spTgt spid="5"/>
+                                        </p:tgtEl>
+                                      </p:cBhvr>
+                                    </p:animEffect>
+                                  </p:childTnLst>
+                                </p:cTn>
+                              </p:par>
+                              <p:par>
+                                <p:cTn id="14" presetID="22" presetClass="entr" presetSubtype="4" fill="hold" grpId="0" nodeType="withEffect">
+                                  <p:stCondLst>
+                                    <p:cond delay="0"/>
+                                  </p:stCondLst>
+                                  <p:childTnLst>
+                                    <p:set>
+                                      <p:cBhvr>
+                                        <p:cTn id="15" dur="1" fill="hold">
+                                          <p:stCondLst>
+                                            <p:cond delay="0"/>
+                                          </p:stCondLst>
+                                        </p:cTn>
+                                        <p:tgtEl>
+                                          <p:spTgt spid="6"/>
+                                        </p:tgtEl>
+                                        <p:attrNameLst>
+                                          <p:attrName>style.visibility</p:attrName>
+                                        </p:attrNameLst>
+                                      </p:cBhvr>
+                                      <p:to>
+                                        <p:strVal val="visible"/>
+                                      </p:to>
+                                    </p:set>
+                                    <p:animEffect transition="in" filter="wipe(down)">
+                                      <p:cBhvr>
+                                        <p:cTn id="16" dur="500"/>
+                                        <p:tgtEl>
+                                          <p:spTgt spid="6"/>
+                                        </p:tgtEl>
+                                      </p:cBhvr>
+                                    </p:animEffect>
+                                  </p:childTnLst>
+                                </p:cTn>
+                              </p:par>
+                              <p:par>
+                                <p:cTn id="17" presetID="22" presetClass="entr" presetSubtype="4" fill="hold" nodeType="withEffect">
+                                  <p:stCondLst>
+                                    <p:cond delay="0"/>
+                                  </p:stCondLst>
+                                  <p:childTnLst>
+                                    <p:set>
+                                      <p:cBhvr>
+                                        <p:cTn id="18" dur="1" fill="hold">
+                                          <p:stCondLst>
+                                            <p:cond delay="0"/>
+                                          </p:stCondLst>
+                                        </p:cTn>
+                                        <p:tgtEl>
+                                          <p:spTgt spid="28"/>
+                                        </p:tgtEl>
+                                        <p:attrNameLst>
+                                          <p:attrName>style.visibility</p:attrName>
+                                        </p:attrNameLst>
+                                      </p:cBhvr>
+                                      <p:to>
+                                        <p:strVal val="visible"/>
+                                      </p:to>
+                                    </p:set>
+                                    <p:animEffect transition="in" filter="wipe(down)">
+                                      <p:cBhvr>
+                                        <p:cTn id="19" dur="500"/>
+                                        <p:tgtEl>
+                                          <p:spTgt spid="28"/>
+                                        </p:tgtEl>
+                                      </p:cBhvr>
+                                    </p:animEffect>
+                                  </p:childTnLst>
+                                </p:cTn>
+                              </p:par>
+                              <p:par>
+                                <p:cTn id="20" presetID="22" presetClass="entr" presetSubtype="4" fill="hold" nodeType="withEffect">
+                                  <p:stCondLst>
+                                    <p:cond delay="0"/>
+                                  </p:stCondLst>
+                                  <p:childTnLst>
+                                    <p:set>
+                                      <p:cBhvr>
+                                        <p:cTn id="21" dur="1" fill="hold">
+                                          <p:stCondLst>
+                                            <p:cond delay="0"/>
+                                          </p:stCondLst>
+                                        </p:cTn>
+                                        <p:tgtEl>
+                                          <p:spTgt spid="26"/>
+                                        </p:tgtEl>
+                                        <p:attrNameLst>
+                                          <p:attrName>style.visibility</p:attrName>
+                                        </p:attrNameLst>
+                                      </p:cBhvr>
+                                      <p:to>
+                                        <p:strVal val="visible"/>
+                                      </p:to>
+                                    </p:set>
+                                    <p:animEffect transition="in" filter="wipe(down)">
+                                      <p:cBhvr>
+                                        <p:cTn id="22" dur="500"/>
+                                        <p:tgtEl>
+                                          <p:spTgt spid="26"/>
+                                        </p:tgtEl>
+                                      </p:cBhvr>
+                                    </p:animEffect>
+                                  </p:childTnLst>
+                                </p:cTn>
+                              </p:par>
+                              <p:par>
+                                <p:cTn id="23" presetID="22" presetClass="entr" presetSubtype="4" fill="hold" nodeType="withEffect">
+                                  <p:stCondLst>
+                                    <p:cond delay="0"/>
+                                  </p:stCondLst>
+                                  <p:childTnLst>
+                                    <p:set>
+                                      <p:cBhvr>
+                                        <p:cTn id="24" dur="1" fill="hold">
+                                          <p:stCondLst>
+                                            <p:cond delay="0"/>
+                                          </p:stCondLst>
+                                        </p:cTn>
+                                        <p:tgtEl>
+                                          <p:spTgt spid="24"/>
+                                        </p:tgtEl>
+                                        <p:attrNameLst>
+                                          <p:attrName>style.visibility</p:attrName>
+                                        </p:attrNameLst>
+                                      </p:cBhvr>
+                                      <p:to>
+                                        <p:strVal val="visible"/>
+                                      </p:to>
+                                    </p:set>
+                                    <p:animEffect transition="in" filter="wipe(down)">
+                                      <p:cBhvr>
+                                        <p:cTn id="25" dur="500"/>
+                                        <p:tgtEl>
+                                          <p:spTgt spid="24"/>
+                                        </p:tgtEl>
+                                      </p:cBhvr>
+                                    </p:animEffect>
+                                  </p:childTnLst>
+                                </p:cTn>
+                              </p:par>
+                            </p:childTnLst>
+                          </p:cTn>
+                        </p:par>
+                      </p:childTnLst>
+                    </p:cTn>
+                  </p:par>
+                  <p:par>
+                    <p:cTn id="26" fill="hold">
+                      <p:stCondLst>
+                        <p:cond delay="indefinite"/>
+                      </p:stCondLst>
+                      <p:childTnLst>
+                        <p:par>
+                          <p:cTn id="27" fill="hold">
+                            <p:stCondLst>
+                              <p:cond delay="0"/>
+                            </p:stCondLst>
+                            <p:childTnLst>
+                              <p:par>
+                                <p:cTn id="28" presetID="10" presetClass="entr" presetSubtype="0" fill="hold" grpId="0" nodeType="clickEffect">
+                                  <p:stCondLst>
+                                    <p:cond delay="0"/>
+                                  </p:stCondLst>
+                                  <p:childTnLst>
+                                    <p:set>
+                                      <p:cBhvr>
+                                        <p:cTn id="29" dur="1" fill="hold">
+                                          <p:stCondLst>
+                                            <p:cond delay="0"/>
+                                          </p:stCondLst>
+                                        </p:cTn>
+                                        <p:tgtEl>
+                                          <p:spTgt spid="35"/>
+                                        </p:tgtEl>
+                                        <p:attrNameLst>
+                                          <p:attrName>style.visibility</p:attrName>
+                                        </p:attrNameLst>
+                                      </p:cBhvr>
+                                      <p:to>
+                                        <p:strVal val="visible"/>
+                                      </p:to>
+                                    </p:set>
+                                    <p:animEffect transition="in" filter="fade">
+                                      <p:cBhvr>
+                                        <p:cTn id="30" dur="500"/>
+                                        <p:tgtEl>
+                                          <p:spTgt spid="35"/>
+                                        </p:tgtEl>
+                                      </p:cBhvr>
+                                    </p:animEffect>
+                                  </p:childTnLst>
+                                </p:cTn>
+                              </p:par>
+                              <p:par>
+                                <p:cTn id="31" presetID="10" presetClass="entr" presetSubtype="0" fill="hold" grpId="0" nodeType="withEffect">
+                                  <p:stCondLst>
+                                    <p:cond delay="0"/>
+                                  </p:stCondLst>
+                                  <p:childTnLst>
+                                    <p:set>
+                                      <p:cBhvr>
+                                        <p:cTn id="32" dur="1" fill="hold">
+                                          <p:stCondLst>
+                                            <p:cond delay="0"/>
+                                          </p:stCondLst>
+                                        </p:cTn>
+                                        <p:tgtEl>
+                                          <p:spTgt spid="56"/>
+                                        </p:tgtEl>
+                                        <p:attrNameLst>
+                                          <p:attrName>style.visibility</p:attrName>
+                                        </p:attrNameLst>
+                                      </p:cBhvr>
+                                      <p:to>
+                                        <p:strVal val="visible"/>
+                                      </p:to>
+                                    </p:set>
+                                    <p:animEffect transition="in" filter="fade">
+                                      <p:cBhvr>
+                                        <p:cTn id="33" dur="500"/>
+                                        <p:tgtEl>
+                                          <p:spTgt spid="56"/>
+                                        </p:tgtEl>
+                                      </p:cBhvr>
+                                    </p:animEffect>
+                                  </p:childTnLst>
+                                </p:cTn>
+                              </p:par>
+                              <p:par>
+                                <p:cTn id="34" presetID="10" presetClass="entr" presetSubtype="0" fill="hold" grpId="0" nodeType="withEffect">
+                                  <p:stCondLst>
+                                    <p:cond delay="0"/>
+                                  </p:stCondLst>
+                                  <p:childTnLst>
+                                    <p:set>
+                                      <p:cBhvr>
+                                        <p:cTn id="35" dur="1" fill="hold">
+                                          <p:stCondLst>
+                                            <p:cond delay="0"/>
+                                          </p:stCondLst>
+                                        </p:cTn>
+                                        <p:tgtEl>
+                                          <p:spTgt spid="57"/>
+                                        </p:tgtEl>
+                                        <p:attrNameLst>
+                                          <p:attrName>style.visibility</p:attrName>
+                                        </p:attrNameLst>
+                                      </p:cBhvr>
+                                      <p:to>
+                                        <p:strVal val="visible"/>
+                                      </p:to>
+                                    </p:set>
+                                    <p:animEffect transition="in" filter="fade">
+                                      <p:cBhvr>
+                                        <p:cTn id="36" dur="500"/>
+                                        <p:tgtEl>
+                                          <p:spTgt spid="57"/>
+                                        </p:tgtEl>
+                                      </p:cBhvr>
+                                    </p:animEffect>
+                                  </p:childTnLst>
+                                </p:cTn>
+                              </p:par>
+                            </p:childTnLst>
+                          </p:cTn>
+                        </p:par>
+                      </p:childTnLst>
+                    </p:cTn>
+                  </p:par>
+                  <p:par>
+                    <p:cTn id="37" fill="hold">
+                      <p:stCondLst>
+                        <p:cond delay="indefinite"/>
+                      </p:stCondLst>
+                      <p:childTnLst>
+                        <p:par>
+                          <p:cTn id="38" fill="hold">
+                            <p:stCondLst>
+                              <p:cond delay="0"/>
+                            </p:stCondLst>
+                            <p:childTnLst>
+                              <p:par>
+                                <p:cTn id="39" presetID="42" presetClass="entr" presetSubtype="0" fill="hold" grpId="0" nodeType="clickEffect">
+                                  <p:stCondLst>
+                                    <p:cond delay="0"/>
+                                  </p:stCondLst>
+                                  <p:childTnLst>
+                                    <p:set>
+                                      <p:cBhvr>
+                                        <p:cTn id="40" dur="1" fill="hold">
+                                          <p:stCondLst>
+                                            <p:cond delay="0"/>
+                                          </p:stCondLst>
+                                        </p:cTn>
+                                        <p:tgtEl>
+                                          <p:spTgt spid="36"/>
+                                        </p:tgtEl>
+                                        <p:attrNameLst>
+                                          <p:attrName>style.visibility</p:attrName>
+                                        </p:attrNameLst>
+                                      </p:cBhvr>
+                                      <p:to>
+                                        <p:strVal val="visible"/>
+                                      </p:to>
+                                    </p:set>
+                                    <p:animEffect transition="in" filter="fade">
+                                      <p:cBhvr>
+                                        <p:cTn id="41" dur="1000"/>
+                                        <p:tgtEl>
+                                          <p:spTgt spid="36"/>
+                                        </p:tgtEl>
+                                      </p:cBhvr>
+                                    </p:animEffect>
                                     <p:anim calcmode="lin" valueType="num">
                                       <p:cBhvr>
-                                        <p:cTn id="13" dur="1000" fill="hold"/>
+                                        <p:cTn id="42" dur="1000" fill="hold"/>
                                         <p:tgtEl>
-                                          <p:spTgt spid="4"/>
+                                          <p:spTgt spid="36"/>
                                         </p:tgtEl>
                                         <p:attrNameLst>
                                           <p:attrName>ppt_x</p:attrName>
@@ -26338,9 +25015,9 @@
                                     </p:anim>
                                     <p:anim calcmode="lin" valueType="num">
                                       <p:cBhvr>
-                                        <p:cTn id="14" dur="1000" fill="hold"/>
+                                        <p:cTn id="43" dur="1000" fill="hold"/>
                                         <p:tgtEl>
-                                          <p:spTgt spid="4"/>
+                                          <p:spTgt spid="36"/>
                                         </p:tgtEl>
                                         <p:attrNameLst>
                                           <p:attrName>ppt_y</p:attrName>
@@ -26363,20 +25040,20 @@
                                 </p:cTn>
                               </p:par>
                               <p:par>
-                                <p:cTn id="15" presetID="42" presetClass="entr" presetSubtype="0" fill="hold" grpId="0" nodeType="withEffect">
+                                <p:cTn id="44" presetID="42" presetClass="entr" presetSubtype="0" fill="hold" nodeType="withEffect">
                                   <p:stCondLst>
                                     <p:cond delay="0"/>
                                   </p:stCondLst>
                                   <p:childTnLst>
                                     <p:set>
                                       <p:cBhvr>
-                                        <p:cTn id="16" dur="1" fill="hold">
+                                        <p:cTn id="45" dur="1" fill="hold">
                                           <p:stCondLst>
                                             <p:cond delay="0"/>
                                           </p:stCondLst>
                                         </p:cTn>
                                         <p:tgtEl>
-                                          <p:spTgt spid="7"/>
+                                          <p:spTgt spid="3075"/>
                                         </p:tgtEl>
                                         <p:attrNameLst>
                                           <p:attrName>style.visibility</p:attrName>
@@ -26388,17 +25065,17 @@
                                     </p:set>
                                     <p:animEffect transition="in" filter="fade">
                                       <p:cBhvr>
-                                        <p:cTn id="17" dur="1000"/>
+                                        <p:cTn id="46" dur="1000"/>
                                         <p:tgtEl>
-                                          <p:spTgt spid="7"/>
+                                          <p:spTgt spid="3075"/>
                                         </p:tgtEl>
                                       </p:cBhvr>
                                     </p:animEffect>
                                     <p:anim calcmode="lin" valueType="num">
                                       <p:cBhvr>
-                                        <p:cTn id="18" dur="1000" fill="hold"/>
+                                        <p:cTn id="47" dur="1000" fill="hold"/>
                                         <p:tgtEl>
-                                          <p:spTgt spid="7"/>
+                                          <p:spTgt spid="3075"/>
                                         </p:tgtEl>
                                         <p:attrNameLst>
                                           <p:attrName>ppt_x</p:attrName>
@@ -26419,9 +25096,9 @@
                                     </p:anim>
                                     <p:anim calcmode="lin" valueType="num">
                                       <p:cBhvr>
-                                        <p:cTn id="19" dur="1000" fill="hold"/>
+                                        <p:cTn id="48" dur="1000" fill="hold"/>
                                         <p:tgtEl>
-                                          <p:spTgt spid="7"/>
+                                          <p:spTgt spid="3075"/>
                                         </p:tgtEl>
                                         <p:attrNameLst>
                                           <p:attrName>ppt_y</p:attrName>
@@ -26444,20 +25121,20 @@
                                 </p:cTn>
                               </p:par>
                               <p:par>
-                                <p:cTn id="20" presetID="42" presetClass="entr" presetSubtype="0" fill="hold" grpId="0" nodeType="withEffect">
+                                <p:cTn id="49" presetID="42" presetClass="entr" presetSubtype="0" fill="hold" grpId="0" nodeType="withEffect">
                                   <p:stCondLst>
                                     <p:cond delay="0"/>
                                   </p:stCondLst>
                                   <p:childTnLst>
                                     <p:set>
                                       <p:cBhvr>
-                                        <p:cTn id="21" dur="1" fill="hold">
+                                        <p:cTn id="50" dur="1" fill="hold">
                                           <p:stCondLst>
                                             <p:cond delay="0"/>
                                           </p:stCondLst>
                                         </p:cTn>
                                         <p:tgtEl>
-                                          <p:spTgt spid="5"/>
+                                          <p:spTgt spid="30"/>
                                         </p:tgtEl>
                                         <p:attrNameLst>
                                           <p:attrName>style.visibility</p:attrName>
@@ -26469,17 +25146,17 @@
                                     </p:set>
                                     <p:animEffect transition="in" filter="fade">
                                       <p:cBhvr>
-                                        <p:cTn id="22" dur="1000"/>
+                                        <p:cTn id="51" dur="1000"/>
                                         <p:tgtEl>
-                                          <p:spTgt spid="5"/>
+                                          <p:spTgt spid="30"/>
                                         </p:tgtEl>
                                       </p:cBhvr>
                                     </p:animEffect>
                                     <p:anim calcmode="lin" valueType="num">
                                       <p:cBhvr>
-                                        <p:cTn id="23" dur="1000" fill="hold"/>
+                                        <p:cTn id="52" dur="1000" fill="hold"/>
                                         <p:tgtEl>
-                                          <p:spTgt spid="5"/>
+                                          <p:spTgt spid="30"/>
                                         </p:tgtEl>
                                         <p:attrNameLst>
                                           <p:attrName>ppt_x</p:attrName>
@@ -26500,90 +25177,9 @@
                                     </p:anim>
                                     <p:anim calcmode="lin" valueType="num">
                                       <p:cBhvr>
-                                        <p:cTn id="24" dur="1000" fill="hold"/>
+                                        <p:cTn id="53" dur="1000" fill="hold"/>
                                         <p:tgtEl>
-                                          <p:spTgt spid="5"/>
-                                        </p:tgtEl>
-                                        <p:attrNameLst>
-                                          <p:attrName>ppt_y</p:attrName>
-                                        </p:attrNameLst>
-                                      </p:cBhvr>
-                                      <p:tavLst>
-                                        <p:tav tm="0">
-                                          <p:val>
-                                            <p:strVal val="#ppt_y+.1"/>
-                                          </p:val>
-                                        </p:tav>
-                                        <p:tav tm="100000">
-                                          <p:val>
-                                            <p:strVal val="#ppt_y"/>
-                                          </p:val>
-                                        </p:tav>
-                                      </p:tavLst>
-                                    </p:anim>
-                                  </p:childTnLst>
-                                </p:cTn>
-                              </p:par>
-                              <p:par>
-                                <p:cTn id="25" presetID="42" presetClass="entr" presetSubtype="0" fill="hold" grpId="0" nodeType="withEffect">
-                                  <p:stCondLst>
-                                    <p:cond delay="0"/>
-                                  </p:stCondLst>
-                                  <p:childTnLst>
-                                    <p:set>
-                                      <p:cBhvr>
-                                        <p:cTn id="26" dur="1" fill="hold">
-                                          <p:stCondLst>
-                                            <p:cond delay="0"/>
-                                          </p:stCondLst>
-                                        </p:cTn>
-                                        <p:tgtEl>
-                                          <p:spTgt spid="6"/>
-                                        </p:tgtEl>
-                                        <p:attrNameLst>
-                                          <p:attrName>style.visibility</p:attrName>
-                                        </p:attrNameLst>
-                                      </p:cBhvr>
-                                      <p:to>
-                                        <p:strVal val="visible"/>
-                                      </p:to>
-                                    </p:set>
-                                    <p:animEffect transition="in" filter="fade">
-                                      <p:cBhvr>
-                                        <p:cTn id="27" dur="1000"/>
-                                        <p:tgtEl>
-                                          <p:spTgt spid="6"/>
-                                        </p:tgtEl>
-                                      </p:cBhvr>
-                                    </p:animEffect>
-                                    <p:anim calcmode="lin" valueType="num">
-                                      <p:cBhvr>
-                                        <p:cTn id="28" dur="1000" fill="hold"/>
-                                        <p:tgtEl>
-                                          <p:spTgt spid="6"/>
-                                        </p:tgtEl>
-                                        <p:attrNameLst>
-                                          <p:attrName>ppt_x</p:attrName>
-                                        </p:attrNameLst>
-                                      </p:cBhvr>
-                                      <p:tavLst>
-                                        <p:tav tm="0">
-                                          <p:val>
-                                            <p:strVal val="#ppt_x"/>
-                                          </p:val>
-                                        </p:tav>
-                                        <p:tav tm="100000">
-                                          <p:val>
-                                            <p:strVal val="#ppt_x"/>
-                                          </p:val>
-                                        </p:tav>
-                                      </p:tavLst>
-                                    </p:anim>
-                                    <p:anim calcmode="lin" valueType="num">
-                                      <p:cBhvr>
-                                        <p:cTn id="29" dur="1000" fill="hold"/>
-                                        <p:tgtEl>
-                                          <p:spTgt spid="6"/>
+                                          <p:spTgt spid="30"/>
                                         </p:tgtEl>
                                         <p:attrNameLst>
                                           <p:attrName>ppt_y</p:attrName>
@@ -26612,85 +25208,32 @@
                     </p:cTn>
                   </p:par>
                   <p:par>
-                    <p:cTn id="30" fill="hold">
+                    <p:cTn id="54" fill="hold">
                       <p:stCondLst>
                         <p:cond delay="indefinite"/>
                       </p:stCondLst>
                       <p:childTnLst>
                         <p:par>
-                          <p:cTn id="31" fill="hold">
+                          <p:cTn id="55" fill="hold">
                             <p:stCondLst>
                               <p:cond delay="0"/>
                             </p:stCondLst>
                             <p:childTnLst>
                               <p:par>
-                                <p:cTn id="32" presetID="10" presetClass="exit" presetSubtype="0" fill="hold" grpId="1" nodeType="clickEffect">
-                                  <p:stCondLst>
-                                    <p:cond delay="0"/>
-                                  </p:stCondLst>
-                                  <p:childTnLst>
-                                    <p:animEffect transition="out" filter="fade">
-                                      <p:cBhvr>
-                                        <p:cTn id="33" dur="500"/>
-                                        <p:tgtEl>
-                                          <p:spTgt spid="8"/>
-                                        </p:tgtEl>
-                                      </p:cBhvr>
-                                    </p:animEffect>
-                                    <p:set>
-                                      <p:cBhvr>
-                                        <p:cTn id="34" dur="1" fill="hold">
-                                          <p:stCondLst>
-                                            <p:cond delay="499"/>
-                                          </p:stCondLst>
-                                        </p:cTn>
-                                        <p:tgtEl>
-                                          <p:spTgt spid="8"/>
-                                        </p:tgtEl>
-                                        <p:attrNameLst>
-                                          <p:attrName>style.visibility</p:attrName>
-                                        </p:attrNameLst>
-                                      </p:cBhvr>
-                                      <p:to>
-                                        <p:strVal val="hidden"/>
-                                      </p:to>
-                                    </p:set>
-                                  </p:childTnLst>
-                                </p:cTn>
-                              </p:par>
-                            </p:childTnLst>
-                          </p:cTn>
-                        </p:par>
-                      </p:childTnLst>
-                    </p:cTn>
-                  </p:par>
-                  <p:par>
-                    <p:cTn id="35" fill="hold">
-                      <p:stCondLst>
-                        <p:cond delay="indefinite"/>
-                      </p:stCondLst>
-                      <p:childTnLst>
-                        <p:par>
-                          <p:cTn id="36" fill="hold">
-                            <p:stCondLst>
-                              <p:cond delay="0"/>
-                            </p:stCondLst>
-                            <p:childTnLst>
-                              <p:par>
-                                <p:cTn id="37" presetID="42" presetClass="entr" presetSubtype="0" fill="hold" grpId="0" nodeType="clickEffect">
+                                <p:cTn id="56" presetID="42" presetClass="entr" presetSubtype="0" fill="hold" grpId="0" nodeType="clickEffect">
                                   <p:stCondLst>
                                     <p:cond delay="0"/>
                                   </p:stCondLst>
                                   <p:childTnLst>
                                     <p:set>
                                       <p:cBhvr>
-                                        <p:cTn id="38" dur="1" fill="hold">
+                                        <p:cTn id="57" dur="1" fill="hold">
                                           <p:stCondLst>
                                             <p:cond delay="0"/>
                                           </p:stCondLst>
                                         </p:cTn>
                                         <p:tgtEl>
-                                          <p:spTgt spid="72"/>
+                                          <p:spTgt spid="54"/>
                                         </p:tgtEl>
                                         <p:attrNameLst>
                                           <p:attrName>style.visibility</p:attrName>
@@ -26702,17 +25245,17 @@
                                     </p:set>
                                     <p:animEffect transition="in" filter="fade">
                                       <p:cBhvr>
-                                        <p:cTn id="39" dur="1000"/>
+                                        <p:cTn id="58" dur="1000"/>
                                         <p:tgtEl>
-                                          <p:spTgt spid="72"/>
+                                          <p:spTgt spid="54"/>
                                         </p:tgtEl>
                                       </p:cBhvr>
                                     </p:animEffect>
                                     <p:anim calcmode="lin" valueType="num">
                                       <p:cBhvr>
-                                        <p:cTn id="40" dur="1000" fill="hold"/>
+                                        <p:cTn id="59" dur="1000" fill="hold"/>
                                         <p:tgtEl>
-                                          <p:spTgt spid="72"/>
+                                          <p:spTgt spid="54"/>
                                         </p:tgtEl>
                                         <p:attrNameLst>
                                           <p:attrName>ppt_x</p:attrName>
@@ -26733,9 +25276,171 @@
                                     </p:anim>
                                     <p:anim calcmode="lin" valueType="num">
                                       <p:cBhvr>
-                                        <p:cTn id="41" dur="1000" fill="hold"/>
+                                        <p:cTn id="60" dur="1000" fill="hold"/>
                                         <p:tgtEl>
-                                          <p:spTgt spid="72"/>
+                                          <p:spTgt spid="54"/>
+                                        </p:tgtEl>
+                                        <p:attrNameLst>
+                                          <p:attrName>ppt_y</p:attrName>
+                                        </p:attrNameLst>
+                                      </p:cBhvr>
+                                      <p:tavLst>
+                                        <p:tav tm="0">
+                                          <p:val>
+                                            <p:strVal val="#ppt_y+.1"/>
+                                          </p:val>
+                                        </p:tav>
+                                        <p:tav tm="100000">
+                                          <p:val>
+                                            <p:strVal val="#ppt_y"/>
+                                          </p:val>
+                                        </p:tav>
+                                      </p:tavLst>
+                                    </p:anim>
+                                  </p:childTnLst>
+                                </p:cTn>
+                              </p:par>
+                              <p:par>
+                                <p:cTn id="61" presetID="42" presetClass="entr" presetSubtype="0" fill="hold" nodeType="withEffect">
+                                  <p:stCondLst>
+                                    <p:cond delay="0"/>
+                                  </p:stCondLst>
+                                  <p:childTnLst>
+                                    <p:set>
+                                      <p:cBhvr>
+                                        <p:cTn id="62" dur="1" fill="hold">
+                                          <p:stCondLst>
+                                            <p:cond delay="0"/>
+                                          </p:stCondLst>
+                                        </p:cTn>
+                                        <p:tgtEl>
+                                          <p:spTgt spid="31"/>
+                                        </p:tgtEl>
+                                        <p:attrNameLst>
+                                          <p:attrName>style.visibility</p:attrName>
+                                        </p:attrNameLst>
+                                      </p:cBhvr>
+                                      <p:to>
+                                        <p:strVal val="visible"/>
+                                      </p:to>
+                                    </p:set>
+                                    <p:animEffect transition="in" filter="fade">
+                                      <p:cBhvr>
+                                        <p:cTn id="63" dur="1000"/>
+                                        <p:tgtEl>
+                                          <p:spTgt spid="31"/>
+                                        </p:tgtEl>
+                                      </p:cBhvr>
+                                    </p:animEffect>
+                                    <p:anim calcmode="lin" valueType="num">
+                                      <p:cBhvr>
+                                        <p:cTn id="64" dur="1000" fill="hold"/>
+                                        <p:tgtEl>
+                                          <p:spTgt spid="31"/>
+                                        </p:tgtEl>
+                                        <p:attrNameLst>
+                                          <p:attrName>ppt_x</p:attrName>
+                                        </p:attrNameLst>
+                                      </p:cBhvr>
+                                      <p:tavLst>
+                                        <p:tav tm="0">
+                                          <p:val>
+                                            <p:strVal val="#ppt_x"/>
+                                          </p:val>
+                                        </p:tav>
+                                        <p:tav tm="100000">
+                                          <p:val>
+                                            <p:strVal val="#ppt_x"/>
+                                          </p:val>
+                                        </p:tav>
+                                      </p:tavLst>
+                                    </p:anim>
+                                    <p:anim calcmode="lin" valueType="num">
+                                      <p:cBhvr>
+                                        <p:cTn id="65" dur="1000" fill="hold"/>
+                                        <p:tgtEl>
+                                          <p:spTgt spid="31"/>
+                                        </p:tgtEl>
+                                        <p:attrNameLst>
+                                          <p:attrName>ppt_y</p:attrName>
+                                        </p:attrNameLst>
+                                      </p:cBhvr>
+                                      <p:tavLst>
+                                        <p:tav tm="0">
+                                          <p:val>
+                                            <p:strVal val="#ppt_y+.1"/>
+                                          </p:val>
+                                        </p:tav>
+                                        <p:tav tm="100000">
+                                          <p:val>
+                                            <p:strVal val="#ppt_y"/>
+                                          </p:val>
+                                        </p:tav>
+                                      </p:tavLst>
+                                    </p:anim>
+                                  </p:childTnLst>
+                                </p:cTn>
+                              </p:par>
+                              <p:par>
+                                <p:cTn id="66" presetID="42" presetClass="entr" presetSubtype="0" fill="hold" grpId="0" nodeType="withEffect">
+                                  <p:stCondLst>
+                                    <p:cond delay="0"/>
+                                  </p:stCondLst>
+                                  <p:childTnLst>
+                                    <p:set>
+                                      <p:cBhvr>
+                                        <p:cTn id="67" dur="1" fill="hold">
+                                          <p:stCondLst>
+                                            <p:cond delay="0"/>
+                                          </p:stCondLst>
+                                        </p:cTn>
+                                        <p:tgtEl>
+                                          <p:spTgt spid="32"/>
+                                        </p:tgtEl>
+                                        <p:attrNameLst>
+                                          <p:attrName>style.visibility</p:attrName>
+                                        </p:attrNameLst>
+                                      </p:cBhvr>
+                                      <p:to>
+                                        <p:strVal val="visible"/>
+                                      </p:to>
+                                    </p:set>
+                                    <p:animEffect transition="in" filter="fade">
+                                      <p:cBhvr>
+                                        <p:cTn id="68" dur="1000"/>
+                                        <p:tgtEl>
+                                          <p:spTgt spid="32"/>
+                                        </p:tgtEl>
+                                      </p:cBhvr>
+                                    </p:animEffect>
+                                    <p:anim calcmode="lin" valueType="num">
+                                      <p:cBhvr>
+                                        <p:cTn id="69" dur="1000" fill="hold"/>
+                                        <p:tgtEl>
+                                          <p:spTgt spid="32"/>
+                                        </p:tgtEl>
+                                        <p:attrNameLst>
+                                          <p:attrName>ppt_x</p:attrName>
+                                        </p:attrNameLst>
+                                      </p:cBhvr>
+                                      <p:tavLst>
+                                        <p:tav tm="0">
+                                          <p:val>
+                                            <p:strVal val="#ppt_x"/>
+                                          </p:val>
+                                        </p:tav>
+                                        <p:tav tm="100000">
+                                          <p:val>
+                                            <p:strVal val="#ppt_x"/>
+                                          </p:val>
+                                        </p:tav>
+                                      </p:tavLst>
+                                    </p:anim>
+                                    <p:anim calcmode="lin" valueType="num">
+                                      <p:cBhvr>
+                                        <p:cTn id="70" dur="1000" fill="hold"/>
+                                        <p:tgtEl>
+                                          <p:spTgt spid="32"/>
                                         </p:tgtEl>
                                         <p:attrNameLst>
                                           <p:attrName>ppt_y</p:attrName>
@@ -26764,155 +25469,32 @@
                     </p:cTn>
                   </p:par>
                   <p:par>
-                    <p:cTn id="42" fill="hold">
+                    <p:cTn id="71" fill="hold">
                       <p:stCondLst>
                         <p:cond delay="indefinite"/>
                       </p:stCondLst>
                       <p:childTnLst>
                         <p:par>
-                          <p:cTn id="43" fill="hold">
+                          <p:cTn id="72" fill="hold">
                             <p:stCondLst>
                               <p:cond delay="0"/>
                             </p:stCondLst>
                             <p:childTnLst>
                               <p:par>
-                                <p:cTn id="44" presetID="22" presetClass="entr" presetSubtype="4" fill="hold" nodeType="clickEffect">
+                                <p:cTn id="73" presetID="42" presetClass="entr" presetSubtype="0" fill="hold" grpId="0" nodeType="clickEffect">
                                   <p:stCondLst>
                                     <p:cond delay="0"/>
                                   </p:stCondLst>
                                   <p:childTnLst>
                                     <p:set>
                                       <p:cBhvr>
-                                        <p:cTn id="45" dur="1" fill="hold">
+                                        <p:cTn id="74" dur="1" fill="hold">
                                           <p:stCondLst>
                                             <p:cond delay="0"/>
                                           </p:stCondLst>
                                         </p:cTn>
                                         <p:tgtEl>
-                                          <p:spTgt spid="24"/>
-                                        </p:tgtEl>
-                                        <p:attrNameLst>
-                                          <p:attrName>style.visibility</p:attrName>
-                                        </p:attrNameLst>
-                                      </p:cBhvr>
-                                      <p:to>
-                                        <p:strVal val="visible"/>
-                                      </p:to>
-                                    </p:set>
-                                    <p:animEffect transition="in" filter="wipe(down)">
-                                      <p:cBhvr>
-                                        <p:cTn id="46" dur="500"/>
-                                        <p:tgtEl>
-                                          <p:spTgt spid="24"/>
-                                        </p:tgtEl>
-                                      </p:cBhvr>
-                                    </p:animEffect>
-                                  </p:childTnLst>
-                                </p:cTn>
-                              </p:par>
-                              <p:par>
-                                <p:cTn id="47" presetID="22" presetClass="entr" presetSubtype="4" fill="hold" nodeType="withEffect">
-                                  <p:stCondLst>
-                                    <p:cond delay="0"/>
-                                  </p:stCondLst>
-                                  <p:childTnLst>
-                                    <p:set>
-                                      <p:cBhvr>
-                                        <p:cTn id="48" dur="1" fill="hold">
-                                          <p:stCondLst>
-                                            <p:cond delay="0"/>
-                                          </p:stCondLst>
-                                        </p:cTn>
-                                        <p:tgtEl>
-                                          <p:spTgt spid="26"/>
-                                        </p:tgtEl>
-                                        <p:attrNameLst>
-                                          <p:attrName>style.visibility</p:attrName>
-                                        </p:attrNameLst>
-                                      </p:cBhvr>
-                                      <p:to>
-                                        <p:strVal val="visible"/>
-                                      </p:to>
-                                    </p:set>
-                                    <p:animEffect transition="in" filter="wipe(down)">
-                                      <p:cBhvr>
-                                        <p:cTn id="49" dur="500"/>
-                                        <p:tgtEl>
-                                          <p:spTgt spid="26"/>
-                                        </p:tgtEl>
-                                      </p:cBhvr>
-                                    </p:animEffect>
-                                  </p:childTnLst>
-                                </p:cTn>
-                              </p:par>
-                              <p:par>
-                                <p:cTn id="50" presetID="22" presetClass="entr" presetSubtype="4" fill="hold" nodeType="withEffect">
-                                  <p:stCondLst>
-                                    <p:cond delay="0"/>
-                                  </p:stCondLst>
-                                  <p:childTnLst>
-                                    <p:set>
-                                      <p:cBhvr>
-                                        <p:cTn id="51" dur="1" fill="hold">
-                                          <p:stCondLst>
-                                            <p:cond delay="0"/>
-                                          </p:stCondLst>
-                                        </p:cTn>
-                                        <p:tgtEl>
-                                          <p:spTgt spid="28"/>
-                                        </p:tgtEl>
-                                        <p:attrNameLst>
-                                          <p:attrName>style.visibility</p:attrName>
-                                        </p:attrNameLst>
-                                      </p:cBhvr>
-                                      <p:to>
-                                        <p:strVal val="visible"/>
-                                      </p:to>
-                                    </p:set>
-                                    <p:animEffect transition="in" filter="wipe(down)">
-                                      <p:cBhvr>
-                                        <p:cTn id="52" dur="500"/>
-                                        <p:tgtEl>
-                                          <p:spTgt spid="28"/>
-                                        </p:tgtEl>
-                                      </p:cBhvr>
-                                    </p:animEffect>
-                                  </p:childTnLst>
-                                </p:cTn>
-                              </p:par>
-                            </p:childTnLst>
-                          </p:cTn>
-                        </p:par>
-                      </p:childTnLst>
-                    </p:cTn>
-                  </p:par>
-                  <p:par>
-                    <p:cTn id="53" fill="hold">
-                      <p:stCondLst>
-                        <p:cond delay="indefinite"/>
-                      </p:stCondLst>
-                      <p:childTnLst>
-                        <p:par>
-                          <p:cTn id="54" fill="hold">
-                            <p:stCondLst>
-                              <p:cond delay="0"/>
-                            </p:stCondLst>
-                            <p:childTnLst>
-                              <p:par>
-                                <p:cTn id="55" presetID="10" presetClass="entr" presetSubtype="0" fill="hold" grpId="0" nodeType="clickEffect">
-                                  <p:stCondLst>
-                                    <p:cond delay="0"/>
-                                  </p:stCondLst>
-                                  <p:childTnLst>
-                                    <p:set>
-                                      <p:cBhvr>
-                                        <p:cTn id="56" dur="1" fill="hold">
-                                          <p:stCondLst>
-                                            <p:cond delay="0"/>
-                                          </p:stCondLst>
-                                        </p:cTn>
-                                        <p:tgtEl>
-                                          <p:spTgt spid="3076"/>
+                                          <p:spTgt spid="55"/>
                                         </p:tgtEl>
                                         <p:attrNameLst>
                                           <p:attrName>style.visibility</p:attrName>
@@ -26924,193 +25506,17 @@
                                     </p:set>
                                     <p:animEffect transition="in" filter="fade">
                                       <p:cBhvr>
-                                        <p:cTn id="57" dur="500"/>
+                                        <p:cTn id="75" dur="1000"/>
                                         <p:tgtEl>
-                                          <p:spTgt spid="3076"/>
-                                        </p:tgtEl>
-                                      </p:cBhvr>
-                                    </p:animEffect>
-                                  </p:childTnLst>
-                                </p:cTn>
-                              </p:par>
-                              <p:par>
-                                <p:cTn id="58" presetID="10" presetClass="entr" presetSubtype="0" fill="hold" grpId="0" nodeType="withEffect">
-                                  <p:stCondLst>
-                                    <p:cond delay="0"/>
-                                  </p:stCondLst>
-                                  <p:childTnLst>
-                                    <p:set>
-                                      <p:cBhvr>
-                                        <p:cTn id="59" dur="1" fill="hold">
-                                          <p:stCondLst>
-                                            <p:cond delay="0"/>
-                                          </p:stCondLst>
-                                        </p:cTn>
-                                        <p:tgtEl>
-                                          <p:spTgt spid="69"/>
-                                        </p:tgtEl>
-                                        <p:attrNameLst>
-                                          <p:attrName>style.visibility</p:attrName>
-                                        </p:attrNameLst>
-                                      </p:cBhvr>
-                                      <p:to>
-                                        <p:strVal val="visible"/>
-                                      </p:to>
-                                    </p:set>
-                                    <p:animEffect transition="in" filter="fade">
-                                      <p:cBhvr>
-                                        <p:cTn id="60" dur="500"/>
-                                        <p:tgtEl>
-                                          <p:spTgt spid="69"/>
-                                        </p:tgtEl>
-                                      </p:cBhvr>
-                                    </p:animEffect>
-                                  </p:childTnLst>
-                                </p:cTn>
-                              </p:par>
-                              <p:par>
-                                <p:cTn id="61" presetID="10" presetClass="entr" presetSubtype="0" fill="hold" grpId="0" nodeType="withEffect">
-                                  <p:stCondLst>
-                                    <p:cond delay="0"/>
-                                  </p:stCondLst>
-                                  <p:childTnLst>
-                                    <p:set>
-                                      <p:cBhvr>
-                                        <p:cTn id="62" dur="1" fill="hold">
-                                          <p:stCondLst>
-                                            <p:cond delay="0"/>
-                                          </p:stCondLst>
-                                        </p:cTn>
-                                        <p:tgtEl>
-                                          <p:spTgt spid="70"/>
-                                        </p:tgtEl>
-                                        <p:attrNameLst>
-                                          <p:attrName>style.visibility</p:attrName>
-                                        </p:attrNameLst>
-                                      </p:cBhvr>
-                                      <p:to>
-                                        <p:strVal val="visible"/>
-                                      </p:to>
-                                    </p:set>
-                                    <p:animEffect transition="in" filter="fade">
-                                      <p:cBhvr>
-                                        <p:cTn id="63" dur="500"/>
-                                        <p:tgtEl>
-                                          <p:spTgt spid="70"/>
-                                        </p:tgtEl>
-                                      </p:cBhvr>
-                                    </p:animEffect>
-                                  </p:childTnLst>
-                                </p:cTn>
-                              </p:par>
-                            </p:childTnLst>
-                          </p:cTn>
-                        </p:par>
-                      </p:childTnLst>
-                    </p:cTn>
-                  </p:par>
-                  <p:par>
-                    <p:cTn id="64" fill="hold">
-                      <p:stCondLst>
-                        <p:cond delay="indefinite"/>
-                      </p:stCondLst>
-                      <p:childTnLst>
-                        <p:par>
-                          <p:cTn id="65" fill="hold">
-                            <p:stCondLst>
-                              <p:cond delay="0"/>
-                            </p:stCondLst>
-                            <p:childTnLst>
-                              <p:par>
-                                <p:cTn id="66" presetID="10" presetClass="exit" presetSubtype="0" fill="hold" grpId="1" nodeType="clickEffect">
-                                  <p:stCondLst>
-                                    <p:cond delay="0"/>
-                                  </p:stCondLst>
-                                  <p:childTnLst>
-                                    <p:animEffect transition="out" filter="fade">
-                                      <p:cBhvr>
-                                        <p:cTn id="67" dur="500"/>
-                                        <p:tgtEl>
-                                          <p:spTgt spid="72"/>
-                                        </p:tgtEl>
-                                      </p:cBhvr>
-                                    </p:animEffect>
-                                    <p:set>
-                                      <p:cBhvr>
-                                        <p:cTn id="68" dur="1" fill="hold">
-                                          <p:stCondLst>
-                                            <p:cond delay="499"/>
-                                          </p:stCondLst>
-                                        </p:cTn>
-                                        <p:tgtEl>
-                                          <p:spTgt spid="72"/>
-                                        </p:tgtEl>
-                                        <p:attrNameLst>
-                                          <p:attrName>style.visibility</p:attrName>
-                                        </p:attrNameLst>
-                                      </p:cBhvr>
-                                      <p:to>
-                                        <p:strVal val="hidden"/>
-                                      </p:to>
-                                    </p:set>
-                                  </p:childTnLst>
-                                </p:cTn>
-                              </p:par>
-                            </p:childTnLst>
-                          </p:cTn>
-                        </p:par>
-                      </p:childTnLst>
-                    </p:cTn>
-                  </p:par>
-                  <p:par>
-                    <p:cTn id="69" fill="hold">
-                      <p:stCondLst>
-                        <p:cond delay="indefinite"/>
-                      </p:stCondLst>
-                      <p:childTnLst>
-                        <p:par>
-                          <p:cTn id="70" fill="hold">
-                            <p:stCondLst>
-                              <p:cond delay="0"/>
-                            </p:stCondLst>
-                            <p:childTnLst>
-                              <p:par>
-                                <p:cTn id="71" presetID="42" presetClass="entr" presetSubtype="0" fill="hold" grpId="0" nodeType="clickEffect">
-                                  <p:stCondLst>
-                                    <p:cond delay="0"/>
-                                  </p:stCondLst>
-                                  <p:childTnLst>
-                                    <p:set>
-                                      <p:cBhvr>
-                                        <p:cTn id="72" dur="1" fill="hold">
-                                          <p:stCondLst>
-                                            <p:cond delay="0"/>
-                                          </p:stCondLst>
-                                        </p:cTn>
-                                        <p:tgtEl>
-                                          <p:spTgt spid="73"/>
-                                        </p:tgtEl>
-                                        <p:attrNameLst>
-                                          <p:attrName>style.visibility</p:attrName>
-                                        </p:attrNameLst>
-                                      </p:cBhvr>
-                                      <p:to>
-                                        <p:strVal val="visible"/>
-                                      </p:to>
-                                    </p:set>
-                                    <p:animEffect transition="in" filter="fade">
-                                      <p:cBhvr>
-                                        <p:cTn id="73" dur="1000"/>
-                                        <p:tgtEl>
-                                          <p:spTgt spid="73"/>
+                                          <p:spTgt spid="55"/>
                                         </p:tgtEl>
                                       </p:cBhvr>
                                     </p:animEffect>
                                     <p:anim calcmode="lin" valueType="num">
                                       <p:cBhvr>
-                                        <p:cTn id="74" dur="1000" fill="hold"/>
+                                        <p:cTn id="76" dur="1000" fill="hold"/>
                                         <p:tgtEl>
-                                          <p:spTgt spid="73"/>
+                                          <p:spTgt spid="55"/>
                                         </p:tgtEl>
                                         <p:attrNameLst>
                                           <p:attrName>ppt_x</p:attrName>
@@ -27131,9 +25537,171 @@
                                     </p:anim>
                                     <p:anim calcmode="lin" valueType="num">
                                       <p:cBhvr>
-                                        <p:cTn id="75" dur="1000" fill="hold"/>
+                                        <p:cTn id="77" dur="1000" fill="hold"/>
                                         <p:tgtEl>
-                                          <p:spTgt spid="73"/>
+                                          <p:spTgt spid="55"/>
+                                        </p:tgtEl>
+                                        <p:attrNameLst>
+                                          <p:attrName>ppt_y</p:attrName>
+                                        </p:attrNameLst>
+                                      </p:cBhvr>
+                                      <p:tavLst>
+                                        <p:tav tm="0">
+                                          <p:val>
+                                            <p:strVal val="#ppt_y+.1"/>
+                                          </p:val>
+                                        </p:tav>
+                                        <p:tav tm="100000">
+                                          <p:val>
+                                            <p:strVal val="#ppt_y"/>
+                                          </p:val>
+                                        </p:tav>
+                                      </p:tavLst>
+                                    </p:anim>
+                                  </p:childTnLst>
+                                </p:cTn>
+                              </p:par>
+                              <p:par>
+                                <p:cTn id="78" presetID="42" presetClass="entr" presetSubtype="0" fill="hold" nodeType="withEffect">
+                                  <p:stCondLst>
+                                    <p:cond delay="0"/>
+                                  </p:stCondLst>
+                                  <p:childTnLst>
+                                    <p:set>
+                                      <p:cBhvr>
+                                        <p:cTn id="79" dur="1" fill="hold">
+                                          <p:stCondLst>
+                                            <p:cond delay="0"/>
+                                          </p:stCondLst>
+                                        </p:cTn>
+                                        <p:tgtEl>
+                                          <p:spTgt spid="33"/>
+                                        </p:tgtEl>
+                                        <p:attrNameLst>
+                                          <p:attrName>style.visibility</p:attrName>
+                                        </p:attrNameLst>
+                                      </p:cBhvr>
+                                      <p:to>
+                                        <p:strVal val="visible"/>
+                                      </p:to>
+                                    </p:set>
+                                    <p:animEffect transition="in" filter="fade">
+                                      <p:cBhvr>
+                                        <p:cTn id="80" dur="1000"/>
+                                        <p:tgtEl>
+                                          <p:spTgt spid="33"/>
+                                        </p:tgtEl>
+                                      </p:cBhvr>
+                                    </p:animEffect>
+                                    <p:anim calcmode="lin" valueType="num">
+                                      <p:cBhvr>
+                                        <p:cTn id="81" dur="1000" fill="hold"/>
+                                        <p:tgtEl>
+                                          <p:spTgt spid="33"/>
+                                        </p:tgtEl>
+                                        <p:attrNameLst>
+                                          <p:attrName>ppt_x</p:attrName>
+                                        </p:attrNameLst>
+                                      </p:cBhvr>
+                                      <p:tavLst>
+                                        <p:tav tm="0">
+                                          <p:val>
+                                            <p:strVal val="#ppt_x"/>
+                                          </p:val>
+                                        </p:tav>
+                                        <p:tav tm="100000">
+                                          <p:val>
+                                            <p:strVal val="#ppt_x"/>
+                                          </p:val>
+                                        </p:tav>
+                                      </p:tavLst>
+                                    </p:anim>
+                                    <p:anim calcmode="lin" valueType="num">
+                                      <p:cBhvr>
+                                        <p:cTn id="82" dur="1000" fill="hold"/>
+                                        <p:tgtEl>
+                                          <p:spTgt spid="33"/>
+                                        </p:tgtEl>
+                                        <p:attrNameLst>
+                                          <p:attrName>ppt_y</p:attrName>
+                                        </p:attrNameLst>
+                                      </p:cBhvr>
+                                      <p:tavLst>
+                                        <p:tav tm="0">
+                                          <p:val>
+                                            <p:strVal val="#ppt_y+.1"/>
+                                          </p:val>
+                                        </p:tav>
+                                        <p:tav tm="100000">
+                                          <p:val>
+                                            <p:strVal val="#ppt_y"/>
+                                          </p:val>
+                                        </p:tav>
+                                      </p:tavLst>
+                                    </p:anim>
+                                  </p:childTnLst>
+                                </p:cTn>
+                              </p:par>
+                              <p:par>
+                                <p:cTn id="83" presetID="42" presetClass="entr" presetSubtype="0" fill="hold" grpId="0" nodeType="withEffect">
+                                  <p:stCondLst>
+                                    <p:cond delay="0"/>
+                                  </p:stCondLst>
+                                  <p:childTnLst>
+                                    <p:set>
+                                      <p:cBhvr>
+                                        <p:cTn id="84" dur="1" fill="hold">
+                                          <p:stCondLst>
+                                            <p:cond delay="0"/>
+                                          </p:stCondLst>
+                                        </p:cTn>
+                                        <p:tgtEl>
+                                          <p:spTgt spid="34"/>
+                                        </p:tgtEl>
+                                        <p:attrNameLst>
+                                          <p:attrName>style.visibility</p:attrName>
+                                        </p:attrNameLst>
+                                      </p:cBhvr>
+                                      <p:to>
+                                        <p:strVal val="visible"/>
+                                      </p:to>
+                                    </p:set>
+                                    <p:animEffect transition="in" filter="fade">
+                                      <p:cBhvr>
+                                        <p:cTn id="85" dur="1000"/>
+                                        <p:tgtEl>
+                                          <p:spTgt spid="34"/>
+                                        </p:tgtEl>
+                                      </p:cBhvr>
+                                    </p:animEffect>
+                                    <p:anim calcmode="lin" valueType="num">
+                                      <p:cBhvr>
+                                        <p:cTn id="86" dur="1000" fill="hold"/>
+                                        <p:tgtEl>
+                                          <p:spTgt spid="34"/>
+                                        </p:tgtEl>
+                                        <p:attrNameLst>
+                                          <p:attrName>ppt_x</p:attrName>
+                                        </p:attrNameLst>
+                                      </p:cBhvr>
+                                      <p:tavLst>
+                                        <p:tav tm="0">
+                                          <p:val>
+                                            <p:strVal val="#ppt_x"/>
+                                          </p:val>
+                                        </p:tav>
+                                        <p:tav tm="100000">
+                                          <p:val>
+                                            <p:strVal val="#ppt_x"/>
+                                          </p:val>
+                                        </p:tav>
+                                      </p:tavLst>
+                                    </p:anim>
+                                    <p:anim calcmode="lin" valueType="num">
+                                      <p:cBhvr>
+                                        <p:cTn id="87" dur="1000" fill="hold"/>
+                                        <p:tgtEl>
+                                          <p:spTgt spid="34"/>
                                         </p:tgtEl>
                                         <p:attrNameLst>
                                           <p:attrName>ppt_y</p:attrName>
@@ -27162,231 +25730,26 @@
                     </p:cTn>
                   </p:par>
                   <p:par>
-                    <p:cTn id="76" fill="hold">
+                    <p:cTn id="88" fill="hold">
                       <p:stCondLst>
                         <p:cond delay="indefinite"/>
                       </p:stCondLst>
                       <p:childTnLst>
                         <p:par>
-                          <p:cTn id="77" fill="hold">
+                          <p:cTn id="89" fill="hold">
                             <p:stCondLst>
                               <p:cond delay="0"/>
                             </p:stCondLst>
                             <p:childTnLst>
                               <p:par>
-                                <p:cTn id="78" presetID="6" presetClass="entr" presetSubtype="16" fill="hold" grpId="0" nodeType="clickEffect">
+                                <p:cTn id="90" presetID="14" presetClass="entr" presetSubtype="10" fill="hold" nodeType="clickEffect">
                                   <p:stCondLst>
                                     <p:cond delay="0"/>
                                   </p:stCondLst>
                                   <p:childTnLst>
                                     <p:set>
                                       <p:cBhvr>
-                                        <p:cTn id="79" dur="1" fill="hold">
-                                          <p:stCondLst>
-                                            <p:cond delay="0"/>
-                                          </p:stCondLst>
-                                        </p:cTn>
-                                        <p:tgtEl>
-                                          <p:spTgt spid="60"/>
-                                        </p:tgtEl>
-                                        <p:attrNameLst>
-                                          <p:attrName>style.visibility</p:attrName>
-                                        </p:attrNameLst>
-                                      </p:cBhvr>
-                                      <p:to>
-                                        <p:strVal val="visible"/>
-                                      </p:to>
-                                    </p:set>
-                                    <p:animEffect transition="in" filter="circle(in)">
-                                      <p:cBhvr>
-                                        <p:cTn id="80" dur="2000"/>
-                                        <p:tgtEl>
-                                          <p:spTgt spid="60"/>
-                                        </p:tgtEl>
-                                      </p:cBhvr>
-                                    </p:animEffect>
-                                  </p:childTnLst>
-                                </p:cTn>
-                              </p:par>
-                            </p:childTnLst>
-                          </p:cTn>
-                        </p:par>
-                      </p:childTnLst>
-                    </p:cTn>
-                  </p:par>
-                  <p:par>
-                    <p:cTn id="81" fill="hold">
-                      <p:stCondLst>
-                        <p:cond delay="indefinite"/>
-                      </p:stCondLst>
-                      <p:childTnLst>
-                        <p:par>
-                          <p:cTn id="82" fill="hold">
-                            <p:stCondLst>
-                              <p:cond delay="0"/>
-                            </p:stCondLst>
-                            <p:childTnLst>
-                              <p:par>
-                                <p:cTn id="83" presetID="10" presetClass="exit" presetSubtype="0" fill="hold" grpId="1" nodeType="clickEffect">
-                                  <p:stCondLst>
-                                    <p:cond delay="0"/>
-                                  </p:stCondLst>
-                                  <p:childTnLst>
-                                    <p:animEffect transition="out" filter="fade">
-                                      <p:cBhvr>
-                                        <p:cTn id="84" dur="500"/>
-                                        <p:tgtEl>
-                                          <p:spTgt spid="73"/>
-                                        </p:tgtEl>
-                                      </p:cBhvr>
-                                    </p:animEffect>
-                                    <p:set>
-                                      <p:cBhvr>
-                                        <p:cTn id="85" dur="1" fill="hold">
-                                          <p:stCondLst>
-                                            <p:cond delay="499"/>
-                                          </p:stCondLst>
-                                        </p:cTn>
-                                        <p:tgtEl>
-                                          <p:spTgt spid="73"/>
-                                        </p:tgtEl>
-                                        <p:attrNameLst>
-                                          <p:attrName>style.visibility</p:attrName>
-                                        </p:attrNameLst>
-                                      </p:cBhvr>
-                                      <p:to>
-                                        <p:strVal val="hidden"/>
-                                      </p:to>
-                                    </p:set>
-                                  </p:childTnLst>
-                                </p:cTn>
-                              </p:par>
-                            </p:childTnLst>
-                          </p:cTn>
-                        </p:par>
-                      </p:childTnLst>
-                    </p:cTn>
-                  </p:par>
-                  <p:par>
-                    <p:cTn id="86" fill="hold">
-                      <p:stCondLst>
-                        <p:cond delay="indefinite"/>
-                      </p:stCondLst>
-                      <p:childTnLst>
-                        <p:par>
-                          <p:cTn id="87" fill="hold">
-                            <p:stCondLst>
-                              <p:cond delay="0"/>
-                            </p:stCondLst>
-                            <p:childTnLst>
-                              <p:par>
-                                <p:cTn id="88" presetID="42" presetClass="entr" presetSubtype="0" fill="hold" grpId="0" nodeType="clickEffect">
-                                  <p:stCondLst>
-                                    <p:cond delay="0"/>
-                                  </p:stCondLst>
-                                  <p:childTnLst>
-                                    <p:set>
-                                      <p:cBhvr>
-                                        <p:cTn id="89" dur="1" fill="hold">
-                                          <p:stCondLst>
-                                            <p:cond delay="0"/>
-                                          </p:stCondLst>
-                                        </p:cTn>
-                                        <p:tgtEl>
-                                          <p:spTgt spid="74"/>
-                                        </p:tgtEl>
-                                        <p:attrNameLst>
-                                          <p:attrName>style.visibility</p:attrName>
-                                        </p:attrNameLst>
-                                      </p:cBhvr>
-                                      <p:to>
-                                        <p:strVal val="visible"/>
-                                      </p:to>
-                                    </p:set>
-                                    <p:animEffect transition="in" filter="fade">
-                                      <p:cBhvr>
-                                        <p:cTn id="90" dur="1000"/>
-                                        <p:tgtEl>
-                                          <p:spTgt spid="74"/>
-                                        </p:tgtEl>
-                                      </p:cBhvr>
-                                    </p:animEffect>
-                                    <p:anim calcmode="lin" valueType="num">
-                                      <p:cBhvr>
-                                        <p:cTn id="91" dur="1000" fill="hold"/>
-                                        <p:tgtEl>
-                                          <p:spTgt spid="74"/>
-                                        </p:tgtEl>
-                                        <p:attrNameLst>
-                                          <p:attrName>ppt_x</p:attrName>
-                                        </p:attrNameLst>
-                                      </p:cBhvr>
-                                      <p:tavLst>
-                                        <p:tav tm="0">
-                                          <p:val>
-                                            <p:strVal val="#ppt_x"/>
-                                          </p:val>
-                                        </p:tav>
-                                        <p:tav tm="100000">
-                                          <p:val>
-                                            <p:strVal val="#ppt_x"/>
-                                          </p:val>
-                                        </p:tav>
-                                      </p:tavLst>
-                                    </p:anim>
-                                    <p:anim calcmode="lin" valueType="num">
-                                      <p:cBhvr>
-                                        <p:cTn id="92" dur="1000" fill="hold"/>
-                                        <p:tgtEl>
-                                          <p:spTgt spid="74"/>
-                                        </p:tgtEl>
-                                        <p:attrNameLst>
-                                          <p:attrName>ppt_y</p:attrName>
-                                        </p:attrNameLst>
-                                      </p:cBhvr>
-                                      <p:tavLst>
-                                        <p:tav tm="0">
-                                          <p:val>
-                                            <p:strVal val="#ppt_y+.1"/>
-                                          </p:val>
-                                        </p:tav>
-                                        <p:tav tm="100000">
-                                          <p:val>
-                                            <p:strVal val="#ppt_y"/>
-                                          </p:val>
-                                        </p:tav>
-                                      </p:tavLst>
-                                    </p:anim>
-                                  </p:childTnLst>
-                                </p:cTn>
-                              </p:par>
-                            </p:childTnLst>
-                          </p:cTn>
-                        </p:par>
-                      </p:childTnLst>
-                    </p:cTn>
-                  </p:par>
-                  <p:par>
-                    <p:cTn id="93" fill="hold">
-                      <p:stCondLst>
-                        <p:cond delay="indefinite"/>
-                      </p:stCondLst>
-                      <p:childTnLst>
-                        <p:par>
-                          <p:cTn id="94" fill="hold">
-                            <p:stCondLst>
-                              <p:cond delay="0"/>
-                            </p:stCondLst>
-                            <p:childTnLst>
-                              <p:par>
-                                <p:cTn id="95" presetID="14" presetClass="entr" presetSubtype="10" fill="hold" nodeType="clickEffect">
-                                  <p:stCondLst>
-                                    <p:cond delay="0"/>
-                                  </p:stCondLst>
-                                  <p:childTnLst>
-                                    <p:set>
-                                      <p:cBhvr>
-                                        <p:cTn id="96" dur="1" fill="hold">
+                                        <p:cTn id="91" dur="1" fill="hold">
                                           <p:stCondLst>
                                             <p:cond delay="0"/>
                                           </p:stCondLst>
@@ -27404,9 +25767,114 @@
                                     </p:set>
                                     <p:animEffect transition="in" filter="randombar(horizontal)">
                                       <p:cBhvr>
-                                        <p:cTn id="97" dur="500"/>
+                                        <p:cTn id="92" dur="500"/>
                                         <p:tgtEl>
                                           <p:spTgt spid="3074"/>
+                                        </p:tgtEl>
+                                      </p:cBhvr>
+                                    </p:animEffect>
+                                  </p:childTnLst>
+                                </p:cTn>
+                              </p:par>
+                              <p:par>
+                                <p:cTn id="93" presetID="14" presetClass="entr" presetSubtype="10" fill="hold" grpId="0" nodeType="withEffect">
+                                  <p:stCondLst>
+                                    <p:cond delay="0"/>
+                                  </p:stCondLst>
+                                  <p:childTnLst>
+                                    <p:set>
+                                      <p:cBhvr>
+                                        <p:cTn id="94" dur="1" fill="hold">
+                                          <p:stCondLst>
+                                            <p:cond delay="0"/>
+                                          </p:stCondLst>
+                                        </p:cTn>
+                                        <p:tgtEl>
+                                          <p:spTgt spid="10"/>
+                                        </p:tgtEl>
+                                        <p:attrNameLst>
+                                          <p:attrName>style.visibility</p:attrName>
+                                        </p:attrNameLst>
+                                      </p:cBhvr>
+                                      <p:to>
+                                        <p:strVal val="visible"/>
+                                      </p:to>
+                                    </p:set>
+                                    <p:animEffect transition="in" filter="randombar(horizontal)">
+                                      <p:cBhvr>
+                                        <p:cTn id="95" dur="500"/>
+                                        <p:tgtEl>
+                                          <p:spTgt spid="10"/>
+                                        </p:tgtEl>
+                                      </p:cBhvr>
+                                    </p:animEffect>
+                                  </p:childTnLst>
+                                </p:cTn>
+                              </p:par>
+                              <p:par>
+                                <p:cTn id="96" presetID="14" presetClass="entr" presetSubtype="10" fill="hold" nodeType="withEffect">
+                                  <p:stCondLst>
+                                    <p:cond delay="0"/>
+                                  </p:stCondLst>
+                                  <p:childTnLst>
+                                    <p:set>
+                                      <p:cBhvr>
+                                        <p:cTn id="97" dur="1" fill="hold">
+                                          <p:stCondLst>
+                                            <p:cond delay="0"/>
+                                          </p:stCondLst>
+                                        </p:cTn>
+                                        <p:tgtEl>
+                                          <p:spTgt spid="50"/>
+                                        </p:tgtEl>
+                                        <p:attrNameLst>
+                                          <p:attrName>style.visibility</p:attrName>
+                                        </p:attrNameLst>
+                                      </p:cBhvr>
+                                      <p:to>
+                                        <p:strVal val="visible"/>
+                                      </p:to>
+                                    </p:set>
+                                    <p:animEffect transition="in" filter="randombar(horizontal)">
+                                      <p:cBhvr>
+                                        <p:cTn id="98" dur="500"/>
+                                        <p:tgtEl>
+                                          <p:spTgt spid="50"/>
+                                        </p:tgtEl>
+                                      </p:cBhvr>
+                                    </p:animEffect>
+                                  </p:childTnLst>
+                                </p:cTn>
+                              </p:par>
+                              <p:par>
+                                <p:cTn id="99" presetID="14" presetClass="entr" presetSubtype="10" fill="hold" grpId="0" nodeType="withEffect">
+                                  <p:stCondLst>
+                                    <p:cond delay="0"/>
+                                  </p:stCondLst>
+                                  <p:childTnLst>
+                                    <p:set>
+                                      <p:cBhvr>
+                                        <p:cTn id="100" dur="1" fill="hold">
+                                          <p:stCondLst>
+                                            <p:cond delay="0"/>
+                                          </p:stCondLst>
+                                        </p:cTn>
+                                        <p:tgtEl>
+                                          <p:spTgt spid="51"/>
+                                        </p:tgtEl>
+                                        <p:attrNameLst>
+                                          <p:attrName>style.visibility</p:attrName>
+                                        </p:attrNameLst>
+                                      </p:cBhvr>
+                                      <p:to>
+                                        <p:strVal val="visible"/>
+                                      </p:to>
+                                    </p:set>
+                                    <p:animEffect transition="in" filter="randombar(horizontal)">
+                                      <p:cBhvr>
+                                        <p:cTn id="101" dur="500"/>
+                                        <p:tgtEl>
+                                          <p:spTgt spid="51"/>
                                         </p:tgtEl>
                                       </p:cBhvr>
                                     </p:animEffect>
@@ -27420,32 +25888,32 @@
                     </p:cTn>
                   </p:par>
                   <p:par>
-                    <p:cTn id="98" fill="hold">
+                    <p:cTn id="102" fill="hold">
                       <p:stCondLst>
                         <p:cond delay="indefinite"/>
                       </p:stCondLst>
                       <p:childTnLst>
                         <p:par>
-                          <p:cTn id="99" fill="hold">
+                          <p:cTn id="103" fill="hold">
                             <p:stCondLst>
                               <p:cond delay="0"/>
                             </p:stCondLst>
                             <p:childTnLst>
                               <p:par>
-                                <p:cTn id="100" presetID="10" presetClass="entr" presetSubtype="0" fill="hold" grpId="0" nodeType="clickEffect">
+                                <p:cTn id="104" presetID="26" presetClass="entr" presetSubtype="0" fill="hold" grpId="0" nodeType="clickEffect">
                                   <p:stCondLst>
                                     <p:cond delay="0"/>
                                   </p:stCondLst>
                                   <p:childTnLst>
                                     <p:set>
                                       <p:cBhvr>
-                                        <p:cTn id="101" dur="1" fill="hold">
+                                        <p:cTn id="105" dur="1" fill="hold">
                                           <p:stCondLst>
                                             <p:cond delay="0"/>
                                           </p:stCondLst>
                                         </p:cTn>
                                         <p:tgtEl>
-                                          <p:spTgt spid="3077"/>
+                                          <p:spTgt spid="59"/>
                                         </p:tgtEl>
                                         <p:attrNameLst>
                                           <p:attrName>style.visibility</p:attrName>
@@ -27455,178 +25923,27 @@
                                         <p:strVal val="visible"/>
                                       </p:to>
                                     </p:set>
-                                    <p:animEffect transition="in" filter="fade">
+                                    <p:animEffect transition="in" filter="wipe(down)">
                                       <p:cBhvr>
-                                        <p:cTn id="102" dur="500"/>
-                                        <p:tgtEl>
-                                          <p:spTgt spid="3077"/>
-                                        </p:tgtEl>
-                                      </p:cBhvr>
-                                    </p:animEffect>
-                                  </p:childTnLst>
-                                </p:cTn>
-                              </p:par>
-                            </p:childTnLst>
-                          </p:cTn>
-                        </p:par>
-                      </p:childTnLst>
-                    </p:cTn>
-                  </p:par>
-                  <p:par>
-                    <p:cTn id="103" fill="hold">
-                      <p:stCondLst>
-                        <p:cond delay="indefinite"/>
-                      </p:stCondLst>
-                      <p:childTnLst>
-                        <p:par>
-                          <p:cTn id="104" fill="hold">
-                            <p:stCondLst>
-                              <p:cond delay="0"/>
-                            </p:stCondLst>
-                            <p:childTnLst>
-                              <p:par>
-                                <p:cTn id="105" presetID="16" presetClass="exit" presetSubtype="21" fill="hold" grpId="1" nodeType="clickEffect">
-                                  <p:stCondLst>
-                                    <p:cond delay="0"/>
-                                  </p:stCondLst>
-                                  <p:childTnLst>
-                                    <p:animEffect transition="out" filter="barn(inVertical)">
-                                      <p:cBhvr>
-                                        <p:cTn id="106" dur="500"/>
-                                        <p:tgtEl>
-                                          <p:spTgt spid="3077"/>
-                                        </p:tgtEl>
-                                      </p:cBhvr>
-                                    </p:animEffect>
-                                    <p:set>
-                                      <p:cBhvr>
-                                        <p:cTn id="107" dur="1" fill="hold">
-                                          <p:stCondLst>
-                                            <p:cond delay="499"/>
-                                          </p:stCondLst>
-                                        </p:cTn>
-                                        <p:tgtEl>
-                                          <p:spTgt spid="3077"/>
-                                        </p:tgtEl>
-                                        <p:attrNameLst>
-                                          <p:attrName>style.visibility</p:attrName>
-                                        </p:attrNameLst>
-                                      </p:cBhvr>
-                                      <p:to>
-                                        <p:strVal val="hidden"/>
-                                      </p:to>
-                                    </p:set>
-                                  </p:childTnLst>
-                                </p:cTn>
-                              </p:par>
-                            </p:childTnLst>
-                          </p:cTn>
-                        </p:par>
-                      </p:childTnLst>
-                    </p:cTn>
-                  </p:par>
-                  <p:par>
-                    <p:cTn id="108" fill="hold">
-                      <p:stCondLst>
-                        <p:cond delay="indefinite"/>
-                      </p:stCondLst>
-                      <p:childTnLst>
-                        <p:par>
-                          <p:cTn id="109" fill="hold">
-                            <p:stCondLst>
-                              <p:cond delay="0"/>
-                            </p:stCondLst>
-                            <p:childTnLst>
-                              <p:par>
-                                <p:cTn id="110" presetID="10" presetClass="exit" presetSubtype="0" fill="hold" grpId="1" nodeType="clickEffect">
-                                  <p:stCondLst>
-                                    <p:cond delay="0"/>
-                                  </p:stCondLst>
-                                  <p:childTnLst>
-                                    <p:animEffect transition="out" filter="fade">
-                                      <p:cBhvr>
-                                        <p:cTn id="111" dur="500"/>
-                                        <p:tgtEl>
-                                          <p:spTgt spid="74"/>
-                                        </p:tgtEl>
-                                      </p:cBhvr>
-                                    </p:animEffect>
-                                    <p:set>
-                                      <p:cBhvr>
-                                        <p:cTn id="112" dur="1" fill="hold">
-                                          <p:stCondLst>
-                                            <p:cond delay="499"/>
-                                          </p:stCondLst>
-                                        </p:cTn>
-                                        <p:tgtEl>
-                                          <p:spTgt spid="74"/>
-                                        </p:tgtEl>
-                                        <p:attrNameLst>
-                                          <p:attrName>style.visibility</p:attrName>
-                                        </p:attrNameLst>
-                                      </p:cBhvr>
-                                      <p:to>
-                                        <p:strVal val="hidden"/>
-                                      </p:to>
-                                    </p:set>
-                                  </p:childTnLst>
-                                </p:cTn>
-                              </p:par>
-                            </p:childTnLst>
-                          </p:cTn>
-                        </p:par>
-                      </p:childTnLst>
-                    </p:cTn>
-                  </p:par>
-                  <p:par>
-                    <p:cTn id="113" fill="hold">
-                      <p:stCondLst>
-                        <p:cond delay="indefinite"/>
-                      </p:stCondLst>
-                      <p:childTnLst>
-                        <p:par>
-                          <p:cTn id="114" fill="hold">
-                            <p:stCondLst>
-                              <p:cond delay="0"/>
-                            </p:stCondLst>
-                            <p:childTnLst>
-                              <p:par>
-                                <p:cTn id="115" presetID="42" presetClass="entr" presetSubtype="0" fill="hold" grpId="0" nodeType="clickEffect">
-                                  <p:stCondLst>
-                                    <p:cond delay="0"/>
-                                  </p:stCondLst>
-                                  <p:childTnLst>
-                                    <p:set>
-                                      <p:cBhvr>
-                                        <p:cTn id="116" dur="1" fill="hold">
+                                        <p:cTn id="106" dur="580">
                                           <p:stCondLst>
                                             <p:cond delay="0"/>
                                           </p:stCondLst>
                                         </p:cTn>
                                         <p:tgtEl>
-                                          <p:spTgt spid="76"/>
-                                        </p:tgtEl>
-                                        <p:attrNameLst>
-                                          <p:attrName>style.visibility</p:attrName>
-                                        </p:attrNameLst>
-                                      </p:cBhvr>
-                                      <p:to>
-                                        <p:strVal val="visible"/>
-                                      </p:to>
-                                    </p:set>
-                                    <p:animEffect transition="in" filter="fade">
-                                      <p:cBhvr>
-                                        <p:cTn id="117" dur="1000"/>
-                                        <p:tgtEl>
-                                          <p:spTgt spid="76"/>
+                                          <p:spTgt spid="59"/>
                                         </p:tgtEl>
                                       </p:cBhvr>
                                     </p:animEffect>
                                     <p:anim calcmode="lin" valueType="num">
                                       <p:cBhvr>
-                                        <p:cTn id="118" dur="1000" fill="hold"/>
+                                        <p:cTn id="107" dur="1822" tmFilter="0,0; 0.14,0.36; 0.43,0.73; 0.71,0.91; 1.0,1.0">
+                                          <p:stCondLst>
+                                            <p:cond delay="0"/>
+                                          </p:stCondLst>
+                                        </p:cTn>
                                         <p:tgtEl>
-                                          <p:spTgt spid="76"/>
+                                          <p:spTgt spid="59"/>
                                         </p:tgtEl>
                                         <p:attrNameLst>
                                           <p:attrName>ppt_x</p:attrName>
@@ -27635,7 +25952,7 @@
                                       <p:tavLst>
                                         <p:tav tm="0">
                                           <p:val>
-                                            <p:strVal val="#ppt_x"/>
+                                            <p:strVal val="#ppt_x-0.25"/>
                                           </p:val>
                                         </p:tav>
                                         <p:tav tm="100000">
@@ -27647,63 +25964,234 @@
                                     </p:anim>
                                     <p:anim calcmode="lin" valueType="num">
                                       <p:cBhvr>
-                                        <p:cTn id="119" dur="1000" fill="hold"/>
+                                        <p:cTn id="108" dur="664" tmFilter="0.0,0.0; 0.25,0.07; 0.50,0.2; 0.75,0.467; 1.0,1.0">
+                                          <p:stCondLst>
+                                            <p:cond delay="0"/>
+                                          </p:stCondLst>
+                                        </p:cTn>
                                         <p:tgtEl>
-                                          <p:spTgt spid="76"/>
+                                          <p:spTgt spid="59"/>
                                         </p:tgtEl>
                                         <p:attrNameLst>
                                           <p:attrName>ppt_y</p:attrName>
                                         </p:attrNameLst>
                                       </p:cBhvr>
                                       <p:tavLst>
-                                        <p:tav tm="0">
+                                        <p:tav tm="0" fmla="#ppt_y-sin(pi*$)/3">
                                           <p:val>
-                                            <p:strVal val="#ppt_y+.1"/>
+                                            <p:fltVal val="0.5"/>
                                           </p:val>
                                         </p:tav>
                                         <p:tav tm="100000">
                                           <p:val>
-                                            <p:strVal val="#ppt_y"/>
+                                            <p:fltVal val="1"/>
                                           </p:val>
                                         </p:tav>
                                       </p:tavLst>
                                     </p:anim>
+                                    <p:anim calcmode="lin" valueType="num">
+                                      <p:cBhvr>
+                                        <p:cTn id="109" dur="664" tmFilter="0, 0; 0.125,0.2665; 0.25,0.4; 0.375,0.465; 0.5,0.5;  0.625,0.535; 0.75,0.6; 0.875,0.7335; 1,1">
+                                          <p:stCondLst>
+                                            <p:cond delay="664"/>
+                                          </p:stCondLst>
+                                        </p:cTn>
+                                        <p:tgtEl>
+                                          <p:spTgt spid="59"/>
+                                        </p:tgtEl>
+                                        <p:attrNameLst>
+                                          <p:attrName>ppt_y</p:attrName>
+                                        </p:attrNameLst>
+                                      </p:cBhvr>
+                                      <p:tavLst>
+                                        <p:tav tm="0" fmla="#ppt_y-sin(pi*$)/9">
+                                          <p:val>
+                                            <p:fltVal val="0"/>
+                                          </p:val>
+                                        </p:tav>
+                                        <p:tav tm="100000">
+                                          <p:val>
+                                            <p:fltVal val="1"/>
+                                          </p:val>
+                                        </p:tav>
+                                      </p:tavLst>
+                                    </p:anim>
+                                    <p:anim calcmode="lin" valueType="num">
+                                      <p:cBhvr>
+                                        <p:cTn id="110" dur="332" tmFilter="0, 0; 0.125,0.2665; 0.25,0.4; 0.375,0.465; 0.5,0.5;  0.625,0.535; 0.75,0.6; 0.875,0.7335; 1,1">
+                                          <p:stCondLst>
+                                            <p:cond delay="1324"/>
+                                          </p:stCondLst>
+                                        </p:cTn>
+                                        <p:tgtEl>
+                                          <p:spTgt spid="59"/>
+                                        </p:tgtEl>
+                                        <p:attrNameLst>
+                                          <p:attrName>ppt_y</p:attrName>
+                                        </p:attrNameLst>
+                                      </p:cBhvr>
+                                      <p:tavLst>
+                                        <p:tav tm="0" fmla="#ppt_y-sin(pi*$)/27">
+                                          <p:val>
+                                            <p:fltVal val="0"/>
+                                          </p:val>
+                                        </p:tav>
+                                        <p:tav tm="100000">
+                                          <p:val>
+                                            <p:fltVal val="1"/>
+                                          </p:val>
+                                        </p:tav>
+                                      </p:tavLst>
+                                    </p:anim>
+                                    <p:anim calcmode="lin" valueType="num">
+                                      <p:cBhvr>
+                                        <p:cTn id="111" dur="164" tmFilter="0, 0; 0.125,0.2665; 0.25,0.4; 0.375,0.465; 0.5,0.5;  0.625,0.535; 0.75,0.6; 0.875,0.7335; 1,1">
+                                          <p:stCondLst>
+                                            <p:cond delay="1656"/>
+                                          </p:stCondLst>
+                                        </p:cTn>
+                                        <p:tgtEl>
+                                          <p:spTgt spid="59"/>
+                                        </p:tgtEl>
+                                        <p:attrNameLst>
+                                          <p:attrName>ppt_y</p:attrName>
+                                        </p:attrNameLst>
+                                      </p:cBhvr>
+                                      <p:tavLst>
+                                        <p:tav tm="0" fmla="#ppt_y-sin(pi*$)/81">
+                                          <p:val>
+                                            <p:fltVal val="0"/>
+                                          </p:val>
+                                        </p:tav>
+                                        <p:tav tm="100000">
+                                          <p:val>
+                                            <p:fltVal val="1"/>
+                                          </p:val>
+                                        </p:tav>
+                                      </p:tavLst>
+                                    </p:anim>
+                                    <p:animScale>
+                                      <p:cBhvr>
+                                        <p:cTn id="112" dur="26">
+                                          <p:stCondLst>
+                                            <p:cond delay="650"/>
+                                          </p:stCondLst>
+                                        </p:cTn>
+                                        <p:tgtEl>
+                                          <p:spTgt spid="59"/>
+                                        </p:tgtEl>
+                                      </p:cBhvr>
+                                      <p:to x="100000" y="60000"/>
+                                    </p:animScale>
+                                    <p:animScale>
+                                      <p:cBhvr>
+                                        <p:cTn id="113" dur="166" decel="50000">
+                                          <p:stCondLst>
+                                            <p:cond delay="676"/>
+                                          </p:stCondLst>
+                                        </p:cTn>
+                                        <p:tgtEl>
+                                          <p:spTgt spid="59"/>
+                                        </p:tgtEl>
+                                      </p:cBhvr>
+                                      <p:to x="100000" y="100000"/>
+                                    </p:animScale>
+                                    <p:animScale>
+                                      <p:cBhvr>
+                                        <p:cTn id="114" dur="26">
+                                          <p:stCondLst>
+                                            <p:cond delay="1312"/>
+                                          </p:stCondLst>
+                                        </p:cTn>
+                                        <p:tgtEl>
+                                          <p:spTgt spid="59"/>
+                                        </p:tgtEl>
+                                      </p:cBhvr>
+                                      <p:to x="100000" y="80000"/>
+                                    </p:animScale>
+                                    <p:animScale>
+                                      <p:cBhvr>
+                                        <p:cTn id="115" dur="166" decel="50000">
+                                          <p:stCondLst>
+                                            <p:cond delay="1338"/>
+                                          </p:stCondLst>
+                                        </p:cTn>
+                                        <p:tgtEl>
+                                          <p:spTgt spid="59"/>
+                                        </p:tgtEl>
+                                      </p:cBhvr>
+                                      <p:to x="100000" y="100000"/>
+                                    </p:animScale>
+                                    <p:animScale>
+                                      <p:cBhvr>
+                                        <p:cTn id="116" dur="26">
+                                          <p:stCondLst>
+                                            <p:cond delay="1642"/>
+                                          </p:stCondLst>
+                                        </p:cTn>
+                                        <p:tgtEl>
+                                          <p:spTgt spid="59"/>
+                                        </p:tgtEl>
+                                      </p:cBhvr>
+                                      <p:to x="100000" y="90000"/>
+                                    </p:animScale>
+                                    <p:animScale>
+                                      <p:cBhvr>
+                                        <p:cTn id="117" dur="166" decel="50000">
+                                          <p:stCondLst>
+                                            <p:cond delay="1668"/>
+                                          </p:stCondLst>
+                                        </p:cTn>
+                                        <p:tgtEl>
+                                          <p:spTgt spid="59"/>
+                                        </p:tgtEl>
+                                      </p:cBhvr>
+                                      <p:to x="100000" y="100000"/>
+                                    </p:animScale>
+                                    <p:animScale>
+                                      <p:cBhvr>
+                                        <p:cTn id="118" dur="26">
+                                          <p:stCondLst>
+                                            <p:cond delay="1808"/>
+                                          </p:stCondLst>
+                                        </p:cTn>
+                                        <p:tgtEl>
+                                          <p:spTgt spid="59"/>
+                                        </p:tgtEl>
+                                      </p:cBhvr>
+                                      <p:to x="100000" y="95000"/>
+                                    </p:animScale>
+                                    <p:animScale>
+                                      <p:cBhvr>
+                                        <p:cTn id="119" dur="166" decel="50000">
+                                          <p:stCondLst>
+                                            <p:cond delay="1834"/>
+                                          </p:stCondLst>
+                                        </p:cTn>
+                                        <p:tgtEl>
+                                          <p:spTgt spid="59"/>
+                                        </p:tgtEl>
+                                      </p:cBhvr>
+                                      <p:to x="100000" y="100000"/>
+                                    </p:animScale>
                                   </p:childTnLst>
                                 </p:cTn>
                               </p:par>
-                            </p:childTnLst>
-                          </p:cTn>
-                        </p:par>
-                      </p:childTnLst>
-                    </p:cTn>
-                  </p:par>
-                  <p:par>
-                    <p:cTn id="120" fill="hold">
-                      <p:stCondLst>
-                        <p:cond delay="indefinite"/>
-                      </p:stCondLst>
-                      <p:childTnLst>
-                        <p:par>
-                          <p:cTn id="121" fill="hold">
-                            <p:stCondLst>
-                              <p:cond delay="0"/>
-                            </p:stCondLst>
-                            <p:childTnLst>
                               <p:par>
-                                <p:cTn id="122" presetID="42" presetClass="entr" presetSubtype="0" fill="hold" grpId="0" nodeType="clickEffect">
+                                <p:cTn id="120" presetID="26" presetClass="entr" presetSubtype="0" fill="hold" grpId="0" nodeType="withEffect">
                                   <p:stCondLst>
                                     <p:cond delay="0"/>
                                   </p:stCondLst>
                                   <p:childTnLst>
                                     <p:set>
                                       <p:cBhvr>
-                                        <p:cTn id="123" dur="1" fill="hold">
+                                        <p:cTn id="121" dur="1" fill="hold">
                                           <p:stCondLst>
                                             <p:cond delay="0"/>
                                           </p:stCondLst>
                                         </p:cTn>
                                         <p:tgtEl>
-                                          <p:spTgt spid="3073"/>
+                                          <p:spTgt spid="58"/>
                                         </p:tgtEl>
                                         <p:attrNameLst>
                                           <p:attrName>style.visibility</p:attrName>
@@ -27713,19 +26201,27 @@
                                         <p:strVal val="visible"/>
                                       </p:to>
                                     </p:set>
-                                    <p:animEffect transition="in" filter="fade">
+                                    <p:animEffect transition="in" filter="wipe(down)">
                                       <p:cBhvr>
-                                        <p:cTn id="124" dur="1000"/>
+                                        <p:cTn id="122" dur="580">
+                                          <p:stCondLst>
+                                            <p:cond delay="0"/>
+                                          </p:stCondLst>
+                                        </p:cTn>
                                         <p:tgtEl>
-                                          <p:spTgt spid="3073"/>
+                                          <p:spTgt spid="58"/>
                                         </p:tgtEl>
                                       </p:cBhvr>
                                     </p:animEffect>
                                     <p:anim calcmode="lin" valueType="num">
                                       <p:cBhvr>
-                                        <p:cTn id="125" dur="1000" fill="hold"/>
+                                        <p:cTn id="123" dur="1822" tmFilter="0,0; 0.14,0.36; 0.43,0.73; 0.71,0.91; 1.0,1.0">
+                                          <p:stCondLst>
+                                            <p:cond delay="0"/>
+                                          </p:stCondLst>
+                                        </p:cTn>
                                         <p:tgtEl>
-                                          <p:spTgt spid="3073"/>
+                                          <p:spTgt spid="58"/>
                                         </p:tgtEl>
                                         <p:attrNameLst>
                                           <p:attrName>ppt_x</p:attrName>
@@ -27734,7 +26230,7 @@
                                       <p:tavLst>
                                         <p:tav tm="0">
                                           <p:val>
-                                            <p:strVal val="#ppt_x"/>
+                                            <p:strVal val="#ppt_x-0.25"/>
                                           </p:val>
                                         </p:tav>
                                         <p:tav tm="100000">
@@ -27746,27 +26242,216 @@
                                     </p:anim>
                                     <p:anim calcmode="lin" valueType="num">
                                       <p:cBhvr>
-                                        <p:cTn id="126" dur="1000" fill="hold"/>
+                                        <p:cTn id="124" dur="664" tmFilter="0.0,0.0; 0.25,0.07; 0.50,0.2; 0.75,0.467; 1.0,1.0">
+                                          <p:stCondLst>
+                                            <p:cond delay="0"/>
+                                          </p:stCondLst>
+                                        </p:cTn>
                                         <p:tgtEl>
-                                          <p:spTgt spid="3073"/>
+                                          <p:spTgt spid="58"/>
                                         </p:tgtEl>
                                         <p:attrNameLst>
                                           <p:attrName>ppt_y</p:attrName>
                                         </p:attrNameLst>
                                       </p:cBhvr>
                                       <p:tavLst>
-                                        <p:tav tm="0">
+                                        <p:tav tm="0" fmla="#ppt_y-sin(pi*$)/3">
                                           <p:val>
-                                            <p:strVal val="#ppt_y+.1"/>
+                                            <p:fltVal val="0.5"/>
                                           </p:val>
                                         </p:tav>
                                         <p:tav tm="100000">
                                           <p:val>
-                                            <p:strVal val="#ppt_y"/>
+                                            <p:fltVal val="1"/>
                                           </p:val>
                                         </p:tav>
                                       </p:tavLst>
                                     </p:anim>
+                                    <p:anim calcmode="lin" valueType="num">
+                                      <p:cBhvr>
+                                        <p:cTn id="125" dur="664" tmFilter="0, 0; 0.125,0.2665; 0.25,0.4; 0.375,0.465; 0.5,0.5;  0.625,0.535; 0.75,0.6; 0.875,0.7335; 1,1">
+                                          <p:stCondLst>
+                                            <p:cond delay="664"/>
+                                          </p:stCondLst>
+                                        </p:cTn>
+                                        <p:tgtEl>
+                                          <p:spTgt spid="58"/>
+                                        </p:tgtEl>
+                                        <p:attrNameLst>
+                                          <p:attrName>ppt_y</p:attrName>
+                                        </p:attrNameLst>
+                                      </p:cBhvr>
+                                      <p:tavLst>
+                                        <p:tav tm="0" fmla="#ppt_y-sin(pi*$)/9">
+                                          <p:val>
+                                            <p:fltVal val="0"/>
+                                          </p:val>
+                                        </p:tav>
+                                        <p:tav tm="100000">
+                                          <p:val>
+                                            <p:fltVal val="1"/>
+                                          </p:val>
+                                        </p:tav>
+                                      </p:tavLst>
+                                    </p:anim>
+                                    <p:anim calcmode="lin" valueType="num">
+                                      <p:cBhvr>
+                                        <p:cTn id="126" dur="332" tmFilter="0, 0; 0.125,0.2665; 0.25,0.4; 0.375,0.465; 0.5,0.5;  0.625,0.535; 0.75,0.6; 0.875,0.7335; 1,1">
+                                          <p:stCondLst>
+                                            <p:cond delay="1324"/>
+                                          </p:stCondLst>
+                                        </p:cTn>
+                                        <p:tgtEl>
+                                          <p:spTgt spid="58"/>
+                                        </p:tgtEl>
+                                        <p:attrNameLst>
+                                          <p:attrName>ppt_y</p:attrName>
+                                        </p:attrNameLst>
+                                      </p:cBhvr>
+                                      <p:tavLst>
+                                        <p:tav tm="0" fmla="#ppt_y-sin(pi*$)/27">
+                                          <p:val>
+                                            <p:fltVal val="0"/>
+                                          </p:val>
+                                        </p:tav>
+                                        <p:tav tm="100000">
+                                          <p:val>
+                                            <p:fltVal val="1"/>
+                                          </p:val>
+                                        </p:tav>
+                                      </p:tavLst>
+                                    </p:anim>
+                                    <p:anim calcmode="lin" valueType="num">
+                                      <p:cBhvr>
+                                        <p:cTn id="127" dur="164" tmFilter="0, 0; 0.125,0.2665; 0.25,0.4; 0.375,0.465; 0.5,0.5;  0.625,0.535; 0.75,0.6; 0.875,0.7335; 1,1">
+                                          <p:stCondLst>
+                                            <p:cond delay="1656"/>
+                                          </p:stCondLst>
+                                        </p:cTn>
+                                        <p:tgtEl>
+                                          <p:spTgt spid="58"/>
+                                        </p:tgtEl>
+                                        <p:attrNameLst>
+                                          <p:attrName>ppt_y</p:attrName>
+                                        </p:attrNameLst>
+                                      </p:cBhvr>
+                                      <p:tavLst>
+                                        <p:tav tm="0" fmla="#ppt_y-sin(pi*$)/81">
+                                          <p:val>
+                                            <p:fltVal val="0"/>
+                                          </p:val>
+                                        </p:tav>
+                                        <p:tav tm="100000">
+                                          <p:val>
+                                            <p:fltVal val="1"/>
+                                          </p:val>
+                                        </p:tav>
+                                      </p:tavLst>
+                                    </p:anim>
+                                    <p:animScale>
+                                      <p:cBhvr>
+                                        <p:cTn id="128" dur="26">
+                                          <p:stCondLst>
+                                            <p:cond delay="650"/>
+                                          </p:stCondLst>
+                                        </p:cTn>
+                                        <p:tgtEl>
+                                          <p:spTgt spid="58"/>
+                                        </p:tgtEl>
+                                      </p:cBhvr>
+                                      <p:to x="100000" y="60000"/>
+                                    </p:animScale>
+                                    <p:animScale>
+                                      <p:cBhvr>
+                                        <p:cTn id="129" dur="166" decel="50000">
+                                          <p:stCondLst>
+                                            <p:cond delay="676"/>
+                                          </p:stCondLst>
+                                        </p:cTn>
+                                        <p:tgtEl>
+                                          <p:spTgt spid="58"/>
+                                        </p:tgtEl>
+                                      </p:cBhvr>
+                                      <p:to x="100000" y="100000"/>
+                                    </p:animScale>
+                                    <p:animScale>
+                                      <p:cBhvr>
+                                        <p:cTn id="130" dur="26">
+                                          <p:stCondLst>
+                                            <p:cond delay="1312"/>
+                                          </p:stCondLst>
+                                        </p:cTn>
+                                        <p:tgtEl>
+                                          <p:spTgt spid="58"/>
+                                        </p:tgtEl>
+                                      </p:cBhvr>
+                                      <p:to x="100000" y="80000"/>
+                                    </p:animScale>
+                                    <p:animScale>
+                                      <p:cBhvr>
+                                        <p:cTn id="131" dur="166" decel="50000">
+                                          <p:stCondLst>
+                                            <p:cond delay="1338"/>
+                                          </p:stCondLst>
+                                        </p:cTn>
+                                        <p:tgtEl>
+                                          <p:spTgt spid="58"/>
+                                        </p:tgtEl>
+                                      </p:cBhvr>
+                                      <p:to x="100000" y="100000"/>
+                                    </p:animScale>
+                                    <p:animScale>
+                                      <p:cBhvr>
+                                        <p:cTn id="132" dur="26">
+                                          <p:stCondLst>
+                                            <p:cond delay="1642"/>
+                                          </p:stCondLst>
+                                        </p:cTn>
+                                        <p:tgtEl>
+                                          <p:spTgt spid="58"/>
+                                        </p:tgtEl>
+                                      </p:cBhvr>
+                                      <p:to x="100000" y="90000"/>
+                                    </p:animScale>
+                                    <p:animScale>
+                                      <p:cBhvr>
+                                        <p:cTn id="133" dur="166" decel="50000">
+                                          <p:stCondLst>
+                                            <p:cond delay="1668"/>
+                                          </p:stCondLst>
+                                        </p:cTn>
+                                        <p:tgtEl>
+                                          <p:spTgt spid="58"/>
+                                        </p:tgtEl>
+                                      </p:cBhvr>
+                                      <p:to x="100000" y="100000"/>
+                                    </p:animScale>
+                                    <p:animScale>
+                                      <p:cBhvr>
+                                        <p:cTn id="134" dur="26">
+                                          <p:stCondLst>
+                                            <p:cond delay="1808"/>
+                                          </p:stCondLst>
+                                        </p:cTn>
+                                        <p:tgtEl>
+                                          <p:spTgt spid="58"/>
+                                        </p:tgtEl>
+                                      </p:cBhvr>
+                                      <p:to x="100000" y="95000"/>
+                                    </p:animScale>
+                                    <p:animScale>
+                                      <p:cBhvr>
+                                        <p:cTn id="135" dur="166" decel="50000">
+                                          <p:stCondLst>
+                                            <p:cond delay="1834"/>
+                                          </p:stCondLst>
+                                        </p:cTn>
+                                        <p:tgtEl>
+                                          <p:spTgt spid="58"/>
+                                        </p:tgtEl>
+                                      </p:cBhvr>
+                                      <p:to x="100000" y="100000"/>
+                                    </p:animScale>
                                   </p:childTnLst>
                                 </p:cTn>
                               </p:par>
@@ -27777,85 +26462,32 @@
                     </p:cTn>
                   </p:par>
                   <p:par>
-                    <p:cTn id="127" fill="hold">
+                    <p:cTn id="136" fill="hold">
                       <p:stCondLst>
                         <p:cond delay="indefinite"/>
                       </p:stCondLst>
                       <p:childTnLst>
                         <p:par>
-                          <p:cTn id="128" fill="hold">
+                          <p:cTn id="137" fill="hold">
                             <p:stCondLst>
                               <p:cond delay="0"/>
                             </p:stCondLst>
                             <p:childTnLst>
                               <p:par>
-                                <p:cTn id="129" presetID="10" presetClass="exit" presetSubtype="0" fill="hold" grpId="1" nodeType="clickEffect">
-                                  <p:stCondLst>
-                                    <p:cond delay="0"/>
-                                  </p:stCondLst>
-                                  <p:childTnLst>
-                                    <p:animEffect transition="out" filter="fade">
-                                      <p:cBhvr>
-                                        <p:cTn id="130" dur="500"/>
-                                        <p:tgtEl>
-                                          <p:spTgt spid="76"/>
-                                        </p:tgtEl>
-                                      </p:cBhvr>
-                                    </p:animEffect>
-                                    <p:set>
-                                      <p:cBhvr>
-                                        <p:cTn id="131" dur="1" fill="hold">
-                                          <p:stCondLst>
-                                            <p:cond delay="499"/>
-                                          </p:stCondLst>
-                                        </p:cTn>
-                                        <p:tgtEl>
-                                          <p:spTgt spid="76"/>
-                                        </p:tgtEl>
-                                        <p:attrNameLst>
-                                          <p:attrName>style.visibility</p:attrName>
-                                        </p:attrNameLst>
-                                      </p:cBhvr>
-                                      <p:to>
-                                        <p:strVal val="hidden"/>
-                                      </p:to>
-                                    </p:set>
-                                  </p:childTnLst>
-                                </p:cTn>
-                              </p:par>
-                            </p:childTnLst>
-                          </p:cTn>
-                        </p:par>
-                      </p:childTnLst>
-                    </p:cTn>
-                  </p:par>
-                  <p:par>
-                    <p:cTn id="132" fill="hold">
-                      <p:stCondLst>
-                        <p:cond delay="indefinite"/>
-                      </p:stCondLst>
-                      <p:childTnLst>
-                        <p:par>
-                          <p:cTn id="133" fill="hold">
-                            <p:stCondLst>
-                              <p:cond delay="0"/>
-                            </p:stCondLst>
-                            <p:childTnLst>
-                              <p:par>
-                                <p:cTn id="134" presetID="42" presetClass="entr" presetSubtype="0" fill="hold" grpId="0" nodeType="clickEffect">
+                                <p:cTn id="138" presetID="22" presetClass="entr" presetSubtype="4" fill="hold" grpId="0" nodeType="clickEffect">
                                   <p:stCondLst>
                                     <p:cond delay="0"/>
                                   </p:stCondLst>
                                   <p:childTnLst>
                                     <p:set>
                                       <p:cBhvr>
-                                        <p:cTn id="135" dur="1" fill="hold">
+                                        <p:cTn id="139" dur="1" fill="hold">
                                           <p:stCondLst>
                                             <p:cond delay="0"/>
                                           </p:stCondLst>
                                         </p:cTn>
                                         <p:tgtEl>
-                                          <p:spTgt spid="77"/>
+                                          <p:spTgt spid="37"/>
                                         </p:tgtEl>
                                         <p:attrNameLst>
                                           <p:attrName>style.visibility</p:attrName>
@@ -27865,83 +26497,19 @@
                                         <p:strVal val="visible"/>
                                       </p:to>
                                     </p:set>
-                                    <p:animEffect transition="in" filter="fade">
+                                    <p:animEffect transition="in" filter="wipe(down)">
                                       <p:cBhvr>
-                                        <p:cTn id="136" dur="1000"/>
+                                        <p:cTn id="140" dur="500"/>
                                         <p:tgtEl>
-                                          <p:spTgt spid="77"/>
+                                          <p:spTgt spid="37"/>
                                         </p:tgtEl>
                                       </p:cBhvr>
                                     </p:animEffect>
-                                    <p:anim calcmode="lin" valueType="num">
-                                      <p:cBhvr>
-                                        <p:cTn id="137" dur="1000" fill="hold"/>
-                                        <p:tgtEl>
-                                          <p:spTgt spid="77"/>
-                                        </p:tgtEl>
-                                        <p:attrNameLst>
-                                          <p:attrName>ppt_x</p:attrName>
-                                        </p:attrNameLst>
-                                      </p:cBhvr>
-                                      <p:tavLst>
-                                        <p:tav tm="0">
-                                          <p:val>
-                                            <p:strVal val="#ppt_x"/>
-                                          </p:val>
-                                        </p:tav>
-                                        <p:tav tm="100000">
-                                          <p:val>
-                                            <p:strVal val="#ppt_x"/>
-                                          </p:val>
-                                        </p:tav>
-                                      </p:tavLst>
-                                    </p:anim>
-                                    <p:anim calcmode="lin" valueType="num">
-                                      <p:cBhvr>
-                                        <p:cTn id="138" dur="1000" fill="hold"/>
-                                        <p:tgtEl>
-                                          <p:spTgt spid="77"/>
-                                        </p:tgtEl>
-                                        <p:attrNameLst>
-                                          <p:attrName>ppt_y</p:attrName>
-                                        </p:attrNameLst>
-                                      </p:cBhvr>
-                                      <p:tavLst>
-                                        <p:tav tm="0">
-                                          <p:val>
-                                            <p:strVal val="#ppt_y+.1"/>
-                                          </p:val>
-                                        </p:tav>
-                                        <p:tav tm="100000">
-                                          <p:val>
-                                            <p:strVal val="#ppt_y"/>
-                                          </p:val>
-                                        </p:tav>
-                                      </p:tavLst>
-                                    </p:anim>
                                   </p:childTnLst>
                                 </p:cTn>
                               </p:par>
-                            </p:childTnLst>
-                          </p:cTn>
-                        </p:par>
-                      </p:childTnLst>
-                    </p:cTn>
-                  </p:par>
-                  <p:par>
-                    <p:cTn id="139" fill="hold">
-                      <p:stCondLst>
-                        <p:cond delay="indefinite"/>
-                      </p:stCondLst>
-                      <p:childTnLst>
-                        <p:par>
-                          <p:cTn id="140" fill="hold">
-                            <p:stCondLst>
-                              <p:cond delay="0"/>
-                            </p:stCondLst>
-                            <p:childTnLst>
                               <p:par>
-                                <p:cTn id="141" presetID="10" presetClass="entr" presetSubtype="0" fill="hold" grpId="0" nodeType="clickEffect">
+                                <p:cTn id="141" presetID="22" presetClass="entr" presetSubtype="4" fill="hold" grpId="0" nodeType="withEffect">
                                   <p:stCondLst>
                                     <p:cond delay="0"/>
                                   </p:stCondLst>
@@ -27954,7 +26522,7 @@
                                           </p:stCondLst>
                                         </p:cTn>
                                         <p:tgtEl>
-                                          <p:spTgt spid="71"/>
+                                          <p:spTgt spid="62"/>
                                         </p:tgtEl>
                                         <p:attrNameLst>
                                           <p:attrName>style.visibility</p:attrName>
@@ -27964,11 +26532,11 @@
                                         <p:strVal val="visible"/>
                                       </p:to>
                                     </p:set>
-                                    <p:animEffect transition="in" filter="fade">
+                                    <p:animEffect transition="in" filter="wipe(down)">
                                       <p:cBhvr>
                                         <p:cTn id="143" dur="500"/>
                                         <p:tgtEl>
-                                          <p:spTgt spid="71"/>
+                                          <p:spTgt spid="62"/>
                                         </p:tgtEl>
                                       </p:cBhvr>
                                     </p:animEffect>
@@ -27994,14 +26562,120 @@
                             </p:stCondLst>
                             <p:childTnLst>
                               <p:par>
-                                <p:cTn id="146" presetID="56" presetClass="path" presetSubtype="0" accel="50000" decel="50000" fill="hold" nodeType="clickEffect">
+                                <p:cTn id="146" presetID="6" presetClass="entr" presetSubtype="16" fill="hold" grpId="0" nodeType="clickEffect">
                                   <p:stCondLst>
                                     <p:cond delay="0"/>
                                   </p:stCondLst>
                                   <p:childTnLst>
-                                    <p:animMotion origin="layout" path="M -2.5E-6 -4.07407E-6 L 0.80469 -0.06782 " pathEditMode="relative" rAng="0" ptsTypes="AA">
+                                    <p:set>
                                       <p:cBhvr>
-                                        <p:cTn id="147" dur="2000" fill="hold"/>
+                                        <p:cTn id="147" dur="1" fill="hold">
+                                          <p:stCondLst>
+                                            <p:cond delay="0"/>
+                                          </p:stCondLst>
+                                        </p:cTn>
+                                        <p:tgtEl>
+                                          <p:spTgt spid="61"/>
+                                        </p:tgtEl>
+                                        <p:attrNameLst>
+                                          <p:attrName>style.visibility</p:attrName>
+                                        </p:attrNameLst>
+                                      </p:cBhvr>
+                                      <p:to>
+                                        <p:strVal val="visible"/>
+                                      </p:to>
+                                    </p:set>
+                                    <p:animEffect transition="in" filter="circle(in)">
+                                      <p:cBhvr>
+                                        <p:cTn id="148" dur="2000"/>
+                                        <p:tgtEl>
+                                          <p:spTgt spid="61"/>
+                                        </p:tgtEl>
+                                      </p:cBhvr>
+                                    </p:animEffect>
+                                  </p:childTnLst>
+                                </p:cTn>
+                              </p:par>
+                            </p:childTnLst>
+                          </p:cTn>
+                        </p:par>
+                      </p:childTnLst>
+                    </p:cTn>
+                  </p:par>
+                  <p:par>
+                    <p:cTn id="149" fill="hold">
+                      <p:stCondLst>
+                        <p:cond delay="indefinite"/>
+                      </p:stCondLst>
+                      <p:childTnLst>
+                        <p:par>
+                          <p:cTn id="150" fill="hold">
+                            <p:stCondLst>
+                              <p:cond delay="0"/>
+                            </p:stCondLst>
+                            <p:childTnLst>
+                              <p:par>
+                                <p:cTn id="151" presetID="10" presetClass="exit" presetSubtype="0" fill="hold" grpId="1" nodeType="clickEffect">
+                                  <p:stCondLst>
+                                    <p:cond delay="0"/>
+                                  </p:stCondLst>
+                                  <p:childTnLst>
+                                    <p:animEffect transition="out" filter="fade">
+                                      <p:cBhvr>
+                                        <p:cTn id="152" dur="500"/>
+                                        <p:tgtEl>
+                                          <p:spTgt spid="10"/>
+                                        </p:tgtEl>
+                                      </p:cBhvr>
+                                    </p:animEffect>
+                                    <p:set>
+                                      <p:cBhvr>
+                                        <p:cTn id="153" dur="1" fill="hold">
+                                          <p:stCondLst>
+                                            <p:cond delay="499"/>
+                                          </p:stCondLst>
+                                        </p:cTn>
+                                        <p:tgtEl>
+                                          <p:spTgt spid="10"/>
+                                        </p:tgtEl>
+                                        <p:attrNameLst>
+                                          <p:attrName>style.visibility</p:attrName>
+                                        </p:attrNameLst>
+                                      </p:cBhvr>
+                                      <p:to>
+                                        <p:strVal val="hidden"/>
+                                      </p:to>
+                                    </p:set>
+                                  </p:childTnLst>
+                                </p:cTn>
+                              </p:par>
+                            </p:childTnLst>
+                          </p:cTn>
+                        </p:par>
+                      </p:childTnLst>
+                    </p:cTn>
+                  </p:par>
+                  <p:par>
+                    <p:cTn id="154" fill="hold">
+                      <p:stCondLst>
+                        <p:cond delay="indefinite"/>
+                      </p:stCondLst>
+                      <p:childTnLst>
+                        <p:par>
+                          <p:cTn id="155" fill="hold">
+                            <p:stCondLst>
+                              <p:cond delay="0"/>
+                            </p:stCondLst>
+                            <p:childTnLst>
+                              <p:par>
+                                <p:cTn id="156" presetID="56" presetClass="path" presetSubtype="0" accel="50000" decel="50000" fill="hold" nodeType="clickEffect">
+                                  <p:stCondLst>
+                                    <p:cond delay="0"/>
+                                  </p:stCondLst>
+                                  <p:childTnLst>
+                                    <p:animMotion origin="layout" path="M 0 0 L 0.25 -0.25 E" pathEditMode="relative" ptsTypes="">
+                                      <p:cBhvr>
+                                        <p:cTn id="157" dur="2000" fill="hold"/>
                                         <p:tgtEl>
                                           <p:spTgt spid="3074"/>
                                         </p:tgtEl>
@@ -28010,8 +26684,416 @@
                                           <p:attrName>ppt_y</p:attrName>
                                         </p:attrNameLst>
                                       </p:cBhvr>
-                                      <p:rCtr x="40226" y="-3403"/>
                                     </p:animMotion>
+                                  </p:childTnLst>
+                                </p:cTn>
+                              </p:par>
+                              <p:par>
+                                <p:cTn id="158" presetID="56" presetClass="path" presetSubtype="0" accel="50000" decel="50000" fill="hold" grpId="1" nodeType="withEffect">
+                                  <p:stCondLst>
+                                    <p:cond delay="0"/>
+                                  </p:stCondLst>
+                                  <p:childTnLst>
+                                    <p:animMotion origin="layout" path="M 0 0 L 0.25 -0.25 E" pathEditMode="relative" ptsTypes="">
+                                      <p:cBhvr>
+                                        <p:cTn id="159" dur="2000" fill="hold"/>
+                                        <p:tgtEl>
+                                          <p:spTgt spid="59"/>
+                                        </p:tgtEl>
+                                        <p:attrNameLst>
+                                          <p:attrName>ppt_x</p:attrName>
+                                          <p:attrName>ppt_y</p:attrName>
+                                        </p:attrNameLst>
+                                      </p:cBhvr>
+                                    </p:animMotion>
+                                  </p:childTnLst>
+                                </p:cTn>
+                              </p:par>
+                              <p:par>
+                                <p:cTn id="160" presetID="56" presetClass="path" presetSubtype="0" accel="50000" decel="50000" fill="hold" grpId="1" nodeType="withEffect">
+                                  <p:stCondLst>
+                                    <p:cond delay="0"/>
+                                  </p:stCondLst>
+                                  <p:childTnLst>
+                                    <p:animMotion origin="layout" path="M 0 0 L 0.25 -0.25 E" pathEditMode="relative" ptsTypes="">
+                                      <p:cBhvr>
+                                        <p:cTn id="161" dur="2000" fill="hold"/>
+                                        <p:tgtEl>
+                                          <p:spTgt spid="58"/>
+                                        </p:tgtEl>
+                                        <p:attrNameLst>
+                                          <p:attrName>ppt_x</p:attrName>
+                                          <p:attrName>ppt_y</p:attrName>
+                                        </p:attrNameLst>
+                                      </p:cBhvr>
+                                    </p:animMotion>
+                                  </p:childTnLst>
+                                </p:cTn>
+                              </p:par>
+                            </p:childTnLst>
+                          </p:cTn>
+                        </p:par>
+                      </p:childTnLst>
+                    </p:cTn>
+                  </p:par>
+                  <p:par>
+                    <p:cTn id="162" fill="hold">
+                      <p:stCondLst>
+                        <p:cond delay="indefinite"/>
+                      </p:stCondLst>
+                      <p:childTnLst>
+                        <p:par>
+                          <p:cTn id="163" fill="hold">
+                            <p:stCondLst>
+                              <p:cond delay="0"/>
+                            </p:stCondLst>
+                            <p:childTnLst>
+                              <p:par>
+                                <p:cTn id="164" presetID="10" presetClass="exit" presetSubtype="0" fill="hold" grpId="2" nodeType="clickEffect">
+                                  <p:stCondLst>
+                                    <p:cond delay="0"/>
+                                  </p:stCondLst>
+                                  <p:childTnLst>
+                                    <p:animEffect transition="out" filter="fade">
+                                      <p:cBhvr>
+                                        <p:cTn id="165" dur="500"/>
+                                        <p:tgtEl>
+                                          <p:spTgt spid="58"/>
+                                        </p:tgtEl>
+                                      </p:cBhvr>
+                                    </p:animEffect>
+                                    <p:set>
+                                      <p:cBhvr>
+                                        <p:cTn id="166" dur="1" fill="hold">
+                                          <p:stCondLst>
+                                            <p:cond delay="499"/>
+                                          </p:stCondLst>
+                                        </p:cTn>
+                                        <p:tgtEl>
+                                          <p:spTgt spid="58"/>
+                                        </p:tgtEl>
+                                        <p:attrNameLst>
+                                          <p:attrName>style.visibility</p:attrName>
+                                        </p:attrNameLst>
+                                      </p:cBhvr>
+                                      <p:to>
+                                        <p:strVal val="hidden"/>
+                                      </p:to>
+                                    </p:set>
+                                  </p:childTnLst>
+                                </p:cTn>
+                              </p:par>
+                            </p:childTnLst>
+                          </p:cTn>
+                        </p:par>
+                      </p:childTnLst>
+                    </p:cTn>
+                  </p:par>
+                  <p:par>
+                    <p:cTn id="167" fill="hold">
+                      <p:stCondLst>
+                        <p:cond delay="indefinite"/>
+                      </p:stCondLst>
+                      <p:childTnLst>
+                        <p:par>
+                          <p:cTn id="168" fill="hold">
+                            <p:stCondLst>
+                              <p:cond delay="0"/>
+                            </p:stCondLst>
+                            <p:childTnLst>
+                              <p:par>
+                                <p:cTn id="169" presetID="6" presetClass="entr" presetSubtype="16" fill="hold" grpId="0" nodeType="clickEffect">
+                                  <p:stCondLst>
+                                    <p:cond delay="0"/>
+                                  </p:stCondLst>
+                                  <p:childTnLst>
+                                    <p:set>
+                                      <p:cBhvr>
+                                        <p:cTn id="170" dur="1" fill="hold">
+                                          <p:stCondLst>
+                                            <p:cond delay="0"/>
+                                          </p:stCondLst>
+                                        </p:cTn>
+                                        <p:tgtEl>
+                                          <p:spTgt spid="63"/>
+                                        </p:tgtEl>
+                                        <p:attrNameLst>
+                                          <p:attrName>style.visibility</p:attrName>
+                                        </p:attrNameLst>
+                                      </p:cBhvr>
+                                      <p:to>
+                                        <p:strVal val="visible"/>
+                                      </p:to>
+                                    </p:set>
+                                    <p:animEffect transition="in" filter="circle(in)">
+                                      <p:cBhvr>
+                                        <p:cTn id="171" dur="2000"/>
+                                        <p:tgtEl>
+                                          <p:spTgt spid="63"/>
+                                        </p:tgtEl>
+                                      </p:cBhvr>
+                                    </p:animEffect>
+                                  </p:childTnLst>
+                                </p:cTn>
+                              </p:par>
+                            </p:childTnLst>
+                          </p:cTn>
+                        </p:par>
+                      </p:childTnLst>
+                    </p:cTn>
+                  </p:par>
+                  <p:par>
+                    <p:cTn id="172" fill="hold">
+                      <p:stCondLst>
+                        <p:cond delay="indefinite"/>
+                      </p:stCondLst>
+                      <p:childTnLst>
+                        <p:par>
+                          <p:cTn id="173" fill="hold">
+                            <p:stCondLst>
+                              <p:cond delay="0"/>
+                            </p:stCondLst>
+                            <p:childTnLst>
+                              <p:par>
+                                <p:cTn id="174" presetID="42" presetClass="entr" presetSubtype="0" fill="hold" grpId="0" nodeType="clickEffect">
+                                  <p:stCondLst>
+                                    <p:cond delay="0"/>
+                                  </p:stCondLst>
+                                  <p:childTnLst>
+                                    <p:set>
+                                      <p:cBhvr>
+                                        <p:cTn id="175" dur="1" fill="hold">
+                                          <p:stCondLst>
+                                            <p:cond delay="0"/>
+                                          </p:stCondLst>
+                                        </p:cTn>
+                                        <p:tgtEl>
+                                          <p:spTgt spid="66"/>
+                                        </p:tgtEl>
+                                        <p:attrNameLst>
+                                          <p:attrName>style.visibility</p:attrName>
+                                        </p:attrNameLst>
+                                      </p:cBhvr>
+                                      <p:to>
+                                        <p:strVal val="visible"/>
+                                      </p:to>
+                                    </p:set>
+                                    <p:animEffect transition="in" filter="fade">
+                                      <p:cBhvr>
+                                        <p:cTn id="176" dur="1000"/>
+                                        <p:tgtEl>
+                                          <p:spTgt spid="66"/>
+                                        </p:tgtEl>
+                                      </p:cBhvr>
+                                    </p:animEffect>
+                                    <p:anim calcmode="lin" valueType="num">
+                                      <p:cBhvr>
+                                        <p:cTn id="177" dur="1000" fill="hold"/>
+                                        <p:tgtEl>
+                                          <p:spTgt spid="66"/>
+                                        </p:tgtEl>
+                                        <p:attrNameLst>
+                                          <p:attrName>ppt_x</p:attrName>
+                                        </p:attrNameLst>
+                                      </p:cBhvr>
+                                      <p:tavLst>
+                                        <p:tav tm="0">
+                                          <p:val>
+                                            <p:strVal val="#ppt_x"/>
+                                          </p:val>
+                                        </p:tav>
+                                        <p:tav tm="100000">
+                                          <p:val>
+                                            <p:strVal val="#ppt_x"/>
+                                          </p:val>
+                                        </p:tav>
+                                      </p:tavLst>
+                                    </p:anim>
+                                    <p:anim calcmode="lin" valueType="num">
+                                      <p:cBhvr>
+                                        <p:cTn id="178" dur="1000" fill="hold"/>
+                                        <p:tgtEl>
+                                          <p:spTgt spid="66"/>
+                                        </p:tgtEl>
+                                        <p:attrNameLst>
+                                          <p:attrName>ppt_y</p:attrName>
+                                        </p:attrNameLst>
+                                      </p:cBhvr>
+                                      <p:tavLst>
+                                        <p:tav tm="0">
+                                          <p:val>
+                                            <p:strVal val="#ppt_y+.1"/>
+                                          </p:val>
+                                        </p:tav>
+                                        <p:tav tm="100000">
+                                          <p:val>
+                                            <p:strVal val="#ppt_y"/>
+                                          </p:val>
+                                        </p:tav>
+                                      </p:tavLst>
+                                    </p:anim>
+                                  </p:childTnLst>
+                                </p:cTn>
+                              </p:par>
+                              <p:par>
+                                <p:cTn id="179" presetID="42" presetClass="entr" presetSubtype="0" fill="hold" nodeType="withEffect">
+                                  <p:stCondLst>
+                                    <p:cond delay="0"/>
+                                  </p:stCondLst>
+                                  <p:childTnLst>
+                                    <p:set>
+                                      <p:cBhvr>
+                                        <p:cTn id="180" dur="1" fill="hold">
+                                          <p:stCondLst>
+                                            <p:cond delay="0"/>
+                                          </p:stCondLst>
+                                        </p:cTn>
+                                        <p:tgtEl>
+                                          <p:spTgt spid="64"/>
+                                        </p:tgtEl>
+                                        <p:attrNameLst>
+                                          <p:attrName>style.visibility</p:attrName>
+                                        </p:attrNameLst>
+                                      </p:cBhvr>
+                                      <p:to>
+                                        <p:strVal val="visible"/>
+                                      </p:to>
+                                    </p:set>
+                                    <p:animEffect transition="in" filter="fade">
+                                      <p:cBhvr>
+                                        <p:cTn id="181" dur="1000"/>
+                                        <p:tgtEl>
+                                          <p:spTgt spid="64"/>
+                                        </p:tgtEl>
+                                      </p:cBhvr>
+                                    </p:animEffect>
+                                    <p:anim calcmode="lin" valueType="num">
+                                      <p:cBhvr>
+                                        <p:cTn id="182" dur="1000" fill="hold"/>
+                                        <p:tgtEl>
+                                          <p:spTgt spid="64"/>
+                                        </p:tgtEl>
+                                        <p:attrNameLst>
+                                          <p:attrName>ppt_x</p:attrName>
+                                        </p:attrNameLst>
+                                      </p:cBhvr>
+                                      <p:tavLst>
+                                        <p:tav tm="0">
+                                          <p:val>
+                                            <p:strVal val="#ppt_x"/>
+                                          </p:val>
+                                        </p:tav>
+                                        <p:tav tm="100000">
+                                          <p:val>
+                                            <p:strVal val="#ppt_x"/>
+                                          </p:val>
+                                        </p:tav>
+                                      </p:tavLst>
+                                    </p:anim>
+                                    <p:anim calcmode="lin" valueType="num">
+                                      <p:cBhvr>
+                                        <p:cTn id="183" dur="1000" fill="hold"/>
+                                        <p:tgtEl>
+                                          <p:spTgt spid="64"/>
+                                        </p:tgtEl>
+                                        <p:attrNameLst>
+                                          <p:attrName>ppt_y</p:attrName>
+                                        </p:attrNameLst>
+                                      </p:cBhvr>
+                                      <p:tavLst>
+                                        <p:tav tm="0">
+                                          <p:val>
+                                            <p:strVal val="#ppt_y+.1"/>
+                                          </p:val>
+                                        </p:tav>
+                                        <p:tav tm="100000">
+                                          <p:val>
+                                            <p:strVal val="#ppt_y"/>
+                                          </p:val>
+                                        </p:tav>
+                                      </p:tavLst>
+                                    </p:anim>
+                                  </p:childTnLst>
+                                </p:cTn>
+                              </p:par>
+                              <p:par>
+                                <p:cTn id="184" presetID="42" presetClass="entr" presetSubtype="0" fill="hold" grpId="0" nodeType="withEffect">
+                                  <p:stCondLst>
+                                    <p:cond delay="0"/>
+                                  </p:stCondLst>
+                                  <p:childTnLst>
+                                    <p:set>
+                                      <p:cBhvr>
+                                        <p:cTn id="185" dur="1" fill="hold">
+                                          <p:stCondLst>
+                                            <p:cond delay="0"/>
+                                          </p:stCondLst>
+                                        </p:cTn>
+                                        <p:tgtEl>
+                                          <p:spTgt spid="65"/>
+                                        </p:tgtEl>
+                                        <p:attrNameLst>
+                                          <p:attrName>style.visibility</p:attrName>
+                                        </p:attrNameLst>
+                                      </p:cBhvr>
+                                      <p:to>
+                                        <p:strVal val="visible"/>
+                                      </p:to>
+                                    </p:set>
+                                    <p:animEffect transition="in" filter="fade">
+                                      <p:cBhvr>
+                                        <p:cTn id="186" dur="1000"/>
+                                        <p:tgtEl>
+                                          <p:spTgt spid="65"/>
+                                        </p:tgtEl>
+                                      </p:cBhvr>
+                                    </p:animEffect>
+                                    <p:anim calcmode="lin" valueType="num">
+                                      <p:cBhvr>
+                                        <p:cTn id="187" dur="1000" fill="hold"/>
+                                        <p:tgtEl>
+                                          <p:spTgt spid="65"/>
+                                        </p:tgtEl>
+                                        <p:attrNameLst>
+                                          <p:attrName>ppt_x</p:attrName>
+                                        </p:attrNameLst>
+                                      </p:cBhvr>
+                                      <p:tavLst>
+                                        <p:tav tm="0">
+                                          <p:val>
+                                            <p:strVal val="#ppt_x"/>
+                                          </p:val>
+                                        </p:tav>
+                                        <p:tav tm="100000">
+                                          <p:val>
+                                            <p:strVal val="#ppt_x"/>
+                                          </p:val>
+                                        </p:tav>
+                                      </p:tavLst>
+                                    </p:anim>
+                                    <p:anim calcmode="lin" valueType="num">
+                                      <p:cBhvr>
+                                        <p:cTn id="188" dur="1000" fill="hold"/>
+                                        <p:tgtEl>
+                                          <p:spTgt spid="65"/>
+                                        </p:tgtEl>
+                                        <p:attrNameLst>
+                                          <p:attrName>ppt_y</p:attrName>
+                                        </p:attrNameLst>
+                                      </p:cBhvr>
+                                      <p:tavLst>
+                                        <p:tav tm="0">
+                                          <p:val>
+                                            <p:strVal val="#ppt_y+.1"/>
+                                          </p:val>
+                                        </p:tav>
+                                        <p:tav tm="100000">
+                                          <p:val>
+                                            <p:strVal val="#ppt_y"/>
+                                          </p:val>
+                                        </p:tav>
+                                      </p:tavLst>
+                                    </p:anim>
                                   </p:childTnLst>
                                 </p:cTn>
                               </p:par>
@@ -28047,25 +27129,29 @@
       <p:bldP spid="5" grpId="0" animBg="1"/>
       <p:bldP spid="6" grpId="0" animBg="1"/>
       <p:bldP spid="7" grpId="0" animBg="1"/>
-      <p:bldP spid="8" grpId="0" animBg="1"/>
-      <p:bldP spid="8" grpId="1" animBg="1"/>
-      <p:bldP spid="60" grpId="0" animBg="1"/>
-      <p:bldP spid="3073" grpId="0" animBg="1"/>
-      <p:bldP spid="3076" grpId="0" animBg="1"/>
-      <p:bldP spid="69" grpId="0" animBg="1"/>
-      <p:bldP spid="70" grpId="0" animBg="1"/>
-      <p:bldP spid="71" grpId="0" animBg="1"/>
-      <p:bldP spid="72" grpId="0" animBg="1"/>
-      <p:bldP spid="72" grpId="1" animBg="1"/>
-      <p:bldP spid="73" grpId="0" animBg="1"/>
-      <p:bldP spid="73" grpId="1" animBg="1"/>
-      <p:bldP spid="74" grpId="0" animBg="1"/>
-      <p:bldP spid="74" grpId="1" animBg="1"/>
-      <p:bldP spid="3077" grpId="0" animBg="1"/>
-      <p:bldP spid="3077" grpId="1" animBg="1"/>
-      <p:bldP spid="76" grpId="0" animBg="1"/>
-      <p:bldP spid="76" grpId="1" animBg="1"/>
-      <p:bldP spid="77" grpId="0" animBg="1"/>
+      <p:bldP spid="30" grpId="0"/>
+      <p:bldP spid="32" grpId="0"/>
+      <p:bldP spid="34" grpId="0"/>
+      <p:bldP spid="10" grpId="0" animBg="1"/>
+      <p:bldP spid="10" grpId="1" animBg="1"/>
+      <p:bldP spid="51" grpId="0" animBg="1"/>
+      <p:bldP spid="35" grpId="0" animBg="1"/>
+      <p:bldP spid="36" grpId="0" animBg="1"/>
+      <p:bldP spid="54" grpId="0" animBg="1"/>
+      <p:bldP spid="55" grpId="0" animBg="1"/>
+      <p:bldP spid="56" grpId="0" animBg="1"/>
+      <p:bldP spid="57" grpId="0" animBg="1"/>
+      <p:bldP spid="58" grpId="0" animBg="1"/>
+      <p:bldP spid="58" grpId="1" animBg="1"/>
+      <p:bldP spid="58" grpId="2" animBg="1"/>
+      <p:bldP spid="59" grpId="0" animBg="1"/>
+      <p:bldP spid="59" grpId="1" animBg="1"/>
+      <p:bldP spid="61" grpId="0" animBg="1"/>
+      <p:bldP spid="37" grpId="0" animBg="1"/>
+      <p:bldP spid="62" grpId="0" animBg="1"/>
+      <p:bldP spid="63" grpId="0" animBg="1"/>
+      <p:bldP spid="65" grpId="0"/>
+      <p:bldP spid="66" grpId="0" animBg="1"/>
     </p:bldLst>
   </p:timing>
 </p:sld>

--- a/iDeliver presentation.pptx
+++ b/iDeliver presentation.pptx
@@ -2879,22 +2879,22 @@
     </dgm:pt>
   </dgm:ptLst>
   <dgm:cxnLst>
+    <dgm:cxn modelId="{D511B19E-2229-41BF-A87F-557FEE21CBCC}" type="presOf" srcId="{EDC7A38C-A6DB-4DC5-A689-39ECF460C6EE}" destId="{12349A56-4627-47C6-95E1-59A3763AA6E1}" srcOrd="0" destOrd="0" presId="urn:microsoft.com/office/officeart/2005/8/layout/list1"/>
+    <dgm:cxn modelId="{E9ECDBE4-4B3F-4965-BC46-77193A10C313}" type="presOf" srcId="{F15AB5BC-20EB-4896-ACF0-5A5E624E7B6C}" destId="{ED16CCA2-3479-4C2F-9EE1-3E315BF03D68}" srcOrd="0" destOrd="0" presId="urn:microsoft.com/office/officeart/2005/8/layout/list1"/>
+    <dgm:cxn modelId="{EADFDE52-5B58-4A6D-AB10-BDF6EB79B1DE}" type="presOf" srcId="{F3861C03-805D-46DF-A473-53653EFDEFAC}" destId="{F5161C34-E6C6-424C-AFB0-D1DCB70063F9}" srcOrd="0" destOrd="0" presId="urn:microsoft.com/office/officeart/2005/8/layout/list1"/>
+    <dgm:cxn modelId="{B939CA61-FB1E-4148-98F6-EABDDE961BD5}" srcId="{EDC7A38C-A6DB-4DC5-A689-39ECF460C6EE}" destId="{50966B18-8F4F-4052-89F9-B48790BD2367}" srcOrd="2" destOrd="0" parTransId="{C781F25A-CB4B-44C1-A33E-F87A8D09F246}" sibTransId="{5D4359EE-B0D4-4E7C-8140-B2A89C1D7FF5}"/>
+    <dgm:cxn modelId="{895819B1-9F28-4D90-ACDF-9FE810992A71}" srcId="{EDC7A38C-A6DB-4DC5-A689-39ECF460C6EE}" destId="{F3861C03-805D-46DF-A473-53653EFDEFAC}" srcOrd="0" destOrd="0" parTransId="{FDEF765C-797E-4575-A57A-62FC58C0DBBD}" sibTransId="{4B94263F-AE36-49BA-90BC-B9C0A3836F11}"/>
     <dgm:cxn modelId="{8FC5C53C-E0D2-4D9E-921A-D5BAB0691AEA}" type="presOf" srcId="{F15AB5BC-20EB-4896-ACF0-5A5E624E7B6C}" destId="{2122FC3D-9D7C-4674-9A64-60A76FF473D7}" srcOrd="1" destOrd="0" presId="urn:microsoft.com/office/officeart/2005/8/layout/list1"/>
+    <dgm:cxn modelId="{E9E9A78E-3D06-4434-9596-2811CFE08B6F}" type="presOf" srcId="{4EF90078-E6E6-4945-AFF6-3CE122D73B62}" destId="{5C8FE5E1-884F-412E-A725-A291A47A8E59}" srcOrd="0" destOrd="0" presId="urn:microsoft.com/office/officeart/2005/8/layout/list1"/>
+    <dgm:cxn modelId="{491C81F4-6429-47C7-A66F-7BFF0E79B08D}" type="presOf" srcId="{4EF90078-E6E6-4945-AFF6-3CE122D73B62}" destId="{E2681A2F-F14D-4CA1-AED2-F51532E386C0}" srcOrd="1" destOrd="0" presId="urn:microsoft.com/office/officeart/2005/8/layout/list1"/>
+    <dgm:cxn modelId="{ACA434B3-DE1A-47D9-A07E-3EE677AE4A87}" type="presOf" srcId="{F3861C03-805D-46DF-A473-53653EFDEFAC}" destId="{4BCFC962-7C53-4C3E-A79A-F8EA1F40FB77}" srcOrd="1" destOrd="0" presId="urn:microsoft.com/office/officeart/2005/8/layout/list1"/>
+    <dgm:cxn modelId="{62A679E3-6E81-49B3-9E2D-5E7AB7AFAAB0}" srcId="{EDC7A38C-A6DB-4DC5-A689-39ECF460C6EE}" destId="{F15AB5BC-20EB-4896-ACF0-5A5E624E7B6C}" srcOrd="1" destOrd="0" parTransId="{D72D90E7-2791-440A-BD7C-BF567269DBF7}" sibTransId="{491206DF-53A9-45C6-A28A-60F01CAC4067}"/>
+    <dgm:cxn modelId="{C012B5AC-4085-426B-BA31-5E62062BF963}" srcId="{EDC7A38C-A6DB-4DC5-A689-39ECF460C6EE}" destId="{4EF90078-E6E6-4945-AFF6-3CE122D73B62}" srcOrd="3" destOrd="0" parTransId="{09C9B5E1-25C3-4E5E-AD04-49DF3B553086}" sibTransId="{AE2A650F-D5C1-43DF-9F83-849BA50274C2}"/>
+    <dgm:cxn modelId="{75735154-E353-4CB6-A313-260C53D45645}" type="presOf" srcId="{50966B18-8F4F-4052-89F9-B48790BD2367}" destId="{7AA6AE93-8789-4D56-BCEC-D6B55D847325}" srcOrd="1" destOrd="0" presId="urn:microsoft.com/office/officeart/2005/8/layout/list1"/>
+    <dgm:cxn modelId="{B6DE7BDF-0007-4DDE-B412-4B6F0561ED64}" type="presOf" srcId="{2511DA9D-D953-4E88-85D7-486DCAA95676}" destId="{1B03F452-E806-41D8-9F69-D88626BB3B32}" srcOrd="0" destOrd="0" presId="urn:microsoft.com/office/officeart/2005/8/layout/list1"/>
     <dgm:cxn modelId="{F872DC09-BB93-40DD-AC2E-02BB8F8E24F7}" type="presOf" srcId="{50966B18-8F4F-4052-89F9-B48790BD2367}" destId="{F8B1D1CA-F8B8-4CF2-850D-8A08A6D43348}" srcOrd="0" destOrd="0" presId="urn:microsoft.com/office/officeart/2005/8/layout/list1"/>
-    <dgm:cxn modelId="{895819B1-9F28-4D90-ACDF-9FE810992A71}" srcId="{EDC7A38C-A6DB-4DC5-A689-39ECF460C6EE}" destId="{F3861C03-805D-46DF-A473-53653EFDEFAC}" srcOrd="0" destOrd="0" parTransId="{FDEF765C-797E-4575-A57A-62FC58C0DBBD}" sibTransId="{4B94263F-AE36-49BA-90BC-B9C0A3836F11}"/>
-    <dgm:cxn modelId="{491C81F4-6429-47C7-A66F-7BFF0E79B08D}" type="presOf" srcId="{4EF90078-E6E6-4945-AFF6-3CE122D73B62}" destId="{E2681A2F-F14D-4CA1-AED2-F51532E386C0}" srcOrd="1" destOrd="0" presId="urn:microsoft.com/office/officeart/2005/8/layout/list1"/>
-    <dgm:cxn modelId="{62A679E3-6E81-49B3-9E2D-5E7AB7AFAAB0}" srcId="{EDC7A38C-A6DB-4DC5-A689-39ECF460C6EE}" destId="{F15AB5BC-20EB-4896-ACF0-5A5E624E7B6C}" srcOrd="1" destOrd="0" parTransId="{D72D90E7-2791-440A-BD7C-BF567269DBF7}" sibTransId="{491206DF-53A9-45C6-A28A-60F01CAC4067}"/>
-    <dgm:cxn modelId="{75735154-E353-4CB6-A313-260C53D45645}" type="presOf" srcId="{50966B18-8F4F-4052-89F9-B48790BD2367}" destId="{7AA6AE93-8789-4D56-BCEC-D6B55D847325}" srcOrd="1" destOrd="0" presId="urn:microsoft.com/office/officeart/2005/8/layout/list1"/>
-    <dgm:cxn modelId="{E9E9A78E-3D06-4434-9596-2811CFE08B6F}" type="presOf" srcId="{4EF90078-E6E6-4945-AFF6-3CE122D73B62}" destId="{5C8FE5E1-884F-412E-A725-A291A47A8E59}" srcOrd="0" destOrd="0" presId="urn:microsoft.com/office/officeart/2005/8/layout/list1"/>
-    <dgm:cxn modelId="{B939CA61-FB1E-4148-98F6-EABDDE961BD5}" srcId="{EDC7A38C-A6DB-4DC5-A689-39ECF460C6EE}" destId="{50966B18-8F4F-4052-89F9-B48790BD2367}" srcOrd="2" destOrd="0" parTransId="{C781F25A-CB4B-44C1-A33E-F87A8D09F246}" sibTransId="{5D4359EE-B0D4-4E7C-8140-B2A89C1D7FF5}"/>
-    <dgm:cxn modelId="{D511B19E-2229-41BF-A87F-557FEE21CBCC}" type="presOf" srcId="{EDC7A38C-A6DB-4DC5-A689-39ECF460C6EE}" destId="{12349A56-4627-47C6-95E1-59A3763AA6E1}" srcOrd="0" destOrd="0" presId="urn:microsoft.com/office/officeart/2005/8/layout/list1"/>
-    <dgm:cxn modelId="{B6DE7BDF-0007-4DDE-B412-4B6F0561ED64}" type="presOf" srcId="{2511DA9D-D953-4E88-85D7-486DCAA95676}" destId="{1B03F452-E806-41D8-9F69-D88626BB3B32}" srcOrd="0" destOrd="0" presId="urn:microsoft.com/office/officeart/2005/8/layout/list1"/>
-    <dgm:cxn modelId="{E9ECDBE4-4B3F-4965-BC46-77193A10C313}" type="presOf" srcId="{F15AB5BC-20EB-4896-ACF0-5A5E624E7B6C}" destId="{ED16CCA2-3479-4C2F-9EE1-3E315BF03D68}" srcOrd="0" destOrd="0" presId="urn:microsoft.com/office/officeart/2005/8/layout/list1"/>
-    <dgm:cxn modelId="{ACA434B3-DE1A-47D9-A07E-3EE677AE4A87}" type="presOf" srcId="{F3861C03-805D-46DF-A473-53653EFDEFAC}" destId="{4BCFC962-7C53-4C3E-A79A-F8EA1F40FB77}" srcOrd="1" destOrd="0" presId="urn:microsoft.com/office/officeart/2005/8/layout/list1"/>
     <dgm:cxn modelId="{6A8FF732-B4B4-4D17-AEEF-1FC21937469E}" type="presOf" srcId="{2511DA9D-D953-4E88-85D7-486DCAA95676}" destId="{A2F44CA5-7572-4B10-8094-A7E02486FABF}" srcOrd="1" destOrd="0" presId="urn:microsoft.com/office/officeart/2005/8/layout/list1"/>
     <dgm:cxn modelId="{443A4200-1FAC-4F0C-AB59-DBDB9E58150F}" srcId="{EDC7A38C-A6DB-4DC5-A689-39ECF460C6EE}" destId="{2511DA9D-D953-4E88-85D7-486DCAA95676}" srcOrd="4" destOrd="0" parTransId="{FFC15986-DDEE-40E7-86E3-050BDF619BE7}" sibTransId="{87DF7139-E210-4101-AEDE-4DE92254736F}"/>
-    <dgm:cxn modelId="{C012B5AC-4085-426B-BA31-5E62062BF963}" srcId="{EDC7A38C-A6DB-4DC5-A689-39ECF460C6EE}" destId="{4EF90078-E6E6-4945-AFF6-3CE122D73B62}" srcOrd="3" destOrd="0" parTransId="{09C9B5E1-25C3-4E5E-AD04-49DF3B553086}" sibTransId="{AE2A650F-D5C1-43DF-9F83-849BA50274C2}"/>
-    <dgm:cxn modelId="{EADFDE52-5B58-4A6D-AB10-BDF6EB79B1DE}" type="presOf" srcId="{F3861C03-805D-46DF-A473-53653EFDEFAC}" destId="{F5161C34-E6C6-424C-AFB0-D1DCB70063F9}" srcOrd="0" destOrd="0" presId="urn:microsoft.com/office/officeart/2005/8/layout/list1"/>
     <dgm:cxn modelId="{A5C55C8A-FE5F-4D8D-9361-332699CFA204}" type="presParOf" srcId="{12349A56-4627-47C6-95E1-59A3763AA6E1}" destId="{4C00E976-8666-4597-95C1-88AFE21BB0A3}" srcOrd="0" destOrd="0" presId="urn:microsoft.com/office/officeart/2005/8/layout/list1"/>
     <dgm:cxn modelId="{AF596160-38EF-493E-AD36-5132F7C884BA}" type="presParOf" srcId="{4C00E976-8666-4597-95C1-88AFE21BB0A3}" destId="{F5161C34-E6C6-424C-AFB0-D1DCB70063F9}" srcOrd="0" destOrd="0" presId="urn:microsoft.com/office/officeart/2005/8/layout/list1"/>
     <dgm:cxn modelId="{2EC1E1E5-E010-4D2F-8E22-1F399244BCDA}" type="presParOf" srcId="{4C00E976-8666-4597-95C1-88AFE21BB0A3}" destId="{4BCFC962-7C53-4C3E-A79A-F8EA1F40FB77}" srcOrd="1" destOrd="0" presId="urn:microsoft.com/office/officeart/2005/8/layout/list1"/>
@@ -13576,7 +13576,7 @@
           <a:graphicData uri="http://schemas.openxmlformats.org/presentationml/2006/ole">
             <mc:AlternateContent xmlns:mc="http://schemas.openxmlformats.org/markup-compatibility/2006">
               <mc:Choice xmlns:v="urn:schemas-microsoft-com:vml" Requires="v">
-                <p:oleObj spid="_x0000_s2579" name="Image" r:id="rId15" imgW="6311111" imgH="1155148" progId="">
+                <p:oleObj spid="_x0000_s2587" name="Image" r:id="rId15" imgW="6311111" imgH="1155148" progId="">
                   <p:embed/>
                 </p:oleObj>
               </mc:Choice>
@@ -22951,7 +22951,6 @@
               <a:rPr lang="en-US" sz="2000" b="0" dirty="0" smtClean="0"/>
               <a:t> </a:t>
             </a:r>
-            <a:endParaRPr lang="en-US" sz="2000" b="0" dirty="0" smtClean="0"/>
           </a:p>
         </p:txBody>
       </p:sp>
@@ -23220,7 +23219,6 @@
               <a:rPr lang="en-US" sz="2000" b="0" dirty="0" smtClean="0"/>
               <a:t> </a:t>
             </a:r>
-            <a:endParaRPr lang="en-US" sz="2000" b="0" dirty="0" smtClean="0"/>
           </a:p>
         </p:txBody>
       </p:sp>
@@ -23497,7 +23495,6 @@
               <a:rPr lang="en-US" sz="2000" b="0" dirty="0" smtClean="0"/>
               <a:t> </a:t>
             </a:r>
-            <a:endParaRPr lang="en-US" sz="2000" b="0" dirty="0" smtClean="0"/>
           </a:p>
         </p:txBody>
       </p:sp>
@@ -23509,8 +23506,8 @@
         </p:nvSpPr>
         <p:spPr>
           <a:xfrm>
-            <a:off x="205840" y="5858576"/>
-            <a:ext cx="2057399" cy="533400"/>
+            <a:off x="219117" y="5886368"/>
+            <a:ext cx="1998414" cy="533400"/>
           </a:xfrm>
           <a:prstGeom prst="rect">
             <a:avLst/>
@@ -23536,15 +23533,27 @@
           <a:p>
             <a:pPr algn="ctr"/>
             <a:r>
+              <a:rPr lang="en-US" dirty="0" err="1" smtClean="0"/>
+              <a:t>Cà</a:t>
+            </a:r>
+            <a:r>
               <a:rPr lang="en-US" dirty="0" smtClean="0"/>
-              <a:t>7:00 AM 3/6, </a:t>
+              <a:t> Mau – SG,</a:t>
             </a:r>
           </a:p>
           <a:p>
             <a:pPr algn="ctr"/>
             <a:r>
               <a:rPr lang="en-US" dirty="0" smtClean="0"/>
-              <a:t>V = 5000 dm</a:t>
+              <a:t>V </a:t>
+            </a:r>
+            <a:r>
+              <a:rPr lang="en-US" dirty="0" smtClean="0"/>
+              <a:t>= 5000 </a:t>
+            </a:r>
+            <a:r>
+              <a:rPr lang="en-US" dirty="0" smtClean="0"/>
+              <a:t>dm</a:t>
             </a:r>
             <a:r>
               <a:rPr lang="en-US" baseline="30000" dirty="0" smtClean="0"/>
@@ -23610,8 +23619,8 @@
         </p:nvSpPr>
         <p:spPr>
           <a:xfrm>
-            <a:off x="2462648" y="5591876"/>
-            <a:ext cx="2057399" cy="533400"/>
+            <a:off x="2474523" y="5698754"/>
+            <a:ext cx="2384219" cy="533400"/>
           </a:xfrm>
           <a:prstGeom prst="rect">
             <a:avLst/>
@@ -23637,9 +23646,38 @@
           <a:p>
             <a:pPr algn="ctr"/>
             <a:r>
+              <a:rPr lang="en-US" dirty="0" err="1" smtClean="0"/>
+              <a:t>Cần</a:t>
+            </a:r>
+            <a:r>
               <a:rPr lang="en-US" dirty="0" smtClean="0"/>
-              <a:t>12:00 AM 3/6, </a:t>
+              <a:t> </a:t>
             </a:r>
+            <a:r>
+              <a:rPr lang="en-US" dirty="0" err="1" smtClean="0"/>
+              <a:t>Thơ</a:t>
+            </a:r>
+            <a:r>
+              <a:rPr lang="en-US" dirty="0" smtClean="0"/>
+              <a:t> – </a:t>
+            </a:r>
+            <a:r>
+              <a:rPr lang="en-US" dirty="0" err="1" smtClean="0"/>
+              <a:t>Đà</a:t>
+            </a:r>
+            <a:r>
+              <a:rPr lang="en-US" dirty="0" smtClean="0"/>
+              <a:t> </a:t>
+            </a:r>
+            <a:r>
+              <a:rPr lang="en-US" dirty="0" err="1" smtClean="0"/>
+              <a:t>Lạt</a:t>
+            </a:r>
+            <a:r>
+              <a:rPr lang="en-US" dirty="0" smtClean="0"/>
+              <a:t>, </a:t>
+            </a:r>
+            <a:endParaRPr lang="en-US" dirty="0" smtClean="0"/>
           </a:p>
           <a:p>
             <a:pPr algn="ctr"/>
@@ -24009,7 +24047,7 @@
         </p:nvSpPr>
         <p:spPr>
           <a:xfrm>
-            <a:off x="205839" y="5858887"/>
+            <a:off x="6520545" y="4876800"/>
             <a:ext cx="2057399" cy="533400"/>
           </a:xfrm>
           <a:prstGeom prst="rect">
@@ -24178,7 +24216,7 @@
         </p:nvSpPr>
         <p:spPr>
           <a:xfrm>
-            <a:off x="228601" y="5867400"/>
+            <a:off x="5340929" y="5464175"/>
             <a:ext cx="2057399" cy="533400"/>
           </a:xfrm>
           <a:prstGeom prst="rect">
@@ -24496,7 +24534,6 @@
               <a:rPr lang="en-US" sz="2000" b="0" dirty="0" smtClean="0"/>
               <a:t> </a:t>
             </a:r>
-            <a:endParaRPr lang="en-US" sz="2000" b="0" dirty="0" smtClean="0"/>
           </a:p>
         </p:txBody>
       </p:sp>
@@ -24538,7 +24575,89 @@
               <a:rPr lang="en-US" b="1" dirty="0"/>
               <a:t>4</a:t>
             </a:r>
+          </a:p>
+        </p:txBody>
+      </p:sp>
+      <p:sp>
+        <p:nvSpPr>
+          <p:cNvPr id="38" name="Oval 37"/>
+          <p:cNvSpPr/>
+          <p:nvPr/>
+        </p:nvSpPr>
+        <p:spPr>
+          <a:xfrm>
+            <a:off x="2559917" y="4682461"/>
+            <a:ext cx="398214" cy="405924"/>
+          </a:xfrm>
+          <a:prstGeom prst="ellipse">
+            <a:avLst/>
+          </a:prstGeom>
+        </p:spPr>
+        <p:style>
+          <a:lnRef idx="0">
+            <a:schemeClr val="accent1"/>
+          </a:lnRef>
+          <a:fillRef idx="3">
+            <a:schemeClr val="accent1"/>
+          </a:fillRef>
+          <a:effectRef idx="3">
+            <a:schemeClr val="accent1"/>
+          </a:effectRef>
+          <a:fontRef idx="minor">
+            <a:schemeClr val="lt1"/>
+          </a:fontRef>
+        </p:style>
+        <p:txBody>
+          <a:bodyPr rtlCol="0" anchor="ctr"/>
+          <a:lstStyle/>
+          <a:p>
+            <a:pPr algn="ctr"/>
+            <a:r>
+              <a:rPr lang="en-US" b="1" dirty="0" smtClean="0"/>
+              <a:t>3</a:t>
+            </a:r>
             <a:endParaRPr lang="en-US" b="1" dirty="0"/>
+          </a:p>
+        </p:txBody>
+      </p:sp>
+      <p:sp>
+        <p:nvSpPr>
+          <p:cNvPr id="39" name="Oval 38"/>
+          <p:cNvSpPr/>
+          <p:nvPr/>
+        </p:nvSpPr>
+        <p:spPr>
+          <a:xfrm>
+            <a:off x="2559917" y="5143500"/>
+            <a:ext cx="398214" cy="405924"/>
+          </a:xfrm>
+          <a:prstGeom prst="ellipse">
+            <a:avLst/>
+          </a:prstGeom>
+        </p:spPr>
+        <p:style>
+          <a:lnRef idx="0">
+            <a:schemeClr val="accent1"/>
+          </a:lnRef>
+          <a:fillRef idx="3">
+            <a:schemeClr val="accent1"/>
+          </a:fillRef>
+          <a:effectRef idx="3">
+            <a:schemeClr val="accent1"/>
+          </a:effectRef>
+          <a:fontRef idx="minor">
+            <a:schemeClr val="lt1"/>
+          </a:fontRef>
+        </p:style>
+        <p:txBody>
+          <a:bodyPr rtlCol="0" anchor="ctr"/>
+          <a:lstStyle/>
+          <a:p>
+            <a:pPr algn="ctr"/>
+            <a:r>
+              <a:rPr lang="en-US" b="1" dirty="0"/>
+              <a:t>4</a:t>
+            </a:r>
           </a:p>
         </p:txBody>
       </p:sp>
@@ -24573,7 +24692,7 @@
                             </p:stCondLst>
                             <p:childTnLst>
                               <p:par>
-                                <p:cTn id="5" presetID="22" presetClass="entr" presetSubtype="4" fill="hold" grpId="0" nodeType="clickEffect">
+                                <p:cTn id="5" presetID="42" presetClass="entr" presetSubtype="0" fill="hold" grpId="0" nodeType="clickEffect">
                                   <p:stCondLst>
                                     <p:cond delay="0"/>
                                   </p:stCondLst>
@@ -24581,41 +24700,6 @@
                                     <p:set>
                                       <p:cBhvr>
                                         <p:cTn id="6" dur="1" fill="hold">
-                                          <p:stCondLst>
-                                            <p:cond delay="0"/>
-                                          </p:stCondLst>
-                                        </p:cTn>
-                                        <p:tgtEl>
-                                          <p:spTgt spid="4"/>
-                                        </p:tgtEl>
-                                        <p:attrNameLst>
-                                          <p:attrName>style.visibility</p:attrName>
-                                        </p:attrNameLst>
-                                      </p:cBhvr>
-                                      <p:to>
-                                        <p:strVal val="visible"/>
-                                      </p:to>
-                                    </p:set>
-                                    <p:animEffect transition="in" filter="wipe(down)">
-                                      <p:cBhvr>
-                                        <p:cTn id="7" dur="500"/>
-                                        <p:tgtEl>
-                                          <p:spTgt spid="4"/>
-                                        </p:tgtEl>
-                                      </p:cBhvr>
-                                    </p:animEffect>
-                                  </p:childTnLst>
-                                </p:cTn>
-                              </p:par>
-                              <p:par>
-                                <p:cTn id="8" presetID="22" presetClass="entr" presetSubtype="4" fill="hold" grpId="0" nodeType="withEffect">
-                                  <p:stCondLst>
-                                    <p:cond delay="0"/>
-                                  </p:stCondLst>
-                                  <p:childTnLst>
-                                    <p:set>
-                                      <p:cBhvr>
-                                        <p:cTn id="9" dur="1" fill="hold">
                                           <p:stCondLst>
                                             <p:cond delay="0"/>
                                           </p:stCondLst>
@@ -24631,370 +24715,19 @@
                                         <p:strVal val="visible"/>
                                       </p:to>
                                     </p:set>
-                                    <p:animEffect transition="in" filter="wipe(down)">
+                                    <p:animEffect transition="in" filter="fade">
                                       <p:cBhvr>
-                                        <p:cTn id="10" dur="500"/>
+                                        <p:cTn id="7" dur="1000"/>
                                         <p:tgtEl>
                                           <p:spTgt spid="7"/>
                                         </p:tgtEl>
                                       </p:cBhvr>
                                     </p:animEffect>
-                                  </p:childTnLst>
-                                </p:cTn>
-                              </p:par>
-                              <p:par>
-                                <p:cTn id="11" presetID="22" presetClass="entr" presetSubtype="4" fill="hold" grpId="0" nodeType="withEffect">
-                                  <p:stCondLst>
-                                    <p:cond delay="0"/>
-                                  </p:stCondLst>
-                                  <p:childTnLst>
-                                    <p:set>
-                                      <p:cBhvr>
-                                        <p:cTn id="12" dur="1" fill="hold">
-                                          <p:stCondLst>
-                                            <p:cond delay="0"/>
-                                          </p:stCondLst>
-                                        </p:cTn>
-                                        <p:tgtEl>
-                                          <p:spTgt spid="5"/>
-                                        </p:tgtEl>
-                                        <p:attrNameLst>
-                                          <p:attrName>style.visibility</p:attrName>
-                                        </p:attrNameLst>
-                                      </p:cBhvr>
-                                      <p:to>
-                                        <p:strVal val="visible"/>
-                                      </p:to>
-                                    </p:set>
-                                    <p:animEffect transition="in" filter="wipe(down)">
-                                      <p:cBhvr>
-                                        <p:cTn id="13" dur="500"/>
-                                        <p:tgtEl>
-                                          <p:spTgt spid="5"/>
-                                        </p:tgtEl>
-                                      </p:cBhvr>
-                                    </p:animEffect>
-                                  </p:childTnLst>
-                                </p:cTn>
-                              </p:par>
-                              <p:par>
-                                <p:cTn id="14" presetID="22" presetClass="entr" presetSubtype="4" fill="hold" grpId="0" nodeType="withEffect">
-                                  <p:stCondLst>
-                                    <p:cond delay="0"/>
-                                  </p:stCondLst>
-                                  <p:childTnLst>
-                                    <p:set>
-                                      <p:cBhvr>
-                                        <p:cTn id="15" dur="1" fill="hold">
-                                          <p:stCondLst>
-                                            <p:cond delay="0"/>
-                                          </p:stCondLst>
-                                        </p:cTn>
-                                        <p:tgtEl>
-                                          <p:spTgt spid="6"/>
-                                        </p:tgtEl>
-                                        <p:attrNameLst>
-                                          <p:attrName>style.visibility</p:attrName>
-                                        </p:attrNameLst>
-                                      </p:cBhvr>
-                                      <p:to>
-                                        <p:strVal val="visible"/>
-                                      </p:to>
-                                    </p:set>
-                                    <p:animEffect transition="in" filter="wipe(down)">
-                                      <p:cBhvr>
-                                        <p:cTn id="16" dur="500"/>
-                                        <p:tgtEl>
-                                          <p:spTgt spid="6"/>
-                                        </p:tgtEl>
-                                      </p:cBhvr>
-                                    </p:animEffect>
-                                  </p:childTnLst>
-                                </p:cTn>
-                              </p:par>
-                              <p:par>
-                                <p:cTn id="17" presetID="22" presetClass="entr" presetSubtype="4" fill="hold" nodeType="withEffect">
-                                  <p:stCondLst>
-                                    <p:cond delay="0"/>
-                                  </p:stCondLst>
-                                  <p:childTnLst>
-                                    <p:set>
-                                      <p:cBhvr>
-                                        <p:cTn id="18" dur="1" fill="hold">
-                                          <p:stCondLst>
-                                            <p:cond delay="0"/>
-                                          </p:stCondLst>
-                                        </p:cTn>
-                                        <p:tgtEl>
-                                          <p:spTgt spid="28"/>
-                                        </p:tgtEl>
-                                        <p:attrNameLst>
-                                          <p:attrName>style.visibility</p:attrName>
-                                        </p:attrNameLst>
-                                      </p:cBhvr>
-                                      <p:to>
-                                        <p:strVal val="visible"/>
-                                      </p:to>
-                                    </p:set>
-                                    <p:animEffect transition="in" filter="wipe(down)">
-                                      <p:cBhvr>
-                                        <p:cTn id="19" dur="500"/>
-                                        <p:tgtEl>
-                                          <p:spTgt spid="28"/>
-                                        </p:tgtEl>
-                                      </p:cBhvr>
-                                    </p:animEffect>
-                                  </p:childTnLst>
-                                </p:cTn>
-                              </p:par>
-                              <p:par>
-                                <p:cTn id="20" presetID="22" presetClass="entr" presetSubtype="4" fill="hold" nodeType="withEffect">
-                                  <p:stCondLst>
-                                    <p:cond delay="0"/>
-                                  </p:stCondLst>
-                                  <p:childTnLst>
-                                    <p:set>
-                                      <p:cBhvr>
-                                        <p:cTn id="21" dur="1" fill="hold">
-                                          <p:stCondLst>
-                                            <p:cond delay="0"/>
-                                          </p:stCondLst>
-                                        </p:cTn>
-                                        <p:tgtEl>
-                                          <p:spTgt spid="26"/>
-                                        </p:tgtEl>
-                                        <p:attrNameLst>
-                                          <p:attrName>style.visibility</p:attrName>
-                                        </p:attrNameLst>
-                                      </p:cBhvr>
-                                      <p:to>
-                                        <p:strVal val="visible"/>
-                                      </p:to>
-                                    </p:set>
-                                    <p:animEffect transition="in" filter="wipe(down)">
-                                      <p:cBhvr>
-                                        <p:cTn id="22" dur="500"/>
-                                        <p:tgtEl>
-                                          <p:spTgt spid="26"/>
-                                        </p:tgtEl>
-                                      </p:cBhvr>
-                                    </p:animEffect>
-                                  </p:childTnLst>
-                                </p:cTn>
-                              </p:par>
-                              <p:par>
-                                <p:cTn id="23" presetID="22" presetClass="entr" presetSubtype="4" fill="hold" nodeType="withEffect">
-                                  <p:stCondLst>
-                                    <p:cond delay="0"/>
-                                  </p:stCondLst>
-                                  <p:childTnLst>
-                                    <p:set>
-                                      <p:cBhvr>
-                                        <p:cTn id="24" dur="1" fill="hold">
-                                          <p:stCondLst>
-                                            <p:cond delay="0"/>
-                                          </p:stCondLst>
-                                        </p:cTn>
-                                        <p:tgtEl>
-                                          <p:spTgt spid="24"/>
-                                        </p:tgtEl>
-                                        <p:attrNameLst>
-                                          <p:attrName>style.visibility</p:attrName>
-                                        </p:attrNameLst>
-                                      </p:cBhvr>
-                                      <p:to>
-                                        <p:strVal val="visible"/>
-                                      </p:to>
-                                    </p:set>
-                                    <p:animEffect transition="in" filter="wipe(down)">
-                                      <p:cBhvr>
-                                        <p:cTn id="25" dur="500"/>
-                                        <p:tgtEl>
-                                          <p:spTgt spid="24"/>
-                                        </p:tgtEl>
-                                      </p:cBhvr>
-                                    </p:animEffect>
-                                  </p:childTnLst>
-                                </p:cTn>
-                              </p:par>
-                            </p:childTnLst>
-                          </p:cTn>
-                        </p:par>
-                      </p:childTnLst>
-                    </p:cTn>
-                  </p:par>
-                  <p:par>
-                    <p:cTn id="26" fill="hold">
-                      <p:stCondLst>
-                        <p:cond delay="indefinite"/>
-                      </p:stCondLst>
-                      <p:childTnLst>
-                        <p:par>
-                          <p:cTn id="27" fill="hold">
-                            <p:stCondLst>
-                              <p:cond delay="0"/>
-                            </p:stCondLst>
-                            <p:childTnLst>
-                              <p:par>
-                                <p:cTn id="28" presetID="10" presetClass="entr" presetSubtype="0" fill="hold" grpId="0" nodeType="clickEffect">
-                                  <p:stCondLst>
-                                    <p:cond delay="0"/>
-                                  </p:stCondLst>
-                                  <p:childTnLst>
-                                    <p:set>
-                                      <p:cBhvr>
-                                        <p:cTn id="29" dur="1" fill="hold">
-                                          <p:stCondLst>
-                                            <p:cond delay="0"/>
-                                          </p:stCondLst>
-                                        </p:cTn>
-                                        <p:tgtEl>
-                                          <p:spTgt spid="35"/>
-                                        </p:tgtEl>
-                                        <p:attrNameLst>
-                                          <p:attrName>style.visibility</p:attrName>
-                                        </p:attrNameLst>
-                                      </p:cBhvr>
-                                      <p:to>
-                                        <p:strVal val="visible"/>
-                                      </p:to>
-                                    </p:set>
-                                    <p:animEffect transition="in" filter="fade">
-                                      <p:cBhvr>
-                                        <p:cTn id="30" dur="500"/>
-                                        <p:tgtEl>
-                                          <p:spTgt spid="35"/>
-                                        </p:tgtEl>
-                                      </p:cBhvr>
-                                    </p:animEffect>
-                                  </p:childTnLst>
-                                </p:cTn>
-                              </p:par>
-                              <p:par>
-                                <p:cTn id="31" presetID="10" presetClass="entr" presetSubtype="0" fill="hold" grpId="0" nodeType="withEffect">
-                                  <p:stCondLst>
-                                    <p:cond delay="0"/>
-                                  </p:stCondLst>
-                                  <p:childTnLst>
-                                    <p:set>
-                                      <p:cBhvr>
-                                        <p:cTn id="32" dur="1" fill="hold">
-                                          <p:stCondLst>
-                                            <p:cond delay="0"/>
-                                          </p:stCondLst>
-                                        </p:cTn>
-                                        <p:tgtEl>
-                                          <p:spTgt spid="56"/>
-                                        </p:tgtEl>
-                                        <p:attrNameLst>
-                                          <p:attrName>style.visibility</p:attrName>
-                                        </p:attrNameLst>
-                                      </p:cBhvr>
-                                      <p:to>
-                                        <p:strVal val="visible"/>
-                                      </p:to>
-                                    </p:set>
-                                    <p:animEffect transition="in" filter="fade">
-                                      <p:cBhvr>
-                                        <p:cTn id="33" dur="500"/>
-                                        <p:tgtEl>
-                                          <p:spTgt spid="56"/>
-                                        </p:tgtEl>
-                                      </p:cBhvr>
-                                    </p:animEffect>
-                                  </p:childTnLst>
-                                </p:cTn>
-                              </p:par>
-                              <p:par>
-                                <p:cTn id="34" presetID="10" presetClass="entr" presetSubtype="0" fill="hold" grpId="0" nodeType="withEffect">
-                                  <p:stCondLst>
-                                    <p:cond delay="0"/>
-                                  </p:stCondLst>
-                                  <p:childTnLst>
-                                    <p:set>
-                                      <p:cBhvr>
-                                        <p:cTn id="35" dur="1" fill="hold">
-                                          <p:stCondLst>
-                                            <p:cond delay="0"/>
-                                          </p:stCondLst>
-                                        </p:cTn>
-                                        <p:tgtEl>
-                                          <p:spTgt spid="57"/>
-                                        </p:tgtEl>
-                                        <p:attrNameLst>
-                                          <p:attrName>style.visibility</p:attrName>
-                                        </p:attrNameLst>
-                                      </p:cBhvr>
-                                      <p:to>
-                                        <p:strVal val="visible"/>
-                                      </p:to>
-                                    </p:set>
-                                    <p:animEffect transition="in" filter="fade">
-                                      <p:cBhvr>
-                                        <p:cTn id="36" dur="500"/>
-                                        <p:tgtEl>
-                                          <p:spTgt spid="57"/>
-                                        </p:tgtEl>
-                                      </p:cBhvr>
-                                    </p:animEffect>
-                                  </p:childTnLst>
-                                </p:cTn>
-                              </p:par>
-                            </p:childTnLst>
-                          </p:cTn>
-                        </p:par>
-                      </p:childTnLst>
-                    </p:cTn>
-                  </p:par>
-                  <p:par>
-                    <p:cTn id="37" fill="hold">
-                      <p:stCondLst>
-                        <p:cond delay="indefinite"/>
-                      </p:stCondLst>
-                      <p:childTnLst>
-                        <p:par>
-                          <p:cTn id="38" fill="hold">
-                            <p:stCondLst>
-                              <p:cond delay="0"/>
-                            </p:stCondLst>
-                            <p:childTnLst>
-                              <p:par>
-                                <p:cTn id="39" presetID="42" presetClass="entr" presetSubtype="0" fill="hold" grpId="0" nodeType="clickEffect">
-                                  <p:stCondLst>
-                                    <p:cond delay="0"/>
-                                  </p:stCondLst>
-                                  <p:childTnLst>
-                                    <p:set>
-                                      <p:cBhvr>
-                                        <p:cTn id="40" dur="1" fill="hold">
-                                          <p:stCondLst>
-                                            <p:cond delay="0"/>
-                                          </p:stCondLst>
-                                        </p:cTn>
-                                        <p:tgtEl>
-                                          <p:spTgt spid="36"/>
-                                        </p:tgtEl>
-                                        <p:attrNameLst>
-                                          <p:attrName>style.visibility</p:attrName>
-                                        </p:attrNameLst>
-                                      </p:cBhvr>
-                                      <p:to>
-                                        <p:strVal val="visible"/>
-                                      </p:to>
-                                    </p:set>
-                                    <p:animEffect transition="in" filter="fade">
-                                      <p:cBhvr>
-                                        <p:cTn id="41" dur="1000"/>
-                                        <p:tgtEl>
-                                          <p:spTgt spid="36"/>
-                                        </p:tgtEl>
-                                      </p:cBhvr>
-                                    </p:animEffect>
                                     <p:anim calcmode="lin" valueType="num">
                                       <p:cBhvr>
-                                        <p:cTn id="42" dur="1000" fill="hold"/>
+                                        <p:cTn id="8" dur="1000" fill="hold"/>
                                         <p:tgtEl>
-                                          <p:spTgt spid="36"/>
+                                          <p:spTgt spid="7"/>
                                         </p:tgtEl>
                                         <p:attrNameLst>
                                           <p:attrName>ppt_x</p:attrName>
@@ -25015,9 +24748,9 @@
                                     </p:anim>
                                     <p:anim calcmode="lin" valueType="num">
                                       <p:cBhvr>
-                                        <p:cTn id="43" dur="1000" fill="hold"/>
+                                        <p:cTn id="9" dur="1000" fill="hold"/>
                                         <p:tgtEl>
-                                          <p:spTgt spid="36"/>
+                                          <p:spTgt spid="7"/>
                                         </p:tgtEl>
                                         <p:attrNameLst>
                                           <p:attrName>ppt_y</p:attrName>
@@ -25040,20 +24773,20 @@
                                 </p:cTn>
                               </p:par>
                               <p:par>
-                                <p:cTn id="44" presetID="42" presetClass="entr" presetSubtype="0" fill="hold" nodeType="withEffect">
+                                <p:cTn id="10" presetID="42" presetClass="entr" presetSubtype="0" fill="hold" grpId="0" nodeType="withEffect">
                                   <p:stCondLst>
                                     <p:cond delay="0"/>
                                   </p:stCondLst>
                                   <p:childTnLst>
                                     <p:set>
                                       <p:cBhvr>
-                                        <p:cTn id="45" dur="1" fill="hold">
+                                        <p:cTn id="11" dur="1" fill="hold">
                                           <p:stCondLst>
                                             <p:cond delay="0"/>
                                           </p:stCondLst>
                                         </p:cTn>
                                         <p:tgtEl>
-                                          <p:spTgt spid="3075"/>
+                                          <p:spTgt spid="4"/>
                                         </p:tgtEl>
                                         <p:attrNameLst>
                                           <p:attrName>style.visibility</p:attrName>
@@ -25065,17 +24798,17 @@
                                     </p:set>
                                     <p:animEffect transition="in" filter="fade">
                                       <p:cBhvr>
-                                        <p:cTn id="46" dur="1000"/>
+                                        <p:cTn id="12" dur="1000"/>
                                         <p:tgtEl>
-                                          <p:spTgt spid="3075"/>
+                                          <p:spTgt spid="4"/>
                                         </p:tgtEl>
                                       </p:cBhvr>
                                     </p:animEffect>
                                     <p:anim calcmode="lin" valueType="num">
                                       <p:cBhvr>
-                                        <p:cTn id="47" dur="1000" fill="hold"/>
+                                        <p:cTn id="13" dur="1000" fill="hold"/>
                                         <p:tgtEl>
-                                          <p:spTgt spid="3075"/>
+                                          <p:spTgt spid="4"/>
                                         </p:tgtEl>
                                         <p:attrNameLst>
                                           <p:attrName>ppt_x</p:attrName>
@@ -25096,9 +24829,9 @@
                                     </p:anim>
                                     <p:anim calcmode="lin" valueType="num">
                                       <p:cBhvr>
-                                        <p:cTn id="48" dur="1000" fill="hold"/>
+                                        <p:cTn id="14" dur="1000" fill="hold"/>
                                         <p:tgtEl>
-                                          <p:spTgt spid="3075"/>
+                                          <p:spTgt spid="4"/>
                                         </p:tgtEl>
                                         <p:attrNameLst>
                                           <p:attrName>ppt_y</p:attrName>
@@ -25121,20 +24854,20 @@
                                 </p:cTn>
                               </p:par>
                               <p:par>
-                                <p:cTn id="49" presetID="42" presetClass="entr" presetSubtype="0" fill="hold" grpId="0" nodeType="withEffect">
+                                <p:cTn id="15" presetID="42" presetClass="entr" presetSubtype="0" fill="hold" nodeType="withEffect">
                                   <p:stCondLst>
                                     <p:cond delay="0"/>
                                   </p:stCondLst>
                                   <p:childTnLst>
                                     <p:set>
                                       <p:cBhvr>
-                                        <p:cTn id="50" dur="1" fill="hold">
+                                        <p:cTn id="16" dur="1" fill="hold">
                                           <p:stCondLst>
                                             <p:cond delay="0"/>
                                           </p:stCondLst>
                                         </p:cTn>
                                         <p:tgtEl>
-                                          <p:spTgt spid="30"/>
+                                          <p:spTgt spid="24"/>
                                         </p:tgtEl>
                                         <p:attrNameLst>
                                           <p:attrName>style.visibility</p:attrName>
@@ -25146,17 +24879,17 @@
                                     </p:set>
                                     <p:animEffect transition="in" filter="fade">
                                       <p:cBhvr>
-                                        <p:cTn id="51" dur="1000"/>
+                                        <p:cTn id="17" dur="1000"/>
                                         <p:tgtEl>
-                                          <p:spTgt spid="30"/>
+                                          <p:spTgt spid="24"/>
                                         </p:tgtEl>
                                       </p:cBhvr>
                                     </p:animEffect>
                                     <p:anim calcmode="lin" valueType="num">
                                       <p:cBhvr>
-                                        <p:cTn id="52" dur="1000" fill="hold"/>
+                                        <p:cTn id="18" dur="1000" fill="hold"/>
                                         <p:tgtEl>
-                                          <p:spTgt spid="30"/>
+                                          <p:spTgt spid="24"/>
                                         </p:tgtEl>
                                         <p:attrNameLst>
                                           <p:attrName>ppt_x</p:attrName>
@@ -25177,9 +24910,333 @@
                                     </p:anim>
                                     <p:anim calcmode="lin" valueType="num">
                                       <p:cBhvr>
-                                        <p:cTn id="53" dur="1000" fill="hold"/>
+                                        <p:cTn id="19" dur="1000" fill="hold"/>
                                         <p:tgtEl>
-                                          <p:spTgt spid="30"/>
+                                          <p:spTgt spid="24"/>
+                                        </p:tgtEl>
+                                        <p:attrNameLst>
+                                          <p:attrName>ppt_y</p:attrName>
+                                        </p:attrNameLst>
+                                      </p:cBhvr>
+                                      <p:tavLst>
+                                        <p:tav tm="0">
+                                          <p:val>
+                                            <p:strVal val="#ppt_y+.1"/>
+                                          </p:val>
+                                        </p:tav>
+                                        <p:tav tm="100000">
+                                          <p:val>
+                                            <p:strVal val="#ppt_y"/>
+                                          </p:val>
+                                        </p:tav>
+                                      </p:tavLst>
+                                    </p:anim>
+                                  </p:childTnLst>
+                                </p:cTn>
+                              </p:par>
+                              <p:par>
+                                <p:cTn id="20" presetID="42" presetClass="entr" presetSubtype="0" fill="hold" grpId="0" nodeType="withEffect">
+                                  <p:stCondLst>
+                                    <p:cond delay="0"/>
+                                  </p:stCondLst>
+                                  <p:childTnLst>
+                                    <p:set>
+                                      <p:cBhvr>
+                                        <p:cTn id="21" dur="1" fill="hold">
+                                          <p:stCondLst>
+                                            <p:cond delay="0"/>
+                                          </p:stCondLst>
+                                        </p:cTn>
+                                        <p:tgtEl>
+                                          <p:spTgt spid="5"/>
+                                        </p:tgtEl>
+                                        <p:attrNameLst>
+                                          <p:attrName>style.visibility</p:attrName>
+                                        </p:attrNameLst>
+                                      </p:cBhvr>
+                                      <p:to>
+                                        <p:strVal val="visible"/>
+                                      </p:to>
+                                    </p:set>
+                                    <p:animEffect transition="in" filter="fade">
+                                      <p:cBhvr>
+                                        <p:cTn id="22" dur="1000"/>
+                                        <p:tgtEl>
+                                          <p:spTgt spid="5"/>
+                                        </p:tgtEl>
+                                      </p:cBhvr>
+                                    </p:animEffect>
+                                    <p:anim calcmode="lin" valueType="num">
+                                      <p:cBhvr>
+                                        <p:cTn id="23" dur="1000" fill="hold"/>
+                                        <p:tgtEl>
+                                          <p:spTgt spid="5"/>
+                                        </p:tgtEl>
+                                        <p:attrNameLst>
+                                          <p:attrName>ppt_x</p:attrName>
+                                        </p:attrNameLst>
+                                      </p:cBhvr>
+                                      <p:tavLst>
+                                        <p:tav tm="0">
+                                          <p:val>
+                                            <p:strVal val="#ppt_x"/>
+                                          </p:val>
+                                        </p:tav>
+                                        <p:tav tm="100000">
+                                          <p:val>
+                                            <p:strVal val="#ppt_x"/>
+                                          </p:val>
+                                        </p:tav>
+                                      </p:tavLst>
+                                    </p:anim>
+                                    <p:anim calcmode="lin" valueType="num">
+                                      <p:cBhvr>
+                                        <p:cTn id="24" dur="1000" fill="hold"/>
+                                        <p:tgtEl>
+                                          <p:spTgt spid="5"/>
+                                        </p:tgtEl>
+                                        <p:attrNameLst>
+                                          <p:attrName>ppt_y</p:attrName>
+                                        </p:attrNameLst>
+                                      </p:cBhvr>
+                                      <p:tavLst>
+                                        <p:tav tm="0">
+                                          <p:val>
+                                            <p:strVal val="#ppt_y+.1"/>
+                                          </p:val>
+                                        </p:tav>
+                                        <p:tav tm="100000">
+                                          <p:val>
+                                            <p:strVal val="#ppt_y"/>
+                                          </p:val>
+                                        </p:tav>
+                                      </p:tavLst>
+                                    </p:anim>
+                                  </p:childTnLst>
+                                </p:cTn>
+                              </p:par>
+                              <p:par>
+                                <p:cTn id="25" presetID="42" presetClass="entr" presetSubtype="0" fill="hold" nodeType="withEffect">
+                                  <p:stCondLst>
+                                    <p:cond delay="0"/>
+                                  </p:stCondLst>
+                                  <p:childTnLst>
+                                    <p:set>
+                                      <p:cBhvr>
+                                        <p:cTn id="26" dur="1" fill="hold">
+                                          <p:stCondLst>
+                                            <p:cond delay="0"/>
+                                          </p:stCondLst>
+                                        </p:cTn>
+                                        <p:tgtEl>
+                                          <p:spTgt spid="26"/>
+                                        </p:tgtEl>
+                                        <p:attrNameLst>
+                                          <p:attrName>style.visibility</p:attrName>
+                                        </p:attrNameLst>
+                                      </p:cBhvr>
+                                      <p:to>
+                                        <p:strVal val="visible"/>
+                                      </p:to>
+                                    </p:set>
+                                    <p:animEffect transition="in" filter="fade">
+                                      <p:cBhvr>
+                                        <p:cTn id="27" dur="1000"/>
+                                        <p:tgtEl>
+                                          <p:spTgt spid="26"/>
+                                        </p:tgtEl>
+                                      </p:cBhvr>
+                                    </p:animEffect>
+                                    <p:anim calcmode="lin" valueType="num">
+                                      <p:cBhvr>
+                                        <p:cTn id="28" dur="1000" fill="hold"/>
+                                        <p:tgtEl>
+                                          <p:spTgt spid="26"/>
+                                        </p:tgtEl>
+                                        <p:attrNameLst>
+                                          <p:attrName>ppt_x</p:attrName>
+                                        </p:attrNameLst>
+                                      </p:cBhvr>
+                                      <p:tavLst>
+                                        <p:tav tm="0">
+                                          <p:val>
+                                            <p:strVal val="#ppt_x"/>
+                                          </p:val>
+                                        </p:tav>
+                                        <p:tav tm="100000">
+                                          <p:val>
+                                            <p:strVal val="#ppt_x"/>
+                                          </p:val>
+                                        </p:tav>
+                                      </p:tavLst>
+                                    </p:anim>
+                                    <p:anim calcmode="lin" valueType="num">
+                                      <p:cBhvr>
+                                        <p:cTn id="29" dur="1000" fill="hold"/>
+                                        <p:tgtEl>
+                                          <p:spTgt spid="26"/>
+                                        </p:tgtEl>
+                                        <p:attrNameLst>
+                                          <p:attrName>ppt_y</p:attrName>
+                                        </p:attrNameLst>
+                                      </p:cBhvr>
+                                      <p:tavLst>
+                                        <p:tav tm="0">
+                                          <p:val>
+                                            <p:strVal val="#ppt_y+.1"/>
+                                          </p:val>
+                                        </p:tav>
+                                        <p:tav tm="100000">
+                                          <p:val>
+                                            <p:strVal val="#ppt_y"/>
+                                          </p:val>
+                                        </p:tav>
+                                      </p:tavLst>
+                                    </p:anim>
+                                  </p:childTnLst>
+                                </p:cTn>
+                              </p:par>
+                              <p:par>
+                                <p:cTn id="30" presetID="42" presetClass="entr" presetSubtype="0" fill="hold" nodeType="withEffect">
+                                  <p:stCondLst>
+                                    <p:cond delay="0"/>
+                                  </p:stCondLst>
+                                  <p:childTnLst>
+                                    <p:set>
+                                      <p:cBhvr>
+                                        <p:cTn id="31" dur="1" fill="hold">
+                                          <p:stCondLst>
+                                            <p:cond delay="0"/>
+                                          </p:stCondLst>
+                                        </p:cTn>
+                                        <p:tgtEl>
+                                          <p:spTgt spid="28"/>
+                                        </p:tgtEl>
+                                        <p:attrNameLst>
+                                          <p:attrName>style.visibility</p:attrName>
+                                        </p:attrNameLst>
+                                      </p:cBhvr>
+                                      <p:to>
+                                        <p:strVal val="visible"/>
+                                      </p:to>
+                                    </p:set>
+                                    <p:animEffect transition="in" filter="fade">
+                                      <p:cBhvr>
+                                        <p:cTn id="32" dur="1000"/>
+                                        <p:tgtEl>
+                                          <p:spTgt spid="28"/>
+                                        </p:tgtEl>
+                                      </p:cBhvr>
+                                    </p:animEffect>
+                                    <p:anim calcmode="lin" valueType="num">
+                                      <p:cBhvr>
+                                        <p:cTn id="33" dur="1000" fill="hold"/>
+                                        <p:tgtEl>
+                                          <p:spTgt spid="28"/>
+                                        </p:tgtEl>
+                                        <p:attrNameLst>
+                                          <p:attrName>ppt_x</p:attrName>
+                                        </p:attrNameLst>
+                                      </p:cBhvr>
+                                      <p:tavLst>
+                                        <p:tav tm="0">
+                                          <p:val>
+                                            <p:strVal val="#ppt_x"/>
+                                          </p:val>
+                                        </p:tav>
+                                        <p:tav tm="100000">
+                                          <p:val>
+                                            <p:strVal val="#ppt_x"/>
+                                          </p:val>
+                                        </p:tav>
+                                      </p:tavLst>
+                                    </p:anim>
+                                    <p:anim calcmode="lin" valueType="num">
+                                      <p:cBhvr>
+                                        <p:cTn id="34" dur="1000" fill="hold"/>
+                                        <p:tgtEl>
+                                          <p:spTgt spid="28"/>
+                                        </p:tgtEl>
+                                        <p:attrNameLst>
+                                          <p:attrName>ppt_y</p:attrName>
+                                        </p:attrNameLst>
+                                      </p:cBhvr>
+                                      <p:tavLst>
+                                        <p:tav tm="0">
+                                          <p:val>
+                                            <p:strVal val="#ppt_y+.1"/>
+                                          </p:val>
+                                        </p:tav>
+                                        <p:tav tm="100000">
+                                          <p:val>
+                                            <p:strVal val="#ppt_y"/>
+                                          </p:val>
+                                        </p:tav>
+                                      </p:tavLst>
+                                    </p:anim>
+                                  </p:childTnLst>
+                                </p:cTn>
+                              </p:par>
+                              <p:par>
+                                <p:cTn id="35" presetID="42" presetClass="entr" presetSubtype="0" fill="hold" grpId="0" nodeType="withEffect">
+                                  <p:stCondLst>
+                                    <p:cond delay="0"/>
+                                  </p:stCondLst>
+                                  <p:childTnLst>
+                                    <p:set>
+                                      <p:cBhvr>
+                                        <p:cTn id="36" dur="1" fill="hold">
+                                          <p:stCondLst>
+                                            <p:cond delay="0"/>
+                                          </p:stCondLst>
+                                        </p:cTn>
+                                        <p:tgtEl>
+                                          <p:spTgt spid="6"/>
+                                        </p:tgtEl>
+                                        <p:attrNameLst>
+                                          <p:attrName>style.visibility</p:attrName>
+                                        </p:attrNameLst>
+                                      </p:cBhvr>
+                                      <p:to>
+                                        <p:strVal val="visible"/>
+                                      </p:to>
+                                    </p:set>
+                                    <p:animEffect transition="in" filter="fade">
+                                      <p:cBhvr>
+                                        <p:cTn id="37" dur="1000"/>
+                                        <p:tgtEl>
+                                          <p:spTgt spid="6"/>
+                                        </p:tgtEl>
+                                      </p:cBhvr>
+                                    </p:animEffect>
+                                    <p:anim calcmode="lin" valueType="num">
+                                      <p:cBhvr>
+                                        <p:cTn id="38" dur="1000" fill="hold"/>
+                                        <p:tgtEl>
+                                          <p:spTgt spid="6"/>
+                                        </p:tgtEl>
+                                        <p:attrNameLst>
+                                          <p:attrName>ppt_x</p:attrName>
+                                        </p:attrNameLst>
+                                      </p:cBhvr>
+                                      <p:tavLst>
+                                        <p:tav tm="0">
+                                          <p:val>
+                                            <p:strVal val="#ppt_x"/>
+                                          </p:val>
+                                        </p:tav>
+                                        <p:tav tm="100000">
+                                          <p:val>
+                                            <p:strVal val="#ppt_x"/>
+                                          </p:val>
+                                        </p:tav>
+                                      </p:tavLst>
+                                    </p:anim>
+                                    <p:anim calcmode="lin" valueType="num">
+                                      <p:cBhvr>
+                                        <p:cTn id="39" dur="1000" fill="hold"/>
+                                        <p:tgtEl>
+                                          <p:spTgt spid="6"/>
                                         </p:tgtEl>
                                         <p:attrNameLst>
                                           <p:attrName>ppt_y</p:attrName>
@@ -25208,6 +25265,164 @@
                     </p:cTn>
                   </p:par>
                   <p:par>
+                    <p:cTn id="40" fill="hold">
+                      <p:stCondLst>
+                        <p:cond delay="indefinite"/>
+                      </p:stCondLst>
+                      <p:childTnLst>
+                        <p:par>
+                          <p:cTn id="41" fill="hold">
+                            <p:stCondLst>
+                              <p:cond delay="0"/>
+                            </p:stCondLst>
+                            <p:childTnLst>
+                              <p:par>
+                                <p:cTn id="42" presetID="22" presetClass="entr" presetSubtype="4" fill="hold" nodeType="clickEffect">
+                                  <p:stCondLst>
+                                    <p:cond delay="0"/>
+                                  </p:stCondLst>
+                                  <p:childTnLst>
+                                    <p:set>
+                                      <p:cBhvr>
+                                        <p:cTn id="43" dur="1" fill="hold">
+                                          <p:stCondLst>
+                                            <p:cond delay="0"/>
+                                          </p:stCondLst>
+                                        </p:cTn>
+                                        <p:tgtEl>
+                                          <p:spTgt spid="3074"/>
+                                        </p:tgtEl>
+                                        <p:attrNameLst>
+                                          <p:attrName>style.visibility</p:attrName>
+                                        </p:attrNameLst>
+                                      </p:cBhvr>
+                                      <p:to>
+                                        <p:strVal val="visible"/>
+                                      </p:to>
+                                    </p:set>
+                                    <p:animEffect transition="in" filter="wipe(down)">
+                                      <p:cBhvr>
+                                        <p:cTn id="44" dur="500"/>
+                                        <p:tgtEl>
+                                          <p:spTgt spid="3074"/>
+                                        </p:tgtEl>
+                                      </p:cBhvr>
+                                    </p:animEffect>
+                                  </p:childTnLst>
+                                </p:cTn>
+                              </p:par>
+                              <p:par>
+                                <p:cTn id="45" presetID="22" presetClass="entr" presetSubtype="4" fill="hold" nodeType="withEffect">
+                                  <p:stCondLst>
+                                    <p:cond delay="0"/>
+                                  </p:stCondLst>
+                                  <p:childTnLst>
+                                    <p:set>
+                                      <p:cBhvr>
+                                        <p:cTn id="46" dur="1" fill="hold">
+                                          <p:stCondLst>
+                                            <p:cond delay="0"/>
+                                          </p:stCondLst>
+                                        </p:cTn>
+                                        <p:tgtEl>
+                                          <p:spTgt spid="50"/>
+                                        </p:tgtEl>
+                                        <p:attrNameLst>
+                                          <p:attrName>style.visibility</p:attrName>
+                                        </p:attrNameLst>
+                                      </p:cBhvr>
+                                      <p:to>
+                                        <p:strVal val="visible"/>
+                                      </p:to>
+                                    </p:set>
+                                    <p:animEffect transition="in" filter="wipe(down)">
+                                      <p:cBhvr>
+                                        <p:cTn id="47" dur="500"/>
+                                        <p:tgtEl>
+                                          <p:spTgt spid="50"/>
+                                        </p:tgtEl>
+                                      </p:cBhvr>
+                                    </p:animEffect>
+                                  </p:childTnLst>
+                                </p:cTn>
+                              </p:par>
+                              <p:par>
+                                <p:cTn id="48" presetID="22" presetClass="entr" presetSubtype="4" fill="hold" grpId="0" nodeType="withEffect">
+                                  <p:stCondLst>
+                                    <p:cond delay="0"/>
+                                  </p:stCondLst>
+                                  <p:childTnLst>
+                                    <p:set>
+                                      <p:cBhvr>
+                                        <p:cTn id="49" dur="1" fill="hold">
+                                          <p:stCondLst>
+                                            <p:cond delay="0"/>
+                                          </p:stCondLst>
+                                        </p:cTn>
+                                        <p:tgtEl>
+                                          <p:spTgt spid="10"/>
+                                        </p:tgtEl>
+                                        <p:attrNameLst>
+                                          <p:attrName>style.visibility</p:attrName>
+                                        </p:attrNameLst>
+                                      </p:cBhvr>
+                                      <p:to>
+                                        <p:strVal val="visible"/>
+                                      </p:to>
+                                    </p:set>
+                                    <p:animEffect transition="in" filter="wipe(down)">
+                                      <p:cBhvr>
+                                        <p:cTn id="50" dur="500"/>
+                                        <p:tgtEl>
+                                          <p:spTgt spid="10"/>
+                                        </p:tgtEl>
+                                      </p:cBhvr>
+                                    </p:animEffect>
+                                  </p:childTnLst>
+                                </p:cTn>
+                              </p:par>
+                              <p:par>
+                                <p:cTn id="51" presetID="22" presetClass="entr" presetSubtype="4" fill="hold" grpId="0" nodeType="withEffect">
+                                  <p:stCondLst>
+                                    <p:cond delay="0"/>
+                                  </p:stCondLst>
+                                  <p:childTnLst>
+                                    <p:set>
+                                      <p:cBhvr>
+                                        <p:cTn id="52" dur="1" fill="hold">
+                                          <p:stCondLst>
+                                            <p:cond delay="0"/>
+                                          </p:stCondLst>
+                                        </p:cTn>
+                                        <p:tgtEl>
+                                          <p:spTgt spid="51"/>
+                                        </p:tgtEl>
+                                        <p:attrNameLst>
+                                          <p:attrName>style.visibility</p:attrName>
+                                        </p:attrNameLst>
+                                      </p:cBhvr>
+                                      <p:to>
+                                        <p:strVal val="visible"/>
+                                      </p:to>
+                                    </p:set>
+                                    <p:animEffect transition="in" filter="wipe(down)">
+                                      <p:cBhvr>
+                                        <p:cTn id="53" dur="500"/>
+                                        <p:tgtEl>
+                                          <p:spTgt spid="51"/>
+                                        </p:tgtEl>
+                                      </p:cBhvr>
+                                    </p:animEffect>
+                                  </p:childTnLst>
+                                </p:cTn>
+                              </p:par>
+                            </p:childTnLst>
+                          </p:cTn>
+                        </p:par>
+                      </p:childTnLst>
+                    </p:cTn>
+                  </p:par>
+                  <p:par>
                     <p:cTn id="54" fill="hold">
                       <p:stCondLst>
                         <p:cond delay="indefinite"/>
@@ -25220,7 +25435,7 @@
                             </p:stCondLst>
                             <p:childTnLst>
                               <p:par>
-                                <p:cTn id="56" presetID="42" presetClass="entr" presetSubtype="0" fill="hold" grpId="0" nodeType="clickEffect">
+                                <p:cTn id="56" presetID="10" presetClass="entr" presetSubtype="0" fill="hold" grpId="0" nodeType="clickEffect">
                                   <p:stCondLst>
                                     <p:cond delay="0"/>
                                   </p:stCondLst>
@@ -25228,6 +25443,111 @@
                                     <p:set>
                                       <p:cBhvr>
                                         <p:cTn id="57" dur="1" fill="hold">
+                                          <p:stCondLst>
+                                            <p:cond delay="0"/>
+                                          </p:stCondLst>
+                                        </p:cTn>
+                                        <p:tgtEl>
+                                          <p:spTgt spid="36"/>
+                                        </p:tgtEl>
+                                        <p:attrNameLst>
+                                          <p:attrName>style.visibility</p:attrName>
+                                        </p:attrNameLst>
+                                      </p:cBhvr>
+                                      <p:to>
+                                        <p:strVal val="visible"/>
+                                      </p:to>
+                                    </p:set>
+                                    <p:animEffect transition="in" filter="fade">
+                                      <p:cBhvr>
+                                        <p:cTn id="58" dur="500"/>
+                                        <p:tgtEl>
+                                          <p:spTgt spid="36"/>
+                                        </p:tgtEl>
+                                      </p:cBhvr>
+                                    </p:animEffect>
+                                  </p:childTnLst>
+                                </p:cTn>
+                              </p:par>
+                              <p:par>
+                                <p:cTn id="59" presetID="10" presetClass="entr" presetSubtype="0" fill="hold" nodeType="withEffect">
+                                  <p:stCondLst>
+                                    <p:cond delay="0"/>
+                                  </p:stCondLst>
+                                  <p:childTnLst>
+                                    <p:set>
+                                      <p:cBhvr>
+                                        <p:cTn id="60" dur="1" fill="hold">
+                                          <p:stCondLst>
+                                            <p:cond delay="0"/>
+                                          </p:stCondLst>
+                                        </p:cTn>
+                                        <p:tgtEl>
+                                          <p:spTgt spid="3075"/>
+                                        </p:tgtEl>
+                                        <p:attrNameLst>
+                                          <p:attrName>style.visibility</p:attrName>
+                                        </p:attrNameLst>
+                                      </p:cBhvr>
+                                      <p:to>
+                                        <p:strVal val="visible"/>
+                                      </p:to>
+                                    </p:set>
+                                    <p:animEffect transition="in" filter="fade">
+                                      <p:cBhvr>
+                                        <p:cTn id="61" dur="500"/>
+                                        <p:tgtEl>
+                                          <p:spTgt spid="3075"/>
+                                        </p:tgtEl>
+                                      </p:cBhvr>
+                                    </p:animEffect>
+                                  </p:childTnLst>
+                                </p:cTn>
+                              </p:par>
+                              <p:par>
+                                <p:cTn id="62" presetID="10" presetClass="entr" presetSubtype="0" fill="hold" grpId="0" nodeType="withEffect">
+                                  <p:stCondLst>
+                                    <p:cond delay="0"/>
+                                  </p:stCondLst>
+                                  <p:childTnLst>
+                                    <p:set>
+                                      <p:cBhvr>
+                                        <p:cTn id="63" dur="1" fill="hold">
+                                          <p:stCondLst>
+                                            <p:cond delay="0"/>
+                                          </p:stCondLst>
+                                        </p:cTn>
+                                        <p:tgtEl>
+                                          <p:spTgt spid="30"/>
+                                        </p:tgtEl>
+                                        <p:attrNameLst>
+                                          <p:attrName>style.visibility</p:attrName>
+                                        </p:attrNameLst>
+                                      </p:cBhvr>
+                                      <p:to>
+                                        <p:strVal val="visible"/>
+                                      </p:to>
+                                    </p:set>
+                                    <p:animEffect transition="in" filter="fade">
+                                      <p:cBhvr>
+                                        <p:cTn id="64" dur="500"/>
+                                        <p:tgtEl>
+                                          <p:spTgt spid="30"/>
+                                        </p:tgtEl>
+                                      </p:cBhvr>
+                                    </p:animEffect>
+                                  </p:childTnLst>
+                                </p:cTn>
+                              </p:par>
+                              <p:par>
+                                <p:cTn id="65" presetID="10" presetClass="entr" presetSubtype="0" fill="hold" grpId="0" nodeType="withEffect">
+                                  <p:stCondLst>
+                                    <p:cond delay="0"/>
+                                  </p:stCondLst>
+                                  <p:childTnLst>
+                                    <p:set>
+                                      <p:cBhvr>
+                                        <p:cTn id="66" dur="1" fill="hold">
                                           <p:stCondLst>
                                             <p:cond delay="0"/>
                                           </p:stCondLst>
@@ -25245,70 +25565,24 @@
                                     </p:set>
                                     <p:animEffect transition="in" filter="fade">
                                       <p:cBhvr>
-                                        <p:cTn id="58" dur="1000"/>
+                                        <p:cTn id="67" dur="500"/>
                                         <p:tgtEl>
                                           <p:spTgt spid="54"/>
                                         </p:tgtEl>
                                       </p:cBhvr>
                                     </p:animEffect>
-                                    <p:anim calcmode="lin" valueType="num">
-                                      <p:cBhvr>
-                                        <p:cTn id="59" dur="1000" fill="hold"/>
-                                        <p:tgtEl>
-                                          <p:spTgt spid="54"/>
-                                        </p:tgtEl>
-                                        <p:attrNameLst>
-                                          <p:attrName>ppt_x</p:attrName>
-                                        </p:attrNameLst>
-                                      </p:cBhvr>
-                                      <p:tavLst>
-                                        <p:tav tm="0">
-                                          <p:val>
-                                            <p:strVal val="#ppt_x"/>
-                                          </p:val>
-                                        </p:tav>
-                                        <p:tav tm="100000">
-                                          <p:val>
-                                            <p:strVal val="#ppt_x"/>
-                                          </p:val>
-                                        </p:tav>
-                                      </p:tavLst>
-                                    </p:anim>
-                                    <p:anim calcmode="lin" valueType="num">
-                                      <p:cBhvr>
-                                        <p:cTn id="60" dur="1000" fill="hold"/>
-                                        <p:tgtEl>
-                                          <p:spTgt spid="54"/>
-                                        </p:tgtEl>
-                                        <p:attrNameLst>
-                                          <p:attrName>ppt_y</p:attrName>
-                                        </p:attrNameLst>
-                                      </p:cBhvr>
-                                      <p:tavLst>
-                                        <p:tav tm="0">
-                                          <p:val>
-                                            <p:strVal val="#ppt_y+.1"/>
-                                          </p:val>
-                                        </p:tav>
-                                        <p:tav tm="100000">
-                                          <p:val>
-                                            <p:strVal val="#ppt_y"/>
-                                          </p:val>
-                                        </p:tav>
-                                      </p:tavLst>
-                                    </p:anim>
                                   </p:childTnLst>
                                 </p:cTn>
                               </p:par>
                               <p:par>
-                                <p:cTn id="61" presetID="42" presetClass="entr" presetSubtype="0" fill="hold" nodeType="withEffect">
+                                <p:cTn id="68" presetID="10" presetClass="entr" presetSubtype="0" fill="hold" nodeType="withEffect">
                                   <p:stCondLst>
                                     <p:cond delay="0"/>
                                   </p:stCondLst>
                                   <p:childTnLst>
                                     <p:set>
                                       <p:cBhvr>
-                                        <p:cTn id="62" dur="1" fill="hold">
+                                        <p:cTn id="69" dur="1" fill="hold">
                                           <p:stCondLst>
                                             <p:cond delay="0"/>
                                           </p:stCondLst>
@@ -25326,70 +25600,24 @@
                                     </p:set>
                                     <p:animEffect transition="in" filter="fade">
                                       <p:cBhvr>
-                                        <p:cTn id="63" dur="1000"/>
+                                        <p:cTn id="70" dur="500"/>
                                         <p:tgtEl>
                                           <p:spTgt spid="31"/>
                                         </p:tgtEl>
                                       </p:cBhvr>
                                     </p:animEffect>
-                                    <p:anim calcmode="lin" valueType="num">
-                                      <p:cBhvr>
-                                        <p:cTn id="64" dur="1000" fill="hold"/>
-                                        <p:tgtEl>
-                                          <p:spTgt spid="31"/>
-                                        </p:tgtEl>
-                                        <p:attrNameLst>
-                                          <p:attrName>ppt_x</p:attrName>
-                                        </p:attrNameLst>
-                                      </p:cBhvr>
-                                      <p:tavLst>
-                                        <p:tav tm="0">
-                                          <p:val>
-                                            <p:strVal val="#ppt_x"/>
-                                          </p:val>
-                                        </p:tav>
-                                        <p:tav tm="100000">
-                                          <p:val>
-                                            <p:strVal val="#ppt_x"/>
-                                          </p:val>
-                                        </p:tav>
-                                      </p:tavLst>
-                                    </p:anim>
-                                    <p:anim calcmode="lin" valueType="num">
-                                      <p:cBhvr>
-                                        <p:cTn id="65" dur="1000" fill="hold"/>
-                                        <p:tgtEl>
-                                          <p:spTgt spid="31"/>
-                                        </p:tgtEl>
-                                        <p:attrNameLst>
-                                          <p:attrName>ppt_y</p:attrName>
-                                        </p:attrNameLst>
-                                      </p:cBhvr>
-                                      <p:tavLst>
-                                        <p:tav tm="0">
-                                          <p:val>
-                                            <p:strVal val="#ppt_y+.1"/>
-                                          </p:val>
-                                        </p:tav>
-                                        <p:tav tm="100000">
-                                          <p:val>
-                                            <p:strVal val="#ppt_y"/>
-                                          </p:val>
-                                        </p:tav>
-                                      </p:tavLst>
-                                    </p:anim>
                                   </p:childTnLst>
                                 </p:cTn>
                               </p:par>
                               <p:par>
-                                <p:cTn id="66" presetID="42" presetClass="entr" presetSubtype="0" fill="hold" grpId="0" nodeType="withEffect">
+                                <p:cTn id="71" presetID="10" presetClass="entr" presetSubtype="0" fill="hold" grpId="0" nodeType="withEffect">
                                   <p:stCondLst>
                                     <p:cond delay="0"/>
                                   </p:stCondLst>
                                   <p:childTnLst>
                                     <p:set>
                                       <p:cBhvr>
-                                        <p:cTn id="67" dur="1" fill="hold">
+                                        <p:cTn id="72" dur="1" fill="hold">
                                           <p:stCondLst>
                                             <p:cond delay="0"/>
                                           </p:stCondLst>
@@ -25407,88 +25635,24 @@
                                     </p:set>
                                     <p:animEffect transition="in" filter="fade">
                                       <p:cBhvr>
-                                        <p:cTn id="68" dur="1000"/>
+                                        <p:cTn id="73" dur="500"/>
                                         <p:tgtEl>
                                           <p:spTgt spid="32"/>
                                         </p:tgtEl>
                                       </p:cBhvr>
                                     </p:animEffect>
-                                    <p:anim calcmode="lin" valueType="num">
-                                      <p:cBhvr>
-                                        <p:cTn id="69" dur="1000" fill="hold"/>
-                                        <p:tgtEl>
-                                          <p:spTgt spid="32"/>
-                                        </p:tgtEl>
-                                        <p:attrNameLst>
-                                          <p:attrName>ppt_x</p:attrName>
-                                        </p:attrNameLst>
-                                      </p:cBhvr>
-                                      <p:tavLst>
-                                        <p:tav tm="0">
-                                          <p:val>
-                                            <p:strVal val="#ppt_x"/>
-                                          </p:val>
-                                        </p:tav>
-                                        <p:tav tm="100000">
-                                          <p:val>
-                                            <p:strVal val="#ppt_x"/>
-                                          </p:val>
-                                        </p:tav>
-                                      </p:tavLst>
-                                    </p:anim>
-                                    <p:anim calcmode="lin" valueType="num">
-                                      <p:cBhvr>
-                                        <p:cTn id="70" dur="1000" fill="hold"/>
-                                        <p:tgtEl>
-                                          <p:spTgt spid="32"/>
-                                        </p:tgtEl>
-                                        <p:attrNameLst>
-                                          <p:attrName>ppt_y</p:attrName>
-                                        </p:attrNameLst>
-                                      </p:cBhvr>
-                                      <p:tavLst>
-                                        <p:tav tm="0">
-                                          <p:val>
-                                            <p:strVal val="#ppt_y+.1"/>
-                                          </p:val>
-                                        </p:tav>
-                                        <p:tav tm="100000">
-                                          <p:val>
-                                            <p:strVal val="#ppt_y"/>
-                                          </p:val>
-                                        </p:tav>
-                                      </p:tavLst>
-                                    </p:anim>
                                   </p:childTnLst>
                                 </p:cTn>
                               </p:par>
-                            </p:childTnLst>
-                          </p:cTn>
-                        </p:par>
-                      </p:childTnLst>
-                    </p:cTn>
-                  </p:par>
-                  <p:par>
-                    <p:cTn id="71" fill="hold">
-                      <p:stCondLst>
-                        <p:cond delay="indefinite"/>
-                      </p:stCondLst>
-                      <p:childTnLst>
-                        <p:par>
-                          <p:cTn id="72" fill="hold">
-                            <p:stCondLst>
-                              <p:cond delay="0"/>
-                            </p:stCondLst>
-                            <p:childTnLst>
                               <p:par>
-                                <p:cTn id="73" presetID="42" presetClass="entr" presetSubtype="0" fill="hold" grpId="0" nodeType="clickEffect">
+                                <p:cTn id="74" presetID="10" presetClass="entr" presetSubtype="0" fill="hold" grpId="0" nodeType="withEffect">
                                   <p:stCondLst>
                                     <p:cond delay="0"/>
                                   </p:stCondLst>
                                   <p:childTnLst>
                                     <p:set>
                                       <p:cBhvr>
-                                        <p:cTn id="74" dur="1" fill="hold">
+                                        <p:cTn id="75" dur="1" fill="hold">
                                           <p:stCondLst>
                                             <p:cond delay="0"/>
                                           </p:stCondLst>
@@ -25506,70 +25670,24 @@
                                     </p:set>
                                     <p:animEffect transition="in" filter="fade">
                                       <p:cBhvr>
-                                        <p:cTn id="75" dur="1000"/>
+                                        <p:cTn id="76" dur="500"/>
                                         <p:tgtEl>
                                           <p:spTgt spid="55"/>
                                         </p:tgtEl>
                                       </p:cBhvr>
                                     </p:animEffect>
-                                    <p:anim calcmode="lin" valueType="num">
-                                      <p:cBhvr>
-                                        <p:cTn id="76" dur="1000" fill="hold"/>
-                                        <p:tgtEl>
-                                          <p:spTgt spid="55"/>
-                                        </p:tgtEl>
-                                        <p:attrNameLst>
-                                          <p:attrName>ppt_x</p:attrName>
-                                        </p:attrNameLst>
-                                      </p:cBhvr>
-                                      <p:tavLst>
-                                        <p:tav tm="0">
-                                          <p:val>
-                                            <p:strVal val="#ppt_x"/>
-                                          </p:val>
-                                        </p:tav>
-                                        <p:tav tm="100000">
-                                          <p:val>
-                                            <p:strVal val="#ppt_x"/>
-                                          </p:val>
-                                        </p:tav>
-                                      </p:tavLst>
-                                    </p:anim>
-                                    <p:anim calcmode="lin" valueType="num">
-                                      <p:cBhvr>
-                                        <p:cTn id="77" dur="1000" fill="hold"/>
-                                        <p:tgtEl>
-                                          <p:spTgt spid="55"/>
-                                        </p:tgtEl>
-                                        <p:attrNameLst>
-                                          <p:attrName>ppt_y</p:attrName>
-                                        </p:attrNameLst>
-                                      </p:cBhvr>
-                                      <p:tavLst>
-                                        <p:tav tm="0">
-                                          <p:val>
-                                            <p:strVal val="#ppt_y+.1"/>
-                                          </p:val>
-                                        </p:tav>
-                                        <p:tav tm="100000">
-                                          <p:val>
-                                            <p:strVal val="#ppt_y"/>
-                                          </p:val>
-                                        </p:tav>
-                                      </p:tavLst>
-                                    </p:anim>
                                   </p:childTnLst>
                                 </p:cTn>
                               </p:par>
                               <p:par>
-                                <p:cTn id="78" presetID="42" presetClass="entr" presetSubtype="0" fill="hold" nodeType="withEffect">
+                                <p:cTn id="77" presetID="10" presetClass="entr" presetSubtype="0" fill="hold" nodeType="withEffect">
                                   <p:stCondLst>
                                     <p:cond delay="0"/>
                                   </p:stCondLst>
                                   <p:childTnLst>
                                     <p:set>
                                       <p:cBhvr>
-                                        <p:cTn id="79" dur="1" fill="hold">
+                                        <p:cTn id="78" dur="1" fill="hold">
                                           <p:stCondLst>
                                             <p:cond delay="0"/>
                                           </p:stCondLst>
@@ -25587,70 +25705,24 @@
                                     </p:set>
                                     <p:animEffect transition="in" filter="fade">
                                       <p:cBhvr>
-                                        <p:cTn id="80" dur="1000"/>
+                                        <p:cTn id="79" dur="500"/>
                                         <p:tgtEl>
                                           <p:spTgt spid="33"/>
                                         </p:tgtEl>
                                       </p:cBhvr>
                                     </p:animEffect>
-                                    <p:anim calcmode="lin" valueType="num">
-                                      <p:cBhvr>
-                                        <p:cTn id="81" dur="1000" fill="hold"/>
-                                        <p:tgtEl>
-                                          <p:spTgt spid="33"/>
-                                        </p:tgtEl>
-                                        <p:attrNameLst>
-                                          <p:attrName>ppt_x</p:attrName>
-                                        </p:attrNameLst>
-                                      </p:cBhvr>
-                                      <p:tavLst>
-                                        <p:tav tm="0">
-                                          <p:val>
-                                            <p:strVal val="#ppt_x"/>
-                                          </p:val>
-                                        </p:tav>
-                                        <p:tav tm="100000">
-                                          <p:val>
-                                            <p:strVal val="#ppt_x"/>
-                                          </p:val>
-                                        </p:tav>
-                                      </p:tavLst>
-                                    </p:anim>
-                                    <p:anim calcmode="lin" valueType="num">
-                                      <p:cBhvr>
-                                        <p:cTn id="82" dur="1000" fill="hold"/>
-                                        <p:tgtEl>
-                                          <p:spTgt spid="33"/>
-                                        </p:tgtEl>
-                                        <p:attrNameLst>
-                                          <p:attrName>ppt_y</p:attrName>
-                                        </p:attrNameLst>
-                                      </p:cBhvr>
-                                      <p:tavLst>
-                                        <p:tav tm="0">
-                                          <p:val>
-                                            <p:strVal val="#ppt_y+.1"/>
-                                          </p:val>
-                                        </p:tav>
-                                        <p:tav tm="100000">
-                                          <p:val>
-                                            <p:strVal val="#ppt_y"/>
-                                          </p:val>
-                                        </p:tav>
-                                      </p:tavLst>
-                                    </p:anim>
                                   </p:childTnLst>
                                 </p:cTn>
                               </p:par>
                               <p:par>
-                                <p:cTn id="83" presetID="42" presetClass="entr" presetSubtype="0" fill="hold" grpId="0" nodeType="withEffect">
+                                <p:cTn id="80" presetID="10" presetClass="entr" presetSubtype="0" fill="hold" grpId="0" nodeType="withEffect">
                                   <p:stCondLst>
                                     <p:cond delay="0"/>
                                   </p:stCondLst>
                                   <p:childTnLst>
                                     <p:set>
                                       <p:cBhvr>
-                                        <p:cTn id="84" dur="1" fill="hold">
+                                        <p:cTn id="81" dur="1" fill="hold">
                                           <p:stCondLst>
                                             <p:cond delay="0"/>
                                           </p:stCondLst>
@@ -25668,94 +25740,30 @@
                                     </p:set>
                                     <p:animEffect transition="in" filter="fade">
                                       <p:cBhvr>
-                                        <p:cTn id="85" dur="1000"/>
+                                        <p:cTn id="82" dur="500"/>
                                         <p:tgtEl>
                                           <p:spTgt spid="34"/>
                                         </p:tgtEl>
                                       </p:cBhvr>
                                     </p:animEffect>
-                                    <p:anim calcmode="lin" valueType="num">
-                                      <p:cBhvr>
-                                        <p:cTn id="86" dur="1000" fill="hold"/>
-                                        <p:tgtEl>
-                                          <p:spTgt spid="34"/>
-                                        </p:tgtEl>
-                                        <p:attrNameLst>
-                                          <p:attrName>ppt_x</p:attrName>
-                                        </p:attrNameLst>
-                                      </p:cBhvr>
-                                      <p:tavLst>
-                                        <p:tav tm="0">
-                                          <p:val>
-                                            <p:strVal val="#ppt_x"/>
-                                          </p:val>
-                                        </p:tav>
-                                        <p:tav tm="100000">
-                                          <p:val>
-                                            <p:strVal val="#ppt_x"/>
-                                          </p:val>
-                                        </p:tav>
-                                      </p:tavLst>
-                                    </p:anim>
-                                    <p:anim calcmode="lin" valueType="num">
-                                      <p:cBhvr>
-                                        <p:cTn id="87" dur="1000" fill="hold"/>
-                                        <p:tgtEl>
-                                          <p:spTgt spid="34"/>
-                                        </p:tgtEl>
-                                        <p:attrNameLst>
-                                          <p:attrName>ppt_y</p:attrName>
-                                        </p:attrNameLst>
-                                      </p:cBhvr>
-                                      <p:tavLst>
-                                        <p:tav tm="0">
-                                          <p:val>
-                                            <p:strVal val="#ppt_y+.1"/>
-                                          </p:val>
-                                        </p:tav>
-                                        <p:tav tm="100000">
-                                          <p:val>
-                                            <p:strVal val="#ppt_y"/>
-                                          </p:val>
-                                        </p:tav>
-                                      </p:tavLst>
-                                    </p:anim>
                                   </p:childTnLst>
                                 </p:cTn>
                               </p:par>
-                            </p:childTnLst>
-                          </p:cTn>
-                        </p:par>
-                      </p:childTnLst>
-                    </p:cTn>
-                  </p:par>
-                  <p:par>
-                    <p:cTn id="88" fill="hold">
-                      <p:stCondLst>
-                        <p:cond delay="indefinite"/>
-                      </p:stCondLst>
-                      <p:childTnLst>
-                        <p:par>
-                          <p:cTn id="89" fill="hold">
-                            <p:stCondLst>
-                              <p:cond delay="0"/>
-                            </p:stCondLst>
-                            <p:childTnLst>
                               <p:par>
-                                <p:cTn id="90" presetID="14" presetClass="entr" presetSubtype="10" fill="hold" nodeType="clickEffect">
+                                <p:cTn id="83" presetID="10" presetClass="entr" presetSubtype="0" fill="hold" grpId="0" nodeType="withEffect">
                                   <p:stCondLst>
                                     <p:cond delay="0"/>
                                   </p:stCondLst>
                                   <p:childTnLst>
                                     <p:set>
                                       <p:cBhvr>
-                                        <p:cTn id="91" dur="1" fill="hold">
+                                        <p:cTn id="84" dur="1" fill="hold">
                                           <p:stCondLst>
                                             <p:cond delay="0"/>
                                           </p:stCondLst>
                                         </p:cTn>
                                         <p:tgtEl>
-                                          <p:spTgt spid="3074"/>
+                                          <p:spTgt spid="66"/>
                                         </p:tgtEl>
                                         <p:attrNameLst>
                                           <p:attrName>style.visibility</p:attrName>
@@ -25765,11 +25773,11 @@
                                         <p:strVal val="visible"/>
                                       </p:to>
                                     </p:set>
-                                    <p:animEffect transition="in" filter="randombar(horizontal)">
+                                    <p:animEffect transition="in" filter="fade">
                                       <p:cBhvr>
-                                        <p:cTn id="92" dur="500"/>
+                                        <p:cTn id="85" dur="500"/>
                                         <p:tgtEl>
-                                          <p:spTgt spid="3074"/>
+                                          <p:spTgt spid="66"/>
                                         </p:tgtEl>
                                       </p:cBhvr>
                                     </p:animEffect>
@@ -25777,20 +25785,20 @@
                                 </p:cTn>
                               </p:par>
                               <p:par>
-                                <p:cTn id="93" presetID="14" presetClass="entr" presetSubtype="10" fill="hold" grpId="0" nodeType="withEffect">
+                                <p:cTn id="86" presetID="10" presetClass="entr" presetSubtype="0" fill="hold" nodeType="withEffect">
                                   <p:stCondLst>
                                     <p:cond delay="0"/>
                                   </p:stCondLst>
                                   <p:childTnLst>
                                     <p:set>
                                       <p:cBhvr>
-                                        <p:cTn id="94" dur="1" fill="hold">
+                                        <p:cTn id="87" dur="1" fill="hold">
                                           <p:stCondLst>
                                             <p:cond delay="0"/>
                                           </p:stCondLst>
                                         </p:cTn>
                                         <p:tgtEl>
-                                          <p:spTgt spid="10"/>
+                                          <p:spTgt spid="64"/>
                                         </p:tgtEl>
                                         <p:attrNameLst>
                                           <p:attrName>style.visibility</p:attrName>
@@ -25800,11 +25808,11 @@
                                         <p:strVal val="visible"/>
                                       </p:to>
                                     </p:set>
-                                    <p:animEffect transition="in" filter="randombar(horizontal)">
+                                    <p:animEffect transition="in" filter="fade">
                                       <p:cBhvr>
-                                        <p:cTn id="95" dur="500"/>
+                                        <p:cTn id="88" dur="500"/>
                                         <p:tgtEl>
-                                          <p:spTgt spid="10"/>
+                                          <p:spTgt spid="64"/>
                                         </p:tgtEl>
                                       </p:cBhvr>
                                     </p:animEffect>
@@ -25812,20 +25820,20 @@
                                 </p:cTn>
                               </p:par>
                               <p:par>
-                                <p:cTn id="96" presetID="14" presetClass="entr" presetSubtype="10" fill="hold" nodeType="withEffect">
+                                <p:cTn id="89" presetID="10" presetClass="entr" presetSubtype="0" fill="hold" grpId="0" nodeType="withEffect">
                                   <p:stCondLst>
                                     <p:cond delay="0"/>
                                   </p:stCondLst>
                                   <p:childTnLst>
                                     <p:set>
                                       <p:cBhvr>
-                                        <p:cTn id="97" dur="1" fill="hold">
+                                        <p:cTn id="90" dur="1" fill="hold">
                                           <p:stCondLst>
                                             <p:cond delay="0"/>
                                           </p:stCondLst>
                                         </p:cTn>
                                         <p:tgtEl>
-                                          <p:spTgt spid="50"/>
+                                          <p:spTgt spid="65"/>
                                         </p:tgtEl>
                                         <p:attrNameLst>
                                           <p:attrName>style.visibility</p:attrName>
@@ -25835,46 +25843,11 @@
                                         <p:strVal val="visible"/>
                                       </p:to>
                                     </p:set>
-                                    <p:animEffect transition="in" filter="randombar(horizontal)">
+                                    <p:animEffect transition="in" filter="fade">
                                       <p:cBhvr>
-                                        <p:cTn id="98" dur="500"/>
+                                        <p:cTn id="91" dur="500"/>
                                         <p:tgtEl>
-                                          <p:spTgt spid="50"/>
-                                        </p:tgtEl>
-                                      </p:cBhvr>
-                                    </p:animEffect>
-                                  </p:childTnLst>
-                                </p:cTn>
-                              </p:par>
-                              <p:par>
-                                <p:cTn id="99" presetID="14" presetClass="entr" presetSubtype="10" fill="hold" grpId="0" nodeType="withEffect">
-                                  <p:stCondLst>
-                                    <p:cond delay="0"/>
-                                  </p:stCondLst>
-                                  <p:childTnLst>
-                                    <p:set>
-                                      <p:cBhvr>
-                                        <p:cTn id="100" dur="1" fill="hold">
-                                          <p:stCondLst>
-                                            <p:cond delay="0"/>
-                                          </p:stCondLst>
-                                        </p:cTn>
-                                        <p:tgtEl>
-                                          <p:spTgt spid="51"/>
-                                        </p:tgtEl>
-                                        <p:attrNameLst>
-                                          <p:attrName>style.visibility</p:attrName>
-                                        </p:attrNameLst>
-                                      </p:cBhvr>
-                                      <p:to>
-                                        <p:strVal val="visible"/>
-                                      </p:to>
-                                    </p:set>
-                                    <p:animEffect transition="in" filter="randombar(horizontal)">
-                                      <p:cBhvr>
-                                        <p:cTn id="101" dur="500"/>
-                                        <p:tgtEl>
-                                          <p:spTgt spid="51"/>
+                                          <p:spTgt spid="65"/>
                                         </p:tgtEl>
                                       </p:cBhvr>
                                     </p:animEffect>
@@ -25888,26 +25861,304 @@
                     </p:cTn>
                   </p:par>
                   <p:par>
-                    <p:cTn id="102" fill="hold">
+                    <p:cTn id="92" fill="hold">
                       <p:stCondLst>
                         <p:cond delay="indefinite"/>
                       </p:stCondLst>
                       <p:childTnLst>
                         <p:par>
-                          <p:cTn id="103" fill="hold">
+                          <p:cTn id="93" fill="hold">
                             <p:stCondLst>
                               <p:cond delay="0"/>
                             </p:stCondLst>
                             <p:childTnLst>
                               <p:par>
-                                <p:cTn id="104" presetID="26" presetClass="entr" presetSubtype="0" fill="hold" grpId="0" nodeType="clickEffect">
+                                <p:cTn id="94" presetID="26" presetClass="entr" presetSubtype="0" fill="hold" grpId="0" nodeType="clickEffect">
                                   <p:stCondLst>
                                     <p:cond delay="0"/>
                                   </p:stCondLst>
                                   <p:childTnLst>
                                     <p:set>
                                       <p:cBhvr>
-                                        <p:cTn id="105" dur="1" fill="hold">
+                                        <p:cTn id="95" dur="1" fill="hold">
+                                          <p:stCondLst>
+                                            <p:cond delay="0"/>
+                                          </p:stCondLst>
+                                        </p:cTn>
+                                        <p:tgtEl>
+                                          <p:spTgt spid="58"/>
+                                        </p:tgtEl>
+                                        <p:attrNameLst>
+                                          <p:attrName>style.visibility</p:attrName>
+                                        </p:attrNameLst>
+                                      </p:cBhvr>
+                                      <p:to>
+                                        <p:strVal val="visible"/>
+                                      </p:to>
+                                    </p:set>
+                                    <p:animEffect transition="in" filter="wipe(down)">
+                                      <p:cBhvr>
+                                        <p:cTn id="96" dur="580">
+                                          <p:stCondLst>
+                                            <p:cond delay="0"/>
+                                          </p:stCondLst>
+                                        </p:cTn>
+                                        <p:tgtEl>
+                                          <p:spTgt spid="58"/>
+                                        </p:tgtEl>
+                                      </p:cBhvr>
+                                    </p:animEffect>
+                                    <p:anim calcmode="lin" valueType="num">
+                                      <p:cBhvr>
+                                        <p:cTn id="97" dur="1822" tmFilter="0,0; 0.14,0.36; 0.43,0.73; 0.71,0.91; 1.0,1.0">
+                                          <p:stCondLst>
+                                            <p:cond delay="0"/>
+                                          </p:stCondLst>
+                                        </p:cTn>
+                                        <p:tgtEl>
+                                          <p:spTgt spid="58"/>
+                                        </p:tgtEl>
+                                        <p:attrNameLst>
+                                          <p:attrName>ppt_x</p:attrName>
+                                        </p:attrNameLst>
+                                      </p:cBhvr>
+                                      <p:tavLst>
+                                        <p:tav tm="0">
+                                          <p:val>
+                                            <p:strVal val="#ppt_x-0.25"/>
+                                          </p:val>
+                                        </p:tav>
+                                        <p:tav tm="100000">
+                                          <p:val>
+                                            <p:strVal val="#ppt_x"/>
+                                          </p:val>
+                                        </p:tav>
+                                      </p:tavLst>
+                                    </p:anim>
+                                    <p:anim calcmode="lin" valueType="num">
+                                      <p:cBhvr>
+                                        <p:cTn id="98" dur="664" tmFilter="0.0,0.0; 0.25,0.07; 0.50,0.2; 0.75,0.467; 1.0,1.0">
+                                          <p:stCondLst>
+                                            <p:cond delay="0"/>
+                                          </p:stCondLst>
+                                        </p:cTn>
+                                        <p:tgtEl>
+                                          <p:spTgt spid="58"/>
+                                        </p:tgtEl>
+                                        <p:attrNameLst>
+                                          <p:attrName>ppt_y</p:attrName>
+                                        </p:attrNameLst>
+                                      </p:cBhvr>
+                                      <p:tavLst>
+                                        <p:tav tm="0" fmla="#ppt_y-sin(pi*$)/3">
+                                          <p:val>
+                                            <p:fltVal val="0.5"/>
+                                          </p:val>
+                                        </p:tav>
+                                        <p:tav tm="100000">
+                                          <p:val>
+                                            <p:fltVal val="1"/>
+                                          </p:val>
+                                        </p:tav>
+                                      </p:tavLst>
+                                    </p:anim>
+                                    <p:anim calcmode="lin" valueType="num">
+                                      <p:cBhvr>
+                                        <p:cTn id="99" dur="664" tmFilter="0, 0; 0.125,0.2665; 0.25,0.4; 0.375,0.465; 0.5,0.5;  0.625,0.535; 0.75,0.6; 0.875,0.7335; 1,1">
+                                          <p:stCondLst>
+                                            <p:cond delay="664"/>
+                                          </p:stCondLst>
+                                        </p:cTn>
+                                        <p:tgtEl>
+                                          <p:spTgt spid="58"/>
+                                        </p:tgtEl>
+                                        <p:attrNameLst>
+                                          <p:attrName>ppt_y</p:attrName>
+                                        </p:attrNameLst>
+                                      </p:cBhvr>
+                                      <p:tavLst>
+                                        <p:tav tm="0" fmla="#ppt_y-sin(pi*$)/9">
+                                          <p:val>
+                                            <p:fltVal val="0"/>
+                                          </p:val>
+                                        </p:tav>
+                                        <p:tav tm="100000">
+                                          <p:val>
+                                            <p:fltVal val="1"/>
+                                          </p:val>
+                                        </p:tav>
+                                      </p:tavLst>
+                                    </p:anim>
+                                    <p:anim calcmode="lin" valueType="num">
+                                      <p:cBhvr>
+                                        <p:cTn id="100" dur="332" tmFilter="0, 0; 0.125,0.2665; 0.25,0.4; 0.375,0.465; 0.5,0.5;  0.625,0.535; 0.75,0.6; 0.875,0.7335; 1,1">
+                                          <p:stCondLst>
+                                            <p:cond delay="1324"/>
+                                          </p:stCondLst>
+                                        </p:cTn>
+                                        <p:tgtEl>
+                                          <p:spTgt spid="58"/>
+                                        </p:tgtEl>
+                                        <p:attrNameLst>
+                                          <p:attrName>ppt_y</p:attrName>
+                                        </p:attrNameLst>
+                                      </p:cBhvr>
+                                      <p:tavLst>
+                                        <p:tav tm="0" fmla="#ppt_y-sin(pi*$)/27">
+                                          <p:val>
+                                            <p:fltVal val="0"/>
+                                          </p:val>
+                                        </p:tav>
+                                        <p:tav tm="100000">
+                                          <p:val>
+                                            <p:fltVal val="1"/>
+                                          </p:val>
+                                        </p:tav>
+                                      </p:tavLst>
+                                    </p:anim>
+                                    <p:anim calcmode="lin" valueType="num">
+                                      <p:cBhvr>
+                                        <p:cTn id="101" dur="164" tmFilter="0, 0; 0.125,0.2665; 0.25,0.4; 0.375,0.465; 0.5,0.5;  0.625,0.535; 0.75,0.6; 0.875,0.7335; 1,1">
+                                          <p:stCondLst>
+                                            <p:cond delay="1656"/>
+                                          </p:stCondLst>
+                                        </p:cTn>
+                                        <p:tgtEl>
+                                          <p:spTgt spid="58"/>
+                                        </p:tgtEl>
+                                        <p:attrNameLst>
+                                          <p:attrName>ppt_y</p:attrName>
+                                        </p:attrNameLst>
+                                      </p:cBhvr>
+                                      <p:tavLst>
+                                        <p:tav tm="0" fmla="#ppt_y-sin(pi*$)/81">
+                                          <p:val>
+                                            <p:fltVal val="0"/>
+                                          </p:val>
+                                        </p:tav>
+                                        <p:tav tm="100000">
+                                          <p:val>
+                                            <p:fltVal val="1"/>
+                                          </p:val>
+                                        </p:tav>
+                                      </p:tavLst>
+                                    </p:anim>
+                                    <p:animScale>
+                                      <p:cBhvr>
+                                        <p:cTn id="102" dur="26">
+                                          <p:stCondLst>
+                                            <p:cond delay="650"/>
+                                          </p:stCondLst>
+                                        </p:cTn>
+                                        <p:tgtEl>
+                                          <p:spTgt spid="58"/>
+                                        </p:tgtEl>
+                                      </p:cBhvr>
+                                      <p:to x="100000" y="60000"/>
+                                    </p:animScale>
+                                    <p:animScale>
+                                      <p:cBhvr>
+                                        <p:cTn id="103" dur="166" decel="50000">
+                                          <p:stCondLst>
+                                            <p:cond delay="676"/>
+                                          </p:stCondLst>
+                                        </p:cTn>
+                                        <p:tgtEl>
+                                          <p:spTgt spid="58"/>
+                                        </p:tgtEl>
+                                      </p:cBhvr>
+                                      <p:to x="100000" y="100000"/>
+                                    </p:animScale>
+                                    <p:animScale>
+                                      <p:cBhvr>
+                                        <p:cTn id="104" dur="26">
+                                          <p:stCondLst>
+                                            <p:cond delay="1312"/>
+                                          </p:stCondLst>
+                                        </p:cTn>
+                                        <p:tgtEl>
+                                          <p:spTgt spid="58"/>
+                                        </p:tgtEl>
+                                      </p:cBhvr>
+                                      <p:to x="100000" y="80000"/>
+                                    </p:animScale>
+                                    <p:animScale>
+                                      <p:cBhvr>
+                                        <p:cTn id="105" dur="166" decel="50000">
+                                          <p:stCondLst>
+                                            <p:cond delay="1338"/>
+                                          </p:stCondLst>
+                                        </p:cTn>
+                                        <p:tgtEl>
+                                          <p:spTgt spid="58"/>
+                                        </p:tgtEl>
+                                      </p:cBhvr>
+                                      <p:to x="100000" y="100000"/>
+                                    </p:animScale>
+                                    <p:animScale>
+                                      <p:cBhvr>
+                                        <p:cTn id="106" dur="26">
+                                          <p:stCondLst>
+                                            <p:cond delay="1642"/>
+                                          </p:stCondLst>
+                                        </p:cTn>
+                                        <p:tgtEl>
+                                          <p:spTgt spid="58"/>
+                                        </p:tgtEl>
+                                      </p:cBhvr>
+                                      <p:to x="100000" y="90000"/>
+                                    </p:animScale>
+                                    <p:animScale>
+                                      <p:cBhvr>
+                                        <p:cTn id="107" dur="166" decel="50000">
+                                          <p:stCondLst>
+                                            <p:cond delay="1668"/>
+                                          </p:stCondLst>
+                                        </p:cTn>
+                                        <p:tgtEl>
+                                          <p:spTgt spid="58"/>
+                                        </p:tgtEl>
+                                      </p:cBhvr>
+                                      <p:to x="100000" y="100000"/>
+                                    </p:animScale>
+                                    <p:animScale>
+                                      <p:cBhvr>
+                                        <p:cTn id="108" dur="26">
+                                          <p:stCondLst>
+                                            <p:cond delay="1808"/>
+                                          </p:stCondLst>
+                                        </p:cTn>
+                                        <p:tgtEl>
+                                          <p:spTgt spid="58"/>
+                                        </p:tgtEl>
+                                      </p:cBhvr>
+                                      <p:to x="100000" y="95000"/>
+                                    </p:animScale>
+                                    <p:animScale>
+                                      <p:cBhvr>
+                                        <p:cTn id="109" dur="166" decel="50000">
+                                          <p:stCondLst>
+                                            <p:cond delay="1834"/>
+                                          </p:stCondLst>
+                                        </p:cTn>
+                                        <p:tgtEl>
+                                          <p:spTgt spid="58"/>
+                                        </p:tgtEl>
+                                      </p:cBhvr>
+                                      <p:to x="100000" y="100000"/>
+                                    </p:animScale>
+                                  </p:childTnLst>
+                                </p:cTn>
+                              </p:par>
+                              <p:par>
+                                <p:cTn id="110" presetID="26" presetClass="entr" presetSubtype="0" fill="hold" grpId="0" nodeType="withEffect">
+                                  <p:stCondLst>
+                                    <p:cond delay="0"/>
+                                  </p:stCondLst>
+                                  <p:childTnLst>
+                                    <p:set>
+                                      <p:cBhvr>
+                                        <p:cTn id="111" dur="1" fill="hold">
                                           <p:stCondLst>
                                             <p:cond delay="0"/>
                                           </p:stCondLst>
@@ -25925,7 +26176,7 @@
                                     </p:set>
                                     <p:animEffect transition="in" filter="wipe(down)">
                                       <p:cBhvr>
-                                        <p:cTn id="106" dur="580">
+                                        <p:cTn id="112" dur="580">
                                           <p:stCondLst>
                                             <p:cond delay="0"/>
                                           </p:stCondLst>
@@ -25937,7 +26188,7 @@
                                     </p:animEffect>
                                     <p:anim calcmode="lin" valueType="num">
                                       <p:cBhvr>
-                                        <p:cTn id="107" dur="1822" tmFilter="0,0; 0.14,0.36; 0.43,0.73; 0.71,0.91; 1.0,1.0">
+                                        <p:cTn id="113" dur="1822" tmFilter="0,0; 0.14,0.36; 0.43,0.73; 0.71,0.91; 1.0,1.0">
                                           <p:stCondLst>
                                             <p:cond delay="0"/>
                                           </p:stCondLst>
@@ -25964,7 +26215,7 @@
                                     </p:anim>
                                     <p:anim calcmode="lin" valueType="num">
                                       <p:cBhvr>
-                                        <p:cTn id="108" dur="664" tmFilter="0.0,0.0; 0.25,0.07; 0.50,0.2; 0.75,0.467; 1.0,1.0">
+                                        <p:cTn id="114" dur="664" tmFilter="0.0,0.0; 0.25,0.07; 0.50,0.2; 0.75,0.467; 1.0,1.0">
                                           <p:stCondLst>
                                             <p:cond delay="0"/>
                                           </p:stCondLst>
@@ -25991,7 +26242,7 @@
                                     </p:anim>
                                     <p:anim calcmode="lin" valueType="num">
                                       <p:cBhvr>
-                                        <p:cTn id="109" dur="664" tmFilter="0, 0; 0.125,0.2665; 0.25,0.4; 0.375,0.465; 0.5,0.5;  0.625,0.535; 0.75,0.6; 0.875,0.7335; 1,1">
+                                        <p:cTn id="115" dur="664" tmFilter="0, 0; 0.125,0.2665; 0.25,0.4; 0.375,0.465; 0.5,0.5;  0.625,0.535; 0.75,0.6; 0.875,0.7335; 1,1">
                                           <p:stCondLst>
                                             <p:cond delay="664"/>
                                           </p:stCondLst>
@@ -26018,7 +26269,7 @@
                                     </p:anim>
                                     <p:anim calcmode="lin" valueType="num">
                                       <p:cBhvr>
-                                        <p:cTn id="110" dur="332" tmFilter="0, 0; 0.125,0.2665; 0.25,0.4; 0.375,0.465; 0.5,0.5;  0.625,0.535; 0.75,0.6; 0.875,0.7335; 1,1">
+                                        <p:cTn id="116" dur="332" tmFilter="0, 0; 0.125,0.2665; 0.25,0.4; 0.375,0.465; 0.5,0.5;  0.625,0.535; 0.75,0.6; 0.875,0.7335; 1,1">
                                           <p:stCondLst>
                                             <p:cond delay="1324"/>
                                           </p:stCondLst>
@@ -26045,7 +26296,7 @@
                                     </p:anim>
                                     <p:anim calcmode="lin" valueType="num">
                                       <p:cBhvr>
-                                        <p:cTn id="111" dur="164" tmFilter="0, 0; 0.125,0.2665; 0.25,0.4; 0.375,0.465; 0.5,0.5;  0.625,0.535; 0.75,0.6; 0.875,0.7335; 1,1">
+                                        <p:cTn id="117" dur="164" tmFilter="0, 0; 0.125,0.2665; 0.25,0.4; 0.375,0.465; 0.5,0.5;  0.625,0.535; 0.75,0.6; 0.875,0.7335; 1,1">
                                           <p:stCondLst>
                                             <p:cond delay="1656"/>
                                           </p:stCondLst>
@@ -26072,7 +26323,7 @@
                                     </p:anim>
                                     <p:animScale>
                                       <p:cBhvr>
-                                        <p:cTn id="112" dur="26">
+                                        <p:cTn id="118" dur="26">
                                           <p:stCondLst>
                                             <p:cond delay="650"/>
                                           </p:stCondLst>
@@ -26085,7 +26336,7 @@
                                     </p:animScale>
                                     <p:animScale>
                                       <p:cBhvr>
-                                        <p:cTn id="113" dur="166" decel="50000">
+                                        <p:cTn id="119" dur="166" decel="50000">
                                           <p:stCondLst>
                                             <p:cond delay="676"/>
                                           </p:stCondLst>
@@ -26098,7 +26349,7 @@
                                     </p:animScale>
                                     <p:animScale>
                                       <p:cBhvr>
-                                        <p:cTn id="114" dur="26">
+                                        <p:cTn id="120" dur="26">
                                           <p:stCondLst>
                                             <p:cond delay="1312"/>
                                           </p:stCondLst>
@@ -26111,7 +26362,7 @@
                                     </p:animScale>
                                     <p:animScale>
                                       <p:cBhvr>
-                                        <p:cTn id="115" dur="166" decel="50000">
+                                        <p:cTn id="121" dur="166" decel="50000">
                                           <p:stCondLst>
                                             <p:cond delay="1338"/>
                                           </p:stCondLst>
@@ -26124,7 +26375,7 @@
                                     </p:animScale>
                                     <p:animScale>
                                       <p:cBhvr>
-                                        <p:cTn id="116" dur="26">
+                                        <p:cTn id="122" dur="26">
                                           <p:stCondLst>
                                             <p:cond delay="1642"/>
                                           </p:stCondLst>
@@ -26137,7 +26388,7 @@
                                     </p:animScale>
                                     <p:animScale>
                                       <p:cBhvr>
-                                        <p:cTn id="117" dur="166" decel="50000">
+                                        <p:cTn id="123" dur="166" decel="50000">
                                           <p:stCondLst>
                                             <p:cond delay="1668"/>
                                           </p:stCondLst>
@@ -26150,7 +26401,7 @@
                                     </p:animScale>
                                     <p:animScale>
                                       <p:cBhvr>
-                                        <p:cTn id="118" dur="26">
+                                        <p:cTn id="124" dur="26">
                                           <p:stCondLst>
                                             <p:cond delay="1808"/>
                                           </p:stCondLst>
@@ -26163,7 +26414,7 @@
                                     </p:animScale>
                                     <p:animScale>
                                       <p:cBhvr>
-                                        <p:cTn id="119" dur="166" decel="50000">
+                                        <p:cTn id="125" dur="166" decel="50000">
                                           <p:stCondLst>
                                             <p:cond delay="1834"/>
                                           </p:stCondLst>
@@ -26177,21 +26428,39 @@
                                   </p:childTnLst>
                                 </p:cTn>
                               </p:par>
+                            </p:childTnLst>
+                          </p:cTn>
+                        </p:par>
+                      </p:childTnLst>
+                    </p:cTn>
+                  </p:par>
+                  <p:par>
+                    <p:cTn id="126" fill="hold">
+                      <p:stCondLst>
+                        <p:cond delay="indefinite"/>
+                      </p:stCondLst>
+                      <p:childTnLst>
+                        <p:par>
+                          <p:cTn id="127" fill="hold">
+                            <p:stCondLst>
+                              <p:cond delay="0"/>
+                            </p:stCondLst>
+                            <p:childTnLst>
                               <p:par>
-                                <p:cTn id="120" presetID="26" presetClass="entr" presetSubtype="0" fill="hold" grpId="0" nodeType="withEffect">
+                                <p:cTn id="128" presetID="26" presetClass="entr" presetSubtype="0" fill="hold" grpId="0" nodeType="clickEffect">
                                   <p:stCondLst>
                                     <p:cond delay="0"/>
                                   </p:stCondLst>
                                   <p:childTnLst>
                                     <p:set>
                                       <p:cBhvr>
-                                        <p:cTn id="121" dur="1" fill="hold">
+                                        <p:cTn id="129" dur="1" fill="hold">
                                           <p:stCondLst>
                                             <p:cond delay="0"/>
                                           </p:stCondLst>
                                         </p:cTn>
                                         <p:tgtEl>
-                                          <p:spTgt spid="58"/>
+                                          <p:spTgt spid="38"/>
                                         </p:tgtEl>
                                         <p:attrNameLst>
                                           <p:attrName>style.visibility</p:attrName>
@@ -26203,25 +26472,25 @@
                                     </p:set>
                                     <p:animEffect transition="in" filter="wipe(down)">
                                       <p:cBhvr>
-                                        <p:cTn id="122" dur="580">
+                                        <p:cTn id="130" dur="580">
                                           <p:stCondLst>
                                             <p:cond delay="0"/>
                                           </p:stCondLst>
                                         </p:cTn>
                                         <p:tgtEl>
-                                          <p:spTgt spid="58"/>
+                                          <p:spTgt spid="38"/>
                                         </p:tgtEl>
                                       </p:cBhvr>
                                     </p:animEffect>
                                     <p:anim calcmode="lin" valueType="num">
                                       <p:cBhvr>
-                                        <p:cTn id="123" dur="1822" tmFilter="0,0; 0.14,0.36; 0.43,0.73; 0.71,0.91; 1.0,1.0">
+                                        <p:cTn id="131" dur="1822" tmFilter="0,0; 0.14,0.36; 0.43,0.73; 0.71,0.91; 1.0,1.0">
                                           <p:stCondLst>
                                             <p:cond delay="0"/>
                                           </p:stCondLst>
                                         </p:cTn>
                                         <p:tgtEl>
-                                          <p:spTgt spid="58"/>
+                                          <p:spTgt spid="38"/>
                                         </p:tgtEl>
                                         <p:attrNameLst>
                                           <p:attrName>ppt_x</p:attrName>
@@ -26242,13 +26511,13 @@
                                     </p:anim>
                                     <p:anim calcmode="lin" valueType="num">
                                       <p:cBhvr>
-                                        <p:cTn id="124" dur="664" tmFilter="0.0,0.0; 0.25,0.07; 0.50,0.2; 0.75,0.467; 1.0,1.0">
+                                        <p:cTn id="132" dur="664" tmFilter="0.0,0.0; 0.25,0.07; 0.50,0.2; 0.75,0.467; 1.0,1.0">
                                           <p:stCondLst>
                                             <p:cond delay="0"/>
                                           </p:stCondLst>
                                         </p:cTn>
                                         <p:tgtEl>
-                                          <p:spTgt spid="58"/>
+                                          <p:spTgt spid="38"/>
                                         </p:tgtEl>
                                         <p:attrNameLst>
                                           <p:attrName>ppt_y</p:attrName>
@@ -26269,13 +26538,13 @@
                                     </p:anim>
                                     <p:anim calcmode="lin" valueType="num">
                                       <p:cBhvr>
-                                        <p:cTn id="125" dur="664" tmFilter="0, 0; 0.125,0.2665; 0.25,0.4; 0.375,0.465; 0.5,0.5;  0.625,0.535; 0.75,0.6; 0.875,0.7335; 1,1">
+                                        <p:cTn id="133" dur="664" tmFilter="0, 0; 0.125,0.2665; 0.25,0.4; 0.375,0.465; 0.5,0.5;  0.625,0.535; 0.75,0.6; 0.875,0.7335; 1,1">
                                           <p:stCondLst>
                                             <p:cond delay="664"/>
                                           </p:stCondLst>
                                         </p:cTn>
                                         <p:tgtEl>
-                                          <p:spTgt spid="58"/>
+                                          <p:spTgt spid="38"/>
                                         </p:tgtEl>
                                         <p:attrNameLst>
                                           <p:attrName>ppt_y</p:attrName>
@@ -26296,13 +26565,13 @@
                                     </p:anim>
                                     <p:anim calcmode="lin" valueType="num">
                                       <p:cBhvr>
-                                        <p:cTn id="126" dur="332" tmFilter="0, 0; 0.125,0.2665; 0.25,0.4; 0.375,0.465; 0.5,0.5;  0.625,0.535; 0.75,0.6; 0.875,0.7335; 1,1">
+                                        <p:cTn id="134" dur="332" tmFilter="0, 0; 0.125,0.2665; 0.25,0.4; 0.375,0.465; 0.5,0.5;  0.625,0.535; 0.75,0.6; 0.875,0.7335; 1,1">
                                           <p:stCondLst>
                                             <p:cond delay="1324"/>
                                           </p:stCondLst>
                                         </p:cTn>
                                         <p:tgtEl>
-                                          <p:spTgt spid="58"/>
+                                          <p:spTgt spid="38"/>
                                         </p:tgtEl>
                                         <p:attrNameLst>
                                           <p:attrName>ppt_y</p:attrName>
@@ -26323,13 +26592,13 @@
                                     </p:anim>
                                     <p:anim calcmode="lin" valueType="num">
                                       <p:cBhvr>
-                                        <p:cTn id="127" dur="164" tmFilter="0, 0; 0.125,0.2665; 0.25,0.4; 0.375,0.465; 0.5,0.5;  0.625,0.535; 0.75,0.6; 0.875,0.7335; 1,1">
+                                        <p:cTn id="135" dur="164" tmFilter="0, 0; 0.125,0.2665; 0.25,0.4; 0.375,0.465; 0.5,0.5;  0.625,0.535; 0.75,0.6; 0.875,0.7335; 1,1">
                                           <p:stCondLst>
                                             <p:cond delay="1656"/>
                                           </p:stCondLst>
                                         </p:cTn>
                                         <p:tgtEl>
-                                          <p:spTgt spid="58"/>
+                                          <p:spTgt spid="38"/>
                                         </p:tgtEl>
                                         <p:attrNameLst>
                                           <p:attrName>ppt_y</p:attrName>
@@ -26350,104 +26619,104 @@
                                     </p:anim>
                                     <p:animScale>
                                       <p:cBhvr>
-                                        <p:cTn id="128" dur="26">
+                                        <p:cTn id="136" dur="26">
                                           <p:stCondLst>
                                             <p:cond delay="650"/>
                                           </p:stCondLst>
                                         </p:cTn>
                                         <p:tgtEl>
-                                          <p:spTgt spid="58"/>
+                                          <p:spTgt spid="38"/>
                                         </p:tgtEl>
                                       </p:cBhvr>
                                       <p:to x="100000" y="60000"/>
                                     </p:animScale>
                                     <p:animScale>
                                       <p:cBhvr>
-                                        <p:cTn id="129" dur="166" decel="50000">
+                                        <p:cTn id="137" dur="166" decel="50000">
                                           <p:stCondLst>
                                             <p:cond delay="676"/>
                                           </p:stCondLst>
                                         </p:cTn>
                                         <p:tgtEl>
-                                          <p:spTgt spid="58"/>
+                                          <p:spTgt spid="38"/>
                                         </p:tgtEl>
                                       </p:cBhvr>
                                       <p:to x="100000" y="100000"/>
                                     </p:animScale>
                                     <p:animScale>
                                       <p:cBhvr>
-                                        <p:cTn id="130" dur="26">
+                                        <p:cTn id="138" dur="26">
                                           <p:stCondLst>
                                             <p:cond delay="1312"/>
                                           </p:stCondLst>
                                         </p:cTn>
                                         <p:tgtEl>
-                                          <p:spTgt spid="58"/>
+                                          <p:spTgt spid="38"/>
                                         </p:tgtEl>
                                       </p:cBhvr>
                                       <p:to x="100000" y="80000"/>
                                     </p:animScale>
                                     <p:animScale>
                                       <p:cBhvr>
-                                        <p:cTn id="131" dur="166" decel="50000">
+                                        <p:cTn id="139" dur="166" decel="50000">
                                           <p:stCondLst>
                                             <p:cond delay="1338"/>
                                           </p:stCondLst>
                                         </p:cTn>
                                         <p:tgtEl>
-                                          <p:spTgt spid="58"/>
+                                          <p:spTgt spid="38"/>
                                         </p:tgtEl>
                                       </p:cBhvr>
                                       <p:to x="100000" y="100000"/>
                                     </p:animScale>
                                     <p:animScale>
                                       <p:cBhvr>
-                                        <p:cTn id="132" dur="26">
+                                        <p:cTn id="140" dur="26">
                                           <p:stCondLst>
                                             <p:cond delay="1642"/>
                                           </p:stCondLst>
                                         </p:cTn>
                                         <p:tgtEl>
-                                          <p:spTgt spid="58"/>
+                                          <p:spTgt spid="38"/>
                                         </p:tgtEl>
                                       </p:cBhvr>
                                       <p:to x="100000" y="90000"/>
                                     </p:animScale>
                                     <p:animScale>
                                       <p:cBhvr>
-                                        <p:cTn id="133" dur="166" decel="50000">
+                                        <p:cTn id="141" dur="166" decel="50000">
                                           <p:stCondLst>
                                             <p:cond delay="1668"/>
                                           </p:stCondLst>
                                         </p:cTn>
                                         <p:tgtEl>
-                                          <p:spTgt spid="58"/>
+                                          <p:spTgt spid="38"/>
                                         </p:tgtEl>
                                       </p:cBhvr>
                                       <p:to x="100000" y="100000"/>
                                     </p:animScale>
                                     <p:animScale>
                                       <p:cBhvr>
-                                        <p:cTn id="134" dur="26">
+                                        <p:cTn id="142" dur="26">
                                           <p:stCondLst>
                                             <p:cond delay="1808"/>
                                           </p:stCondLst>
                                         </p:cTn>
                                         <p:tgtEl>
-                                          <p:spTgt spid="58"/>
+                                          <p:spTgt spid="38"/>
                                         </p:tgtEl>
                                       </p:cBhvr>
                                       <p:to x="100000" y="95000"/>
                                     </p:animScale>
                                     <p:animScale>
                                       <p:cBhvr>
-                                        <p:cTn id="135" dur="166" decel="50000">
+                                        <p:cTn id="143" dur="166" decel="50000">
                                           <p:stCondLst>
                                             <p:cond delay="1834"/>
                                           </p:stCondLst>
                                         </p:cTn>
                                         <p:tgtEl>
-                                          <p:spTgt spid="58"/>
+                                          <p:spTgt spid="38"/>
                                         </p:tgtEl>
                                       </p:cBhvr>
                                       <p:to x="100000" y="100000"/>
@@ -26455,39 +26724,21 @@
                                   </p:childTnLst>
                                 </p:cTn>
                               </p:par>
-                            </p:childTnLst>
-                          </p:cTn>
-                        </p:par>
-                      </p:childTnLst>
-                    </p:cTn>
-                  </p:par>
-                  <p:par>
-                    <p:cTn id="136" fill="hold">
-                      <p:stCondLst>
-                        <p:cond delay="indefinite"/>
-                      </p:stCondLst>
-                      <p:childTnLst>
-                        <p:par>
-                          <p:cTn id="137" fill="hold">
-                            <p:stCondLst>
-                              <p:cond delay="0"/>
-                            </p:stCondLst>
-                            <p:childTnLst>
                               <p:par>
-                                <p:cTn id="138" presetID="22" presetClass="entr" presetSubtype="4" fill="hold" grpId="0" nodeType="clickEffect">
+                                <p:cTn id="144" presetID="26" presetClass="entr" presetSubtype="0" fill="hold" grpId="0" nodeType="withEffect">
                                   <p:stCondLst>
                                     <p:cond delay="0"/>
                                   </p:stCondLst>
                                   <p:childTnLst>
                                     <p:set>
                                       <p:cBhvr>
-                                        <p:cTn id="139" dur="1" fill="hold">
+                                        <p:cTn id="145" dur="1" fill="hold">
                                           <p:stCondLst>
                                             <p:cond delay="0"/>
                                           </p:stCondLst>
                                         </p:cTn>
                                         <p:tgtEl>
-                                          <p:spTgt spid="37"/>
+                                          <p:spTgt spid="39"/>
                                         </p:tgtEl>
                                         <p:attrNameLst>
                                           <p:attrName>style.visibility</p:attrName>
@@ -26499,398 +26750,25 @@
                                     </p:set>
                                     <p:animEffect transition="in" filter="wipe(down)">
                                       <p:cBhvr>
-                                        <p:cTn id="140" dur="500"/>
-                                        <p:tgtEl>
-                                          <p:spTgt spid="37"/>
-                                        </p:tgtEl>
-                                      </p:cBhvr>
-                                    </p:animEffect>
-                                  </p:childTnLst>
-                                </p:cTn>
-                              </p:par>
-                              <p:par>
-                                <p:cTn id="141" presetID="22" presetClass="entr" presetSubtype="4" fill="hold" grpId="0" nodeType="withEffect">
-                                  <p:stCondLst>
-                                    <p:cond delay="0"/>
-                                  </p:stCondLst>
-                                  <p:childTnLst>
-                                    <p:set>
-                                      <p:cBhvr>
-                                        <p:cTn id="142" dur="1" fill="hold">
+                                        <p:cTn id="146" dur="580">
                                           <p:stCondLst>
                                             <p:cond delay="0"/>
                                           </p:stCondLst>
                                         </p:cTn>
                                         <p:tgtEl>
-                                          <p:spTgt spid="62"/>
-                                        </p:tgtEl>
-                                        <p:attrNameLst>
-                                          <p:attrName>style.visibility</p:attrName>
-                                        </p:attrNameLst>
-                                      </p:cBhvr>
-                                      <p:to>
-                                        <p:strVal val="visible"/>
-                                      </p:to>
-                                    </p:set>
-                                    <p:animEffect transition="in" filter="wipe(down)">
-                                      <p:cBhvr>
-                                        <p:cTn id="143" dur="500"/>
-                                        <p:tgtEl>
-                                          <p:spTgt spid="62"/>
+                                          <p:spTgt spid="39"/>
                                         </p:tgtEl>
                                       </p:cBhvr>
                                     </p:animEffect>
-                                  </p:childTnLst>
-                                </p:cTn>
-                              </p:par>
-                            </p:childTnLst>
-                          </p:cTn>
-                        </p:par>
-                      </p:childTnLst>
-                    </p:cTn>
-                  </p:par>
-                  <p:par>
-                    <p:cTn id="144" fill="hold">
-                      <p:stCondLst>
-                        <p:cond delay="indefinite"/>
-                      </p:stCondLst>
-                      <p:childTnLst>
-                        <p:par>
-                          <p:cTn id="145" fill="hold">
-                            <p:stCondLst>
-                              <p:cond delay="0"/>
-                            </p:stCondLst>
-                            <p:childTnLst>
-                              <p:par>
-                                <p:cTn id="146" presetID="6" presetClass="entr" presetSubtype="16" fill="hold" grpId="0" nodeType="clickEffect">
-                                  <p:stCondLst>
-                                    <p:cond delay="0"/>
-                                  </p:stCondLst>
-                                  <p:childTnLst>
-                                    <p:set>
+                                    <p:anim calcmode="lin" valueType="num">
                                       <p:cBhvr>
-                                        <p:cTn id="147" dur="1" fill="hold">
+                                        <p:cTn id="147" dur="1822" tmFilter="0,0; 0.14,0.36; 0.43,0.73; 0.71,0.91; 1.0,1.0">
                                           <p:stCondLst>
                                             <p:cond delay="0"/>
                                           </p:stCondLst>
                                         </p:cTn>
                                         <p:tgtEl>
-                                          <p:spTgt spid="61"/>
-                                        </p:tgtEl>
-                                        <p:attrNameLst>
-                                          <p:attrName>style.visibility</p:attrName>
-                                        </p:attrNameLst>
-                                      </p:cBhvr>
-                                      <p:to>
-                                        <p:strVal val="visible"/>
-                                      </p:to>
-                                    </p:set>
-                                    <p:animEffect transition="in" filter="circle(in)">
-                                      <p:cBhvr>
-                                        <p:cTn id="148" dur="2000"/>
-                                        <p:tgtEl>
-                                          <p:spTgt spid="61"/>
-                                        </p:tgtEl>
-                                      </p:cBhvr>
-                                    </p:animEffect>
-                                  </p:childTnLst>
-                                </p:cTn>
-                              </p:par>
-                            </p:childTnLst>
-                          </p:cTn>
-                        </p:par>
-                      </p:childTnLst>
-                    </p:cTn>
-                  </p:par>
-                  <p:par>
-                    <p:cTn id="149" fill="hold">
-                      <p:stCondLst>
-                        <p:cond delay="indefinite"/>
-                      </p:stCondLst>
-                      <p:childTnLst>
-                        <p:par>
-                          <p:cTn id="150" fill="hold">
-                            <p:stCondLst>
-                              <p:cond delay="0"/>
-                            </p:stCondLst>
-                            <p:childTnLst>
-                              <p:par>
-                                <p:cTn id="151" presetID="10" presetClass="exit" presetSubtype="0" fill="hold" grpId="1" nodeType="clickEffect">
-                                  <p:stCondLst>
-                                    <p:cond delay="0"/>
-                                  </p:stCondLst>
-                                  <p:childTnLst>
-                                    <p:animEffect transition="out" filter="fade">
-                                      <p:cBhvr>
-                                        <p:cTn id="152" dur="500"/>
-                                        <p:tgtEl>
-                                          <p:spTgt spid="10"/>
-                                        </p:tgtEl>
-                                      </p:cBhvr>
-                                    </p:animEffect>
-                                    <p:set>
-                                      <p:cBhvr>
-                                        <p:cTn id="153" dur="1" fill="hold">
-                                          <p:stCondLst>
-                                            <p:cond delay="499"/>
-                                          </p:stCondLst>
-                                        </p:cTn>
-                                        <p:tgtEl>
-                                          <p:spTgt spid="10"/>
-                                        </p:tgtEl>
-                                        <p:attrNameLst>
-                                          <p:attrName>style.visibility</p:attrName>
-                                        </p:attrNameLst>
-                                      </p:cBhvr>
-                                      <p:to>
-                                        <p:strVal val="hidden"/>
-                                      </p:to>
-                                    </p:set>
-                                  </p:childTnLst>
-                                </p:cTn>
-                              </p:par>
-                            </p:childTnLst>
-                          </p:cTn>
-                        </p:par>
-                      </p:childTnLst>
-                    </p:cTn>
-                  </p:par>
-                  <p:par>
-                    <p:cTn id="154" fill="hold">
-                      <p:stCondLst>
-                        <p:cond delay="indefinite"/>
-                      </p:stCondLst>
-                      <p:childTnLst>
-                        <p:par>
-                          <p:cTn id="155" fill="hold">
-                            <p:stCondLst>
-                              <p:cond delay="0"/>
-                            </p:stCondLst>
-                            <p:childTnLst>
-                              <p:par>
-                                <p:cTn id="156" presetID="56" presetClass="path" presetSubtype="0" accel="50000" decel="50000" fill="hold" nodeType="clickEffect">
-                                  <p:stCondLst>
-                                    <p:cond delay="0"/>
-                                  </p:stCondLst>
-                                  <p:childTnLst>
-                                    <p:animMotion origin="layout" path="M 0 0 L 0.25 -0.25 E" pathEditMode="relative" ptsTypes="">
-                                      <p:cBhvr>
-                                        <p:cTn id="157" dur="2000" fill="hold"/>
-                                        <p:tgtEl>
-                                          <p:spTgt spid="3074"/>
-                                        </p:tgtEl>
-                                        <p:attrNameLst>
-                                          <p:attrName>ppt_x</p:attrName>
-                                          <p:attrName>ppt_y</p:attrName>
-                                        </p:attrNameLst>
-                                      </p:cBhvr>
-                                    </p:animMotion>
-                                  </p:childTnLst>
-                                </p:cTn>
-                              </p:par>
-                              <p:par>
-                                <p:cTn id="158" presetID="56" presetClass="path" presetSubtype="0" accel="50000" decel="50000" fill="hold" grpId="1" nodeType="withEffect">
-                                  <p:stCondLst>
-                                    <p:cond delay="0"/>
-                                  </p:stCondLst>
-                                  <p:childTnLst>
-                                    <p:animMotion origin="layout" path="M 0 0 L 0.25 -0.25 E" pathEditMode="relative" ptsTypes="">
-                                      <p:cBhvr>
-                                        <p:cTn id="159" dur="2000" fill="hold"/>
-                                        <p:tgtEl>
-                                          <p:spTgt spid="59"/>
-                                        </p:tgtEl>
-                                        <p:attrNameLst>
-                                          <p:attrName>ppt_x</p:attrName>
-                                          <p:attrName>ppt_y</p:attrName>
-                                        </p:attrNameLst>
-                                      </p:cBhvr>
-                                    </p:animMotion>
-                                  </p:childTnLst>
-                                </p:cTn>
-                              </p:par>
-                              <p:par>
-                                <p:cTn id="160" presetID="56" presetClass="path" presetSubtype="0" accel="50000" decel="50000" fill="hold" grpId="1" nodeType="withEffect">
-                                  <p:stCondLst>
-                                    <p:cond delay="0"/>
-                                  </p:stCondLst>
-                                  <p:childTnLst>
-                                    <p:animMotion origin="layout" path="M 0 0 L 0.25 -0.25 E" pathEditMode="relative" ptsTypes="">
-                                      <p:cBhvr>
-                                        <p:cTn id="161" dur="2000" fill="hold"/>
-                                        <p:tgtEl>
-                                          <p:spTgt spid="58"/>
-                                        </p:tgtEl>
-                                        <p:attrNameLst>
-                                          <p:attrName>ppt_x</p:attrName>
-                                          <p:attrName>ppt_y</p:attrName>
-                                        </p:attrNameLst>
-                                      </p:cBhvr>
-                                    </p:animMotion>
-                                  </p:childTnLst>
-                                </p:cTn>
-                              </p:par>
-                            </p:childTnLst>
-                          </p:cTn>
-                        </p:par>
-                      </p:childTnLst>
-                    </p:cTn>
-                  </p:par>
-                  <p:par>
-                    <p:cTn id="162" fill="hold">
-                      <p:stCondLst>
-                        <p:cond delay="indefinite"/>
-                      </p:stCondLst>
-                      <p:childTnLst>
-                        <p:par>
-                          <p:cTn id="163" fill="hold">
-                            <p:stCondLst>
-                              <p:cond delay="0"/>
-                            </p:stCondLst>
-                            <p:childTnLst>
-                              <p:par>
-                                <p:cTn id="164" presetID="10" presetClass="exit" presetSubtype="0" fill="hold" grpId="2" nodeType="clickEffect">
-                                  <p:stCondLst>
-                                    <p:cond delay="0"/>
-                                  </p:stCondLst>
-                                  <p:childTnLst>
-                                    <p:animEffect transition="out" filter="fade">
-                                      <p:cBhvr>
-                                        <p:cTn id="165" dur="500"/>
-                                        <p:tgtEl>
-                                          <p:spTgt spid="58"/>
-                                        </p:tgtEl>
-                                      </p:cBhvr>
-                                    </p:animEffect>
-                                    <p:set>
-                                      <p:cBhvr>
-                                        <p:cTn id="166" dur="1" fill="hold">
-                                          <p:stCondLst>
-                                            <p:cond delay="499"/>
-                                          </p:stCondLst>
-                                        </p:cTn>
-                                        <p:tgtEl>
-                                          <p:spTgt spid="58"/>
-                                        </p:tgtEl>
-                                        <p:attrNameLst>
-                                          <p:attrName>style.visibility</p:attrName>
-                                        </p:attrNameLst>
-                                      </p:cBhvr>
-                                      <p:to>
-                                        <p:strVal val="hidden"/>
-                                      </p:to>
-                                    </p:set>
-                                  </p:childTnLst>
-                                </p:cTn>
-                              </p:par>
-                            </p:childTnLst>
-                          </p:cTn>
-                        </p:par>
-                      </p:childTnLst>
-                    </p:cTn>
-                  </p:par>
-                  <p:par>
-                    <p:cTn id="167" fill="hold">
-                      <p:stCondLst>
-                        <p:cond delay="indefinite"/>
-                      </p:stCondLst>
-                      <p:childTnLst>
-                        <p:par>
-                          <p:cTn id="168" fill="hold">
-                            <p:stCondLst>
-                              <p:cond delay="0"/>
-                            </p:stCondLst>
-                            <p:childTnLst>
-                              <p:par>
-                                <p:cTn id="169" presetID="6" presetClass="entr" presetSubtype="16" fill="hold" grpId="0" nodeType="clickEffect">
-                                  <p:stCondLst>
-                                    <p:cond delay="0"/>
-                                  </p:stCondLst>
-                                  <p:childTnLst>
-                                    <p:set>
-                                      <p:cBhvr>
-                                        <p:cTn id="170" dur="1" fill="hold">
-                                          <p:stCondLst>
-                                            <p:cond delay="0"/>
-                                          </p:stCondLst>
-                                        </p:cTn>
-                                        <p:tgtEl>
-                                          <p:spTgt spid="63"/>
-                                        </p:tgtEl>
-                                        <p:attrNameLst>
-                                          <p:attrName>style.visibility</p:attrName>
-                                        </p:attrNameLst>
-                                      </p:cBhvr>
-                                      <p:to>
-                                        <p:strVal val="visible"/>
-                                      </p:to>
-                                    </p:set>
-                                    <p:animEffect transition="in" filter="circle(in)">
-                                      <p:cBhvr>
-                                        <p:cTn id="171" dur="2000"/>
-                                        <p:tgtEl>
-                                          <p:spTgt spid="63"/>
-                                        </p:tgtEl>
-                                      </p:cBhvr>
-                                    </p:animEffect>
-                                  </p:childTnLst>
-                                </p:cTn>
-                              </p:par>
-                            </p:childTnLst>
-                          </p:cTn>
-                        </p:par>
-                      </p:childTnLst>
-                    </p:cTn>
-                  </p:par>
-                  <p:par>
-                    <p:cTn id="172" fill="hold">
-                      <p:stCondLst>
-                        <p:cond delay="indefinite"/>
-                      </p:stCondLst>
-                      <p:childTnLst>
-                        <p:par>
-                          <p:cTn id="173" fill="hold">
-                            <p:stCondLst>
-                              <p:cond delay="0"/>
-                            </p:stCondLst>
-                            <p:childTnLst>
-                              <p:par>
-                                <p:cTn id="174" presetID="42" presetClass="entr" presetSubtype="0" fill="hold" grpId="0" nodeType="clickEffect">
-                                  <p:stCondLst>
-                                    <p:cond delay="0"/>
-                                  </p:stCondLst>
-                                  <p:childTnLst>
-                                    <p:set>
-                                      <p:cBhvr>
-                                        <p:cTn id="175" dur="1" fill="hold">
-                                          <p:stCondLst>
-                                            <p:cond delay="0"/>
-                                          </p:stCondLst>
-                                        </p:cTn>
-                                        <p:tgtEl>
-                                          <p:spTgt spid="66"/>
-                                        </p:tgtEl>
-                                        <p:attrNameLst>
-                                          <p:attrName>style.visibility</p:attrName>
-                                        </p:attrNameLst>
-                                      </p:cBhvr>
-                                      <p:to>
-                                        <p:strVal val="visible"/>
-                                      </p:to>
-                                    </p:set>
-                                    <p:animEffect transition="in" filter="fade">
-                                      <p:cBhvr>
-                                        <p:cTn id="176" dur="1000"/>
-                                        <p:tgtEl>
-                                          <p:spTgt spid="66"/>
-                                        </p:tgtEl>
-                                      </p:cBhvr>
-                                    </p:animEffect>
-                                    <p:anim calcmode="lin" valueType="num">
-                                      <p:cBhvr>
-                                        <p:cTn id="177" dur="1000" fill="hold"/>
-                                        <p:tgtEl>
-                                          <p:spTgt spid="66"/>
+                                          <p:spTgt spid="39"/>
                                         </p:tgtEl>
                                         <p:attrNameLst>
                                           <p:attrName>ppt_x</p:attrName>
@@ -26899,7 +26777,7 @@
                                       <p:tavLst>
                                         <p:tav tm="0">
                                           <p:val>
-                                            <p:strVal val="#ppt_x"/>
+                                            <p:strVal val="#ppt_x-0.25"/>
                                           </p:val>
                                         </p:tav>
                                         <p:tav tm="100000">
@@ -26911,189 +26789,216 @@
                                     </p:anim>
                                     <p:anim calcmode="lin" valueType="num">
                                       <p:cBhvr>
-                                        <p:cTn id="178" dur="1000" fill="hold"/>
+                                        <p:cTn id="148" dur="664" tmFilter="0.0,0.0; 0.25,0.07; 0.50,0.2; 0.75,0.467; 1.0,1.0">
+                                          <p:stCondLst>
+                                            <p:cond delay="0"/>
+                                          </p:stCondLst>
+                                        </p:cTn>
                                         <p:tgtEl>
-                                          <p:spTgt spid="66"/>
+                                          <p:spTgt spid="39"/>
                                         </p:tgtEl>
                                         <p:attrNameLst>
                                           <p:attrName>ppt_y</p:attrName>
                                         </p:attrNameLst>
                                       </p:cBhvr>
                                       <p:tavLst>
-                                        <p:tav tm="0">
+                                        <p:tav tm="0" fmla="#ppt_y-sin(pi*$)/3">
                                           <p:val>
-                                            <p:strVal val="#ppt_y+.1"/>
+                                            <p:fltVal val="0.5"/>
                                           </p:val>
                                         </p:tav>
                                         <p:tav tm="100000">
                                           <p:val>
-                                            <p:strVal val="#ppt_y"/>
-                                          </p:val>
-                                        </p:tav>
-                                      </p:tavLst>
-                                    </p:anim>
-                                  </p:childTnLst>
-                                </p:cTn>
-                              </p:par>
-                              <p:par>
-                                <p:cTn id="179" presetID="42" presetClass="entr" presetSubtype="0" fill="hold" nodeType="withEffect">
-                                  <p:stCondLst>
-                                    <p:cond delay="0"/>
-                                  </p:stCondLst>
-                                  <p:childTnLst>
-                                    <p:set>
-                                      <p:cBhvr>
-                                        <p:cTn id="180" dur="1" fill="hold">
-                                          <p:stCondLst>
-                                            <p:cond delay="0"/>
-                                          </p:stCondLst>
-                                        </p:cTn>
-                                        <p:tgtEl>
-                                          <p:spTgt spid="64"/>
-                                        </p:tgtEl>
-                                        <p:attrNameLst>
-                                          <p:attrName>style.visibility</p:attrName>
-                                        </p:attrNameLst>
-                                      </p:cBhvr>
-                                      <p:to>
-                                        <p:strVal val="visible"/>
-                                      </p:to>
-                                    </p:set>
-                                    <p:animEffect transition="in" filter="fade">
-                                      <p:cBhvr>
-                                        <p:cTn id="181" dur="1000"/>
-                                        <p:tgtEl>
-                                          <p:spTgt spid="64"/>
-                                        </p:tgtEl>
-                                      </p:cBhvr>
-                                    </p:animEffect>
-                                    <p:anim calcmode="lin" valueType="num">
-                                      <p:cBhvr>
-                                        <p:cTn id="182" dur="1000" fill="hold"/>
-                                        <p:tgtEl>
-                                          <p:spTgt spid="64"/>
-                                        </p:tgtEl>
-                                        <p:attrNameLst>
-                                          <p:attrName>ppt_x</p:attrName>
-                                        </p:attrNameLst>
-                                      </p:cBhvr>
-                                      <p:tavLst>
-                                        <p:tav tm="0">
-                                          <p:val>
-                                            <p:strVal val="#ppt_x"/>
-                                          </p:val>
-                                        </p:tav>
-                                        <p:tav tm="100000">
-                                          <p:val>
-                                            <p:strVal val="#ppt_x"/>
+                                            <p:fltVal val="1"/>
                                           </p:val>
                                         </p:tav>
                                       </p:tavLst>
                                     </p:anim>
                                     <p:anim calcmode="lin" valueType="num">
                                       <p:cBhvr>
-                                        <p:cTn id="183" dur="1000" fill="hold"/>
+                                        <p:cTn id="149" dur="664" tmFilter="0, 0; 0.125,0.2665; 0.25,0.4; 0.375,0.465; 0.5,0.5;  0.625,0.535; 0.75,0.6; 0.875,0.7335; 1,1">
+                                          <p:stCondLst>
+                                            <p:cond delay="664"/>
+                                          </p:stCondLst>
+                                        </p:cTn>
                                         <p:tgtEl>
-                                          <p:spTgt spid="64"/>
+                                          <p:spTgt spid="39"/>
                                         </p:tgtEl>
                                         <p:attrNameLst>
                                           <p:attrName>ppt_y</p:attrName>
                                         </p:attrNameLst>
                                       </p:cBhvr>
                                       <p:tavLst>
-                                        <p:tav tm="0">
+                                        <p:tav tm="0" fmla="#ppt_y-sin(pi*$)/9">
                                           <p:val>
-                                            <p:strVal val="#ppt_y+.1"/>
+                                            <p:fltVal val="0"/>
                                           </p:val>
                                         </p:tav>
                                         <p:tav tm="100000">
                                           <p:val>
-                                            <p:strVal val="#ppt_y"/>
-                                          </p:val>
-                                        </p:tav>
-                                      </p:tavLst>
-                                    </p:anim>
-                                  </p:childTnLst>
-                                </p:cTn>
-                              </p:par>
-                              <p:par>
-                                <p:cTn id="184" presetID="42" presetClass="entr" presetSubtype="0" fill="hold" grpId="0" nodeType="withEffect">
-                                  <p:stCondLst>
-                                    <p:cond delay="0"/>
-                                  </p:stCondLst>
-                                  <p:childTnLst>
-                                    <p:set>
-                                      <p:cBhvr>
-                                        <p:cTn id="185" dur="1" fill="hold">
-                                          <p:stCondLst>
-                                            <p:cond delay="0"/>
-                                          </p:stCondLst>
-                                        </p:cTn>
-                                        <p:tgtEl>
-                                          <p:spTgt spid="65"/>
-                                        </p:tgtEl>
-                                        <p:attrNameLst>
-                                          <p:attrName>style.visibility</p:attrName>
-                                        </p:attrNameLst>
-                                      </p:cBhvr>
-                                      <p:to>
-                                        <p:strVal val="visible"/>
-                                      </p:to>
-                                    </p:set>
-                                    <p:animEffect transition="in" filter="fade">
-                                      <p:cBhvr>
-                                        <p:cTn id="186" dur="1000"/>
-                                        <p:tgtEl>
-                                          <p:spTgt spid="65"/>
-                                        </p:tgtEl>
-                                      </p:cBhvr>
-                                    </p:animEffect>
-                                    <p:anim calcmode="lin" valueType="num">
-                                      <p:cBhvr>
-                                        <p:cTn id="187" dur="1000" fill="hold"/>
-                                        <p:tgtEl>
-                                          <p:spTgt spid="65"/>
-                                        </p:tgtEl>
-                                        <p:attrNameLst>
-                                          <p:attrName>ppt_x</p:attrName>
-                                        </p:attrNameLst>
-                                      </p:cBhvr>
-                                      <p:tavLst>
-                                        <p:tav tm="0">
-                                          <p:val>
-                                            <p:strVal val="#ppt_x"/>
-                                          </p:val>
-                                        </p:tav>
-                                        <p:tav tm="100000">
-                                          <p:val>
-                                            <p:strVal val="#ppt_x"/>
+                                            <p:fltVal val="1"/>
                                           </p:val>
                                         </p:tav>
                                       </p:tavLst>
                                     </p:anim>
                                     <p:anim calcmode="lin" valueType="num">
                                       <p:cBhvr>
-                                        <p:cTn id="188" dur="1000" fill="hold"/>
+                                        <p:cTn id="150" dur="332" tmFilter="0, 0; 0.125,0.2665; 0.25,0.4; 0.375,0.465; 0.5,0.5;  0.625,0.535; 0.75,0.6; 0.875,0.7335; 1,1">
+                                          <p:stCondLst>
+                                            <p:cond delay="1324"/>
+                                          </p:stCondLst>
+                                        </p:cTn>
                                         <p:tgtEl>
-                                          <p:spTgt spid="65"/>
+                                          <p:spTgt spid="39"/>
                                         </p:tgtEl>
                                         <p:attrNameLst>
                                           <p:attrName>ppt_y</p:attrName>
                                         </p:attrNameLst>
                                       </p:cBhvr>
                                       <p:tavLst>
-                                        <p:tav tm="0">
+                                        <p:tav tm="0" fmla="#ppt_y-sin(pi*$)/27">
                                           <p:val>
-                                            <p:strVal val="#ppt_y+.1"/>
+                                            <p:fltVal val="0"/>
                                           </p:val>
                                         </p:tav>
                                         <p:tav tm="100000">
                                           <p:val>
-                                            <p:strVal val="#ppt_y"/>
+                                            <p:fltVal val="1"/>
                                           </p:val>
                                         </p:tav>
                                       </p:tavLst>
                                     </p:anim>
+                                    <p:anim calcmode="lin" valueType="num">
+                                      <p:cBhvr>
+                                        <p:cTn id="151" dur="164" tmFilter="0, 0; 0.125,0.2665; 0.25,0.4; 0.375,0.465; 0.5,0.5;  0.625,0.535; 0.75,0.6; 0.875,0.7335; 1,1">
+                                          <p:stCondLst>
+                                            <p:cond delay="1656"/>
+                                          </p:stCondLst>
+                                        </p:cTn>
+                                        <p:tgtEl>
+                                          <p:spTgt spid="39"/>
+                                        </p:tgtEl>
+                                        <p:attrNameLst>
+                                          <p:attrName>ppt_y</p:attrName>
+                                        </p:attrNameLst>
+                                      </p:cBhvr>
+                                      <p:tavLst>
+                                        <p:tav tm="0" fmla="#ppt_y-sin(pi*$)/81">
+                                          <p:val>
+                                            <p:fltVal val="0"/>
+                                          </p:val>
+                                        </p:tav>
+                                        <p:tav tm="100000">
+                                          <p:val>
+                                            <p:fltVal val="1"/>
+                                          </p:val>
+                                        </p:tav>
+                                      </p:tavLst>
+                                    </p:anim>
+                                    <p:animScale>
+                                      <p:cBhvr>
+                                        <p:cTn id="152" dur="26">
+                                          <p:stCondLst>
+                                            <p:cond delay="650"/>
+                                          </p:stCondLst>
+                                        </p:cTn>
+                                        <p:tgtEl>
+                                          <p:spTgt spid="39"/>
+                                        </p:tgtEl>
+                                      </p:cBhvr>
+                                      <p:to x="100000" y="60000"/>
+                                    </p:animScale>
+                                    <p:animScale>
+                                      <p:cBhvr>
+                                        <p:cTn id="153" dur="166" decel="50000">
+                                          <p:stCondLst>
+                                            <p:cond delay="676"/>
+                                          </p:stCondLst>
+                                        </p:cTn>
+                                        <p:tgtEl>
+                                          <p:spTgt spid="39"/>
+                                        </p:tgtEl>
+                                      </p:cBhvr>
+                                      <p:to x="100000" y="100000"/>
+                                    </p:animScale>
+                                    <p:animScale>
+                                      <p:cBhvr>
+                                        <p:cTn id="154" dur="26">
+                                          <p:stCondLst>
+                                            <p:cond delay="1312"/>
+                                          </p:stCondLst>
+                                        </p:cTn>
+                                        <p:tgtEl>
+                                          <p:spTgt spid="39"/>
+                                        </p:tgtEl>
+                                      </p:cBhvr>
+                                      <p:to x="100000" y="80000"/>
+                                    </p:animScale>
+                                    <p:animScale>
+                                      <p:cBhvr>
+                                        <p:cTn id="155" dur="166" decel="50000">
+                                          <p:stCondLst>
+                                            <p:cond delay="1338"/>
+                                          </p:stCondLst>
+                                        </p:cTn>
+                                        <p:tgtEl>
+                                          <p:spTgt spid="39"/>
+                                        </p:tgtEl>
+                                      </p:cBhvr>
+                                      <p:to x="100000" y="100000"/>
+                                    </p:animScale>
+                                    <p:animScale>
+                                      <p:cBhvr>
+                                        <p:cTn id="156" dur="26">
+                                          <p:stCondLst>
+                                            <p:cond delay="1642"/>
+                                          </p:stCondLst>
+                                        </p:cTn>
+                                        <p:tgtEl>
+                                          <p:spTgt spid="39"/>
+                                        </p:tgtEl>
+                                      </p:cBhvr>
+                                      <p:to x="100000" y="90000"/>
+                                    </p:animScale>
+                                    <p:animScale>
+                                      <p:cBhvr>
+                                        <p:cTn id="157" dur="166" decel="50000">
+                                          <p:stCondLst>
+                                            <p:cond delay="1668"/>
+                                          </p:stCondLst>
+                                        </p:cTn>
+                                        <p:tgtEl>
+                                          <p:spTgt spid="39"/>
+                                        </p:tgtEl>
+                                      </p:cBhvr>
+                                      <p:to x="100000" y="100000"/>
+                                    </p:animScale>
+                                    <p:animScale>
+                                      <p:cBhvr>
+                                        <p:cTn id="158" dur="26">
+                                          <p:stCondLst>
+                                            <p:cond delay="1808"/>
+                                          </p:stCondLst>
+                                        </p:cTn>
+                                        <p:tgtEl>
+                                          <p:spTgt spid="39"/>
+                                        </p:tgtEl>
+                                      </p:cBhvr>
+                                      <p:to x="100000" y="95000"/>
+                                    </p:animScale>
+                                    <p:animScale>
+                                      <p:cBhvr>
+                                        <p:cTn id="159" dur="166" decel="50000">
+                                          <p:stCondLst>
+                                            <p:cond delay="1834"/>
+                                          </p:stCondLst>
+                                        </p:cTn>
+                                        <p:tgtEl>
+                                          <p:spTgt spid="39"/>
+                                        </p:tgtEl>
+                                      </p:cBhvr>
+                                      <p:to x="100000" y="100000"/>
+                                    </p:animScale>
                                   </p:childTnLst>
                                 </p:cTn>
                               </p:par>
@@ -27133,25 +27038,16 @@
       <p:bldP spid="32" grpId="0"/>
       <p:bldP spid="34" grpId="0"/>
       <p:bldP spid="10" grpId="0" animBg="1"/>
-      <p:bldP spid="10" grpId="1" animBg="1"/>
       <p:bldP spid="51" grpId="0" animBg="1"/>
-      <p:bldP spid="35" grpId="0" animBg="1"/>
       <p:bldP spid="36" grpId="0" animBg="1"/>
       <p:bldP spid="54" grpId="0" animBg="1"/>
       <p:bldP spid="55" grpId="0" animBg="1"/>
-      <p:bldP spid="56" grpId="0" animBg="1"/>
-      <p:bldP spid="57" grpId="0" animBg="1"/>
       <p:bldP spid="58" grpId="0" animBg="1"/>
-      <p:bldP spid="58" grpId="1" animBg="1"/>
-      <p:bldP spid="58" grpId="2" animBg="1"/>
       <p:bldP spid="59" grpId="0" animBg="1"/>
-      <p:bldP spid="59" grpId="1" animBg="1"/>
-      <p:bldP spid="61" grpId="0" animBg="1"/>
-      <p:bldP spid="37" grpId="0" animBg="1"/>
-      <p:bldP spid="62" grpId="0" animBg="1"/>
-      <p:bldP spid="63" grpId="0" animBg="1"/>
       <p:bldP spid="65" grpId="0"/>
       <p:bldP spid="66" grpId="0" animBg="1"/>
+      <p:bldP spid="38" grpId="0" animBg="1"/>
+      <p:bldP spid="39" grpId="0" animBg="1"/>
     </p:bldLst>
   </p:timing>
 </p:sld>
